--- a/lectures/lecture2.pptx
+++ b/lectures/lecture2.pptx
@@ -213,6 +213,20 @@
         </p14:section>
       </p14:sectionLst>
     </p:ext>
+    <p:ext uri="{EFAFB233-063F-42B5-8137-9DF3F51BA10A}">
+      <p15:sldGuideLst xmlns:p15="http://schemas.microsoft.com/office/powerpoint/2012/main">
+        <p15:guide id="1" orient="horz" pos="2160">
+          <p15:clr>
+            <a:srgbClr val="A4A3A4"/>
+          </p15:clr>
+        </p15:guide>
+        <p15:guide id="2" pos="2880">
+          <p15:clr>
+            <a:srgbClr val="A4A3A4"/>
+          </p15:clr>
+        </p15:guide>
+      </p15:sldGuideLst>
+    </p:ext>
   </p:extLst>
 </p:presentation>
 </file>
@@ -299,7 +313,7 @@
           <a:p>
             <a:fld id="{88225CEC-B4DB-421E-BD7D-F5D0F79EA658}" type="datetimeFigureOut">
               <a:rPr lang="en-US" smtClean="0"/>
-              <a:t>9/24/2020</a:t>
+              <a:t>10/14/2020</a:t>
             </a:fld>
             <a:endParaRPr lang="en-US"/>
           </a:p>
@@ -363,38 +377,37 @@
           <a:p>
             <a:pPr lvl="0"/>
             <a:r>
-              <a:rPr lang="en-US" smtClean="0"/>
+              <a:rPr lang="en-US"/>
               <a:t>Click to edit Master text styles</a:t>
             </a:r>
           </a:p>
           <a:p>
             <a:pPr lvl="1"/>
             <a:r>
-              <a:rPr lang="en-US" smtClean="0"/>
+              <a:rPr lang="en-US"/>
               <a:t>Second level</a:t>
             </a:r>
           </a:p>
           <a:p>
             <a:pPr lvl="2"/>
             <a:r>
-              <a:rPr lang="en-US" smtClean="0"/>
+              <a:rPr lang="en-US"/>
               <a:t>Third level</a:t>
             </a:r>
           </a:p>
           <a:p>
             <a:pPr lvl="3"/>
             <a:r>
-              <a:rPr lang="en-US" smtClean="0"/>
+              <a:rPr lang="en-US"/>
               <a:t>Fourth level</a:t>
             </a:r>
           </a:p>
           <a:p>
             <a:pPr lvl="4"/>
             <a:r>
-              <a:rPr lang="en-US" smtClean="0"/>
+              <a:rPr lang="en-US"/>
               <a:t>Fifth level</a:t>
             </a:r>
-            <a:endParaRPr lang="en-US"/>
           </a:p>
         </p:txBody>
       </p:sp>
@@ -689,10 +702,9 @@
           <a:lstStyle/>
           <a:p>
             <a:r>
-              <a:rPr lang="en-US" smtClean="0"/>
+              <a:rPr lang="en-US"/>
               <a:t>Click to edit Master title style</a:t>
             </a:r>
-            <a:endParaRPr lang="en-US"/>
           </a:p>
         </p:txBody>
       </p:sp>
@@ -808,10 +820,9 @@
           </a:lstStyle>
           <a:p>
             <a:r>
-              <a:rPr lang="en-US" smtClean="0"/>
+              <a:rPr lang="en-US"/>
               <a:t>Click to edit Master subtitle style</a:t>
             </a:r>
-            <a:endParaRPr lang="en-US"/>
           </a:p>
         </p:txBody>
       </p:sp>
@@ -832,7 +843,7 @@
           <a:p>
             <a:fld id="{2F895662-E2E6-47BC-B493-3EA4FCF734B6}" type="datetime1">
               <a:rPr lang="en-US" smtClean="0"/>
-              <a:t>9/24/2020</a:t>
+              <a:t>10/14/2020</a:t>
             </a:fld>
             <a:endParaRPr lang="en-US"/>
           </a:p>
@@ -926,10 +937,9 @@
           <a:lstStyle/>
           <a:p>
             <a:r>
-              <a:rPr lang="en-US" smtClean="0"/>
+              <a:rPr lang="en-US"/>
               <a:t>Click to edit Master title style</a:t>
             </a:r>
-            <a:endParaRPr lang="en-US"/>
           </a:p>
         </p:txBody>
       </p:sp>
@@ -950,38 +960,37 @@
           <a:p>
             <a:pPr lvl="0"/>
             <a:r>
-              <a:rPr lang="en-US" smtClean="0"/>
+              <a:rPr lang="en-US"/>
               <a:t>Click to edit Master text styles</a:t>
             </a:r>
           </a:p>
           <a:p>
             <a:pPr lvl="1"/>
             <a:r>
-              <a:rPr lang="en-US" smtClean="0"/>
+              <a:rPr lang="en-US"/>
               <a:t>Second level</a:t>
             </a:r>
           </a:p>
           <a:p>
             <a:pPr lvl="2"/>
             <a:r>
-              <a:rPr lang="en-US" smtClean="0"/>
+              <a:rPr lang="en-US"/>
               <a:t>Third level</a:t>
             </a:r>
           </a:p>
           <a:p>
             <a:pPr lvl="3"/>
             <a:r>
-              <a:rPr lang="en-US" smtClean="0"/>
+              <a:rPr lang="en-US"/>
               <a:t>Fourth level</a:t>
             </a:r>
           </a:p>
           <a:p>
             <a:pPr lvl="4"/>
             <a:r>
-              <a:rPr lang="en-US" smtClean="0"/>
+              <a:rPr lang="en-US"/>
               <a:t>Fifth level</a:t>
             </a:r>
-            <a:endParaRPr lang="en-US"/>
           </a:p>
         </p:txBody>
       </p:sp>
@@ -1002,7 +1011,7 @@
           <a:p>
             <a:fld id="{0F4BFD65-5602-4172-B54C-6A65165A1845}" type="datetime1">
               <a:rPr lang="en-US" smtClean="0"/>
-              <a:t>9/24/2020</a:t>
+              <a:t>10/14/2020</a:t>
             </a:fld>
             <a:endParaRPr lang="en-US"/>
           </a:p>
@@ -1101,10 +1110,9 @@
           <a:lstStyle/>
           <a:p>
             <a:r>
-              <a:rPr lang="en-US" smtClean="0"/>
+              <a:rPr lang="en-US"/>
               <a:t>Click to edit Master title style</a:t>
             </a:r>
-            <a:endParaRPr lang="en-US"/>
           </a:p>
         </p:txBody>
       </p:sp>
@@ -1130,38 +1138,37 @@
           <a:p>
             <a:pPr lvl="0"/>
             <a:r>
-              <a:rPr lang="en-US" smtClean="0"/>
+              <a:rPr lang="en-US"/>
               <a:t>Click to edit Master text styles</a:t>
             </a:r>
           </a:p>
           <a:p>
             <a:pPr lvl="1"/>
             <a:r>
-              <a:rPr lang="en-US" smtClean="0"/>
+              <a:rPr lang="en-US"/>
               <a:t>Second level</a:t>
             </a:r>
           </a:p>
           <a:p>
             <a:pPr lvl="2"/>
             <a:r>
-              <a:rPr lang="en-US" smtClean="0"/>
+              <a:rPr lang="en-US"/>
               <a:t>Third level</a:t>
             </a:r>
           </a:p>
           <a:p>
             <a:pPr lvl="3"/>
             <a:r>
-              <a:rPr lang="en-US" smtClean="0"/>
+              <a:rPr lang="en-US"/>
               <a:t>Fourth level</a:t>
             </a:r>
           </a:p>
           <a:p>
             <a:pPr lvl="4"/>
             <a:r>
-              <a:rPr lang="en-US" smtClean="0"/>
+              <a:rPr lang="en-US"/>
               <a:t>Fifth level</a:t>
             </a:r>
-            <a:endParaRPr lang="en-US"/>
           </a:p>
         </p:txBody>
       </p:sp>
@@ -1182,7 +1189,7 @@
           <a:p>
             <a:fld id="{6CA290DE-8138-4626-BC3F-DF68A3BD09D8}" type="datetime1">
               <a:rPr lang="en-US" smtClean="0"/>
-              <a:t>9/24/2020</a:t>
+              <a:t>10/14/2020</a:t>
             </a:fld>
             <a:endParaRPr lang="en-US"/>
           </a:p>
@@ -1276,10 +1283,9 @@
           <a:lstStyle/>
           <a:p>
             <a:r>
-              <a:rPr lang="en-US" smtClean="0"/>
+              <a:rPr lang="en-US"/>
               <a:t>Click to edit Master title style</a:t>
             </a:r>
-            <a:endParaRPr lang="en-US"/>
           </a:p>
         </p:txBody>
       </p:sp>
@@ -1300,38 +1306,37 @@
           <a:p>
             <a:pPr lvl="0"/>
             <a:r>
-              <a:rPr lang="en-US" smtClean="0"/>
+              <a:rPr lang="en-US"/>
               <a:t>Click to edit Master text styles</a:t>
             </a:r>
           </a:p>
           <a:p>
             <a:pPr lvl="1"/>
             <a:r>
-              <a:rPr lang="en-US" smtClean="0"/>
+              <a:rPr lang="en-US"/>
               <a:t>Second level</a:t>
             </a:r>
           </a:p>
           <a:p>
             <a:pPr lvl="2"/>
             <a:r>
-              <a:rPr lang="en-US" smtClean="0"/>
+              <a:rPr lang="en-US"/>
               <a:t>Third level</a:t>
             </a:r>
           </a:p>
           <a:p>
             <a:pPr lvl="3"/>
             <a:r>
-              <a:rPr lang="en-US" smtClean="0"/>
+              <a:rPr lang="en-US"/>
               <a:t>Fourth level</a:t>
             </a:r>
           </a:p>
           <a:p>
             <a:pPr lvl="4"/>
             <a:r>
-              <a:rPr lang="en-US" smtClean="0"/>
+              <a:rPr lang="en-US"/>
               <a:t>Fifth level</a:t>
             </a:r>
-            <a:endParaRPr lang="en-US"/>
           </a:p>
         </p:txBody>
       </p:sp>
@@ -1352,7 +1357,7 @@
           <a:p>
             <a:fld id="{E1BE8E3F-75DF-45E8-9F6B-4F2E22494A32}" type="datetime1">
               <a:rPr lang="en-US" smtClean="0"/>
-              <a:t>9/24/2020</a:t>
+              <a:t>10/14/2020</a:t>
             </a:fld>
             <a:endParaRPr lang="en-US"/>
           </a:p>
@@ -1455,10 +1460,9 @@
           </a:lstStyle>
           <a:p>
             <a:r>
-              <a:rPr lang="en-US" dirty="0" smtClean="0"/>
+              <a:rPr lang="en-US" dirty="0"/>
               <a:t>Click to edit Master title style</a:t>
             </a:r>
-            <a:endParaRPr lang="en-US" dirty="0"/>
           </a:p>
         </p:txBody>
       </p:sp>
@@ -1575,7 +1579,7 @@
           <a:p>
             <a:pPr lvl="0"/>
             <a:r>
-              <a:rPr lang="en-US" dirty="0" smtClean="0"/>
+              <a:rPr lang="en-US" dirty="0"/>
               <a:t>Click to edit Master text styles</a:t>
             </a:r>
           </a:p>
@@ -1598,7 +1602,7 @@
           <a:p>
             <a:fld id="{82F4DA82-3E7C-4CFB-A30B-53D3893EF32E}" type="datetime1">
               <a:rPr lang="en-US" smtClean="0"/>
-              <a:t>9/24/2020</a:t>
+              <a:t>10/14/2020</a:t>
             </a:fld>
             <a:endParaRPr lang="en-US"/>
           </a:p>
@@ -1692,10 +1696,9 @@
           <a:lstStyle/>
           <a:p>
             <a:r>
-              <a:rPr lang="en-US" smtClean="0"/>
+              <a:rPr lang="en-US"/>
               <a:t>Click to edit Master title style</a:t>
             </a:r>
-            <a:endParaRPr lang="en-US"/>
           </a:p>
         </p:txBody>
       </p:sp>
@@ -1749,38 +1752,37 @@
           <a:p>
             <a:pPr lvl="0"/>
             <a:r>
-              <a:rPr lang="en-US" smtClean="0"/>
+              <a:rPr lang="en-US"/>
               <a:t>Click to edit Master text styles</a:t>
             </a:r>
           </a:p>
           <a:p>
             <a:pPr lvl="1"/>
             <a:r>
-              <a:rPr lang="en-US" smtClean="0"/>
+              <a:rPr lang="en-US"/>
               <a:t>Second level</a:t>
             </a:r>
           </a:p>
           <a:p>
             <a:pPr lvl="2"/>
             <a:r>
-              <a:rPr lang="en-US" smtClean="0"/>
+              <a:rPr lang="en-US"/>
               <a:t>Third level</a:t>
             </a:r>
           </a:p>
           <a:p>
             <a:pPr lvl="3"/>
             <a:r>
-              <a:rPr lang="en-US" smtClean="0"/>
+              <a:rPr lang="en-US"/>
               <a:t>Fourth level</a:t>
             </a:r>
           </a:p>
           <a:p>
             <a:pPr lvl="4"/>
             <a:r>
-              <a:rPr lang="en-US" smtClean="0"/>
+              <a:rPr lang="en-US"/>
               <a:t>Fifth level</a:t>
             </a:r>
-            <a:endParaRPr lang="en-US"/>
           </a:p>
         </p:txBody>
       </p:sp>
@@ -1834,38 +1836,37 @@
           <a:p>
             <a:pPr lvl="0"/>
             <a:r>
-              <a:rPr lang="en-US" smtClean="0"/>
+              <a:rPr lang="en-US"/>
               <a:t>Click to edit Master text styles</a:t>
             </a:r>
           </a:p>
           <a:p>
             <a:pPr lvl="1"/>
             <a:r>
-              <a:rPr lang="en-US" smtClean="0"/>
+              <a:rPr lang="en-US"/>
               <a:t>Second level</a:t>
             </a:r>
           </a:p>
           <a:p>
             <a:pPr lvl="2"/>
             <a:r>
-              <a:rPr lang="en-US" smtClean="0"/>
+              <a:rPr lang="en-US"/>
               <a:t>Third level</a:t>
             </a:r>
           </a:p>
           <a:p>
             <a:pPr lvl="3"/>
             <a:r>
-              <a:rPr lang="en-US" smtClean="0"/>
+              <a:rPr lang="en-US"/>
               <a:t>Fourth level</a:t>
             </a:r>
           </a:p>
           <a:p>
             <a:pPr lvl="4"/>
             <a:r>
-              <a:rPr lang="en-US" smtClean="0"/>
+              <a:rPr lang="en-US"/>
               <a:t>Fifth level</a:t>
             </a:r>
-            <a:endParaRPr lang="en-US"/>
           </a:p>
         </p:txBody>
       </p:sp>
@@ -1886,7 +1887,7 @@
           <a:p>
             <a:fld id="{36B3D8AD-4C83-4D73-AEE7-5E801ED5356C}" type="datetime1">
               <a:rPr lang="en-US" smtClean="0"/>
-              <a:t>9/24/2020</a:t>
+              <a:t>10/14/2020</a:t>
             </a:fld>
             <a:endParaRPr lang="en-US"/>
           </a:p>
@@ -1984,10 +1985,9 @@
           </a:lstStyle>
           <a:p>
             <a:r>
-              <a:rPr lang="en-US" smtClean="0"/>
+              <a:rPr lang="en-US"/>
               <a:t>Click to edit Master title style</a:t>
             </a:r>
-            <a:endParaRPr lang="en-US"/>
           </a:p>
         </p:txBody>
       </p:sp>
@@ -2050,7 +2050,7 @@
           <a:p>
             <a:pPr lvl="0"/>
             <a:r>
-              <a:rPr lang="en-US" smtClean="0"/>
+              <a:rPr lang="en-US"/>
               <a:t>Click to edit Master text styles</a:t>
             </a:r>
           </a:p>
@@ -2106,38 +2106,37 @@
           <a:p>
             <a:pPr lvl="0"/>
             <a:r>
-              <a:rPr lang="en-US" smtClean="0"/>
+              <a:rPr lang="en-US"/>
               <a:t>Click to edit Master text styles</a:t>
             </a:r>
           </a:p>
           <a:p>
             <a:pPr lvl="1"/>
             <a:r>
-              <a:rPr lang="en-US" smtClean="0"/>
+              <a:rPr lang="en-US"/>
               <a:t>Second level</a:t>
             </a:r>
           </a:p>
           <a:p>
             <a:pPr lvl="2"/>
             <a:r>
-              <a:rPr lang="en-US" smtClean="0"/>
+              <a:rPr lang="en-US"/>
               <a:t>Third level</a:t>
             </a:r>
           </a:p>
           <a:p>
             <a:pPr lvl="3"/>
             <a:r>
-              <a:rPr lang="en-US" smtClean="0"/>
+              <a:rPr lang="en-US"/>
               <a:t>Fourth level</a:t>
             </a:r>
           </a:p>
           <a:p>
             <a:pPr lvl="4"/>
             <a:r>
-              <a:rPr lang="en-US" smtClean="0"/>
+              <a:rPr lang="en-US"/>
               <a:t>Fifth level</a:t>
             </a:r>
-            <a:endParaRPr lang="en-US"/>
           </a:p>
         </p:txBody>
       </p:sp>
@@ -2200,7 +2199,7 @@
           <a:p>
             <a:pPr lvl="0"/>
             <a:r>
-              <a:rPr lang="en-US" smtClean="0"/>
+              <a:rPr lang="en-US"/>
               <a:t>Click to edit Master text styles</a:t>
             </a:r>
           </a:p>
@@ -2256,38 +2255,37 @@
           <a:p>
             <a:pPr lvl="0"/>
             <a:r>
-              <a:rPr lang="en-US" smtClean="0"/>
+              <a:rPr lang="en-US"/>
               <a:t>Click to edit Master text styles</a:t>
             </a:r>
           </a:p>
           <a:p>
             <a:pPr lvl="1"/>
             <a:r>
-              <a:rPr lang="en-US" smtClean="0"/>
+              <a:rPr lang="en-US"/>
               <a:t>Second level</a:t>
             </a:r>
           </a:p>
           <a:p>
             <a:pPr lvl="2"/>
             <a:r>
-              <a:rPr lang="en-US" smtClean="0"/>
+              <a:rPr lang="en-US"/>
               <a:t>Third level</a:t>
             </a:r>
           </a:p>
           <a:p>
             <a:pPr lvl="3"/>
             <a:r>
-              <a:rPr lang="en-US" smtClean="0"/>
+              <a:rPr lang="en-US"/>
               <a:t>Fourth level</a:t>
             </a:r>
           </a:p>
           <a:p>
             <a:pPr lvl="4"/>
             <a:r>
-              <a:rPr lang="en-US" smtClean="0"/>
+              <a:rPr lang="en-US"/>
               <a:t>Fifth level</a:t>
             </a:r>
-            <a:endParaRPr lang="en-US"/>
           </a:p>
         </p:txBody>
       </p:sp>
@@ -2308,7 +2306,7 @@
           <a:p>
             <a:fld id="{7E6893DB-DD64-49D6-A5C2-F6ACE2B1530B}" type="datetime1">
               <a:rPr lang="en-US" smtClean="0"/>
-              <a:t>9/24/2020</a:t>
+              <a:t>10/14/2020</a:t>
             </a:fld>
             <a:endParaRPr lang="en-US"/>
           </a:p>
@@ -2402,10 +2400,9 @@
           <a:lstStyle/>
           <a:p>
             <a:r>
-              <a:rPr lang="en-US" smtClean="0"/>
+              <a:rPr lang="en-US"/>
               <a:t>Click to edit Master title style</a:t>
             </a:r>
-            <a:endParaRPr lang="en-US"/>
           </a:p>
         </p:txBody>
       </p:sp>
@@ -2426,7 +2423,7 @@
           <a:p>
             <a:fld id="{FC0A94C3-7A0F-4E28-9A06-985C13FFBB01}" type="datetime1">
               <a:rPr lang="en-US" smtClean="0"/>
-              <a:t>9/24/2020</a:t>
+              <a:t>10/14/2020</a:t>
             </a:fld>
             <a:endParaRPr lang="en-US"/>
           </a:p>
@@ -2521,7 +2518,7 @@
           <a:p>
             <a:fld id="{8587B2D3-0011-41C0-B2C5-6B713844DB1C}" type="datetime1">
               <a:rPr lang="en-US" smtClean="0"/>
-              <a:t>9/24/2020</a:t>
+              <a:t>10/14/2020</a:t>
             </a:fld>
             <a:endParaRPr lang="en-US"/>
           </a:p>
@@ -2624,10 +2621,9 @@
           </a:lstStyle>
           <a:p>
             <a:r>
-              <a:rPr lang="en-US" smtClean="0"/>
+              <a:rPr lang="en-US"/>
               <a:t>Click to edit Master title style</a:t>
             </a:r>
-            <a:endParaRPr lang="en-US"/>
           </a:p>
         </p:txBody>
       </p:sp>
@@ -2681,38 +2677,37 @@
           <a:p>
             <a:pPr lvl="0"/>
             <a:r>
-              <a:rPr lang="en-US" smtClean="0"/>
+              <a:rPr lang="en-US"/>
               <a:t>Click to edit Master text styles</a:t>
             </a:r>
           </a:p>
           <a:p>
             <a:pPr lvl="1"/>
             <a:r>
-              <a:rPr lang="en-US" smtClean="0"/>
+              <a:rPr lang="en-US"/>
               <a:t>Second level</a:t>
             </a:r>
           </a:p>
           <a:p>
             <a:pPr lvl="2"/>
             <a:r>
-              <a:rPr lang="en-US" smtClean="0"/>
+              <a:rPr lang="en-US"/>
               <a:t>Third level</a:t>
             </a:r>
           </a:p>
           <a:p>
             <a:pPr lvl="3"/>
             <a:r>
-              <a:rPr lang="en-US" smtClean="0"/>
+              <a:rPr lang="en-US"/>
               <a:t>Fourth level</a:t>
             </a:r>
           </a:p>
           <a:p>
             <a:pPr lvl="4"/>
             <a:r>
-              <a:rPr lang="en-US" smtClean="0"/>
+              <a:rPr lang="en-US"/>
               <a:t>Fifth level</a:t>
             </a:r>
-            <a:endParaRPr lang="en-US"/>
           </a:p>
         </p:txBody>
       </p:sp>
@@ -2775,7 +2770,7 @@
           <a:p>
             <a:pPr lvl="0"/>
             <a:r>
-              <a:rPr lang="en-US" smtClean="0"/>
+              <a:rPr lang="en-US"/>
               <a:t>Click to edit Master text styles</a:t>
             </a:r>
           </a:p>
@@ -2798,7 +2793,7 @@
           <a:p>
             <a:fld id="{B53EE19A-9EFD-417C-93CE-FC2F485F3533}" type="datetime1">
               <a:rPr lang="en-US" smtClean="0"/>
-              <a:t>9/24/2020</a:t>
+              <a:t>10/14/2020</a:t>
             </a:fld>
             <a:endParaRPr lang="en-US"/>
           </a:p>
@@ -2901,10 +2896,9 @@
           </a:lstStyle>
           <a:p>
             <a:r>
-              <a:rPr lang="en-US" smtClean="0"/>
+              <a:rPr lang="en-US"/>
               <a:t>Click to edit Master title style</a:t>
             </a:r>
-            <a:endParaRPr lang="en-US"/>
           </a:p>
         </p:txBody>
       </p:sp>
@@ -2966,10 +2960,9 @@
           </a:lstStyle>
           <a:p>
             <a:r>
-              <a:rPr lang="en-US" smtClean="0"/>
+              <a:rPr lang="en-US"/>
               <a:t>Click icon to add picture</a:t>
             </a:r>
-            <a:endParaRPr lang="en-US"/>
           </a:p>
         </p:txBody>
       </p:sp>
@@ -3032,7 +3025,7 @@
           <a:p>
             <a:pPr lvl="0"/>
             <a:r>
-              <a:rPr lang="en-US" smtClean="0"/>
+              <a:rPr lang="en-US"/>
               <a:t>Click to edit Master text styles</a:t>
             </a:r>
           </a:p>
@@ -3055,7 +3048,7 @@
           <a:p>
             <a:fld id="{87D9954C-8CD1-4968-8DFE-C7948C62F830}" type="datetime1">
               <a:rPr lang="en-US" smtClean="0"/>
-              <a:t>9/24/2020</a:t>
+              <a:t>10/14/2020</a:t>
             </a:fld>
             <a:endParaRPr lang="en-US"/>
           </a:p>
@@ -3167,7 +3160,7 @@
           <a:lstStyle/>
           <a:p>
             <a:r>
-              <a:rPr lang="en-US" smtClean="0"/>
+              <a:rPr lang="en-US"/>
               <a:t>Click to edit Master title style</a:t>
             </a:r>
             <a:endParaRPr lang="en-US" dirty="0"/>
@@ -3201,35 +3194,35 @@
           <a:p>
             <a:pPr lvl="0"/>
             <a:r>
-              <a:rPr lang="en-US" smtClean="0"/>
+              <a:rPr lang="en-US"/>
               <a:t>Click to edit Master text styles</a:t>
             </a:r>
           </a:p>
           <a:p>
             <a:pPr lvl="1"/>
             <a:r>
-              <a:rPr lang="en-US" smtClean="0"/>
+              <a:rPr lang="en-US"/>
               <a:t>Second level</a:t>
             </a:r>
           </a:p>
           <a:p>
             <a:pPr lvl="2"/>
             <a:r>
-              <a:rPr lang="en-US" smtClean="0"/>
+              <a:rPr lang="en-US"/>
               <a:t>Third level</a:t>
             </a:r>
           </a:p>
           <a:p>
             <a:pPr lvl="3"/>
             <a:r>
-              <a:rPr lang="en-US" smtClean="0"/>
+              <a:rPr lang="en-US"/>
               <a:t>Fourth level</a:t>
             </a:r>
           </a:p>
           <a:p>
             <a:pPr lvl="4"/>
             <a:r>
-              <a:rPr lang="en-US" smtClean="0"/>
+              <a:rPr lang="en-US"/>
               <a:t>Fifth level</a:t>
             </a:r>
             <a:endParaRPr lang="en-US" dirty="0"/>
@@ -3271,7 +3264,7 @@
           <a:p>
             <a:fld id="{B4BF092D-FE75-4F27-B0C3-A897761F708C}" type="datetime1">
               <a:rPr lang="en-US" smtClean="0"/>
-              <a:t>9/24/2020</a:t>
+              <a:t>10/14/2020</a:t>
             </a:fld>
             <a:endParaRPr lang="en-US"/>
           </a:p>
@@ -3684,33 +3677,20 @@
               <a:rPr lang="en-US" dirty="0"/>
               <a:t>Visualizing Linear Models: </a:t>
             </a:r>
-            <a:r>
-              <a:rPr lang="en-US" dirty="0" smtClean="0"/>
-              <a:t/>
-            </a:r>
             <a:br>
-              <a:rPr lang="en-US" dirty="0" smtClean="0"/>
+              <a:rPr lang="en-US" dirty="0"/>
             </a:br>
             <a:r>
-              <a:rPr lang="en-US" dirty="0" smtClean="0"/>
-              <a:t>An </a:t>
-            </a:r>
-            <a:r>
               <a:rPr lang="en-US" dirty="0"/>
-              <a:t>R Bag of </a:t>
-            </a:r>
-            <a:r>
-              <a:rPr lang="en-US" dirty="0" smtClean="0"/>
-              <a:t>Tricks</a:t>
+              <a:t>An R Bag of Tricks</a:t>
             </a:r>
             <a:br>
-              <a:rPr lang="en-US" dirty="0" smtClean="0"/>
+              <a:rPr lang="en-US" dirty="0"/>
             </a:br>
             <a:r>
-              <a:rPr lang="en-US" dirty="0" smtClean="0"/>
+              <a:rPr lang="en-US" dirty="0"/>
               <a:t>Session 2: Multivariate Models</a:t>
             </a:r>
-            <a:endParaRPr lang="en-US" dirty="0"/>
           </a:p>
         </p:txBody>
       </p:sp>
@@ -3732,7 +3712,7 @@
         </p:spPr>
         <p:txBody>
           <a:bodyPr>
-            <a:normAutofit fontScale="70000" lnSpcReduction="20000"/>
+            <a:normAutofit fontScale="55000" lnSpcReduction="20000"/>
           </a:bodyPr>
           <a:lstStyle/>
           <a:p>
@@ -3743,16 +3723,27 @@
           </a:p>
           <a:p>
             <a:r>
-              <a:rPr lang="en-US" dirty="0" smtClean="0"/>
+              <a:rPr lang="en-US" dirty="0"/>
               <a:t>SCS Short Course</a:t>
             </a:r>
           </a:p>
           <a:p>
             <a:r>
-              <a:rPr lang="en-US" dirty="0" smtClean="0"/>
-              <a:t>Oct. 2020</a:t>
-            </a:r>
-            <a:endParaRPr lang="en-US" dirty="0"/>
+              <a:rPr lang="en-US" dirty="0"/>
+              <a:t>Oct. 22, 29, Nov. 5, 2020</a:t>
+            </a:r>
+          </a:p>
+          <a:p>
+            <a:r>
+              <a:rPr lang="en-US" dirty="0">
+                <a:hlinkClick r:id="rId2"/>
+              </a:rPr>
+              <a:t>https://friendly.github.io/VisMLM-course/</a:t>
+            </a:r>
+            <a:r>
+              <a:rPr lang="en-US" dirty="0"/>
+              <a:t> </a:t>
+            </a:r>
           </a:p>
         </p:txBody>
       </p:sp>
@@ -3779,7 +3770,7 @@
             <p:nvPr/>
           </p:nvPicPr>
           <p:blipFill>
-            <a:blip r:embed="rId2">
+            <a:blip r:embed="rId3">
               <a:extLst>
                 <a:ext uri="{28A0092B-C50C-407E-A947-70E740481C1C}">
                   <a14:useLocalDpi xmlns:a14="http://schemas.microsoft.com/office/drawing/2010/main" val="0"/>
@@ -3823,10 +3814,9 @@
             <a:lstStyle/>
             <a:p>
               <a:r>
-                <a:rPr lang="en-US" sz="2400" dirty="0" smtClean="0"/>
+                <a:rPr lang="en-US" sz="2400" dirty="0"/>
                 <a:t>Data ellipses</a:t>
               </a:r>
-              <a:endParaRPr lang="en-US" sz="2400" dirty="0"/>
             </a:p>
           </p:txBody>
         </p:sp>
@@ -3854,7 +3844,7 @@
             <p:nvPr/>
           </p:nvPicPr>
           <p:blipFill>
-            <a:blip r:embed="rId3">
+            <a:blip r:embed="rId4">
               <a:extLst>
                 <a:ext uri="{28A0092B-C50C-407E-A947-70E740481C1C}">
                   <a14:useLocalDpi xmlns:a14="http://schemas.microsoft.com/office/drawing/2010/main" val="0"/>
@@ -3898,10 +3888,9 @@
             <a:lstStyle/>
             <a:p>
               <a:r>
-                <a:rPr lang="en-US" sz="2400" dirty="0" smtClean="0"/>
+                <a:rPr lang="en-US" sz="2400" dirty="0"/>
                 <a:t>HE plot</a:t>
               </a:r>
-              <a:endParaRPr lang="en-US" sz="2400" dirty="0"/>
             </a:p>
           </p:txBody>
         </p:sp>
@@ -3915,7 +3904,7 @@
           <p:nvPr/>
         </p:nvPicPr>
         <p:blipFill>
-          <a:blip r:embed="rId4" cstate="print">
+          <a:blip r:embed="rId5" cstate="print">
             <a:extLst>
               <a:ext uri="{28A0092B-C50C-407E-A947-70E740481C1C}">
                 <a14:useLocalDpi xmlns:a14="http://schemas.microsoft.com/office/drawing/2010/main" val="0"/>
@@ -4105,10 +4094,9 @@
           <a:lstStyle/>
           <a:p>
             <a:r>
-              <a:rPr lang="en-US" dirty="0" smtClean="0"/>
+              <a:rPr lang="en-US" dirty="0"/>
               <a:t>HE plot framework: Trivial example</a:t>
             </a:r>
-            <a:endParaRPr lang="en-US" dirty="0"/>
           </a:p>
         </p:txBody>
       </p:sp>
@@ -4135,7 +4123,7 @@
           <a:lstStyle/>
           <a:p>
             <a:r>
-              <a:rPr lang="en-US" dirty="0" smtClean="0"/>
+              <a:rPr lang="en-US" dirty="0"/>
               <a:t>Two groups of middle-school students are taught algebra by instructors using different methods,  and then tested on:  </a:t>
             </a:r>
           </a:p>
@@ -4145,11 +4133,11 @@
               <a:buChar char="•"/>
             </a:pPr>
             <a:r>
-              <a:rPr lang="en-US" b="1" dirty="0" smtClean="0"/>
+              <a:rPr lang="en-US" b="1" dirty="0"/>
               <a:t>BM</a:t>
             </a:r>
             <a:r>
-              <a:rPr lang="en-US" dirty="0" smtClean="0"/>
+              <a:rPr lang="en-US" dirty="0"/>
               <a:t>: basic math problems (7 * 23 – 2 * 9 = ?)</a:t>
             </a:r>
           </a:p>
@@ -4159,11 +4147,11 @@
               <a:buChar char="•"/>
             </a:pPr>
             <a:r>
-              <a:rPr lang="en-US" b="1" dirty="0" smtClean="0"/>
+              <a:rPr lang="en-US" b="1" dirty="0"/>
               <a:t>WP</a:t>
             </a:r>
             <a:r>
-              <a:rPr lang="en-US" dirty="0" smtClean="0"/>
+              <a:rPr lang="en-US" dirty="0"/>
               <a:t>: word problems (“a train travels at 23 mph for 7 hours, but for 2 hours …”)</a:t>
             </a:r>
           </a:p>
@@ -4172,16 +4160,15 @@
           </a:p>
           <a:p>
             <a:r>
-              <a:rPr lang="en-US" dirty="0" smtClean="0"/>
+              <a:rPr lang="en-US" dirty="0"/>
               <a:t>Do the groups differ on (BM, WP) by a multivariate test?</a:t>
             </a:r>
           </a:p>
           <a:p>
             <a:r>
-              <a:rPr lang="en-US" dirty="0" smtClean="0"/>
+              <a:rPr lang="en-US" dirty="0"/>
               <a:t>If so, how ???</a:t>
             </a:r>
-            <a:endParaRPr lang="en-US" dirty="0"/>
           </a:p>
         </p:txBody>
       </p:sp>
@@ -4212,215 +4199,206 @@
           <a:lstStyle/>
           <a:p>
             <a:r>
-              <a:rPr lang="en-US" sz="1400" dirty="0" smtClean="0">
+              <a:rPr lang="en-US" sz="1400" dirty="0">
                 <a:latin typeface="SAS Monospace" panose="020B0609020202020204" pitchFamily="49" charset="0"/>
               </a:rPr>
-              <a:t>&gt; </a:t>
+              <a:t>&gt; data(</a:t>
+            </a:r>
+            <a:r>
+              <a:rPr lang="en-US" sz="1400" dirty="0" err="1">
+                <a:latin typeface="SAS Monospace" pitchFamily="49" charset="0"/>
+              </a:rPr>
+              <a:t>mathscore</a:t>
             </a:r>
             <a:r>
               <a:rPr lang="en-US" sz="1400" dirty="0">
                 <a:latin typeface="SAS Monospace" pitchFamily="49" charset="0"/>
               </a:rPr>
-              <a:t>data(</a:t>
+              <a:t>, package="</a:t>
             </a:r>
             <a:r>
               <a:rPr lang="en-US" sz="1400" dirty="0" err="1">
                 <a:latin typeface="SAS Monospace" pitchFamily="49" charset="0"/>
               </a:rPr>
-              <a:t>mathscore</a:t>
+              <a:t>heplots</a:t>
             </a:r>
             <a:r>
               <a:rPr lang="en-US" sz="1400" dirty="0">
                 <a:latin typeface="SAS Monospace" pitchFamily="49" charset="0"/>
               </a:rPr>
-              <a:t>, package="</a:t>
-            </a:r>
-            <a:r>
-              <a:rPr lang="en-US" sz="1400" dirty="0" err="1">
-                <a:latin typeface="SAS Monospace" pitchFamily="49" charset="0"/>
-              </a:rPr>
-              <a:t>heplots</a:t>
-            </a:r>
+              <a:t>")</a:t>
+            </a:r>
+          </a:p>
+          <a:p>
             <a:r>
               <a:rPr lang="en-US" sz="1400" dirty="0">
                 <a:latin typeface="SAS Monospace" pitchFamily="49" charset="0"/>
               </a:rPr>
-              <a:t>")</a:t>
-            </a:r>
-            <a:endParaRPr lang="en-US" sz="1400" dirty="0" smtClean="0">
+              <a:t>&gt; mod &lt;- lm(</a:t>
+            </a:r>
+            <a:r>
+              <a:rPr lang="en-US" sz="1400" dirty="0" err="1">
+                <a:latin typeface="SAS Monospace" panose="020B0609020202020204" pitchFamily="49" charset="0"/>
+              </a:rPr>
+              <a:t>cbind</a:t>
+            </a:r>
+            <a:r>
+              <a:rPr lang="en-US" sz="1400" dirty="0">
+                <a:latin typeface="SAS Monospace" panose="020B0609020202020204" pitchFamily="49" charset="0"/>
+              </a:rPr>
+              <a:t>(BM, WP) ~ group, data=</a:t>
+            </a:r>
+            <a:r>
+              <a:rPr lang="en-US" sz="1400" dirty="0" err="1">
+                <a:latin typeface="SAS Monospace" panose="020B0609020202020204" pitchFamily="49" charset="0"/>
+              </a:rPr>
+              <a:t>mathscore</a:t>
+            </a:r>
+            <a:r>
+              <a:rPr lang="en-US" sz="1400" dirty="0">
+                <a:latin typeface="SAS Monospace" panose="020B0609020202020204" pitchFamily="49" charset="0"/>
+              </a:rPr>
+              <a:t>)</a:t>
+            </a:r>
+          </a:p>
+          <a:p>
+            <a:r>
+              <a:rPr lang="en-US" sz="1400" dirty="0">
+                <a:latin typeface="SAS Monospace" panose="020B0609020202020204" pitchFamily="49" charset="0"/>
+              </a:rPr>
+              <a:t>&gt; </a:t>
+            </a:r>
+            <a:r>
+              <a:rPr lang="en-US" sz="1400" dirty="0" err="1">
+                <a:latin typeface="SAS Monospace" panose="020B0609020202020204" pitchFamily="49" charset="0"/>
+              </a:rPr>
+              <a:t>Anova</a:t>
+            </a:r>
+            <a:r>
+              <a:rPr lang="en-US" sz="1400" dirty="0">
+                <a:latin typeface="SAS Monospace" panose="020B0609020202020204" pitchFamily="49" charset="0"/>
+              </a:rPr>
+              <a:t>(mod)</a:t>
+            </a:r>
+          </a:p>
+          <a:p>
+            <a:endParaRPr lang="en-US" sz="1400" dirty="0">
               <a:latin typeface="SAS Monospace" panose="020B0609020202020204" pitchFamily="49" charset="0"/>
             </a:endParaRPr>
           </a:p>
           <a:p>
             <a:r>
-              <a:rPr lang="en-US" sz="1400" dirty="0" smtClean="0">
+              <a:rPr lang="en-US" sz="1400" dirty="0">
                 <a:latin typeface="SAS Monospace" panose="020B0609020202020204" pitchFamily="49" charset="0"/>
               </a:rPr>
-              <a:t>&gt; mod &lt;- lm(</a:t>
-            </a:r>
-            <a:r>
-              <a:rPr lang="en-US" sz="1400" dirty="0" err="1" smtClean="0">
+              <a:t>Type II MANOVA Tests: Pillai test statistic</a:t>
+            </a:r>
+          </a:p>
+          <a:p>
+            <a:r>
+              <a:rPr lang="en-US" sz="1400" dirty="0">
                 <a:latin typeface="SAS Monospace" panose="020B0609020202020204" pitchFamily="49" charset="0"/>
               </a:rPr>
-              <a:t>cbind</a:t>
-            </a:r>
-            <a:r>
-              <a:rPr lang="en-US" sz="1400" dirty="0" smtClean="0">
+              <a:t>      </a:t>
+            </a:r>
+            <a:r>
+              <a:rPr lang="en-US" sz="1400" dirty="0" err="1">
                 <a:latin typeface="SAS Monospace" panose="020B0609020202020204" pitchFamily="49" charset="0"/>
               </a:rPr>
-              <a:t>(BM, WP) ~ group, data=</a:t>
-            </a:r>
-            <a:r>
-              <a:rPr lang="en-US" sz="1400" dirty="0" err="1" smtClean="0">
+              <a:t>Df</a:t>
+            </a:r>
+            <a:r>
+              <a:rPr lang="en-US" sz="1400" dirty="0">
                 <a:latin typeface="SAS Monospace" panose="020B0609020202020204" pitchFamily="49" charset="0"/>
               </a:rPr>
-              <a:t>mathscore</a:t>
-            </a:r>
-            <a:r>
-              <a:rPr lang="en-US" sz="1400" dirty="0" smtClean="0">
+              <a:t> test stat </a:t>
+            </a:r>
+            <a:r>
+              <a:rPr lang="en-US" sz="1400" dirty="0" err="1">
                 <a:latin typeface="SAS Monospace" panose="020B0609020202020204" pitchFamily="49" charset="0"/>
               </a:rPr>
-              <a:t>)</a:t>
-            </a:r>
-          </a:p>
-          <a:p>
-            <a:r>
-              <a:rPr lang="en-US" sz="1400" dirty="0" smtClean="0">
+              <a:t>approx</a:t>
+            </a:r>
+            <a:r>
+              <a:rPr lang="en-US" sz="1400" dirty="0">
                 <a:latin typeface="SAS Monospace" panose="020B0609020202020204" pitchFamily="49" charset="0"/>
               </a:rPr>
-              <a:t>&gt; </a:t>
-            </a:r>
-            <a:r>
-              <a:rPr lang="en-US" sz="1400" dirty="0" err="1" smtClean="0">
+              <a:t> F </a:t>
+            </a:r>
+            <a:r>
+              <a:rPr lang="en-US" sz="1400" dirty="0" err="1">
                 <a:latin typeface="SAS Monospace" panose="020B0609020202020204" pitchFamily="49" charset="0"/>
               </a:rPr>
-              <a:t>Anova</a:t>
-            </a:r>
-            <a:r>
-              <a:rPr lang="en-US" sz="1400" dirty="0" smtClean="0">
+              <a:t>num</a:t>
+            </a:r>
+            <a:r>
+              <a:rPr lang="en-US" sz="1400" dirty="0">
                 <a:latin typeface="SAS Monospace" panose="020B0609020202020204" pitchFamily="49" charset="0"/>
               </a:rPr>
-              <a:t>(mod)</a:t>
-            </a:r>
-          </a:p>
-          <a:p>
-            <a:endParaRPr lang="en-US" sz="1400" dirty="0" smtClean="0">
-              <a:latin typeface="SAS Monospace" panose="020B0609020202020204" pitchFamily="49" charset="0"/>
-            </a:endParaRPr>
-          </a:p>
-          <a:p>
-            <a:r>
-              <a:rPr lang="en-US" sz="1400" dirty="0" smtClean="0">
+              <a:t> </a:t>
+            </a:r>
+            <a:r>
+              <a:rPr lang="en-US" sz="1400" dirty="0" err="1">
                 <a:latin typeface="SAS Monospace" panose="020B0609020202020204" pitchFamily="49" charset="0"/>
               </a:rPr>
-              <a:t>Type II MANOVA Tests: Pillai test statistic</a:t>
-            </a:r>
-          </a:p>
-          <a:p>
-            <a:r>
-              <a:rPr lang="en-US" sz="1400" dirty="0" smtClean="0">
+              <a:t>Df</a:t>
+            </a:r>
+            <a:r>
+              <a:rPr lang="en-US" sz="1400" dirty="0">
                 <a:latin typeface="SAS Monospace" panose="020B0609020202020204" pitchFamily="49" charset="0"/>
               </a:rPr>
-              <a:t>      </a:t>
-            </a:r>
-            <a:r>
-              <a:rPr lang="en-US" sz="1400" dirty="0" err="1" smtClean="0">
+              <a:t> den </a:t>
+            </a:r>
+            <a:r>
+              <a:rPr lang="en-US" sz="1400" dirty="0" err="1">
                 <a:latin typeface="SAS Monospace" panose="020B0609020202020204" pitchFamily="49" charset="0"/>
               </a:rPr>
               <a:t>Df</a:t>
             </a:r>
             <a:r>
-              <a:rPr lang="en-US" sz="1400" dirty="0" smtClean="0">
+              <a:rPr lang="en-US" sz="1400" dirty="0">
                 <a:latin typeface="SAS Monospace" panose="020B0609020202020204" pitchFamily="49" charset="0"/>
               </a:rPr>
-              <a:t> test stat </a:t>
-            </a:r>
-            <a:r>
-              <a:rPr lang="en-US" sz="1400" dirty="0" err="1" smtClean="0">
+              <a:t>    </a:t>
+            </a:r>
+            <a:r>
+              <a:rPr lang="en-US" sz="1400" dirty="0" err="1">
                 <a:latin typeface="SAS Monospace" panose="020B0609020202020204" pitchFamily="49" charset="0"/>
               </a:rPr>
-              <a:t>approx</a:t>
-            </a:r>
-            <a:r>
-              <a:rPr lang="en-US" sz="1400" dirty="0" smtClean="0">
+              <a:t>Pr</a:t>
+            </a:r>
+            <a:r>
+              <a:rPr lang="en-US" sz="1400" dirty="0">
                 <a:latin typeface="SAS Monospace" panose="020B0609020202020204" pitchFamily="49" charset="0"/>
               </a:rPr>
-              <a:t> F </a:t>
-            </a:r>
-            <a:r>
-              <a:rPr lang="en-US" sz="1400" dirty="0" err="1" smtClean="0">
+              <a:t>(&gt;F)    </a:t>
+            </a:r>
+          </a:p>
+          <a:p>
+            <a:r>
+              <a:rPr lang="en-US" sz="1400" dirty="0">
                 <a:latin typeface="SAS Monospace" panose="020B0609020202020204" pitchFamily="49" charset="0"/>
               </a:rPr>
-              <a:t>num</a:t>
-            </a:r>
-            <a:r>
-              <a:rPr lang="en-US" sz="1400" dirty="0" smtClean="0">
+              <a:t>group  1   0.86518   28.878      2      9 0.0001213 ***</a:t>
+            </a:r>
+          </a:p>
+          <a:p>
+            <a:r>
+              <a:rPr lang="en-US" sz="1400" dirty="0">
                 <a:latin typeface="SAS Monospace" panose="020B0609020202020204" pitchFamily="49" charset="0"/>
               </a:rPr>
-              <a:t> </a:t>
-            </a:r>
-            <a:r>
-              <a:rPr lang="en-US" sz="1400" dirty="0" err="1" smtClean="0">
+              <a:t>---</a:t>
+            </a:r>
+          </a:p>
+          <a:p>
+            <a:r>
+              <a:rPr lang="en-US" sz="1400" dirty="0" err="1">
                 <a:latin typeface="SAS Monospace" panose="020B0609020202020204" pitchFamily="49" charset="0"/>
               </a:rPr>
-              <a:t>Df</a:t>
-            </a:r>
-            <a:r>
-              <a:rPr lang="en-US" sz="1400" dirty="0" smtClean="0">
-                <a:latin typeface="SAS Monospace" panose="020B0609020202020204" pitchFamily="49" charset="0"/>
-              </a:rPr>
-              <a:t> den </a:t>
-            </a:r>
-            <a:r>
-              <a:rPr lang="en-US" sz="1400" dirty="0" err="1" smtClean="0">
-                <a:latin typeface="SAS Monospace" panose="020B0609020202020204" pitchFamily="49" charset="0"/>
-              </a:rPr>
-              <a:t>Df</a:t>
-            </a:r>
-            <a:r>
-              <a:rPr lang="en-US" sz="1400" dirty="0" smtClean="0">
-                <a:latin typeface="SAS Monospace" panose="020B0609020202020204" pitchFamily="49" charset="0"/>
-              </a:rPr>
-              <a:t>    </a:t>
-            </a:r>
-            <a:r>
-              <a:rPr lang="en-US" sz="1400" dirty="0" err="1" smtClean="0">
-                <a:latin typeface="SAS Monospace" panose="020B0609020202020204" pitchFamily="49" charset="0"/>
-              </a:rPr>
-              <a:t>Pr</a:t>
-            </a:r>
-            <a:r>
-              <a:rPr lang="en-US" sz="1400" dirty="0" smtClean="0">
-                <a:latin typeface="SAS Monospace" panose="020B0609020202020204" pitchFamily="49" charset="0"/>
-              </a:rPr>
-              <a:t>(&gt;F)    </a:t>
-            </a:r>
-          </a:p>
-          <a:p>
-            <a:r>
-              <a:rPr lang="en-US" sz="1400" dirty="0" smtClean="0">
-                <a:latin typeface="SAS Monospace" panose="020B0609020202020204" pitchFamily="49" charset="0"/>
-              </a:rPr>
-              <a:t>group  1   0.86518   28.878      2      9 0.0001213 ***</a:t>
-            </a:r>
-          </a:p>
-          <a:p>
-            <a:r>
-              <a:rPr lang="en-US" sz="1400" dirty="0" smtClean="0">
-                <a:latin typeface="SAS Monospace" panose="020B0609020202020204" pitchFamily="49" charset="0"/>
-              </a:rPr>
-              <a:t>---</a:t>
-            </a:r>
-          </a:p>
-          <a:p>
-            <a:r>
-              <a:rPr lang="en-US" sz="1400" dirty="0" err="1" smtClean="0">
-                <a:latin typeface="SAS Monospace" panose="020B0609020202020204" pitchFamily="49" charset="0"/>
-              </a:rPr>
               <a:t>Signif</a:t>
             </a:r>
             <a:r>
-              <a:rPr lang="en-US" sz="1400" dirty="0" smtClean="0">
+              <a:rPr lang="en-US" sz="1400" dirty="0">
                 <a:latin typeface="SAS Monospace" panose="020B0609020202020204" pitchFamily="49" charset="0"/>
               </a:rPr>
               <a:t>. codes:  0 ‘***’ 0.001 ‘**’ 0.01 ‘*’ 0.05 ‘.’ 0.1 ‘ ’ 1</a:t>
@@ -4461,13 +4439,6 @@
   <p:clrMapOvr>
     <a:masterClrMapping/>
   </p:clrMapOvr>
-  <p:timing>
-    <p:tnLst>
-      <p:par>
-        <p:cTn id="1" dur="indefinite" restart="never" nodeType="tmRoot"/>
-      </p:par>
-    </p:tnLst>
-  </p:timing>
 </p:sld>
 </file>
 
@@ -4504,10 +4475,9 @@
           <a:lstStyle/>
           <a:p>
             <a:r>
-              <a:rPr lang="en-US" dirty="0" smtClean="0"/>
+              <a:rPr lang="en-US" dirty="0"/>
               <a:t>Why do multivariate tests?</a:t>
             </a:r>
-            <a:endParaRPr lang="en-US" dirty="0"/>
           </a:p>
         </p:txBody>
       </p:sp>
@@ -4557,10 +4527,9 @@
           <a:lstStyle/>
           <a:p>
             <a:r>
-              <a:rPr lang="en-US" dirty="0" smtClean="0"/>
+              <a:rPr lang="en-US" dirty="0"/>
               <a:t>Could do univariate ANOVAs (or t-tests) on each response variable (BM, WP)</a:t>
             </a:r>
-            <a:endParaRPr lang="en-US" dirty="0"/>
           </a:p>
         </p:txBody>
       </p:sp>
@@ -4879,7 +4848,7 @@
           <a:lstStyle/>
           <a:p>
             <a:r>
-              <a:rPr lang="en-US" dirty="0" smtClean="0"/>
+              <a:rPr lang="en-US" dirty="0"/>
               <a:t>From this, might conclude that: </a:t>
             </a:r>
           </a:p>
@@ -4889,11 +4858,11 @@
               <a:buChar char="•"/>
             </a:pPr>
             <a:r>
-              <a:rPr lang="en-US" dirty="0" smtClean="0"/>
+              <a:rPr lang="en-US" dirty="0"/>
               <a:t>Groups don’t differ on Basic Math score </a:t>
             </a:r>
             <a:r>
-              <a:rPr lang="en-US" dirty="0" smtClean="0">
+              <a:rPr lang="en-US" dirty="0">
                 <a:solidFill>
                   <a:srgbClr val="FF0000"/>
                 </a:solidFill>
@@ -4901,7 +4870,7 @@
               </a:rPr>
               <a:t></a:t>
             </a:r>
-            <a:endParaRPr lang="en-US" dirty="0" smtClean="0">
+            <a:endParaRPr lang="en-US" dirty="0">
               <a:solidFill>
                 <a:srgbClr val="FF0000"/>
               </a:solidFill>
@@ -4913,11 +4882,11 @@
               <a:buChar char="•"/>
             </a:pPr>
             <a:r>
-              <a:rPr lang="en-US" dirty="0" smtClean="0"/>
+              <a:rPr lang="en-US" dirty="0"/>
               <a:t>Groups are significantly different on Word problems </a:t>
             </a:r>
             <a:r>
-              <a:rPr lang="en-US" dirty="0" smtClean="0">
+              <a:rPr lang="en-US" dirty="0">
                 <a:solidFill>
                   <a:srgbClr val="00B050"/>
                 </a:solidFill>
@@ -4926,7 +4895,7 @@
               <a:t></a:t>
             </a:r>
             <a:r>
-              <a:rPr lang="en-US" dirty="0" smtClean="0">
+              <a:rPr lang="en-US" dirty="0">
                 <a:sym typeface="Wingdings"/>
               </a:rPr>
               <a:t> </a:t>
@@ -4958,7 +4927,7 @@
           <a:lstStyle/>
           <a:p>
             <a:r>
-              <a:rPr lang="en-US" dirty="0" smtClean="0"/>
+              <a:rPr lang="en-US" dirty="0"/>
               <a:t>Multivariate tests:</a:t>
             </a:r>
           </a:p>
@@ -4968,15 +4937,15 @@
               <a:buChar char="•"/>
             </a:pPr>
             <a:r>
-              <a:rPr lang="en-US" dirty="0" smtClean="0"/>
+              <a:rPr lang="en-US" dirty="0"/>
               <a:t>Do not require correcting for multiple tests (e.g., </a:t>
             </a:r>
             <a:r>
-              <a:rPr lang="en-US" dirty="0" err="1" smtClean="0"/>
+              <a:rPr lang="en-US" dirty="0" err="1"/>
               <a:t>Bonferroni</a:t>
             </a:r>
             <a:r>
-              <a:rPr lang="en-US" dirty="0" smtClean="0"/>
+              <a:rPr lang="en-US" dirty="0"/>
               <a:t>)</a:t>
             </a:r>
           </a:p>
@@ -4986,7 +4955,7 @@
               <a:buChar char="•"/>
             </a:pPr>
             <a:r>
-              <a:rPr lang="en-US" dirty="0" smtClean="0"/>
+              <a:rPr lang="en-US" dirty="0"/>
               <a:t>Combine evidence from multiple response variables (“pooling strength”)</a:t>
             </a:r>
           </a:p>
@@ -4996,7 +4965,7 @@
               <a:buChar char="•"/>
             </a:pPr>
             <a:r>
-              <a:rPr lang="en-US" dirty="0" smtClean="0"/>
+              <a:rPr lang="en-US" dirty="0"/>
               <a:t>Show how the multivariate responses are jointly related to the predictors</a:t>
             </a:r>
           </a:p>
@@ -5006,7 +4975,7 @@
               <a:buChar char="•"/>
             </a:pPr>
             <a:r>
-              <a:rPr lang="en-US" dirty="0" smtClean="0"/>
+              <a:rPr lang="en-US" dirty="0"/>
               <a:t>How many aspects (dimensions?)</a:t>
             </a:r>
           </a:p>
@@ -5039,7 +5008,7 @@
           <a:p>
             <a:pPr algn="ctr"/>
             <a:r>
-              <a:rPr lang="en-US" sz="3200" dirty="0" smtClean="0">
+              <a:rPr lang="en-US" sz="3200" dirty="0">
                 <a:solidFill>
                   <a:srgbClr val="FF0000"/>
                 </a:solidFill>
@@ -5101,13 +5070,6 @@
   <p:clrMapOvr>
     <a:masterClrMapping/>
   </p:clrMapOvr>
-  <p:timing>
-    <p:tnLst>
-      <p:par>
-        <p:cTn id="1" dur="indefinite" restart="never" nodeType="tmRoot"/>
-      </p:par>
-    </p:tnLst>
-  </p:timing>
 </p:sld>
 </file>
 
@@ -5144,10 +5106,9 @@
           <a:lstStyle/>
           <a:p>
             <a:r>
-              <a:rPr lang="en-US" dirty="0" smtClean="0"/>
+              <a:rPr lang="en-US" dirty="0"/>
               <a:t>Why do multivariate tests?</a:t>
             </a:r>
-            <a:endParaRPr lang="en-US" dirty="0"/>
           </a:p>
         </p:txBody>
       </p:sp>
@@ -5201,31 +5162,31 @@
           <a:lstStyle/>
           <a:p>
             <a:r>
-              <a:rPr lang="en-US" sz="1400" dirty="0" smtClean="0">
+              <a:rPr lang="en-US" sz="1400" dirty="0">
                 <a:latin typeface="SAS Monospace" panose="020B0609020202020204" pitchFamily="49" charset="0"/>
               </a:rPr>
               <a:t>&gt; mod &lt;- lm(</a:t>
             </a:r>
             <a:r>
-              <a:rPr lang="en-US" sz="1400" dirty="0" err="1" smtClean="0">
+              <a:rPr lang="en-US" sz="1400" dirty="0" err="1">
                 <a:latin typeface="SAS Monospace" panose="020B0609020202020204" pitchFamily="49" charset="0"/>
               </a:rPr>
               <a:t>cbind</a:t>
             </a:r>
             <a:r>
-              <a:rPr lang="en-US" sz="1400" dirty="0" smtClean="0">
+              <a:rPr lang="en-US" sz="1400" dirty="0">
                 <a:latin typeface="SAS Monospace" panose="020B0609020202020204" pitchFamily="49" charset="0"/>
               </a:rPr>
               <a:t>(BM, WP) ~ group, data=</a:t>
             </a:r>
             <a:r>
-              <a:rPr lang="en-US" sz="1400" dirty="0" err="1" smtClean="0">
+              <a:rPr lang="en-US" sz="1400" dirty="0" err="1">
                 <a:latin typeface="SAS Monospace" panose="020B0609020202020204" pitchFamily="49" charset="0"/>
               </a:rPr>
               <a:t>mathscore</a:t>
             </a:r>
             <a:r>
-              <a:rPr lang="en-US" sz="1400" dirty="0" smtClean="0">
+              <a:rPr lang="en-US" sz="1400" dirty="0">
                 <a:latin typeface="SAS Monospace" panose="020B0609020202020204" pitchFamily="49" charset="0"/>
               </a:rPr>
               <a:t>)</a:t>
@@ -5233,32 +5194,32 @@
           </a:p>
           <a:p>
             <a:r>
-              <a:rPr lang="en-US" sz="1400" dirty="0" smtClean="0">
+              <a:rPr lang="en-US" sz="1400" dirty="0">
                 <a:latin typeface="SAS Monospace" panose="020B0609020202020204" pitchFamily="49" charset="0"/>
               </a:rPr>
               <a:t>&gt; </a:t>
             </a:r>
             <a:r>
-              <a:rPr lang="en-US" sz="1400" dirty="0" err="1" smtClean="0">
+              <a:rPr lang="en-US" sz="1400" dirty="0" err="1">
                 <a:latin typeface="SAS Monospace" panose="020B0609020202020204" pitchFamily="49" charset="0"/>
               </a:rPr>
               <a:t>Anova</a:t>
             </a:r>
             <a:r>
-              <a:rPr lang="en-US" sz="1400" dirty="0" smtClean="0">
+              <a:rPr lang="en-US" sz="1400" dirty="0">
                 <a:latin typeface="SAS Monospace" panose="020B0609020202020204" pitchFamily="49" charset="0"/>
               </a:rPr>
               <a:t>(mod)</a:t>
             </a:r>
           </a:p>
           <a:p>
-            <a:endParaRPr lang="en-US" sz="1400" dirty="0" smtClean="0">
+            <a:endParaRPr lang="en-US" sz="1400" dirty="0">
               <a:latin typeface="SAS Monospace" panose="020B0609020202020204" pitchFamily="49" charset="0"/>
             </a:endParaRPr>
           </a:p>
           <a:p>
             <a:r>
-              <a:rPr lang="en-US" sz="1400" dirty="0" smtClean="0">
+              <a:rPr lang="en-US" sz="1400" dirty="0">
                 <a:latin typeface="SAS Monospace" panose="020B0609020202020204" pitchFamily="49" charset="0"/>
               </a:rPr>
               <a:t>Type II MANOVA Tests: Pillai test statistic</a:t>
@@ -5266,79 +5227,79 @@
           </a:p>
           <a:p>
             <a:r>
-              <a:rPr lang="en-US" sz="1400" dirty="0" smtClean="0">
+              <a:rPr lang="en-US" sz="1400" dirty="0">
                 <a:latin typeface="SAS Monospace" panose="020B0609020202020204" pitchFamily="49" charset="0"/>
               </a:rPr>
               <a:t>      </a:t>
             </a:r>
             <a:r>
-              <a:rPr lang="en-US" sz="1400" dirty="0" err="1" smtClean="0">
+              <a:rPr lang="en-US" sz="1400" dirty="0" err="1">
                 <a:latin typeface="SAS Monospace" panose="020B0609020202020204" pitchFamily="49" charset="0"/>
               </a:rPr>
               <a:t>Df</a:t>
             </a:r>
             <a:r>
-              <a:rPr lang="en-US" sz="1400" dirty="0" smtClean="0">
+              <a:rPr lang="en-US" sz="1400" dirty="0">
                 <a:latin typeface="SAS Monospace" panose="020B0609020202020204" pitchFamily="49" charset="0"/>
               </a:rPr>
               <a:t> test stat </a:t>
             </a:r>
             <a:r>
-              <a:rPr lang="en-US" sz="1400" dirty="0" err="1" smtClean="0">
+              <a:rPr lang="en-US" sz="1400" dirty="0" err="1">
                 <a:latin typeface="SAS Monospace" panose="020B0609020202020204" pitchFamily="49" charset="0"/>
               </a:rPr>
               <a:t>approx</a:t>
             </a:r>
             <a:r>
-              <a:rPr lang="en-US" sz="1400" dirty="0" smtClean="0">
+              <a:rPr lang="en-US" sz="1400" dirty="0">
                 <a:latin typeface="SAS Monospace" panose="020B0609020202020204" pitchFamily="49" charset="0"/>
               </a:rPr>
               <a:t> F </a:t>
             </a:r>
             <a:r>
-              <a:rPr lang="en-US" sz="1400" dirty="0" err="1" smtClean="0">
+              <a:rPr lang="en-US" sz="1400" dirty="0" err="1">
                 <a:latin typeface="SAS Monospace" panose="020B0609020202020204" pitchFamily="49" charset="0"/>
               </a:rPr>
               <a:t>num</a:t>
             </a:r>
             <a:r>
-              <a:rPr lang="en-US" sz="1400" dirty="0" smtClean="0">
+              <a:rPr lang="en-US" sz="1400" dirty="0">
                 <a:latin typeface="SAS Monospace" panose="020B0609020202020204" pitchFamily="49" charset="0"/>
               </a:rPr>
               <a:t> </a:t>
             </a:r>
             <a:r>
-              <a:rPr lang="en-US" sz="1400" dirty="0" err="1" smtClean="0">
+              <a:rPr lang="en-US" sz="1400" dirty="0" err="1">
                 <a:latin typeface="SAS Monospace" panose="020B0609020202020204" pitchFamily="49" charset="0"/>
               </a:rPr>
               <a:t>Df</a:t>
             </a:r>
             <a:r>
-              <a:rPr lang="en-US" sz="1400" dirty="0" smtClean="0">
+              <a:rPr lang="en-US" sz="1400" dirty="0">
                 <a:latin typeface="SAS Monospace" panose="020B0609020202020204" pitchFamily="49" charset="0"/>
               </a:rPr>
               <a:t> den </a:t>
             </a:r>
             <a:r>
-              <a:rPr lang="en-US" sz="1400" dirty="0" err="1" smtClean="0">
+              <a:rPr lang="en-US" sz="1400" dirty="0" err="1">
                 <a:latin typeface="SAS Monospace" panose="020B0609020202020204" pitchFamily="49" charset="0"/>
               </a:rPr>
               <a:t>Df</a:t>
             </a:r>
             <a:r>
-              <a:rPr lang="en-US" sz="1400" dirty="0" smtClean="0">
+              <a:rPr lang="en-US" sz="1400" dirty="0">
                 <a:latin typeface="SAS Monospace" panose="020B0609020202020204" pitchFamily="49" charset="0"/>
               </a:rPr>
               <a:t>    </a:t>
             </a:r>
             <a:r>
-              <a:rPr lang="en-US" sz="1400" dirty="0" err="1" smtClean="0">
+              <a:rPr lang="en-US" sz="1400" dirty="0" err="1">
                 <a:latin typeface="SAS Monospace" panose="020B0609020202020204" pitchFamily="49" charset="0"/>
               </a:rPr>
               <a:t>Pr</a:t>
             </a:r>
             <a:r>
-              <a:rPr lang="en-US" sz="1400" dirty="0" smtClean="0">
+              <a:rPr lang="en-US" sz="1400" dirty="0">
                 <a:latin typeface="SAS Monospace" panose="020B0609020202020204" pitchFamily="49" charset="0"/>
               </a:rPr>
               <a:t>(&gt;F)    </a:t>
@@ -5346,7 +5307,7 @@
           </a:p>
           <a:p>
             <a:r>
-              <a:rPr lang="en-US" sz="1400" dirty="0" smtClean="0">
+              <a:rPr lang="en-US" sz="1400" dirty="0">
                 <a:latin typeface="SAS Monospace" panose="020B0609020202020204" pitchFamily="49" charset="0"/>
               </a:rPr>
               <a:t>group  1   0.86518   28.878      2      9 0.0001213 ***</a:t>
@@ -5377,7 +5338,7 @@
           <a:lstStyle/>
           <a:p>
             <a:r>
-              <a:rPr lang="en-US" dirty="0" smtClean="0"/>
+              <a:rPr lang="en-US" dirty="0"/>
               <a:t>Overall test is highly significant:</a:t>
             </a:r>
           </a:p>
@@ -5387,7 +5348,7 @@
               <a:buChar char="•"/>
             </a:pPr>
             <a:r>
-              <a:rPr lang="en-US" sz="1600" dirty="0" smtClean="0"/>
+              <a:rPr lang="en-US" sz="1600" dirty="0"/>
               <a:t>Combines the evidence for all predictors</a:t>
             </a:r>
           </a:p>
@@ -5397,10 +5358,9 @@
               <a:buChar char="•"/>
             </a:pPr>
             <a:r>
-              <a:rPr lang="en-US" sz="1600" dirty="0" smtClean="0"/>
+              <a:rPr lang="en-US" sz="1600" dirty="0"/>
               <a:t>Takes response correlations into account</a:t>
             </a:r>
-            <a:endParaRPr lang="en-US" sz="1600" dirty="0"/>
           </a:p>
         </p:txBody>
       </p:sp>
@@ -5457,7 +5417,7 @@
           <a:lstStyle/>
           <a:p>
             <a:r>
-              <a:rPr lang="en-US" dirty="0" smtClean="0"/>
+              <a:rPr lang="en-US" dirty="0"/>
               <a:t>Visual test of significance (Roy’s test)</a:t>
             </a:r>
           </a:p>
@@ -5467,40 +5427,40 @@
               <a:buChar char="•"/>
             </a:pPr>
             <a:r>
-              <a:rPr lang="en-US" dirty="0" smtClean="0"/>
+              <a:rPr lang="en-US" dirty="0"/>
               <a:t>The </a:t>
             </a:r>
             <a:r>
-              <a:rPr lang="en-US" b="1" dirty="0" smtClean="0"/>
+              <a:rPr lang="en-US" b="1" dirty="0"/>
               <a:t>H</a:t>
             </a:r>
             <a:r>
-              <a:rPr lang="en-US" dirty="0" smtClean="0"/>
+              <a:rPr lang="en-US" dirty="0"/>
               <a:t> ellipse projects outside the </a:t>
             </a:r>
             <a:r>
-              <a:rPr lang="en-US" b="1" dirty="0" smtClean="0"/>
+              <a:rPr lang="en-US" b="1" dirty="0"/>
               <a:t>E</a:t>
             </a:r>
             <a:r>
-              <a:rPr lang="en-US" dirty="0" smtClean="0"/>
+              <a:rPr lang="en-US" dirty="0"/>
               <a:t> ellipse </a:t>
             </a:r>
             <a:r>
-              <a:rPr lang="en-US" dirty="0" err="1" smtClean="0"/>
+              <a:rPr lang="en-US" dirty="0" err="1"/>
               <a:t>iff</a:t>
             </a:r>
             <a:r>
-              <a:rPr lang="en-US" dirty="0" smtClean="0"/>
+              <a:rPr lang="en-US" dirty="0"/>
               <a:t> the effect is significant.</a:t>
             </a:r>
           </a:p>
           <a:p>
-            <a:endParaRPr lang="en-US" dirty="0" smtClean="0"/>
-          </a:p>
-          <a:p>
-            <a:r>
-              <a:rPr lang="en-US" dirty="0" smtClean="0"/>
+            <a:endParaRPr lang="en-US" dirty="0"/>
+          </a:p>
+          <a:p>
+            <a:r>
+              <a:rPr lang="en-US" dirty="0"/>
               <a:t>HE plot provides an interpretation:</a:t>
             </a:r>
           </a:p>
@@ -5511,23 +5471,7 @@
             </a:pPr>
             <a:r>
               <a:rPr lang="en-US" sz="1600" dirty="0"/>
-              <a:t>G</a:t>
-            </a:r>
-            <a:r>
-              <a:rPr lang="en-US" sz="1600" dirty="0" smtClean="0"/>
-              <a:t>roup </a:t>
-            </a:r>
-            <a:r>
-              <a:rPr lang="en-US" sz="1600" dirty="0"/>
-              <a:t>1 </a:t>
-            </a:r>
-            <a:r>
-              <a:rPr lang="en-US" sz="1600" dirty="0" smtClean="0"/>
-              <a:t>&gt; Group </a:t>
-            </a:r>
-            <a:r>
-              <a:rPr lang="en-US" sz="1600" dirty="0"/>
-              <a:t>2 on Basic Math, but worse on Word Problems</a:t>
+              <a:t>Group 1 &gt; Group 2 on Basic Math, but worse on Word Problems</a:t>
             </a:r>
           </a:p>
           <a:p>
@@ -5537,27 +5481,7 @@
             </a:pPr>
             <a:r>
               <a:rPr lang="en-US" sz="1600" dirty="0"/>
-              <a:t>G</a:t>
-            </a:r>
-            <a:r>
-              <a:rPr lang="en-US" sz="1600" dirty="0" smtClean="0"/>
-              <a:t>roup </a:t>
-            </a:r>
-            <a:r>
-              <a:rPr lang="en-US" sz="1600" dirty="0"/>
-              <a:t>2 </a:t>
-            </a:r>
-            <a:r>
-              <a:rPr lang="en-US" sz="1600" dirty="0" smtClean="0"/>
-              <a:t>&gt; Group </a:t>
-            </a:r>
-            <a:r>
-              <a:rPr lang="en-US" sz="1600" dirty="0"/>
-              <a:t>1 on Word Problems, but worse on Basic </a:t>
-            </a:r>
-            <a:r>
-              <a:rPr lang="en-US" sz="1600" dirty="0" smtClean="0"/>
-              <a:t>Math</a:t>
+              <a:t>Group 2 &gt; Group 1 on Word Problems, but worse on Basic Math</a:t>
             </a:r>
           </a:p>
           <a:p>
@@ -5566,10 +5490,9 @@
               <a:buChar char="•"/>
             </a:pPr>
             <a:r>
-              <a:rPr lang="en-US" sz="1600" dirty="0" smtClean="0"/>
+              <a:rPr lang="en-US" sz="1600" dirty="0"/>
               <a:t>BM &amp; WP are + correlated w/in groups</a:t>
             </a:r>
-            <a:endParaRPr lang="en-US" sz="1600" dirty="0"/>
           </a:p>
         </p:txBody>
       </p:sp>
@@ -5583,13 +5506,6 @@
   <p:clrMapOvr>
     <a:masterClrMapping/>
   </p:clrMapOvr>
-  <p:timing>
-    <p:tnLst>
-      <p:par>
-        <p:cTn id="1" dur="indefinite" restart="never" nodeType="tmRoot"/>
-      </p:par>
-    </p:tnLst>
-  </p:timing>
 </p:sld>
 </file>
 
@@ -5628,10 +5544,9 @@
           <a:lstStyle/>
           <a:p>
             <a:r>
-              <a:rPr lang="en-US" dirty="0" smtClean="0"/>
+              <a:rPr lang="en-US" dirty="0"/>
               <a:t>HE plot framework: Visual overview</a:t>
             </a:r>
-            <a:endParaRPr lang="en-US" dirty="0"/>
           </a:p>
         </p:txBody>
       </p:sp>
@@ -5713,10 +5628,9 @@
             <a:lstStyle/>
             <a:p>
               <a:r>
-                <a:rPr lang="en-US" sz="2400" dirty="0" smtClean="0"/>
+                <a:rPr lang="en-US" sz="2400" dirty="0"/>
                 <a:t>Data</a:t>
               </a:r>
-              <a:endParaRPr lang="en-US" sz="2400" dirty="0"/>
             </a:p>
           </p:txBody>
         </p:sp>
@@ -5799,10 +5713,9 @@
             <a:lstStyle/>
             <a:p>
               <a:r>
-                <a:rPr lang="en-US" sz="2400" dirty="0" smtClean="0"/>
+                <a:rPr lang="en-US" sz="2400" dirty="0"/>
                 <a:t>Data ellipses</a:t>
               </a:r>
-              <a:endParaRPr lang="en-US" sz="2400" dirty="0"/>
             </a:p>
           </p:txBody>
         </p:sp>
@@ -5830,11 +5743,11 @@
           <a:lstStyle/>
           <a:p>
             <a:r>
-              <a:rPr lang="en-US" sz="2400" dirty="0" smtClean="0"/>
+              <a:rPr lang="en-US" sz="2400" dirty="0"/>
               <a:t>The data ellipsoid is a </a:t>
             </a:r>
             <a:r>
-              <a:rPr lang="en-US" sz="2400" dirty="0" smtClean="0">
+              <a:rPr lang="en-US" sz="2400" dirty="0">
                 <a:solidFill>
                   <a:srgbClr val="FF0000"/>
                 </a:solidFill>
@@ -5842,10 +5755,9 @@
               <a:t>sufficient visual summary </a:t>
             </a:r>
             <a:r>
-              <a:rPr lang="en-US" sz="2400" dirty="0" smtClean="0"/>
+              <a:rPr lang="en-US" sz="2400" dirty="0"/>
               <a:t>for multivariate location &amp; scatter, just as              are sufficient for  </a:t>
             </a:r>
-            <a:endParaRPr lang="en-US" sz="2400" dirty="0"/>
           </a:p>
         </p:txBody>
       </p:sp>
@@ -5871,7 +5783,7 @@
           <a:graphicData uri="http://schemas.openxmlformats.org/presentationml/2006/ole">
             <mc:AlternateContent xmlns:mc="http://schemas.openxmlformats.org/markup-compatibility/2006">
               <mc:Choice xmlns:v="urn:schemas-microsoft-com:vml" Requires="v">
-                <p:oleObj spid="_x0000_s4170" name="Equation" r:id="rId5" imgW="393480" imgH="203040" progId="Equation.DSMT4">
+                <p:oleObj spid="_x0000_s4174" name="Equation" r:id="rId5" imgW="393480" imgH="203040" progId="Equation.DSMT4">
                   <p:embed/>
                 </p:oleObj>
               </mc:Choice>
@@ -5928,7 +5840,7 @@
           <a:graphicData uri="http://schemas.openxmlformats.org/presentationml/2006/ole">
             <mc:AlternateContent xmlns:mc="http://schemas.openxmlformats.org/markup-compatibility/2006">
               <mc:Choice xmlns:v="urn:schemas-microsoft-com:vml" Requires="v">
-                <p:oleObj spid="_x0000_s4171" name="Equation" r:id="rId7" imgW="355320" imgH="203040" progId="Equation.DSMT4">
+                <p:oleObj spid="_x0000_s4175" name="Equation" r:id="rId7" imgW="355320" imgH="203040" progId="Equation.DSMT4">
                   <p:embed/>
                 </p:oleObj>
               </mc:Choice>
@@ -6032,13 +5944,6 @@
   <p:clrMapOvr>
     <a:masterClrMapping/>
   </p:clrMapOvr>
-  <p:timing>
-    <p:tnLst>
-      <p:par>
-        <p:cTn id="1" dur="indefinite" restart="never" nodeType="tmRoot"/>
-      </p:par>
-    </p:tnLst>
-  </p:timing>
 </p:sld>
 </file>
 
@@ -6085,18 +5990,13 @@
           <a:p>
             <a:pPr algn="ctr"/>
             <a:r>
-              <a:rPr lang="en-US" sz="3600" dirty="0" smtClean="0">
+              <a:rPr lang="en-US" sz="3600" dirty="0">
                 <a:solidFill>
                   <a:schemeClr val="bg1"/>
                 </a:solidFill>
               </a:rPr>
               <a:t>Visual overview</a:t>
             </a:r>
-            <a:endParaRPr lang="en-US" sz="3600" dirty="0">
-              <a:solidFill>
-                <a:schemeClr val="bg1"/>
-              </a:solidFill>
-            </a:endParaRPr>
           </a:p>
         </p:txBody>
       </p:sp>
@@ -6167,10 +6067,9 @@
             <a:lstStyle/>
             <a:p>
               <a:r>
-                <a:rPr lang="en-US" sz="2400" dirty="0" smtClean="0"/>
+                <a:rPr lang="en-US" sz="2400" dirty="0"/>
                 <a:t>Data ellipses</a:t>
               </a:r>
-              <a:endParaRPr lang="en-US" sz="2400" dirty="0"/>
             </a:p>
           </p:txBody>
         </p:sp>
@@ -6256,10 +6155,9 @@
               <a:lstStyle/>
               <a:p>
                 <a:r>
-                  <a:rPr lang="en-US" sz="2400" dirty="0" smtClean="0"/>
+                  <a:rPr lang="en-US" sz="2400" dirty="0"/>
                   <a:t>HE plot</a:t>
                 </a:r>
-                <a:endParaRPr lang="en-US" sz="2400" dirty="0"/>
               </a:p>
             </p:txBody>
           </p:sp>
@@ -6391,10 +6289,9 @@
               <a:lstStyle/>
               <a:p>
                 <a:r>
-                  <a:rPr lang="en-US" sz="2400" dirty="0" smtClean="0"/>
+                  <a:rPr lang="en-US" sz="2400" dirty="0"/>
                   <a:t>Discriminant scores</a:t>
                 </a:r>
-                <a:endParaRPr lang="en-US" sz="2400" dirty="0"/>
               </a:p>
             </p:txBody>
           </p:sp>
@@ -6496,10 +6393,9 @@
               <a:lstStyle/>
               <a:p>
                 <a:r>
-                  <a:rPr lang="en-US" sz="2400" dirty="0" smtClean="0"/>
+                  <a:rPr lang="en-US" sz="2400" dirty="0"/>
                   <a:t>Canonical space</a:t>
                 </a:r>
-                <a:endParaRPr lang="en-US" sz="2400" dirty="0"/>
               </a:p>
             </p:txBody>
           </p:sp>
@@ -6952,30 +6848,29 @@
           <a:lstStyle/>
           <a:p>
             <a:r>
-              <a:rPr lang="en-US" dirty="0" smtClean="0"/>
+              <a:rPr lang="en-US" dirty="0"/>
               <a:t>Data </a:t>
             </a:r>
             <a:r>
-              <a:rPr lang="en-US" dirty="0" smtClean="0">
+              <a:rPr lang="en-US" dirty="0">
                 <a:sym typeface="Symbol"/>
               </a:rPr>
               <a:t> </a:t>
             </a:r>
             <a:r>
-              <a:rPr lang="en-US" dirty="0" smtClean="0"/>
+              <a:rPr lang="en-US" dirty="0"/>
               <a:t>Data ellipses </a:t>
             </a:r>
             <a:r>
-              <a:rPr lang="en-US" dirty="0" smtClean="0">
+              <a:rPr lang="en-US" dirty="0">
                 <a:sym typeface="Symbol"/>
               </a:rPr>
               <a:t></a:t>
             </a:r>
             <a:r>
-              <a:rPr lang="en-US" dirty="0" smtClean="0"/>
+              <a:rPr lang="en-US" dirty="0"/>
               <a:t> HE plot</a:t>
             </a:r>
-            <a:endParaRPr lang="en-US" dirty="0"/>
           </a:p>
         </p:txBody>
       </p:sp>
@@ -7003,19 +6898,7 @@
           <a:p>
             <a:r>
               <a:rPr lang="en-US" sz="2000" dirty="0"/>
-              <a:t>D</a:t>
-            </a:r>
-            <a:r>
-              <a:rPr lang="en-US" sz="2000" dirty="0" smtClean="0"/>
-              <a:t>ifferences </a:t>
-            </a:r>
-            <a:r>
-              <a:rPr lang="en-US" sz="2000" dirty="0"/>
-              <a:t>between group means are shown by </a:t>
-            </a:r>
-            <a:r>
-              <a:rPr lang="en-US" sz="2000" dirty="0" smtClean="0"/>
-              <a:t>the </a:t>
+              <a:t>Differences between group means are shown by the </a:t>
             </a:r>
             <a:r>
               <a:rPr lang="en-US" sz="2000" b="1" dirty="0"/>
@@ -7023,14 +6906,10 @@
             </a:r>
             <a:r>
               <a:rPr lang="en-US" sz="2000" dirty="0"/>
-              <a:t> </a:t>
-            </a:r>
-            <a:r>
-              <a:rPr lang="en-US" sz="2000" dirty="0" smtClean="0"/>
-              <a:t>ellipsoid– data ellipsoid of the </a:t>
-            </a:r>
-            <a:r>
-              <a:rPr lang="en-US" sz="2000" dirty="0" smtClean="0">
+              <a:t> ellipsoid– data ellipsoid of the </a:t>
+            </a:r>
+            <a:r>
+              <a:rPr lang="en-US" sz="2000" dirty="0">
                 <a:solidFill>
                   <a:srgbClr val="FF0000"/>
                 </a:solidFill>
@@ -7038,44 +6917,36 @@
               <a:t>fitted</a:t>
             </a:r>
             <a:r>
-              <a:rPr lang="en-US" sz="2000" dirty="0" smtClean="0"/>
+              <a:rPr lang="en-US" sz="2000" dirty="0"/>
               <a:t> values (w/ 1 </a:t>
             </a:r>
             <a:r>
-              <a:rPr lang="en-US" sz="2000" dirty="0" err="1" smtClean="0"/>
+              <a:rPr lang="en-US" sz="2000" dirty="0" err="1"/>
               <a:t>df</a:t>
             </a:r>
             <a:r>
-              <a:rPr lang="en-US" sz="2000" dirty="0" smtClean="0"/>
+              <a:rPr lang="en-US" sz="2000" dirty="0"/>
               <a:t>, degenerates to a line)</a:t>
             </a:r>
           </a:p>
           <a:p>
             <a:pPr lvl="1"/>
             <a:r>
-              <a:rPr lang="en-US" sz="1400" dirty="0" smtClean="0"/>
+              <a:rPr lang="en-US" sz="1400" dirty="0"/>
               <a:t>Direction shows relation of groups to response variables</a:t>
             </a:r>
           </a:p>
           <a:p>
             <a:pPr lvl="1"/>
             <a:r>
-              <a:rPr lang="en-US" sz="1400" dirty="0" smtClean="0"/>
+              <a:rPr lang="en-US" sz="1400" dirty="0"/>
               <a:t>Size shows “how big is H relative to E”</a:t>
             </a:r>
           </a:p>
           <a:p>
             <a:r>
               <a:rPr lang="en-US" sz="2000" dirty="0"/>
-              <a:t>V</a:t>
-            </a:r>
-            <a:r>
-              <a:rPr lang="en-US" sz="2000" dirty="0" smtClean="0"/>
-              <a:t>ariation </a:t>
-            </a:r>
-            <a:r>
-              <a:rPr lang="en-US" sz="2000" dirty="0"/>
-              <a:t>within groups is reflected in the </a:t>
+              <a:t>Variation within groups is reflected in the </a:t>
             </a:r>
             <a:r>
               <a:rPr lang="en-US" sz="2000" b="1" dirty="0"/>
@@ -7083,18 +6954,10 @@
             </a:r>
             <a:r>
               <a:rPr lang="en-US" sz="2000" dirty="0"/>
-              <a:t> </a:t>
-            </a:r>
-            <a:r>
-              <a:rPr lang="en-US" sz="2000" dirty="0" smtClean="0"/>
-              <a:t>ellipsoid-- data </a:t>
-            </a:r>
-            <a:r>
-              <a:rPr lang="en-US" sz="2000" dirty="0"/>
-              <a:t>ellipsoid of the </a:t>
-            </a:r>
-            <a:r>
-              <a:rPr lang="en-US" sz="2000" dirty="0" smtClean="0">
+              <a:t> ellipsoid-- data ellipsoid of the </a:t>
+            </a:r>
+            <a:r>
+              <a:rPr lang="en-US" sz="2000" dirty="0">
                 <a:solidFill>
                   <a:srgbClr val="FF0000"/>
                 </a:solidFill>
@@ -7105,14 +6968,14 @@
           <a:p>
             <a:pPr lvl="1"/>
             <a:r>
-              <a:rPr lang="en-US" sz="1400" dirty="0" smtClean="0"/>
+              <a:rPr lang="en-US" sz="1400" dirty="0"/>
               <a:t>Direction: residual (partial) correlation between BM &amp; WP</a:t>
             </a:r>
           </a:p>
           <a:p>
             <a:pPr lvl="1"/>
             <a:r>
-              <a:rPr lang="en-US" sz="1400" dirty="0" smtClean="0"/>
+              <a:rPr lang="en-US" sz="1400" dirty="0"/>
               <a:t>Size/shape: residual variance</a:t>
             </a:r>
           </a:p>
@@ -7316,13 +7179,6 @@
   <p:clrMapOvr>
     <a:masterClrMapping/>
   </p:clrMapOvr>
-  <p:timing>
-    <p:tnLst>
-      <p:par>
-        <p:cTn id="1" dur="indefinite" restart="never" nodeType="tmRoot"/>
-      </p:par>
-    </p:tnLst>
-  </p:timing>
 </p:sld>
 </file>
 
@@ -7359,10 +7215,9 @@
           <a:lstStyle/>
           <a:p>
             <a:r>
-              <a:rPr lang="en-US" dirty="0" smtClean="0"/>
+              <a:rPr lang="en-US" dirty="0"/>
               <a:t>The H ellipse</a:t>
             </a:r>
-            <a:endParaRPr lang="en-US" dirty="0"/>
           </a:p>
         </p:txBody>
       </p:sp>
@@ -7389,35 +7244,31 @@
           <a:lstStyle/>
           <a:p>
             <a:r>
-              <a:rPr lang="en-US" sz="2400" dirty="0" smtClean="0"/>
+              <a:rPr lang="en-US" sz="2400" dirty="0"/>
               <a:t>The </a:t>
             </a:r>
             <a:r>
-              <a:rPr lang="en-US" sz="2400" b="1" dirty="0" smtClean="0"/>
+              <a:rPr lang="en-US" sz="2400" b="1" dirty="0"/>
               <a:t>H</a:t>
             </a:r>
             <a:r>
-              <a:rPr lang="en-US" sz="2400" dirty="0" smtClean="0"/>
+              <a:rPr lang="en-US" sz="2400" dirty="0"/>
               <a:t> ellipse is the data ellipse of the fitted values (group means, here)</a:t>
             </a:r>
           </a:p>
           <a:p>
             <a:pPr lvl="1"/>
             <a:r>
-              <a:rPr lang="en-US" sz="2000" dirty="0" smtClean="0"/>
+              <a:rPr lang="en-US" sz="2000" dirty="0"/>
               <a:t>The </a:t>
             </a:r>
             <a:r>
-              <a:rPr lang="en-US" sz="2000" b="1" dirty="0" smtClean="0"/>
+              <a:rPr lang="en-US" sz="2000" b="1" dirty="0"/>
               <a:t>H</a:t>
             </a:r>
             <a:r>
-              <a:rPr lang="en-US" sz="2000" dirty="0" smtClean="0"/>
-              <a:t> matrix is </a:t>
-            </a:r>
-            <a:r>
               <a:rPr lang="en-US" sz="2000" dirty="0"/>
-              <a:t>the sum of squares and </a:t>
+              <a:t> matrix is the sum of squares and </a:t>
             </a:r>
             <a:r>
               <a:rPr lang="en-US" sz="2000" dirty="0" err="1"/>
@@ -7425,21 +7276,8 @@
             </a:r>
             <a:r>
               <a:rPr lang="en-US" sz="2000" dirty="0"/>
-              <a:t> of the fitted values, </a:t>
-            </a:r>
-            <a:r>
-              <a:rPr lang="en-US" sz="2000" dirty="0" smtClean="0"/>
-              <a:t>corrected </a:t>
-            </a:r>
-            <a:r>
-              <a:rPr lang="en-US" sz="2000" dirty="0"/>
-              <a:t>for the grand </a:t>
-            </a:r>
-            <a:r>
-              <a:rPr lang="en-US" sz="2000" dirty="0" smtClean="0"/>
-              <a:t>mean </a:t>
-            </a:r>
-            <a:endParaRPr lang="en-US" sz="2000" dirty="0"/>
+              <a:t> of the fitted values, corrected for the grand mean </a:t>
+            </a:r>
           </a:p>
         </p:txBody>
       </p:sp>
@@ -7585,10 +7423,9 @@
           <a:lstStyle/>
           <a:p>
             <a:r>
-              <a:rPr lang="en-US" sz="1200" dirty="0" smtClean="0"/>
+              <a:rPr lang="en-US" sz="1200" dirty="0"/>
               <a:t>Jittered fitted values</a:t>
             </a:r>
-            <a:endParaRPr lang="en-US" sz="1200" dirty="0"/>
           </a:p>
         </p:txBody>
       </p:sp>
@@ -7614,7 +7451,7 @@
           <a:graphicData uri="http://schemas.openxmlformats.org/presentationml/2006/ole">
             <mc:AlternateContent xmlns:mc="http://schemas.openxmlformats.org/markup-compatibility/2006">
               <mc:Choice xmlns:v="urn:schemas-microsoft-com:vml" Requires="v">
-                <p:oleObj spid="_x0000_s5146" name="Equation" r:id="rId5" imgW="1104840" imgH="304560" progId="Equation.DSMT4">
+                <p:oleObj spid="_x0000_s5148" name="Equation" r:id="rId5" imgW="1104840" imgH="304560" progId="Equation.DSMT4">
                   <p:embed/>
                 </p:oleObj>
               </mc:Choice>
@@ -7659,13 +7496,6 @@
   <p:clrMapOvr>
     <a:masterClrMapping/>
   </p:clrMapOvr>
-  <p:timing>
-    <p:tnLst>
-      <p:par>
-        <p:cTn id="1" dur="indefinite" restart="never" nodeType="tmRoot"/>
-      </p:par>
-    </p:tnLst>
-  </p:timing>
 </p:sld>
 </file>
 
@@ -7702,10 +7532,9 @@
           <a:lstStyle/>
           <a:p>
             <a:r>
-              <a:rPr lang="en-US" dirty="0" smtClean="0"/>
+              <a:rPr lang="en-US" dirty="0"/>
               <a:t>The E ellipse</a:t>
             </a:r>
-            <a:endParaRPr lang="en-US" dirty="0"/>
           </a:p>
         </p:txBody>
       </p:sp>
@@ -7741,47 +7570,34 @@
             </a:r>
             <a:r>
               <a:rPr lang="en-US" sz="2400" dirty="0"/>
-              <a:t> ellipse is the data ellipse </a:t>
-            </a:r>
-            <a:r>
-              <a:rPr lang="en-US" sz="2400" dirty="0" smtClean="0"/>
-              <a:t> of the residuals </a:t>
+              <a:t> ellipse is the data ellipse  of the residuals </a:t>
             </a:r>
           </a:p>
           <a:p>
             <a:pPr lvl="1"/>
             <a:r>
-              <a:rPr lang="en-US" sz="2000" dirty="0" smtClean="0"/>
-              <a:t>What you </a:t>
-            </a:r>
-            <a:r>
               <a:rPr lang="en-US" sz="2000" dirty="0"/>
-              <a:t>get when you subtract the group means from all observations, shifting them to the grand means</a:t>
-            </a:r>
-            <a:r>
-              <a:rPr lang="en-US" sz="2000" dirty="0" smtClean="0"/>
-              <a:t>.</a:t>
+              <a:t>What you get when you subtract the group means from all observations, shifting them to the grand means.</a:t>
             </a:r>
           </a:p>
           <a:p>
             <a:pPr lvl="1"/>
             <a:r>
-              <a:rPr lang="en-US" sz="2000" b="1" dirty="0" smtClean="0"/>
+              <a:rPr lang="en-US" sz="2000" b="1" dirty="0"/>
               <a:t>E</a:t>
             </a:r>
             <a:r>
-              <a:rPr lang="en-US" sz="2000" dirty="0" smtClean="0"/>
+              <a:rPr lang="en-US" sz="2000" dirty="0"/>
               <a:t> matrix called the “within-group </a:t>
             </a:r>
             <a:r>
-              <a:rPr lang="en-US" sz="2000" b="1" dirty="0" smtClean="0"/>
+              <a:rPr lang="en-US" sz="2000" b="1" dirty="0"/>
               <a:t>pooled</a:t>
             </a:r>
             <a:r>
-              <a:rPr lang="en-US" sz="2000" dirty="0" smtClean="0"/>
+              <a:rPr lang="en-US" sz="2000" dirty="0"/>
               <a:t> covariance matrix”</a:t>
             </a:r>
-            <a:endParaRPr lang="en-US" sz="2000" dirty="0"/>
           </a:p>
         </p:txBody>
       </p:sp>
@@ -7992,7 +7808,7 @@
           <a:graphicData uri="http://schemas.openxmlformats.org/presentationml/2006/ole">
             <mc:AlternateContent xmlns:mc="http://schemas.openxmlformats.org/markup-compatibility/2006">
               <mc:Choice xmlns:v="urn:schemas-microsoft-com:vml" Requires="v">
-                <p:oleObj spid="_x0000_s7194" name="Equation" r:id="rId6" imgW="1676160" imgH="304560" progId="Equation.DSMT4">
+                <p:oleObj spid="_x0000_s7196" name="Equation" r:id="rId6" imgW="1676160" imgH="304560" progId="Equation.DSMT4">
                   <p:embed/>
                 </p:oleObj>
               </mc:Choice>
@@ -8037,13 +7853,6 @@
   <p:clrMapOvr>
     <a:masterClrMapping/>
   </p:clrMapOvr>
-  <p:timing>
-    <p:tnLst>
-      <p:par>
-        <p:cTn id="1" dur="indefinite" restart="never" nodeType="tmRoot"/>
-      </p:par>
-    </p:tnLst>
-  </p:timing>
 </p:sld>
 </file>
 
@@ -8080,10 +7889,9 @@
           <a:lstStyle/>
           <a:p>
             <a:r>
-              <a:rPr lang="en-US" dirty="0" smtClean="0"/>
+              <a:rPr lang="en-US" dirty="0"/>
               <a:t>H &amp; E in numbers</a:t>
             </a:r>
-            <a:endParaRPr lang="en-US" dirty="0"/>
           </a:p>
         </p:txBody>
       </p:sp>
@@ -8219,13 +8027,7 @@
               <a:rPr lang="en-US" sz="1600" dirty="0">
                 <a:latin typeface="Lucida Sans Typewriter" pitchFamily="49" charset="0"/>
               </a:rPr>
-              <a:t>WP -2395.8  </a:t>
-            </a:r>
-            <a:r>
-              <a:rPr lang="en-US" sz="1600" dirty="0" smtClean="0">
-                <a:latin typeface="Lucida Sans Typewriter" pitchFamily="49" charset="0"/>
-              </a:rPr>
-              <a:t>4408.3</a:t>
+              <a:t>WP -2395.8  4408.3</a:t>
             </a:r>
           </a:p>
         </p:txBody>
@@ -8371,16 +8173,10 @@
               <a:rPr lang="en-US" sz="1600" dirty="0">
                 <a:latin typeface="Lucida Sans Typewriter" pitchFamily="49" charset="0"/>
               </a:rPr>
-              <a:t>(fit) - </a:t>
-            </a:r>
-            <a:r>
-              <a:rPr lang="en-US" sz="1600" dirty="0" smtClean="0">
-                <a:latin typeface="Lucida Sans Typewriter" pitchFamily="49" charset="0"/>
-              </a:rPr>
-              <a:t>n*outer(</a:t>
-            </a:r>
-            <a:r>
-              <a:rPr lang="en-US" sz="1600" dirty="0" err="1" smtClean="0">
+              <a:t>(fit) - n*outer(</a:t>
+            </a:r>
+            <a:r>
+              <a:rPr lang="en-US" sz="1600" dirty="0" err="1">
                 <a:latin typeface="Lucida Sans Typewriter" pitchFamily="49" charset="0"/>
               </a:rPr>
               <a:t>ybar</a:t>
@@ -8425,17 +8221,8 @@
               <a:rPr lang="en-US" sz="1600" dirty="0">
                 <a:latin typeface="Lucida Sans Typewriter" pitchFamily="49" charset="0"/>
               </a:rPr>
-              <a:t>WP -2395.8  </a:t>
-            </a:r>
-            <a:r>
-              <a:rPr lang="en-US" sz="1600" dirty="0" smtClean="0">
-                <a:latin typeface="Lucida Sans Typewriter" pitchFamily="49" charset="0"/>
-              </a:rPr>
-              <a:t>4408.3</a:t>
-            </a:r>
-            <a:endParaRPr lang="en-US" sz="1600" dirty="0">
-              <a:latin typeface="Lucida Sans Typewriter" pitchFamily="49" charset="0"/>
-            </a:endParaRPr>
+              <a:t>WP -2395.8  4408.3</a:t>
+            </a:r>
           </a:p>
         </p:txBody>
       </p:sp>
@@ -8600,7 +8387,7 @@
           <a:graphicData uri="http://schemas.openxmlformats.org/presentationml/2006/ole">
             <mc:AlternateContent xmlns:mc="http://schemas.openxmlformats.org/markup-compatibility/2006">
               <mc:Choice xmlns:v="urn:schemas-microsoft-com:vml" Requires="v">
-                <p:oleObj spid="_x0000_s6174" name="Equation" r:id="rId3" imgW="1104840" imgH="304560" progId="Equation.DSMT4">
+                <p:oleObj spid="_x0000_s6176" name="Equation" r:id="rId3" imgW="1104840" imgH="304560" progId="Equation.DSMT4">
                   <p:embed/>
                 </p:oleObj>
               </mc:Choice>
@@ -8715,15 +8502,7 @@
             </a:r>
             <a:r>
               <a:rPr lang="en-US" dirty="0"/>
-              <a:t>() function and saved as the SSP and SSPE </a:t>
-            </a:r>
-            <a:r>
-              <a:rPr lang="en-US" dirty="0" smtClean="0"/>
-              <a:t>components, used </a:t>
-            </a:r>
-            <a:r>
-              <a:rPr lang="en-US" dirty="0"/>
-              <a:t>in the statistical tests.</a:t>
+              <a:t>() function and saved as the SSP and SSPE components, used in the statistical tests.</a:t>
             </a:r>
           </a:p>
         </p:txBody>
@@ -8751,10 +8530,9 @@
           <a:lstStyle/>
           <a:p>
             <a:r>
-              <a:rPr lang="en-US" dirty="0" smtClean="0"/>
+              <a:rPr lang="en-US" dirty="0"/>
               <a:t>Direct calculation:</a:t>
             </a:r>
-            <a:endParaRPr lang="en-US" dirty="0"/>
           </a:p>
         </p:txBody>
       </p:sp>
@@ -8768,13 +8546,6 @@
   <p:clrMapOvr>
     <a:masterClrMapping/>
   </p:clrMapOvr>
-  <p:timing>
-    <p:tnLst>
-      <p:par>
-        <p:cTn id="1" dur="indefinite" restart="never" nodeType="tmRoot"/>
-      </p:par>
-    </p:tnLst>
-  </p:timing>
 </p:sld>
 </file>
 
@@ -8811,10 +8582,9 @@
           <a:lstStyle/>
           <a:p>
             <a:r>
-              <a:rPr lang="en-US" dirty="0" smtClean="0"/>
+              <a:rPr lang="en-US" dirty="0"/>
               <a:t>H &amp; E in numbers</a:t>
             </a:r>
-            <a:endParaRPr lang="en-US" dirty="0"/>
           </a:p>
         </p:txBody>
       </p:sp>
@@ -8909,9 +8679,6 @@
               </a:rPr>
               <a:t>WP 2808.3 4216.7</a:t>
             </a:r>
-            <a:endParaRPr lang="en-US" sz="1600" dirty="0" smtClean="0">
-              <a:latin typeface="Lucida Sans Typewriter" pitchFamily="49" charset="0"/>
-            </a:endParaRPr>
           </a:p>
         </p:txBody>
       </p:sp>
@@ -9244,17 +9011,8 @@
               <a:rPr lang="en-US" sz="1600" dirty="0">
                 <a:latin typeface="Lucida Console" pitchFamily="49" charset="0"/>
               </a:rPr>
-              <a:t>WP 0.78 </a:t>
-            </a:r>
-            <a:r>
-              <a:rPr lang="en-US" sz="1600" dirty="0" smtClean="0">
-                <a:latin typeface="Lucida Console" pitchFamily="49" charset="0"/>
-              </a:rPr>
-              <a:t>1.00</a:t>
-            </a:r>
-            <a:endParaRPr lang="en-US" sz="1600" dirty="0">
-              <a:latin typeface="Lucida Console" pitchFamily="49" charset="0"/>
-            </a:endParaRPr>
+              <a:t>WP 0.78 1.00</a:t>
+            </a:r>
           </a:p>
         </p:txBody>
       </p:sp>
@@ -9281,10 +9039,9 @@
           <a:lstStyle/>
           <a:p>
             <a:r>
-              <a:rPr lang="en-US" dirty="0" smtClean="0"/>
+              <a:rPr lang="en-US" dirty="0"/>
               <a:t>Direct calculation:</a:t>
             </a:r>
-            <a:endParaRPr lang="en-US" dirty="0"/>
           </a:p>
         </p:txBody>
       </p:sp>
@@ -9310,7 +9067,7 @@
           <a:graphicData uri="http://schemas.openxmlformats.org/presentationml/2006/ole">
             <mc:AlternateContent xmlns:mc="http://schemas.openxmlformats.org/markup-compatibility/2006">
               <mc:Choice xmlns:v="urn:schemas-microsoft-com:vml" Requires="v">
-                <p:oleObj spid="_x0000_s12295" name="Equation" r:id="rId3" imgW="1676160" imgH="304560" progId="Equation.DSMT4">
+                <p:oleObj spid="_x0000_s12297" name="Equation" r:id="rId3" imgW="1676160" imgH="304560" progId="Equation.DSMT4">
                   <p:embed/>
                 </p:oleObj>
               </mc:Choice>
@@ -9387,13 +9144,6 @@
   <p:clrMapOvr>
     <a:masterClrMapping/>
   </p:clrMapOvr>
-  <p:timing>
-    <p:tnLst>
-      <p:par>
-        <p:cTn id="1" dur="indefinite" restart="never" nodeType="tmRoot"/>
-      </p:par>
-    </p:tnLst>
-  </p:timing>
 </p:sld>
 </file>
 
@@ -9430,10 +9180,9 @@
           <a:lstStyle/>
           <a:p>
             <a:r>
-              <a:rPr lang="en-US" dirty="0" smtClean="0"/>
+              <a:rPr lang="en-US" dirty="0"/>
               <a:t>Today’s topics</a:t>
             </a:r>
-            <a:endParaRPr lang="en-US" dirty="0"/>
           </a:p>
         </p:txBody>
       </p:sp>
@@ -9454,49 +9203,45 @@
           <a:p>
             <a:r>
               <a:rPr lang="en-US" dirty="0"/>
-              <a:t>Brief review of </a:t>
-            </a:r>
-            <a:r>
-              <a:rPr lang="en-US" dirty="0" smtClean="0"/>
-              <a:t>the GLM &amp; MLM</a:t>
-            </a:r>
-          </a:p>
-          <a:p>
-            <a:r>
-              <a:rPr lang="en-US" dirty="0" smtClean="0"/>
+              <a:t>Brief review of the GLM &amp; MLM</a:t>
+            </a:r>
+          </a:p>
+          <a:p>
+            <a:r>
+              <a:rPr lang="en-US" dirty="0"/>
               <a:t>Data ellipses</a:t>
             </a:r>
           </a:p>
           <a:p>
             <a:pPr lvl="1"/>
             <a:r>
-              <a:rPr lang="en-US" sz="2000" dirty="0" smtClean="0"/>
+              <a:rPr lang="en-US" sz="2000" dirty="0"/>
               <a:t>sufficient visual summaries</a:t>
             </a:r>
           </a:p>
           <a:p>
             <a:r>
-              <a:rPr lang="en-US" dirty="0" smtClean="0"/>
+              <a:rPr lang="en-US" dirty="0"/>
               <a:t>HE plot framework</a:t>
             </a:r>
           </a:p>
           <a:p>
             <a:pPr lvl="1"/>
             <a:r>
-              <a:rPr lang="en-US" sz="2000" dirty="0" smtClean="0"/>
+              <a:rPr lang="en-US" sz="2000" dirty="0"/>
               <a:t>H &amp; E matrices/ellipses</a:t>
             </a:r>
           </a:p>
           <a:p>
             <a:pPr lvl="1"/>
             <a:r>
-              <a:rPr lang="en-US" sz="2000" dirty="0" smtClean="0"/>
+              <a:rPr lang="en-US" sz="2000" dirty="0"/>
               <a:t>Discriminant/canonical views</a:t>
             </a:r>
           </a:p>
           <a:p>
             <a:r>
-              <a:rPr lang="en-US" dirty="0" smtClean="0"/>
+              <a:rPr lang="en-US" dirty="0"/>
               <a:t>Example: Penguins data</a:t>
             </a:r>
           </a:p>
@@ -9733,7 +9478,7 @@
           <a:graphicData uri="http://schemas.openxmlformats.org/presentationml/2006/ole">
             <mc:AlternateContent xmlns:mc="http://schemas.openxmlformats.org/markup-compatibility/2006">
               <mc:Choice xmlns:v="urn:schemas-microsoft-com:vml" Requires="v">
-                <p:oleObj spid="_x0000_s11274" name="Equation" r:id="rId9" imgW="1231560" imgH="291960" progId="Equation.DSMT4">
+                <p:oleObj spid="_x0000_s11276" name="Equation" r:id="rId9" imgW="1231560" imgH="291960" progId="Equation.DSMT4">
                   <p:embed/>
                 </p:oleObj>
               </mc:Choice>
@@ -10675,10 +10420,9 @@
           <a:lstStyle/>
           <a:p>
             <a:r>
-              <a:rPr lang="en-US" dirty="0" smtClean="0"/>
+              <a:rPr lang="en-US" dirty="0"/>
               <a:t>Discriminant analysis</a:t>
             </a:r>
-            <a:endParaRPr lang="en-US" dirty="0"/>
           </a:p>
         </p:txBody>
       </p:sp>
@@ -10701,92 +10445,72 @@
           <a:p>
             <a:r>
               <a:rPr lang="en-US" sz="2000" dirty="0"/>
-              <a:t>MANOVA and linear discriminant analysis (LDA) are intimately related and differ mainly in </a:t>
-            </a:r>
-            <a:r>
-              <a:rPr lang="en-US" sz="2000" dirty="0" smtClean="0"/>
-              <a:t>perspective:</a:t>
+              <a:t>MANOVA and linear discriminant analysis (LDA) are intimately related and differ mainly in perspective:</a:t>
             </a:r>
           </a:p>
           <a:p>
             <a:pPr lvl="1"/>
             <a:r>
-              <a:rPr lang="en-US" sz="1800" dirty="0" smtClean="0"/>
+              <a:rPr lang="en-US" sz="1800" dirty="0"/>
               <a:t>MANOVA: Do means of groups on 2+ responses differ?</a:t>
             </a:r>
           </a:p>
           <a:p>
             <a:pPr lvl="1"/>
             <a:r>
-              <a:rPr lang="en-US" sz="1800" dirty="0" smtClean="0"/>
+              <a:rPr lang="en-US" sz="1800" dirty="0"/>
               <a:t>LDA: Find weighted sums of responses that best discriminate groups</a:t>
             </a:r>
           </a:p>
           <a:p>
             <a:r>
               <a:rPr lang="en-US" sz="2000" dirty="0"/>
-              <a:t>In both cases</a:t>
-            </a:r>
-            <a:r>
-              <a:rPr lang="en-US" sz="2000" dirty="0" smtClean="0"/>
-              <a:t>,</a:t>
+              <a:t>In both cases,</a:t>
             </a:r>
           </a:p>
           <a:p>
             <a:pPr lvl="1"/>
             <a:r>
-              <a:rPr lang="en-US" sz="1800" dirty="0" smtClean="0"/>
-              <a:t>Group </a:t>
-            </a:r>
-            <a:r>
               <a:rPr lang="en-US" sz="1800" dirty="0"/>
-              <a:t>differences are represented by the </a:t>
-            </a:r>
-            <a:r>
-              <a:rPr lang="en-US" sz="1800" b="1" dirty="0" smtClean="0"/>
+              <a:t>Group differences are represented by the </a:t>
+            </a:r>
+            <a:r>
+              <a:rPr lang="en-US" sz="1800" b="1" dirty="0"/>
               <a:t>H </a:t>
             </a:r>
             <a:r>
-              <a:rPr lang="en-US" sz="1800" dirty="0" smtClean="0"/>
+              <a:rPr lang="en-US" sz="1800" dirty="0"/>
               <a:t>matrix; residuals: </a:t>
             </a:r>
             <a:r>
-              <a:rPr lang="en-US" sz="1800" b="1" dirty="0" smtClean="0"/>
+              <a:rPr lang="en-US" sz="1800" b="1" dirty="0"/>
               <a:t>E</a:t>
             </a:r>
             <a:r>
-              <a:rPr lang="en-US" sz="1800" dirty="0" smtClean="0"/>
+              <a:rPr lang="en-US" sz="1800" dirty="0"/>
               <a:t> matrix</a:t>
             </a:r>
           </a:p>
           <a:p>
             <a:pPr lvl="1"/>
             <a:r>
-              <a:rPr lang="en-US" sz="1800" dirty="0" smtClean="0"/>
+              <a:rPr lang="en-US" sz="1800" dirty="0"/>
               <a:t>Test statistics based on eigenvalues of HE</a:t>
             </a:r>
             <a:r>
-              <a:rPr lang="en-US" sz="1800" baseline="30000" dirty="0" smtClean="0"/>
+              <a:rPr lang="en-US" sz="1800" baseline="30000" dirty="0"/>
               <a:t>-1</a:t>
             </a:r>
-            <a:endParaRPr lang="en-US" sz="1800" dirty="0" smtClean="0"/>
+            <a:endParaRPr lang="en-US" sz="1800" dirty="0"/>
           </a:p>
           <a:p>
             <a:pPr lvl="1"/>
             <a:r>
-              <a:rPr lang="en-US" sz="1800" dirty="0" smtClean="0"/>
-              <a:t>Discriminant weights are eigenvectors </a:t>
-            </a:r>
-            <a:r>
               <a:rPr lang="en-US" sz="1800" dirty="0"/>
-              <a:t>of </a:t>
-            </a:r>
-            <a:r>
-              <a:rPr lang="en-US" sz="1800" dirty="0" smtClean="0"/>
-              <a:t>HE</a:t>
-            </a:r>
-            <a:r>
-              <a:rPr lang="en-US" sz="1800" baseline="30000" dirty="0" smtClean="0"/>
+              <a:t>Discriminant weights are eigenvectors of HE</a:t>
+            </a:r>
+            <a:r>
+              <a:rPr lang="en-US" sz="1800" baseline="30000" dirty="0"/>
               <a:t>-1</a:t>
             </a:r>
           </a:p>
@@ -10889,13 +10613,6 @@
   <p:clrMapOvr>
     <a:masterClrMapping/>
   </p:clrMapOvr>
-  <p:timing>
-    <p:tnLst>
-      <p:par>
-        <p:cTn id="1" dur="indefinite" restart="never" nodeType="tmRoot"/>
-      </p:par>
-    </p:tnLst>
-  </p:timing>
 </p:sld>
 </file>
 
@@ -10954,7 +10671,7 @@
           <a:lstStyle/>
           <a:p>
             <a:r>
-              <a:rPr lang="en-US" sz="2800" dirty="0" smtClean="0"/>
+              <a:rPr lang="en-US" sz="2800" dirty="0"/>
               <a:t>For 2 groups, </a:t>
             </a:r>
           </a:p>
@@ -10962,59 +10679,25 @@
             <a:pPr lvl="1"/>
             <a:r>
               <a:rPr lang="en-US" sz="2000" dirty="0"/>
-              <a:t>the discriminant axis is </a:t>
-            </a:r>
-            <a:r>
-              <a:rPr lang="en-US" sz="2000" dirty="0" smtClean="0"/>
-              <a:t>the </a:t>
-            </a:r>
+              <a:t>the discriminant axis is the line joining the two group centroids, </a:t>
+            </a:r>
+          </a:p>
+          <a:p>
+            <a:pPr lvl="1"/>
             <a:r>
               <a:rPr lang="en-US" sz="2000" dirty="0"/>
-              <a:t>line joining the two group centroids, </a:t>
-            </a:r>
-            <a:endParaRPr lang="en-US" sz="2000" dirty="0" smtClean="0"/>
-          </a:p>
-          <a:p>
-            <a:pPr lvl="1"/>
-            <a:r>
-              <a:rPr lang="en-US" sz="2000" dirty="0" smtClean="0"/>
-              <a:t>discriminant </a:t>
-            </a:r>
-            <a:r>
-              <a:rPr lang="en-US" sz="2000" dirty="0"/>
-              <a:t>scores are </a:t>
-            </a:r>
-            <a:r>
-              <a:rPr lang="en-US" sz="2000" dirty="0" smtClean="0"/>
-              <a:t>the </a:t>
-            </a:r>
-            <a:r>
-              <a:rPr lang="en-US" sz="2000" dirty="0"/>
-              <a:t>projections </a:t>
-            </a:r>
-            <a:r>
-              <a:rPr lang="en-US" sz="2000" dirty="0" smtClean="0"/>
-              <a:t>of </a:t>
-            </a:r>
-            <a:r>
-              <a:rPr lang="en-US" sz="2000" dirty="0"/>
-              <a:t>observations on this line</a:t>
-            </a:r>
-            <a:r>
-              <a:rPr lang="en-US" sz="2000" dirty="0" smtClean="0"/>
-              <a:t>.</a:t>
-            </a:r>
-          </a:p>
-          <a:p>
-            <a:r>
-              <a:rPr lang="en-US" sz="2400" dirty="0" err="1" smtClean="0"/>
+              <a:t>discriminant scores are the projections of observations on this line.</a:t>
+            </a:r>
+          </a:p>
+          <a:p>
+            <a:r>
+              <a:rPr lang="en-US" sz="2400" dirty="0" err="1"/>
               <a:t>MASS:lda</a:t>
             </a:r>
             <a:r>
-              <a:rPr lang="en-US" sz="2400" dirty="0" smtClean="0"/>
+              <a:rPr lang="en-US" sz="2400" dirty="0"/>
               <a:t>() does this analysis</a:t>
             </a:r>
-            <a:endParaRPr lang="en-US" sz="2400" dirty="0"/>
           </a:p>
         </p:txBody>
       </p:sp>
@@ -11101,31 +10784,19 @@
               <a:rPr lang="en-US" sz="1400" dirty="0">
                 <a:latin typeface="Lucida Sans Typewriter" pitchFamily="49" charset="0"/>
               </a:rPr>
-              <a:t>&gt; </a:t>
-            </a:r>
-            <a:r>
-              <a:rPr lang="en-US" sz="1400" dirty="0" smtClean="0">
-                <a:latin typeface="Lucida Sans Typewriter" pitchFamily="49" charset="0"/>
-              </a:rPr>
-              <a:t>(</a:t>
-            </a:r>
-            <a:r>
-              <a:rPr lang="en-US" sz="1400" dirty="0" err="1" smtClean="0">
+              <a:t>&gt; (</a:t>
+            </a:r>
+            <a:r>
+              <a:rPr lang="en-US" sz="1400" dirty="0" err="1">
                 <a:latin typeface="Lucida Sans Typewriter" pitchFamily="49" charset="0"/>
               </a:rPr>
               <a:t>mod.lda</a:t>
             </a:r>
             <a:r>
-              <a:rPr lang="en-US" sz="1400" dirty="0" smtClean="0">
-                <a:latin typeface="Lucida Sans Typewriter" pitchFamily="49" charset="0"/>
-              </a:rPr>
-              <a:t> </a:t>
-            </a:r>
-            <a:r>
               <a:rPr lang="en-US" sz="1400" dirty="0">
                 <a:latin typeface="Lucida Sans Typewriter" pitchFamily="49" charset="0"/>
               </a:rPr>
-              <a:t>&lt;- MASS::</a:t>
+              <a:t> &lt;- MASS::</a:t>
             </a:r>
             <a:r>
               <a:rPr lang="en-US" sz="1400" dirty="0" err="1">
@@ -11146,14 +10817,11 @@
               <a:t>mathscore</a:t>
             </a:r>
             <a:r>
-              <a:rPr lang="en-US" sz="1400" dirty="0" smtClean="0">
+              <a:rPr lang="en-US" sz="1400" dirty="0">
                 <a:latin typeface="Lucida Sans Typewriter" pitchFamily="49" charset="0"/>
               </a:rPr>
               <a:t>))</a:t>
             </a:r>
-            <a:endParaRPr lang="en-US" sz="1400" dirty="0">
-              <a:latin typeface="Lucida Sans Typewriter" pitchFamily="49" charset="0"/>
-            </a:endParaRPr>
           </a:p>
           <a:p>
             <a:endParaRPr lang="en-US" sz="1400" dirty="0">
@@ -11255,21 +10923,8 @@
           <a:p>
             <a:r>
               <a:rPr lang="en-US" sz="1600" dirty="0"/>
-              <a:t>The canonical dimension is Can1 = </a:t>
-            </a:r>
-            <a:r>
-              <a:rPr lang="en-US" sz="1600" dirty="0" smtClean="0"/>
-              <a:t>0.075 </a:t>
-            </a:r>
-            <a:r>
-              <a:rPr lang="en-US" sz="1600" dirty="0"/>
-              <a:t>WP - </a:t>
-            </a:r>
-            <a:r>
-              <a:rPr lang="en-US" sz="1600" dirty="0" smtClean="0"/>
-              <a:t>0.083 BM, a contrast between the two tests</a:t>
-            </a:r>
-            <a:endParaRPr lang="en-US" sz="1600" dirty="0"/>
+              <a:t>The canonical dimension is Can1 = 0.075 WP - 0.083 BM, a contrast between the two tests</a:t>
+            </a:r>
           </a:p>
         </p:txBody>
       </p:sp>
@@ -11283,13 +10938,6 @@
   <p:clrMapOvr>
     <a:masterClrMapping/>
   </p:clrMapOvr>
-  <p:timing>
-    <p:tnLst>
-      <p:par>
-        <p:cTn id="1" dur="indefinite" restart="never" nodeType="tmRoot"/>
-      </p:par>
-    </p:tnLst>
-  </p:timing>
 </p:sld>
 </file>
 
@@ -11326,10 +10974,9 @@
           <a:lstStyle/>
           <a:p>
             <a:r>
-              <a:rPr lang="en-US" dirty="0" smtClean="0"/>
+              <a:rPr lang="en-US" dirty="0"/>
               <a:t>Canonical space</a:t>
             </a:r>
-            <a:endParaRPr lang="en-US" dirty="0"/>
           </a:p>
         </p:txBody>
       </p:sp>
@@ -11351,11 +10998,11 @@
           <a:lstStyle/>
           <a:p>
             <a:r>
-              <a:rPr lang="en-US" sz="2400" dirty="0" smtClean="0"/>
+              <a:rPr lang="en-US" sz="2400" dirty="0"/>
               <a:t>The HE plot view shows the data in </a:t>
             </a:r>
             <a:r>
-              <a:rPr lang="en-US" sz="2400" b="1" dirty="0" smtClean="0">
+              <a:rPr lang="en-US" sz="2400" b="1" dirty="0">
                 <a:solidFill>
                   <a:srgbClr val="FF0000"/>
                 </a:solidFill>
@@ -11363,17 +11010,17 @@
               <a:t>data</a:t>
             </a:r>
             <a:r>
-              <a:rPr lang="en-US" sz="2400" dirty="0" smtClean="0"/>
+              <a:rPr lang="en-US" sz="2400" dirty="0"/>
               <a:t> space</a:t>
             </a:r>
           </a:p>
           <a:p>
             <a:r>
-              <a:rPr lang="en-US" sz="2400" dirty="0" smtClean="0"/>
+              <a:rPr lang="en-US" sz="2400" dirty="0"/>
               <a:t>Easier to see effects by projecting scores to </a:t>
             </a:r>
             <a:r>
-              <a:rPr lang="en-US" sz="2400" b="1" dirty="0" smtClean="0">
+              <a:rPr lang="en-US" sz="2400" b="1" dirty="0">
                 <a:solidFill>
                   <a:srgbClr val="FF0000"/>
                 </a:solidFill>
@@ -11381,31 +11028,30 @@
               <a:t>canonical</a:t>
             </a:r>
             <a:r>
-              <a:rPr lang="en-US" sz="2400" dirty="0" smtClean="0"/>
+              <a:rPr lang="en-US" sz="2400" dirty="0"/>
               <a:t> space – the best-discriminating axes.</a:t>
             </a:r>
           </a:p>
           <a:p>
             <a:r>
-              <a:rPr lang="en-US" sz="2400" dirty="0" smtClean="0"/>
+              <a:rPr lang="en-US" sz="2400" dirty="0"/>
               <a:t>For a 1 </a:t>
             </a:r>
             <a:r>
-              <a:rPr lang="en-US" sz="2400" dirty="0" err="1" smtClean="0"/>
+              <a:rPr lang="en-US" sz="2400" dirty="0" err="1"/>
               <a:t>df</a:t>
             </a:r>
             <a:r>
-              <a:rPr lang="en-US" sz="2400" dirty="0" smtClean="0"/>
+              <a:rPr lang="en-US" sz="2400" dirty="0"/>
               <a:t> effect, there is only one canonical dimension</a:t>
             </a:r>
           </a:p>
           <a:p>
             <a:pPr lvl="1"/>
             <a:r>
-              <a:rPr lang="en-US" sz="2000" dirty="0" smtClean="0"/>
+              <a:rPr lang="en-US" sz="2000" dirty="0"/>
               <a:t>Arrows show the relative size &amp; direction of discriminant weights</a:t>
             </a:r>
-            <a:endParaRPr lang="en-US" sz="2000" dirty="0"/>
           </a:p>
         </p:txBody>
       </p:sp>
@@ -11516,27 +11162,22 @@
             </a:r>
             <a:r>
               <a:rPr lang="en-US" sz="1600" dirty="0"/>
-              <a:t>(math.mod</a:t>
-            </a:r>
-            <a:r>
-              <a:rPr lang="en-US" sz="1600" dirty="0" smtClean="0"/>
+              <a:t>(math.mod)</a:t>
+            </a:r>
+          </a:p>
+          <a:p>
+            <a:r>
+              <a:rPr lang="en-US" sz="1600" dirty="0"/>
+              <a:t>plot(</a:t>
+            </a:r>
+            <a:r>
+              <a:rPr lang="en-US" sz="1600" dirty="0" err="1"/>
+              <a:t>mod.can</a:t>
+            </a:r>
+            <a:r>
+              <a:rPr lang="en-US" sz="1600" dirty="0"/>
               <a:t>)</a:t>
             </a:r>
-          </a:p>
-          <a:p>
-            <a:r>
-              <a:rPr lang="en-US" sz="1600" dirty="0" smtClean="0"/>
-              <a:t>plot(</a:t>
-            </a:r>
-            <a:r>
-              <a:rPr lang="en-US" sz="1600" dirty="0" err="1" smtClean="0"/>
-              <a:t>mod.can</a:t>
-            </a:r>
-            <a:r>
-              <a:rPr lang="en-US" sz="1600" dirty="0" smtClean="0"/>
-              <a:t>)</a:t>
-            </a:r>
-            <a:endParaRPr lang="en-US" sz="1600" dirty="0"/>
           </a:p>
         </p:txBody>
       </p:sp>
@@ -11580,13 +11221,6 @@
   <p:clrMapOvr>
     <a:masterClrMapping/>
   </p:clrMapOvr>
-  <p:timing>
-    <p:tnLst>
-      <p:par>
-        <p:cTn id="1" dur="indefinite" restart="never" nodeType="tmRoot"/>
-      </p:par>
-    </p:tnLst>
-  </p:timing>
 </p:sld>
 </file>
 
@@ -11623,10 +11257,9 @@
           <a:lstStyle/>
           <a:p>
             <a:r>
-              <a:rPr lang="en-US" dirty="0" smtClean="0"/>
+              <a:rPr lang="en-US" dirty="0"/>
               <a:t>Penguin data</a:t>
             </a:r>
-            <a:endParaRPr lang="en-US" dirty="0"/>
           </a:p>
         </p:txBody>
       </p:sp>
@@ -11648,17 +11281,16 @@
           <a:lstStyle/>
           <a:p>
             <a:r>
-              <a:rPr lang="en-US" sz="2400" dirty="0" smtClean="0"/>
+              <a:rPr lang="en-US" sz="2400" dirty="0"/>
               <a:t>Data on 3 species of penguins, measured on 3 Antarctic islands</a:t>
             </a:r>
           </a:p>
           <a:p>
             <a:pPr lvl="1"/>
             <a:r>
-              <a:rPr lang="en-US" sz="2000" dirty="0" smtClean="0"/>
+              <a:rPr lang="en-US" sz="2000" dirty="0"/>
               <a:t>How does penguin “size” differ by species, island, … ?</a:t>
             </a:r>
-            <a:endParaRPr lang="en-US" sz="2000" dirty="0"/>
           </a:p>
         </p:txBody>
       </p:sp>
@@ -11753,25 +11385,25 @@
           <a:lstStyle/>
           <a:p>
             <a:r>
-              <a:rPr lang="en-US" sz="1200" dirty="0" smtClean="0">
+              <a:rPr lang="en-US" sz="1200" dirty="0">
                 <a:latin typeface="Lucida Sans Typewriter" pitchFamily="49" charset="0"/>
               </a:rPr>
               <a:t>&gt; </a:t>
             </a:r>
             <a:r>
-              <a:rPr lang="en-US" sz="1200" b="1" dirty="0" smtClean="0">
+              <a:rPr lang="en-US" sz="1200" b="1" dirty="0">
                 <a:latin typeface="Lucida Sans Typewriter" pitchFamily="49" charset="0"/>
               </a:rPr>
               <a:t>library(</a:t>
             </a:r>
             <a:r>
-              <a:rPr lang="en-US" sz="1200" b="1" dirty="0" err="1" smtClean="0">
+              <a:rPr lang="en-US" sz="1200" b="1" dirty="0" err="1">
                 <a:latin typeface="Lucida Sans Typewriter" pitchFamily="49" charset="0"/>
               </a:rPr>
               <a:t>palmerpengiuns</a:t>
             </a:r>
             <a:r>
-              <a:rPr lang="en-US" sz="1200" b="1" dirty="0" smtClean="0">
+              <a:rPr lang="en-US" sz="1200" b="1" dirty="0">
                 <a:latin typeface="Lucida Sans Typewriter" pitchFamily="49" charset="0"/>
               </a:rPr>
               <a:t>)</a:t>
@@ -11779,25 +11411,25 @@
           </a:p>
           <a:p>
             <a:r>
-              <a:rPr lang="en-US" sz="1200" dirty="0" smtClean="0">
+              <a:rPr lang="en-US" sz="1200" dirty="0">
                 <a:latin typeface="Lucida Sans Typewriter" pitchFamily="49" charset="0"/>
               </a:rPr>
               <a:t>&gt; </a:t>
             </a:r>
             <a:r>
-              <a:rPr lang="en-US" sz="1200" dirty="0" err="1" smtClean="0">
+              <a:rPr lang="en-US" sz="1200" dirty="0" err="1">
                 <a:latin typeface="Lucida Sans Typewriter" pitchFamily="49" charset="0"/>
               </a:rPr>
               <a:t>peng</a:t>
             </a:r>
             <a:r>
-              <a:rPr lang="en-US" sz="1200" dirty="0" smtClean="0">
+              <a:rPr lang="en-US" sz="1200" dirty="0">
                 <a:latin typeface="Lucida Sans Typewriter" pitchFamily="49" charset="0"/>
               </a:rPr>
               <a:t> &lt;- penguins %&gt;% rename(...) %&gt;% ...         </a:t>
             </a:r>
             <a:r>
-              <a:rPr lang="en-US" sz="1200" dirty="0" smtClean="0">
+              <a:rPr lang="en-US" sz="1200" dirty="0">
                 <a:solidFill>
                   <a:srgbClr val="00B050"/>
                 </a:solidFill>
@@ -11808,7 +11440,7 @@
           </a:p>
           <a:p>
             <a:r>
-              <a:rPr lang="en-US" sz="1200" dirty="0" smtClean="0">
+              <a:rPr lang="en-US" sz="1200" dirty="0">
                 <a:latin typeface="Lucida Sans Typewriter" pitchFamily="49" charset="0"/>
               </a:rPr>
               <a:t>&gt; </a:t>
@@ -12142,13 +11774,6 @@
   <p:clrMapOvr>
     <a:masterClrMapping/>
   </p:clrMapOvr>
-  <p:timing>
-    <p:tnLst>
-      <p:par>
-        <p:cTn id="1" dur="indefinite" restart="never" nodeType="tmRoot"/>
-      </p:par>
-    </p:tnLst>
-  </p:timing>
 </p:sld>
 </file>
 
@@ -12185,10 +11810,9 @@
           <a:lstStyle/>
           <a:p>
             <a:r>
-              <a:rPr lang="en-US" dirty="0" smtClean="0"/>
+              <a:rPr lang="en-US" dirty="0"/>
               <a:t>Penguins: Multivariate EDA</a:t>
             </a:r>
-            <a:endParaRPr lang="en-US" dirty="0"/>
           </a:p>
         </p:txBody>
       </p:sp>
@@ -12238,7 +11862,7 @@
           <a:lstStyle/>
           <a:p>
             <a:r>
-              <a:rPr lang="en-US" dirty="0" smtClean="0"/>
+              <a:rPr lang="en-US" dirty="0"/>
               <a:t>Boxplots by grouping variables (factors) are often useful for an initial overview</a:t>
             </a:r>
           </a:p>
@@ -12248,7 +11872,7 @@
               <a:buChar char="•"/>
             </a:pPr>
             <a:r>
-              <a:rPr lang="en-US" dirty="0" smtClean="0"/>
+              <a:rPr lang="en-US" dirty="0"/>
               <a:t>Can show multiple variables, but hard for &gt;1 factor.</a:t>
             </a:r>
           </a:p>
@@ -12258,10 +11882,9 @@
               <a:buChar char="•"/>
             </a:pPr>
             <a:r>
-              <a:rPr lang="en-US" dirty="0" smtClean="0"/>
+              <a:rPr lang="en-US" dirty="0"/>
               <a:t>What is the pattern here?</a:t>
             </a:r>
-            <a:endParaRPr lang="en-US" dirty="0"/>
           </a:p>
         </p:txBody>
       </p:sp>
@@ -12316,13 +11939,6 @@
   <p:clrMapOvr>
     <a:masterClrMapping/>
   </p:clrMapOvr>
-  <p:timing>
-    <p:tnLst>
-      <p:par>
-        <p:cTn id="1" dur="indefinite" restart="never" nodeType="tmRoot"/>
-      </p:par>
-    </p:tnLst>
-  </p:timing>
 </p:sld>
 </file>
 
@@ -12359,10 +11975,9 @@
           <a:lstStyle/>
           <a:p>
             <a:r>
-              <a:rPr lang="en-US" dirty="0" smtClean="0"/>
+              <a:rPr lang="en-US" dirty="0"/>
               <a:t>Penguins: Multivariate EDA</a:t>
             </a:r>
-            <a:endParaRPr lang="en-US" dirty="0"/>
           </a:p>
         </p:txBody>
       </p:sp>
@@ -12412,7 +12027,7 @@
           <a:lstStyle/>
           <a:p>
             <a:r>
-              <a:rPr lang="en-US" dirty="0" smtClean="0"/>
+              <a:rPr lang="en-US" dirty="0"/>
               <a:t>Boxplots by grouping variables (factors) are often useful for an initial overview</a:t>
             </a:r>
           </a:p>
@@ -12422,10 +12037,9 @@
               <a:buChar char="•"/>
             </a:pPr>
             <a:r>
-              <a:rPr lang="en-US" dirty="0" smtClean="0"/>
+              <a:rPr lang="en-US" dirty="0"/>
               <a:t>Need to reshape data from wide to long format</a:t>
             </a:r>
-            <a:endParaRPr lang="en-US" dirty="0"/>
           </a:p>
         </p:txBody>
       </p:sp>
@@ -12519,16 +12133,12 @@
               <a:t>  </a:t>
             </a:r>
             <a:r>
-              <a:rPr lang="en-US" dirty="0" err="1" smtClean="0"/>
+              <a:rPr lang="en-US" dirty="0" err="1"/>
               <a:t>tidyr</a:t>
             </a:r>
             <a:r>
-              <a:rPr lang="en-US" dirty="0" smtClean="0"/>
-              <a:t>::gather(Measure</a:t>
-            </a:r>
-            <a:r>
               <a:rPr lang="en-US" dirty="0"/>
-              <a:t>, Size, </a:t>
+              <a:t>::gather(Measure, Size, </a:t>
             </a:r>
             <a:r>
               <a:rPr lang="en-US" dirty="0" err="1"/>
@@ -12612,13 +12222,8 @@
             </a:r>
             <a:r>
               <a:rPr lang="en-US" dirty="0"/>
-              <a:t>=1</a:t>
-            </a:r>
-            <a:r>
-              <a:rPr lang="en-US" dirty="0" smtClean="0"/>
-              <a:t>)</a:t>
-            </a:r>
-            <a:endParaRPr lang="en-US" dirty="0"/>
+              <a:t>=1)</a:t>
+            </a:r>
           </a:p>
         </p:txBody>
       </p:sp>
@@ -12632,13 +12237,6 @@
   <p:clrMapOvr>
     <a:masterClrMapping/>
   </p:clrMapOvr>
-  <p:timing>
-    <p:tnLst>
-      <p:par>
-        <p:cTn id="1" dur="indefinite" restart="never" nodeType="tmRoot"/>
-      </p:par>
-    </p:tnLst>
-  </p:timing>
 </p:sld>
 </file>
 
@@ -12675,11 +12273,11 @@
           <a:lstStyle/>
           <a:p>
             <a:r>
-              <a:rPr lang="en-US" dirty="0" smtClean="0"/>
+              <a:rPr lang="en-US" dirty="0"/>
               <a:t>PCA &amp; </a:t>
             </a:r>
             <a:r>
-              <a:rPr lang="en-US" dirty="0" err="1" smtClean="0"/>
+              <a:rPr lang="en-US" dirty="0" err="1"/>
               <a:t>Biplots</a:t>
             </a:r>
             <a:endParaRPr lang="en-US" dirty="0"/>
@@ -12704,72 +12302,71 @@
           <a:lstStyle/>
           <a:p>
             <a:r>
-              <a:rPr lang="en-US" sz="2800" dirty="0" smtClean="0"/>
+              <a:rPr lang="en-US" sz="2800" dirty="0"/>
               <a:t>For multivariate data, often want to view the data in a low-D space that shows the most total variance</a:t>
             </a:r>
           </a:p>
           <a:p>
             <a:r>
-              <a:rPr lang="en-US" sz="2800" dirty="0" smtClean="0"/>
+              <a:rPr lang="en-US" sz="2800" dirty="0"/>
               <a:t>PCA: finds weighted sums of variables which are:</a:t>
             </a:r>
           </a:p>
           <a:p>
             <a:pPr lvl="1"/>
             <a:r>
-              <a:rPr lang="en-US" sz="2400" dirty="0" smtClean="0"/>
+              <a:rPr lang="en-US" sz="2400" dirty="0"/>
               <a:t>Uncorrelated</a:t>
             </a:r>
           </a:p>
           <a:p>
             <a:pPr lvl="1"/>
             <a:r>
-              <a:rPr lang="en-US" sz="2400" dirty="0" smtClean="0"/>
+              <a:rPr lang="en-US" sz="2400" dirty="0"/>
               <a:t>Account for maximum variance</a:t>
             </a:r>
           </a:p>
           <a:p>
             <a:pPr lvl="1"/>
             <a:r>
-              <a:rPr lang="en-US" sz="2400" dirty="0" smtClean="0"/>
+              <a:rPr lang="en-US" sz="2400" dirty="0"/>
               <a:t>How many dimensions are necessary?</a:t>
             </a:r>
           </a:p>
           <a:p>
             <a:r>
-              <a:rPr lang="en-US" sz="2800" dirty="0" smtClean="0"/>
+              <a:rPr lang="en-US" sz="2800" dirty="0"/>
               <a:t>A </a:t>
             </a:r>
             <a:r>
-              <a:rPr lang="en-US" sz="2800" dirty="0" err="1" smtClean="0"/>
+              <a:rPr lang="en-US" sz="2800" dirty="0" err="1"/>
               <a:t>biplot</a:t>
             </a:r>
             <a:r>
-              <a:rPr lang="en-US" sz="2800" dirty="0" smtClean="0"/>
+              <a:rPr lang="en-US" sz="2800" dirty="0"/>
               <a:t> is a 2D (or 3D) plot of the largest PCA dimensions</a:t>
             </a:r>
           </a:p>
           <a:p>
             <a:pPr lvl="1"/>
             <a:r>
-              <a:rPr lang="en-US" sz="2400" dirty="0" smtClean="0"/>
+              <a:rPr lang="en-US" sz="2400" dirty="0"/>
               <a:t>Vectors in this plot show the original data variables</a:t>
             </a:r>
           </a:p>
           <a:p>
             <a:pPr lvl="1"/>
             <a:r>
-              <a:rPr lang="en-US" sz="2400" dirty="0" smtClean="0"/>
+              <a:rPr lang="en-US" sz="2400" dirty="0"/>
               <a:t>Points in this plot show the observations</a:t>
             </a:r>
           </a:p>
           <a:p>
             <a:pPr lvl="2"/>
             <a:r>
-              <a:rPr lang="en-US" sz="2000" dirty="0" smtClean="0"/>
+              <a:rPr lang="en-US" sz="2000" dirty="0"/>
               <a:t>Data ellipses here show within group relations</a:t>
             </a:r>
-            <a:endParaRPr lang="en-US" sz="2000" dirty="0"/>
           </a:p>
         </p:txBody>
       </p:sp>
@@ -12806,13 +12403,6 @@
   <p:clrMapOvr>
     <a:masterClrMapping/>
   </p:clrMapOvr>
-  <p:timing>
-    <p:tnLst>
-      <p:par>
-        <p:cTn id="1" dur="indefinite" restart="never" nodeType="tmRoot"/>
-      </p:par>
-    </p:tnLst>
-  </p:timing>
 </p:sld>
 </file>
 
@@ -12890,10 +12480,9 @@
           <a:lstStyle/>
           <a:p>
             <a:r>
-              <a:rPr lang="en-US" dirty="0" smtClean="0"/>
+              <a:rPr lang="en-US" dirty="0"/>
               <a:t>PCA</a:t>
             </a:r>
-            <a:endParaRPr lang="en-US" dirty="0"/>
           </a:p>
         </p:txBody>
       </p:sp>
@@ -13034,13 +12623,8 @@
           <a:p>
             <a:r>
               <a:rPr lang="en-US" dirty="0"/>
-              <a:t>                    scale. = TRUE</a:t>
-            </a:r>
-            <a:r>
-              <a:rPr lang="en-US" dirty="0" smtClean="0"/>
-              <a:t>)</a:t>
-            </a:r>
-            <a:endParaRPr lang="en-US" dirty="0"/>
+              <a:t>                    scale. = TRUE)</a:t>
+            </a:r>
           </a:p>
           <a:p>
             <a:r>
@@ -13079,13 +12663,8 @@
           <a:p>
             <a:r>
               <a:rPr lang="en-US" dirty="0"/>
-              <a:t>		main="Variances of PCA Components</a:t>
-            </a:r>
-            <a:r>
-              <a:rPr lang="en-US" dirty="0" smtClean="0"/>
-              <a:t>")</a:t>
-            </a:r>
-            <a:endParaRPr lang="en-US" dirty="0"/>
+              <a:t>		main="Variances of PCA Components")</a:t>
+            </a:r>
           </a:p>
         </p:txBody>
       </p:sp>
@@ -13205,16 +12784,15 @@
           <a:lstStyle/>
           <a:p>
             <a:r>
-              <a:rPr lang="en-US" dirty="0" smtClean="0"/>
+              <a:rPr lang="en-US" dirty="0"/>
               <a:t>2D: 88.1 %</a:t>
             </a:r>
           </a:p>
           <a:p>
             <a:r>
-              <a:rPr lang="en-US" dirty="0" smtClean="0"/>
+              <a:rPr lang="en-US" dirty="0"/>
               <a:t>3D: 97.3 %</a:t>
             </a:r>
-            <a:endParaRPr lang="en-US" dirty="0"/>
           </a:p>
         </p:txBody>
       </p:sp>
@@ -13248,19 +12826,12 @@
               <a:rPr lang="en-US" sz="1400" dirty="0">
                 <a:hlinkClick r:id="rId3"/>
               </a:rPr>
-              <a:t>https://</a:t>
-            </a:r>
-            <a:r>
-              <a:rPr lang="en-US" sz="1400" dirty="0" smtClean="0">
-                <a:hlinkClick r:id="rId3"/>
-              </a:rPr>
-              <a:t>rpubs.com/friendly/penguin-biplots</a:t>
-            </a:r>
-            <a:r>
-              <a:rPr lang="en-US" sz="1400" dirty="0" smtClean="0"/>
+              <a:t>https://rpubs.com/friendly/penguin-biplots</a:t>
+            </a:r>
+            <a:r>
+              <a:rPr lang="en-US" sz="1400" dirty="0"/>
               <a:t> for details </a:t>
             </a:r>
-            <a:endParaRPr lang="en-US" sz="1400" dirty="0"/>
           </a:p>
         </p:txBody>
       </p:sp>
@@ -13274,13 +12845,6 @@
   <p:clrMapOvr>
     <a:masterClrMapping/>
   </p:clrMapOvr>
-  <p:timing>
-    <p:tnLst>
-      <p:par>
-        <p:cTn id="1" dur="indefinite" restart="never" nodeType="tmRoot"/>
-      </p:par>
-    </p:tnLst>
-  </p:timing>
 </p:sld>
 </file>
 
@@ -13347,7 +12911,7 @@
           <a:lstStyle/>
           <a:p>
             <a:r>
-              <a:rPr lang="en-US" dirty="0" err="1" smtClean="0"/>
+              <a:rPr lang="en-US" dirty="0" err="1"/>
               <a:t>Biplot</a:t>
             </a:r>
             <a:endParaRPr lang="en-US" dirty="0"/>
@@ -13466,34 +13030,22 @@
           </a:p>
           <a:p>
             <a:r>
-              <a:rPr lang="en-US" dirty="0" smtClean="0"/>
-              <a:t>         ellipse </a:t>
-            </a:r>
-            <a:r>
               <a:rPr lang="en-US" dirty="0"/>
-              <a:t>= TRUE, circle = TRUE) +</a:t>
+              <a:t>         ellipse = TRUE, circle = TRUE) +</a:t>
             </a:r>
           </a:p>
           <a:p>
             <a:r>
               <a:rPr lang="en-US" dirty="0"/>
-              <a:t>  </a:t>
-            </a:r>
-            <a:r>
-              <a:rPr lang="en-US" dirty="0" smtClean="0"/>
-              <a:t>       </a:t>
-            </a:r>
-            <a:r>
-              <a:rPr lang="en-US" dirty="0" err="1" smtClean="0"/>
+              <a:t>         </a:t>
+            </a:r>
+            <a:r>
+              <a:rPr lang="en-US" dirty="0" err="1"/>
               <a:t>scale_color_discrete</a:t>
             </a:r>
             <a:r>
-              <a:rPr lang="en-US" dirty="0" smtClean="0"/>
-              <a:t>(name </a:t>
-            </a:r>
-            <a:r>
               <a:rPr lang="en-US" dirty="0"/>
-              <a:t>= 'Penguin Species') </a:t>
+              <a:t>(name = 'Penguin Species') </a:t>
             </a:r>
           </a:p>
         </p:txBody>
@@ -13521,12 +13073,12 @@
           <a:lstStyle/>
           <a:p>
             <a:r>
-              <a:rPr lang="en-US" sz="1400" dirty="0" smtClean="0"/>
+              <a:rPr lang="en-US" sz="1400" dirty="0"/>
               <a:t>PC1, PC2 ~ 88.1% of variance</a:t>
             </a:r>
           </a:p>
           <a:p>
-            <a:endParaRPr lang="en-US" sz="1400" dirty="0" smtClean="0"/>
+            <a:endParaRPr lang="en-US" sz="1400" dirty="0"/>
           </a:p>
           <a:p>
             <a:pPr marL="285750" indent="-285750">
@@ -13534,7 +13086,7 @@
               <a:buChar char="•"/>
             </a:pPr>
             <a:r>
-              <a:rPr lang="en-US" sz="1400" dirty="0" smtClean="0"/>
+              <a:rPr lang="en-US" sz="1400" dirty="0"/>
               <a:t>PC1: largely flipper length &amp; body mass: “penguin size”</a:t>
             </a:r>
           </a:p>
@@ -13544,7 +13096,7 @@
               <a:buChar char="•"/>
             </a:pPr>
             <a:r>
-              <a:rPr lang="en-US" sz="1400" dirty="0" smtClean="0"/>
+              <a:rPr lang="en-US" sz="1400" dirty="0"/>
               <a:t>PC2 (&amp; PC1): relates to “bill shape”</a:t>
             </a:r>
           </a:p>
@@ -13553,7 +13105,7 @@
           </a:p>
           <a:p>
             <a:r>
-              <a:rPr lang="en-US" sz="1400" dirty="0" smtClean="0"/>
+              <a:rPr lang="en-US" sz="1400" dirty="0"/>
               <a:t>Easy to characterize the species in terms of these variables</a:t>
             </a:r>
           </a:p>
@@ -13583,18 +13135,13 @@
           <a:p>
             <a:pPr algn="ctr"/>
             <a:r>
-              <a:rPr lang="en-US" sz="1400" b="1" dirty="0" smtClean="0">
+              <a:rPr lang="en-US" sz="1400" b="1" dirty="0">
                 <a:solidFill>
                   <a:srgbClr val="0070C0"/>
                 </a:solidFill>
               </a:rPr>
               <a:t>Gentoo</a:t>
             </a:r>
-            <a:endParaRPr lang="en-US" sz="1400" b="1" dirty="0">
-              <a:solidFill>
-                <a:srgbClr val="0070C0"/>
-              </a:solidFill>
-            </a:endParaRPr>
           </a:p>
         </p:txBody>
       </p:sp>
@@ -13622,18 +13169,13 @@
           <a:p>
             <a:pPr algn="ctr"/>
             <a:r>
-              <a:rPr lang="en-US" sz="1400" b="1" dirty="0" smtClean="0">
+              <a:rPr lang="en-US" sz="1400" b="1" dirty="0">
                 <a:solidFill>
                   <a:srgbClr val="00B050"/>
                 </a:solidFill>
               </a:rPr>
               <a:t>Chinstrap</a:t>
             </a:r>
-            <a:endParaRPr lang="en-US" sz="1400" b="1" dirty="0">
-              <a:solidFill>
-                <a:srgbClr val="00B050"/>
-              </a:solidFill>
-            </a:endParaRPr>
           </a:p>
         </p:txBody>
       </p:sp>
@@ -13661,7 +13203,7 @@
           <a:p>
             <a:pPr algn="ctr"/>
             <a:r>
-              <a:rPr lang="en-US" sz="1400" b="1" dirty="0" err="1" smtClean="0">
+              <a:rPr lang="en-US" sz="1400" b="1" dirty="0" err="1">
                 <a:solidFill>
                   <a:srgbClr val="FF0000"/>
                 </a:solidFill>
@@ -13724,13 +13266,6 @@
   <p:clrMapOvr>
     <a:masterClrMapping/>
   </p:clrMapOvr>
-  <p:timing>
-    <p:tnLst>
-      <p:par>
-        <p:cTn id="1" dur="indefinite" restart="never" nodeType="tmRoot"/>
-      </p:par>
-    </p:tnLst>
-  </p:timing>
 </p:sld>
 </file>
 
@@ -13767,10 +13302,9 @@
           <a:lstStyle/>
           <a:p>
             <a:r>
-              <a:rPr lang="en-US" dirty="0" smtClean="0"/>
+              <a:rPr lang="en-US" dirty="0"/>
               <a:t>Penguins: MANOVA</a:t>
             </a:r>
-            <a:endParaRPr lang="en-US" dirty="0"/>
           </a:p>
         </p:txBody>
       </p:sp>
@@ -13824,16 +13358,10 @@
           <a:lstStyle/>
           <a:p>
             <a:r>
-              <a:rPr lang="en-US" sz="1100" dirty="0" smtClean="0">
-                <a:latin typeface="Lucida Sans Typewriter" pitchFamily="49" charset="0"/>
-              </a:rPr>
-              <a:t>&gt; peng.mod0 </a:t>
-            </a:r>
-            <a:r>
               <a:rPr lang="en-US" sz="1100" dirty="0">
                 <a:latin typeface="Lucida Sans Typewriter" pitchFamily="49" charset="0"/>
               </a:rPr>
-              <a:t>&lt;-lm(</a:t>
+              <a:t>&gt; peng.mod0 &lt;-lm(</a:t>
             </a:r>
             <a:r>
               <a:rPr lang="en-US" sz="1100" dirty="0" err="1">
@@ -13908,24 +13436,18 @@
               <a:rPr lang="en-US" sz="1100" dirty="0">
                 <a:latin typeface="Lucida Sans Typewriter" pitchFamily="49" charset="0"/>
               </a:rPr>
-              <a:t>, </a:t>
-            </a:r>
-            <a:r>
-              <a:rPr lang="en-US" sz="1100" dirty="0" smtClean="0">
-                <a:latin typeface="Lucida Sans Typewriter" pitchFamily="49" charset="0"/>
-              </a:rPr>
-              <a:t>        </a:t>
-            </a:r>
-          </a:p>
-          <a:p>
-            <a:r>
-              <a:rPr lang="en-US" sz="1100" dirty="0" smtClean="0">
+              <a:t>,         </a:t>
+            </a:r>
+          </a:p>
+          <a:p>
+            <a:r>
+              <a:rPr lang="en-US" sz="1100" dirty="0">
                 <a:latin typeface="Lucida Sans Typewriter" pitchFamily="49" charset="0"/>
               </a:rPr>
               <a:t>                 data=</a:t>
             </a:r>
             <a:r>
-              <a:rPr lang="en-US" sz="1100" dirty="0" err="1" smtClean="0">
+              <a:rPr lang="en-US" sz="1100" dirty="0" err="1">
                 <a:latin typeface="Lucida Sans Typewriter" pitchFamily="49" charset="0"/>
               </a:rPr>
               <a:t>peng</a:t>
@@ -14117,7 +13639,7 @@
           <a:lstStyle/>
           <a:p>
             <a:r>
-              <a:rPr lang="en-US" dirty="0" smtClean="0"/>
+              <a:rPr lang="en-US" dirty="0"/>
               <a:t>Assume the goal is to determine whether/how the penguins differ in size by species</a:t>
             </a:r>
           </a:p>
@@ -14127,11 +13649,11 @@
               <a:buChar char="•"/>
             </a:pPr>
             <a:r>
-              <a:rPr lang="en-US" dirty="0" smtClean="0"/>
+              <a:rPr lang="en-US" dirty="0"/>
               <a:t>A MLM tests all 4 size variables together:  </a:t>
             </a:r>
             <a:r>
-              <a:rPr lang="en-US" dirty="0" smtClean="0">
+              <a:rPr lang="en-US" dirty="0">
                 <a:solidFill>
                   <a:srgbClr val="FF0000"/>
                 </a:solidFill>
@@ -14145,22 +13667,17 @@
               <a:buChar char="•"/>
             </a:pPr>
             <a:r>
-              <a:rPr lang="en-US" dirty="0" smtClean="0"/>
+              <a:rPr lang="en-US" dirty="0"/>
               <a:t>Could also use other factors:  </a:t>
             </a:r>
             <a:r>
-              <a:rPr lang="en-US" dirty="0" smtClean="0">
+              <a:rPr lang="en-US" dirty="0">
                 <a:solidFill>
                   <a:srgbClr val="FF0000"/>
                 </a:solidFill>
               </a:rPr>
               <a:t>~ species + island + sex </a:t>
             </a:r>
-            <a:endParaRPr lang="en-US" dirty="0">
-              <a:solidFill>
-                <a:srgbClr val="FF0000"/>
-              </a:solidFill>
-            </a:endParaRPr>
           </a:p>
         </p:txBody>
       </p:sp>
@@ -14187,18 +13704,17 @@
           <a:lstStyle/>
           <a:p>
             <a:r>
-              <a:rPr lang="en-US" dirty="0" smtClean="0"/>
+              <a:rPr lang="en-US" dirty="0"/>
               <a:t>Yet, we are left to understand the nature of this effect </a:t>
             </a:r>
             <a:r>
-              <a:rPr lang="en-US" dirty="0" err="1" smtClean="0"/>
+              <a:rPr lang="en-US" dirty="0" err="1"/>
               <a:t>wrt</a:t>
             </a:r>
             <a:r>
-              <a:rPr lang="en-US" dirty="0" smtClean="0"/>
+              <a:rPr lang="en-US" dirty="0"/>
               <a:t>. the size variables. </a:t>
             </a:r>
-            <a:endParaRPr lang="en-US" dirty="0"/>
           </a:p>
         </p:txBody>
       </p:sp>
@@ -14232,19 +13748,12 @@
               <a:rPr lang="en-US" sz="1400" dirty="0">
                 <a:hlinkClick r:id="rId2"/>
               </a:rPr>
-              <a:t>https://</a:t>
-            </a:r>
-            <a:r>
-              <a:rPr lang="en-US" sz="1400" dirty="0" smtClean="0">
-                <a:hlinkClick r:id="rId2"/>
-              </a:rPr>
-              <a:t>rpubs.com/friendly/penguin-manova</a:t>
-            </a:r>
-            <a:r>
-              <a:rPr lang="en-US" sz="1400" dirty="0" smtClean="0"/>
+              <a:t>https://rpubs.com/friendly/penguin-manova</a:t>
+            </a:r>
+            <a:r>
+              <a:rPr lang="en-US" sz="1400" dirty="0"/>
               <a:t> for details</a:t>
             </a:r>
-            <a:endParaRPr lang="en-US" sz="1400" dirty="0"/>
           </a:p>
         </p:txBody>
       </p:sp>
@@ -14258,13 +13767,6 @@
   <p:clrMapOvr>
     <a:masterClrMapping/>
   </p:clrMapOvr>
-  <p:timing>
-    <p:tnLst>
-      <p:par>
-        <p:cTn id="1" dur="indefinite" restart="never" nodeType="tmRoot"/>
-      </p:par>
-    </p:tnLst>
-  </p:timing>
 </p:sld>
 </file>
 
@@ -14301,10 +13803,9 @@
           <a:lstStyle/>
           <a:p>
             <a:r>
-              <a:rPr lang="en-US" dirty="0" smtClean="0"/>
+              <a:rPr lang="en-US" dirty="0"/>
               <a:t>One-way ANOVA vs. MANOVA</a:t>
             </a:r>
-            <a:endParaRPr lang="en-US" dirty="0"/>
           </a:p>
         </p:txBody>
       </p:sp>
@@ -14412,7 +13913,7 @@
           </a:p>
           <a:p>
             <a:r>
-              <a:rPr lang="en-US" sz="1600" dirty="0" smtClean="0"/>
+              <a:rPr lang="en-US" sz="1600" dirty="0"/>
               <a:t>(Assume equal within-group variances)</a:t>
             </a:r>
           </a:p>
@@ -14466,16 +13967,12 @@
             </a:r>
           </a:p>
           <a:p>
-            <a:endParaRPr lang="en-US" sz="1600" dirty="0" smtClean="0"/>
+            <a:endParaRPr lang="en-US" sz="1600" dirty="0"/>
           </a:p>
           <a:p>
             <a:r>
               <a:rPr lang="en-US" sz="1600" dirty="0"/>
-              <a:t>(</a:t>
-            </a:r>
-            <a:r>
-              <a:rPr lang="en-US" sz="1600" dirty="0" smtClean="0"/>
-              <a:t>Assume equal within-group variance-covariance matrices)</a:t>
+              <a:t>(Assume equal within-group variance-covariance matrices)</a:t>
             </a:r>
           </a:p>
         </p:txBody>
@@ -14490,13 +13987,6 @@
   <p:clrMapOvr>
     <a:masterClrMapping/>
   </p:clrMapOvr>
-  <p:timing>
-    <p:tnLst>
-      <p:par>
-        <p:cTn id="1" dur="indefinite" restart="never" nodeType="tmRoot"/>
-      </p:par>
-    </p:tnLst>
-  </p:timing>
 </p:sld>
 </file>
 
@@ -14533,10 +14023,9 @@
           <a:lstStyle/>
           <a:p>
             <a:r>
-              <a:rPr lang="en-US" dirty="0" smtClean="0"/>
+              <a:rPr lang="en-US" dirty="0"/>
               <a:t>Penguins: view data ellipses</a:t>
             </a:r>
-            <a:endParaRPr lang="en-US" dirty="0"/>
           </a:p>
         </p:txBody>
       </p:sp>
@@ -14590,7 +14079,7 @@
               <a:buChar char="•"/>
             </a:pPr>
             <a:r>
-              <a:rPr lang="en-US" sz="1600" dirty="0" smtClean="0"/>
+              <a:rPr lang="en-US" sz="1600" dirty="0"/>
               <a:t>group means negatively correlated</a:t>
             </a:r>
           </a:p>
@@ -14600,10 +14089,9 @@
               <a:buChar char="•"/>
             </a:pPr>
             <a:r>
-              <a:rPr lang="en-US" sz="1600" dirty="0" smtClean="0"/>
+              <a:rPr lang="en-US" sz="1600" dirty="0"/>
               <a:t>within group correlation &gt; 0</a:t>
             </a:r>
-            <a:endParaRPr lang="en-US" sz="1600" dirty="0"/>
           </a:p>
         </p:txBody>
       </p:sp>
@@ -14634,7 +14122,7 @@
               <a:buChar char="•"/>
             </a:pPr>
             <a:r>
-              <a:rPr lang="en-US" sz="1600" dirty="0" smtClean="0"/>
+              <a:rPr lang="en-US" sz="1600" dirty="0"/>
               <a:t>group means positively correlated</a:t>
             </a:r>
           </a:p>
@@ -14644,10 +14132,9 @@
               <a:buChar char="•"/>
             </a:pPr>
             <a:r>
-              <a:rPr lang="en-US" sz="1600" dirty="0" smtClean="0"/>
+              <a:rPr lang="en-US" sz="1600" dirty="0"/>
               <a:t>within group correlation &gt; 0</a:t>
             </a:r>
-            <a:endParaRPr lang="en-US" sz="1600" dirty="0"/>
           </a:p>
         </p:txBody>
       </p:sp>
@@ -14674,10 +14161,9 @@
           <a:lstStyle/>
           <a:p>
             <a:r>
-              <a:rPr lang="en-US" dirty="0" smtClean="0"/>
+              <a:rPr lang="en-US" dirty="0"/>
               <a:t>Data ellipses in 2D provide a good start for pairwise relations</a:t>
             </a:r>
-            <a:endParaRPr lang="en-US" dirty="0"/>
           </a:p>
         </p:txBody>
       </p:sp>
@@ -14749,10 +14235,9 @@
             <a:p>
               <a:pPr algn="ctr"/>
               <a:r>
-                <a:rPr lang="en-US" dirty="0" smtClean="0"/>
+                <a:rPr lang="en-US" dirty="0"/>
                 <a:t>bill depth &amp; length</a:t>
               </a:r>
-              <a:endParaRPr lang="en-US" dirty="0"/>
             </a:p>
           </p:txBody>
         </p:sp>
@@ -14825,10 +14310,9 @@
             <a:p>
               <a:pPr algn="ctr"/>
               <a:r>
-                <a:rPr lang="en-US" dirty="0" smtClean="0"/>
+                <a:rPr lang="en-US" dirty="0"/>
                 <a:t>body mass &amp; flipper length</a:t>
               </a:r>
-              <a:endParaRPr lang="en-US" dirty="0"/>
             </a:p>
           </p:txBody>
         </p:sp>
@@ -14843,13 +14327,6 @@
   <p:clrMapOvr>
     <a:masterClrMapping/>
   </p:clrMapOvr>
-  <p:timing>
-    <p:tnLst>
-      <p:par>
-        <p:cTn id="1" dur="indefinite" restart="never" nodeType="tmRoot"/>
-      </p:par>
-    </p:tnLst>
-  </p:timing>
 </p:sld>
 </file>
 
@@ -14886,10 +14363,9 @@
           <a:lstStyle/>
           <a:p>
             <a:r>
-              <a:rPr lang="en-US" dirty="0" smtClean="0"/>
+              <a:rPr lang="en-US" dirty="0"/>
               <a:t>HE plot details</a:t>
             </a:r>
-            <a:endParaRPr lang="en-US" dirty="0"/>
           </a:p>
         </p:txBody>
       </p:sp>
@@ -14916,65 +14392,57 @@
           <a:lstStyle/>
           <a:p>
             <a:r>
-              <a:rPr lang="en-US" sz="2800" b="1" dirty="0" smtClean="0"/>
+              <a:rPr lang="en-US" sz="2800" b="1" dirty="0"/>
               <a:t>E</a:t>
             </a:r>
             <a:r>
-              <a:rPr lang="en-US" sz="2800" dirty="0" smtClean="0"/>
+              <a:rPr lang="en-US" sz="2800" dirty="0"/>
               <a:t> ellipse reflects within-group error (co)variation</a:t>
             </a:r>
           </a:p>
           <a:p>
             <a:pPr lvl="1"/>
             <a:r>
-              <a:rPr lang="en-US" sz="2000" dirty="0" smtClean="0"/>
+              <a:rPr lang="en-US" sz="2000" dirty="0"/>
               <a:t>Size: </a:t>
             </a:r>
             <a:r>
-              <a:rPr lang="en-US" sz="2000" b="1" dirty="0" smtClean="0"/>
+              <a:rPr lang="en-US" sz="2000" b="1" dirty="0"/>
               <a:t>E</a:t>
             </a:r>
             <a:r>
-              <a:rPr lang="en-US" sz="2000" dirty="0" smtClean="0"/>
+              <a:rPr lang="en-US" sz="2000" dirty="0"/>
               <a:t> / </a:t>
             </a:r>
             <a:r>
-              <a:rPr lang="en-US" sz="2000" dirty="0" err="1" smtClean="0"/>
+              <a:rPr lang="en-US" sz="2000" dirty="0" err="1"/>
               <a:t>df</a:t>
             </a:r>
             <a:r>
-              <a:rPr lang="en-US" sz="2000" baseline="-25000" dirty="0" err="1" smtClean="0"/>
+              <a:rPr lang="en-US" sz="2000" baseline="-25000" dirty="0" err="1"/>
               <a:t>e</a:t>
             </a:r>
             <a:r>
-              <a:rPr lang="en-US" sz="2000" dirty="0" smtClean="0"/>
-              <a:t> set to cover 68%, an analog </a:t>
-            </a:r>
-            <a:r>
               <a:rPr lang="en-US" sz="2000" dirty="0"/>
-              <a:t>of y</a:t>
-            </a:r>
-            <a:r>
-              <a:rPr lang="en-US" sz="2000" dirty="0" smtClean="0"/>
-              <a:t>̅ ± 1 </a:t>
-            </a:r>
-            <a:r>
-              <a:rPr lang="en-US" sz="2000" dirty="0" err="1" smtClean="0"/>
+              <a:t> set to cover 68%, an analog of y̅ ± 1 </a:t>
+            </a:r>
+            <a:r>
+              <a:rPr lang="en-US" sz="2000" dirty="0" err="1"/>
               <a:t>std</a:t>
             </a:r>
             <a:r>
-              <a:rPr lang="en-US" sz="2000" dirty="0" smtClean="0"/>
+              <a:rPr lang="en-US" sz="2000" dirty="0"/>
               <a:t> </a:t>
             </a:r>
           </a:p>
           <a:p>
             <a:pPr lvl="1"/>
             <a:r>
-              <a:rPr lang="en-US" sz="2000" dirty="0" smtClean="0"/>
+              <a:rPr lang="en-US" sz="2000" dirty="0"/>
               <a:t>Shift to grand mean for direct comparison with </a:t>
             </a:r>
             <a:r>
-              <a:rPr lang="en-US" sz="2000" b="1" dirty="0" smtClean="0"/>
+              <a:rPr lang="en-US" sz="2000" b="1" dirty="0"/>
               <a:t>H</a:t>
             </a:r>
           </a:p>
@@ -14985,11 +14453,7 @@
             </a:r>
             <a:r>
               <a:rPr lang="en-US" sz="2800" dirty="0"/>
-              <a:t> ellipse reflects (co)variation of group </a:t>
-            </a:r>
-            <a:r>
-              <a:rPr lang="en-US" sz="2800" dirty="0" smtClean="0"/>
-              <a:t>means</a:t>
+              <a:t> ellipse reflects (co)variation of group means</a:t>
             </a:r>
           </a:p>
           <a:p>
@@ -15003,28 +14467,24 @@
               <a:t> scaling, uses </a:t>
             </a:r>
             <a:r>
-              <a:rPr lang="en-US" sz="1800" b="1" dirty="0" smtClean="0"/>
+              <a:rPr lang="en-US" sz="1800" b="1" dirty="0"/>
               <a:t>H</a:t>
             </a:r>
             <a:r>
-              <a:rPr lang="en-US" sz="1800" dirty="0" smtClean="0"/>
+              <a:rPr lang="en-US" sz="1800" dirty="0"/>
               <a:t>/</a:t>
             </a:r>
             <a:r>
-              <a:rPr lang="en-US" sz="1800" dirty="0" err="1" smtClean="0"/>
+              <a:rPr lang="en-US" sz="1800" dirty="0" err="1"/>
               <a:t>df</a:t>
             </a:r>
             <a:r>
-              <a:rPr lang="en-US" sz="1800" baseline="-25000" dirty="0" err="1" smtClean="0"/>
+              <a:rPr lang="en-US" sz="1800" baseline="-25000" dirty="0" err="1"/>
               <a:t>e</a:t>
             </a:r>
             <a:r>
-              <a:rPr lang="en-US" sz="1800" dirty="0" smtClean="0"/>
-              <a:t> </a:t>
-            </a:r>
-            <a:r>
               <a:rPr lang="en-US" sz="1800" dirty="0"/>
-              <a:t>to put this on the same scale as the </a:t>
+              <a:t> to put this on the same scale as the </a:t>
             </a:r>
             <a:r>
               <a:rPr lang="en-US" sz="1800" b="1" dirty="0"/>
@@ -15032,21 +14492,17 @@
             </a:r>
             <a:r>
               <a:rPr lang="en-US" sz="1800" dirty="0"/>
-              <a:t> </a:t>
-            </a:r>
-            <a:r>
-              <a:rPr lang="en-US" sz="1800" dirty="0" smtClean="0"/>
-              <a:t>ellipse. Analog of effect size in univariate designs.</a:t>
+              <a:t> ellipse. Analog of effect size in univariate designs.</a:t>
             </a:r>
           </a:p>
           <a:p>
             <a:pPr lvl="1"/>
             <a:r>
-              <a:rPr lang="en-US" sz="1800" b="1" dirty="0" smtClean="0"/>
+              <a:rPr lang="en-US" sz="1800" b="1" dirty="0"/>
               <a:t>significance</a:t>
             </a:r>
             <a:r>
-              <a:rPr lang="en-US" sz="1800" dirty="0" smtClean="0"/>
+              <a:rPr lang="en-US" sz="1800" dirty="0"/>
               <a:t> (“evidence”) scaling: uses </a:t>
             </a:r>
             <a:r>
@@ -15054,104 +14510,84 @@
               <a:t>H</a:t>
             </a:r>
             <a:r>
-              <a:rPr lang="en-US" sz="1800" dirty="0" smtClean="0"/>
+              <a:rPr lang="en-US" sz="1800" dirty="0"/>
               <a:t>/</a:t>
             </a:r>
             <a:r>
-              <a:rPr lang="en-US" sz="1800" dirty="0" smtClean="0">
+              <a:rPr lang="en-US" sz="1800" dirty="0">
                 <a:sym typeface="Symbol"/>
               </a:rPr>
               <a:t></a:t>
             </a:r>
             <a:r>
-              <a:rPr lang="el-GR" sz="1800" baseline="-25000" dirty="0" smtClean="0">
+              <a:rPr lang="el-GR" sz="1800" baseline="-25000" dirty="0">
                 <a:sym typeface="Symbol"/>
               </a:rPr>
               <a:t>α</a:t>
-            </a:r>
-            <a:r>
-              <a:rPr lang="en-US" sz="1800" dirty="0" smtClean="0"/>
-              <a:t> </a:t>
-            </a:r>
-            <a:r>
-              <a:rPr lang="en-US" sz="1800" dirty="0" err="1" smtClean="0"/>
-              <a:t>df</a:t>
-            </a:r>
-            <a:r>
-              <a:rPr lang="en-US" sz="1800" baseline="-25000" dirty="0" err="1" smtClean="0"/>
-              <a:t>e</a:t>
-            </a:r>
-            <a:r>
-              <a:rPr lang="en-US" sz="1800" baseline="-25000" dirty="0" smtClean="0"/>
-              <a:t> </a:t>
-            </a:r>
-            <a:r>
-              <a:rPr lang="en-US" sz="1800" dirty="0" smtClean="0"/>
-              <a:t>.</a:t>
-            </a:r>
-            <a:r>
-              <a:rPr lang="en-US" sz="2400" dirty="0" smtClean="0"/>
-              <a:t> </a:t>
-            </a:r>
-          </a:p>
-          <a:p>
-            <a:pPr lvl="2"/>
-            <a:r>
-              <a:rPr lang="en-US" sz="1800" dirty="0" smtClean="0"/>
-              <a:t>The </a:t>
-            </a:r>
-            <a:r>
-              <a:rPr lang="en-US" sz="1800" b="1" dirty="0" smtClean="0"/>
-              <a:t>H</a:t>
-            </a:r>
-            <a:r>
-              <a:rPr lang="en-US" sz="1800" dirty="0" smtClean="0"/>
-              <a:t> ellipse protrudes outside the </a:t>
-            </a:r>
-            <a:r>
-              <a:rPr lang="en-US" sz="1800" b="1" dirty="0" smtClean="0"/>
-              <a:t>E</a:t>
-            </a:r>
-            <a:r>
-              <a:rPr lang="en-US" sz="1800" dirty="0" smtClean="0"/>
-              <a:t> ellipse somewhere, </a:t>
-            </a:r>
-            <a:r>
-              <a:rPr lang="en-US" sz="1800" i="1" dirty="0" err="1" smtClean="0"/>
-              <a:t>iff</a:t>
             </a:r>
             <a:r>
               <a:rPr lang="en-US" sz="1800" dirty="0"/>
               <a:t> </a:t>
             </a:r>
             <a:r>
-              <a:rPr lang="en-US" sz="1800" dirty="0" smtClean="0"/>
-              <a:t>an effect </a:t>
+              <a:rPr lang="en-US" sz="1800" dirty="0" err="1"/>
+              <a:t>df</a:t>
+            </a:r>
+            <a:r>
+              <a:rPr lang="en-US" sz="1800" baseline="-25000" dirty="0" err="1"/>
+              <a:t>e</a:t>
+            </a:r>
+            <a:r>
+              <a:rPr lang="en-US" sz="1800" baseline="-25000" dirty="0"/>
+              <a:t> </a:t>
             </a:r>
             <a:r>
               <a:rPr lang="en-US" sz="1800" dirty="0"/>
-              <a:t>is significant </a:t>
-            </a:r>
-            <a:r>
-              <a:rPr lang="en-US" sz="1800" dirty="0" smtClean="0"/>
-              <a:t>(Roy’s </a:t>
-            </a:r>
+              <a:t>.</a:t>
+            </a:r>
+            <a:r>
+              <a:rPr lang="en-US" sz="2400" dirty="0"/>
+              <a:t> </a:t>
+            </a:r>
+          </a:p>
+          <a:p>
+            <a:pPr lvl="2"/>
             <a:r>
               <a:rPr lang="en-US" sz="1800" dirty="0"/>
-              <a:t>largest root test</a:t>
-            </a:r>
-            <a:r>
-              <a:rPr lang="en-US" sz="1800" dirty="0" smtClean="0"/>
-              <a:t>) at p &lt; </a:t>
-            </a:r>
-            <a:r>
-              <a:rPr lang="el-GR" sz="1800" dirty="0" smtClean="0"/>
+              <a:t>The </a:t>
+            </a:r>
+            <a:r>
+              <a:rPr lang="en-US" sz="1800" b="1" dirty="0"/>
+              <a:t>H</a:t>
+            </a:r>
+            <a:r>
+              <a:rPr lang="en-US" sz="1800" dirty="0"/>
+              <a:t> ellipse protrudes outside the </a:t>
+            </a:r>
+            <a:r>
+              <a:rPr lang="en-US" sz="1800" b="1" dirty="0"/>
+              <a:t>E</a:t>
+            </a:r>
+            <a:r>
+              <a:rPr lang="en-US" sz="1800" dirty="0"/>
+              <a:t> ellipse somewhere, </a:t>
+            </a:r>
+            <a:r>
+              <a:rPr lang="en-US" sz="1800" i="1" dirty="0" err="1"/>
+              <a:t>iff</a:t>
+            </a:r>
+            <a:r>
+              <a:rPr lang="en-US" sz="1800" dirty="0"/>
+              <a:t> an effect is significant (Roy’s largest root test) at p &lt; </a:t>
+            </a:r>
+            <a:r>
+              <a:rPr lang="el-GR" sz="1800" dirty="0"/>
               <a:t>α</a:t>
             </a:r>
             <a:endParaRPr lang="en-US" sz="1800" dirty="0"/>
           </a:p>
           <a:p>
-            <a:endParaRPr lang="en-US" dirty="0" smtClean="0"/>
+            <a:endParaRPr lang="en-US" dirty="0"/>
           </a:p>
         </p:txBody>
       </p:sp>
@@ -15497,10 +14933,9 @@
           <a:lstStyle/>
           <a:p>
             <a:r>
-              <a:rPr lang="en-US" dirty="0" smtClean="0"/>
+              <a:rPr lang="en-US" dirty="0"/>
               <a:t>Penguins: HE plots</a:t>
             </a:r>
-            <a:endParaRPr lang="en-US" dirty="0"/>
           </a:p>
         </p:txBody>
       </p:sp>
@@ -15611,15 +15046,7 @@
           <a:p>
             <a:r>
               <a:rPr lang="en-US" dirty="0"/>
-              <a:t>O</a:t>
-            </a:r>
-            <a:r>
-              <a:rPr lang="en-US" dirty="0" smtClean="0"/>
-              <a:t>rientation </a:t>
-            </a:r>
-            <a:r>
-              <a:rPr lang="en-US" dirty="0"/>
-              <a:t>of the </a:t>
+              <a:t>Orientation of the </a:t>
             </a:r>
             <a:r>
               <a:rPr lang="en-US" b="1" dirty="0"/>
@@ -15627,14 +15054,10 @@
             </a:r>
             <a:r>
               <a:rPr lang="en-US" dirty="0"/>
-              <a:t> ellipse </a:t>
-            </a:r>
-            <a:r>
-              <a:rPr lang="en-US" dirty="0" smtClean="0"/>
-              <a:t>reflects </a:t>
-            </a:r>
-            <a:r>
-              <a:rPr lang="en-US" dirty="0" smtClean="0">
+              <a:t> ellipse reflects </a:t>
+            </a:r>
+            <a:r>
+              <a:rPr lang="en-US" dirty="0">
                 <a:solidFill>
                   <a:srgbClr val="FF0000"/>
                 </a:solidFill>
@@ -15642,53 +15065,21 @@
               <a:t>negative</a:t>
             </a:r>
             <a:r>
-              <a:rPr lang="en-US" dirty="0" smtClean="0"/>
-              <a:t> </a:t>
-            </a:r>
-            <a:r>
               <a:rPr lang="en-US" dirty="0"/>
-              <a:t>correlation of the species means: </a:t>
-            </a:r>
-            <a:r>
-              <a:rPr lang="en-US" dirty="0" smtClean="0"/>
-              <a:t>species </a:t>
+              <a:t> correlation of the species means: species with larger bill depth have smaller bill length.</a:t>
+            </a:r>
+          </a:p>
+          <a:p>
+            <a:r>
+              <a:rPr lang="en-US" b="1" dirty="0"/>
+              <a:t>E</a:t>
             </a:r>
             <a:r>
               <a:rPr lang="en-US" dirty="0"/>
-              <a:t>with larger </a:t>
-            </a:r>
-            <a:r>
-              <a:rPr lang="en-US" dirty="0" smtClean="0"/>
-              <a:t>bill </a:t>
-            </a:r>
-            <a:r>
-              <a:rPr lang="en-US" dirty="0"/>
-              <a:t>depth have smaller </a:t>
-            </a:r>
-            <a:r>
-              <a:rPr lang="en-US" dirty="0" smtClean="0"/>
-              <a:t>bill </a:t>
-            </a:r>
-            <a:r>
-              <a:rPr lang="en-US" dirty="0"/>
-              <a:t>length</a:t>
-            </a:r>
-            <a:r>
-              <a:rPr lang="en-US" dirty="0" smtClean="0"/>
-              <a:t>.</a:t>
-            </a:r>
-          </a:p>
-          <a:p>
-            <a:r>
-              <a:rPr lang="en-US" b="1" dirty="0" smtClean="0"/>
-              <a:t>E</a:t>
-            </a:r>
-            <a:r>
-              <a:rPr lang="en-US" dirty="0" smtClean="0"/>
               <a:t> ellipse: within species, larger bill length </a:t>
             </a:r>
             <a:r>
-              <a:rPr lang="en-US" dirty="0" smtClean="0">
+              <a:rPr lang="en-US" dirty="0">
                 <a:sym typeface="Symbol"/>
               </a:rPr>
               <a:t> larger bill depth </a:t>
@@ -15729,21 +15120,8 @@
             </a:r>
             <a:r>
               <a:rPr lang="en-US" dirty="0"/>
-              <a:t>(peng.mod0, </a:t>
-            </a:r>
-            <a:r>
-              <a:rPr lang="en-US" dirty="0" smtClean="0"/>
-              <a:t> size</a:t>
-            </a:r>
-            <a:r>
-              <a:rPr lang="en-US" dirty="0"/>
-              <a:t>="evidence</a:t>
-            </a:r>
-            <a:r>
-              <a:rPr lang="en-US" dirty="0" smtClean="0"/>
-              <a:t>")</a:t>
-            </a:r>
-            <a:endParaRPr lang="en-US" dirty="0"/>
+              <a:t>(peng.mod0,  size="evidence")</a:t>
+            </a:r>
           </a:p>
         </p:txBody>
       </p:sp>
@@ -15779,13 +15157,8 @@
             </a:r>
             <a:r>
               <a:rPr lang="en-US" dirty="0"/>
-              <a:t>(peng.mod0, </a:t>
-            </a:r>
-            <a:r>
-              <a:rPr lang="en-US" dirty="0" smtClean="0"/>
-              <a:t> size=“effect")</a:t>
-            </a:r>
-            <a:endParaRPr lang="en-US" dirty="0"/>
+              <a:t>(peng.mod0,  size=“effect")</a:t>
+            </a:r>
           </a:p>
         </p:txBody>
       </p:sp>
@@ -15799,13 +15172,6 @@
   <p:clrMapOvr>
     <a:masterClrMapping/>
   </p:clrMapOvr>
-  <p:timing>
-    <p:tnLst>
-      <p:par>
-        <p:cTn id="1" dur="indefinite" restart="never" nodeType="tmRoot"/>
-      </p:par>
-    </p:tnLst>
-  </p:timing>
 </p:sld>
 </file>
 
@@ -15842,10 +15208,9 @@
           <a:lstStyle/>
           <a:p>
             <a:r>
-              <a:rPr lang="en-US" dirty="0" smtClean="0"/>
+              <a:rPr lang="en-US" dirty="0"/>
               <a:t>Contrasts</a:t>
             </a:r>
-            <a:endParaRPr lang="en-US" dirty="0"/>
           </a:p>
         </p:txBody>
       </p:sp>
@@ -15872,86 +15237,86 @@
           <a:lstStyle/>
           <a:p>
             <a:r>
-              <a:rPr lang="en-US" sz="2400" dirty="0" smtClean="0"/>
+              <a:rPr lang="en-US" sz="2400" dirty="0"/>
               <a:t>In linear models, any effect of </a:t>
             </a:r>
             <a:r>
-              <a:rPr lang="en-US" sz="2400" dirty="0" err="1" smtClean="0"/>
+              <a:rPr lang="en-US" sz="2400" dirty="0" err="1"/>
               <a:t>df</a:t>
             </a:r>
             <a:r>
-              <a:rPr lang="en-US" sz="2400" baseline="-25000" dirty="0" err="1" smtClean="0"/>
+              <a:rPr lang="en-US" sz="2400" baseline="-25000" dirty="0" err="1"/>
               <a:t>h</a:t>
             </a:r>
             <a:r>
-              <a:rPr lang="en-US" sz="2400" dirty="0" smtClean="0"/>
+              <a:rPr lang="en-US" sz="2400" dirty="0"/>
               <a:t> &gt; 1 can be partitioned into </a:t>
             </a:r>
             <a:r>
-              <a:rPr lang="en-US" sz="2400" dirty="0" err="1" smtClean="0"/>
+              <a:rPr lang="en-US" sz="2400" dirty="0" err="1"/>
               <a:t>df</a:t>
             </a:r>
             <a:r>
-              <a:rPr lang="en-US" sz="2400" baseline="-25000" dirty="0" err="1" smtClean="0"/>
+              <a:rPr lang="en-US" sz="2400" baseline="-25000" dirty="0" err="1"/>
               <a:t>h</a:t>
             </a:r>
             <a:r>
-              <a:rPr lang="en-US" sz="2400" dirty="0" smtClean="0"/>
+              <a:rPr lang="en-US" sz="2400" dirty="0"/>
               <a:t> separate 1 </a:t>
             </a:r>
             <a:r>
-              <a:rPr lang="en-US" sz="2400" dirty="0" err="1" smtClean="0"/>
+              <a:rPr lang="en-US" sz="2400" dirty="0" err="1"/>
               <a:t>df</a:t>
             </a:r>
             <a:r>
-              <a:rPr lang="en-US" sz="2400" dirty="0" smtClean="0"/>
+              <a:rPr lang="en-US" sz="2400" dirty="0"/>
               <a:t> tests of contrasts</a:t>
             </a:r>
           </a:p>
           <a:p>
             <a:pPr lvl="1"/>
             <a:r>
-              <a:rPr lang="en-US" sz="2000" dirty="0" smtClean="0"/>
+              <a:rPr lang="en-US" sz="2000" dirty="0"/>
               <a:t>If orthogonal, </a:t>
             </a:r>
             <a:r>
-              <a:rPr lang="en-US" sz="2000" b="1" dirty="0" smtClean="0"/>
+              <a:rPr lang="en-US" sz="2000" b="1" dirty="0"/>
               <a:t>H</a:t>
             </a:r>
             <a:r>
-              <a:rPr lang="en-US" sz="2000" dirty="0" smtClean="0"/>
+              <a:rPr lang="en-US" sz="2000" dirty="0"/>
               <a:t> = </a:t>
             </a:r>
             <a:r>
-              <a:rPr lang="en-US" sz="2000" b="1" dirty="0" smtClean="0"/>
+              <a:rPr lang="en-US" sz="2000" b="1" dirty="0"/>
               <a:t>H</a:t>
             </a:r>
             <a:r>
-              <a:rPr lang="en-US" sz="2000" baseline="-25000" dirty="0" smtClean="0"/>
+              <a:rPr lang="en-US" sz="2000" baseline="-25000" dirty="0"/>
               <a:t>1</a:t>
             </a:r>
             <a:r>
-              <a:rPr lang="en-US" sz="2000" dirty="0" smtClean="0"/>
+              <a:rPr lang="en-US" sz="2000" dirty="0"/>
               <a:t> + </a:t>
             </a:r>
             <a:r>
-              <a:rPr lang="en-US" sz="2000" b="1" dirty="0" smtClean="0"/>
+              <a:rPr lang="en-US" sz="2000" b="1" dirty="0"/>
               <a:t>H</a:t>
             </a:r>
             <a:r>
-              <a:rPr lang="en-US" sz="2000" baseline="-25000" dirty="0" smtClean="0"/>
+              <a:rPr lang="en-US" sz="2000" baseline="-25000" dirty="0"/>
               <a:t>2</a:t>
             </a:r>
             <a:r>
-              <a:rPr lang="en-US" sz="2000" dirty="0" smtClean="0"/>
+              <a:rPr lang="en-US" sz="2000" dirty="0"/>
               <a:t> + … </a:t>
             </a:r>
             <a:r>
-              <a:rPr lang="en-US" sz="2000" b="1" dirty="0" smtClean="0"/>
+              <a:rPr lang="en-US" sz="2000" b="1" dirty="0"/>
               <a:t>H</a:t>
             </a:r>
             <a:r>
-              <a:rPr lang="en-US" sz="2000" dirty="0" smtClean="0"/>
+              <a:rPr lang="en-US" sz="2000" dirty="0"/>
               <a:t> </a:t>
             </a:r>
             <a:r>
@@ -15960,71 +15325,67 @@
             </a:r>
             <a:r>
               <a:rPr lang="en-US" sz="2000" baseline="-25000" dirty="0"/>
-              <a:t> </a:t>
-            </a:r>
-            <a:r>
-              <a:rPr lang="en-US" sz="2000" baseline="-25000" dirty="0" smtClean="0"/>
-              <a:t> </a:t>
-            </a:r>
-            <a:r>
-              <a:rPr lang="en-US" sz="2000" dirty="0" smtClean="0"/>
+              <a:t>  </a:t>
+            </a:r>
+            <a:r>
+              <a:rPr lang="en-US" sz="2000" dirty="0"/>
               <a:t> -- accounts for total effect</a:t>
             </a:r>
-            <a:endParaRPr lang="en-US" sz="2000" baseline="-25000" dirty="0" smtClean="0"/>
+            <a:endParaRPr lang="en-US" sz="2000" baseline="-25000" dirty="0"/>
           </a:p>
           <a:p>
             <a:pPr lvl="1"/>
             <a:r>
-              <a:rPr lang="en-US" sz="2000" dirty="0" smtClean="0"/>
+              <a:rPr lang="en-US" sz="2000" dirty="0"/>
               <a:t>Tested as a linear hypothesis, e.g., x</a:t>
             </a:r>
             <a:r>
-              <a:rPr lang="en-US" sz="2000" baseline="-25000" dirty="0" smtClean="0"/>
+              <a:rPr lang="en-US" sz="2000" baseline="-25000" dirty="0"/>
               <a:t>1</a:t>
             </a:r>
             <a:r>
-              <a:rPr lang="en-US" sz="2000" dirty="0" smtClean="0"/>
+              <a:rPr lang="en-US" sz="2000" dirty="0"/>
               <a:t> – (x</a:t>
             </a:r>
             <a:r>
-              <a:rPr lang="en-US" sz="2000" baseline="-25000" dirty="0" smtClean="0"/>
+              <a:rPr lang="en-US" sz="2000" baseline="-25000" dirty="0"/>
               <a:t>2</a:t>
             </a:r>
             <a:r>
-              <a:rPr lang="en-US" sz="2000" dirty="0" smtClean="0"/>
+              <a:rPr lang="en-US" sz="2000" dirty="0"/>
               <a:t> + x</a:t>
             </a:r>
             <a:r>
-              <a:rPr lang="en-US" sz="2000" baseline="-25000" dirty="0" smtClean="0"/>
+              <a:rPr lang="en-US" sz="2000" baseline="-25000" dirty="0"/>
               <a:t>3</a:t>
             </a:r>
             <a:r>
-              <a:rPr lang="en-US" sz="2000" dirty="0" smtClean="0"/>
+              <a:rPr lang="en-US" sz="2000" dirty="0"/>
               <a:t>)/2 = 0</a:t>
             </a:r>
           </a:p>
           <a:p>
             <a:pPr lvl="1"/>
             <a:r>
-              <a:rPr lang="en-US" sz="2000" dirty="0" smtClean="0"/>
+              <a:rPr lang="en-US" sz="2000" dirty="0"/>
               <a:t>Each </a:t>
             </a:r>
             <a:r>
-              <a:rPr lang="en-US" sz="2000" b="1" dirty="0" smtClean="0"/>
+              <a:rPr lang="en-US" sz="2000" b="1" dirty="0"/>
               <a:t>H</a:t>
             </a:r>
             <a:r>
-              <a:rPr lang="en-US" sz="2000" baseline="-25000" dirty="0" smtClean="0"/>
+              <a:rPr lang="en-US" sz="2000" baseline="-25000" dirty="0"/>
               <a:t>i</a:t>
             </a:r>
             <a:r>
-              <a:rPr lang="en-US" sz="2000" dirty="0" smtClean="0"/>
+              <a:rPr lang="en-US" sz="2000" dirty="0"/>
               <a:t> has rank=1, so appears as a line in HE plots</a:t>
             </a:r>
           </a:p>
           <a:p>
             <a:r>
-              <a:rPr lang="en-US" sz="2400" dirty="0" smtClean="0"/>
+              <a:rPr lang="en-US" sz="2400" dirty="0"/>
               <a:t>Assume we want to compare the species as two contrasts:</a:t>
             </a:r>
             <a:endParaRPr lang="en-US" sz="2000" dirty="0"/>
@@ -16032,7 +15393,7 @@
           <a:p>
             <a:pPr lvl="1"/>
             <a:r>
-              <a:rPr lang="en-US" sz="2000" dirty="0" smtClean="0"/>
+              <a:rPr lang="en-US" sz="2000" dirty="0"/>
               <a:t>Do </a:t>
             </a:r>
             <a:r>
@@ -16043,23 +15404,13 @@
               <a:rPr lang="en-US" sz="2000" dirty="0"/>
               <a:t> differ from Chinstrap?</a:t>
             </a:r>
-            <a:endParaRPr lang="en-US" sz="2000" dirty="0" smtClean="0"/>
           </a:p>
           <a:p>
             <a:pPr lvl="1"/>
             <a:r>
-              <a:rPr lang="en-US" sz="2000" dirty="0" smtClean="0"/>
-              <a:t>Do </a:t>
-            </a:r>
-            <a:r>
               <a:rPr lang="en-US" sz="2000" dirty="0"/>
-              <a:t>Gentoo penguins differ from the other two</a:t>
-            </a:r>
-            <a:r>
-              <a:rPr lang="en-US" sz="2000" dirty="0" smtClean="0"/>
-              <a:t>?</a:t>
-            </a:r>
-            <a:endParaRPr lang="en-US" sz="2000" dirty="0"/>
+              <a:t>Do Gentoo penguins differ from the other two?</a:t>
+            </a:r>
           </a:p>
         </p:txBody>
       </p:sp>
@@ -16201,13 +15552,6 @@
   <p:clrMapOvr>
     <a:masterClrMapping/>
   </p:clrMapOvr>
-  <p:timing>
-    <p:tnLst>
-      <p:par>
-        <p:cTn id="1" dur="indefinite" restart="never" nodeType="tmRoot"/>
-      </p:par>
-    </p:tnLst>
-  </p:timing>
 </p:sld>
 </file>
 
@@ -16244,10 +15588,9 @@
           <a:lstStyle/>
           <a:p>
             <a:r>
-              <a:rPr lang="en-US" dirty="0" smtClean="0"/>
+              <a:rPr lang="en-US" dirty="0"/>
               <a:t>Contrasts</a:t>
             </a:r>
-            <a:endParaRPr lang="en-US" dirty="0"/>
           </a:p>
         </p:txBody>
       </p:sp>
@@ -16310,25 +15653,16 @@
             </a:r>
             <a:r>
               <a:rPr lang="en-US" dirty="0"/>
-              <a:t> &lt;- list("A:C"="species1","AC:G"="species2</a:t>
-            </a:r>
-            <a:r>
-              <a:rPr lang="en-US" dirty="0" smtClean="0"/>
-              <a:t>")  </a:t>
-            </a:r>
-            <a:r>
-              <a:rPr lang="en-US" dirty="0" smtClean="0">
+              <a:t> &lt;- list("A:C"="species1","AC:G"="species2")  </a:t>
+            </a:r>
+            <a:r>
+              <a:rPr lang="en-US" dirty="0">
                 <a:solidFill>
                   <a:srgbClr val="00B050"/>
                 </a:solidFill>
               </a:rPr>
               <a:t># give names to contrasts</a:t>
             </a:r>
-            <a:endParaRPr lang="en-US" dirty="0">
-              <a:solidFill>
-                <a:srgbClr val="00B050"/>
-              </a:solidFill>
-            </a:endParaRPr>
           </a:p>
           <a:p>
             <a:r>
@@ -16347,19 +15681,14 @@
               <a:rPr lang="en-US" dirty="0"/>
               <a:t>=0.2, </a:t>
             </a:r>
-            <a:endParaRPr lang="en-US" dirty="0" smtClean="0"/>
           </a:p>
           <a:p>
             <a:r>
               <a:rPr lang="en-US" dirty="0"/>
-              <a:t> </a:t>
-            </a:r>
-            <a:r>
-              <a:rPr lang="en-US" dirty="0" smtClean="0"/>
-              <a:t>             </a:t>
-            </a:r>
-            <a:r>
-              <a:rPr lang="en-US" dirty="0" smtClean="0">
+              <a:t>              </a:t>
+            </a:r>
+            <a:r>
+              <a:rPr lang="en-US" dirty="0">
                 <a:solidFill>
                   <a:srgbClr val="FF0000"/>
                 </a:solidFill>
@@ -16367,7 +15696,7 @@
               <a:t>hypotheses=</a:t>
             </a:r>
             <a:r>
-              <a:rPr lang="en-US" dirty="0" err="1" smtClean="0">
+              <a:rPr lang="en-US" dirty="0" err="1">
                 <a:solidFill>
                   <a:srgbClr val="FF0000"/>
                 </a:solidFill>
@@ -16376,13 +15705,8 @@
             </a:r>
             <a:r>
               <a:rPr lang="en-US" dirty="0"/>
-              <a:t>, size="effect</a:t>
-            </a:r>
-            <a:r>
-              <a:rPr lang="en-US" dirty="0" smtClean="0"/>
-              <a:t>")</a:t>
-            </a:r>
-            <a:endParaRPr lang="en-US" dirty="0"/>
+              <a:t>, size="effect")</a:t>
+            </a:r>
           </a:p>
         </p:txBody>
       </p:sp>
@@ -16439,12 +15763,12 @@
           <a:lstStyle/>
           <a:p>
             <a:r>
-              <a:rPr lang="en-US" dirty="0" smtClean="0"/>
+              <a:rPr lang="en-US" dirty="0"/>
               <a:t>Result is very clear:</a:t>
             </a:r>
           </a:p>
           <a:p>
-            <a:endParaRPr lang="en-US" dirty="0" smtClean="0"/>
+            <a:endParaRPr lang="en-US" dirty="0"/>
           </a:p>
           <a:p>
             <a:pPr marL="285750" indent="-285750">
@@ -16452,11 +15776,11 @@
               <a:buChar char="•"/>
             </a:pPr>
             <a:r>
-              <a:rPr lang="en-US" sz="1600" dirty="0" err="1" smtClean="0"/>
+              <a:rPr lang="en-US" sz="1600" dirty="0" err="1"/>
               <a:t>Adelie</a:t>
             </a:r>
             <a:r>
-              <a:rPr lang="en-US" sz="1600" dirty="0" smtClean="0"/>
+              <a:rPr lang="en-US" sz="1600" dirty="0"/>
               <a:t> &amp; Chinstrap differ only in bill length</a:t>
             </a:r>
           </a:p>
@@ -16466,7 +15790,7 @@
               <a:buChar char="•"/>
             </a:pPr>
             <a:r>
-              <a:rPr lang="en-US" sz="1600" dirty="0" smtClean="0"/>
+              <a:rPr lang="en-US" sz="1600" dirty="0"/>
               <a:t>Gentoo differ from other two – longer, but less deep bills.</a:t>
             </a:r>
           </a:p>
@@ -16479,10 +15803,9 @@
           </a:p>
           <a:p>
             <a:r>
-              <a:rPr lang="en-US" sz="1600" dirty="0" smtClean="0"/>
+              <a:rPr lang="en-US" sz="1600" dirty="0"/>
               <a:t>Both of these are large effects!</a:t>
             </a:r>
-            <a:endParaRPr lang="en-US" sz="1600" dirty="0"/>
           </a:p>
         </p:txBody>
       </p:sp>
@@ -16496,13 +15819,6 @@
   <p:clrMapOvr>
     <a:masterClrMapping/>
   </p:clrMapOvr>
-  <p:timing>
-    <p:tnLst>
-      <p:par>
-        <p:cTn id="1" dur="indefinite" restart="never" nodeType="tmRoot"/>
-      </p:par>
-    </p:tnLst>
-  </p:timing>
 </p:sld>
 </file>
 
@@ -16539,10 +15855,9 @@
           <a:lstStyle/>
           <a:p>
             <a:r>
-              <a:rPr lang="en-US" dirty="0" smtClean="0"/>
+              <a:rPr lang="en-US" dirty="0"/>
               <a:t>Other HE plots</a:t>
             </a:r>
-            <a:endParaRPr lang="en-US" dirty="0"/>
           </a:p>
         </p:txBody>
       </p:sp>
@@ -16569,26 +15884,25 @@
           <a:lstStyle/>
           <a:p>
             <a:r>
-              <a:rPr lang="en-US" sz="2800" dirty="0" smtClean="0"/>
+              <a:rPr lang="en-US" sz="2800" dirty="0"/>
               <a:t>2D: can plot any pair of responses in data space</a:t>
             </a:r>
           </a:p>
           <a:p>
             <a:r>
-              <a:rPr lang="en-US" sz="2800" dirty="0" err="1" smtClean="0"/>
+              <a:rPr lang="en-US" sz="2800" dirty="0" err="1"/>
               <a:t>pairs.mlm</a:t>
             </a:r>
             <a:r>
-              <a:rPr lang="en-US" sz="2800" dirty="0" smtClean="0"/>
+              <a:rPr lang="en-US" sz="2800" dirty="0"/>
               <a:t>(): all pairwise 2D views</a:t>
             </a:r>
           </a:p>
           <a:p>
             <a:r>
-              <a:rPr lang="en-US" sz="2800" dirty="0" smtClean="0"/>
+              <a:rPr lang="en-US" sz="2800" dirty="0"/>
               <a:t>heplot3d(): plots in 3D, can rotate, spin, zoom, …</a:t>
             </a:r>
-            <a:endParaRPr lang="en-US" sz="2800" dirty="0"/>
           </a:p>
         </p:txBody>
       </p:sp>
@@ -16673,13 +15987,8 @@
             </a:r>
             <a:r>
               <a:rPr lang="en-US" dirty="0"/>
-              <a:t>=0.2, size="effect</a:t>
-            </a:r>
-            <a:r>
-              <a:rPr lang="en-US" dirty="0" smtClean="0"/>
-              <a:t>")</a:t>
-            </a:r>
-            <a:endParaRPr lang="en-US" dirty="0"/>
+              <a:t>=0.2, size="effect")</a:t>
+            </a:r>
           </a:p>
         </p:txBody>
       </p:sp>
@@ -16736,7 +16045,7 @@
           <a:lstStyle/>
           <a:p>
             <a:r>
-              <a:rPr lang="en-US" dirty="0" smtClean="0"/>
+              <a:rPr lang="en-US" dirty="0"/>
               <a:t>Interpretation:</a:t>
             </a:r>
           </a:p>
@@ -16746,15 +16055,15 @@
               <a:buChar char="•"/>
             </a:pPr>
             <a:r>
-              <a:rPr lang="en-US" dirty="0" smtClean="0"/>
+              <a:rPr lang="en-US" dirty="0"/>
               <a:t>major axis of the </a:t>
             </a:r>
             <a:r>
-              <a:rPr lang="en-US" b="1" dirty="0" smtClean="0"/>
+              <a:rPr lang="en-US" b="1" dirty="0"/>
               <a:t>H</a:t>
             </a:r>
             <a:r>
-              <a:rPr lang="en-US" dirty="0" smtClean="0"/>
+              <a:rPr lang="en-US" dirty="0"/>
               <a:t> ellipse measures “penguin size”</a:t>
             </a:r>
           </a:p>
@@ -16764,10 +16073,9 @@
               <a:buChar char="•"/>
             </a:pPr>
             <a:r>
-              <a:rPr lang="en-US" dirty="0" smtClean="0"/>
+              <a:rPr lang="en-US" dirty="0"/>
               <a:t>Gentoo are the Big Birds in this story!</a:t>
             </a:r>
-            <a:endParaRPr lang="en-US" dirty="0"/>
           </a:p>
         </p:txBody>
       </p:sp>
@@ -16781,13 +16089,6 @@
   <p:clrMapOvr>
     <a:masterClrMapping/>
   </p:clrMapOvr>
-  <p:timing>
-    <p:tnLst>
-      <p:par>
-        <p:cTn id="1" dur="indefinite" restart="never" nodeType="tmRoot"/>
-      </p:par>
-    </p:tnLst>
-  </p:timing>
 </p:sld>
 </file>
 
@@ -16824,10 +16125,9 @@
           <a:lstStyle/>
           <a:p>
             <a:r>
-              <a:rPr lang="en-US" dirty="0" smtClean="0"/>
+              <a:rPr lang="en-US" dirty="0"/>
               <a:t>HE Pairs plots</a:t>
             </a:r>
-            <a:endParaRPr lang="en-US" dirty="0"/>
           </a:p>
         </p:txBody>
       </p:sp>
@@ -16878,15 +16178,7 @@
           <a:p>
             <a:r>
               <a:rPr lang="en-US" dirty="0"/>
-              <a:t>The </a:t>
-            </a:r>
-            <a:r>
-              <a:rPr lang="en-US" dirty="0" smtClean="0"/>
-              <a:t>pairs() </a:t>
-            </a:r>
-            <a:r>
-              <a:rPr lang="en-US" dirty="0"/>
-              <a:t>method for </a:t>
+              <a:t>The pairs() method for </a:t>
             </a:r>
             <a:r>
               <a:rPr lang="en-US" dirty="0" err="1"/>
@@ -16894,15 +16186,7 @@
             </a:r>
             <a:r>
               <a:rPr lang="en-US" dirty="0"/>
-              <a:t> objects gives a all pairwise </a:t>
-            </a:r>
-            <a:r>
-              <a:rPr lang="en-US" dirty="0" smtClean="0"/>
-              <a:t>HE plots </a:t>
-            </a:r>
-            <a:r>
-              <a:rPr lang="en-US" dirty="0"/>
-              <a:t>in a scatterplot matrix format.</a:t>
+              <a:t> objects gives a all pairwise HE plots in a scatterplot matrix format.</a:t>
             </a:r>
           </a:p>
         </p:txBody>
@@ -16965,28 +16249,14 @@
           <a:p>
             <a:r>
               <a:rPr lang="en-US" sz="2000" dirty="0"/>
-              <a:t>pairs(peng.mod0, size="effect", </a:t>
-            </a:r>
-            <a:r>
-              <a:rPr lang="en-US" sz="2000" dirty="0" smtClean="0"/>
-              <a:t> </a:t>
-            </a:r>
-            <a:endParaRPr lang="en-US" sz="2000" dirty="0"/>
-          </a:p>
-          <a:p>
-            <a:r>
-              <a:rPr lang="en-US" sz="2000" dirty="0" smtClean="0"/>
-              <a:t>           fill=c(TRUE</a:t>
-            </a:r>
+              <a:t>pairs(peng.mod0, size="effect",  </a:t>
+            </a:r>
+          </a:p>
+          <a:p>
             <a:r>
               <a:rPr lang="en-US" sz="2000" dirty="0"/>
-              <a:t>, FALSE</a:t>
-            </a:r>
-            <a:r>
-              <a:rPr lang="en-US" sz="2000" dirty="0" smtClean="0"/>
-              <a:t>)) </a:t>
-            </a:r>
-            <a:endParaRPr lang="en-US" sz="2000" dirty="0"/>
+              <a:t>           fill=c(TRUE, FALSE)) </a:t>
+            </a:r>
           </a:p>
         </p:txBody>
       </p:sp>
@@ -17013,7 +16283,7 @@
           <a:lstStyle/>
           <a:p>
             <a:r>
-              <a:rPr lang="en-US" dirty="0" smtClean="0"/>
+              <a:rPr lang="en-US" dirty="0"/>
               <a:t>Something new here:</a:t>
             </a:r>
           </a:p>
@@ -17023,7 +16293,7 @@
               <a:buChar char="•"/>
             </a:pPr>
             <a:r>
-              <a:rPr lang="en-US" sz="1600" dirty="0" smtClean="0"/>
+              <a:rPr lang="en-US" sz="1600" dirty="0"/>
               <a:t>avg. bill depth is negatively correlated with “size” variables – larger penguin species have smaller bill depths (curvature?)</a:t>
             </a:r>
           </a:p>
@@ -17033,12 +16303,12 @@
               <a:buChar char="•"/>
             </a:pPr>
             <a:r>
-              <a:rPr lang="en-US" sz="1600" dirty="0" smtClean="0"/>
+              <a:rPr lang="en-US" sz="1600" dirty="0"/>
               <a:t>correlation of avg. bill depth with body mass nearly -1</a:t>
             </a:r>
           </a:p>
           <a:p>
-            <a:endParaRPr lang="en-US" sz="1400" dirty="0" smtClean="0"/>
+            <a:endParaRPr lang="en-US" sz="1400" dirty="0"/>
           </a:p>
         </p:txBody>
       </p:sp>
@@ -17052,13 +16322,6 @@
   <p:clrMapOvr>
     <a:masterClrMapping/>
   </p:clrMapOvr>
-  <p:timing>
-    <p:tnLst>
-      <p:par>
-        <p:cTn id="1" dur="indefinite" restart="never" nodeType="tmRoot"/>
-      </p:par>
-    </p:tnLst>
-  </p:timing>
 </p:sld>
 </file>
 
@@ -17095,10 +16358,9 @@
           <a:lstStyle/>
           <a:p>
             <a:r>
-              <a:rPr lang="en-US" dirty="0" smtClean="0"/>
+              <a:rPr lang="en-US" dirty="0"/>
               <a:t>heplot3d()</a:t>
             </a:r>
-            <a:endParaRPr lang="en-US" dirty="0"/>
           </a:p>
         </p:txBody>
       </p:sp>
@@ -17178,10 +16440,9 @@
           <a:lstStyle/>
           <a:p>
             <a:r>
-              <a:rPr lang="en-US" dirty="0" smtClean="0"/>
+              <a:rPr lang="en-US" dirty="0"/>
               <a:t>3D HE plots can show other features </a:t>
             </a:r>
-            <a:endParaRPr lang="en-US" dirty="0"/>
           </a:p>
         </p:txBody>
       </p:sp>
@@ -17215,19 +16476,7 @@
               <a:rPr lang="en-US" dirty="0">
                 <a:latin typeface="Lucida Console" pitchFamily="49" charset="0"/>
               </a:rPr>
-              <a:t>heplot3d(peng.mod0, </a:t>
-            </a:r>
-            <a:r>
-              <a:rPr lang="en-US" dirty="0" smtClean="0">
-                <a:latin typeface="Lucida Console" pitchFamily="49" charset="0"/>
-              </a:rPr>
-              <a:t>size</a:t>
-            </a:r>
-            <a:r>
-              <a:rPr lang="en-US" dirty="0">
-                <a:latin typeface="Lucida Console" pitchFamily="49" charset="0"/>
-              </a:rPr>
-              <a:t>="effect")</a:t>
+              <a:t>heplot3d(peng.mod0, size="effect")</a:t>
             </a:r>
           </a:p>
         </p:txBody>
@@ -17255,15 +16504,15 @@
           <a:lstStyle/>
           <a:p>
             <a:r>
-              <a:rPr lang="en-US" dirty="0" smtClean="0"/>
+              <a:rPr lang="en-US" dirty="0"/>
               <a:t>The H ellipsoid here is flat (2D), because the species effect has 2 </a:t>
             </a:r>
             <a:r>
-              <a:rPr lang="en-US" dirty="0" err="1" smtClean="0"/>
+              <a:rPr lang="en-US" dirty="0" err="1"/>
               <a:t>df</a:t>
             </a:r>
             <a:r>
-              <a:rPr lang="en-US" dirty="0" smtClean="0"/>
+              <a:rPr lang="en-US" dirty="0"/>
               <a:t> </a:t>
             </a:r>
           </a:p>
@@ -17272,10 +16521,9 @@
           </a:p>
           <a:p>
             <a:r>
-              <a:rPr lang="en-US" dirty="0" smtClean="0"/>
+              <a:rPr lang="en-US" dirty="0"/>
               <a:t>In this 3D view, the 3 species  form a triangle, suggesting some further interpretation.</a:t>
             </a:r>
-            <a:endParaRPr lang="en-US" dirty="0"/>
           </a:p>
         </p:txBody>
       </p:sp>
@@ -17289,13 +16537,6 @@
   <p:clrMapOvr>
     <a:masterClrMapping/>
   </p:clrMapOvr>
-  <p:timing>
-    <p:tnLst>
-      <p:par>
-        <p:cTn id="1" dur="indefinite" restart="never" nodeType="tmRoot"/>
-      </p:par>
-    </p:tnLst>
-  </p:timing>
 </p:sld>
 </file>
 
@@ -17332,10 +16573,9 @@
           <a:lstStyle/>
           <a:p>
             <a:r>
-              <a:rPr lang="en-US" dirty="0" smtClean="0"/>
+              <a:rPr lang="en-US" dirty="0"/>
               <a:t>Canonical view</a:t>
             </a:r>
-            <a:endParaRPr lang="en-US" dirty="0"/>
           </a:p>
         </p:txBody>
       </p:sp>
@@ -17362,36 +16602,36 @@
           <a:lstStyle/>
           <a:p>
             <a:r>
-              <a:rPr lang="en-US" sz="2400" dirty="0" smtClean="0"/>
+              <a:rPr lang="en-US" sz="2400" dirty="0"/>
               <a:t>4 response variables, but only s=min(q, </a:t>
             </a:r>
             <a:r>
-              <a:rPr lang="en-US" sz="2400" dirty="0" err="1" smtClean="0"/>
+              <a:rPr lang="en-US" sz="2400" dirty="0" err="1"/>
               <a:t>dfh</a:t>
             </a:r>
             <a:r>
-              <a:rPr lang="en-US" sz="2400" dirty="0" smtClean="0"/>
+              <a:rPr lang="en-US" sz="2400" dirty="0"/>
               <a:t>)=2 dimensions.</a:t>
             </a:r>
           </a:p>
           <a:p>
             <a:pPr lvl="1"/>
             <a:r>
-              <a:rPr lang="en-US" sz="2000" dirty="0" smtClean="0"/>
+              <a:rPr lang="en-US" sz="2000" dirty="0"/>
               <a:t>Here, both dimensions are significant</a:t>
             </a:r>
           </a:p>
           <a:p>
             <a:pPr lvl="1"/>
             <a:r>
-              <a:rPr lang="en-US" sz="2000" dirty="0" smtClean="0"/>
+              <a:rPr lang="en-US" sz="2000" dirty="0"/>
               <a:t>Can1 accounts for 86.5% of between-species variance</a:t>
             </a:r>
           </a:p>
           <a:p>
             <a:pPr lvl="1"/>
             <a:r>
-              <a:rPr lang="en-US" sz="2000" dirty="0" smtClean="0"/>
+              <a:rPr lang="en-US" sz="2000" dirty="0"/>
               <a:t>Can 2 accounts for the rest:  13.5%</a:t>
             </a:r>
           </a:p>
@@ -17454,42 +16694,27 @@
               <a:rPr lang="en-US" sz="1200" dirty="0">
                 <a:latin typeface="Lucida Sans Typewriter" pitchFamily="49" charset="0"/>
               </a:rPr>
-              <a:t>&gt; </a:t>
-            </a:r>
-            <a:r>
-              <a:rPr lang="en-US" sz="1200" dirty="0" smtClean="0">
-                <a:latin typeface="Lucida Sans Typewriter" pitchFamily="49" charset="0"/>
-              </a:rPr>
-              <a:t>library(</a:t>
-            </a:r>
-            <a:r>
-              <a:rPr lang="en-US" sz="1200" dirty="0" err="1" smtClean="0">
+              <a:t>&gt; library(</a:t>
+            </a:r>
+            <a:r>
+              <a:rPr lang="en-US" sz="1200" dirty="0" err="1">
                 <a:latin typeface="Lucida Sans Typewriter" pitchFamily="49" charset="0"/>
               </a:rPr>
               <a:t>candisc</a:t>
             </a:r>
             <a:r>
-              <a:rPr lang="en-US" sz="1200" dirty="0" smtClean="0">
+              <a:rPr lang="en-US" sz="1200" dirty="0">
                 <a:latin typeface="Lucida Sans Typewriter" pitchFamily="49" charset="0"/>
               </a:rPr>
               <a:t>)</a:t>
             </a:r>
-            <a:endParaRPr lang="en-US" sz="1200" dirty="0">
-              <a:latin typeface="Lucida Sans Typewriter" pitchFamily="49" charset="0"/>
-            </a:endParaRPr>
-          </a:p>
-          <a:p>
-            <a:r>
-              <a:rPr lang="en-US" sz="1200" dirty="0" smtClean="0">
-                <a:latin typeface="Lucida Sans Typewriter" pitchFamily="49" charset="0"/>
-              </a:rPr>
-              <a:t>&gt; </a:t>
-            </a:r>
+          </a:p>
+          <a:p>
             <a:r>
               <a:rPr lang="en-US" sz="1200" dirty="0">
                 <a:latin typeface="Lucida Sans Typewriter" pitchFamily="49" charset="0"/>
               </a:rPr>
-              <a:t>(</a:t>
+              <a:t>&gt; (</a:t>
             </a:r>
             <a:r>
               <a:rPr lang="en-US" sz="1200" dirty="0" err="1">
@@ -17716,7 +16941,7 @@
           <a:p>
             <a:pPr algn="ctr"/>
             <a:r>
-              <a:rPr lang="en-US" sz="1600" dirty="0" smtClean="0">
+              <a:rPr lang="en-US" sz="1600" dirty="0">
                 <a:solidFill>
                   <a:srgbClr val="00B050"/>
                 </a:solidFill>
@@ -17756,7 +16981,7 @@
           <a:p>
             <a:pPr algn="ctr"/>
             <a:r>
-              <a:rPr lang="en-US" sz="1600" dirty="0" smtClean="0">
+              <a:rPr lang="en-US" sz="1600" dirty="0">
                 <a:solidFill>
                   <a:srgbClr val="00B050"/>
                 </a:solidFill>
@@ -17782,13 +17007,6 @@
   <p:clrMapOvr>
     <a:masterClrMapping/>
   </p:clrMapOvr>
-  <p:timing>
-    <p:tnLst>
-      <p:par>
-        <p:cTn id="1" dur="indefinite" restart="never" nodeType="tmRoot"/>
-      </p:par>
-    </p:tnLst>
-  </p:timing>
 </p:sld>
 </file>
 
@@ -17825,10 +17043,9 @@
           <a:lstStyle/>
           <a:p>
             <a:r>
-              <a:rPr lang="en-US" dirty="0" smtClean="0"/>
+              <a:rPr lang="en-US" dirty="0"/>
               <a:t>Canonical view</a:t>
             </a:r>
-            <a:endParaRPr lang="en-US" dirty="0"/>
           </a:p>
         </p:txBody>
       </p:sp>
@@ -17878,18 +17095,17 @@
           <a:lstStyle/>
           <a:p>
             <a:r>
-              <a:rPr lang="en-US" dirty="0" smtClean="0"/>
+              <a:rPr lang="en-US" dirty="0"/>
               <a:t>The plot() method for </a:t>
             </a:r>
             <a:r>
-              <a:rPr lang="en-US" dirty="0" err="1" smtClean="0"/>
+              <a:rPr lang="en-US" dirty="0" err="1"/>
               <a:t>candisc</a:t>
             </a:r>
             <a:r>
-              <a:rPr lang="en-US" dirty="0" smtClean="0"/>
+              <a:rPr lang="en-US" dirty="0"/>
               <a:t> objects shows points for observations and vector for variables </a:t>
             </a:r>
-            <a:endParaRPr lang="en-US" dirty="0"/>
           </a:p>
         </p:txBody>
       </p:sp>
@@ -17965,28 +17181,10 @@
               <a:rPr lang="en-US" sz="1400" dirty="0">
                 <a:latin typeface="Lucida Sans Typewriter" pitchFamily="49" charset="0"/>
               </a:rPr>
-              <a:t>, ellipse = </a:t>
-            </a:r>
-            <a:r>
-              <a:rPr lang="en-US" sz="1400" dirty="0" smtClean="0">
-                <a:latin typeface="Lucida Sans Typewriter" pitchFamily="49" charset="0"/>
-              </a:rPr>
-              <a:t>TRUE</a:t>
+              <a:t>, ellipse = TRUE … )  </a:t>
             </a:r>
             <a:r>
               <a:rPr lang="en-US" sz="1400" dirty="0">
-                <a:latin typeface="Lucida Sans Typewriter" pitchFamily="49" charset="0"/>
-              </a:rPr>
-              <a:t> </a:t>
-            </a:r>
-            <a:r>
-              <a:rPr lang="en-US" sz="1400" dirty="0" smtClean="0">
-                <a:latin typeface="Lucida Sans Typewriter" pitchFamily="49" charset="0"/>
-              </a:rPr>
-              <a:t>… )  </a:t>
-            </a:r>
-            <a:r>
-              <a:rPr lang="en-US" sz="1400" dirty="0" smtClean="0">
                 <a:solidFill>
                   <a:srgbClr val="00B050"/>
                 </a:solidFill>
@@ -17994,12 +17192,6 @@
               </a:rPr>
               <a:t>#plot CAN scores with ellipses</a:t>
             </a:r>
-            <a:endParaRPr lang="en-US" sz="1400" dirty="0">
-              <a:solidFill>
-                <a:srgbClr val="00B050"/>
-              </a:solidFill>
-              <a:latin typeface="Lucida Sans Typewriter" pitchFamily="49" charset="0"/>
-            </a:endParaRPr>
           </a:p>
         </p:txBody>
       </p:sp>
@@ -18026,15 +17218,15 @@
           <a:lstStyle/>
           <a:p>
             <a:r>
-              <a:rPr lang="en-US" dirty="0" smtClean="0"/>
+              <a:rPr lang="en-US" dirty="0"/>
               <a:t>Can1: largely body mass &amp; flipper length, that separate Gentoo from (</a:t>
             </a:r>
             <a:r>
-              <a:rPr lang="en-US" dirty="0" err="1" smtClean="0"/>
+              <a:rPr lang="en-US" dirty="0" err="1"/>
               <a:t>Adelie</a:t>
             </a:r>
             <a:r>
-              <a:rPr lang="en-US" dirty="0" smtClean="0"/>
+              <a:rPr lang="en-US" dirty="0"/>
               <a:t>, Chinstrap)</a:t>
             </a:r>
           </a:p>
@@ -18043,10 +17235,9 @@
           </a:p>
           <a:p>
             <a:r>
-              <a:rPr lang="en-US" dirty="0" smtClean="0"/>
+              <a:rPr lang="en-US" dirty="0"/>
               <a:t>Can2: bill length distinguishes Chinstrap from others.</a:t>
             </a:r>
-            <a:endParaRPr lang="en-US" dirty="0"/>
           </a:p>
         </p:txBody>
       </p:sp>
@@ -18060,13 +17251,6 @@
   <p:clrMapOvr>
     <a:masterClrMapping/>
   </p:clrMapOvr>
-  <p:timing>
-    <p:tnLst>
-      <p:par>
-        <p:cTn id="1" dur="indefinite" restart="never" nodeType="tmRoot"/>
-      </p:par>
-    </p:tnLst>
-  </p:timing>
 </p:sld>
 </file>
 
@@ -18169,22 +17353,22 @@
           <a:p>
             <a:pPr lvl="1"/>
             <a:r>
-              <a:rPr lang="en-US" altLang="en-US" sz="1800" dirty="0" smtClean="0"/>
+              <a:rPr lang="en-US" altLang="en-US" sz="1800" dirty="0"/>
               <a:t>A constant, </a:t>
             </a:r>
             <a:r>
-              <a:rPr lang="en-US" altLang="en-US" sz="1800" b="1" dirty="0" smtClean="0"/>
+              <a:rPr lang="en-US" altLang="en-US" sz="1800" b="1" dirty="0"/>
               <a:t>1</a:t>
             </a:r>
             <a:r>
-              <a:rPr lang="en-US" altLang="en-US" sz="1800" dirty="0" smtClean="0"/>
+              <a:rPr lang="en-US" altLang="en-US" sz="1800" dirty="0"/>
               <a:t>, for the intercept (usually implicit)</a:t>
             </a:r>
           </a:p>
           <a:p>
             <a:pPr lvl="1"/>
             <a:r>
-              <a:rPr lang="en-US" altLang="en-US" sz="1800" dirty="0" smtClean="0"/>
+              <a:rPr lang="en-US" altLang="en-US" sz="1800" dirty="0"/>
               <a:t>Quantitative </a:t>
             </a:r>
             <a:r>
@@ -18265,29 +17449,8 @@
               <a:rPr lang="en-US" altLang="en-US" sz="1800" dirty="0">
                 <a:cs typeface="Arial" charset="0"/>
               </a:rPr>
-              <a:t>Interactions: treatment </a:t>
-            </a:r>
-            <a:r>
-              <a:rPr lang="en-US" altLang="en-US" sz="1800" dirty="0" smtClean="0">
-                <a:cs typeface="Arial" charset="0"/>
-              </a:rPr>
-              <a:t>* </a:t>
-            </a:r>
-            <a:r>
-              <a:rPr lang="en-US" altLang="en-US" sz="1800" dirty="0">
-                <a:cs typeface="Arial" charset="0"/>
-              </a:rPr>
-              <a:t>sex, age </a:t>
-            </a:r>
-            <a:r>
-              <a:rPr lang="en-US" altLang="en-US" sz="1800" dirty="0" smtClean="0">
-                <a:cs typeface="Arial" charset="0"/>
-              </a:rPr>
-              <a:t>* sex</a:t>
-            </a:r>
-            <a:endParaRPr lang="en-US" altLang="en-US" sz="1800" dirty="0">
-              <a:cs typeface="Arial" charset="0"/>
-            </a:endParaRPr>
+              <a:t>Interactions: treatment * sex, age * sex</a:t>
+            </a:r>
           </a:p>
         </p:txBody>
       </p:sp>
@@ -18318,63 +17481,25 @@
           <a:lstStyle/>
           <a:p>
             <a:r>
-              <a:rPr lang="en-US" sz="1600" dirty="0" smtClean="0">
-                <a:solidFill>
-                  <a:srgbClr val="FF0000"/>
-                </a:solidFill>
-                <a:latin typeface="Lucida Console" pitchFamily="49" charset="0"/>
-              </a:rPr>
-              <a:t>prestige ~ income + education                 </a:t>
-            </a:r>
-            <a:r>
-              <a:rPr lang="en-US" sz="1600" dirty="0" smtClean="0">
-                <a:solidFill>
-                  <a:srgbClr val="00B050"/>
-                </a:solidFill>
-                <a:latin typeface="Lucida Console" pitchFamily="49" charset="0"/>
-              </a:rPr>
-              <a:t># 2 main effects</a:t>
-            </a:r>
-          </a:p>
-          <a:p>
-            <a:r>
               <a:rPr lang="en-US" sz="1600" dirty="0">
                 <a:solidFill>
                   <a:srgbClr val="FF0000"/>
                 </a:solidFill>
                 <a:latin typeface="Lucida Console" pitchFamily="49" charset="0"/>
               </a:rPr>
-              <a:t>prestige ~ income </a:t>
-            </a:r>
-            <a:r>
-              <a:rPr lang="en-US" sz="1600" dirty="0" smtClean="0">
-                <a:solidFill>
-                  <a:srgbClr val="FF0000"/>
-                </a:solidFill>
-                <a:latin typeface="Lucida Console" pitchFamily="49" charset="0"/>
-              </a:rPr>
-              <a:t>* education                 </a:t>
-            </a:r>
-            <a:r>
-              <a:rPr lang="en-US" sz="1600" dirty="0" smtClean="0">
+              <a:t>prestige ~ income + education                 </a:t>
+            </a:r>
+            <a:r>
+              <a:rPr lang="en-US" sz="1600" dirty="0">
                 <a:solidFill>
                   <a:srgbClr val="00B050"/>
                 </a:solidFill>
                 <a:latin typeface="Lucida Console" pitchFamily="49" charset="0"/>
               </a:rPr>
-              <a:t># interaction</a:t>
-            </a:r>
-          </a:p>
-          <a:p>
-            <a:r>
-              <a:rPr lang="en-US" sz="1600" dirty="0" smtClean="0">
-                <a:solidFill>
-                  <a:srgbClr val="FF0000"/>
-                </a:solidFill>
-                <a:latin typeface="Lucida Console" pitchFamily="49" charset="0"/>
-              </a:rPr>
-              <a:t>prestige </a:t>
-            </a:r>
+              <a:t># 2 main effects</a:t>
+            </a:r>
+          </a:p>
+          <a:p>
             <a:r>
               <a:rPr lang="en-US" sz="1600" dirty="0">
                 <a:solidFill>
@@ -18382,17 +17507,19 @@
                 </a:solidFill>
                 <a:latin typeface="Lucida Console" pitchFamily="49" charset="0"/>
               </a:rPr>
-              <a:t>~ </a:t>
-            </a:r>
-            <a:r>
-              <a:rPr lang="en-US" sz="1600" dirty="0" smtClean="0">
+              <a:t>prestige ~ income * education                 </a:t>
+            </a:r>
+            <a:r>
+              <a:rPr lang="en-US" sz="1600" dirty="0">
                 <a:solidFill>
-                  <a:srgbClr val="FF0000"/>
+                  <a:srgbClr val="00B050"/>
                 </a:solidFill>
                 <a:latin typeface="Lucida Console" pitchFamily="49" charset="0"/>
               </a:rPr>
-              <a:t>income + education </a:t>
-            </a:r>
+              <a:t># interaction</a:t>
+            </a:r>
+          </a:p>
+          <a:p>
             <a:r>
               <a:rPr lang="en-US" sz="1600" dirty="0">
                 <a:solidFill>
@@ -18400,17 +17527,25 @@
                 </a:solidFill>
                 <a:latin typeface="Lucida Console" pitchFamily="49" charset="0"/>
               </a:rPr>
-              <a:t>+ </a:t>
-            </a:r>
-            <a:r>
-              <a:rPr lang="en-US" sz="1600" dirty="0" smtClean="0">
+              <a:t>prestige ~ income + education + women + type  </a:t>
+            </a:r>
+            <a:r>
+              <a:rPr lang="en-US" sz="1600" dirty="0">
                 <a:solidFill>
-                  <a:srgbClr val="FF0000"/>
+                  <a:srgbClr val="00B050"/>
                 </a:solidFill>
                 <a:latin typeface="Lucida Console" pitchFamily="49" charset="0"/>
               </a:rPr>
-              <a:t>women </a:t>
-            </a:r>
+              <a:t># 4 main effects</a:t>
+            </a:r>
+            <a:endParaRPr lang="en-US" sz="1600" b="1" dirty="0">
+              <a:solidFill>
+                <a:srgbClr val="00B050"/>
+              </a:solidFill>
+              <a:latin typeface="Lucida Console" pitchFamily="49" charset="0"/>
+            </a:endParaRPr>
+          </a:p>
+          <a:p>
             <a:r>
               <a:rPr lang="en-US" sz="1600" dirty="0">
                 <a:solidFill>
@@ -18418,69 +17553,7 @@
                 </a:solidFill>
                 <a:latin typeface="Lucida Console" pitchFamily="49" charset="0"/>
               </a:rPr>
-              <a:t>+ </a:t>
-            </a:r>
-            <a:r>
-              <a:rPr lang="en-US" sz="1600" dirty="0" smtClean="0">
-                <a:solidFill>
-                  <a:srgbClr val="FF0000"/>
-                </a:solidFill>
-                <a:latin typeface="Lucida Console" pitchFamily="49" charset="0"/>
-              </a:rPr>
-              <a:t>type  </a:t>
-            </a:r>
-            <a:r>
-              <a:rPr lang="en-US" sz="1600" dirty="0" smtClean="0">
-                <a:solidFill>
-                  <a:srgbClr val="00B050"/>
-                </a:solidFill>
-                <a:latin typeface="Lucida Console" pitchFamily="49" charset="0"/>
-              </a:rPr>
-              <a:t># 4 main effects</a:t>
-            </a:r>
-            <a:endParaRPr lang="en-US" sz="1600" b="1" dirty="0" smtClean="0">
-              <a:solidFill>
-                <a:srgbClr val="00B050"/>
-              </a:solidFill>
-              <a:latin typeface="Lucida Console" pitchFamily="49" charset="0"/>
-            </a:endParaRPr>
-          </a:p>
-          <a:p>
-            <a:r>
-              <a:rPr lang="en-US" sz="1600" dirty="0" smtClean="0">
-                <a:solidFill>
-                  <a:srgbClr val="FF0000"/>
-                </a:solidFill>
-                <a:latin typeface="Lucida Console" pitchFamily="49" charset="0"/>
-              </a:rPr>
-              <a:t>prestige </a:t>
-            </a:r>
-            <a:r>
-              <a:rPr lang="en-US" sz="1600" dirty="0">
-                <a:solidFill>
-                  <a:srgbClr val="FF0000"/>
-                </a:solidFill>
-                <a:latin typeface="Lucida Console" pitchFamily="49" charset="0"/>
-              </a:rPr>
-              <a:t>~ education + poly(women, 2) </a:t>
-            </a:r>
-            <a:r>
-              <a:rPr lang="en-US" sz="1600" dirty="0" smtClean="0">
-                <a:solidFill>
-                  <a:srgbClr val="FF0000"/>
-                </a:solidFill>
-                <a:latin typeface="Lucida Console" pitchFamily="49" charset="0"/>
-              </a:rPr>
-              <a:t>+ log(income</a:t>
-            </a:r>
-            <a:r>
-              <a:rPr lang="en-US" sz="1600" dirty="0">
-                <a:solidFill>
-                  <a:srgbClr val="FF0000"/>
-                </a:solidFill>
-                <a:latin typeface="Lucida Console" pitchFamily="49" charset="0"/>
-              </a:rPr>
-              <a:t>)*type</a:t>
+              <a:t>prestige ~ education + poly(women, 2) + log(income)*type</a:t>
             </a:r>
             <a:endParaRPr lang="en-US" sz="1600" dirty="0"/>
           </a:p>
@@ -18509,10 +17582,9 @@
           <a:lstStyle/>
           <a:p>
             <a:r>
-              <a:rPr lang="en-US" dirty="0" smtClean="0"/>
+              <a:rPr lang="en-US" dirty="0"/>
               <a:t>Model formulae in R define y &amp; X:</a:t>
             </a:r>
-            <a:endParaRPr lang="en-US" dirty="0"/>
           </a:p>
         </p:txBody>
       </p:sp>
@@ -18526,13 +17598,6 @@
   <p:clrMapOvr>
     <a:masterClrMapping/>
   </p:clrMapOvr>
-  <p:timing>
-    <p:tnLst>
-      <p:par>
-        <p:cTn id="1" dur="indefinite" restart="never" nodeType="tmRoot"/>
-      </p:par>
-    </p:tnLst>
-  </p:timing>
 </p:sld>
 </file>
 
@@ -18569,10 +17634,9 @@
           <a:lstStyle/>
           <a:p>
             <a:r>
-              <a:rPr lang="en-US" dirty="0" smtClean="0"/>
+              <a:rPr lang="en-US" dirty="0"/>
               <a:t>Canonical HE plot</a:t>
             </a:r>
-            <a:endParaRPr lang="en-US" dirty="0"/>
           </a:p>
         </p:txBody>
       </p:sp>
@@ -18639,13 +17703,8 @@
             </a:r>
             <a:r>
               <a:rPr lang="en-US" dirty="0"/>
-              <a:t>, size="effect", fill=c(TRUE, FALSE</a:t>
-            </a:r>
-            <a:r>
-              <a:rPr lang="en-US" dirty="0" smtClean="0"/>
-              <a:t>))</a:t>
-            </a:r>
-            <a:endParaRPr lang="en-US" dirty="0"/>
+              <a:t>, size="effect", fill=c(TRUE, FALSE))</a:t>
+            </a:r>
           </a:p>
         </p:txBody>
       </p:sp>
@@ -18702,11 +17761,11 @@
           <a:lstStyle/>
           <a:p>
             <a:r>
-              <a:rPr lang="en-US" dirty="0" smtClean="0"/>
+              <a:rPr lang="en-US" dirty="0"/>
               <a:t>Here is the </a:t>
             </a:r>
             <a:r>
-              <a:rPr lang="en-US" dirty="0" smtClean="0">
+              <a:rPr lang="en-US" dirty="0">
                 <a:solidFill>
                   <a:srgbClr val="FF0000"/>
                 </a:solidFill>
@@ -18714,7 +17773,7 @@
               <a:t>entire</a:t>
             </a:r>
             <a:r>
-              <a:rPr lang="en-US" dirty="0" smtClean="0"/>
+              <a:rPr lang="en-US" dirty="0"/>
               <a:t> effect of species shown in one HE plot</a:t>
             </a:r>
           </a:p>
@@ -18723,15 +17782,15 @@
           </a:p>
           <a:p>
             <a:r>
-              <a:rPr lang="en-US" dirty="0" smtClean="0"/>
+              <a:rPr lang="en-US" dirty="0"/>
               <a:t>In CAN space, residuals are uncorrelated: </a:t>
             </a:r>
             <a:r>
-              <a:rPr lang="en-US" b="1" dirty="0" smtClean="0"/>
+              <a:rPr lang="en-US" b="1" dirty="0"/>
               <a:t>E</a:t>
             </a:r>
             <a:r>
-              <a:rPr lang="en-US" dirty="0" smtClean="0"/>
+              <a:rPr lang="en-US" dirty="0"/>
               <a:t> = circle</a:t>
             </a:r>
           </a:p>
@@ -18740,15 +17799,15 @@
           </a:p>
           <a:p>
             <a:r>
-              <a:rPr lang="en-US" dirty="0" smtClean="0"/>
+              <a:rPr lang="en-US" dirty="0"/>
               <a:t>Size of </a:t>
             </a:r>
             <a:r>
-              <a:rPr lang="en-US" b="1" dirty="0" smtClean="0"/>
+              <a:rPr lang="en-US" b="1" dirty="0"/>
               <a:t>H</a:t>
             </a:r>
             <a:r>
-              <a:rPr lang="en-US" dirty="0" smtClean="0"/>
+              <a:rPr lang="en-US" dirty="0"/>
               <a:t> shows the total effect of species</a:t>
             </a:r>
           </a:p>
@@ -18757,10 +17816,9 @@
           </a:p>
           <a:p>
             <a:r>
-              <a:rPr lang="en-US" dirty="0" smtClean="0"/>
+              <a:rPr lang="en-US" dirty="0"/>
               <a:t>Variable vectors show how the groups are discriminated.</a:t>
             </a:r>
-            <a:endParaRPr lang="en-US" dirty="0"/>
           </a:p>
         </p:txBody>
       </p:sp>
@@ -18774,13 +17832,6 @@
   <p:clrMapOvr>
     <a:masterClrMapping/>
   </p:clrMapOvr>
-  <p:timing>
-    <p:tnLst>
-      <p:par>
-        <p:cTn id="1" dur="indefinite" restart="never" nodeType="tmRoot"/>
-      </p:par>
-    </p:tnLst>
-  </p:timing>
 </p:sld>
 </file>
 
@@ -18817,10 +17868,9 @@
           <a:lstStyle/>
           <a:p>
             <a:r>
-              <a:rPr lang="en-US" dirty="0" smtClean="0"/>
+              <a:rPr lang="en-US" dirty="0"/>
               <a:t>Summary</a:t>
             </a:r>
-            <a:endParaRPr lang="en-US" dirty="0"/>
           </a:p>
         </p:txBody>
       </p:sp>
@@ -18840,40 +17890,40 @@
           <a:lstStyle/>
           <a:p>
             <a:r>
-              <a:rPr lang="en-US" sz="2400" dirty="0" smtClean="0"/>
+              <a:rPr lang="en-US" sz="2400" dirty="0"/>
               <a:t>MLM just like univariate LM, but for multiple responses</a:t>
             </a:r>
           </a:p>
           <a:p>
             <a:pPr lvl="1"/>
             <a:r>
-              <a:rPr lang="en-US" sz="2000" dirty="0" smtClean="0"/>
+              <a:rPr lang="en-US" sz="2000" dirty="0"/>
               <a:t>Simultaneous tests – no need for p-value adjustment</a:t>
             </a:r>
           </a:p>
           <a:p>
             <a:pPr lvl="1"/>
             <a:r>
-              <a:rPr lang="en-US" sz="2000" dirty="0" smtClean="0"/>
+              <a:rPr lang="en-US" sz="2000" dirty="0"/>
               <a:t>Take correlations among responses into account</a:t>
             </a:r>
           </a:p>
           <a:p>
             <a:r>
-              <a:rPr lang="en-US" sz="2400" dirty="0" smtClean="0"/>
+              <a:rPr lang="en-US" sz="2400" dirty="0"/>
               <a:t>Data ellipses</a:t>
             </a:r>
           </a:p>
           <a:p>
             <a:pPr lvl="1"/>
             <a:r>
-              <a:rPr lang="en-US" sz="2000" dirty="0" smtClean="0"/>
+              <a:rPr lang="en-US" sz="2000" dirty="0"/>
               <a:t>Summarize bivariate data to show means, variances, correlation</a:t>
             </a:r>
           </a:p>
           <a:p>
             <a:r>
-              <a:rPr lang="en-US" sz="2400" dirty="0" smtClean="0"/>
+              <a:rPr lang="en-US" sz="2400" dirty="0"/>
               <a:t>HE framework</a:t>
             </a:r>
           </a:p>
@@ -18883,26 +17933,20 @@
               <a:rPr lang="en-US" sz="2000" dirty="0"/>
               <a:t>Visualize multivariate tests in the MLM </a:t>
             </a:r>
-            <a:endParaRPr lang="en-US" sz="2000" dirty="0" smtClean="0"/>
           </a:p>
           <a:p>
             <a:pPr lvl="1"/>
             <a:r>
               <a:rPr lang="en-US" sz="2000" dirty="0"/>
-              <a:t>Canonical </a:t>
-            </a:r>
-            <a:r>
-              <a:rPr lang="en-US" sz="2000" dirty="0" smtClean="0"/>
-              <a:t>displays show these results in the 2D (or 3D) space that accounts for largest between-group variance.</a:t>
-            </a:r>
+              <a:t>Canonical displays show these results in the 2D (or 3D) space that accounts for largest between-group variance.</a:t>
+            </a:r>
+          </a:p>
+          <a:p>
+            <a:pPr lvl="1"/>
             <a:endParaRPr lang="en-US" sz="2000" dirty="0"/>
           </a:p>
           <a:p>
-            <a:pPr lvl="1"/>
-            <a:endParaRPr lang="en-US" sz="2000" dirty="0" smtClean="0"/>
-          </a:p>
-          <a:p>
-            <a:endParaRPr lang="en-US" sz="2400" dirty="0" smtClean="0"/>
+            <a:endParaRPr lang="en-US" sz="2400" dirty="0"/>
           </a:p>
           <a:p>
             <a:pPr marL="457200" lvl="1" indent="0">
@@ -18945,13 +17989,6 @@
   <p:clrMapOvr>
     <a:masterClrMapping/>
   </p:clrMapOvr>
-  <p:timing>
-    <p:tnLst>
-      <p:par>
-        <p:cTn id="1" dur="indefinite" restart="never" nodeType="tmRoot"/>
-      </p:par>
-    </p:tnLst>
-  </p:timing>
 </p:sld>
 </file>
 
@@ -18988,10 +18025,9 @@
           <a:lstStyle/>
           <a:p>
             <a:r>
-              <a:rPr lang="en-US" dirty="0" smtClean="0"/>
+              <a:rPr lang="en-US" dirty="0"/>
               <a:t>Univariate linear model</a:t>
             </a:r>
-            <a:endParaRPr lang="en-US" dirty="0"/>
           </a:p>
         </p:txBody>
       </p:sp>
@@ -19011,7 +18047,7 @@
           <a:lstStyle/>
           <a:p>
             <a:r>
-              <a:rPr lang="en-US" dirty="0" smtClean="0"/>
+              <a:rPr lang="en-US" dirty="0"/>
               <a:t>Model</a:t>
             </a:r>
           </a:p>
@@ -19021,22 +18057,18 @@
           <a:p>
             <a:r>
               <a:rPr lang="en-US" dirty="0"/>
-              <a:t>Sums of </a:t>
-            </a:r>
-            <a:r>
-              <a:rPr lang="en-US" dirty="0" smtClean="0"/>
-              <a:t>squares</a:t>
+              <a:t>Sums of squares</a:t>
             </a:r>
           </a:p>
           <a:p>
             <a:endParaRPr lang="en-US" dirty="0"/>
           </a:p>
           <a:p>
-            <a:endParaRPr lang="en-US" dirty="0" smtClean="0"/>
-          </a:p>
-          <a:p>
-            <a:r>
-              <a:rPr lang="en-US" dirty="0" smtClean="0"/>
+            <a:endParaRPr lang="en-US" dirty="0"/>
+          </a:p>
+          <a:p>
+            <a:r>
+              <a:rPr lang="en-US" dirty="0"/>
               <a:t>Hypothesis tests</a:t>
             </a:r>
           </a:p>
@@ -19096,7 +18128,7 @@
           <a:graphicData uri="http://schemas.openxmlformats.org/presentationml/2006/ole">
             <mc:AlternateContent xmlns:mc="http://schemas.openxmlformats.org/markup-compatibility/2006">
               <mc:Choice xmlns:v="urn:schemas-microsoft-com:vml" Requires="v">
-                <p:oleObj spid="_x0000_s1183" name="Equation" r:id="rId3" imgW="1143000" imgH="330120" progId="Equation.DSMT4">
+                <p:oleObj spid="_x0000_s1191" name="Equation" r:id="rId3" imgW="1143000" imgH="330120" progId="Equation.DSMT4">
                   <p:embed/>
                 </p:oleObj>
               </mc:Choice>
@@ -19153,7 +18185,7 @@
           <a:graphicData uri="http://schemas.openxmlformats.org/presentationml/2006/ole">
             <mc:AlternateContent xmlns:mc="http://schemas.openxmlformats.org/markup-compatibility/2006">
               <mc:Choice xmlns:v="urn:schemas-microsoft-com:vml" Requires="v">
-                <p:oleObj spid="_x0000_s1184" name="Equation" r:id="rId5" imgW="1244520" imgH="291960" progId="Equation.DSMT4">
+                <p:oleObj spid="_x0000_s1192" name="Equation" r:id="rId5" imgW="1244520" imgH="291960" progId="Equation.DSMT4">
                   <p:embed/>
                 </p:oleObj>
               </mc:Choice>
@@ -19212,10 +18244,9 @@
           <a:p>
             <a:pPr algn="r"/>
             <a:r>
-              <a:rPr lang="en-US" sz="1400" dirty="0" smtClean="0"/>
+              <a:rPr lang="en-US" sz="1400" dirty="0"/>
               <a:t>matrix of predictors, factors, …</a:t>
             </a:r>
-            <a:endParaRPr lang="en-US" sz="1400" dirty="0"/>
           </a:p>
         </p:txBody>
       </p:sp>
@@ -19241,7 +18272,7 @@
           <a:graphicData uri="http://schemas.openxmlformats.org/presentationml/2006/ole">
             <mc:AlternateContent xmlns:mc="http://schemas.openxmlformats.org/markup-compatibility/2006">
               <mc:Choice xmlns:v="urn:schemas-microsoft-com:vml" Requires="v">
-                <p:oleObj spid="_x0000_s1185" name="Equation" r:id="rId7" imgW="2286000" imgH="685800" progId="Equation.DSMT4">
+                <p:oleObj spid="_x0000_s1193" name="Equation" r:id="rId7" imgW="2286000" imgH="685800" progId="Equation.DSMT4">
                   <p:embed/>
                 </p:oleObj>
               </mc:Choice>
@@ -19311,7 +18342,7 @@
           <a:graphicData uri="http://schemas.openxmlformats.org/presentationml/2006/ole">
             <mc:AlternateContent xmlns:mc="http://schemas.openxmlformats.org/markup-compatibility/2006">
               <mc:Choice xmlns:v="urn:schemas-microsoft-com:vml" Requires="v">
-                <p:oleObj spid="_x0000_s1186" name="Equation" r:id="rId9" imgW="1396800" imgH="431640" progId="Equation.DSMT4">
+                <p:oleObj spid="_x0000_s1194" name="Equation" r:id="rId9" imgW="1396800" imgH="431640" progId="Equation.DSMT4">
                   <p:embed/>
                 </p:oleObj>
               </mc:Choice>
@@ -19369,10 +18400,9 @@
           <a:lstStyle/>
           <a:p>
             <a:r>
-              <a:rPr lang="en-US" sz="1600" dirty="0" smtClean="0"/>
+              <a:rPr lang="en-US" sz="1600" dirty="0"/>
               <a:t>How big is hypothesis variation relative to error variation?</a:t>
             </a:r>
-            <a:endParaRPr lang="en-US" sz="1600" dirty="0"/>
           </a:p>
         </p:txBody>
       </p:sp>
@@ -19386,13 +18416,6 @@
   <p:clrMapOvr>
     <a:masterClrMapping/>
   </p:clrMapOvr>
-  <p:timing>
-    <p:tnLst>
-      <p:par>
-        <p:cTn id="1" dur="indefinite" restart="never" nodeType="tmRoot"/>
-      </p:par>
-    </p:tnLst>
-  </p:timing>
 </p:sld>
 </file>
 
@@ -19429,10 +18452,9 @@
           <a:lstStyle/>
           <a:p>
             <a:r>
-              <a:rPr lang="en-US" dirty="0" smtClean="0"/>
+              <a:rPr lang="en-US" dirty="0"/>
               <a:t>Multivariate linear model</a:t>
             </a:r>
-            <a:endParaRPr lang="en-US" dirty="0"/>
           </a:p>
         </p:txBody>
       </p:sp>
@@ -19452,7 +18474,7 @@
           <a:lstStyle/>
           <a:p>
             <a:r>
-              <a:rPr lang="en-US" dirty="0" smtClean="0"/>
+              <a:rPr lang="en-US" dirty="0"/>
               <a:t>Model</a:t>
             </a:r>
           </a:p>
@@ -19461,7 +18483,7 @@
           </a:p>
           <a:p>
             <a:r>
-              <a:rPr lang="en-US" dirty="0" smtClean="0"/>
+              <a:rPr lang="en-US" dirty="0"/>
               <a:t>Sums of squares &amp; cross-products</a:t>
             </a:r>
           </a:p>
@@ -19469,58 +18491,58 @@
             <a:endParaRPr lang="en-US" dirty="0"/>
           </a:p>
           <a:p>
-            <a:endParaRPr lang="en-US" dirty="0" smtClean="0"/>
-          </a:p>
-          <a:p>
-            <a:r>
-              <a:rPr lang="en-US" dirty="0" smtClean="0"/>
+            <a:endParaRPr lang="en-US" dirty="0"/>
+          </a:p>
+          <a:p>
+            <a:r>
+              <a:rPr lang="en-US" dirty="0"/>
               <a:t>Hypothesis tests</a:t>
             </a:r>
           </a:p>
           <a:p>
             <a:pPr lvl="1"/>
             <a:r>
-              <a:rPr lang="en-US" sz="2000" dirty="0" smtClean="0"/>
+              <a:rPr lang="en-US" sz="2000" dirty="0"/>
               <a:t>Eigenvalues </a:t>
             </a:r>
             <a:r>
-              <a:rPr lang="en-US" sz="2000" dirty="0" smtClean="0">
+              <a:rPr lang="en-US" sz="2000" dirty="0">
                 <a:sym typeface="Symbol"/>
               </a:rPr>
               <a:t></a:t>
             </a:r>
             <a:r>
-              <a:rPr lang="en-US" sz="2000" baseline="-25000" dirty="0" err="1" smtClean="0">
+              <a:rPr lang="en-US" sz="2000" baseline="-25000" dirty="0" err="1">
                 <a:sym typeface="Symbol"/>
               </a:rPr>
               <a:t>i</a:t>
             </a:r>
             <a:r>
-              <a:rPr lang="en-US" sz="2000" dirty="0" smtClean="0">
+              <a:rPr lang="en-US" sz="2000" dirty="0">
                 <a:sym typeface="Symbol"/>
               </a:rPr>
               <a:t>, </a:t>
             </a:r>
             <a:r>
-              <a:rPr lang="en-US" sz="2000" i="1" dirty="0" err="1" smtClean="0">
+              <a:rPr lang="en-US" sz="2000" i="1" dirty="0" err="1">
                 <a:sym typeface="Symbol"/>
               </a:rPr>
               <a:t>i</a:t>
             </a:r>
             <a:r>
-              <a:rPr lang="en-US" sz="2000" i="1" dirty="0" smtClean="0">
+              <a:rPr lang="en-US" sz="2000" i="1" dirty="0">
                 <a:sym typeface="Symbol"/>
               </a:rPr>
               <a:t>=1:p</a:t>
             </a:r>
             <a:r>
-              <a:rPr lang="en-US" sz="2000" dirty="0" smtClean="0">
+              <a:rPr lang="en-US" sz="2000" dirty="0">
                 <a:sym typeface="Symbol"/>
               </a:rPr>
               <a:t> of H E</a:t>
             </a:r>
             <a:r>
-              <a:rPr lang="en-US" sz="2000" baseline="30000" dirty="0" smtClean="0">
+              <a:rPr lang="en-US" sz="2000" baseline="30000" dirty="0">
                 <a:sym typeface="Symbol"/>
               </a:rPr>
               <a:t>-1</a:t>
@@ -19574,28 +18596,14 @@
               <a:rPr lang="en-US" altLang="en-US" sz="2000" dirty="0">
                 <a:cs typeface="Arial" charset="0"/>
               </a:rPr>
-              <a:t> trace, Roy’s </a:t>
-            </a:r>
-            <a:r>
-              <a:rPr lang="en-US" altLang="en-US" sz="2000" dirty="0" smtClean="0">
-                <a:cs typeface="Arial" charset="0"/>
-              </a:rPr>
-              <a:t>test</a:t>
+              <a:t> trace, Roy’s test</a:t>
             </a:r>
           </a:p>
           <a:p>
             <a:pPr lvl="1"/>
             <a:r>
-              <a:rPr lang="en-US" altLang="en-US" sz="2000" dirty="0" smtClean="0"/>
-              <a:t>how many dimensions </a:t>
-            </a:r>
-            <a:r>
               <a:rPr lang="en-US" altLang="en-US" sz="2000" dirty="0"/>
-              <a:t>(aspects of responses</a:t>
-            </a:r>
-            <a:r>
-              <a:rPr lang="en-US" altLang="en-US" sz="2000" dirty="0" smtClean="0"/>
-              <a:t>)?</a:t>
+              <a:t>how many dimensions (aspects of responses)?</a:t>
             </a:r>
             <a:endParaRPr lang="en-US" altLang="en-US" sz="2000" dirty="0">
               <a:cs typeface="Arial" charset="0"/>
@@ -19605,7 +18613,7 @@
             <a:pPr marL="457200" lvl="1" indent="0">
               <a:buNone/>
             </a:pPr>
-            <a:endParaRPr lang="en-US" dirty="0" smtClean="0">
+            <a:endParaRPr lang="en-US" dirty="0">
               <a:sym typeface="Symbol"/>
             </a:endParaRPr>
           </a:p>
@@ -19662,7 +18670,7 @@
           <a:graphicData uri="http://schemas.openxmlformats.org/presentationml/2006/ole">
             <mc:AlternateContent xmlns:mc="http://schemas.openxmlformats.org/markup-compatibility/2006">
               <mc:Choice xmlns:v="urn:schemas-microsoft-com:vml" Requires="v">
-                <p:oleObj spid="_x0000_s2223" name="Equation" r:id="rId3" imgW="1231560" imgH="291960" progId="Equation.DSMT4">
+                <p:oleObj spid="_x0000_s2229" name="Equation" r:id="rId3" imgW="1231560" imgH="291960" progId="Equation.DSMT4">
                   <p:embed/>
                 </p:oleObj>
               </mc:Choice>
@@ -19719,7 +18727,7 @@
           <a:graphicData uri="http://schemas.openxmlformats.org/presentationml/2006/ole">
             <mc:AlternateContent xmlns:mc="http://schemas.openxmlformats.org/markup-compatibility/2006">
               <mc:Choice xmlns:v="urn:schemas-microsoft-com:vml" Requires="v">
-                <p:oleObj spid="_x0000_s2224" name="Equation" r:id="rId5" imgW="1282680" imgH="291960" progId="Equation.DSMT4">
+                <p:oleObj spid="_x0000_s2230" name="Equation" r:id="rId5" imgW="1282680" imgH="291960" progId="Equation.DSMT4">
                   <p:embed/>
                 </p:oleObj>
               </mc:Choice>
@@ -19781,14 +18789,13 @@
               <a:t>matrix of </a:t>
             </a:r>
             <a:r>
-              <a:rPr lang="en-US" sz="1400" i="1" dirty="0" smtClean="0"/>
+              <a:rPr lang="en-US" sz="1400" i="1" dirty="0"/>
               <a:t>p</a:t>
             </a:r>
             <a:r>
-              <a:rPr lang="en-US" sz="1400" dirty="0" smtClean="0"/>
+              <a:rPr lang="en-US" sz="1400" dirty="0"/>
               <a:t> responses</a:t>
             </a:r>
-            <a:endParaRPr lang="en-US" sz="1400" dirty="0"/>
           </a:p>
         </p:txBody>
       </p:sp>
@@ -19814,7 +18821,7 @@
           <a:graphicData uri="http://schemas.openxmlformats.org/presentationml/2006/ole">
             <mc:AlternateContent xmlns:mc="http://schemas.openxmlformats.org/markup-compatibility/2006">
               <mc:Choice xmlns:v="urn:schemas-microsoft-com:vml" Requires="v">
-                <p:oleObj spid="_x0000_s2225" name="Equation" r:id="rId7" imgW="1854000" imgH="609480" progId="Equation.DSMT4">
+                <p:oleObj spid="_x0000_s2231" name="Equation" r:id="rId7" imgW="1854000" imgH="609480" progId="Equation.DSMT4">
                   <p:embed/>
                 </p:oleObj>
               </mc:Choice>
@@ -19877,15 +18884,7 @@
                   <a:prstClr val="black"/>
                 </a:solidFill>
               </a:rPr>
-              <a:t>How big is hypothesis variation relative to error variation</a:t>
-            </a:r>
-            <a:r>
-              <a:rPr lang="en-US" sz="1600" dirty="0" smtClean="0">
-                <a:solidFill>
-                  <a:prstClr val="black"/>
-                </a:solidFill>
-              </a:rPr>
-              <a:t>?</a:t>
+              <a:t>How big is hypothesis variation relative to error variation?</a:t>
             </a:r>
           </a:p>
           <a:p>
@@ -19899,7 +18898,7 @@
           <a:p>
             <a:pPr lvl="0"/>
             <a:r>
-              <a:rPr lang="en-US" sz="1600" dirty="0" smtClean="0">
+              <a:rPr lang="en-US" sz="1600" dirty="0">
                 <a:solidFill>
                   <a:prstClr val="black"/>
                 </a:solidFill>
@@ -19907,7 +18906,7 @@
               <a:t>Ah, but there are up to </a:t>
             </a:r>
             <a:r>
-              <a:rPr lang="en-US" sz="1600" i="1" dirty="0" smtClean="0">
+              <a:rPr lang="en-US" sz="1600" i="1" dirty="0">
                 <a:solidFill>
                   <a:prstClr val="black"/>
                 </a:solidFill>
@@ -19915,7 +18914,7 @@
               <a:t>s = min(p, </a:t>
             </a:r>
             <a:r>
-              <a:rPr lang="en-US" sz="1600" i="1" dirty="0" err="1" smtClean="0">
+              <a:rPr lang="en-US" sz="1600" i="1" dirty="0" err="1">
                 <a:solidFill>
                   <a:prstClr val="black"/>
                 </a:solidFill>
@@ -19923,7 +18922,7 @@
               <a:t>df</a:t>
             </a:r>
             <a:r>
-              <a:rPr lang="en-US" sz="1600" i="1" baseline="-25000" dirty="0" err="1" smtClean="0">
+              <a:rPr lang="en-US" sz="1600" i="1" baseline="-25000" dirty="0" err="1">
                 <a:solidFill>
                   <a:prstClr val="black"/>
                 </a:solidFill>
@@ -19931,7 +18930,7 @@
               <a:t>h</a:t>
             </a:r>
             <a:r>
-              <a:rPr lang="en-US" sz="1600" i="1" dirty="0" smtClean="0">
+              <a:rPr lang="en-US" sz="1600" i="1" dirty="0">
                 <a:solidFill>
                   <a:prstClr val="black"/>
                 </a:solidFill>
@@ -19939,18 +18938,13 @@
               <a:t>) </a:t>
             </a:r>
             <a:r>
-              <a:rPr lang="en-US" sz="1600" dirty="0" smtClean="0">
+              <a:rPr lang="en-US" sz="1600" dirty="0">
                 <a:solidFill>
                   <a:prstClr val="black"/>
                 </a:solidFill>
               </a:rPr>
               <a:t> dimensions of size</a:t>
             </a:r>
-            <a:endParaRPr lang="en-US" sz="1600" dirty="0">
-              <a:solidFill>
-                <a:prstClr val="black"/>
-              </a:solidFill>
-            </a:endParaRPr>
           </a:p>
         </p:txBody>
       </p:sp>
@@ -19964,13 +18958,6 @@
   <p:clrMapOvr>
     <a:masterClrMapping/>
   </p:clrMapOvr>
-  <p:timing>
-    <p:tnLst>
-      <p:par>
-        <p:cTn id="1" dur="indefinite" restart="never" nodeType="tmRoot"/>
-      </p:par>
-    </p:tnLst>
-  </p:timing>
 </p:sld>
 </file>
 
@@ -20009,10 +18996,9 @@
           <a:lstStyle/>
           <a:p>
             <a:r>
-              <a:rPr lang="en-US" dirty="0" smtClean="0"/>
+              <a:rPr lang="en-US" dirty="0"/>
               <a:t>Data ellipsoids</a:t>
             </a:r>
-            <a:endParaRPr lang="en-US" dirty="0"/>
           </a:p>
         </p:txBody>
       </p:sp>
@@ -20034,64 +19020,36 @@
           <a:lstStyle/>
           <a:p>
             <a:r>
-              <a:rPr lang="en-US" sz="2200" dirty="0" smtClean="0"/>
+              <a:rPr lang="en-US" sz="2200" dirty="0"/>
               <a:t>For a </a:t>
             </a:r>
             <a:r>
-              <a:rPr lang="en-US" sz="2200" i="1" dirty="0" smtClean="0"/>
+              <a:rPr lang="en-US" sz="2200" i="1" dirty="0"/>
               <a:t>p</a:t>
             </a:r>
             <a:r>
-              <a:rPr lang="en-US" sz="2200" dirty="0" smtClean="0"/>
-              <a:t>-dimensional </a:t>
-            </a:r>
-            <a:r>
               <a:rPr lang="en-US" sz="2200" dirty="0"/>
-              <a:t>multivariate sample</a:t>
-            </a:r>
-            <a:r>
-              <a:rPr lang="en-US" sz="2200" dirty="0" smtClean="0"/>
-              <a:t>, </a:t>
-            </a:r>
-            <a:r>
-              <a:rPr lang="en-US" sz="2200" b="1" dirty="0" err="1" smtClean="0"/>
+              <a:t>-dimensional multivariate sample, </a:t>
+            </a:r>
+            <a:r>
+              <a:rPr lang="en-US" sz="2200" b="1" dirty="0" err="1"/>
               <a:t>Y</a:t>
             </a:r>
             <a:r>
-              <a:rPr lang="en-US" sz="2200" baseline="-25000" dirty="0" err="1" smtClean="0"/>
+              <a:rPr lang="en-US" sz="2200" baseline="-25000" dirty="0" err="1"/>
               <a:t>N×p</a:t>
             </a:r>
             <a:r>
-              <a:rPr lang="en-US" sz="2200" dirty="0" smtClean="0"/>
-              <a:t> </a:t>
-            </a:r>
-            <a:r>
               <a:rPr lang="en-US" sz="2200" dirty="0"/>
-              <a:t>, the sample mean vector</a:t>
-            </a:r>
-            <a:r>
-              <a:rPr lang="en-US" sz="2200" dirty="0" smtClean="0"/>
-              <a:t>,    , </a:t>
+              <a:t> , the sample mean vector,    , and sample covariance matrix, </a:t>
+            </a:r>
+            <a:r>
+              <a:rPr lang="en-US" sz="2200" b="1" dirty="0"/>
+              <a:t>S</a:t>
             </a:r>
             <a:r>
               <a:rPr lang="en-US" sz="2200" dirty="0"/>
-              <a:t>and sample covariance </a:t>
-            </a:r>
-            <a:r>
-              <a:rPr lang="en-US" sz="2200" dirty="0" smtClean="0"/>
-              <a:t>matrix, </a:t>
-            </a:r>
-            <a:r>
-              <a:rPr lang="en-US" sz="2200" b="1" dirty="0" smtClean="0"/>
-              <a:t>S</a:t>
-            </a:r>
-            <a:r>
-              <a:rPr lang="en-US" sz="2200" dirty="0" smtClean="0"/>
-              <a:t>, </a:t>
-            </a:r>
-            <a:r>
-              <a:rPr lang="en-US" sz="2200" dirty="0"/>
-              <a:t>are </a:t>
+              <a:t>, are </a:t>
             </a:r>
             <a:r>
               <a:rPr lang="en-US" sz="2200" dirty="0">
@@ -20111,11 +19069,7 @@
             </a:r>
             <a:r>
               <a:rPr lang="en-US" sz="2200" dirty="0"/>
-              <a:t>) assumptions</a:t>
-            </a:r>
-            <a:r>
-              <a:rPr lang="en-US" sz="2200" dirty="0" smtClean="0"/>
-              <a:t>.</a:t>
+              <a:t>) assumptions.</a:t>
             </a:r>
           </a:p>
           <a:p>
@@ -20124,69 +19078,12 @@
               <a:t>These can be represented visually by the </a:t>
             </a:r>
             <a:r>
-              <a:rPr lang="en-US" sz="2400" i="1" dirty="0" smtClean="0"/>
+              <a:rPr lang="en-US" sz="2400" i="1" dirty="0"/>
               <a:t>p</a:t>
             </a:r>
             <a:r>
-              <a:rPr lang="en-US" sz="2400" dirty="0" smtClean="0"/>
+              <a:rPr lang="en-US" sz="2400" dirty="0"/>
               <a:t>-dimensional </a:t>
-            </a:r>
-            <a:r>
-              <a:rPr lang="en-US" sz="2400" dirty="0" smtClean="0">
-                <a:solidFill>
-                  <a:srgbClr val="FF0000"/>
-                </a:solidFill>
-              </a:rPr>
-              <a:t>data ellipsoid</a:t>
-            </a:r>
-            <a:r>
-              <a:rPr lang="en-US" sz="2400" dirty="0" smtClean="0"/>
-              <a:t>,         of size (“radius”) </a:t>
-            </a:r>
-            <a:r>
-              <a:rPr lang="en-US" sz="2400" i="1" dirty="0" smtClean="0"/>
-              <a:t>c</a:t>
-            </a:r>
-            <a:r>
-              <a:rPr lang="en-US" sz="2400" dirty="0" smtClean="0"/>
-              <a:t>,</a:t>
-            </a:r>
-          </a:p>
-          <a:p>
-            <a:endParaRPr lang="en-US" sz="2400" dirty="0"/>
-          </a:p>
-          <a:p>
-            <a:endParaRPr lang="en-US" sz="2400" dirty="0" smtClean="0"/>
-          </a:p>
-          <a:p>
-            <a:r>
-              <a:rPr lang="en-US" sz="2400" dirty="0" smtClean="0">
-                <a:sym typeface="Symbol"/>
-              </a:rPr>
-              <a:t></a:t>
-            </a:r>
-            <a:r>
-              <a:rPr lang="en-US" sz="2400" dirty="0" smtClean="0"/>
-              <a:t> an ellipsoid centered at the means whose size &amp; shape reflects variances &amp; </a:t>
-            </a:r>
-            <a:r>
-              <a:rPr lang="en-US" sz="2400" dirty="0" err="1" smtClean="0"/>
-              <a:t>covariances</a:t>
-            </a:r>
-            <a:endParaRPr lang="en-US" sz="2400" dirty="0" smtClean="0"/>
-          </a:p>
-          <a:p>
-            <a:r>
-              <a:rPr lang="en-US" sz="2400" dirty="0"/>
-              <a:t>We </a:t>
-            </a:r>
-            <a:r>
-              <a:rPr lang="en-US" sz="2400" dirty="0" smtClean="0"/>
-              <a:t>consider this </a:t>
-            </a:r>
-            <a:r>
-              <a:rPr lang="en-US" sz="2400" dirty="0"/>
-              <a:t>a </a:t>
             </a:r>
             <a:r>
               <a:rPr lang="en-US" sz="2400" dirty="0">
@@ -20194,27 +19091,60 @@
                   <a:srgbClr val="FF0000"/>
                 </a:solidFill>
               </a:rPr>
-              <a:t>minimally sufficient </a:t>
-            </a:r>
-            <a:r>
-              <a:rPr lang="en-US" sz="2400" dirty="0" smtClean="0">
+              <a:t>data ellipsoid</a:t>
+            </a:r>
+            <a:r>
+              <a:rPr lang="en-US" sz="2400" dirty="0"/>
+              <a:t>,         of size (“radius”) </a:t>
+            </a:r>
+            <a:r>
+              <a:rPr lang="en-US" sz="2400" i="1" dirty="0"/>
+              <a:t>c</a:t>
+            </a:r>
+            <a:r>
+              <a:rPr lang="en-US" sz="2400" dirty="0"/>
+              <a:t>,</a:t>
+            </a:r>
+          </a:p>
+          <a:p>
+            <a:endParaRPr lang="en-US" sz="2400" dirty="0"/>
+          </a:p>
+          <a:p>
+            <a:endParaRPr lang="en-US" sz="2400" dirty="0"/>
+          </a:p>
+          <a:p>
+            <a:r>
+              <a:rPr lang="en-US" sz="2400" dirty="0">
+                <a:sym typeface="Symbol"/>
+              </a:rPr>
+              <a:t></a:t>
+            </a:r>
+            <a:r>
+              <a:rPr lang="en-US" sz="2400" dirty="0"/>
+              <a:t> an ellipsoid centered at the means whose size &amp; shape reflects variances &amp; </a:t>
+            </a:r>
+            <a:r>
+              <a:rPr lang="en-US" sz="2400" dirty="0" err="1"/>
+              <a:t>covariances</a:t>
+            </a:r>
+            <a:endParaRPr lang="en-US" sz="2400" dirty="0"/>
+          </a:p>
+          <a:p>
+            <a:r>
+              <a:rPr lang="en-US" sz="2400" dirty="0"/>
+              <a:t>We consider this a </a:t>
+            </a:r>
+            <a:r>
+              <a:rPr lang="en-US" sz="2400" dirty="0">
                 <a:solidFill>
                   <a:srgbClr val="FF0000"/>
                 </a:solidFill>
               </a:rPr>
-              <a:t>visual summary </a:t>
+              <a:t>minimally sufficient visual summary </a:t>
             </a:r>
             <a:r>
               <a:rPr lang="en-US" sz="2400" dirty="0"/>
-              <a:t>of multivariate </a:t>
-            </a:r>
-            <a:r>
-              <a:rPr lang="en-US" sz="2400" dirty="0" smtClean="0"/>
-              <a:t>location and </a:t>
-            </a:r>
-            <a:r>
-              <a:rPr lang="en-US" sz="2400" dirty="0"/>
-              <a:t>scatter.</a:t>
+              <a:t>of multivariate location and scatter.</a:t>
             </a:r>
           </a:p>
           <a:p>
@@ -20270,7 +19200,7 @@
           <a:graphicData uri="http://schemas.openxmlformats.org/presentationml/2006/ole">
             <mc:AlternateContent xmlns:mc="http://schemas.openxmlformats.org/markup-compatibility/2006">
               <mc:Choice xmlns:v="urn:schemas-microsoft-com:vml" Requires="v">
-                <p:oleObj spid="_x0000_s3176" name="Equation" r:id="rId3" imgW="139680" imgH="203040" progId="Equation.DSMT4">
+                <p:oleObj spid="_x0000_s3182" name="Equation" r:id="rId3" imgW="139680" imgH="203040" progId="Equation.DSMT4">
                   <p:embed/>
                 </p:oleObj>
               </mc:Choice>
@@ -20327,7 +19257,7 @@
           <a:graphicData uri="http://schemas.openxmlformats.org/presentationml/2006/ole">
             <mc:AlternateContent xmlns:mc="http://schemas.openxmlformats.org/markup-compatibility/2006">
               <mc:Choice xmlns:v="urn:schemas-microsoft-com:vml" Requires="v">
-                <p:oleObj spid="_x0000_s3177" name="Equation" r:id="rId5" imgW="2450880" imgH="253800" progId="Equation.DSMT4">
+                <p:oleObj spid="_x0000_s3183" name="Equation" r:id="rId5" imgW="2450880" imgH="253800" progId="Equation.DSMT4">
                   <p:embed/>
                 </p:oleObj>
               </mc:Choice>
@@ -20384,7 +19314,7 @@
           <a:graphicData uri="http://schemas.openxmlformats.org/presentationml/2006/ole">
             <mc:AlternateContent xmlns:mc="http://schemas.openxmlformats.org/markup-compatibility/2006">
               <mc:Choice xmlns:v="urn:schemas-microsoft-com:vml" Requires="v">
-                <p:oleObj spid="_x0000_s3178" name="Equation" r:id="rId7" imgW="164880" imgH="228600" progId="Equation.DSMT4">
+                <p:oleObj spid="_x0000_s3184" name="Equation" r:id="rId7" imgW="164880" imgH="228600" progId="Equation.DSMT4">
                   <p:embed/>
                 </p:oleObj>
               </mc:Choice>
@@ -20429,13 +19359,6 @@
   <p:clrMapOvr>
     <a:masterClrMapping/>
   </p:clrMapOvr>
-  <p:timing>
-    <p:tnLst>
-      <p:par>
-        <p:cTn id="1" dur="indefinite" restart="never" nodeType="tmRoot"/>
-      </p:par>
-    </p:tnLst>
-  </p:timing>
 </p:sld>
 </file>
 
@@ -20474,10 +19397,9 @@
           <a:lstStyle/>
           <a:p>
             <a:r>
-              <a:rPr lang="en-US" dirty="0" smtClean="0"/>
+              <a:rPr lang="en-US" dirty="0"/>
               <a:t>Data ellipsoids: properties</a:t>
             </a:r>
-            <a:endParaRPr lang="en-US" dirty="0"/>
           </a:p>
         </p:txBody>
       </p:sp>
@@ -20497,44 +19419,40 @@
           <a:lstStyle/>
           <a:p>
             <a:r>
-              <a:rPr lang="en-US" sz="2400" dirty="0" smtClean="0"/>
+              <a:rPr lang="en-US" sz="2400" dirty="0"/>
               <a:t>Ellipsoid boundary: </a:t>
             </a:r>
             <a:r>
-              <a:rPr lang="en-US" sz="2400" dirty="0" err="1" smtClean="0"/>
+              <a:rPr lang="en-US" sz="2400" dirty="0" err="1"/>
               <a:t>Mahalanobis</a:t>
             </a:r>
             <a:r>
-              <a:rPr lang="en-US" sz="2400" dirty="0" smtClean="0"/>
+              <a:rPr lang="en-US" sz="2400" dirty="0"/>
               <a:t>  D</a:t>
             </a:r>
             <a:r>
-              <a:rPr lang="en-US" sz="2400" baseline="-25000" dirty="0" smtClean="0"/>
+              <a:rPr lang="en-US" sz="2400" baseline="-25000" dirty="0"/>
               <a:t>M</a:t>
             </a:r>
             <a:r>
-              <a:rPr lang="en-US" sz="2400" baseline="30000" dirty="0" smtClean="0"/>
+              <a:rPr lang="en-US" sz="2400" baseline="30000" dirty="0"/>
               <a:t>2</a:t>
             </a:r>
             <a:r>
-              <a:rPr lang="en-US" sz="2400" dirty="0" smtClean="0"/>
+              <a:rPr lang="en-US" sz="2400" dirty="0"/>
               <a:t> (</a:t>
             </a:r>
             <a:r>
-              <a:rPr lang="en-US" sz="2400" dirty="0" err="1" smtClean="0"/>
+              <a:rPr lang="en-US" sz="2400" dirty="0" err="1"/>
               <a:t>y</a:t>
             </a:r>
             <a:r>
-              <a:rPr lang="en-US" sz="2400" baseline="-25000" dirty="0" err="1" smtClean="0"/>
+              <a:rPr lang="en-US" sz="2400" baseline="-25000" dirty="0" err="1"/>
               <a:t>i</a:t>
             </a:r>
             <a:r>
-              <a:rPr lang="en-US" sz="2400" dirty="0" smtClean="0"/>
-              <a:t>) </a:t>
-            </a:r>
-            <a:r>
               <a:rPr lang="en-US" sz="2400" dirty="0"/>
-              <a:t>~ </a:t>
+              <a:t>) ~ </a:t>
             </a:r>
             <a:r>
               <a:rPr lang="en-US" sz="2400" dirty="0">
@@ -20559,23 +19477,23 @@
           <a:p>
             <a:pPr lvl="1"/>
             <a:r>
-              <a:rPr lang="en-US" sz="2000" i="1" dirty="0" smtClean="0"/>
+              <a:rPr lang="en-US" sz="2000" i="1" dirty="0"/>
               <a:t>p</a:t>
             </a:r>
             <a:r>
-              <a:rPr lang="en-US" sz="2000" dirty="0" smtClean="0"/>
+              <a:rPr lang="en-US" sz="2000" dirty="0"/>
               <a:t>=2: shadows generalize </a:t>
             </a:r>
             <a:r>
-              <a:rPr lang="en-US" sz="2000" dirty="0" err="1" smtClean="0"/>
+              <a:rPr lang="en-US" sz="2000" dirty="0" err="1"/>
               <a:t>univariate</a:t>
             </a:r>
             <a:r>
-              <a:rPr lang="en-US" sz="2000" dirty="0" smtClean="0"/>
+              <a:rPr lang="en-US" sz="2000" dirty="0"/>
               <a:t> </a:t>
             </a:r>
             <a:r>
-              <a:rPr lang="en-US" sz="2000" dirty="0" smtClean="0">
+              <a:rPr lang="en-US" sz="2000" dirty="0">
                 <a:solidFill>
                   <a:srgbClr val="FF0000"/>
                 </a:solidFill>
@@ -20586,11 +19504,11 @@
           <a:p>
             <a:pPr lvl="1"/>
             <a:r>
-              <a:rPr lang="en-US" sz="2000" dirty="0" smtClean="0"/>
+              <a:rPr lang="en-US" sz="2000" dirty="0"/>
               <a:t>eccentricity: precision; </a:t>
             </a:r>
             <a:r>
-              <a:rPr lang="en-US" sz="2000" dirty="0" smtClean="0">
+              <a:rPr lang="en-US" sz="2000" dirty="0">
                 <a:solidFill>
                   <a:srgbClr val="FF0000"/>
                 </a:solidFill>
@@ -20598,7 +19516,7 @@
               <a:t>visual estimate </a:t>
             </a:r>
             <a:r>
-              <a:rPr lang="en-US" sz="2000" dirty="0" smtClean="0"/>
+              <a:rPr lang="en-US" sz="2000" dirty="0"/>
               <a:t>of correlation</a:t>
             </a:r>
           </a:p>
@@ -20680,11 +19598,11 @@
           <a:lstStyle/>
           <a:p>
             <a:r>
-              <a:rPr lang="en-US" sz="1400" dirty="0" smtClean="0"/>
+              <a:rPr lang="en-US" sz="1400" dirty="0"/>
               <a:t>r </a:t>
             </a:r>
             <a:r>
-              <a:rPr lang="en-US" sz="1400" dirty="0" smtClean="0">
+              <a:rPr lang="en-US" sz="1400" dirty="0">
                 <a:sym typeface="Symbol"/>
               </a:rPr>
               <a:t> 0.5 here</a:t>
@@ -20750,13 +19668,6 @@
   <p:clrMapOvr>
     <a:masterClrMapping/>
   </p:clrMapOvr>
-  <p:timing>
-    <p:tnLst>
-      <p:par>
-        <p:cTn id="1" dur="indefinite" restart="never" nodeType="tmRoot"/>
-      </p:par>
-    </p:tnLst>
-  </p:timing>
 </p:sld>
 </file>
 
@@ -20795,10 +19706,9 @@
           <a:lstStyle/>
           <a:p>
             <a:r>
-              <a:rPr lang="en-US" dirty="0" smtClean="0"/>
+              <a:rPr lang="en-US" dirty="0"/>
               <a:t>The HE plot framework</a:t>
             </a:r>
-            <a:endParaRPr lang="en-US" dirty="0"/>
           </a:p>
         </p:txBody>
       </p:sp>
@@ -20820,70 +19730,69 @@
           <a:lstStyle/>
           <a:p>
             <a:r>
-              <a:rPr lang="en-US" sz="2800" dirty="0" smtClean="0"/>
+              <a:rPr lang="en-US" sz="2800" dirty="0"/>
               <a:t>Hypothesis-Error (HE) plots</a:t>
             </a:r>
           </a:p>
           <a:p>
             <a:pPr lvl="1"/>
             <a:r>
-              <a:rPr lang="en-US" sz="2600" dirty="0" smtClean="0"/>
+              <a:rPr lang="en-US" sz="2600" dirty="0"/>
               <a:t>Visualize multivariate tests in the MLM </a:t>
             </a:r>
           </a:p>
           <a:p>
             <a:pPr lvl="1"/>
             <a:r>
-              <a:rPr lang="en-US" sz="2600" dirty="0" smtClean="0"/>
+              <a:rPr lang="en-US" sz="2600" dirty="0"/>
               <a:t>Linear hypotheses--- lower-dimensional ellipsoids</a:t>
             </a:r>
           </a:p>
           <a:p>
             <a:pPr lvl="1"/>
             <a:r>
-              <a:rPr lang="en-US" sz="2600" dirty="0" smtClean="0"/>
+              <a:rPr lang="en-US" sz="2600" dirty="0"/>
               <a:t>Extension:  HE plot matrices</a:t>
             </a:r>
           </a:p>
           <a:p>
             <a:r>
-              <a:rPr lang="en-US" sz="2800" dirty="0" smtClean="0"/>
+              <a:rPr lang="en-US" sz="2800" dirty="0"/>
               <a:t>Canonical displays</a:t>
             </a:r>
           </a:p>
           <a:p>
             <a:pPr lvl="1"/>
             <a:r>
-              <a:rPr lang="en-US" sz="2600" dirty="0" smtClean="0"/>
+              <a:rPr lang="en-US" sz="2600" dirty="0"/>
               <a:t>low-dimensional multivariate juicers</a:t>
             </a:r>
           </a:p>
           <a:p>
             <a:pPr lvl="1"/>
             <a:r>
-              <a:rPr lang="en-US" sz="2600" dirty="0" smtClean="0"/>
+              <a:rPr lang="en-US" sz="2600" dirty="0"/>
               <a:t>shows data in the space of maximal effects</a:t>
             </a:r>
           </a:p>
           <a:p>
             <a:r>
-              <a:rPr lang="en-US" sz="2400" dirty="0" smtClean="0"/>
+              <a:rPr lang="en-US" sz="2400" dirty="0"/>
               <a:t>Covariance ellipsoids</a:t>
             </a:r>
           </a:p>
           <a:p>
             <a:pPr lvl="1"/>
             <a:r>
-              <a:rPr lang="en-US" sz="2600" dirty="0" smtClean="0"/>
+              <a:rPr lang="en-US" sz="2600" dirty="0"/>
               <a:t>visualize tests of homogeneity of covariance matrices</a:t>
             </a:r>
           </a:p>
           <a:p>
             <a:r>
-              <a:rPr lang="en-US" sz="2800" dirty="0" smtClean="0"/>
+              <a:rPr lang="en-US" sz="2800" dirty="0"/>
               <a:t>For all: robust methods are available or good research projects!</a:t>
             </a:r>
-            <a:endParaRPr lang="en-US" sz="2800" dirty="0"/>
           </a:p>
         </p:txBody>
       </p:sp>
@@ -20920,13 +19829,6 @@
   <p:clrMapOvr>
     <a:masterClrMapping/>
   </p:clrMapOvr>
-  <p:timing>
-    <p:tnLst>
-      <p:par>
-        <p:cTn id="1" dur="indefinite" restart="never" nodeType="tmRoot"/>
-      </p:par>
-    </p:tnLst>
-  </p:timing>
 </p:sld>
 </file>
 

--- a/lectures/lecture2.pptx
+++ b/lectures/lecture2.pptx
@@ -188,10 +188,6 @@
           <p14:sldIdLst>
             <p14:sldId id="309"/>
             <p14:sldId id="310"/>
-          </p14:sldIdLst>
-        </p14:section>
-        <p14:section name="Penguins" id="{C9EEE8E8-6A8F-430D-93BF-BCD340D7E9F8}">
-          <p14:sldIdLst>
             <p14:sldId id="311"/>
             <p14:sldId id="308"/>
             <p14:sldId id="312"/>
@@ -313,7 +309,7 @@
           <a:p>
             <a:fld id="{88225CEC-B4DB-421E-BD7D-F5D0F79EA658}" type="datetimeFigureOut">
               <a:rPr lang="en-US" smtClean="0"/>
-              <a:t>10/14/2020</a:t>
+              <a:t>12/31/2020</a:t>
             </a:fld>
             <a:endParaRPr lang="en-US"/>
           </a:p>
@@ -843,7 +839,7 @@
           <a:p>
             <a:fld id="{2F895662-E2E6-47BC-B493-3EA4FCF734B6}" type="datetime1">
               <a:rPr lang="en-US" smtClean="0"/>
-              <a:t>10/14/2020</a:t>
+              <a:t>12/31/2020</a:t>
             </a:fld>
             <a:endParaRPr lang="en-US"/>
           </a:p>
@@ -1011,7 +1007,7 @@
           <a:p>
             <a:fld id="{0F4BFD65-5602-4172-B54C-6A65165A1845}" type="datetime1">
               <a:rPr lang="en-US" smtClean="0"/>
-              <a:t>10/14/2020</a:t>
+              <a:t>12/31/2020</a:t>
             </a:fld>
             <a:endParaRPr lang="en-US"/>
           </a:p>
@@ -1189,7 +1185,7 @@
           <a:p>
             <a:fld id="{6CA290DE-8138-4626-BC3F-DF68A3BD09D8}" type="datetime1">
               <a:rPr lang="en-US" smtClean="0"/>
-              <a:t>10/14/2020</a:t>
+              <a:t>12/31/2020</a:t>
             </a:fld>
             <a:endParaRPr lang="en-US"/>
           </a:p>
@@ -1357,7 +1353,7 @@
           <a:p>
             <a:fld id="{E1BE8E3F-75DF-45E8-9F6B-4F2E22494A32}" type="datetime1">
               <a:rPr lang="en-US" smtClean="0"/>
-              <a:t>10/14/2020</a:t>
+              <a:t>12/31/2020</a:t>
             </a:fld>
             <a:endParaRPr lang="en-US"/>
           </a:p>
@@ -1602,7 +1598,7 @@
           <a:p>
             <a:fld id="{82F4DA82-3E7C-4CFB-A30B-53D3893EF32E}" type="datetime1">
               <a:rPr lang="en-US" smtClean="0"/>
-              <a:t>10/14/2020</a:t>
+              <a:t>12/31/2020</a:t>
             </a:fld>
             <a:endParaRPr lang="en-US"/>
           </a:p>
@@ -1887,7 +1883,7 @@
           <a:p>
             <a:fld id="{36B3D8AD-4C83-4D73-AEE7-5E801ED5356C}" type="datetime1">
               <a:rPr lang="en-US" smtClean="0"/>
-              <a:t>10/14/2020</a:t>
+              <a:t>12/31/2020</a:t>
             </a:fld>
             <a:endParaRPr lang="en-US"/>
           </a:p>
@@ -2306,7 +2302,7 @@
           <a:p>
             <a:fld id="{7E6893DB-DD64-49D6-A5C2-F6ACE2B1530B}" type="datetime1">
               <a:rPr lang="en-US" smtClean="0"/>
-              <a:t>10/14/2020</a:t>
+              <a:t>12/31/2020</a:t>
             </a:fld>
             <a:endParaRPr lang="en-US"/>
           </a:p>
@@ -2423,7 +2419,7 @@
           <a:p>
             <a:fld id="{FC0A94C3-7A0F-4E28-9A06-985C13FFBB01}" type="datetime1">
               <a:rPr lang="en-US" smtClean="0"/>
-              <a:t>10/14/2020</a:t>
+              <a:t>12/31/2020</a:t>
             </a:fld>
             <a:endParaRPr lang="en-US"/>
           </a:p>
@@ -2518,7 +2514,7 @@
           <a:p>
             <a:fld id="{8587B2D3-0011-41C0-B2C5-6B713844DB1C}" type="datetime1">
               <a:rPr lang="en-US" smtClean="0"/>
-              <a:t>10/14/2020</a:t>
+              <a:t>12/31/2020</a:t>
             </a:fld>
             <a:endParaRPr lang="en-US"/>
           </a:p>
@@ -2793,7 +2789,7 @@
           <a:p>
             <a:fld id="{B53EE19A-9EFD-417C-93CE-FC2F485F3533}" type="datetime1">
               <a:rPr lang="en-US" smtClean="0"/>
-              <a:t>10/14/2020</a:t>
+              <a:t>12/31/2020</a:t>
             </a:fld>
             <a:endParaRPr lang="en-US"/>
           </a:p>
@@ -3048,7 +3044,7 @@
           <a:p>
             <a:fld id="{87D9954C-8CD1-4968-8DFE-C7948C62F830}" type="datetime1">
               <a:rPr lang="en-US" smtClean="0"/>
-              <a:t>10/14/2020</a:t>
+              <a:t>12/31/2020</a:t>
             </a:fld>
             <a:endParaRPr lang="en-US"/>
           </a:p>
@@ -3264,7 +3260,7 @@
           <a:p>
             <a:fld id="{B4BF092D-FE75-4F27-B0C3-A897761F708C}" type="datetime1">
               <a:rPr lang="en-US" smtClean="0"/>
-              <a:t>10/14/2020</a:t>
+              <a:t>12/31/2020</a:t>
             </a:fld>
             <a:endParaRPr lang="en-US"/>
           </a:p>
@@ -3730,7 +3726,7 @@
           <a:p>
             <a:r>
               <a:rPr lang="en-US" dirty="0"/>
-              <a:t>Oct. 22, 29, Nov. 5, 2020</a:t>
+              <a:t>March, 2021</a:t>
             </a:r>
           </a:p>
           <a:p>
@@ -4956,7 +4952,19 @@
             </a:pPr>
             <a:r>
               <a:rPr lang="en-US" dirty="0"/>
-              <a:t>Combine evidence from multiple response variables (“pooling strength”)</a:t>
+              <a:t>Combine evidence from multiple response variables (“</a:t>
+            </a:r>
+            <a:r>
+              <a:rPr lang="en-US" dirty="0">
+                <a:solidFill>
+                  <a:srgbClr val="FF0000"/>
+                </a:solidFill>
+              </a:rPr>
+              <a:t>pooling strength</a:t>
+            </a:r>
+            <a:r>
+              <a:rPr lang="en-US" dirty="0"/>
+              <a:t>”)</a:t>
             </a:r>
           </a:p>
           <a:p>
@@ -5783,7 +5791,7 @@
           <a:graphicData uri="http://schemas.openxmlformats.org/presentationml/2006/ole">
             <mc:AlternateContent xmlns:mc="http://schemas.openxmlformats.org/markup-compatibility/2006">
               <mc:Choice xmlns:v="urn:schemas-microsoft-com:vml" Requires="v">
-                <p:oleObj spid="_x0000_s4174" name="Equation" r:id="rId5" imgW="393480" imgH="203040" progId="Equation.DSMT4">
+                <p:oleObj spid="_x0000_s4180" name="Equation" r:id="rId5" imgW="393480" imgH="203040" progId="Equation.DSMT4">
                   <p:embed/>
                 </p:oleObj>
               </mc:Choice>
@@ -5840,7 +5848,7 @@
           <a:graphicData uri="http://schemas.openxmlformats.org/presentationml/2006/ole">
             <mc:AlternateContent xmlns:mc="http://schemas.openxmlformats.org/markup-compatibility/2006">
               <mc:Choice xmlns:v="urn:schemas-microsoft-com:vml" Requires="v">
-                <p:oleObj spid="_x0000_s4175" name="Equation" r:id="rId7" imgW="355320" imgH="203040" progId="Equation.DSMT4">
+                <p:oleObj spid="_x0000_s4181" name="Equation" r:id="rId7" imgW="355320" imgH="203040" progId="Equation.DSMT4">
                   <p:embed/>
                 </p:oleObj>
               </mc:Choice>
@@ -7409,7 +7417,7 @@
         <p:spPr>
           <a:xfrm>
             <a:off x="7848600" y="1447800"/>
-            <a:ext cx="990600" cy="461665"/>
+            <a:ext cx="1066800" cy="646331"/>
           </a:xfrm>
           <a:prstGeom prst="rect">
             <a:avLst/>
@@ -7425,6 +7433,20 @@
             <a:r>
               <a:rPr lang="en-US" sz="1200" dirty="0"/>
               <a:t>Jittered fitted values</a:t>
+            </a:r>
+          </a:p>
+          <a:p>
+            <a:r>
+              <a:rPr lang="en-US" sz="1200" dirty="0"/>
+              <a:t>(</a:t>
+            </a:r>
+            <a:r>
+              <a:rPr lang="en-US" sz="1200" dirty="0" err="1"/>
+              <a:t>gp</a:t>
+            </a:r>
+            <a:r>
+              <a:rPr lang="en-US" sz="1200" dirty="0"/>
+              <a:t> means)</a:t>
             </a:r>
           </a:p>
         </p:txBody>
@@ -7451,7 +7473,7 @@
           <a:graphicData uri="http://schemas.openxmlformats.org/presentationml/2006/ole">
             <mc:AlternateContent xmlns:mc="http://schemas.openxmlformats.org/markup-compatibility/2006">
               <mc:Choice xmlns:v="urn:schemas-microsoft-com:vml" Requires="v">
-                <p:oleObj spid="_x0000_s5148" name="Equation" r:id="rId5" imgW="1104840" imgH="304560" progId="Equation.DSMT4">
+                <p:oleObj spid="_x0000_s5151" name="Equation" r:id="rId5" imgW="1104840" imgH="304560" progId="Equation.DSMT4">
                   <p:embed/>
                 </p:oleObj>
               </mc:Choice>
@@ -7808,7 +7830,7 @@
           <a:graphicData uri="http://schemas.openxmlformats.org/presentationml/2006/ole">
             <mc:AlternateContent xmlns:mc="http://schemas.openxmlformats.org/markup-compatibility/2006">
               <mc:Choice xmlns:v="urn:schemas-microsoft-com:vml" Requires="v">
-                <p:oleObj spid="_x0000_s7196" name="Equation" r:id="rId6" imgW="1676160" imgH="304560" progId="Equation.DSMT4">
+                <p:oleObj spid="_x0000_s7199" name="Equation" r:id="rId6" imgW="1676160" imgH="304560" progId="Equation.DSMT4">
                   <p:embed/>
                 </p:oleObj>
               </mc:Choice>
@@ -8387,7 +8409,7 @@
           <a:graphicData uri="http://schemas.openxmlformats.org/presentationml/2006/ole">
             <mc:AlternateContent xmlns:mc="http://schemas.openxmlformats.org/markup-compatibility/2006">
               <mc:Choice xmlns:v="urn:schemas-microsoft-com:vml" Requires="v">
-                <p:oleObj spid="_x0000_s6176" name="Equation" r:id="rId3" imgW="1104840" imgH="304560" progId="Equation.DSMT4">
+                <p:oleObj spid="_x0000_s6179" name="Equation" r:id="rId3" imgW="1104840" imgH="304560" progId="Equation.DSMT4">
                   <p:embed/>
                 </p:oleObj>
               </mc:Choice>
@@ -9067,7 +9089,7 @@
           <a:graphicData uri="http://schemas.openxmlformats.org/presentationml/2006/ole">
             <mc:AlternateContent xmlns:mc="http://schemas.openxmlformats.org/markup-compatibility/2006">
               <mc:Choice xmlns:v="urn:schemas-microsoft-com:vml" Requires="v">
-                <p:oleObj spid="_x0000_s12297" name="Equation" r:id="rId3" imgW="1676160" imgH="304560" progId="Equation.DSMT4">
+                <p:oleObj spid="_x0000_s12300" name="Equation" r:id="rId3" imgW="1676160" imgH="304560" progId="Equation.DSMT4">
                   <p:embed/>
                 </p:oleObj>
               </mc:Choice>
@@ -9478,7 +9500,7 @@
           <a:graphicData uri="http://schemas.openxmlformats.org/presentationml/2006/ole">
             <mc:AlternateContent xmlns:mc="http://schemas.openxmlformats.org/markup-compatibility/2006">
               <mc:Choice xmlns:v="urn:schemas-microsoft-com:vml" Requires="v">
-                <p:oleObj spid="_x0000_s11276" name="Equation" r:id="rId9" imgW="1231560" imgH="291960" progId="Equation.DSMT4">
+                <p:oleObj spid="_x0000_s11279" name="Equation" r:id="rId9" imgW="1231560" imgH="291960" progId="Equation.DSMT4">
                   <p:embed/>
                 </p:oleObj>
               </mc:Choice>
@@ -17369,30 +17391,14 @@
             <a:pPr lvl="1"/>
             <a:r>
               <a:rPr lang="en-US" altLang="en-US" sz="1800" dirty="0"/>
-              <a:t>Quantitative </a:t>
-            </a:r>
-            <a:r>
-              <a:rPr lang="en-US" altLang="en-US" sz="1800" dirty="0" err="1"/>
-              <a:t>regressors</a:t>
-            </a:r>
+              <a:t>Quantitative regressors: age, income, education</a:t>
+            </a:r>
+          </a:p>
+          <a:p>
+            <a:pPr lvl="1"/>
             <a:r>
               <a:rPr lang="en-US" altLang="en-US" sz="1800" dirty="0"/>
-              <a:t>: age, income, education</a:t>
-            </a:r>
-          </a:p>
-          <a:p>
-            <a:pPr lvl="1"/>
-            <a:r>
-              <a:rPr lang="en-US" altLang="en-US" sz="1800" dirty="0"/>
-              <a:t>Transformed </a:t>
-            </a:r>
-            <a:r>
-              <a:rPr lang="en-US" altLang="en-US" sz="1800" dirty="0" err="1"/>
-              <a:t>regressors</a:t>
-            </a:r>
-            <a:r>
-              <a:rPr lang="en-US" altLang="en-US" sz="1800" dirty="0"/>
-              <a:t>: </a:t>
+              <a:t>Transformed regressors: </a:t>
             </a:r>
             <a:r>
               <a:rPr lang="en-US" altLang="en-US" sz="1800" dirty="0">
@@ -18128,7 +18134,7 @@
           <a:graphicData uri="http://schemas.openxmlformats.org/presentationml/2006/ole">
             <mc:AlternateContent xmlns:mc="http://schemas.openxmlformats.org/markup-compatibility/2006">
               <mc:Choice xmlns:v="urn:schemas-microsoft-com:vml" Requires="v">
-                <p:oleObj spid="_x0000_s1191" name="Equation" r:id="rId3" imgW="1143000" imgH="330120" progId="Equation.DSMT4">
+                <p:oleObj spid="_x0000_s1203" name="Equation" r:id="rId3" imgW="1143000" imgH="330120" progId="Equation.DSMT4">
                   <p:embed/>
                 </p:oleObj>
               </mc:Choice>
@@ -18185,7 +18191,7 @@
           <a:graphicData uri="http://schemas.openxmlformats.org/presentationml/2006/ole">
             <mc:AlternateContent xmlns:mc="http://schemas.openxmlformats.org/markup-compatibility/2006">
               <mc:Choice xmlns:v="urn:schemas-microsoft-com:vml" Requires="v">
-                <p:oleObj spid="_x0000_s1192" name="Equation" r:id="rId5" imgW="1244520" imgH="291960" progId="Equation.DSMT4">
+                <p:oleObj spid="_x0000_s1204" name="Equation" r:id="rId5" imgW="1244520" imgH="291960" progId="Equation.DSMT4">
                   <p:embed/>
                 </p:oleObj>
               </mc:Choice>
@@ -18272,7 +18278,7 @@
           <a:graphicData uri="http://schemas.openxmlformats.org/presentationml/2006/ole">
             <mc:AlternateContent xmlns:mc="http://schemas.openxmlformats.org/markup-compatibility/2006">
               <mc:Choice xmlns:v="urn:schemas-microsoft-com:vml" Requires="v">
-                <p:oleObj spid="_x0000_s1193" name="Equation" r:id="rId7" imgW="2286000" imgH="685800" progId="Equation.DSMT4">
+                <p:oleObj spid="_x0000_s1205" name="Equation" r:id="rId7" imgW="2286000" imgH="685800" progId="Equation.DSMT4">
                   <p:embed/>
                 </p:oleObj>
               </mc:Choice>
@@ -18342,7 +18348,7 @@
           <a:graphicData uri="http://schemas.openxmlformats.org/presentationml/2006/ole">
             <mc:AlternateContent xmlns:mc="http://schemas.openxmlformats.org/markup-compatibility/2006">
               <mc:Choice xmlns:v="urn:schemas-microsoft-com:vml" Requires="v">
-                <p:oleObj spid="_x0000_s1194" name="Equation" r:id="rId9" imgW="1396800" imgH="431640" progId="Equation.DSMT4">
+                <p:oleObj spid="_x0000_s1206" name="Equation" r:id="rId9" imgW="1396800" imgH="431640" progId="Equation.DSMT4">
                   <p:embed/>
                 </p:oleObj>
               </mc:Choice>
@@ -18670,7 +18676,7 @@
           <a:graphicData uri="http://schemas.openxmlformats.org/presentationml/2006/ole">
             <mc:AlternateContent xmlns:mc="http://schemas.openxmlformats.org/markup-compatibility/2006">
               <mc:Choice xmlns:v="urn:schemas-microsoft-com:vml" Requires="v">
-                <p:oleObj spid="_x0000_s2229" name="Equation" r:id="rId3" imgW="1231560" imgH="291960" progId="Equation.DSMT4">
+                <p:oleObj spid="_x0000_s2238" name="Equation" r:id="rId3" imgW="1231560" imgH="291960" progId="Equation.DSMT4">
                   <p:embed/>
                 </p:oleObj>
               </mc:Choice>
@@ -18727,7 +18733,7 @@
           <a:graphicData uri="http://schemas.openxmlformats.org/presentationml/2006/ole">
             <mc:AlternateContent xmlns:mc="http://schemas.openxmlformats.org/markup-compatibility/2006">
               <mc:Choice xmlns:v="urn:schemas-microsoft-com:vml" Requires="v">
-                <p:oleObj spid="_x0000_s2230" name="Equation" r:id="rId5" imgW="1282680" imgH="291960" progId="Equation.DSMT4">
+                <p:oleObj spid="_x0000_s2239" name="Equation" r:id="rId5" imgW="1282680" imgH="291960" progId="Equation.DSMT4">
                   <p:embed/>
                 </p:oleObj>
               </mc:Choice>
@@ -18821,7 +18827,7 @@
           <a:graphicData uri="http://schemas.openxmlformats.org/presentationml/2006/ole">
             <mc:AlternateContent xmlns:mc="http://schemas.openxmlformats.org/markup-compatibility/2006">
               <mc:Choice xmlns:v="urn:schemas-microsoft-com:vml" Requires="v">
-                <p:oleObj spid="_x0000_s2231" name="Equation" r:id="rId7" imgW="1854000" imgH="609480" progId="Equation.DSMT4">
+                <p:oleObj spid="_x0000_s2240" name="Equation" r:id="rId7" imgW="1854000" imgH="609480" progId="Equation.DSMT4">
                   <p:embed/>
                 </p:oleObj>
               </mc:Choice>
@@ -19200,7 +19206,7 @@
           <a:graphicData uri="http://schemas.openxmlformats.org/presentationml/2006/ole">
             <mc:AlternateContent xmlns:mc="http://schemas.openxmlformats.org/markup-compatibility/2006">
               <mc:Choice xmlns:v="urn:schemas-microsoft-com:vml" Requires="v">
-                <p:oleObj spid="_x0000_s3182" name="Equation" r:id="rId3" imgW="139680" imgH="203040" progId="Equation.DSMT4">
+                <p:oleObj spid="_x0000_s3191" name="Equation" r:id="rId3" imgW="139680" imgH="203040" progId="Equation.DSMT4">
                   <p:embed/>
                 </p:oleObj>
               </mc:Choice>
@@ -19257,7 +19263,7 @@
           <a:graphicData uri="http://schemas.openxmlformats.org/presentationml/2006/ole">
             <mc:AlternateContent xmlns:mc="http://schemas.openxmlformats.org/markup-compatibility/2006">
               <mc:Choice xmlns:v="urn:schemas-microsoft-com:vml" Requires="v">
-                <p:oleObj spid="_x0000_s3183" name="Equation" r:id="rId5" imgW="2450880" imgH="253800" progId="Equation.DSMT4">
+                <p:oleObj spid="_x0000_s3192" name="Equation" r:id="rId5" imgW="2450880" imgH="253800" progId="Equation.DSMT4">
                   <p:embed/>
                 </p:oleObj>
               </mc:Choice>
@@ -19314,7 +19320,7 @@
           <a:graphicData uri="http://schemas.openxmlformats.org/presentationml/2006/ole">
             <mc:AlternateContent xmlns:mc="http://schemas.openxmlformats.org/markup-compatibility/2006">
               <mc:Choice xmlns:v="urn:schemas-microsoft-com:vml" Requires="v">
-                <p:oleObj spid="_x0000_s3184" name="Equation" r:id="rId7" imgW="164880" imgH="228600" progId="Equation.DSMT4">
+                <p:oleObj spid="_x0000_s3193" name="Equation" r:id="rId7" imgW="164880" imgH="228600" progId="Equation.DSMT4">
                   <p:embed/>
                 </p:oleObj>
               </mc:Choice>

--- a/lectures/lecture2.pptx
+++ b/lectures/lecture2.pptx
@@ -4304,7 +4304,7 @@
           <a:graphicData uri="http://schemas.openxmlformats.org/presentationml/2006/ole">
             <mc:AlternateContent xmlns:mc="http://schemas.openxmlformats.org/markup-compatibility/2006">
               <mc:Choice xmlns:v="urn:schemas-microsoft-com:vml" Requires="v">
-                <p:oleObj spid="_x0000_s3240" name="Equation" r:id="rId3" imgW="139680" imgH="203040" progId="Equation.DSMT4">
+                <p:oleObj spid="_x0000_s3248" name="Equation" r:id="rId3" imgW="139680" imgH="203040" progId="Equation.DSMT4">
                   <p:embed/>
                 </p:oleObj>
               </mc:Choice>
@@ -4361,7 +4361,7 @@
           <a:graphicData uri="http://schemas.openxmlformats.org/presentationml/2006/ole">
             <mc:AlternateContent xmlns:mc="http://schemas.openxmlformats.org/markup-compatibility/2006">
               <mc:Choice xmlns:v="urn:schemas-microsoft-com:vml" Requires="v">
-                <p:oleObj spid="_x0000_s3241" name="Equation" r:id="rId5" imgW="2450880" imgH="253800" progId="Equation.DSMT4">
+                <p:oleObj spid="_x0000_s3249" name="Equation" r:id="rId5" imgW="2450880" imgH="253800" progId="Equation.DSMT4">
                   <p:embed/>
                 </p:oleObj>
               </mc:Choice>
@@ -4418,7 +4418,7 @@
           <a:graphicData uri="http://schemas.openxmlformats.org/presentationml/2006/ole">
             <mc:AlternateContent xmlns:mc="http://schemas.openxmlformats.org/markup-compatibility/2006">
               <mc:Choice xmlns:v="urn:schemas-microsoft-com:vml" Requires="v">
-                <p:oleObj spid="_x0000_s3242" name="Equation" r:id="rId7" imgW="164880" imgH="228600" progId="Equation.DSMT4">
+                <p:oleObj spid="_x0000_s3250" name="Equation" r:id="rId7" imgW="164880" imgH="228600" progId="Equation.DSMT4">
                   <p:embed/>
                 </p:oleObj>
               </mc:Choice>
@@ -4555,7 +4555,7 @@
           <a:graphicData uri="http://schemas.openxmlformats.org/presentationml/2006/ole">
             <mc:AlternateContent xmlns:mc="http://schemas.openxmlformats.org/markup-compatibility/2006">
               <mc:Choice xmlns:v="urn:schemas-microsoft-com:vml" Requires="v">
-                <p:oleObj spid="_x0000_s3243" name="Equation" r:id="rId3" imgW="139680" imgH="203040" progId="Equation.DSMT4">
+                <p:oleObj spid="_x0000_s3251" name="Equation" r:id="rId3" imgW="139680" imgH="203040" progId="Equation.DSMT4">
                   <p:embed/>
                 </p:oleObj>
               </mc:Choice>
@@ -6809,7 +6809,7 @@
           <a:graphicData uri="http://schemas.openxmlformats.org/presentationml/2006/ole">
             <mc:AlternateContent xmlns:mc="http://schemas.openxmlformats.org/markup-compatibility/2006">
               <mc:Choice xmlns:v="urn:schemas-microsoft-com:vml" Requires="v">
-                <p:oleObj spid="_x0000_s4212" name="Equation" r:id="rId5" imgW="393480" imgH="203040" progId="Equation.DSMT4">
+                <p:oleObj spid="_x0000_s4216" name="Equation" r:id="rId5" imgW="393480" imgH="203040" progId="Equation.DSMT4">
                   <p:embed/>
                 </p:oleObj>
               </mc:Choice>
@@ -6866,7 +6866,7 @@
           <a:graphicData uri="http://schemas.openxmlformats.org/presentationml/2006/ole">
             <mc:AlternateContent xmlns:mc="http://schemas.openxmlformats.org/markup-compatibility/2006">
               <mc:Choice xmlns:v="urn:schemas-microsoft-com:vml" Requires="v">
-                <p:oleObj spid="_x0000_s4213" name="Equation" r:id="rId7" imgW="355320" imgH="203040" progId="Equation.DSMT4">
+                <p:oleObj spid="_x0000_s4217" name="Equation" r:id="rId7" imgW="355320" imgH="203040" progId="Equation.DSMT4">
                   <p:embed/>
                 </p:oleObj>
               </mc:Choice>
@@ -8491,7 +8491,7 @@
           <a:graphicData uri="http://schemas.openxmlformats.org/presentationml/2006/ole">
             <mc:AlternateContent xmlns:mc="http://schemas.openxmlformats.org/markup-compatibility/2006">
               <mc:Choice xmlns:v="urn:schemas-microsoft-com:vml" Requires="v">
-                <p:oleObj spid="_x0000_s5167" name="Equation" r:id="rId5" imgW="1104840" imgH="304560" progId="Equation.DSMT4">
+                <p:oleObj spid="_x0000_s5169" name="Equation" r:id="rId5" imgW="1104840" imgH="304560" progId="Equation.DSMT4">
                   <p:embed/>
                 </p:oleObj>
               </mc:Choice>
@@ -8993,7 +8993,7 @@
           <a:graphicData uri="http://schemas.openxmlformats.org/presentationml/2006/ole">
             <mc:AlternateContent xmlns:mc="http://schemas.openxmlformats.org/markup-compatibility/2006">
               <mc:Choice xmlns:v="urn:schemas-microsoft-com:vml" Requires="v">
-                <p:oleObj spid="_x0000_s11293" name="Equation" r:id="rId9" imgW="1231560" imgH="291960" progId="Equation.DSMT4">
+                <p:oleObj spid="_x0000_s11295" name="Equation" r:id="rId9" imgW="1231560" imgH="291960" progId="Equation.DSMT4">
                   <p:embed/>
                 </p:oleObj>
               </mc:Choice>
@@ -10211,7 +10211,7 @@
           <a:graphicData uri="http://schemas.openxmlformats.org/presentationml/2006/ole">
             <mc:AlternateContent xmlns:mc="http://schemas.openxmlformats.org/markup-compatibility/2006">
               <mc:Choice xmlns:v="urn:schemas-microsoft-com:vml" Requires="v">
-                <p:oleObj spid="_x0000_s7214" name="Equation" r:id="rId6" imgW="1676160" imgH="304560" progId="Equation.DSMT4">
+                <p:oleObj spid="_x0000_s7216" name="Equation" r:id="rId6" imgW="1676160" imgH="304560" progId="Equation.DSMT4">
                   <p:embed/>
                 </p:oleObj>
               </mc:Choice>
@@ -10790,7 +10790,7 @@
           <a:graphicData uri="http://schemas.openxmlformats.org/presentationml/2006/ole">
             <mc:AlternateContent xmlns:mc="http://schemas.openxmlformats.org/markup-compatibility/2006">
               <mc:Choice xmlns:v="urn:schemas-microsoft-com:vml" Requires="v">
-                <p:oleObj spid="_x0000_s6193" name="Equation" r:id="rId3" imgW="1104840" imgH="304560" progId="Equation.DSMT4">
+                <p:oleObj spid="_x0000_s6195" name="Equation" r:id="rId3" imgW="1104840" imgH="304560" progId="Equation.DSMT4">
                   <p:embed/>
                 </p:oleObj>
               </mc:Choice>
@@ -11470,7 +11470,7 @@
           <a:graphicData uri="http://schemas.openxmlformats.org/presentationml/2006/ole">
             <mc:AlternateContent xmlns:mc="http://schemas.openxmlformats.org/markup-compatibility/2006">
               <mc:Choice xmlns:v="urn:schemas-microsoft-com:vml" Requires="v">
-                <p:oleObj spid="_x0000_s12314" name="Equation" r:id="rId3" imgW="1676160" imgH="304560" progId="Equation.DSMT4">
+                <p:oleObj spid="_x0000_s12316" name="Equation" r:id="rId3" imgW="1676160" imgH="304560" progId="Equation.DSMT4">
                   <p:embed/>
                 </p:oleObj>
               </mc:Choice>
@@ -21147,7 +21147,7 @@
             <a:graphicData uri="http://schemas.openxmlformats.org/presentationml/2006/ole">
               <mc:AlternateContent xmlns:mc="http://schemas.openxmlformats.org/markup-compatibility/2006">
                 <mc:Choice xmlns:v="urn:schemas-microsoft-com:vml" Requires="v">
-                  <p:oleObj spid="_x0000_s14387" name="Equation" r:id="rId3" imgW="203040" imgH="253800" progId="Equation.DSMT4">
+                  <p:oleObj spid="_x0000_s14411" name="Equation" r:id="rId3" imgW="203040" imgH="253800" progId="Equation.DSMT4">
                     <p:embed/>
                   </p:oleObj>
                 </mc:Choice>
@@ -21521,7 +21521,7 @@
               <a:graphicData uri="http://schemas.openxmlformats.org/presentationml/2006/ole">
                 <mc:AlternateContent xmlns:mc="http://schemas.openxmlformats.org/markup-compatibility/2006">
                   <mc:Choice xmlns:v="urn:schemas-microsoft-com:vml" Requires="v">
-                    <p:oleObj spid="_x0000_s14388" name="Equation" r:id="rId5" imgW="190440" imgH="228600" progId="Equation.DSMT4">
+                    <p:oleObj spid="_x0000_s14412" name="Equation" r:id="rId5" imgW="190440" imgH="228600" progId="Equation.DSMT4">
                       <p:embed/>
                     </p:oleObj>
                   </mc:Choice>
@@ -21584,7 +21584,7 @@
               <a:graphicData uri="http://schemas.openxmlformats.org/presentationml/2006/ole">
                 <mc:AlternateContent xmlns:mc="http://schemas.openxmlformats.org/markup-compatibility/2006">
                   <mc:Choice xmlns:v="urn:schemas-microsoft-com:vml" Requires="v">
-                    <p:oleObj spid="_x0000_s14389" name="Equation" r:id="rId7" imgW="241200" imgH="253800" progId="Equation.DSMT4">
+                    <p:oleObj spid="_x0000_s14413" name="Equation" r:id="rId7" imgW="241200" imgH="253800" progId="Equation.DSMT4">
                       <p:embed/>
                     </p:oleObj>
                   </mc:Choice>
@@ -21667,7 +21667,7 @@
                 <a:graphicData uri="http://schemas.openxmlformats.org/presentationml/2006/ole">
                   <mc:AlternateContent xmlns:mc="http://schemas.openxmlformats.org/markup-compatibility/2006">
                     <mc:Choice xmlns:v="urn:schemas-microsoft-com:vml" Requires="v">
-                      <p:oleObj spid="_x0000_s14390" name="Equation" r:id="rId9" imgW="596880" imgH="241200" progId="Equation.DSMT4">
+                      <p:oleObj spid="_x0000_s14414" name="Equation" r:id="rId9" imgW="596880" imgH="241200" progId="Equation.DSMT4">
                         <p:embed/>
                       </p:oleObj>
                     </mc:Choice>
@@ -21793,7 +21793,7 @@
                 <a:graphicData uri="http://schemas.openxmlformats.org/presentationml/2006/ole">
                   <mc:AlternateContent xmlns:mc="http://schemas.openxmlformats.org/markup-compatibility/2006">
                     <mc:Choice xmlns:v="urn:schemas-microsoft-com:vml" Requires="v">
-                      <p:oleObj spid="_x0000_s14391" name="Equation" r:id="rId11" imgW="622080" imgH="241200" progId="Equation.DSMT4">
+                      <p:oleObj spid="_x0000_s14415" name="Equation" r:id="rId11" imgW="622080" imgH="241200" progId="Equation.DSMT4">
                         <p:embed/>
                       </p:oleObj>
                     </mc:Choice>
@@ -21919,7 +21919,7 @@
                 <a:graphicData uri="http://schemas.openxmlformats.org/presentationml/2006/ole">
                   <mc:AlternateContent xmlns:mc="http://schemas.openxmlformats.org/markup-compatibility/2006">
                     <mc:Choice xmlns:v="urn:schemas-microsoft-com:vml" Requires="v">
-                      <p:oleObj spid="_x0000_s14392" name="Equation" r:id="rId13" imgW="609480" imgH="241200" progId="Equation.DSMT4">
+                      <p:oleObj spid="_x0000_s14416" name="Equation" r:id="rId13" imgW="609480" imgH="241200" progId="Equation.DSMT4">
                         <p:embed/>
                       </p:oleObj>
                     </mc:Choice>
@@ -22047,7 +22047,7 @@
             <a:graphicData uri="http://schemas.openxmlformats.org/presentationml/2006/ole">
               <mc:AlternateContent xmlns:mc="http://schemas.openxmlformats.org/markup-compatibility/2006">
                 <mc:Choice xmlns:v="urn:schemas-microsoft-com:vml" Requires="v">
-                  <p:oleObj spid="_x0000_s14393" name="Equation" r:id="rId15" imgW="203040" imgH="253800" progId="Equation.DSMT4">
+                  <p:oleObj spid="_x0000_s14417" name="Equation" r:id="rId15" imgW="203040" imgH="253800" progId="Equation.DSMT4">
                     <p:embed/>
                   </p:oleObj>
                 </mc:Choice>
@@ -22407,7 +22407,7 @@
             <a:graphicData uri="http://schemas.openxmlformats.org/presentationml/2006/ole">
               <mc:AlternateContent xmlns:mc="http://schemas.openxmlformats.org/markup-compatibility/2006">
                 <mc:Choice xmlns:v="urn:schemas-microsoft-com:vml" Requires="v">
-                  <p:oleObj spid="_x0000_s14394" name="Equation" r:id="rId16" imgW="190440" imgH="228600" progId="Equation.DSMT4">
+                  <p:oleObj spid="_x0000_s14418" name="Equation" r:id="rId16" imgW="190440" imgH="228600" progId="Equation.DSMT4">
                     <p:embed/>
                   </p:oleObj>
                 </mc:Choice>
@@ -22476,7 +22476,7 @@
             <a:graphicData uri="http://schemas.openxmlformats.org/presentationml/2006/ole">
               <mc:AlternateContent xmlns:mc="http://schemas.openxmlformats.org/markup-compatibility/2006">
                 <mc:Choice xmlns:v="urn:schemas-microsoft-com:vml" Requires="v">
-                  <p:oleObj spid="_x0000_s14395" name="Equation" r:id="rId17" imgW="241200" imgH="253800" progId="Equation.DSMT4">
+                  <p:oleObj spid="_x0000_s14419" name="Equation" r:id="rId17" imgW="241200" imgH="253800" progId="Equation.DSMT4">
                     <p:embed/>
                   </p:oleObj>
                 </mc:Choice>
@@ -22565,7 +22565,7 @@
               <a:graphicData uri="http://schemas.openxmlformats.org/presentationml/2006/ole">
                 <mc:AlternateContent xmlns:mc="http://schemas.openxmlformats.org/markup-compatibility/2006">
                   <mc:Choice xmlns:v="urn:schemas-microsoft-com:vml" Requires="v">
-                    <p:oleObj spid="_x0000_s14396" name="Equation" r:id="rId18" imgW="596880" imgH="241200" progId="Equation.DSMT4">
+                    <p:oleObj spid="_x0000_s14420" name="Equation" r:id="rId18" imgW="596880" imgH="241200" progId="Equation.DSMT4">
                       <p:embed/>
                     </p:oleObj>
                   </mc:Choice>
@@ -22691,7 +22691,7 @@
               <a:graphicData uri="http://schemas.openxmlformats.org/presentationml/2006/ole">
                 <mc:AlternateContent xmlns:mc="http://schemas.openxmlformats.org/markup-compatibility/2006">
                   <mc:Choice xmlns:v="urn:schemas-microsoft-com:vml" Requires="v">
-                    <p:oleObj spid="_x0000_s14397" name="Equation" r:id="rId19" imgW="622080" imgH="241200" progId="Equation.DSMT4">
+                    <p:oleObj spid="_x0000_s14421" name="Equation" r:id="rId19" imgW="622080" imgH="241200" progId="Equation.DSMT4">
                       <p:embed/>
                     </p:oleObj>
                   </mc:Choice>
@@ -22817,7 +22817,7 @@
               <a:graphicData uri="http://schemas.openxmlformats.org/presentationml/2006/ole">
                 <mc:AlternateContent xmlns:mc="http://schemas.openxmlformats.org/markup-compatibility/2006">
                   <mc:Choice xmlns:v="urn:schemas-microsoft-com:vml" Requires="v">
-                    <p:oleObj spid="_x0000_s14398" name="Equation" r:id="rId20" imgW="609480" imgH="241200" progId="Equation.DSMT4">
+                    <p:oleObj spid="_x0000_s14422" name="Equation" r:id="rId20" imgW="609480" imgH="241200" progId="Equation.DSMT4">
                       <p:embed/>
                     </p:oleObj>
                   </mc:Choice>
@@ -23045,7 +23045,7 @@
           <a:graphicData uri="http://schemas.openxmlformats.org/presentationml/2006/ole">
             <mc:AlternateContent xmlns:mc="http://schemas.openxmlformats.org/markup-compatibility/2006">
               <mc:Choice xmlns:v="urn:schemas-microsoft-com:vml" Requires="v">
-                <p:oleObj spid="_x0000_s1267" name="Equation" r:id="rId3" imgW="1143000" imgH="330120" progId="Equation.DSMT4">
+                <p:oleObj spid="_x0000_s1275" name="Equation" r:id="rId3" imgW="1143000" imgH="330120" progId="Equation.DSMT4">
                   <p:embed/>
                 </p:oleObj>
               </mc:Choice>
@@ -23102,7 +23102,7 @@
           <a:graphicData uri="http://schemas.openxmlformats.org/presentationml/2006/ole">
             <mc:AlternateContent xmlns:mc="http://schemas.openxmlformats.org/markup-compatibility/2006">
               <mc:Choice xmlns:v="urn:schemas-microsoft-com:vml" Requires="v">
-                <p:oleObj spid="_x0000_s1268" name="Equation" r:id="rId5" imgW="1244520" imgH="291960" progId="Equation.DSMT4">
+                <p:oleObj spid="_x0000_s1276" name="Equation" r:id="rId5" imgW="1244520" imgH="291960" progId="Equation.DSMT4">
                   <p:embed/>
                 </p:oleObj>
               </mc:Choice>
@@ -23189,7 +23189,7 @@
           <a:graphicData uri="http://schemas.openxmlformats.org/presentationml/2006/ole">
             <mc:AlternateContent xmlns:mc="http://schemas.openxmlformats.org/markup-compatibility/2006">
               <mc:Choice xmlns:v="urn:schemas-microsoft-com:vml" Requires="v">
-                <p:oleObj spid="_x0000_s1269" name="Equation" r:id="rId7" imgW="2286000" imgH="685800" progId="Equation.DSMT4">
+                <p:oleObj spid="_x0000_s1277" name="Equation" r:id="rId7" imgW="2286000" imgH="685800" progId="Equation.DSMT4">
                   <p:embed/>
                 </p:oleObj>
               </mc:Choice>
@@ -23259,7 +23259,7 @@
           <a:graphicData uri="http://schemas.openxmlformats.org/presentationml/2006/ole">
             <mc:AlternateContent xmlns:mc="http://schemas.openxmlformats.org/markup-compatibility/2006">
               <mc:Choice xmlns:v="urn:schemas-microsoft-com:vml" Requires="v">
-                <p:oleObj spid="_x0000_s1270" name="Equation" r:id="rId9" imgW="1396800" imgH="431640" progId="Equation.DSMT4">
+                <p:oleObj spid="_x0000_s1278" name="Equation" r:id="rId9" imgW="1396800" imgH="431640" progId="Equation.DSMT4">
                   <p:embed/>
                 </p:oleObj>
               </mc:Choice>
@@ -23649,7 +23649,7 @@
           <a:graphicData uri="http://schemas.openxmlformats.org/presentationml/2006/ole">
             <mc:AlternateContent xmlns:mc="http://schemas.openxmlformats.org/markup-compatibility/2006">
               <mc:Choice xmlns:v="urn:schemas-microsoft-com:vml" Requires="v">
-                <p:oleObj spid="_x0000_s13365" name="Equation" r:id="rId4" imgW="812520" imgH="253800" progId="Equation.DSMT4">
+                <p:oleObj spid="_x0000_s13371" name="Equation" r:id="rId4" imgW="812520" imgH="253800" progId="Equation.DSMT4">
                   <p:embed/>
                 </p:oleObj>
               </mc:Choice>
@@ -23712,7 +23712,7 @@
           <a:graphicData uri="http://schemas.openxmlformats.org/presentationml/2006/ole">
             <mc:AlternateContent xmlns:mc="http://schemas.openxmlformats.org/markup-compatibility/2006">
               <mc:Choice xmlns:v="urn:schemas-microsoft-com:vml" Requires="v">
-                <p:oleObj spid="_x0000_s13366" name="Equation" r:id="rId6" imgW="838080" imgH="253800" progId="Equation.DSMT4">
+                <p:oleObj spid="_x0000_s13372" name="Equation" r:id="rId6" imgW="838080" imgH="253800" progId="Equation.DSMT4">
                   <p:embed/>
                 </p:oleObj>
               </mc:Choice>
@@ -23775,7 +23775,7 @@
           <a:graphicData uri="http://schemas.openxmlformats.org/presentationml/2006/ole">
             <mc:AlternateContent xmlns:mc="http://schemas.openxmlformats.org/markup-compatibility/2006">
               <mc:Choice xmlns:v="urn:schemas-microsoft-com:vml" Requires="v">
-                <p:oleObj spid="_x0000_s13367" name="Equation" r:id="rId8" imgW="825480" imgH="253800" progId="Equation.DSMT4">
+                <p:oleObj spid="_x0000_s13373" name="Equation" r:id="rId8" imgW="825480" imgH="253800" progId="Equation.DSMT4">
                   <p:embed/>
                 </p:oleObj>
               </mc:Choice>
@@ -24149,7 +24149,7 @@
           <a:graphicData uri="http://schemas.openxmlformats.org/presentationml/2006/ole">
             <mc:AlternateContent xmlns:mc="http://schemas.openxmlformats.org/markup-compatibility/2006">
               <mc:Choice xmlns:v="urn:schemas-microsoft-com:vml" Requires="v">
-                <p:oleObj spid="_x0000_s2280" name="Equation" r:id="rId3" imgW="1231560" imgH="291960" progId="Equation.DSMT4">
+                <p:oleObj spid="_x0000_s2286" name="Equation" r:id="rId3" imgW="1231560" imgH="291960" progId="Equation.DSMT4">
                   <p:embed/>
                 </p:oleObj>
               </mc:Choice>
@@ -24206,7 +24206,7 @@
           <a:graphicData uri="http://schemas.openxmlformats.org/presentationml/2006/ole">
             <mc:AlternateContent xmlns:mc="http://schemas.openxmlformats.org/markup-compatibility/2006">
               <mc:Choice xmlns:v="urn:schemas-microsoft-com:vml" Requires="v">
-                <p:oleObj spid="_x0000_s2281" name="Equation" r:id="rId5" imgW="1282680" imgH="291960" progId="Equation.DSMT4">
+                <p:oleObj spid="_x0000_s2287" name="Equation" r:id="rId5" imgW="1282680" imgH="291960" progId="Equation.DSMT4">
                   <p:embed/>
                 </p:oleObj>
               </mc:Choice>
@@ -24300,7 +24300,7 @@
           <a:graphicData uri="http://schemas.openxmlformats.org/presentationml/2006/ole">
             <mc:AlternateContent xmlns:mc="http://schemas.openxmlformats.org/markup-compatibility/2006">
               <mc:Choice xmlns:v="urn:schemas-microsoft-com:vml" Requires="v">
-                <p:oleObj spid="_x0000_s2282" name="Equation" r:id="rId7" imgW="1854000" imgH="609480" progId="Equation.DSMT4">
+                <p:oleObj spid="_x0000_s2288" name="Equation" r:id="rId7" imgW="1854000" imgH="609480" progId="Equation.DSMT4">
                   <p:embed/>
                 </p:oleObj>
               </mc:Choice>
@@ -25088,7 +25088,7 @@
             <a:graphicData uri="http://schemas.openxmlformats.org/presentationml/2006/ole">
               <mc:AlternateContent xmlns:mc="http://schemas.openxmlformats.org/markup-compatibility/2006">
                 <mc:Choice xmlns:v="urn:schemas-microsoft-com:vml" Requires="v">
-                  <p:oleObj spid="_x0000_s15380" name="Equation" r:id="rId8" imgW="203040" imgH="253800" progId="Equation.DSMT4">
+                  <p:oleObj spid="_x0000_s15392" name="Equation" r:id="rId8" imgW="203040" imgH="253800" progId="Equation.DSMT4">
                     <p:embed/>
                   </p:oleObj>
                 </mc:Choice>
@@ -25448,7 +25448,7 @@
             <a:graphicData uri="http://schemas.openxmlformats.org/presentationml/2006/ole">
               <mc:AlternateContent xmlns:mc="http://schemas.openxmlformats.org/markup-compatibility/2006">
                 <mc:Choice xmlns:v="urn:schemas-microsoft-com:vml" Requires="v">
-                  <p:oleObj spid="_x0000_s15381" name="Equation" r:id="rId10" imgW="190440" imgH="228600" progId="Equation.DSMT4">
+                  <p:oleObj spid="_x0000_s15393" name="Equation" r:id="rId10" imgW="190440" imgH="228600" progId="Equation.DSMT4">
                     <p:embed/>
                   </p:oleObj>
                 </mc:Choice>
@@ -25517,7 +25517,7 @@
             <a:graphicData uri="http://schemas.openxmlformats.org/presentationml/2006/ole">
               <mc:AlternateContent xmlns:mc="http://schemas.openxmlformats.org/markup-compatibility/2006">
                 <mc:Choice xmlns:v="urn:schemas-microsoft-com:vml" Requires="v">
-                  <p:oleObj spid="_x0000_s15382" name="Equation" r:id="rId12" imgW="241200" imgH="253800" progId="Equation.DSMT4">
+                  <p:oleObj spid="_x0000_s15394" name="Equation" r:id="rId12" imgW="241200" imgH="253800" progId="Equation.DSMT4">
                     <p:embed/>
                   </p:oleObj>
                 </mc:Choice>
@@ -25606,7 +25606,7 @@
               <a:graphicData uri="http://schemas.openxmlformats.org/presentationml/2006/ole">
                 <mc:AlternateContent xmlns:mc="http://schemas.openxmlformats.org/markup-compatibility/2006">
                   <mc:Choice xmlns:v="urn:schemas-microsoft-com:vml" Requires="v">
-                    <p:oleObj spid="_x0000_s15383" name="Equation" r:id="rId14" imgW="596880" imgH="241200" progId="Equation.DSMT4">
+                    <p:oleObj spid="_x0000_s15395" name="Equation" r:id="rId14" imgW="596880" imgH="241200" progId="Equation.DSMT4">
                       <p:embed/>
                     </p:oleObj>
                   </mc:Choice>
@@ -25732,7 +25732,7 @@
               <a:graphicData uri="http://schemas.openxmlformats.org/presentationml/2006/ole">
                 <mc:AlternateContent xmlns:mc="http://schemas.openxmlformats.org/markup-compatibility/2006">
                   <mc:Choice xmlns:v="urn:schemas-microsoft-com:vml" Requires="v">
-                    <p:oleObj spid="_x0000_s15384" name="Equation" r:id="rId16" imgW="622080" imgH="241200" progId="Equation.DSMT4">
+                    <p:oleObj spid="_x0000_s15396" name="Equation" r:id="rId16" imgW="622080" imgH="241200" progId="Equation.DSMT4">
                       <p:embed/>
                     </p:oleObj>
                   </mc:Choice>
@@ -25858,7 +25858,7 @@
               <a:graphicData uri="http://schemas.openxmlformats.org/presentationml/2006/ole">
                 <mc:AlternateContent xmlns:mc="http://schemas.openxmlformats.org/markup-compatibility/2006">
                   <mc:Choice xmlns:v="urn:schemas-microsoft-com:vml" Requires="v">
-                    <p:oleObj spid="_x0000_s15385" name="Equation" r:id="rId18" imgW="609480" imgH="241200" progId="Equation.DSMT4">
+                    <p:oleObj spid="_x0000_s15397" name="Equation" r:id="rId18" imgW="609480" imgH="241200" progId="Equation.DSMT4">
                       <p:embed/>
                     </p:oleObj>
                   </mc:Choice>
@@ -26705,7 +26705,7 @@
           <a:graphicData uri="http://schemas.openxmlformats.org/presentationml/2006/ole">
             <mc:AlternateContent xmlns:mc="http://schemas.openxmlformats.org/markup-compatibility/2006">
               <mc:Choice xmlns:v="urn:schemas-microsoft-com:vml" Requires="v">
-                <p:oleObj spid="_x0000_s16388" name="Equation" r:id="rId5" imgW="393480" imgH="203040" progId="Equation.DSMT4">
+                <p:oleObj spid="_x0000_s16392" name="Equation" r:id="rId5" imgW="393480" imgH="203040" progId="Equation.DSMT4">
                   <p:embed/>
                 </p:oleObj>
               </mc:Choice>
@@ -26756,7 +26756,7 @@
           <a:graphicData uri="http://schemas.openxmlformats.org/presentationml/2006/ole">
             <mc:AlternateContent xmlns:mc="http://schemas.openxmlformats.org/markup-compatibility/2006">
               <mc:Choice xmlns:v="urn:schemas-microsoft-com:vml" Requires="v">
-                <p:oleObj spid="_x0000_s16389" name="Equation" r:id="rId7" imgW="355320" imgH="203040" progId="Equation.DSMT4">
+                <p:oleObj spid="_x0000_s16393" name="Equation" r:id="rId7" imgW="355320" imgH="203040" progId="Equation.DSMT4">
                   <p:embed/>
                 </p:oleObj>
               </mc:Choice>

--- a/lectures/lecture2.pptx
+++ b/lectures/lecture2.pptx
@@ -319,7 +319,7 @@
           <a:p>
             <a:fld id="{88225CEC-B4DB-421E-BD7D-F5D0F79EA658}" type="datetimeFigureOut">
               <a:rPr lang="en-US" smtClean="0"/>
-              <a:t>2/2/2021</a:t>
+              <a:t>2/22/2021</a:t>
             </a:fld>
             <a:endParaRPr lang="en-US"/>
           </a:p>
@@ -849,7 +849,7 @@
           <a:p>
             <a:fld id="{2F895662-E2E6-47BC-B493-3EA4FCF734B6}" type="datetime1">
               <a:rPr lang="en-US" smtClean="0"/>
-              <a:t>2/2/2021</a:t>
+              <a:t>2/22/2021</a:t>
             </a:fld>
             <a:endParaRPr lang="en-US"/>
           </a:p>
@@ -1017,7 +1017,7 @@
           <a:p>
             <a:fld id="{0F4BFD65-5602-4172-B54C-6A65165A1845}" type="datetime1">
               <a:rPr lang="en-US" smtClean="0"/>
-              <a:t>2/2/2021</a:t>
+              <a:t>2/22/2021</a:t>
             </a:fld>
             <a:endParaRPr lang="en-US"/>
           </a:p>
@@ -1195,7 +1195,7 @@
           <a:p>
             <a:fld id="{6CA290DE-8138-4626-BC3F-DF68A3BD09D8}" type="datetime1">
               <a:rPr lang="en-US" smtClean="0"/>
-              <a:t>2/2/2021</a:t>
+              <a:t>2/22/2021</a:t>
             </a:fld>
             <a:endParaRPr lang="en-US"/>
           </a:p>
@@ -1363,7 +1363,7 @@
           <a:p>
             <a:fld id="{E1BE8E3F-75DF-45E8-9F6B-4F2E22494A32}" type="datetime1">
               <a:rPr lang="en-US" smtClean="0"/>
-              <a:t>2/2/2021</a:t>
+              <a:t>2/22/2021</a:t>
             </a:fld>
             <a:endParaRPr lang="en-US"/>
           </a:p>
@@ -1608,7 +1608,7 @@
           <a:p>
             <a:fld id="{82F4DA82-3E7C-4CFB-A30B-53D3893EF32E}" type="datetime1">
               <a:rPr lang="en-US" smtClean="0"/>
-              <a:t>2/2/2021</a:t>
+              <a:t>2/22/2021</a:t>
             </a:fld>
             <a:endParaRPr lang="en-US"/>
           </a:p>
@@ -1893,7 +1893,7 @@
           <a:p>
             <a:fld id="{36B3D8AD-4C83-4D73-AEE7-5E801ED5356C}" type="datetime1">
               <a:rPr lang="en-US" smtClean="0"/>
-              <a:t>2/2/2021</a:t>
+              <a:t>2/22/2021</a:t>
             </a:fld>
             <a:endParaRPr lang="en-US"/>
           </a:p>
@@ -2312,7 +2312,7 @@
           <a:p>
             <a:fld id="{7E6893DB-DD64-49D6-A5C2-F6ACE2B1530B}" type="datetime1">
               <a:rPr lang="en-US" smtClean="0"/>
-              <a:t>2/2/2021</a:t>
+              <a:t>2/22/2021</a:t>
             </a:fld>
             <a:endParaRPr lang="en-US"/>
           </a:p>
@@ -2429,7 +2429,7 @@
           <a:p>
             <a:fld id="{FC0A94C3-7A0F-4E28-9A06-985C13FFBB01}" type="datetime1">
               <a:rPr lang="en-US" smtClean="0"/>
-              <a:t>2/2/2021</a:t>
+              <a:t>2/22/2021</a:t>
             </a:fld>
             <a:endParaRPr lang="en-US"/>
           </a:p>
@@ -2524,7 +2524,7 @@
           <a:p>
             <a:fld id="{8587B2D3-0011-41C0-B2C5-6B713844DB1C}" type="datetime1">
               <a:rPr lang="en-US" smtClean="0"/>
-              <a:t>2/2/2021</a:t>
+              <a:t>2/22/2021</a:t>
             </a:fld>
             <a:endParaRPr lang="en-US"/>
           </a:p>
@@ -2799,7 +2799,7 @@
           <a:p>
             <a:fld id="{B53EE19A-9EFD-417C-93CE-FC2F485F3533}" type="datetime1">
               <a:rPr lang="en-US" smtClean="0"/>
-              <a:t>2/2/2021</a:t>
+              <a:t>2/22/2021</a:t>
             </a:fld>
             <a:endParaRPr lang="en-US"/>
           </a:p>
@@ -3054,7 +3054,7 @@
           <a:p>
             <a:fld id="{87D9954C-8CD1-4968-8DFE-C7948C62F830}" type="datetime1">
               <a:rPr lang="en-US" smtClean="0"/>
-              <a:t>2/2/2021</a:t>
+              <a:t>2/22/2021</a:t>
             </a:fld>
             <a:endParaRPr lang="en-US"/>
           </a:p>
@@ -3270,7 +3270,7 @@
           <a:p>
             <a:fld id="{B4BF092D-FE75-4F27-B0C3-A897761F708C}" type="datetime1">
               <a:rPr lang="en-US" smtClean="0"/>
-              <a:t>2/2/2021</a:t>
+              <a:t>2/22/2021</a:t>
             </a:fld>
             <a:endParaRPr lang="en-US"/>
           </a:p>
@@ -4304,7 +4304,7 @@
           <a:graphicData uri="http://schemas.openxmlformats.org/presentationml/2006/ole">
             <mc:AlternateContent xmlns:mc="http://schemas.openxmlformats.org/markup-compatibility/2006">
               <mc:Choice xmlns:v="urn:schemas-microsoft-com:vml" Requires="v">
-                <p:oleObj spid="_x0000_s3248" name="Equation" r:id="rId3" imgW="139680" imgH="203040" progId="Equation.DSMT4">
+                <p:oleObj spid="_x0000_s3260" name="Equation" r:id="rId3" imgW="139680" imgH="203040" progId="Equation.DSMT4">
                   <p:embed/>
                 </p:oleObj>
               </mc:Choice>
@@ -4361,7 +4361,7 @@
           <a:graphicData uri="http://schemas.openxmlformats.org/presentationml/2006/ole">
             <mc:AlternateContent xmlns:mc="http://schemas.openxmlformats.org/markup-compatibility/2006">
               <mc:Choice xmlns:v="urn:schemas-microsoft-com:vml" Requires="v">
-                <p:oleObj spid="_x0000_s3249" name="Equation" r:id="rId5" imgW="2450880" imgH="253800" progId="Equation.DSMT4">
+                <p:oleObj spid="_x0000_s3261" name="Equation" r:id="rId5" imgW="2450880" imgH="253800" progId="Equation.DSMT4">
                   <p:embed/>
                 </p:oleObj>
               </mc:Choice>
@@ -4418,7 +4418,7 @@
           <a:graphicData uri="http://schemas.openxmlformats.org/presentationml/2006/ole">
             <mc:AlternateContent xmlns:mc="http://schemas.openxmlformats.org/markup-compatibility/2006">
               <mc:Choice xmlns:v="urn:schemas-microsoft-com:vml" Requires="v">
-                <p:oleObj spid="_x0000_s3250" name="Equation" r:id="rId7" imgW="164880" imgH="228600" progId="Equation.DSMT4">
+                <p:oleObj spid="_x0000_s3262" name="Equation" r:id="rId7" imgW="164880" imgH="228600" progId="Equation.DSMT4">
                   <p:embed/>
                 </p:oleObj>
               </mc:Choice>
@@ -4555,7 +4555,7 @@
           <a:graphicData uri="http://schemas.openxmlformats.org/presentationml/2006/ole">
             <mc:AlternateContent xmlns:mc="http://schemas.openxmlformats.org/markup-compatibility/2006">
               <mc:Choice xmlns:v="urn:schemas-microsoft-com:vml" Requires="v">
-                <p:oleObj spid="_x0000_s3251" name="Equation" r:id="rId3" imgW="139680" imgH="203040" progId="Equation.DSMT4">
+                <p:oleObj spid="_x0000_s3263" name="Equation" r:id="rId3" imgW="139680" imgH="203040" progId="Equation.DSMT4">
                   <p:embed/>
                 </p:oleObj>
               </mc:Choice>
@@ -6809,7 +6809,7 @@
           <a:graphicData uri="http://schemas.openxmlformats.org/presentationml/2006/ole">
             <mc:AlternateContent xmlns:mc="http://schemas.openxmlformats.org/markup-compatibility/2006">
               <mc:Choice xmlns:v="urn:schemas-microsoft-com:vml" Requires="v">
-                <p:oleObj spid="_x0000_s4216" name="Equation" r:id="rId5" imgW="393480" imgH="203040" progId="Equation.DSMT4">
+                <p:oleObj spid="_x0000_s4222" name="Equation" r:id="rId5" imgW="393480" imgH="203040" progId="Equation.DSMT4">
                   <p:embed/>
                 </p:oleObj>
               </mc:Choice>
@@ -6866,7 +6866,7 @@
           <a:graphicData uri="http://schemas.openxmlformats.org/presentationml/2006/ole">
             <mc:AlternateContent xmlns:mc="http://schemas.openxmlformats.org/markup-compatibility/2006">
               <mc:Choice xmlns:v="urn:schemas-microsoft-com:vml" Requires="v">
-                <p:oleObj spid="_x0000_s4217" name="Equation" r:id="rId7" imgW="355320" imgH="203040" progId="Equation.DSMT4">
+                <p:oleObj spid="_x0000_s4223" name="Equation" r:id="rId7" imgW="355320" imgH="203040" progId="Equation.DSMT4">
                   <p:embed/>
                 </p:oleObj>
               </mc:Choice>
@@ -8491,7 +8491,7 @@
           <a:graphicData uri="http://schemas.openxmlformats.org/presentationml/2006/ole">
             <mc:AlternateContent xmlns:mc="http://schemas.openxmlformats.org/markup-compatibility/2006">
               <mc:Choice xmlns:v="urn:schemas-microsoft-com:vml" Requires="v">
-                <p:oleObj spid="_x0000_s5169" name="Equation" r:id="rId5" imgW="1104840" imgH="304560" progId="Equation.DSMT4">
+                <p:oleObj spid="_x0000_s5172" name="Equation" r:id="rId5" imgW="1104840" imgH="304560" progId="Equation.DSMT4">
                   <p:embed/>
                 </p:oleObj>
               </mc:Choice>
@@ -8993,7 +8993,7 @@
           <a:graphicData uri="http://schemas.openxmlformats.org/presentationml/2006/ole">
             <mc:AlternateContent xmlns:mc="http://schemas.openxmlformats.org/markup-compatibility/2006">
               <mc:Choice xmlns:v="urn:schemas-microsoft-com:vml" Requires="v">
-                <p:oleObj spid="_x0000_s11295" name="Equation" r:id="rId9" imgW="1231560" imgH="291960" progId="Equation.DSMT4">
+                <p:oleObj spid="_x0000_s11298" name="Equation" r:id="rId9" imgW="1231560" imgH="291960" progId="Equation.DSMT4">
                   <p:embed/>
                 </p:oleObj>
               </mc:Choice>
@@ -10211,7 +10211,7 @@
           <a:graphicData uri="http://schemas.openxmlformats.org/presentationml/2006/ole">
             <mc:AlternateContent xmlns:mc="http://schemas.openxmlformats.org/markup-compatibility/2006">
               <mc:Choice xmlns:v="urn:schemas-microsoft-com:vml" Requires="v">
-                <p:oleObj spid="_x0000_s7216" name="Equation" r:id="rId6" imgW="1676160" imgH="304560" progId="Equation.DSMT4">
+                <p:oleObj spid="_x0000_s7219" name="Equation" r:id="rId6" imgW="1676160" imgH="304560" progId="Equation.DSMT4">
                   <p:embed/>
                 </p:oleObj>
               </mc:Choice>
@@ -10790,7 +10790,7 @@
           <a:graphicData uri="http://schemas.openxmlformats.org/presentationml/2006/ole">
             <mc:AlternateContent xmlns:mc="http://schemas.openxmlformats.org/markup-compatibility/2006">
               <mc:Choice xmlns:v="urn:schemas-microsoft-com:vml" Requires="v">
-                <p:oleObj spid="_x0000_s6195" name="Equation" r:id="rId3" imgW="1104840" imgH="304560" progId="Equation.DSMT4">
+                <p:oleObj spid="_x0000_s6198" name="Equation" r:id="rId3" imgW="1104840" imgH="304560" progId="Equation.DSMT4">
                   <p:embed/>
                 </p:oleObj>
               </mc:Choice>
@@ -11470,7 +11470,7 @@
           <a:graphicData uri="http://schemas.openxmlformats.org/presentationml/2006/ole">
             <mc:AlternateContent xmlns:mc="http://schemas.openxmlformats.org/markup-compatibility/2006">
               <mc:Choice xmlns:v="urn:schemas-microsoft-com:vml" Requires="v">
-                <p:oleObj spid="_x0000_s12316" name="Equation" r:id="rId3" imgW="1676160" imgH="304560" progId="Equation.DSMT4">
+                <p:oleObj spid="_x0000_s12319" name="Equation" r:id="rId3" imgW="1676160" imgH="304560" progId="Equation.DSMT4">
                   <p:embed/>
                 </p:oleObj>
               </mc:Choice>
@@ -21147,7 +21147,7 @@
             <a:graphicData uri="http://schemas.openxmlformats.org/presentationml/2006/ole">
               <mc:AlternateContent xmlns:mc="http://schemas.openxmlformats.org/markup-compatibility/2006">
                 <mc:Choice xmlns:v="urn:schemas-microsoft-com:vml" Requires="v">
-                  <p:oleObj spid="_x0000_s14411" name="Equation" r:id="rId3" imgW="203040" imgH="253800" progId="Equation.DSMT4">
+                  <p:oleObj spid="_x0000_s14447" name="Equation" r:id="rId3" imgW="203040" imgH="253800" progId="Equation.DSMT4">
                     <p:embed/>
                   </p:oleObj>
                 </mc:Choice>
@@ -21521,7 +21521,7 @@
               <a:graphicData uri="http://schemas.openxmlformats.org/presentationml/2006/ole">
                 <mc:AlternateContent xmlns:mc="http://schemas.openxmlformats.org/markup-compatibility/2006">
                   <mc:Choice xmlns:v="urn:schemas-microsoft-com:vml" Requires="v">
-                    <p:oleObj spid="_x0000_s14412" name="Equation" r:id="rId5" imgW="190440" imgH="228600" progId="Equation.DSMT4">
+                    <p:oleObj spid="_x0000_s14448" name="Equation" r:id="rId5" imgW="190440" imgH="228600" progId="Equation.DSMT4">
                       <p:embed/>
                     </p:oleObj>
                   </mc:Choice>
@@ -21584,7 +21584,7 @@
               <a:graphicData uri="http://schemas.openxmlformats.org/presentationml/2006/ole">
                 <mc:AlternateContent xmlns:mc="http://schemas.openxmlformats.org/markup-compatibility/2006">
                   <mc:Choice xmlns:v="urn:schemas-microsoft-com:vml" Requires="v">
-                    <p:oleObj spid="_x0000_s14413" name="Equation" r:id="rId7" imgW="241200" imgH="253800" progId="Equation.DSMT4">
+                    <p:oleObj spid="_x0000_s14449" name="Equation" r:id="rId7" imgW="241200" imgH="253800" progId="Equation.DSMT4">
                       <p:embed/>
                     </p:oleObj>
                   </mc:Choice>
@@ -21667,7 +21667,7 @@
                 <a:graphicData uri="http://schemas.openxmlformats.org/presentationml/2006/ole">
                   <mc:AlternateContent xmlns:mc="http://schemas.openxmlformats.org/markup-compatibility/2006">
                     <mc:Choice xmlns:v="urn:schemas-microsoft-com:vml" Requires="v">
-                      <p:oleObj spid="_x0000_s14414" name="Equation" r:id="rId9" imgW="596880" imgH="241200" progId="Equation.DSMT4">
+                      <p:oleObj spid="_x0000_s14450" name="Equation" r:id="rId9" imgW="596880" imgH="241200" progId="Equation.DSMT4">
                         <p:embed/>
                       </p:oleObj>
                     </mc:Choice>
@@ -21793,7 +21793,7 @@
                 <a:graphicData uri="http://schemas.openxmlformats.org/presentationml/2006/ole">
                   <mc:AlternateContent xmlns:mc="http://schemas.openxmlformats.org/markup-compatibility/2006">
                     <mc:Choice xmlns:v="urn:schemas-microsoft-com:vml" Requires="v">
-                      <p:oleObj spid="_x0000_s14415" name="Equation" r:id="rId11" imgW="622080" imgH="241200" progId="Equation.DSMT4">
+                      <p:oleObj spid="_x0000_s14451" name="Equation" r:id="rId11" imgW="622080" imgH="241200" progId="Equation.DSMT4">
                         <p:embed/>
                       </p:oleObj>
                     </mc:Choice>
@@ -21919,7 +21919,7 @@
                 <a:graphicData uri="http://schemas.openxmlformats.org/presentationml/2006/ole">
                   <mc:AlternateContent xmlns:mc="http://schemas.openxmlformats.org/markup-compatibility/2006">
                     <mc:Choice xmlns:v="urn:schemas-microsoft-com:vml" Requires="v">
-                      <p:oleObj spid="_x0000_s14416" name="Equation" r:id="rId13" imgW="609480" imgH="241200" progId="Equation.DSMT4">
+                      <p:oleObj spid="_x0000_s14452" name="Equation" r:id="rId13" imgW="609480" imgH="241200" progId="Equation.DSMT4">
                         <p:embed/>
                       </p:oleObj>
                     </mc:Choice>
@@ -22047,7 +22047,7 @@
             <a:graphicData uri="http://schemas.openxmlformats.org/presentationml/2006/ole">
               <mc:AlternateContent xmlns:mc="http://schemas.openxmlformats.org/markup-compatibility/2006">
                 <mc:Choice xmlns:v="urn:schemas-microsoft-com:vml" Requires="v">
-                  <p:oleObj spid="_x0000_s14417" name="Equation" r:id="rId15" imgW="203040" imgH="253800" progId="Equation.DSMT4">
+                  <p:oleObj spid="_x0000_s14453" name="Equation" r:id="rId15" imgW="203040" imgH="253800" progId="Equation.DSMT4">
                     <p:embed/>
                   </p:oleObj>
                 </mc:Choice>
@@ -22407,7 +22407,7 @@
             <a:graphicData uri="http://schemas.openxmlformats.org/presentationml/2006/ole">
               <mc:AlternateContent xmlns:mc="http://schemas.openxmlformats.org/markup-compatibility/2006">
                 <mc:Choice xmlns:v="urn:schemas-microsoft-com:vml" Requires="v">
-                  <p:oleObj spid="_x0000_s14418" name="Equation" r:id="rId16" imgW="190440" imgH="228600" progId="Equation.DSMT4">
+                  <p:oleObj spid="_x0000_s14454" name="Equation" r:id="rId16" imgW="190440" imgH="228600" progId="Equation.DSMT4">
                     <p:embed/>
                   </p:oleObj>
                 </mc:Choice>
@@ -22476,7 +22476,7 @@
             <a:graphicData uri="http://schemas.openxmlformats.org/presentationml/2006/ole">
               <mc:AlternateContent xmlns:mc="http://schemas.openxmlformats.org/markup-compatibility/2006">
                 <mc:Choice xmlns:v="urn:schemas-microsoft-com:vml" Requires="v">
-                  <p:oleObj spid="_x0000_s14419" name="Equation" r:id="rId17" imgW="241200" imgH="253800" progId="Equation.DSMT4">
+                  <p:oleObj spid="_x0000_s14455" name="Equation" r:id="rId17" imgW="241200" imgH="253800" progId="Equation.DSMT4">
                     <p:embed/>
                   </p:oleObj>
                 </mc:Choice>
@@ -22565,7 +22565,7 @@
               <a:graphicData uri="http://schemas.openxmlformats.org/presentationml/2006/ole">
                 <mc:AlternateContent xmlns:mc="http://schemas.openxmlformats.org/markup-compatibility/2006">
                   <mc:Choice xmlns:v="urn:schemas-microsoft-com:vml" Requires="v">
-                    <p:oleObj spid="_x0000_s14420" name="Equation" r:id="rId18" imgW="596880" imgH="241200" progId="Equation.DSMT4">
+                    <p:oleObj spid="_x0000_s14456" name="Equation" r:id="rId18" imgW="596880" imgH="241200" progId="Equation.DSMT4">
                       <p:embed/>
                     </p:oleObj>
                   </mc:Choice>
@@ -22691,7 +22691,7 @@
               <a:graphicData uri="http://schemas.openxmlformats.org/presentationml/2006/ole">
                 <mc:AlternateContent xmlns:mc="http://schemas.openxmlformats.org/markup-compatibility/2006">
                   <mc:Choice xmlns:v="urn:schemas-microsoft-com:vml" Requires="v">
-                    <p:oleObj spid="_x0000_s14421" name="Equation" r:id="rId19" imgW="622080" imgH="241200" progId="Equation.DSMT4">
+                    <p:oleObj spid="_x0000_s14457" name="Equation" r:id="rId19" imgW="622080" imgH="241200" progId="Equation.DSMT4">
                       <p:embed/>
                     </p:oleObj>
                   </mc:Choice>
@@ -22817,7 +22817,7 @@
               <a:graphicData uri="http://schemas.openxmlformats.org/presentationml/2006/ole">
                 <mc:AlternateContent xmlns:mc="http://schemas.openxmlformats.org/markup-compatibility/2006">
                   <mc:Choice xmlns:v="urn:schemas-microsoft-com:vml" Requires="v">
-                    <p:oleObj spid="_x0000_s14422" name="Equation" r:id="rId20" imgW="609480" imgH="241200" progId="Equation.DSMT4">
+                    <p:oleObj spid="_x0000_s14458" name="Equation" r:id="rId20" imgW="609480" imgH="241200" progId="Equation.DSMT4">
                       <p:embed/>
                     </p:oleObj>
                   </mc:Choice>
@@ -23045,7 +23045,7 @@
           <a:graphicData uri="http://schemas.openxmlformats.org/presentationml/2006/ole">
             <mc:AlternateContent xmlns:mc="http://schemas.openxmlformats.org/markup-compatibility/2006">
               <mc:Choice xmlns:v="urn:schemas-microsoft-com:vml" Requires="v">
-                <p:oleObj spid="_x0000_s1275" name="Equation" r:id="rId3" imgW="1143000" imgH="330120" progId="Equation.DSMT4">
+                <p:oleObj spid="_x0000_s1287" name="Equation" r:id="rId3" imgW="1143000" imgH="330120" progId="Equation.DSMT4">
                   <p:embed/>
                 </p:oleObj>
               </mc:Choice>
@@ -23102,7 +23102,7 @@
           <a:graphicData uri="http://schemas.openxmlformats.org/presentationml/2006/ole">
             <mc:AlternateContent xmlns:mc="http://schemas.openxmlformats.org/markup-compatibility/2006">
               <mc:Choice xmlns:v="urn:schemas-microsoft-com:vml" Requires="v">
-                <p:oleObj spid="_x0000_s1276" name="Equation" r:id="rId5" imgW="1244520" imgH="291960" progId="Equation.DSMT4">
+                <p:oleObj spid="_x0000_s1288" name="Equation" r:id="rId5" imgW="1244520" imgH="291960" progId="Equation.DSMT4">
                   <p:embed/>
                 </p:oleObj>
               </mc:Choice>
@@ -23189,7 +23189,7 @@
           <a:graphicData uri="http://schemas.openxmlformats.org/presentationml/2006/ole">
             <mc:AlternateContent xmlns:mc="http://schemas.openxmlformats.org/markup-compatibility/2006">
               <mc:Choice xmlns:v="urn:schemas-microsoft-com:vml" Requires="v">
-                <p:oleObj spid="_x0000_s1277" name="Equation" r:id="rId7" imgW="2286000" imgH="685800" progId="Equation.DSMT4">
+                <p:oleObj spid="_x0000_s1289" name="Equation" r:id="rId7" imgW="2286000" imgH="685800" progId="Equation.DSMT4">
                   <p:embed/>
                 </p:oleObj>
               </mc:Choice>
@@ -23259,7 +23259,7 @@
           <a:graphicData uri="http://schemas.openxmlformats.org/presentationml/2006/ole">
             <mc:AlternateContent xmlns:mc="http://schemas.openxmlformats.org/markup-compatibility/2006">
               <mc:Choice xmlns:v="urn:schemas-microsoft-com:vml" Requires="v">
-                <p:oleObj spid="_x0000_s1278" name="Equation" r:id="rId9" imgW="1396800" imgH="431640" progId="Equation.DSMT4">
+                <p:oleObj spid="_x0000_s1290" name="Equation" r:id="rId9" imgW="1396800" imgH="431640" progId="Equation.DSMT4">
                   <p:embed/>
                 </p:oleObj>
               </mc:Choice>
@@ -23649,7 +23649,7 @@
           <a:graphicData uri="http://schemas.openxmlformats.org/presentationml/2006/ole">
             <mc:AlternateContent xmlns:mc="http://schemas.openxmlformats.org/markup-compatibility/2006">
               <mc:Choice xmlns:v="urn:schemas-microsoft-com:vml" Requires="v">
-                <p:oleObj spid="_x0000_s13371" name="Equation" r:id="rId4" imgW="812520" imgH="253800" progId="Equation.DSMT4">
+                <p:oleObj spid="_x0000_s13380" name="Equation" r:id="rId4" imgW="812520" imgH="253800" progId="Equation.DSMT4">
                   <p:embed/>
                 </p:oleObj>
               </mc:Choice>
@@ -23712,7 +23712,7 @@
           <a:graphicData uri="http://schemas.openxmlformats.org/presentationml/2006/ole">
             <mc:AlternateContent xmlns:mc="http://schemas.openxmlformats.org/markup-compatibility/2006">
               <mc:Choice xmlns:v="urn:schemas-microsoft-com:vml" Requires="v">
-                <p:oleObj spid="_x0000_s13372" name="Equation" r:id="rId6" imgW="838080" imgH="253800" progId="Equation.DSMT4">
+                <p:oleObj spid="_x0000_s13381" name="Equation" r:id="rId6" imgW="838080" imgH="253800" progId="Equation.DSMT4">
                   <p:embed/>
                 </p:oleObj>
               </mc:Choice>
@@ -23775,7 +23775,7 @@
           <a:graphicData uri="http://schemas.openxmlformats.org/presentationml/2006/ole">
             <mc:AlternateContent xmlns:mc="http://schemas.openxmlformats.org/markup-compatibility/2006">
               <mc:Choice xmlns:v="urn:schemas-microsoft-com:vml" Requires="v">
-                <p:oleObj spid="_x0000_s13373" name="Equation" r:id="rId8" imgW="825480" imgH="253800" progId="Equation.DSMT4">
+                <p:oleObj spid="_x0000_s13382" name="Equation" r:id="rId8" imgW="825480" imgH="253800" progId="Equation.DSMT4">
                   <p:embed/>
                 </p:oleObj>
               </mc:Choice>
@@ -24149,7 +24149,7 @@
           <a:graphicData uri="http://schemas.openxmlformats.org/presentationml/2006/ole">
             <mc:AlternateContent xmlns:mc="http://schemas.openxmlformats.org/markup-compatibility/2006">
               <mc:Choice xmlns:v="urn:schemas-microsoft-com:vml" Requires="v">
-                <p:oleObj spid="_x0000_s2286" name="Equation" r:id="rId3" imgW="1231560" imgH="291960" progId="Equation.DSMT4">
+                <p:oleObj spid="_x0000_s2295" name="Equation" r:id="rId3" imgW="1231560" imgH="291960" progId="Equation.DSMT4">
                   <p:embed/>
                 </p:oleObj>
               </mc:Choice>
@@ -24206,7 +24206,7 @@
           <a:graphicData uri="http://schemas.openxmlformats.org/presentationml/2006/ole">
             <mc:AlternateContent xmlns:mc="http://schemas.openxmlformats.org/markup-compatibility/2006">
               <mc:Choice xmlns:v="urn:schemas-microsoft-com:vml" Requires="v">
-                <p:oleObj spid="_x0000_s2287" name="Equation" r:id="rId5" imgW="1282680" imgH="291960" progId="Equation.DSMT4">
+                <p:oleObj spid="_x0000_s2296" name="Equation" r:id="rId5" imgW="1282680" imgH="291960" progId="Equation.DSMT4">
                   <p:embed/>
                 </p:oleObj>
               </mc:Choice>
@@ -24300,7 +24300,7 @@
           <a:graphicData uri="http://schemas.openxmlformats.org/presentationml/2006/ole">
             <mc:AlternateContent xmlns:mc="http://schemas.openxmlformats.org/markup-compatibility/2006">
               <mc:Choice xmlns:v="urn:schemas-microsoft-com:vml" Requires="v">
-                <p:oleObj spid="_x0000_s2288" name="Equation" r:id="rId7" imgW="1854000" imgH="609480" progId="Equation.DSMT4">
+                <p:oleObj spid="_x0000_s2297" name="Equation" r:id="rId7" imgW="1854000" imgH="609480" progId="Equation.DSMT4">
                   <p:embed/>
                 </p:oleObj>
               </mc:Choice>
@@ -25088,7 +25088,7 @@
             <a:graphicData uri="http://schemas.openxmlformats.org/presentationml/2006/ole">
               <mc:AlternateContent xmlns:mc="http://schemas.openxmlformats.org/markup-compatibility/2006">
                 <mc:Choice xmlns:v="urn:schemas-microsoft-com:vml" Requires="v">
-                  <p:oleObj spid="_x0000_s15392" name="Equation" r:id="rId8" imgW="203040" imgH="253800" progId="Equation.DSMT4">
+                  <p:oleObj spid="_x0000_s15410" name="Equation" r:id="rId8" imgW="203040" imgH="253800" progId="Equation.DSMT4">
                     <p:embed/>
                   </p:oleObj>
                 </mc:Choice>
@@ -25448,7 +25448,7 @@
             <a:graphicData uri="http://schemas.openxmlformats.org/presentationml/2006/ole">
               <mc:AlternateContent xmlns:mc="http://schemas.openxmlformats.org/markup-compatibility/2006">
                 <mc:Choice xmlns:v="urn:schemas-microsoft-com:vml" Requires="v">
-                  <p:oleObj spid="_x0000_s15393" name="Equation" r:id="rId10" imgW="190440" imgH="228600" progId="Equation.DSMT4">
+                  <p:oleObj spid="_x0000_s15411" name="Equation" r:id="rId10" imgW="190440" imgH="228600" progId="Equation.DSMT4">
                     <p:embed/>
                   </p:oleObj>
                 </mc:Choice>
@@ -25517,7 +25517,7 @@
             <a:graphicData uri="http://schemas.openxmlformats.org/presentationml/2006/ole">
               <mc:AlternateContent xmlns:mc="http://schemas.openxmlformats.org/markup-compatibility/2006">
                 <mc:Choice xmlns:v="urn:schemas-microsoft-com:vml" Requires="v">
-                  <p:oleObj spid="_x0000_s15394" name="Equation" r:id="rId12" imgW="241200" imgH="253800" progId="Equation.DSMT4">
+                  <p:oleObj spid="_x0000_s15412" name="Equation" r:id="rId12" imgW="241200" imgH="253800" progId="Equation.DSMT4">
                     <p:embed/>
                   </p:oleObj>
                 </mc:Choice>
@@ -25606,7 +25606,7 @@
               <a:graphicData uri="http://schemas.openxmlformats.org/presentationml/2006/ole">
                 <mc:AlternateContent xmlns:mc="http://schemas.openxmlformats.org/markup-compatibility/2006">
                   <mc:Choice xmlns:v="urn:schemas-microsoft-com:vml" Requires="v">
-                    <p:oleObj spid="_x0000_s15395" name="Equation" r:id="rId14" imgW="596880" imgH="241200" progId="Equation.DSMT4">
+                    <p:oleObj spid="_x0000_s15413" name="Equation" r:id="rId14" imgW="596880" imgH="241200" progId="Equation.DSMT4">
                       <p:embed/>
                     </p:oleObj>
                   </mc:Choice>
@@ -25732,7 +25732,7 @@
               <a:graphicData uri="http://schemas.openxmlformats.org/presentationml/2006/ole">
                 <mc:AlternateContent xmlns:mc="http://schemas.openxmlformats.org/markup-compatibility/2006">
                   <mc:Choice xmlns:v="urn:schemas-microsoft-com:vml" Requires="v">
-                    <p:oleObj spid="_x0000_s15396" name="Equation" r:id="rId16" imgW="622080" imgH="241200" progId="Equation.DSMT4">
+                    <p:oleObj spid="_x0000_s15414" name="Equation" r:id="rId16" imgW="622080" imgH="241200" progId="Equation.DSMT4">
                       <p:embed/>
                     </p:oleObj>
                   </mc:Choice>
@@ -25858,7 +25858,7 @@
               <a:graphicData uri="http://schemas.openxmlformats.org/presentationml/2006/ole">
                 <mc:AlternateContent xmlns:mc="http://schemas.openxmlformats.org/markup-compatibility/2006">
                   <mc:Choice xmlns:v="urn:schemas-microsoft-com:vml" Requires="v">
-                    <p:oleObj spid="_x0000_s15397" name="Equation" r:id="rId18" imgW="609480" imgH="241200" progId="Equation.DSMT4">
+                    <p:oleObj spid="_x0000_s15415" name="Equation" r:id="rId18" imgW="609480" imgH="241200" progId="Equation.DSMT4">
                       <p:embed/>
                     </p:oleObj>
                   </mc:Choice>
@@ -26705,7 +26705,7 @@
           <a:graphicData uri="http://schemas.openxmlformats.org/presentationml/2006/ole">
             <mc:AlternateContent xmlns:mc="http://schemas.openxmlformats.org/markup-compatibility/2006">
               <mc:Choice xmlns:v="urn:schemas-microsoft-com:vml" Requires="v">
-                <p:oleObj spid="_x0000_s16392" name="Equation" r:id="rId5" imgW="393480" imgH="203040" progId="Equation.DSMT4">
+                <p:oleObj spid="_x0000_s16398" name="Equation" r:id="rId5" imgW="393480" imgH="203040" progId="Equation.DSMT4">
                   <p:embed/>
                 </p:oleObj>
               </mc:Choice>
@@ -26756,7 +26756,7 @@
           <a:graphicData uri="http://schemas.openxmlformats.org/presentationml/2006/ole">
             <mc:AlternateContent xmlns:mc="http://schemas.openxmlformats.org/markup-compatibility/2006">
               <mc:Choice xmlns:v="urn:schemas-microsoft-com:vml" Requires="v">
-                <p:oleObj spid="_x0000_s16393" name="Equation" r:id="rId7" imgW="355320" imgH="203040" progId="Equation.DSMT4">
+                <p:oleObj spid="_x0000_s16399" name="Equation" r:id="rId7" imgW="355320" imgH="203040" progId="Equation.DSMT4">
                   <p:embed/>
                 </p:oleObj>
               </mc:Choice>

--- a/lectures/lecture2.pptx
+++ b/lectures/lecture2.pptx
@@ -319,7 +319,7 @@
           <a:p>
             <a:fld id="{88225CEC-B4DB-421E-BD7D-F5D0F79EA658}" type="datetimeFigureOut">
               <a:rPr lang="en-US" smtClean="0"/>
-              <a:t>2/22/2021</a:t>
+              <a:t>3/2/2021</a:t>
             </a:fld>
             <a:endParaRPr lang="en-US"/>
           </a:p>
@@ -849,7 +849,7 @@
           <a:p>
             <a:fld id="{2F895662-E2E6-47BC-B493-3EA4FCF734B6}" type="datetime1">
               <a:rPr lang="en-US" smtClean="0"/>
-              <a:t>2/22/2021</a:t>
+              <a:t>3/2/2021</a:t>
             </a:fld>
             <a:endParaRPr lang="en-US"/>
           </a:p>
@@ -1017,7 +1017,7 @@
           <a:p>
             <a:fld id="{0F4BFD65-5602-4172-B54C-6A65165A1845}" type="datetime1">
               <a:rPr lang="en-US" smtClean="0"/>
-              <a:t>2/22/2021</a:t>
+              <a:t>3/2/2021</a:t>
             </a:fld>
             <a:endParaRPr lang="en-US"/>
           </a:p>
@@ -1195,7 +1195,7 @@
           <a:p>
             <a:fld id="{6CA290DE-8138-4626-BC3F-DF68A3BD09D8}" type="datetime1">
               <a:rPr lang="en-US" smtClean="0"/>
-              <a:t>2/22/2021</a:t>
+              <a:t>3/2/2021</a:t>
             </a:fld>
             <a:endParaRPr lang="en-US"/>
           </a:p>
@@ -1363,7 +1363,7 @@
           <a:p>
             <a:fld id="{E1BE8E3F-75DF-45E8-9F6B-4F2E22494A32}" type="datetime1">
               <a:rPr lang="en-US" smtClean="0"/>
-              <a:t>2/22/2021</a:t>
+              <a:t>3/2/2021</a:t>
             </a:fld>
             <a:endParaRPr lang="en-US"/>
           </a:p>
@@ -1608,7 +1608,7 @@
           <a:p>
             <a:fld id="{82F4DA82-3E7C-4CFB-A30B-53D3893EF32E}" type="datetime1">
               <a:rPr lang="en-US" smtClean="0"/>
-              <a:t>2/22/2021</a:t>
+              <a:t>3/2/2021</a:t>
             </a:fld>
             <a:endParaRPr lang="en-US"/>
           </a:p>
@@ -1893,7 +1893,7 @@
           <a:p>
             <a:fld id="{36B3D8AD-4C83-4D73-AEE7-5E801ED5356C}" type="datetime1">
               <a:rPr lang="en-US" smtClean="0"/>
-              <a:t>2/22/2021</a:t>
+              <a:t>3/2/2021</a:t>
             </a:fld>
             <a:endParaRPr lang="en-US"/>
           </a:p>
@@ -2312,7 +2312,7 @@
           <a:p>
             <a:fld id="{7E6893DB-DD64-49D6-A5C2-F6ACE2B1530B}" type="datetime1">
               <a:rPr lang="en-US" smtClean="0"/>
-              <a:t>2/22/2021</a:t>
+              <a:t>3/2/2021</a:t>
             </a:fld>
             <a:endParaRPr lang="en-US"/>
           </a:p>
@@ -2429,7 +2429,7 @@
           <a:p>
             <a:fld id="{FC0A94C3-7A0F-4E28-9A06-985C13FFBB01}" type="datetime1">
               <a:rPr lang="en-US" smtClean="0"/>
-              <a:t>2/22/2021</a:t>
+              <a:t>3/2/2021</a:t>
             </a:fld>
             <a:endParaRPr lang="en-US"/>
           </a:p>
@@ -2524,7 +2524,7 @@
           <a:p>
             <a:fld id="{8587B2D3-0011-41C0-B2C5-6B713844DB1C}" type="datetime1">
               <a:rPr lang="en-US" smtClean="0"/>
-              <a:t>2/22/2021</a:t>
+              <a:t>3/2/2021</a:t>
             </a:fld>
             <a:endParaRPr lang="en-US"/>
           </a:p>
@@ -2799,7 +2799,7 @@
           <a:p>
             <a:fld id="{B53EE19A-9EFD-417C-93CE-FC2F485F3533}" type="datetime1">
               <a:rPr lang="en-US" smtClean="0"/>
-              <a:t>2/22/2021</a:t>
+              <a:t>3/2/2021</a:t>
             </a:fld>
             <a:endParaRPr lang="en-US"/>
           </a:p>
@@ -3054,7 +3054,7 @@
           <a:p>
             <a:fld id="{87D9954C-8CD1-4968-8DFE-C7948C62F830}" type="datetime1">
               <a:rPr lang="en-US" smtClean="0"/>
-              <a:t>2/22/2021</a:t>
+              <a:t>3/2/2021</a:t>
             </a:fld>
             <a:endParaRPr lang="en-US"/>
           </a:p>
@@ -3270,7 +3270,7 @@
           <a:p>
             <a:fld id="{B4BF092D-FE75-4F27-B0C3-A897761F708C}" type="datetime1">
               <a:rPr lang="en-US" smtClean="0"/>
-              <a:t>2/22/2021</a:t>
+              <a:t>3/2/2021</a:t>
             </a:fld>
             <a:endParaRPr lang="en-US"/>
           </a:p>
@@ -4304,7 +4304,7 @@
           <a:graphicData uri="http://schemas.openxmlformats.org/presentationml/2006/ole">
             <mc:AlternateContent xmlns:mc="http://schemas.openxmlformats.org/markup-compatibility/2006">
               <mc:Choice xmlns:v="urn:schemas-microsoft-com:vml" Requires="v">
-                <p:oleObj spid="_x0000_s3260" name="Equation" r:id="rId3" imgW="139680" imgH="203040" progId="Equation.DSMT4">
+                <p:oleObj spid="_x0000_s3272" name="Equation" r:id="rId3" imgW="139680" imgH="203040" progId="Equation.DSMT4">
                   <p:embed/>
                 </p:oleObj>
               </mc:Choice>
@@ -4361,7 +4361,7 @@
           <a:graphicData uri="http://schemas.openxmlformats.org/presentationml/2006/ole">
             <mc:AlternateContent xmlns:mc="http://schemas.openxmlformats.org/markup-compatibility/2006">
               <mc:Choice xmlns:v="urn:schemas-microsoft-com:vml" Requires="v">
-                <p:oleObj spid="_x0000_s3261" name="Equation" r:id="rId5" imgW="2450880" imgH="253800" progId="Equation.DSMT4">
+                <p:oleObj spid="_x0000_s3273" name="Equation" r:id="rId5" imgW="2450880" imgH="253800" progId="Equation.DSMT4">
                   <p:embed/>
                 </p:oleObj>
               </mc:Choice>
@@ -4418,7 +4418,7 @@
           <a:graphicData uri="http://schemas.openxmlformats.org/presentationml/2006/ole">
             <mc:AlternateContent xmlns:mc="http://schemas.openxmlformats.org/markup-compatibility/2006">
               <mc:Choice xmlns:v="urn:schemas-microsoft-com:vml" Requires="v">
-                <p:oleObj spid="_x0000_s3262" name="Equation" r:id="rId7" imgW="164880" imgH="228600" progId="Equation.DSMT4">
+                <p:oleObj spid="_x0000_s3274" name="Equation" r:id="rId7" imgW="164880" imgH="228600" progId="Equation.DSMT4">
                   <p:embed/>
                 </p:oleObj>
               </mc:Choice>
@@ -4555,7 +4555,7 @@
           <a:graphicData uri="http://schemas.openxmlformats.org/presentationml/2006/ole">
             <mc:AlternateContent xmlns:mc="http://schemas.openxmlformats.org/markup-compatibility/2006">
               <mc:Choice xmlns:v="urn:schemas-microsoft-com:vml" Requires="v">
-                <p:oleObj spid="_x0000_s3263" name="Equation" r:id="rId3" imgW="139680" imgH="203040" progId="Equation.DSMT4">
+                <p:oleObj spid="_x0000_s3275" name="Equation" r:id="rId3" imgW="139680" imgH="203040" progId="Equation.DSMT4">
                   <p:embed/>
                 </p:oleObj>
               </mc:Choice>
@@ -5032,7 +5032,19 @@
           <a:p>
             <a:r>
               <a:rPr lang="en-US" sz="2800" dirty="0"/>
-              <a:t>For all: robust methods are available or good research projects!</a:t>
+              <a:t>For all: </a:t>
+            </a:r>
+            <a:r>
+              <a:rPr lang="en-US" sz="2800" dirty="0">
+                <a:solidFill>
+                  <a:srgbClr val="FF0000"/>
+                </a:solidFill>
+              </a:rPr>
+              <a:t>robust</a:t>
+            </a:r>
+            <a:r>
+              <a:rPr lang="en-US" sz="2800" dirty="0"/>
+              <a:t> methods are available or good research projects!</a:t>
             </a:r>
           </a:p>
         </p:txBody>
@@ -5070,6 +5082,418 @@
   <p:clrMapOvr>
     <a:masterClrMapping/>
   </p:clrMapOvr>
+  <p:timing>
+    <p:tnLst>
+      <p:par>
+        <p:cTn id="1" dur="indefinite" restart="never" nodeType="tmRoot">
+          <p:childTnLst>
+            <p:seq concurrent="1" nextAc="seek">
+              <p:cTn id="2" dur="indefinite" nodeType="mainSeq">
+                <p:childTnLst>
+                  <p:par>
+                    <p:cTn id="3" fill="hold">
+                      <p:stCondLst>
+                        <p:cond delay="indefinite"/>
+                      </p:stCondLst>
+                      <p:childTnLst>
+                        <p:par>
+                          <p:cTn id="4" fill="hold">
+                            <p:stCondLst>
+                              <p:cond delay="0"/>
+                            </p:stCondLst>
+                            <p:childTnLst>
+                              <p:par>
+                                <p:cTn id="5" presetID="1" presetClass="entr" presetSubtype="0" fill="hold" nodeType="clickEffect">
+                                  <p:stCondLst>
+                                    <p:cond delay="0"/>
+                                  </p:stCondLst>
+                                  <p:childTnLst>
+                                    <p:set>
+                                      <p:cBhvr>
+                                        <p:cTn id="6" dur="1" fill="hold">
+                                          <p:stCondLst>
+                                            <p:cond delay="0"/>
+                                          </p:stCondLst>
+                                        </p:cTn>
+                                        <p:tgtEl>
+                                          <p:spTgt spid="3">
+                                            <p:txEl>
+                                              <p:pRg st="0" end="0"/>
+                                            </p:txEl>
+                                          </p:spTgt>
+                                        </p:tgtEl>
+                                        <p:attrNameLst>
+                                          <p:attrName>style.visibility</p:attrName>
+                                        </p:attrNameLst>
+                                      </p:cBhvr>
+                                      <p:to>
+                                        <p:strVal val="visible"/>
+                                      </p:to>
+                                    </p:set>
+                                  </p:childTnLst>
+                                </p:cTn>
+                              </p:par>
+                              <p:par>
+                                <p:cTn id="7" presetID="1" presetClass="entr" presetSubtype="0" fill="hold" nodeType="withEffect">
+                                  <p:stCondLst>
+                                    <p:cond delay="0"/>
+                                  </p:stCondLst>
+                                  <p:childTnLst>
+                                    <p:set>
+                                      <p:cBhvr>
+                                        <p:cTn id="8" dur="1" fill="hold">
+                                          <p:stCondLst>
+                                            <p:cond delay="0"/>
+                                          </p:stCondLst>
+                                        </p:cTn>
+                                        <p:tgtEl>
+                                          <p:spTgt spid="3">
+                                            <p:txEl>
+                                              <p:pRg st="1" end="1"/>
+                                            </p:txEl>
+                                          </p:spTgt>
+                                        </p:tgtEl>
+                                        <p:attrNameLst>
+                                          <p:attrName>style.visibility</p:attrName>
+                                        </p:attrNameLst>
+                                      </p:cBhvr>
+                                      <p:to>
+                                        <p:strVal val="visible"/>
+                                      </p:to>
+                                    </p:set>
+                                  </p:childTnLst>
+                                </p:cTn>
+                              </p:par>
+                              <p:par>
+                                <p:cTn id="9" presetID="1" presetClass="entr" presetSubtype="0" fill="hold" nodeType="withEffect">
+                                  <p:stCondLst>
+                                    <p:cond delay="0"/>
+                                  </p:stCondLst>
+                                  <p:childTnLst>
+                                    <p:set>
+                                      <p:cBhvr>
+                                        <p:cTn id="10" dur="1" fill="hold">
+                                          <p:stCondLst>
+                                            <p:cond delay="0"/>
+                                          </p:stCondLst>
+                                        </p:cTn>
+                                        <p:tgtEl>
+                                          <p:spTgt spid="3">
+                                            <p:txEl>
+                                              <p:pRg st="2" end="2"/>
+                                            </p:txEl>
+                                          </p:spTgt>
+                                        </p:tgtEl>
+                                        <p:attrNameLst>
+                                          <p:attrName>style.visibility</p:attrName>
+                                        </p:attrNameLst>
+                                      </p:cBhvr>
+                                      <p:to>
+                                        <p:strVal val="visible"/>
+                                      </p:to>
+                                    </p:set>
+                                  </p:childTnLst>
+                                </p:cTn>
+                              </p:par>
+                              <p:par>
+                                <p:cTn id="11" presetID="1" presetClass="entr" presetSubtype="0" fill="hold" nodeType="withEffect">
+                                  <p:stCondLst>
+                                    <p:cond delay="0"/>
+                                  </p:stCondLst>
+                                  <p:childTnLst>
+                                    <p:set>
+                                      <p:cBhvr>
+                                        <p:cTn id="12" dur="1" fill="hold">
+                                          <p:stCondLst>
+                                            <p:cond delay="0"/>
+                                          </p:stCondLst>
+                                        </p:cTn>
+                                        <p:tgtEl>
+                                          <p:spTgt spid="3">
+                                            <p:txEl>
+                                              <p:pRg st="3" end="3"/>
+                                            </p:txEl>
+                                          </p:spTgt>
+                                        </p:tgtEl>
+                                        <p:attrNameLst>
+                                          <p:attrName>style.visibility</p:attrName>
+                                        </p:attrNameLst>
+                                      </p:cBhvr>
+                                      <p:to>
+                                        <p:strVal val="visible"/>
+                                      </p:to>
+                                    </p:set>
+                                  </p:childTnLst>
+                                </p:cTn>
+                              </p:par>
+                            </p:childTnLst>
+                          </p:cTn>
+                        </p:par>
+                      </p:childTnLst>
+                    </p:cTn>
+                  </p:par>
+                  <p:par>
+                    <p:cTn id="13" fill="hold">
+                      <p:stCondLst>
+                        <p:cond delay="indefinite"/>
+                      </p:stCondLst>
+                      <p:childTnLst>
+                        <p:par>
+                          <p:cTn id="14" fill="hold">
+                            <p:stCondLst>
+                              <p:cond delay="0"/>
+                            </p:stCondLst>
+                            <p:childTnLst>
+                              <p:par>
+                                <p:cTn id="15" presetID="1" presetClass="entr" presetSubtype="0" fill="hold" nodeType="clickEffect">
+                                  <p:stCondLst>
+                                    <p:cond delay="0"/>
+                                  </p:stCondLst>
+                                  <p:childTnLst>
+                                    <p:set>
+                                      <p:cBhvr>
+                                        <p:cTn id="16" dur="1" fill="hold">
+                                          <p:stCondLst>
+                                            <p:cond delay="0"/>
+                                          </p:stCondLst>
+                                        </p:cTn>
+                                        <p:tgtEl>
+                                          <p:spTgt spid="3">
+                                            <p:txEl>
+                                              <p:pRg st="4" end="4"/>
+                                            </p:txEl>
+                                          </p:spTgt>
+                                        </p:tgtEl>
+                                        <p:attrNameLst>
+                                          <p:attrName>style.visibility</p:attrName>
+                                        </p:attrNameLst>
+                                      </p:cBhvr>
+                                      <p:to>
+                                        <p:strVal val="visible"/>
+                                      </p:to>
+                                    </p:set>
+                                  </p:childTnLst>
+                                </p:cTn>
+                              </p:par>
+                              <p:par>
+                                <p:cTn id="17" presetID="1" presetClass="entr" presetSubtype="0" fill="hold" nodeType="withEffect">
+                                  <p:stCondLst>
+                                    <p:cond delay="0"/>
+                                  </p:stCondLst>
+                                  <p:childTnLst>
+                                    <p:set>
+                                      <p:cBhvr>
+                                        <p:cTn id="18" dur="1" fill="hold">
+                                          <p:stCondLst>
+                                            <p:cond delay="0"/>
+                                          </p:stCondLst>
+                                        </p:cTn>
+                                        <p:tgtEl>
+                                          <p:spTgt spid="3">
+                                            <p:txEl>
+                                              <p:pRg st="5" end="5"/>
+                                            </p:txEl>
+                                          </p:spTgt>
+                                        </p:tgtEl>
+                                        <p:attrNameLst>
+                                          <p:attrName>style.visibility</p:attrName>
+                                        </p:attrNameLst>
+                                      </p:cBhvr>
+                                      <p:to>
+                                        <p:strVal val="visible"/>
+                                      </p:to>
+                                    </p:set>
+                                  </p:childTnLst>
+                                </p:cTn>
+                              </p:par>
+                              <p:par>
+                                <p:cTn id="19" presetID="1" presetClass="entr" presetSubtype="0" fill="hold" nodeType="withEffect">
+                                  <p:stCondLst>
+                                    <p:cond delay="0"/>
+                                  </p:stCondLst>
+                                  <p:childTnLst>
+                                    <p:set>
+                                      <p:cBhvr>
+                                        <p:cTn id="20" dur="1" fill="hold">
+                                          <p:stCondLst>
+                                            <p:cond delay="0"/>
+                                          </p:stCondLst>
+                                        </p:cTn>
+                                        <p:tgtEl>
+                                          <p:spTgt spid="3">
+                                            <p:txEl>
+                                              <p:pRg st="6" end="6"/>
+                                            </p:txEl>
+                                          </p:spTgt>
+                                        </p:tgtEl>
+                                        <p:attrNameLst>
+                                          <p:attrName>style.visibility</p:attrName>
+                                        </p:attrNameLst>
+                                      </p:cBhvr>
+                                      <p:to>
+                                        <p:strVal val="visible"/>
+                                      </p:to>
+                                    </p:set>
+                                  </p:childTnLst>
+                                </p:cTn>
+                              </p:par>
+                            </p:childTnLst>
+                          </p:cTn>
+                        </p:par>
+                      </p:childTnLst>
+                    </p:cTn>
+                  </p:par>
+                  <p:par>
+                    <p:cTn id="21" fill="hold">
+                      <p:stCondLst>
+                        <p:cond delay="indefinite"/>
+                      </p:stCondLst>
+                      <p:childTnLst>
+                        <p:par>
+                          <p:cTn id="22" fill="hold">
+                            <p:stCondLst>
+                              <p:cond delay="0"/>
+                            </p:stCondLst>
+                            <p:childTnLst>
+                              <p:par>
+                                <p:cTn id="23" presetID="1" presetClass="entr" presetSubtype="0" fill="hold" nodeType="clickEffect">
+                                  <p:stCondLst>
+                                    <p:cond delay="0"/>
+                                  </p:stCondLst>
+                                  <p:childTnLst>
+                                    <p:set>
+                                      <p:cBhvr>
+                                        <p:cTn id="24" dur="1" fill="hold">
+                                          <p:stCondLst>
+                                            <p:cond delay="0"/>
+                                          </p:stCondLst>
+                                        </p:cTn>
+                                        <p:tgtEl>
+                                          <p:spTgt spid="3">
+                                            <p:txEl>
+                                              <p:pRg st="7" end="7"/>
+                                            </p:txEl>
+                                          </p:spTgt>
+                                        </p:tgtEl>
+                                        <p:attrNameLst>
+                                          <p:attrName>style.visibility</p:attrName>
+                                        </p:attrNameLst>
+                                      </p:cBhvr>
+                                      <p:to>
+                                        <p:strVal val="visible"/>
+                                      </p:to>
+                                    </p:set>
+                                  </p:childTnLst>
+                                </p:cTn>
+                              </p:par>
+                              <p:par>
+                                <p:cTn id="25" presetID="1" presetClass="entr" presetSubtype="0" fill="hold" nodeType="withEffect">
+                                  <p:stCondLst>
+                                    <p:cond delay="0"/>
+                                  </p:stCondLst>
+                                  <p:childTnLst>
+                                    <p:set>
+                                      <p:cBhvr>
+                                        <p:cTn id="26" dur="1" fill="hold">
+                                          <p:stCondLst>
+                                            <p:cond delay="0"/>
+                                          </p:stCondLst>
+                                        </p:cTn>
+                                        <p:tgtEl>
+                                          <p:spTgt spid="3">
+                                            <p:txEl>
+                                              <p:pRg st="8" end="8"/>
+                                            </p:txEl>
+                                          </p:spTgt>
+                                        </p:tgtEl>
+                                        <p:attrNameLst>
+                                          <p:attrName>style.visibility</p:attrName>
+                                        </p:attrNameLst>
+                                      </p:cBhvr>
+                                      <p:to>
+                                        <p:strVal val="visible"/>
+                                      </p:to>
+                                    </p:set>
+                                  </p:childTnLst>
+                                </p:cTn>
+                              </p:par>
+                            </p:childTnLst>
+                          </p:cTn>
+                        </p:par>
+                      </p:childTnLst>
+                    </p:cTn>
+                  </p:par>
+                  <p:par>
+                    <p:cTn id="27" fill="hold">
+                      <p:stCondLst>
+                        <p:cond delay="indefinite"/>
+                      </p:stCondLst>
+                      <p:childTnLst>
+                        <p:par>
+                          <p:cTn id="28" fill="hold">
+                            <p:stCondLst>
+                              <p:cond delay="0"/>
+                            </p:stCondLst>
+                            <p:childTnLst>
+                              <p:par>
+                                <p:cTn id="29" presetID="1" presetClass="entr" presetSubtype="0" fill="hold" nodeType="clickEffect">
+                                  <p:stCondLst>
+                                    <p:cond delay="0"/>
+                                  </p:stCondLst>
+                                  <p:childTnLst>
+                                    <p:set>
+                                      <p:cBhvr>
+                                        <p:cTn id="30" dur="1" fill="hold">
+                                          <p:stCondLst>
+                                            <p:cond delay="0"/>
+                                          </p:stCondLst>
+                                        </p:cTn>
+                                        <p:tgtEl>
+                                          <p:spTgt spid="3">
+                                            <p:txEl>
+                                              <p:pRg st="9" end="9"/>
+                                            </p:txEl>
+                                          </p:spTgt>
+                                        </p:tgtEl>
+                                        <p:attrNameLst>
+                                          <p:attrName>style.visibility</p:attrName>
+                                        </p:attrNameLst>
+                                      </p:cBhvr>
+                                      <p:to>
+                                        <p:strVal val="visible"/>
+                                      </p:to>
+                                    </p:set>
+                                  </p:childTnLst>
+                                </p:cTn>
+                              </p:par>
+                            </p:childTnLst>
+                          </p:cTn>
+                        </p:par>
+                      </p:childTnLst>
+                    </p:cTn>
+                  </p:par>
+                </p:childTnLst>
+              </p:cTn>
+              <p:prevCondLst>
+                <p:cond evt="onPrev" delay="0">
+                  <p:tgtEl>
+                    <p:sldTgt/>
+                  </p:tgtEl>
+                </p:cond>
+              </p:prevCondLst>
+              <p:nextCondLst>
+                <p:cond evt="onNext" delay="0">
+                  <p:tgtEl>
+                    <p:sldTgt/>
+                  </p:tgtEl>
+                </p:cond>
+              </p:nextCondLst>
+            </p:seq>
+          </p:childTnLst>
+        </p:cTn>
+      </p:par>
+    </p:tnLst>
+  </p:timing>
 </p:sld>
 </file>
 
@@ -5440,6 +5864,51 @@
               <a:t>13</a:t>
             </a:fld>
             <a:endParaRPr lang="en-US"/>
+          </a:p>
+        </p:txBody>
+      </p:sp>
+      <p:sp>
+        <p:nvSpPr>
+          <p:cNvPr id="7" name="Rectangle 6">
+            <a:extLst>
+              <a:ext uri="{FF2B5EF4-FFF2-40B4-BE49-F238E27FC236}">
+                <a16:creationId xmlns:a16="http://schemas.microsoft.com/office/drawing/2014/main" id="{187A7396-8103-4540-A3F6-2602CD61AA90}"/>
+              </a:ext>
+            </a:extLst>
+          </p:cNvPr>
+          <p:cNvSpPr/>
+          <p:nvPr/>
+        </p:nvSpPr>
+        <p:spPr>
+          <a:xfrm>
+            <a:off x="6554804" y="4749462"/>
+            <a:ext cx="506869" cy="584775"/>
+          </a:xfrm>
+          <a:prstGeom prst="rect">
+            <a:avLst/>
+          </a:prstGeom>
+        </p:spPr>
+        <p:txBody>
+          <a:bodyPr wrap="none">
+            <a:spAutoFit/>
+          </a:bodyPr>
+          <a:lstStyle/>
+          <a:p>
+            <a:pPr lvl="0" algn="ctr"/>
+            <a:r>
+              <a:rPr lang="en-US" sz="3200" dirty="0">
+                <a:solidFill>
+                  <a:srgbClr val="00B050"/>
+                </a:solidFill>
+                <a:sym typeface="Wingdings"/>
+              </a:rPr>
+              <a:t></a:t>
+            </a:r>
+            <a:endParaRPr lang="en-US" sz="3200" dirty="0">
+              <a:solidFill>
+                <a:prstClr val="black"/>
+              </a:solidFill>
+            </a:endParaRPr>
           </a:p>
         </p:txBody>
       </p:sp>
@@ -6195,15 +6664,27 @@
             </a:r>
             <a:r>
               <a:rPr lang="en-US" sz="1400" dirty="0" err="1">
+                <a:solidFill>
+                  <a:srgbClr val="FF0000"/>
+                </a:solidFill>
                 <a:latin typeface="SAS Monospace" panose="020B0609020202020204" pitchFamily="49" charset="0"/>
               </a:rPr>
               <a:t>cbind</a:t>
+            </a:r>
+            <a:r>
+              <a:rPr lang="en-US" sz="1400" dirty="0">
+                <a:solidFill>
+                  <a:srgbClr val="FF0000"/>
+                </a:solidFill>
+                <a:latin typeface="SAS Monospace" panose="020B0609020202020204" pitchFamily="49" charset="0"/>
+              </a:rPr>
+              <a:t>(BM, WP) </a:t>
             </a:r>
             <a:r>
               <a:rPr lang="en-US" sz="1400" dirty="0">
                 <a:latin typeface="SAS Monospace" panose="020B0609020202020204" pitchFamily="49" charset="0"/>
               </a:rPr>
-              <a:t>(BM, WP) ~ group, data=</a:t>
+              <a:t>~ group, data=</a:t>
             </a:r>
             <a:r>
               <a:rPr lang="en-US" sz="1400" dirty="0" err="1">
@@ -6809,7 +7290,7 @@
           <a:graphicData uri="http://schemas.openxmlformats.org/presentationml/2006/ole">
             <mc:AlternateContent xmlns:mc="http://schemas.openxmlformats.org/markup-compatibility/2006">
               <mc:Choice xmlns:v="urn:schemas-microsoft-com:vml" Requires="v">
-                <p:oleObj spid="_x0000_s4222" name="Equation" r:id="rId5" imgW="393480" imgH="203040" progId="Equation.DSMT4">
+                <p:oleObj spid="_x0000_s4228" name="Equation" r:id="rId5" imgW="393480" imgH="203040" progId="Equation.DSMT4">
                   <p:embed/>
                 </p:oleObj>
               </mc:Choice>
@@ -6866,7 +7347,7 @@
           <a:graphicData uri="http://schemas.openxmlformats.org/presentationml/2006/ole">
             <mc:AlternateContent xmlns:mc="http://schemas.openxmlformats.org/markup-compatibility/2006">
               <mc:Choice xmlns:v="urn:schemas-microsoft-com:vml" Requires="v">
-                <p:oleObj spid="_x0000_s4223" name="Equation" r:id="rId7" imgW="355320" imgH="203040" progId="Equation.DSMT4">
+                <p:oleObj spid="_x0000_s4229" name="Equation" r:id="rId7" imgW="355320" imgH="203040" progId="Equation.DSMT4">
                   <p:embed/>
                 </p:oleObj>
               </mc:Choice>
@@ -8491,7 +8972,7 @@
           <a:graphicData uri="http://schemas.openxmlformats.org/presentationml/2006/ole">
             <mc:AlternateContent xmlns:mc="http://schemas.openxmlformats.org/markup-compatibility/2006">
               <mc:Choice xmlns:v="urn:schemas-microsoft-com:vml" Requires="v">
-                <p:oleObj spid="_x0000_s5172" name="Equation" r:id="rId5" imgW="1104840" imgH="304560" progId="Equation.DSMT4">
+                <p:oleObj spid="_x0000_s5175" name="Equation" r:id="rId5" imgW="1104840" imgH="304560" progId="Equation.DSMT4">
                   <p:embed/>
                 </p:oleObj>
               </mc:Choice>
@@ -8993,7 +9474,7 @@
           <a:graphicData uri="http://schemas.openxmlformats.org/presentationml/2006/ole">
             <mc:AlternateContent xmlns:mc="http://schemas.openxmlformats.org/markup-compatibility/2006">
               <mc:Choice xmlns:v="urn:schemas-microsoft-com:vml" Requires="v">
-                <p:oleObj spid="_x0000_s11298" name="Equation" r:id="rId9" imgW="1231560" imgH="291960" progId="Equation.DSMT4">
+                <p:oleObj spid="_x0000_s11301" name="Equation" r:id="rId9" imgW="1231560" imgH="291960" progId="Equation.DSMT4">
                   <p:embed/>
                 </p:oleObj>
               </mc:Choice>
@@ -10211,7 +10692,7 @@
           <a:graphicData uri="http://schemas.openxmlformats.org/presentationml/2006/ole">
             <mc:AlternateContent xmlns:mc="http://schemas.openxmlformats.org/markup-compatibility/2006">
               <mc:Choice xmlns:v="urn:schemas-microsoft-com:vml" Requires="v">
-                <p:oleObj spid="_x0000_s7219" name="Equation" r:id="rId6" imgW="1676160" imgH="304560" progId="Equation.DSMT4">
+                <p:oleObj spid="_x0000_s7222" name="Equation" r:id="rId6" imgW="1676160" imgH="304560" progId="Equation.DSMT4">
                   <p:embed/>
                 </p:oleObj>
               </mc:Choice>
@@ -10790,7 +11271,7 @@
           <a:graphicData uri="http://schemas.openxmlformats.org/presentationml/2006/ole">
             <mc:AlternateContent xmlns:mc="http://schemas.openxmlformats.org/markup-compatibility/2006">
               <mc:Choice xmlns:v="urn:schemas-microsoft-com:vml" Requires="v">
-                <p:oleObj spid="_x0000_s6198" name="Equation" r:id="rId3" imgW="1104840" imgH="304560" progId="Equation.DSMT4">
+                <p:oleObj spid="_x0000_s6201" name="Equation" r:id="rId3" imgW="1104840" imgH="304560" progId="Equation.DSMT4">
                   <p:embed/>
                 </p:oleObj>
               </mc:Choice>
@@ -11470,7 +11951,7 @@
           <a:graphicData uri="http://schemas.openxmlformats.org/presentationml/2006/ole">
             <mc:AlternateContent xmlns:mc="http://schemas.openxmlformats.org/markup-compatibility/2006">
               <mc:Choice xmlns:v="urn:schemas-microsoft-com:vml" Requires="v">
-                <p:oleObj spid="_x0000_s12319" name="Equation" r:id="rId3" imgW="1676160" imgH="304560" progId="Equation.DSMT4">
+                <p:oleObj spid="_x0000_s12322" name="Equation" r:id="rId3" imgW="1676160" imgH="304560" progId="Equation.DSMT4">
                   <p:embed/>
                 </p:oleObj>
               </mc:Choice>
@@ -13566,6 +14047,320 @@
   <p:clrMapOvr>
     <a:masterClrMapping/>
   </p:clrMapOvr>
+  <p:timing>
+    <p:tnLst>
+      <p:par>
+        <p:cTn id="1" dur="indefinite" restart="never" nodeType="tmRoot">
+          <p:childTnLst>
+            <p:seq concurrent="1" nextAc="seek">
+              <p:cTn id="2" dur="indefinite" nodeType="mainSeq">
+                <p:childTnLst>
+                  <p:par>
+                    <p:cTn id="3" fill="hold">
+                      <p:stCondLst>
+                        <p:cond delay="indefinite"/>
+                      </p:stCondLst>
+                      <p:childTnLst>
+                        <p:par>
+                          <p:cTn id="4" fill="hold">
+                            <p:stCondLst>
+                              <p:cond delay="0"/>
+                            </p:stCondLst>
+                            <p:childTnLst>
+                              <p:par>
+                                <p:cTn id="5" presetID="1" presetClass="entr" presetSubtype="0" fill="hold" nodeType="clickEffect">
+                                  <p:stCondLst>
+                                    <p:cond delay="0"/>
+                                  </p:stCondLst>
+                                  <p:childTnLst>
+                                    <p:set>
+                                      <p:cBhvr>
+                                        <p:cTn id="6" dur="1" fill="hold">
+                                          <p:stCondLst>
+                                            <p:cond delay="0"/>
+                                          </p:stCondLst>
+                                        </p:cTn>
+                                        <p:tgtEl>
+                                          <p:spTgt spid="3">
+                                            <p:txEl>
+                                              <p:pRg st="1" end="1"/>
+                                            </p:txEl>
+                                          </p:spTgt>
+                                        </p:tgtEl>
+                                        <p:attrNameLst>
+                                          <p:attrName>style.visibility</p:attrName>
+                                        </p:attrNameLst>
+                                      </p:cBhvr>
+                                      <p:to>
+                                        <p:strVal val="visible"/>
+                                      </p:to>
+                                    </p:set>
+                                  </p:childTnLst>
+                                </p:cTn>
+                              </p:par>
+                              <p:par>
+                                <p:cTn id="7" presetID="1" presetClass="entr" presetSubtype="0" fill="hold" nodeType="withEffect">
+                                  <p:stCondLst>
+                                    <p:cond delay="0"/>
+                                  </p:stCondLst>
+                                  <p:childTnLst>
+                                    <p:set>
+                                      <p:cBhvr>
+                                        <p:cTn id="8" dur="1" fill="hold">
+                                          <p:stCondLst>
+                                            <p:cond delay="0"/>
+                                          </p:stCondLst>
+                                        </p:cTn>
+                                        <p:tgtEl>
+                                          <p:spTgt spid="3">
+                                            <p:txEl>
+                                              <p:pRg st="2" end="2"/>
+                                            </p:txEl>
+                                          </p:spTgt>
+                                        </p:tgtEl>
+                                        <p:attrNameLst>
+                                          <p:attrName>style.visibility</p:attrName>
+                                        </p:attrNameLst>
+                                      </p:cBhvr>
+                                      <p:to>
+                                        <p:strVal val="visible"/>
+                                      </p:to>
+                                    </p:set>
+                                  </p:childTnLst>
+                                </p:cTn>
+                              </p:par>
+                              <p:par>
+                                <p:cTn id="9" presetID="1" presetClass="entr" presetSubtype="0" fill="hold" nodeType="withEffect">
+                                  <p:stCondLst>
+                                    <p:cond delay="0"/>
+                                  </p:stCondLst>
+                                  <p:childTnLst>
+                                    <p:set>
+                                      <p:cBhvr>
+                                        <p:cTn id="10" dur="1" fill="hold">
+                                          <p:stCondLst>
+                                            <p:cond delay="0"/>
+                                          </p:stCondLst>
+                                        </p:cTn>
+                                        <p:tgtEl>
+                                          <p:spTgt spid="3">
+                                            <p:txEl>
+                                              <p:pRg st="3" end="3"/>
+                                            </p:txEl>
+                                          </p:spTgt>
+                                        </p:tgtEl>
+                                        <p:attrNameLst>
+                                          <p:attrName>style.visibility</p:attrName>
+                                        </p:attrNameLst>
+                                      </p:cBhvr>
+                                      <p:to>
+                                        <p:strVal val="visible"/>
+                                      </p:to>
+                                    </p:set>
+                                  </p:childTnLst>
+                                </p:cTn>
+                              </p:par>
+                              <p:par>
+                                <p:cTn id="11" presetID="1" presetClass="entr" presetSubtype="0" fill="hold" nodeType="withEffect">
+                                  <p:stCondLst>
+                                    <p:cond delay="0"/>
+                                  </p:stCondLst>
+                                  <p:childTnLst>
+                                    <p:set>
+                                      <p:cBhvr>
+                                        <p:cTn id="12" dur="1" fill="hold">
+                                          <p:stCondLst>
+                                            <p:cond delay="0"/>
+                                          </p:stCondLst>
+                                        </p:cTn>
+                                        <p:tgtEl>
+                                          <p:spTgt spid="3">
+                                            <p:txEl>
+                                              <p:pRg st="4" end="4"/>
+                                            </p:txEl>
+                                          </p:spTgt>
+                                        </p:tgtEl>
+                                        <p:attrNameLst>
+                                          <p:attrName>style.visibility</p:attrName>
+                                        </p:attrNameLst>
+                                      </p:cBhvr>
+                                      <p:to>
+                                        <p:strVal val="visible"/>
+                                      </p:to>
+                                    </p:set>
+                                  </p:childTnLst>
+                                </p:cTn>
+                              </p:par>
+                            </p:childTnLst>
+                          </p:cTn>
+                        </p:par>
+                      </p:childTnLst>
+                    </p:cTn>
+                  </p:par>
+                  <p:par>
+                    <p:cTn id="13" fill="hold">
+                      <p:stCondLst>
+                        <p:cond delay="indefinite"/>
+                      </p:stCondLst>
+                      <p:childTnLst>
+                        <p:par>
+                          <p:cTn id="14" fill="hold">
+                            <p:stCondLst>
+                              <p:cond delay="0"/>
+                            </p:stCondLst>
+                            <p:childTnLst>
+                              <p:par>
+                                <p:cTn id="15" presetID="1" presetClass="entr" presetSubtype="0" fill="hold" nodeType="clickEffect">
+                                  <p:stCondLst>
+                                    <p:cond delay="0"/>
+                                  </p:stCondLst>
+                                  <p:childTnLst>
+                                    <p:set>
+                                      <p:cBhvr>
+                                        <p:cTn id="16" dur="1" fill="hold">
+                                          <p:stCondLst>
+                                            <p:cond delay="0"/>
+                                          </p:stCondLst>
+                                        </p:cTn>
+                                        <p:tgtEl>
+                                          <p:spTgt spid="3">
+                                            <p:txEl>
+                                              <p:pRg st="5" end="5"/>
+                                            </p:txEl>
+                                          </p:spTgt>
+                                        </p:tgtEl>
+                                        <p:attrNameLst>
+                                          <p:attrName>style.visibility</p:attrName>
+                                        </p:attrNameLst>
+                                      </p:cBhvr>
+                                      <p:to>
+                                        <p:strVal val="visible"/>
+                                      </p:to>
+                                    </p:set>
+                                  </p:childTnLst>
+                                </p:cTn>
+                              </p:par>
+                              <p:par>
+                                <p:cTn id="17" presetID="1" presetClass="entr" presetSubtype="0" fill="hold" nodeType="withEffect">
+                                  <p:stCondLst>
+                                    <p:cond delay="0"/>
+                                  </p:stCondLst>
+                                  <p:childTnLst>
+                                    <p:set>
+                                      <p:cBhvr>
+                                        <p:cTn id="18" dur="1" fill="hold">
+                                          <p:stCondLst>
+                                            <p:cond delay="0"/>
+                                          </p:stCondLst>
+                                        </p:cTn>
+                                        <p:tgtEl>
+                                          <p:spTgt spid="3">
+                                            <p:txEl>
+                                              <p:pRg st="6" end="6"/>
+                                            </p:txEl>
+                                          </p:spTgt>
+                                        </p:tgtEl>
+                                        <p:attrNameLst>
+                                          <p:attrName>style.visibility</p:attrName>
+                                        </p:attrNameLst>
+                                      </p:cBhvr>
+                                      <p:to>
+                                        <p:strVal val="visible"/>
+                                      </p:to>
+                                    </p:set>
+                                  </p:childTnLst>
+                                </p:cTn>
+                              </p:par>
+                              <p:par>
+                                <p:cTn id="19" presetID="1" presetClass="entr" presetSubtype="0" fill="hold" nodeType="withEffect">
+                                  <p:stCondLst>
+                                    <p:cond delay="0"/>
+                                  </p:stCondLst>
+                                  <p:childTnLst>
+                                    <p:set>
+                                      <p:cBhvr>
+                                        <p:cTn id="20" dur="1" fill="hold">
+                                          <p:stCondLst>
+                                            <p:cond delay="0"/>
+                                          </p:stCondLst>
+                                        </p:cTn>
+                                        <p:tgtEl>
+                                          <p:spTgt spid="3">
+                                            <p:txEl>
+                                              <p:pRg st="7" end="7"/>
+                                            </p:txEl>
+                                          </p:spTgt>
+                                        </p:tgtEl>
+                                        <p:attrNameLst>
+                                          <p:attrName>style.visibility</p:attrName>
+                                        </p:attrNameLst>
+                                      </p:cBhvr>
+                                      <p:to>
+                                        <p:strVal val="visible"/>
+                                      </p:to>
+                                    </p:set>
+                                  </p:childTnLst>
+                                </p:cTn>
+                              </p:par>
+                              <p:par>
+                                <p:cTn id="21" presetID="1" presetClass="entr" presetSubtype="0" fill="hold" nodeType="withEffect">
+                                  <p:stCondLst>
+                                    <p:cond delay="0"/>
+                                  </p:stCondLst>
+                                  <p:childTnLst>
+                                    <p:set>
+                                      <p:cBhvr>
+                                        <p:cTn id="22" dur="1" fill="hold">
+                                          <p:stCondLst>
+                                            <p:cond delay="0"/>
+                                          </p:stCondLst>
+                                        </p:cTn>
+                                        <p:tgtEl>
+                                          <p:spTgt spid="3">
+                                            <p:txEl>
+                                              <p:pRg st="8" end="8"/>
+                                            </p:txEl>
+                                          </p:spTgt>
+                                        </p:tgtEl>
+                                        <p:attrNameLst>
+                                          <p:attrName>style.visibility</p:attrName>
+                                        </p:attrNameLst>
+                                      </p:cBhvr>
+                                      <p:to>
+                                        <p:strVal val="visible"/>
+                                      </p:to>
+                                    </p:set>
+                                  </p:childTnLst>
+                                </p:cTn>
+                              </p:par>
+                            </p:childTnLst>
+                          </p:cTn>
+                        </p:par>
+                      </p:childTnLst>
+                    </p:cTn>
+                  </p:par>
+                </p:childTnLst>
+              </p:cTn>
+              <p:prevCondLst>
+                <p:cond evt="onPrev" delay="0">
+                  <p:tgtEl>
+                    <p:sldTgt/>
+                  </p:tgtEl>
+                </p:cond>
+              </p:prevCondLst>
+              <p:nextCondLst>
+                <p:cond evt="onNext" delay="0">
+                  <p:tgtEl>
+                    <p:sldTgt/>
+                  </p:tgtEl>
+                </p:cond>
+              </p:nextCondLst>
+            </p:seq>
+          </p:childTnLst>
+        </p:cTn>
+      </p:par>
+    </p:tnLst>
+  </p:timing>
 </p:sld>
 </file>
 
@@ -13681,8 +14476,8 @@
         </p:nvSpPr>
         <p:spPr>
           <a:xfrm>
-            <a:off x="6562022" y="2057400"/>
-            <a:ext cx="2203383" cy="830997"/>
+            <a:off x="6562022" y="1759017"/>
+            <a:ext cx="2203383" cy="1077218"/>
           </a:xfrm>
           <a:prstGeom prst="rect">
             <a:avLst/>
@@ -13709,6 +14504,13 @@
               </a:rPr>
               <a:t>How do means differ?</a:t>
             </a:r>
+          </a:p>
+          <a:p>
+            <a:endParaRPr lang="en-US" sz="1600" b="1" dirty="0">
+              <a:solidFill>
+                <a:srgbClr val="FF0000"/>
+              </a:solidFill>
+            </a:endParaRPr>
           </a:p>
           <a:p>
             <a:r>
@@ -13776,6 +14578,48 @@
           </a:p>
         </p:txBody>
       </p:sp>
+      <p:cxnSp>
+        <p:nvCxnSpPr>
+          <p:cNvPr id="7" name="Straight Arrow Connector 6">
+            <a:extLst>
+              <a:ext uri="{FF2B5EF4-FFF2-40B4-BE49-F238E27FC236}">
+                <a16:creationId xmlns:a16="http://schemas.microsoft.com/office/drawing/2014/main" id="{2EF497D9-A1EE-4B80-88C3-0A03490C8F76}"/>
+              </a:ext>
+            </a:extLst>
+          </p:cNvPr>
+          <p:cNvCxnSpPr/>
+          <p:nvPr/>
+        </p:nvCxnSpPr>
+        <p:spPr>
+          <a:xfrm flipV="1">
+            <a:off x="2168525" y="4114800"/>
+            <a:ext cx="2098675" cy="1524000"/>
+          </a:xfrm>
+          <a:prstGeom prst="straightConnector1">
+            <a:avLst/>
+          </a:prstGeom>
+          <a:ln w="31750">
+            <a:solidFill>
+              <a:srgbClr val="FF0000"/>
+            </a:solidFill>
+            <a:tailEnd type="triangle"/>
+          </a:ln>
+        </p:spPr>
+        <p:style>
+          <a:lnRef idx="1">
+            <a:schemeClr val="accent1"/>
+          </a:lnRef>
+          <a:fillRef idx="0">
+            <a:schemeClr val="accent1"/>
+          </a:fillRef>
+          <a:effectRef idx="0">
+            <a:schemeClr val="accent1"/>
+          </a:effectRef>
+          <a:fontRef idx="minor">
+            <a:schemeClr val="tx1"/>
+          </a:fontRef>
+        </p:style>
+      </p:cxnSp>
     </p:spTree>
     <p:extLst>
       <p:ext uri="{BB962C8B-B14F-4D97-AF65-F5344CB8AC3E}">
@@ -13786,6 +14630,127 @@
   <p:clrMapOvr>
     <a:masterClrMapping/>
   </p:clrMapOvr>
+  <p:timing>
+    <p:tnLst>
+      <p:par>
+        <p:cTn id="1" dur="indefinite" restart="never" nodeType="tmRoot">
+          <p:childTnLst>
+            <p:seq concurrent="1" nextAc="seek">
+              <p:cTn id="2" dur="indefinite" nodeType="mainSeq">
+                <p:childTnLst>
+                  <p:par>
+                    <p:cTn id="3" fill="hold">
+                      <p:stCondLst>
+                        <p:cond delay="indefinite"/>
+                      </p:stCondLst>
+                      <p:childTnLst>
+                        <p:par>
+                          <p:cTn id="4" fill="hold">
+                            <p:stCondLst>
+                              <p:cond delay="0"/>
+                            </p:stCondLst>
+                            <p:childTnLst>
+                              <p:par>
+                                <p:cTn id="5" presetID="2" presetClass="entr" presetSubtype="12" fill="hold" nodeType="clickEffect">
+                                  <p:stCondLst>
+                                    <p:cond delay="0"/>
+                                  </p:stCondLst>
+                                  <p:childTnLst>
+                                    <p:set>
+                                      <p:cBhvr>
+                                        <p:cTn id="6" dur="1" fill="hold">
+                                          <p:stCondLst>
+                                            <p:cond delay="0"/>
+                                          </p:stCondLst>
+                                        </p:cTn>
+                                        <p:tgtEl>
+                                          <p:spTgt spid="7"/>
+                                        </p:tgtEl>
+                                        <p:attrNameLst>
+                                          <p:attrName>style.visibility</p:attrName>
+                                        </p:attrNameLst>
+                                      </p:cBhvr>
+                                      <p:to>
+                                        <p:strVal val="visible"/>
+                                      </p:to>
+                                    </p:set>
+                                    <p:anim calcmode="lin" valueType="num">
+                                      <p:cBhvr additive="base">
+                                        <p:cTn id="7" dur="500" fill="hold"/>
+                                        <p:tgtEl>
+                                          <p:spTgt spid="7"/>
+                                        </p:tgtEl>
+                                        <p:attrNameLst>
+                                          <p:attrName>ppt_x</p:attrName>
+                                        </p:attrNameLst>
+                                      </p:cBhvr>
+                                      <p:tavLst>
+                                        <p:tav tm="0">
+                                          <p:val>
+                                            <p:strVal val="0-#ppt_w/2"/>
+                                          </p:val>
+                                        </p:tav>
+                                        <p:tav tm="100000">
+                                          <p:val>
+                                            <p:strVal val="#ppt_x"/>
+                                          </p:val>
+                                        </p:tav>
+                                      </p:tavLst>
+                                    </p:anim>
+                                    <p:anim calcmode="lin" valueType="num">
+                                      <p:cBhvr additive="base">
+                                        <p:cTn id="8" dur="500" fill="hold"/>
+                                        <p:tgtEl>
+                                          <p:spTgt spid="7"/>
+                                        </p:tgtEl>
+                                        <p:attrNameLst>
+                                          <p:attrName>ppt_y</p:attrName>
+                                        </p:attrNameLst>
+                                      </p:cBhvr>
+                                      <p:tavLst>
+                                        <p:tav tm="0">
+                                          <p:val>
+                                            <p:strVal val="1+#ppt_h/2"/>
+                                          </p:val>
+                                        </p:tav>
+                                        <p:tav tm="100000">
+                                          <p:val>
+                                            <p:strVal val="#ppt_y"/>
+                                          </p:val>
+                                        </p:tav>
+                                      </p:tavLst>
+                                    </p:anim>
+                                  </p:childTnLst>
+                                </p:cTn>
+                              </p:par>
+                            </p:childTnLst>
+                          </p:cTn>
+                        </p:par>
+                      </p:childTnLst>
+                    </p:cTn>
+                  </p:par>
+                </p:childTnLst>
+              </p:cTn>
+              <p:prevCondLst>
+                <p:cond evt="onPrev" delay="0">
+                  <p:tgtEl>
+                    <p:sldTgt/>
+                  </p:tgtEl>
+                </p:cond>
+              </p:prevCondLst>
+              <p:nextCondLst>
+                <p:cond evt="onNext" delay="0">
+                  <p:tgtEl>
+                    <p:sldTgt/>
+                  </p:tgtEl>
+                </p:cond>
+              </p:nextCondLst>
+            </p:seq>
+          </p:childTnLst>
+        </p:cTn>
+      </p:par>
+    </p:tnLst>
+  </p:timing>
 </p:sld>
 </file>
 
@@ -16229,7 +17194,7 @@
             </a:r>
             <a:r>
               <a:rPr lang="en-US" dirty="0"/>
-              <a:t> correlation of the species means: species with larger bill depth have smaller bill length.</a:t>
+              <a:t> correlation of the species means: species with larger bill depth have smaller bill length (bill “shape”?)</a:t>
             </a:r>
           </a:p>
           <a:p>
@@ -16912,7 +17877,7 @@
         <p:spPr>
           <a:xfrm>
             <a:off x="5105400" y="2458896"/>
-            <a:ext cx="3663462" cy="2123658"/>
+            <a:ext cx="3663462" cy="2862322"/>
           </a:xfrm>
           <a:prstGeom prst="rect">
             <a:avLst/>
@@ -16954,7 +17919,7 @@
             </a:pPr>
             <a:r>
               <a:rPr lang="en-US" sz="1600" dirty="0"/>
-              <a:t>Gentoo differ from other two – longer, but less deep bills.</a:t>
+              <a:t>Gentoo differ from other two – longer, but less deep bills (bill shape)</a:t>
             </a:r>
           </a:p>
           <a:p>
@@ -16968,6 +17933,15 @@
             <a:r>
               <a:rPr lang="en-US" sz="1600" dirty="0"/>
               <a:t>Both of these are large effects!</a:t>
+            </a:r>
+          </a:p>
+          <a:p>
+            <a:endParaRPr lang="en-US" sz="1600" dirty="0"/>
+          </a:p>
+          <a:p>
+            <a:r>
+              <a:rPr lang="en-US" sz="1600" dirty="0"/>
+              <a:t>Together, they are the entire species effect!</a:t>
             </a:r>
           </a:p>
         </p:txBody>
@@ -21147,7 +22121,7 @@
             <a:graphicData uri="http://schemas.openxmlformats.org/presentationml/2006/ole">
               <mc:AlternateContent xmlns:mc="http://schemas.openxmlformats.org/markup-compatibility/2006">
                 <mc:Choice xmlns:v="urn:schemas-microsoft-com:vml" Requires="v">
-                  <p:oleObj spid="_x0000_s14447" name="Equation" r:id="rId3" imgW="203040" imgH="253800" progId="Equation.DSMT4">
+                  <p:oleObj spid="_x0000_s14483" name="Equation" r:id="rId3" imgW="203040" imgH="253800" progId="Equation.DSMT4">
                     <p:embed/>
                   </p:oleObj>
                 </mc:Choice>
@@ -21521,7 +22495,7 @@
               <a:graphicData uri="http://schemas.openxmlformats.org/presentationml/2006/ole">
                 <mc:AlternateContent xmlns:mc="http://schemas.openxmlformats.org/markup-compatibility/2006">
                   <mc:Choice xmlns:v="urn:schemas-microsoft-com:vml" Requires="v">
-                    <p:oleObj spid="_x0000_s14448" name="Equation" r:id="rId5" imgW="190440" imgH="228600" progId="Equation.DSMT4">
+                    <p:oleObj spid="_x0000_s14484" name="Equation" r:id="rId5" imgW="190440" imgH="228600" progId="Equation.DSMT4">
                       <p:embed/>
                     </p:oleObj>
                   </mc:Choice>
@@ -21584,7 +22558,7 @@
               <a:graphicData uri="http://schemas.openxmlformats.org/presentationml/2006/ole">
                 <mc:AlternateContent xmlns:mc="http://schemas.openxmlformats.org/markup-compatibility/2006">
                   <mc:Choice xmlns:v="urn:schemas-microsoft-com:vml" Requires="v">
-                    <p:oleObj spid="_x0000_s14449" name="Equation" r:id="rId7" imgW="241200" imgH="253800" progId="Equation.DSMT4">
+                    <p:oleObj spid="_x0000_s14485" name="Equation" r:id="rId7" imgW="241200" imgH="253800" progId="Equation.DSMT4">
                       <p:embed/>
                     </p:oleObj>
                   </mc:Choice>
@@ -21667,7 +22641,7 @@
                 <a:graphicData uri="http://schemas.openxmlformats.org/presentationml/2006/ole">
                   <mc:AlternateContent xmlns:mc="http://schemas.openxmlformats.org/markup-compatibility/2006">
                     <mc:Choice xmlns:v="urn:schemas-microsoft-com:vml" Requires="v">
-                      <p:oleObj spid="_x0000_s14450" name="Equation" r:id="rId9" imgW="596880" imgH="241200" progId="Equation.DSMT4">
+                      <p:oleObj spid="_x0000_s14486" name="Equation" r:id="rId9" imgW="596880" imgH="241200" progId="Equation.DSMT4">
                         <p:embed/>
                       </p:oleObj>
                     </mc:Choice>
@@ -21793,7 +22767,7 @@
                 <a:graphicData uri="http://schemas.openxmlformats.org/presentationml/2006/ole">
                   <mc:AlternateContent xmlns:mc="http://schemas.openxmlformats.org/markup-compatibility/2006">
                     <mc:Choice xmlns:v="urn:schemas-microsoft-com:vml" Requires="v">
-                      <p:oleObj spid="_x0000_s14451" name="Equation" r:id="rId11" imgW="622080" imgH="241200" progId="Equation.DSMT4">
+                      <p:oleObj spid="_x0000_s14487" name="Equation" r:id="rId11" imgW="622080" imgH="241200" progId="Equation.DSMT4">
                         <p:embed/>
                       </p:oleObj>
                     </mc:Choice>
@@ -21919,7 +22893,7 @@
                 <a:graphicData uri="http://schemas.openxmlformats.org/presentationml/2006/ole">
                   <mc:AlternateContent xmlns:mc="http://schemas.openxmlformats.org/markup-compatibility/2006">
                     <mc:Choice xmlns:v="urn:schemas-microsoft-com:vml" Requires="v">
-                      <p:oleObj spid="_x0000_s14452" name="Equation" r:id="rId13" imgW="609480" imgH="241200" progId="Equation.DSMT4">
+                      <p:oleObj spid="_x0000_s14488" name="Equation" r:id="rId13" imgW="609480" imgH="241200" progId="Equation.DSMT4">
                         <p:embed/>
                       </p:oleObj>
                     </mc:Choice>
@@ -22047,7 +23021,7 @@
             <a:graphicData uri="http://schemas.openxmlformats.org/presentationml/2006/ole">
               <mc:AlternateContent xmlns:mc="http://schemas.openxmlformats.org/markup-compatibility/2006">
                 <mc:Choice xmlns:v="urn:schemas-microsoft-com:vml" Requires="v">
-                  <p:oleObj spid="_x0000_s14453" name="Equation" r:id="rId15" imgW="203040" imgH="253800" progId="Equation.DSMT4">
+                  <p:oleObj spid="_x0000_s14489" name="Equation" r:id="rId15" imgW="203040" imgH="253800" progId="Equation.DSMT4">
                     <p:embed/>
                   </p:oleObj>
                 </mc:Choice>
@@ -22407,7 +23381,7 @@
             <a:graphicData uri="http://schemas.openxmlformats.org/presentationml/2006/ole">
               <mc:AlternateContent xmlns:mc="http://schemas.openxmlformats.org/markup-compatibility/2006">
                 <mc:Choice xmlns:v="urn:schemas-microsoft-com:vml" Requires="v">
-                  <p:oleObj spid="_x0000_s14454" name="Equation" r:id="rId16" imgW="190440" imgH="228600" progId="Equation.DSMT4">
+                  <p:oleObj spid="_x0000_s14490" name="Equation" r:id="rId16" imgW="190440" imgH="228600" progId="Equation.DSMT4">
                     <p:embed/>
                   </p:oleObj>
                 </mc:Choice>
@@ -22476,7 +23450,7 @@
             <a:graphicData uri="http://schemas.openxmlformats.org/presentationml/2006/ole">
               <mc:AlternateContent xmlns:mc="http://schemas.openxmlformats.org/markup-compatibility/2006">
                 <mc:Choice xmlns:v="urn:schemas-microsoft-com:vml" Requires="v">
-                  <p:oleObj spid="_x0000_s14455" name="Equation" r:id="rId17" imgW="241200" imgH="253800" progId="Equation.DSMT4">
+                  <p:oleObj spid="_x0000_s14491" name="Equation" r:id="rId17" imgW="241200" imgH="253800" progId="Equation.DSMT4">
                     <p:embed/>
                   </p:oleObj>
                 </mc:Choice>
@@ -22565,7 +23539,7 @@
               <a:graphicData uri="http://schemas.openxmlformats.org/presentationml/2006/ole">
                 <mc:AlternateContent xmlns:mc="http://schemas.openxmlformats.org/markup-compatibility/2006">
                   <mc:Choice xmlns:v="urn:schemas-microsoft-com:vml" Requires="v">
-                    <p:oleObj spid="_x0000_s14456" name="Equation" r:id="rId18" imgW="596880" imgH="241200" progId="Equation.DSMT4">
+                    <p:oleObj spid="_x0000_s14492" name="Equation" r:id="rId18" imgW="596880" imgH="241200" progId="Equation.DSMT4">
                       <p:embed/>
                     </p:oleObj>
                   </mc:Choice>
@@ -22691,7 +23665,7 @@
               <a:graphicData uri="http://schemas.openxmlformats.org/presentationml/2006/ole">
                 <mc:AlternateContent xmlns:mc="http://schemas.openxmlformats.org/markup-compatibility/2006">
                   <mc:Choice xmlns:v="urn:schemas-microsoft-com:vml" Requires="v">
-                    <p:oleObj spid="_x0000_s14457" name="Equation" r:id="rId19" imgW="622080" imgH="241200" progId="Equation.DSMT4">
+                    <p:oleObj spid="_x0000_s14493" name="Equation" r:id="rId19" imgW="622080" imgH="241200" progId="Equation.DSMT4">
                       <p:embed/>
                     </p:oleObj>
                   </mc:Choice>
@@ -22817,7 +23791,7 @@
               <a:graphicData uri="http://schemas.openxmlformats.org/presentationml/2006/ole">
                 <mc:AlternateContent xmlns:mc="http://schemas.openxmlformats.org/markup-compatibility/2006">
                   <mc:Choice xmlns:v="urn:schemas-microsoft-com:vml" Requires="v">
-                    <p:oleObj spid="_x0000_s14458" name="Equation" r:id="rId20" imgW="609480" imgH="241200" progId="Equation.DSMT4">
+                    <p:oleObj spid="_x0000_s14494" name="Equation" r:id="rId20" imgW="609480" imgH="241200" progId="Equation.DSMT4">
                       <p:embed/>
                     </p:oleObj>
                   </mc:Choice>
@@ -23045,7 +24019,7 @@
           <a:graphicData uri="http://schemas.openxmlformats.org/presentationml/2006/ole">
             <mc:AlternateContent xmlns:mc="http://schemas.openxmlformats.org/markup-compatibility/2006">
               <mc:Choice xmlns:v="urn:schemas-microsoft-com:vml" Requires="v">
-                <p:oleObj spid="_x0000_s1287" name="Equation" r:id="rId3" imgW="1143000" imgH="330120" progId="Equation.DSMT4">
+                <p:oleObj spid="_x0000_s1299" name="Equation" r:id="rId3" imgW="1143000" imgH="330120" progId="Equation.DSMT4">
                   <p:embed/>
                 </p:oleObj>
               </mc:Choice>
@@ -23102,7 +24076,7 @@
           <a:graphicData uri="http://schemas.openxmlformats.org/presentationml/2006/ole">
             <mc:AlternateContent xmlns:mc="http://schemas.openxmlformats.org/markup-compatibility/2006">
               <mc:Choice xmlns:v="urn:schemas-microsoft-com:vml" Requires="v">
-                <p:oleObj spid="_x0000_s1288" name="Equation" r:id="rId5" imgW="1244520" imgH="291960" progId="Equation.DSMT4">
+                <p:oleObj spid="_x0000_s1300" name="Equation" r:id="rId5" imgW="1244520" imgH="291960" progId="Equation.DSMT4">
                   <p:embed/>
                 </p:oleObj>
               </mc:Choice>
@@ -23189,7 +24163,7 @@
           <a:graphicData uri="http://schemas.openxmlformats.org/presentationml/2006/ole">
             <mc:AlternateContent xmlns:mc="http://schemas.openxmlformats.org/markup-compatibility/2006">
               <mc:Choice xmlns:v="urn:schemas-microsoft-com:vml" Requires="v">
-                <p:oleObj spid="_x0000_s1289" name="Equation" r:id="rId7" imgW="2286000" imgH="685800" progId="Equation.DSMT4">
+                <p:oleObj spid="_x0000_s1301" name="Equation" r:id="rId7" imgW="2286000" imgH="685800" progId="Equation.DSMT4">
                   <p:embed/>
                 </p:oleObj>
               </mc:Choice>
@@ -23259,7 +24233,7 @@
           <a:graphicData uri="http://schemas.openxmlformats.org/presentationml/2006/ole">
             <mc:AlternateContent xmlns:mc="http://schemas.openxmlformats.org/markup-compatibility/2006">
               <mc:Choice xmlns:v="urn:schemas-microsoft-com:vml" Requires="v">
-                <p:oleObj spid="_x0000_s1290" name="Equation" r:id="rId9" imgW="1396800" imgH="431640" progId="Equation.DSMT4">
+                <p:oleObj spid="_x0000_s1302" name="Equation" r:id="rId9" imgW="1396800" imgH="431640" progId="Equation.DSMT4">
                   <p:embed/>
                 </p:oleObj>
               </mc:Choice>
@@ -23649,7 +24623,7 @@
           <a:graphicData uri="http://schemas.openxmlformats.org/presentationml/2006/ole">
             <mc:AlternateContent xmlns:mc="http://schemas.openxmlformats.org/markup-compatibility/2006">
               <mc:Choice xmlns:v="urn:schemas-microsoft-com:vml" Requires="v">
-                <p:oleObj spid="_x0000_s13380" name="Equation" r:id="rId4" imgW="812520" imgH="253800" progId="Equation.DSMT4">
+                <p:oleObj spid="_x0000_s13389" name="Equation" r:id="rId4" imgW="812520" imgH="253800" progId="Equation.DSMT4">
                   <p:embed/>
                 </p:oleObj>
               </mc:Choice>
@@ -23712,7 +24686,7 @@
           <a:graphicData uri="http://schemas.openxmlformats.org/presentationml/2006/ole">
             <mc:AlternateContent xmlns:mc="http://schemas.openxmlformats.org/markup-compatibility/2006">
               <mc:Choice xmlns:v="urn:schemas-microsoft-com:vml" Requires="v">
-                <p:oleObj spid="_x0000_s13381" name="Equation" r:id="rId6" imgW="838080" imgH="253800" progId="Equation.DSMT4">
+                <p:oleObj spid="_x0000_s13390" name="Equation" r:id="rId6" imgW="838080" imgH="253800" progId="Equation.DSMT4">
                   <p:embed/>
                 </p:oleObj>
               </mc:Choice>
@@ -23775,7 +24749,7 @@
           <a:graphicData uri="http://schemas.openxmlformats.org/presentationml/2006/ole">
             <mc:AlternateContent xmlns:mc="http://schemas.openxmlformats.org/markup-compatibility/2006">
               <mc:Choice xmlns:v="urn:schemas-microsoft-com:vml" Requires="v">
-                <p:oleObj spid="_x0000_s13382" name="Equation" r:id="rId8" imgW="825480" imgH="253800" progId="Equation.DSMT4">
+                <p:oleObj spid="_x0000_s13391" name="Equation" r:id="rId8" imgW="825480" imgH="253800" progId="Equation.DSMT4">
                   <p:embed/>
                 </p:oleObj>
               </mc:Choice>
@@ -24149,7 +25123,7 @@
           <a:graphicData uri="http://schemas.openxmlformats.org/presentationml/2006/ole">
             <mc:AlternateContent xmlns:mc="http://schemas.openxmlformats.org/markup-compatibility/2006">
               <mc:Choice xmlns:v="urn:schemas-microsoft-com:vml" Requires="v">
-                <p:oleObj spid="_x0000_s2295" name="Equation" r:id="rId3" imgW="1231560" imgH="291960" progId="Equation.DSMT4">
+                <p:oleObj spid="_x0000_s2304" name="Equation" r:id="rId3" imgW="1231560" imgH="291960" progId="Equation.DSMT4">
                   <p:embed/>
                 </p:oleObj>
               </mc:Choice>
@@ -24206,7 +25180,7 @@
           <a:graphicData uri="http://schemas.openxmlformats.org/presentationml/2006/ole">
             <mc:AlternateContent xmlns:mc="http://schemas.openxmlformats.org/markup-compatibility/2006">
               <mc:Choice xmlns:v="urn:schemas-microsoft-com:vml" Requires="v">
-                <p:oleObj spid="_x0000_s2296" name="Equation" r:id="rId5" imgW="1282680" imgH="291960" progId="Equation.DSMT4">
+                <p:oleObj spid="_x0000_s2305" name="Equation" r:id="rId5" imgW="1282680" imgH="291960" progId="Equation.DSMT4">
                   <p:embed/>
                 </p:oleObj>
               </mc:Choice>
@@ -24300,7 +25274,7 @@
           <a:graphicData uri="http://schemas.openxmlformats.org/presentationml/2006/ole">
             <mc:AlternateContent xmlns:mc="http://schemas.openxmlformats.org/markup-compatibility/2006">
               <mc:Choice xmlns:v="urn:schemas-microsoft-com:vml" Requires="v">
-                <p:oleObj spid="_x0000_s2297" name="Equation" r:id="rId7" imgW="1854000" imgH="609480" progId="Equation.DSMT4">
+                <p:oleObj spid="_x0000_s2306" name="Equation" r:id="rId7" imgW="1854000" imgH="609480" progId="Equation.DSMT4">
                   <p:embed/>
                 </p:oleObj>
               </mc:Choice>
@@ -25088,7 +26062,7 @@
             <a:graphicData uri="http://schemas.openxmlformats.org/presentationml/2006/ole">
               <mc:AlternateContent xmlns:mc="http://schemas.openxmlformats.org/markup-compatibility/2006">
                 <mc:Choice xmlns:v="urn:schemas-microsoft-com:vml" Requires="v">
-                  <p:oleObj spid="_x0000_s15410" name="Equation" r:id="rId8" imgW="203040" imgH="253800" progId="Equation.DSMT4">
+                  <p:oleObj spid="_x0000_s15428" name="Equation" r:id="rId8" imgW="203040" imgH="253800" progId="Equation.DSMT4">
                     <p:embed/>
                   </p:oleObj>
                 </mc:Choice>
@@ -25448,7 +26422,7 @@
             <a:graphicData uri="http://schemas.openxmlformats.org/presentationml/2006/ole">
               <mc:AlternateContent xmlns:mc="http://schemas.openxmlformats.org/markup-compatibility/2006">
                 <mc:Choice xmlns:v="urn:schemas-microsoft-com:vml" Requires="v">
-                  <p:oleObj spid="_x0000_s15411" name="Equation" r:id="rId10" imgW="190440" imgH="228600" progId="Equation.DSMT4">
+                  <p:oleObj spid="_x0000_s15429" name="Equation" r:id="rId10" imgW="190440" imgH="228600" progId="Equation.DSMT4">
                     <p:embed/>
                   </p:oleObj>
                 </mc:Choice>
@@ -25517,7 +26491,7 @@
             <a:graphicData uri="http://schemas.openxmlformats.org/presentationml/2006/ole">
               <mc:AlternateContent xmlns:mc="http://schemas.openxmlformats.org/markup-compatibility/2006">
                 <mc:Choice xmlns:v="urn:schemas-microsoft-com:vml" Requires="v">
-                  <p:oleObj spid="_x0000_s15412" name="Equation" r:id="rId12" imgW="241200" imgH="253800" progId="Equation.DSMT4">
+                  <p:oleObj spid="_x0000_s15430" name="Equation" r:id="rId12" imgW="241200" imgH="253800" progId="Equation.DSMT4">
                     <p:embed/>
                   </p:oleObj>
                 </mc:Choice>
@@ -25606,7 +26580,7 @@
               <a:graphicData uri="http://schemas.openxmlformats.org/presentationml/2006/ole">
                 <mc:AlternateContent xmlns:mc="http://schemas.openxmlformats.org/markup-compatibility/2006">
                   <mc:Choice xmlns:v="urn:schemas-microsoft-com:vml" Requires="v">
-                    <p:oleObj spid="_x0000_s15413" name="Equation" r:id="rId14" imgW="596880" imgH="241200" progId="Equation.DSMT4">
+                    <p:oleObj spid="_x0000_s15431" name="Equation" r:id="rId14" imgW="596880" imgH="241200" progId="Equation.DSMT4">
                       <p:embed/>
                     </p:oleObj>
                   </mc:Choice>
@@ -25732,7 +26706,7 @@
               <a:graphicData uri="http://schemas.openxmlformats.org/presentationml/2006/ole">
                 <mc:AlternateContent xmlns:mc="http://schemas.openxmlformats.org/markup-compatibility/2006">
                   <mc:Choice xmlns:v="urn:schemas-microsoft-com:vml" Requires="v">
-                    <p:oleObj spid="_x0000_s15414" name="Equation" r:id="rId16" imgW="622080" imgH="241200" progId="Equation.DSMT4">
+                    <p:oleObj spid="_x0000_s15432" name="Equation" r:id="rId16" imgW="622080" imgH="241200" progId="Equation.DSMT4">
                       <p:embed/>
                     </p:oleObj>
                   </mc:Choice>
@@ -25858,7 +26832,7 @@
               <a:graphicData uri="http://schemas.openxmlformats.org/presentationml/2006/ole">
                 <mc:AlternateContent xmlns:mc="http://schemas.openxmlformats.org/markup-compatibility/2006">
                   <mc:Choice xmlns:v="urn:schemas-microsoft-com:vml" Requires="v">
-                    <p:oleObj spid="_x0000_s15415" name="Equation" r:id="rId18" imgW="609480" imgH="241200" progId="Equation.DSMT4">
+                    <p:oleObj spid="_x0000_s15433" name="Equation" r:id="rId18" imgW="609480" imgH="241200" progId="Equation.DSMT4">
                       <p:embed/>
                     </p:oleObj>
                   </mc:Choice>
@@ -26705,7 +27679,7 @@
           <a:graphicData uri="http://schemas.openxmlformats.org/presentationml/2006/ole">
             <mc:AlternateContent xmlns:mc="http://schemas.openxmlformats.org/markup-compatibility/2006">
               <mc:Choice xmlns:v="urn:schemas-microsoft-com:vml" Requires="v">
-                <p:oleObj spid="_x0000_s16398" name="Equation" r:id="rId5" imgW="393480" imgH="203040" progId="Equation.DSMT4">
+                <p:oleObj spid="_x0000_s16404" name="Equation" r:id="rId5" imgW="393480" imgH="203040" progId="Equation.DSMT4">
                   <p:embed/>
                 </p:oleObj>
               </mc:Choice>
@@ -26756,7 +27730,7 @@
           <a:graphicData uri="http://schemas.openxmlformats.org/presentationml/2006/ole">
             <mc:AlternateContent xmlns:mc="http://schemas.openxmlformats.org/markup-compatibility/2006">
               <mc:Choice xmlns:v="urn:schemas-microsoft-com:vml" Requires="v">
-                <p:oleObj spid="_x0000_s16399" name="Equation" r:id="rId7" imgW="355320" imgH="203040" progId="Equation.DSMT4">
+                <p:oleObj spid="_x0000_s16405" name="Equation" r:id="rId7" imgW="355320" imgH="203040" progId="Equation.DSMT4">
                   <p:embed/>
                 </p:oleObj>
               </mc:Choice>

--- a/lectures/lecture2.pptx
+++ b/lectures/lecture2.pptx
@@ -319,7 +319,7 @@
           <a:p>
             <a:fld id="{88225CEC-B4DB-421E-BD7D-F5D0F79EA658}" type="datetimeFigureOut">
               <a:rPr lang="en-US" smtClean="0"/>
-              <a:t>3/2/2021</a:t>
+              <a:t>3/7/2021</a:t>
             </a:fld>
             <a:endParaRPr lang="en-US"/>
           </a:p>
@@ -849,7 +849,7 @@
           <a:p>
             <a:fld id="{2F895662-E2E6-47BC-B493-3EA4FCF734B6}" type="datetime1">
               <a:rPr lang="en-US" smtClean="0"/>
-              <a:t>3/2/2021</a:t>
+              <a:t>3/7/2021</a:t>
             </a:fld>
             <a:endParaRPr lang="en-US"/>
           </a:p>
@@ -1017,7 +1017,7 @@
           <a:p>
             <a:fld id="{0F4BFD65-5602-4172-B54C-6A65165A1845}" type="datetime1">
               <a:rPr lang="en-US" smtClean="0"/>
-              <a:t>3/2/2021</a:t>
+              <a:t>3/7/2021</a:t>
             </a:fld>
             <a:endParaRPr lang="en-US"/>
           </a:p>
@@ -1195,7 +1195,7 @@
           <a:p>
             <a:fld id="{6CA290DE-8138-4626-BC3F-DF68A3BD09D8}" type="datetime1">
               <a:rPr lang="en-US" smtClean="0"/>
-              <a:t>3/2/2021</a:t>
+              <a:t>3/7/2021</a:t>
             </a:fld>
             <a:endParaRPr lang="en-US"/>
           </a:p>
@@ -1363,7 +1363,7 @@
           <a:p>
             <a:fld id="{E1BE8E3F-75DF-45E8-9F6B-4F2E22494A32}" type="datetime1">
               <a:rPr lang="en-US" smtClean="0"/>
-              <a:t>3/2/2021</a:t>
+              <a:t>3/7/2021</a:t>
             </a:fld>
             <a:endParaRPr lang="en-US"/>
           </a:p>
@@ -1608,7 +1608,7 @@
           <a:p>
             <a:fld id="{82F4DA82-3E7C-4CFB-A30B-53D3893EF32E}" type="datetime1">
               <a:rPr lang="en-US" smtClean="0"/>
-              <a:t>3/2/2021</a:t>
+              <a:t>3/7/2021</a:t>
             </a:fld>
             <a:endParaRPr lang="en-US"/>
           </a:p>
@@ -1893,7 +1893,7 @@
           <a:p>
             <a:fld id="{36B3D8AD-4C83-4D73-AEE7-5E801ED5356C}" type="datetime1">
               <a:rPr lang="en-US" smtClean="0"/>
-              <a:t>3/2/2021</a:t>
+              <a:t>3/7/2021</a:t>
             </a:fld>
             <a:endParaRPr lang="en-US"/>
           </a:p>
@@ -2312,7 +2312,7 @@
           <a:p>
             <a:fld id="{7E6893DB-DD64-49D6-A5C2-F6ACE2B1530B}" type="datetime1">
               <a:rPr lang="en-US" smtClean="0"/>
-              <a:t>3/2/2021</a:t>
+              <a:t>3/7/2021</a:t>
             </a:fld>
             <a:endParaRPr lang="en-US"/>
           </a:p>
@@ -2429,7 +2429,7 @@
           <a:p>
             <a:fld id="{FC0A94C3-7A0F-4E28-9A06-985C13FFBB01}" type="datetime1">
               <a:rPr lang="en-US" smtClean="0"/>
-              <a:t>3/2/2021</a:t>
+              <a:t>3/7/2021</a:t>
             </a:fld>
             <a:endParaRPr lang="en-US"/>
           </a:p>
@@ -2524,7 +2524,7 @@
           <a:p>
             <a:fld id="{8587B2D3-0011-41C0-B2C5-6B713844DB1C}" type="datetime1">
               <a:rPr lang="en-US" smtClean="0"/>
-              <a:t>3/2/2021</a:t>
+              <a:t>3/7/2021</a:t>
             </a:fld>
             <a:endParaRPr lang="en-US"/>
           </a:p>
@@ -2799,7 +2799,7 @@
           <a:p>
             <a:fld id="{B53EE19A-9EFD-417C-93CE-FC2F485F3533}" type="datetime1">
               <a:rPr lang="en-US" smtClean="0"/>
-              <a:t>3/2/2021</a:t>
+              <a:t>3/7/2021</a:t>
             </a:fld>
             <a:endParaRPr lang="en-US"/>
           </a:p>
@@ -3054,7 +3054,7 @@
           <a:p>
             <a:fld id="{87D9954C-8CD1-4968-8DFE-C7948C62F830}" type="datetime1">
               <a:rPr lang="en-US" smtClean="0"/>
-              <a:t>3/2/2021</a:t>
+              <a:t>3/7/2021</a:t>
             </a:fld>
             <a:endParaRPr lang="en-US"/>
           </a:p>
@@ -3270,7 +3270,7 @@
           <a:p>
             <a:fld id="{B4BF092D-FE75-4F27-B0C3-A897761F708C}" type="datetime1">
               <a:rPr lang="en-US" smtClean="0"/>
-              <a:t>3/2/2021</a:t>
+              <a:t>3/7/2021</a:t>
             </a:fld>
             <a:endParaRPr lang="en-US"/>
           </a:p>
@@ -4304,7 +4304,7 @@
           <a:graphicData uri="http://schemas.openxmlformats.org/presentationml/2006/ole">
             <mc:AlternateContent xmlns:mc="http://schemas.openxmlformats.org/markup-compatibility/2006">
               <mc:Choice xmlns:v="urn:schemas-microsoft-com:vml" Requires="v">
-                <p:oleObj spid="_x0000_s3272" name="Equation" r:id="rId3" imgW="139680" imgH="203040" progId="Equation.DSMT4">
+                <p:oleObj spid="_x0000_s3280" name="Equation" r:id="rId3" imgW="139680" imgH="203040" progId="Equation.DSMT4">
                   <p:embed/>
                 </p:oleObj>
               </mc:Choice>
@@ -4361,7 +4361,7 @@
           <a:graphicData uri="http://schemas.openxmlformats.org/presentationml/2006/ole">
             <mc:AlternateContent xmlns:mc="http://schemas.openxmlformats.org/markup-compatibility/2006">
               <mc:Choice xmlns:v="urn:schemas-microsoft-com:vml" Requires="v">
-                <p:oleObj spid="_x0000_s3273" name="Equation" r:id="rId5" imgW="2450880" imgH="253800" progId="Equation.DSMT4">
+                <p:oleObj spid="_x0000_s3281" name="Equation" r:id="rId5" imgW="2450880" imgH="253800" progId="Equation.DSMT4">
                   <p:embed/>
                 </p:oleObj>
               </mc:Choice>
@@ -4418,7 +4418,7 @@
           <a:graphicData uri="http://schemas.openxmlformats.org/presentationml/2006/ole">
             <mc:AlternateContent xmlns:mc="http://schemas.openxmlformats.org/markup-compatibility/2006">
               <mc:Choice xmlns:v="urn:schemas-microsoft-com:vml" Requires="v">
-                <p:oleObj spid="_x0000_s3274" name="Equation" r:id="rId7" imgW="164880" imgH="228600" progId="Equation.DSMT4">
+                <p:oleObj spid="_x0000_s3282" name="Equation" r:id="rId7" imgW="164880" imgH="228600" progId="Equation.DSMT4">
                   <p:embed/>
                 </p:oleObj>
               </mc:Choice>
@@ -4555,7 +4555,7 @@
           <a:graphicData uri="http://schemas.openxmlformats.org/presentationml/2006/ole">
             <mc:AlternateContent xmlns:mc="http://schemas.openxmlformats.org/markup-compatibility/2006">
               <mc:Choice xmlns:v="urn:schemas-microsoft-com:vml" Requires="v">
-                <p:oleObj spid="_x0000_s3275" name="Equation" r:id="rId3" imgW="139680" imgH="203040" progId="Equation.DSMT4">
+                <p:oleObj spid="_x0000_s3283" name="Equation" r:id="rId3" imgW="139680" imgH="203040" progId="Equation.DSMT4">
                   <p:embed/>
                 </p:oleObj>
               </mc:Choice>
@@ -7290,7 +7290,7 @@
           <a:graphicData uri="http://schemas.openxmlformats.org/presentationml/2006/ole">
             <mc:AlternateContent xmlns:mc="http://schemas.openxmlformats.org/markup-compatibility/2006">
               <mc:Choice xmlns:v="urn:schemas-microsoft-com:vml" Requires="v">
-                <p:oleObj spid="_x0000_s4228" name="Equation" r:id="rId5" imgW="393480" imgH="203040" progId="Equation.DSMT4">
+                <p:oleObj spid="_x0000_s4232" name="Equation" r:id="rId5" imgW="393480" imgH="203040" progId="Equation.DSMT4">
                   <p:embed/>
                 </p:oleObj>
               </mc:Choice>
@@ -7347,7 +7347,7 @@
           <a:graphicData uri="http://schemas.openxmlformats.org/presentationml/2006/ole">
             <mc:AlternateContent xmlns:mc="http://schemas.openxmlformats.org/markup-compatibility/2006">
               <mc:Choice xmlns:v="urn:schemas-microsoft-com:vml" Requires="v">
-                <p:oleObj spid="_x0000_s4229" name="Equation" r:id="rId7" imgW="355320" imgH="203040" progId="Equation.DSMT4">
+                <p:oleObj spid="_x0000_s4233" name="Equation" r:id="rId7" imgW="355320" imgH="203040" progId="Equation.DSMT4">
                   <p:embed/>
                 </p:oleObj>
               </mc:Choice>
@@ -8972,7 +8972,7 @@
           <a:graphicData uri="http://schemas.openxmlformats.org/presentationml/2006/ole">
             <mc:AlternateContent xmlns:mc="http://schemas.openxmlformats.org/markup-compatibility/2006">
               <mc:Choice xmlns:v="urn:schemas-microsoft-com:vml" Requires="v">
-                <p:oleObj spid="_x0000_s5175" name="Equation" r:id="rId5" imgW="1104840" imgH="304560" progId="Equation.DSMT4">
+                <p:oleObj spid="_x0000_s5177" name="Equation" r:id="rId5" imgW="1104840" imgH="304560" progId="Equation.DSMT4">
                   <p:embed/>
                 </p:oleObj>
               </mc:Choice>
@@ -9474,7 +9474,7 @@
           <a:graphicData uri="http://schemas.openxmlformats.org/presentationml/2006/ole">
             <mc:AlternateContent xmlns:mc="http://schemas.openxmlformats.org/markup-compatibility/2006">
               <mc:Choice xmlns:v="urn:schemas-microsoft-com:vml" Requires="v">
-                <p:oleObj spid="_x0000_s11301" name="Equation" r:id="rId9" imgW="1231560" imgH="291960" progId="Equation.DSMT4">
+                <p:oleObj spid="_x0000_s11303" name="Equation" r:id="rId9" imgW="1231560" imgH="291960" progId="Equation.DSMT4">
                   <p:embed/>
                 </p:oleObj>
               </mc:Choice>
@@ -10692,7 +10692,7 @@
           <a:graphicData uri="http://schemas.openxmlformats.org/presentationml/2006/ole">
             <mc:AlternateContent xmlns:mc="http://schemas.openxmlformats.org/markup-compatibility/2006">
               <mc:Choice xmlns:v="urn:schemas-microsoft-com:vml" Requires="v">
-                <p:oleObj spid="_x0000_s7222" name="Equation" r:id="rId6" imgW="1676160" imgH="304560" progId="Equation.DSMT4">
+                <p:oleObj spid="_x0000_s7224" name="Equation" r:id="rId6" imgW="1676160" imgH="304560" progId="Equation.DSMT4">
                   <p:embed/>
                 </p:oleObj>
               </mc:Choice>
@@ -11271,7 +11271,7 @@
           <a:graphicData uri="http://schemas.openxmlformats.org/presentationml/2006/ole">
             <mc:AlternateContent xmlns:mc="http://schemas.openxmlformats.org/markup-compatibility/2006">
               <mc:Choice xmlns:v="urn:schemas-microsoft-com:vml" Requires="v">
-                <p:oleObj spid="_x0000_s6201" name="Equation" r:id="rId3" imgW="1104840" imgH="304560" progId="Equation.DSMT4">
+                <p:oleObj spid="_x0000_s6203" name="Equation" r:id="rId3" imgW="1104840" imgH="304560" progId="Equation.DSMT4">
                   <p:embed/>
                 </p:oleObj>
               </mc:Choice>
@@ -11951,7 +11951,7 @@
           <a:graphicData uri="http://schemas.openxmlformats.org/presentationml/2006/ole">
             <mc:AlternateContent xmlns:mc="http://schemas.openxmlformats.org/markup-compatibility/2006">
               <mc:Choice xmlns:v="urn:schemas-microsoft-com:vml" Requires="v">
-                <p:oleObj spid="_x0000_s12322" name="Equation" r:id="rId3" imgW="1676160" imgH="304560" progId="Equation.DSMT4">
+                <p:oleObj spid="_x0000_s12324" name="Equation" r:id="rId3" imgW="1676160" imgH="304560" progId="Equation.DSMT4">
                   <p:embed/>
                 </p:oleObj>
               </mc:Choice>
@@ -14413,7 +14413,12 @@
             <p:ph type="sldNum" sz="quarter" idx="12"/>
           </p:nvPr>
         </p:nvSpPr>
-        <p:spPr/>
+        <p:spPr>
+          <a:xfrm>
+            <a:off x="6629400" y="6356350"/>
+            <a:ext cx="2133600" cy="365125"/>
+          </a:xfrm>
+        </p:spPr>
         <p:txBody>
           <a:bodyPr/>
           <a:lstStyle/>
@@ -18775,7 +18780,7 @@
           <a:p>
             <a:r>
               <a:rPr lang="en-US" dirty="0"/>
-              <a:t>Model formulae in R define y &amp; X:</a:t>
+              <a:t>Model formulae in R define y ~ X:</a:t>
             </a:r>
           </a:p>
         </p:txBody>
@@ -22121,7 +22126,7 @@
             <a:graphicData uri="http://schemas.openxmlformats.org/presentationml/2006/ole">
               <mc:AlternateContent xmlns:mc="http://schemas.openxmlformats.org/markup-compatibility/2006">
                 <mc:Choice xmlns:v="urn:schemas-microsoft-com:vml" Requires="v">
-                  <p:oleObj spid="_x0000_s14483" name="Equation" r:id="rId3" imgW="203040" imgH="253800" progId="Equation.DSMT4">
+                  <p:oleObj spid="_x0000_s14507" name="Equation" r:id="rId3" imgW="203040" imgH="253800" progId="Equation.DSMT4">
                     <p:embed/>
                   </p:oleObj>
                 </mc:Choice>
@@ -22495,7 +22500,7 @@
               <a:graphicData uri="http://schemas.openxmlformats.org/presentationml/2006/ole">
                 <mc:AlternateContent xmlns:mc="http://schemas.openxmlformats.org/markup-compatibility/2006">
                   <mc:Choice xmlns:v="urn:schemas-microsoft-com:vml" Requires="v">
-                    <p:oleObj spid="_x0000_s14484" name="Equation" r:id="rId5" imgW="190440" imgH="228600" progId="Equation.DSMT4">
+                    <p:oleObj spid="_x0000_s14508" name="Equation" r:id="rId5" imgW="190440" imgH="228600" progId="Equation.DSMT4">
                       <p:embed/>
                     </p:oleObj>
                   </mc:Choice>
@@ -22558,7 +22563,7 @@
               <a:graphicData uri="http://schemas.openxmlformats.org/presentationml/2006/ole">
                 <mc:AlternateContent xmlns:mc="http://schemas.openxmlformats.org/markup-compatibility/2006">
                   <mc:Choice xmlns:v="urn:schemas-microsoft-com:vml" Requires="v">
-                    <p:oleObj spid="_x0000_s14485" name="Equation" r:id="rId7" imgW="241200" imgH="253800" progId="Equation.DSMT4">
+                    <p:oleObj spid="_x0000_s14509" name="Equation" r:id="rId7" imgW="241200" imgH="253800" progId="Equation.DSMT4">
                       <p:embed/>
                     </p:oleObj>
                   </mc:Choice>
@@ -22641,7 +22646,7 @@
                 <a:graphicData uri="http://schemas.openxmlformats.org/presentationml/2006/ole">
                   <mc:AlternateContent xmlns:mc="http://schemas.openxmlformats.org/markup-compatibility/2006">
                     <mc:Choice xmlns:v="urn:schemas-microsoft-com:vml" Requires="v">
-                      <p:oleObj spid="_x0000_s14486" name="Equation" r:id="rId9" imgW="596880" imgH="241200" progId="Equation.DSMT4">
+                      <p:oleObj spid="_x0000_s14510" name="Equation" r:id="rId9" imgW="596880" imgH="241200" progId="Equation.DSMT4">
                         <p:embed/>
                       </p:oleObj>
                     </mc:Choice>
@@ -22767,7 +22772,7 @@
                 <a:graphicData uri="http://schemas.openxmlformats.org/presentationml/2006/ole">
                   <mc:AlternateContent xmlns:mc="http://schemas.openxmlformats.org/markup-compatibility/2006">
                     <mc:Choice xmlns:v="urn:schemas-microsoft-com:vml" Requires="v">
-                      <p:oleObj spid="_x0000_s14487" name="Equation" r:id="rId11" imgW="622080" imgH="241200" progId="Equation.DSMT4">
+                      <p:oleObj spid="_x0000_s14511" name="Equation" r:id="rId11" imgW="622080" imgH="241200" progId="Equation.DSMT4">
                         <p:embed/>
                       </p:oleObj>
                     </mc:Choice>
@@ -22893,7 +22898,7 @@
                 <a:graphicData uri="http://schemas.openxmlformats.org/presentationml/2006/ole">
                   <mc:AlternateContent xmlns:mc="http://schemas.openxmlformats.org/markup-compatibility/2006">
                     <mc:Choice xmlns:v="urn:schemas-microsoft-com:vml" Requires="v">
-                      <p:oleObj spid="_x0000_s14488" name="Equation" r:id="rId13" imgW="609480" imgH="241200" progId="Equation.DSMT4">
+                      <p:oleObj spid="_x0000_s14512" name="Equation" r:id="rId13" imgW="609480" imgH="241200" progId="Equation.DSMT4">
                         <p:embed/>
                       </p:oleObj>
                     </mc:Choice>
@@ -23021,7 +23026,7 @@
             <a:graphicData uri="http://schemas.openxmlformats.org/presentationml/2006/ole">
               <mc:AlternateContent xmlns:mc="http://schemas.openxmlformats.org/markup-compatibility/2006">
                 <mc:Choice xmlns:v="urn:schemas-microsoft-com:vml" Requires="v">
-                  <p:oleObj spid="_x0000_s14489" name="Equation" r:id="rId15" imgW="203040" imgH="253800" progId="Equation.DSMT4">
+                  <p:oleObj spid="_x0000_s14513" name="Equation" r:id="rId15" imgW="203040" imgH="253800" progId="Equation.DSMT4">
                     <p:embed/>
                   </p:oleObj>
                 </mc:Choice>
@@ -23381,7 +23386,7 @@
             <a:graphicData uri="http://schemas.openxmlformats.org/presentationml/2006/ole">
               <mc:AlternateContent xmlns:mc="http://schemas.openxmlformats.org/markup-compatibility/2006">
                 <mc:Choice xmlns:v="urn:schemas-microsoft-com:vml" Requires="v">
-                  <p:oleObj spid="_x0000_s14490" name="Equation" r:id="rId16" imgW="190440" imgH="228600" progId="Equation.DSMT4">
+                  <p:oleObj spid="_x0000_s14514" name="Equation" r:id="rId16" imgW="190440" imgH="228600" progId="Equation.DSMT4">
                     <p:embed/>
                   </p:oleObj>
                 </mc:Choice>
@@ -23450,7 +23455,7 @@
             <a:graphicData uri="http://schemas.openxmlformats.org/presentationml/2006/ole">
               <mc:AlternateContent xmlns:mc="http://schemas.openxmlformats.org/markup-compatibility/2006">
                 <mc:Choice xmlns:v="urn:schemas-microsoft-com:vml" Requires="v">
-                  <p:oleObj spid="_x0000_s14491" name="Equation" r:id="rId17" imgW="241200" imgH="253800" progId="Equation.DSMT4">
+                  <p:oleObj spid="_x0000_s14515" name="Equation" r:id="rId17" imgW="241200" imgH="253800" progId="Equation.DSMT4">
                     <p:embed/>
                   </p:oleObj>
                 </mc:Choice>
@@ -23539,7 +23544,7 @@
               <a:graphicData uri="http://schemas.openxmlformats.org/presentationml/2006/ole">
                 <mc:AlternateContent xmlns:mc="http://schemas.openxmlformats.org/markup-compatibility/2006">
                   <mc:Choice xmlns:v="urn:schemas-microsoft-com:vml" Requires="v">
-                    <p:oleObj spid="_x0000_s14492" name="Equation" r:id="rId18" imgW="596880" imgH="241200" progId="Equation.DSMT4">
+                    <p:oleObj spid="_x0000_s14516" name="Equation" r:id="rId18" imgW="596880" imgH="241200" progId="Equation.DSMT4">
                       <p:embed/>
                     </p:oleObj>
                   </mc:Choice>
@@ -23665,7 +23670,7 @@
               <a:graphicData uri="http://schemas.openxmlformats.org/presentationml/2006/ole">
                 <mc:AlternateContent xmlns:mc="http://schemas.openxmlformats.org/markup-compatibility/2006">
                   <mc:Choice xmlns:v="urn:schemas-microsoft-com:vml" Requires="v">
-                    <p:oleObj spid="_x0000_s14493" name="Equation" r:id="rId19" imgW="622080" imgH="241200" progId="Equation.DSMT4">
+                    <p:oleObj spid="_x0000_s14517" name="Equation" r:id="rId19" imgW="622080" imgH="241200" progId="Equation.DSMT4">
                       <p:embed/>
                     </p:oleObj>
                   </mc:Choice>
@@ -23791,7 +23796,7 @@
               <a:graphicData uri="http://schemas.openxmlformats.org/presentationml/2006/ole">
                 <mc:AlternateContent xmlns:mc="http://schemas.openxmlformats.org/markup-compatibility/2006">
                   <mc:Choice xmlns:v="urn:schemas-microsoft-com:vml" Requires="v">
-                    <p:oleObj spid="_x0000_s14494" name="Equation" r:id="rId20" imgW="609480" imgH="241200" progId="Equation.DSMT4">
+                    <p:oleObj spid="_x0000_s14518" name="Equation" r:id="rId20" imgW="609480" imgH="241200" progId="Equation.DSMT4">
                       <p:embed/>
                     </p:oleObj>
                   </mc:Choice>
@@ -24019,7 +24024,7 @@
           <a:graphicData uri="http://schemas.openxmlformats.org/presentationml/2006/ole">
             <mc:AlternateContent xmlns:mc="http://schemas.openxmlformats.org/markup-compatibility/2006">
               <mc:Choice xmlns:v="urn:schemas-microsoft-com:vml" Requires="v">
-                <p:oleObj spid="_x0000_s1299" name="Equation" r:id="rId3" imgW="1143000" imgH="330120" progId="Equation.DSMT4">
+                <p:oleObj spid="_x0000_s1307" name="Equation" r:id="rId3" imgW="1143000" imgH="330120" progId="Equation.DSMT4">
                   <p:embed/>
                 </p:oleObj>
               </mc:Choice>
@@ -24076,7 +24081,7 @@
           <a:graphicData uri="http://schemas.openxmlformats.org/presentationml/2006/ole">
             <mc:AlternateContent xmlns:mc="http://schemas.openxmlformats.org/markup-compatibility/2006">
               <mc:Choice xmlns:v="urn:schemas-microsoft-com:vml" Requires="v">
-                <p:oleObj spid="_x0000_s1300" name="Equation" r:id="rId5" imgW="1244520" imgH="291960" progId="Equation.DSMT4">
+                <p:oleObj spid="_x0000_s1308" name="Equation" r:id="rId5" imgW="1244520" imgH="291960" progId="Equation.DSMT4">
                   <p:embed/>
                 </p:oleObj>
               </mc:Choice>
@@ -24163,7 +24168,7 @@
           <a:graphicData uri="http://schemas.openxmlformats.org/presentationml/2006/ole">
             <mc:AlternateContent xmlns:mc="http://schemas.openxmlformats.org/markup-compatibility/2006">
               <mc:Choice xmlns:v="urn:schemas-microsoft-com:vml" Requires="v">
-                <p:oleObj spid="_x0000_s1301" name="Equation" r:id="rId7" imgW="2286000" imgH="685800" progId="Equation.DSMT4">
+                <p:oleObj spid="_x0000_s1309" name="Equation" r:id="rId7" imgW="2286000" imgH="685800" progId="Equation.DSMT4">
                   <p:embed/>
                 </p:oleObj>
               </mc:Choice>
@@ -24233,7 +24238,7 @@
           <a:graphicData uri="http://schemas.openxmlformats.org/presentationml/2006/ole">
             <mc:AlternateContent xmlns:mc="http://schemas.openxmlformats.org/markup-compatibility/2006">
               <mc:Choice xmlns:v="urn:schemas-microsoft-com:vml" Requires="v">
-                <p:oleObj spid="_x0000_s1302" name="Equation" r:id="rId9" imgW="1396800" imgH="431640" progId="Equation.DSMT4">
+                <p:oleObj spid="_x0000_s1310" name="Equation" r:id="rId9" imgW="1396800" imgH="431640" progId="Equation.DSMT4">
                   <p:embed/>
                 </p:oleObj>
               </mc:Choice>
@@ -24623,7 +24628,7 @@
           <a:graphicData uri="http://schemas.openxmlformats.org/presentationml/2006/ole">
             <mc:AlternateContent xmlns:mc="http://schemas.openxmlformats.org/markup-compatibility/2006">
               <mc:Choice xmlns:v="urn:schemas-microsoft-com:vml" Requires="v">
-                <p:oleObj spid="_x0000_s13389" name="Equation" r:id="rId4" imgW="812520" imgH="253800" progId="Equation.DSMT4">
+                <p:oleObj spid="_x0000_s13395" name="Equation" r:id="rId4" imgW="812520" imgH="253800" progId="Equation.DSMT4">
                   <p:embed/>
                 </p:oleObj>
               </mc:Choice>
@@ -24686,7 +24691,7 @@
           <a:graphicData uri="http://schemas.openxmlformats.org/presentationml/2006/ole">
             <mc:AlternateContent xmlns:mc="http://schemas.openxmlformats.org/markup-compatibility/2006">
               <mc:Choice xmlns:v="urn:schemas-microsoft-com:vml" Requires="v">
-                <p:oleObj spid="_x0000_s13390" name="Equation" r:id="rId6" imgW="838080" imgH="253800" progId="Equation.DSMT4">
+                <p:oleObj spid="_x0000_s13396" name="Equation" r:id="rId6" imgW="838080" imgH="253800" progId="Equation.DSMT4">
                   <p:embed/>
                 </p:oleObj>
               </mc:Choice>
@@ -24749,7 +24754,7 @@
           <a:graphicData uri="http://schemas.openxmlformats.org/presentationml/2006/ole">
             <mc:AlternateContent xmlns:mc="http://schemas.openxmlformats.org/markup-compatibility/2006">
               <mc:Choice xmlns:v="urn:schemas-microsoft-com:vml" Requires="v">
-                <p:oleObj spid="_x0000_s13391" name="Equation" r:id="rId8" imgW="825480" imgH="253800" progId="Equation.DSMT4">
+                <p:oleObj spid="_x0000_s13397" name="Equation" r:id="rId8" imgW="825480" imgH="253800" progId="Equation.DSMT4">
                   <p:embed/>
                 </p:oleObj>
               </mc:Choice>
@@ -24869,6 +24874,171 @@
   <p:clrMapOvr>
     <a:masterClrMapping/>
   </p:clrMapOvr>
+  <p:timing>
+    <p:tnLst>
+      <p:par>
+        <p:cTn id="1" dur="indefinite" restart="never" nodeType="tmRoot">
+          <p:childTnLst>
+            <p:seq concurrent="1" nextAc="seek">
+              <p:cTn id="2" dur="indefinite" nodeType="mainSeq">
+                <p:childTnLst>
+                  <p:par>
+                    <p:cTn id="3" fill="hold">
+                      <p:stCondLst>
+                        <p:cond delay="indefinite"/>
+                      </p:stCondLst>
+                      <p:childTnLst>
+                        <p:par>
+                          <p:cTn id="4" fill="hold">
+                            <p:stCondLst>
+                              <p:cond delay="0"/>
+                            </p:stCondLst>
+                            <p:childTnLst>
+                              <p:par>
+                                <p:cTn id="5" presetID="1" presetClass="entr" presetSubtype="0" fill="hold" nodeType="clickEffect">
+                                  <p:stCondLst>
+                                    <p:cond delay="0"/>
+                                  </p:stCondLst>
+                                  <p:childTnLst>
+                                    <p:set>
+                                      <p:cBhvr>
+                                        <p:cTn id="6" dur="1" fill="hold">
+                                          <p:stCondLst>
+                                            <p:cond delay="0"/>
+                                          </p:stCondLst>
+                                        </p:cTn>
+                                        <p:tgtEl>
+                                          <p:spTgt spid="7"/>
+                                        </p:tgtEl>
+                                        <p:attrNameLst>
+                                          <p:attrName>style.visibility</p:attrName>
+                                        </p:attrNameLst>
+                                      </p:cBhvr>
+                                      <p:to>
+                                        <p:strVal val="visible"/>
+                                      </p:to>
+                                    </p:set>
+                                  </p:childTnLst>
+                                </p:cTn>
+                              </p:par>
+                            </p:childTnLst>
+                          </p:cTn>
+                        </p:par>
+                      </p:childTnLst>
+                    </p:cTn>
+                  </p:par>
+                  <p:par>
+                    <p:cTn id="7" fill="hold">
+                      <p:stCondLst>
+                        <p:cond delay="indefinite"/>
+                      </p:stCondLst>
+                      <p:childTnLst>
+                        <p:par>
+                          <p:cTn id="8" fill="hold">
+                            <p:stCondLst>
+                              <p:cond delay="0"/>
+                            </p:stCondLst>
+                            <p:childTnLst>
+                              <p:par>
+                                <p:cTn id="9" presetID="1" presetClass="entr" presetSubtype="0" fill="hold" nodeType="clickEffect">
+                                  <p:stCondLst>
+                                    <p:cond delay="0"/>
+                                  </p:stCondLst>
+                                  <p:childTnLst>
+                                    <p:set>
+                                      <p:cBhvr>
+                                        <p:cTn id="10" dur="1" fill="hold">
+                                          <p:stCondLst>
+                                            <p:cond delay="0"/>
+                                          </p:stCondLst>
+                                        </p:cTn>
+                                        <p:tgtEl>
+                                          <p:spTgt spid="8"/>
+                                        </p:tgtEl>
+                                        <p:attrNameLst>
+                                          <p:attrName>style.visibility</p:attrName>
+                                        </p:attrNameLst>
+                                      </p:cBhvr>
+                                      <p:to>
+                                        <p:strVal val="visible"/>
+                                      </p:to>
+                                    </p:set>
+                                  </p:childTnLst>
+                                </p:cTn>
+                              </p:par>
+                            </p:childTnLst>
+                          </p:cTn>
+                        </p:par>
+                      </p:childTnLst>
+                    </p:cTn>
+                  </p:par>
+                  <p:par>
+                    <p:cTn id="11" fill="hold">
+                      <p:stCondLst>
+                        <p:cond delay="indefinite"/>
+                      </p:stCondLst>
+                      <p:childTnLst>
+                        <p:par>
+                          <p:cTn id="12" fill="hold">
+                            <p:stCondLst>
+                              <p:cond delay="0"/>
+                            </p:stCondLst>
+                            <p:childTnLst>
+                              <p:par>
+                                <p:cTn id="13" presetID="1" presetClass="entr" presetSubtype="0" fill="hold" nodeType="clickEffect">
+                                  <p:stCondLst>
+                                    <p:cond delay="0"/>
+                                  </p:stCondLst>
+                                  <p:childTnLst>
+                                    <p:set>
+                                      <p:cBhvr>
+                                        <p:cTn id="14" dur="1" fill="hold">
+                                          <p:stCondLst>
+                                            <p:cond delay="0"/>
+                                          </p:stCondLst>
+                                        </p:cTn>
+                                        <p:tgtEl>
+                                          <p:spTgt spid="9"/>
+                                        </p:tgtEl>
+                                        <p:attrNameLst>
+                                          <p:attrName>style.visibility</p:attrName>
+                                        </p:attrNameLst>
+                                      </p:cBhvr>
+                                      <p:to>
+                                        <p:strVal val="visible"/>
+                                      </p:to>
+                                    </p:set>
+                                  </p:childTnLst>
+                                </p:cTn>
+                              </p:par>
+                            </p:childTnLst>
+                          </p:cTn>
+                        </p:par>
+                      </p:childTnLst>
+                    </p:cTn>
+                  </p:par>
+                </p:childTnLst>
+              </p:cTn>
+              <p:prevCondLst>
+                <p:cond evt="onPrev" delay="0">
+                  <p:tgtEl>
+                    <p:sldTgt/>
+                  </p:tgtEl>
+                </p:cond>
+              </p:prevCondLst>
+              <p:nextCondLst>
+                <p:cond evt="onNext" delay="0">
+                  <p:tgtEl>
+                    <p:sldTgt/>
+                  </p:tgtEl>
+                </p:cond>
+              </p:nextCondLst>
+            </p:seq>
+          </p:childTnLst>
+        </p:cTn>
+      </p:par>
+    </p:tnLst>
+  </p:timing>
 </p:sld>
 </file>
 
@@ -25123,7 +25293,7 @@
           <a:graphicData uri="http://schemas.openxmlformats.org/presentationml/2006/ole">
             <mc:AlternateContent xmlns:mc="http://schemas.openxmlformats.org/markup-compatibility/2006">
               <mc:Choice xmlns:v="urn:schemas-microsoft-com:vml" Requires="v">
-                <p:oleObj spid="_x0000_s2304" name="Equation" r:id="rId3" imgW="1231560" imgH="291960" progId="Equation.DSMT4">
+                <p:oleObj spid="_x0000_s2310" name="Equation" r:id="rId3" imgW="1231560" imgH="291960" progId="Equation.DSMT4">
                   <p:embed/>
                 </p:oleObj>
               </mc:Choice>
@@ -25180,7 +25350,7 @@
           <a:graphicData uri="http://schemas.openxmlformats.org/presentationml/2006/ole">
             <mc:AlternateContent xmlns:mc="http://schemas.openxmlformats.org/markup-compatibility/2006">
               <mc:Choice xmlns:v="urn:schemas-microsoft-com:vml" Requires="v">
-                <p:oleObj spid="_x0000_s2305" name="Equation" r:id="rId5" imgW="1282680" imgH="291960" progId="Equation.DSMT4">
+                <p:oleObj spid="_x0000_s2311" name="Equation" r:id="rId5" imgW="1282680" imgH="291960" progId="Equation.DSMT4">
                   <p:embed/>
                 </p:oleObj>
               </mc:Choice>
@@ -25274,7 +25444,7 @@
           <a:graphicData uri="http://schemas.openxmlformats.org/presentationml/2006/ole">
             <mc:AlternateContent xmlns:mc="http://schemas.openxmlformats.org/markup-compatibility/2006">
               <mc:Choice xmlns:v="urn:schemas-microsoft-com:vml" Requires="v">
-                <p:oleObj spid="_x0000_s2306" name="Equation" r:id="rId7" imgW="1854000" imgH="609480" progId="Equation.DSMT4">
+                <p:oleObj spid="_x0000_s2312" name="Equation" r:id="rId7" imgW="1854000" imgH="609480" progId="Equation.DSMT4">
                   <p:embed/>
                 </p:oleObj>
               </mc:Choice>
@@ -26062,7 +26232,7 @@
             <a:graphicData uri="http://schemas.openxmlformats.org/presentationml/2006/ole">
               <mc:AlternateContent xmlns:mc="http://schemas.openxmlformats.org/markup-compatibility/2006">
                 <mc:Choice xmlns:v="urn:schemas-microsoft-com:vml" Requires="v">
-                  <p:oleObj spid="_x0000_s15428" name="Equation" r:id="rId8" imgW="203040" imgH="253800" progId="Equation.DSMT4">
+                  <p:oleObj spid="_x0000_s15440" name="Equation" r:id="rId8" imgW="203040" imgH="253800" progId="Equation.DSMT4">
                     <p:embed/>
                   </p:oleObj>
                 </mc:Choice>
@@ -26422,7 +26592,7 @@
             <a:graphicData uri="http://schemas.openxmlformats.org/presentationml/2006/ole">
               <mc:AlternateContent xmlns:mc="http://schemas.openxmlformats.org/markup-compatibility/2006">
                 <mc:Choice xmlns:v="urn:schemas-microsoft-com:vml" Requires="v">
-                  <p:oleObj spid="_x0000_s15429" name="Equation" r:id="rId10" imgW="190440" imgH="228600" progId="Equation.DSMT4">
+                  <p:oleObj spid="_x0000_s15441" name="Equation" r:id="rId10" imgW="190440" imgH="228600" progId="Equation.DSMT4">
                     <p:embed/>
                   </p:oleObj>
                 </mc:Choice>
@@ -26491,7 +26661,7 @@
             <a:graphicData uri="http://schemas.openxmlformats.org/presentationml/2006/ole">
               <mc:AlternateContent xmlns:mc="http://schemas.openxmlformats.org/markup-compatibility/2006">
                 <mc:Choice xmlns:v="urn:schemas-microsoft-com:vml" Requires="v">
-                  <p:oleObj spid="_x0000_s15430" name="Equation" r:id="rId12" imgW="241200" imgH="253800" progId="Equation.DSMT4">
+                  <p:oleObj spid="_x0000_s15442" name="Equation" r:id="rId12" imgW="241200" imgH="253800" progId="Equation.DSMT4">
                     <p:embed/>
                   </p:oleObj>
                 </mc:Choice>
@@ -26580,7 +26750,7 @@
               <a:graphicData uri="http://schemas.openxmlformats.org/presentationml/2006/ole">
                 <mc:AlternateContent xmlns:mc="http://schemas.openxmlformats.org/markup-compatibility/2006">
                   <mc:Choice xmlns:v="urn:schemas-microsoft-com:vml" Requires="v">
-                    <p:oleObj spid="_x0000_s15431" name="Equation" r:id="rId14" imgW="596880" imgH="241200" progId="Equation.DSMT4">
+                    <p:oleObj spid="_x0000_s15443" name="Equation" r:id="rId14" imgW="596880" imgH="241200" progId="Equation.DSMT4">
                       <p:embed/>
                     </p:oleObj>
                   </mc:Choice>
@@ -26706,7 +26876,7 @@
               <a:graphicData uri="http://schemas.openxmlformats.org/presentationml/2006/ole">
                 <mc:AlternateContent xmlns:mc="http://schemas.openxmlformats.org/markup-compatibility/2006">
                   <mc:Choice xmlns:v="urn:schemas-microsoft-com:vml" Requires="v">
-                    <p:oleObj spid="_x0000_s15432" name="Equation" r:id="rId16" imgW="622080" imgH="241200" progId="Equation.DSMT4">
+                    <p:oleObj spid="_x0000_s15444" name="Equation" r:id="rId16" imgW="622080" imgH="241200" progId="Equation.DSMT4">
                       <p:embed/>
                     </p:oleObj>
                   </mc:Choice>
@@ -26832,7 +27002,7 @@
               <a:graphicData uri="http://schemas.openxmlformats.org/presentationml/2006/ole">
                 <mc:AlternateContent xmlns:mc="http://schemas.openxmlformats.org/markup-compatibility/2006">
                   <mc:Choice xmlns:v="urn:schemas-microsoft-com:vml" Requires="v">
-                    <p:oleObj spid="_x0000_s15433" name="Equation" r:id="rId18" imgW="609480" imgH="241200" progId="Equation.DSMT4">
+                    <p:oleObj spid="_x0000_s15445" name="Equation" r:id="rId18" imgW="609480" imgH="241200" progId="Equation.DSMT4">
                       <p:embed/>
                     </p:oleObj>
                   </mc:Choice>
@@ -27679,7 +27849,7 @@
           <a:graphicData uri="http://schemas.openxmlformats.org/presentationml/2006/ole">
             <mc:AlternateContent xmlns:mc="http://schemas.openxmlformats.org/markup-compatibility/2006">
               <mc:Choice xmlns:v="urn:schemas-microsoft-com:vml" Requires="v">
-                <p:oleObj spid="_x0000_s16404" name="Equation" r:id="rId5" imgW="393480" imgH="203040" progId="Equation.DSMT4">
+                <p:oleObj spid="_x0000_s16408" name="Equation" r:id="rId5" imgW="393480" imgH="203040" progId="Equation.DSMT4">
                   <p:embed/>
                 </p:oleObj>
               </mc:Choice>
@@ -27730,7 +27900,7 @@
           <a:graphicData uri="http://schemas.openxmlformats.org/presentationml/2006/ole">
             <mc:AlternateContent xmlns:mc="http://schemas.openxmlformats.org/markup-compatibility/2006">
               <mc:Choice xmlns:v="urn:schemas-microsoft-com:vml" Requires="v">
-                <p:oleObj spid="_x0000_s16405" name="Equation" r:id="rId7" imgW="355320" imgH="203040" progId="Equation.DSMT4">
+                <p:oleObj spid="_x0000_s16409" name="Equation" r:id="rId7" imgW="355320" imgH="203040" progId="Equation.DSMT4">
                   <p:embed/>
                 </p:oleObj>
               </mc:Choice>

--- a/lectures/lecture2.pptx
+++ b/lectures/lecture2.pptx
@@ -319,7 +319,7 @@
           <a:p>
             <a:fld id="{88225CEC-B4DB-421E-BD7D-F5D0F79EA658}" type="datetimeFigureOut">
               <a:rPr lang="en-US" smtClean="0"/>
-              <a:t>3/7/2021</a:t>
+              <a:t>3/8/2021</a:t>
             </a:fld>
             <a:endParaRPr lang="en-US"/>
           </a:p>
@@ -849,7 +849,7 @@
           <a:p>
             <a:fld id="{2F895662-E2E6-47BC-B493-3EA4FCF734B6}" type="datetime1">
               <a:rPr lang="en-US" smtClean="0"/>
-              <a:t>3/7/2021</a:t>
+              <a:t>3/8/2021</a:t>
             </a:fld>
             <a:endParaRPr lang="en-US"/>
           </a:p>
@@ -1017,7 +1017,7 @@
           <a:p>
             <a:fld id="{0F4BFD65-5602-4172-B54C-6A65165A1845}" type="datetime1">
               <a:rPr lang="en-US" smtClean="0"/>
-              <a:t>3/7/2021</a:t>
+              <a:t>3/8/2021</a:t>
             </a:fld>
             <a:endParaRPr lang="en-US"/>
           </a:p>
@@ -1195,7 +1195,7 @@
           <a:p>
             <a:fld id="{6CA290DE-8138-4626-BC3F-DF68A3BD09D8}" type="datetime1">
               <a:rPr lang="en-US" smtClean="0"/>
-              <a:t>3/7/2021</a:t>
+              <a:t>3/8/2021</a:t>
             </a:fld>
             <a:endParaRPr lang="en-US"/>
           </a:p>
@@ -1363,7 +1363,7 @@
           <a:p>
             <a:fld id="{E1BE8E3F-75DF-45E8-9F6B-4F2E22494A32}" type="datetime1">
               <a:rPr lang="en-US" smtClean="0"/>
-              <a:t>3/7/2021</a:t>
+              <a:t>3/8/2021</a:t>
             </a:fld>
             <a:endParaRPr lang="en-US"/>
           </a:p>
@@ -1608,7 +1608,7 @@
           <a:p>
             <a:fld id="{82F4DA82-3E7C-4CFB-A30B-53D3893EF32E}" type="datetime1">
               <a:rPr lang="en-US" smtClean="0"/>
-              <a:t>3/7/2021</a:t>
+              <a:t>3/8/2021</a:t>
             </a:fld>
             <a:endParaRPr lang="en-US"/>
           </a:p>
@@ -1893,7 +1893,7 @@
           <a:p>
             <a:fld id="{36B3D8AD-4C83-4D73-AEE7-5E801ED5356C}" type="datetime1">
               <a:rPr lang="en-US" smtClean="0"/>
-              <a:t>3/7/2021</a:t>
+              <a:t>3/8/2021</a:t>
             </a:fld>
             <a:endParaRPr lang="en-US"/>
           </a:p>
@@ -2312,7 +2312,7 @@
           <a:p>
             <a:fld id="{7E6893DB-DD64-49D6-A5C2-F6ACE2B1530B}" type="datetime1">
               <a:rPr lang="en-US" smtClean="0"/>
-              <a:t>3/7/2021</a:t>
+              <a:t>3/8/2021</a:t>
             </a:fld>
             <a:endParaRPr lang="en-US"/>
           </a:p>
@@ -2429,7 +2429,7 @@
           <a:p>
             <a:fld id="{FC0A94C3-7A0F-4E28-9A06-985C13FFBB01}" type="datetime1">
               <a:rPr lang="en-US" smtClean="0"/>
-              <a:t>3/7/2021</a:t>
+              <a:t>3/8/2021</a:t>
             </a:fld>
             <a:endParaRPr lang="en-US"/>
           </a:p>
@@ -2524,7 +2524,7 @@
           <a:p>
             <a:fld id="{8587B2D3-0011-41C0-B2C5-6B713844DB1C}" type="datetime1">
               <a:rPr lang="en-US" smtClean="0"/>
-              <a:t>3/7/2021</a:t>
+              <a:t>3/8/2021</a:t>
             </a:fld>
             <a:endParaRPr lang="en-US"/>
           </a:p>
@@ -2799,7 +2799,7 @@
           <a:p>
             <a:fld id="{B53EE19A-9EFD-417C-93CE-FC2F485F3533}" type="datetime1">
               <a:rPr lang="en-US" smtClean="0"/>
-              <a:t>3/7/2021</a:t>
+              <a:t>3/8/2021</a:t>
             </a:fld>
             <a:endParaRPr lang="en-US"/>
           </a:p>
@@ -3054,7 +3054,7 @@
           <a:p>
             <a:fld id="{87D9954C-8CD1-4968-8DFE-C7948C62F830}" type="datetime1">
               <a:rPr lang="en-US" smtClean="0"/>
-              <a:t>3/7/2021</a:t>
+              <a:t>3/8/2021</a:t>
             </a:fld>
             <a:endParaRPr lang="en-US"/>
           </a:p>
@@ -3270,7 +3270,7 @@
           <a:p>
             <a:fld id="{B4BF092D-FE75-4F27-B0C3-A897761F708C}" type="datetime1">
               <a:rPr lang="en-US" smtClean="0"/>
-              <a:t>3/7/2021</a:t>
+              <a:t>3/8/2021</a:t>
             </a:fld>
             <a:endParaRPr lang="en-US"/>
           </a:p>
@@ -3941,127 +3941,6 @@
   <p:clrMapOvr>
     <a:masterClrMapping/>
   </p:clrMapOvr>
-  <p:timing>
-    <p:tnLst>
-      <p:par>
-        <p:cTn id="1" dur="indefinite" restart="never" nodeType="tmRoot">
-          <p:childTnLst>
-            <p:seq concurrent="1" nextAc="seek">
-              <p:cTn id="2" dur="indefinite" nodeType="mainSeq">
-                <p:childTnLst>
-                  <p:par>
-                    <p:cTn id="3" fill="hold">
-                      <p:stCondLst>
-                        <p:cond delay="indefinite"/>
-                      </p:stCondLst>
-                      <p:childTnLst>
-                        <p:par>
-                          <p:cTn id="4" fill="hold">
-                            <p:stCondLst>
-                              <p:cond delay="0"/>
-                            </p:stCondLst>
-                            <p:childTnLst>
-                              <p:par>
-                                <p:cTn id="5" presetID="2" presetClass="entr" presetSubtype="8" fill="hold" nodeType="clickEffect">
-                                  <p:stCondLst>
-                                    <p:cond delay="0"/>
-                                  </p:stCondLst>
-                                  <p:childTnLst>
-                                    <p:set>
-                                      <p:cBhvr>
-                                        <p:cTn id="6" dur="1" fill="hold">
-                                          <p:stCondLst>
-                                            <p:cond delay="0"/>
-                                          </p:stCondLst>
-                                        </p:cTn>
-                                        <p:tgtEl>
-                                          <p:spTgt spid="4"/>
-                                        </p:tgtEl>
-                                        <p:attrNameLst>
-                                          <p:attrName>style.visibility</p:attrName>
-                                        </p:attrNameLst>
-                                      </p:cBhvr>
-                                      <p:to>
-                                        <p:strVal val="visible"/>
-                                      </p:to>
-                                    </p:set>
-                                    <p:anim calcmode="lin" valueType="num">
-                                      <p:cBhvr additive="base">
-                                        <p:cTn id="7" dur="500" fill="hold"/>
-                                        <p:tgtEl>
-                                          <p:spTgt spid="4"/>
-                                        </p:tgtEl>
-                                        <p:attrNameLst>
-                                          <p:attrName>ppt_x</p:attrName>
-                                        </p:attrNameLst>
-                                      </p:cBhvr>
-                                      <p:tavLst>
-                                        <p:tav tm="0">
-                                          <p:val>
-                                            <p:strVal val="0-#ppt_w/2"/>
-                                          </p:val>
-                                        </p:tav>
-                                        <p:tav tm="100000">
-                                          <p:val>
-                                            <p:strVal val="#ppt_x"/>
-                                          </p:val>
-                                        </p:tav>
-                                      </p:tavLst>
-                                    </p:anim>
-                                    <p:anim calcmode="lin" valueType="num">
-                                      <p:cBhvr additive="base">
-                                        <p:cTn id="8" dur="500" fill="hold"/>
-                                        <p:tgtEl>
-                                          <p:spTgt spid="4"/>
-                                        </p:tgtEl>
-                                        <p:attrNameLst>
-                                          <p:attrName>ppt_y</p:attrName>
-                                        </p:attrNameLst>
-                                      </p:cBhvr>
-                                      <p:tavLst>
-                                        <p:tav tm="0">
-                                          <p:val>
-                                            <p:strVal val="#ppt_y"/>
-                                          </p:val>
-                                        </p:tav>
-                                        <p:tav tm="100000">
-                                          <p:val>
-                                            <p:strVal val="#ppt_y"/>
-                                          </p:val>
-                                        </p:tav>
-                                      </p:tavLst>
-                                    </p:anim>
-                                  </p:childTnLst>
-                                </p:cTn>
-                              </p:par>
-                            </p:childTnLst>
-                          </p:cTn>
-                        </p:par>
-                      </p:childTnLst>
-                    </p:cTn>
-                  </p:par>
-                </p:childTnLst>
-              </p:cTn>
-              <p:prevCondLst>
-                <p:cond evt="onPrev" delay="0">
-                  <p:tgtEl>
-                    <p:sldTgt/>
-                  </p:tgtEl>
-                </p:cond>
-              </p:prevCondLst>
-              <p:nextCondLst>
-                <p:cond evt="onNext" delay="0">
-                  <p:tgtEl>
-                    <p:sldTgt/>
-                  </p:tgtEl>
-                </p:cond>
-              </p:nextCondLst>
-            </p:seq>
-          </p:childTnLst>
-        </p:cTn>
-      </p:par>
-    </p:tnLst>
-  </p:timing>
 </p:sld>
 </file>
 
@@ -4304,7 +4183,7 @@
           <a:graphicData uri="http://schemas.openxmlformats.org/presentationml/2006/ole">
             <mc:AlternateContent xmlns:mc="http://schemas.openxmlformats.org/markup-compatibility/2006">
               <mc:Choice xmlns:v="urn:schemas-microsoft-com:vml" Requires="v">
-                <p:oleObj spid="_x0000_s3280" name="Equation" r:id="rId3" imgW="139680" imgH="203040" progId="Equation.DSMT4">
+                <p:oleObj spid="_x0000_s3296" name="Equation" r:id="rId3" imgW="139680" imgH="203040" progId="Equation.DSMT4">
                   <p:embed/>
                 </p:oleObj>
               </mc:Choice>
@@ -4361,7 +4240,7 @@
           <a:graphicData uri="http://schemas.openxmlformats.org/presentationml/2006/ole">
             <mc:AlternateContent xmlns:mc="http://schemas.openxmlformats.org/markup-compatibility/2006">
               <mc:Choice xmlns:v="urn:schemas-microsoft-com:vml" Requires="v">
-                <p:oleObj spid="_x0000_s3281" name="Equation" r:id="rId5" imgW="2450880" imgH="253800" progId="Equation.DSMT4">
+                <p:oleObj spid="_x0000_s3297" name="Equation" r:id="rId5" imgW="2450880" imgH="253800" progId="Equation.DSMT4">
                   <p:embed/>
                 </p:oleObj>
               </mc:Choice>
@@ -4418,7 +4297,7 @@
           <a:graphicData uri="http://schemas.openxmlformats.org/presentationml/2006/ole">
             <mc:AlternateContent xmlns:mc="http://schemas.openxmlformats.org/markup-compatibility/2006">
               <mc:Choice xmlns:v="urn:schemas-microsoft-com:vml" Requires="v">
-                <p:oleObj spid="_x0000_s3282" name="Equation" r:id="rId7" imgW="164880" imgH="228600" progId="Equation.DSMT4">
+                <p:oleObj spid="_x0000_s3298" name="Equation" r:id="rId7" imgW="164880" imgH="228600" progId="Equation.DSMT4">
                   <p:embed/>
                 </p:oleObj>
               </mc:Choice>
@@ -4555,7 +4434,7 @@
           <a:graphicData uri="http://schemas.openxmlformats.org/presentationml/2006/ole">
             <mc:AlternateContent xmlns:mc="http://schemas.openxmlformats.org/markup-compatibility/2006">
               <mc:Choice xmlns:v="urn:schemas-microsoft-com:vml" Requires="v">
-                <p:oleObj spid="_x0000_s3283" name="Equation" r:id="rId3" imgW="139680" imgH="203040" progId="Equation.DSMT4">
+                <p:oleObj spid="_x0000_s3299" name="Equation" r:id="rId3" imgW="139680" imgH="203040" progId="Equation.DSMT4">
                   <p:embed/>
                 </p:oleObj>
               </mc:Choice>
@@ -4909,6 +4788,198 @@
   <p:clrMapOvr>
     <a:masterClrMapping/>
   </p:clrMapOvr>
+  <p:timing>
+    <p:tnLst>
+      <p:par>
+        <p:cTn id="1" dur="indefinite" restart="never" nodeType="tmRoot">
+          <p:childTnLst>
+            <p:seq concurrent="1" nextAc="seek">
+              <p:cTn id="2" dur="indefinite" nodeType="mainSeq">
+                <p:childTnLst>
+                  <p:par>
+                    <p:cTn id="3" fill="hold">
+                      <p:stCondLst>
+                        <p:cond delay="indefinite"/>
+                      </p:stCondLst>
+                      <p:childTnLst>
+                        <p:par>
+                          <p:cTn id="4" fill="hold">
+                            <p:stCondLst>
+                              <p:cond delay="0"/>
+                            </p:stCondLst>
+                            <p:childTnLst>
+                              <p:par>
+                                <p:cTn id="5" presetID="1" presetClass="entr" presetSubtype="0" fill="hold" nodeType="clickEffect">
+                                  <p:stCondLst>
+                                    <p:cond delay="0"/>
+                                  </p:stCondLst>
+                                  <p:childTnLst>
+                                    <p:set>
+                                      <p:cBhvr>
+                                        <p:cTn id="6" dur="1" fill="hold">
+                                          <p:stCondLst>
+                                            <p:cond delay="0"/>
+                                          </p:stCondLst>
+                                        </p:cTn>
+                                        <p:tgtEl>
+                                          <p:spTgt spid="3">
+                                            <p:txEl>
+                                              <p:pRg st="2" end="2"/>
+                                            </p:txEl>
+                                          </p:spTgt>
+                                        </p:tgtEl>
+                                        <p:attrNameLst>
+                                          <p:attrName>style.visibility</p:attrName>
+                                        </p:attrNameLst>
+                                      </p:cBhvr>
+                                      <p:to>
+                                        <p:strVal val="visible"/>
+                                      </p:to>
+                                    </p:set>
+                                  </p:childTnLst>
+                                </p:cTn>
+                              </p:par>
+                              <p:par>
+                                <p:cTn id="7" presetID="1" presetClass="entr" presetSubtype="0" fill="hold" grpId="0" nodeType="withEffect">
+                                  <p:stCondLst>
+                                    <p:cond delay="0"/>
+                                  </p:stCondLst>
+                                  <p:childTnLst>
+                                    <p:set>
+                                      <p:cBhvr>
+                                        <p:cTn id="8" dur="1" fill="hold">
+                                          <p:stCondLst>
+                                            <p:cond delay="0"/>
+                                          </p:stCondLst>
+                                        </p:cTn>
+                                        <p:tgtEl>
+                                          <p:spTgt spid="7"/>
+                                        </p:tgtEl>
+                                        <p:attrNameLst>
+                                          <p:attrName>style.visibility</p:attrName>
+                                        </p:attrNameLst>
+                                      </p:cBhvr>
+                                      <p:to>
+                                        <p:strVal val="visible"/>
+                                      </p:to>
+                                    </p:set>
+                                  </p:childTnLst>
+                                </p:cTn>
+                              </p:par>
+                            </p:childTnLst>
+                          </p:cTn>
+                        </p:par>
+                        <p:par>
+                          <p:cTn id="9" fill="hold">
+                            <p:stCondLst>
+                              <p:cond delay="0"/>
+                            </p:stCondLst>
+                            <p:childTnLst>
+                              <p:par>
+                                <p:cTn id="10" presetID="2" presetClass="entr" presetSubtype="2" fill="hold" grpId="0" nodeType="afterEffect">
+                                  <p:stCondLst>
+                                    <p:cond delay="1000"/>
+                                  </p:stCondLst>
+                                  <p:childTnLst>
+                                    <p:set>
+                                      <p:cBhvr>
+                                        <p:cTn id="11" dur="1" fill="hold">
+                                          <p:stCondLst>
+                                            <p:cond delay="0"/>
+                                          </p:stCondLst>
+                                        </p:cTn>
+                                        <p:tgtEl>
+                                          <p:spTgt spid="6"/>
+                                        </p:tgtEl>
+                                        <p:attrNameLst>
+                                          <p:attrName>style.visibility</p:attrName>
+                                        </p:attrNameLst>
+                                      </p:cBhvr>
+                                      <p:to>
+                                        <p:strVal val="visible"/>
+                                      </p:to>
+                                    </p:set>
+                                    <p:anim calcmode="lin" valueType="num">
+                                      <p:cBhvr additive="base">
+                                        <p:cTn id="12" dur="500" fill="hold"/>
+                                        <p:tgtEl>
+                                          <p:spTgt spid="6"/>
+                                        </p:tgtEl>
+                                        <p:attrNameLst>
+                                          <p:attrName>ppt_x</p:attrName>
+                                        </p:attrNameLst>
+                                      </p:cBhvr>
+                                      <p:tavLst>
+                                        <p:tav tm="0">
+                                          <p:val>
+                                            <p:strVal val="1+#ppt_w/2"/>
+                                          </p:val>
+                                        </p:tav>
+                                        <p:tav tm="100000">
+                                          <p:val>
+                                            <p:strVal val="#ppt_x"/>
+                                          </p:val>
+                                        </p:tav>
+                                      </p:tavLst>
+                                    </p:anim>
+                                    <p:anim calcmode="lin" valueType="num">
+                                      <p:cBhvr additive="base">
+                                        <p:cTn id="13" dur="500" fill="hold"/>
+                                        <p:tgtEl>
+                                          <p:spTgt spid="6"/>
+                                        </p:tgtEl>
+                                        <p:attrNameLst>
+                                          <p:attrName>ppt_y</p:attrName>
+                                        </p:attrNameLst>
+                                      </p:cBhvr>
+                                      <p:tavLst>
+                                        <p:tav tm="0">
+                                          <p:val>
+                                            <p:strVal val="#ppt_y"/>
+                                          </p:val>
+                                        </p:tav>
+                                        <p:tav tm="100000">
+                                          <p:val>
+                                            <p:strVal val="#ppt_y"/>
+                                          </p:val>
+                                        </p:tav>
+                                      </p:tavLst>
+                                    </p:anim>
+                                  </p:childTnLst>
+                                </p:cTn>
+                              </p:par>
+                            </p:childTnLst>
+                          </p:cTn>
+                        </p:par>
+                      </p:childTnLst>
+                    </p:cTn>
+                  </p:par>
+                </p:childTnLst>
+              </p:cTn>
+              <p:prevCondLst>
+                <p:cond evt="onPrev" delay="0">
+                  <p:tgtEl>
+                    <p:sldTgt/>
+                  </p:tgtEl>
+                </p:cond>
+              </p:prevCondLst>
+              <p:nextCondLst>
+                <p:cond evt="onNext" delay="0">
+                  <p:tgtEl>
+                    <p:sldTgt/>
+                  </p:tgtEl>
+                </p:cond>
+              </p:nextCondLst>
+            </p:seq>
+          </p:childTnLst>
+        </p:cTn>
+      </p:par>
+    </p:tnLst>
+    <p:bldLst>
+      <p:bldP spid="6" grpId="0"/>
+      <p:bldP spid="7" grpId="0" animBg="1"/>
+    </p:bldLst>
+  </p:timing>
 </p:sld>
 </file>
 
@@ -6018,298 +6089,6 @@
       </p:sp>
       <p:sp>
         <p:nvSpPr>
-          <p:cNvPr id="5" name="TextBox 4"/>
-          <p:cNvSpPr txBox="1"/>
-          <p:nvPr/>
-        </p:nvSpPr>
-        <p:spPr>
-          <a:xfrm>
-            <a:off x="533400" y="1828800"/>
-            <a:ext cx="3886200" cy="1384995"/>
-          </a:xfrm>
-          <a:prstGeom prst="rect">
-            <a:avLst/>
-          </a:prstGeom>
-          <a:solidFill>
-            <a:srgbClr val="FFFF00">
-              <a:alpha val="10000"/>
-            </a:srgbClr>
-          </a:solidFill>
-        </p:spPr>
-        <p:txBody>
-          <a:bodyPr wrap="square" rtlCol="0">
-            <a:spAutoFit/>
-          </a:bodyPr>
-          <a:lstStyle/>
-          <a:p>
-            <a:r>
-              <a:rPr lang="en-US" sz="1200" dirty="0">
-                <a:latin typeface="Lucida Sans Typewriter" pitchFamily="49" charset="0"/>
-              </a:rPr>
-              <a:t>&gt; </a:t>
-            </a:r>
-            <a:r>
-              <a:rPr lang="en-US" sz="1200" dirty="0" err="1">
-                <a:latin typeface="Lucida Sans Typewriter" pitchFamily="49" charset="0"/>
-              </a:rPr>
-              <a:t>Anova</a:t>
-            </a:r>
-            <a:r>
-              <a:rPr lang="en-US" sz="1200" dirty="0">
-                <a:latin typeface="Lucida Sans Typewriter" pitchFamily="49" charset="0"/>
-              </a:rPr>
-              <a:t>(lm(BM ~ group, data=</a:t>
-            </a:r>
-            <a:r>
-              <a:rPr lang="en-US" sz="1200" dirty="0" err="1">
-                <a:latin typeface="Lucida Sans Typewriter" pitchFamily="49" charset="0"/>
-              </a:rPr>
-              <a:t>mathscore</a:t>
-            </a:r>
-            <a:r>
-              <a:rPr lang="en-US" sz="1200" dirty="0">
-                <a:latin typeface="Lucida Sans Typewriter" pitchFamily="49" charset="0"/>
-              </a:rPr>
-              <a:t>))</a:t>
-            </a:r>
-          </a:p>
-          <a:p>
-            <a:r>
-              <a:rPr lang="en-US" sz="1200" dirty="0" err="1">
-                <a:latin typeface="Lucida Sans Typewriter" pitchFamily="49" charset="0"/>
-              </a:rPr>
-              <a:t>Anova</a:t>
-            </a:r>
-            <a:r>
-              <a:rPr lang="en-US" sz="1200" dirty="0">
-                <a:latin typeface="Lucida Sans Typewriter" pitchFamily="49" charset="0"/>
-              </a:rPr>
-              <a:t> Table (Type II tests)</a:t>
-            </a:r>
-          </a:p>
-          <a:p>
-            <a:endParaRPr lang="en-US" sz="1200" dirty="0">
-              <a:latin typeface="Lucida Sans Typewriter" pitchFamily="49" charset="0"/>
-            </a:endParaRPr>
-          </a:p>
-          <a:p>
-            <a:r>
-              <a:rPr lang="en-US" sz="1200" dirty="0">
-                <a:latin typeface="Lucida Sans Typewriter" pitchFamily="49" charset="0"/>
-              </a:rPr>
-              <a:t>Response: BM</a:t>
-            </a:r>
-          </a:p>
-          <a:p>
-            <a:r>
-              <a:rPr lang="en-US" sz="1200" dirty="0">
-                <a:latin typeface="Lucida Sans Typewriter" pitchFamily="49" charset="0"/>
-              </a:rPr>
-              <a:t>          Sum </a:t>
-            </a:r>
-            <a:r>
-              <a:rPr lang="en-US" sz="1200" dirty="0" err="1">
-                <a:latin typeface="Lucida Sans Typewriter" pitchFamily="49" charset="0"/>
-              </a:rPr>
-              <a:t>Sq</a:t>
-            </a:r>
-            <a:r>
-              <a:rPr lang="en-US" sz="1200" dirty="0">
-                <a:latin typeface="Lucida Sans Typewriter" pitchFamily="49" charset="0"/>
-              </a:rPr>
-              <a:t> </a:t>
-            </a:r>
-            <a:r>
-              <a:rPr lang="en-US" sz="1200" dirty="0" err="1">
-                <a:latin typeface="Lucida Sans Typewriter" pitchFamily="49" charset="0"/>
-              </a:rPr>
-              <a:t>Df</a:t>
-            </a:r>
-            <a:r>
-              <a:rPr lang="en-US" sz="1200" dirty="0">
-                <a:latin typeface="Lucida Sans Typewriter" pitchFamily="49" charset="0"/>
-              </a:rPr>
-              <a:t> F value </a:t>
-            </a:r>
-            <a:r>
-              <a:rPr lang="en-US" sz="1200" dirty="0" err="1">
-                <a:latin typeface="Lucida Sans Typewriter" pitchFamily="49" charset="0"/>
-              </a:rPr>
-              <a:t>Pr</a:t>
-            </a:r>
-            <a:r>
-              <a:rPr lang="en-US" sz="1200" dirty="0">
-                <a:latin typeface="Lucida Sans Typewriter" pitchFamily="49" charset="0"/>
-              </a:rPr>
-              <a:t>(&gt;F)  </a:t>
-            </a:r>
-          </a:p>
-          <a:p>
-            <a:r>
-              <a:rPr lang="en-US" sz="1200" dirty="0">
-                <a:latin typeface="Lucida Sans Typewriter" pitchFamily="49" charset="0"/>
-              </a:rPr>
-              <a:t>group       1302  1    4.24  0.066 .</a:t>
-            </a:r>
-          </a:p>
-          <a:p>
-            <a:r>
-              <a:rPr lang="en-US" sz="1200" dirty="0">
-                <a:latin typeface="Lucida Sans Typewriter" pitchFamily="49" charset="0"/>
-              </a:rPr>
-              <a:t>Residuals   3071 10 </a:t>
-            </a:r>
-          </a:p>
-        </p:txBody>
-      </p:sp>
-      <p:sp>
-        <p:nvSpPr>
-          <p:cNvPr id="6" name="TextBox 5"/>
-          <p:cNvSpPr txBox="1"/>
-          <p:nvPr/>
-        </p:nvSpPr>
-        <p:spPr>
-          <a:xfrm>
-            <a:off x="4724400" y="1828800"/>
-            <a:ext cx="3886200" cy="1384995"/>
-          </a:xfrm>
-          <a:prstGeom prst="rect">
-            <a:avLst/>
-          </a:prstGeom>
-          <a:solidFill>
-            <a:srgbClr val="FFFF00">
-              <a:alpha val="10000"/>
-            </a:srgbClr>
-          </a:solidFill>
-        </p:spPr>
-        <p:txBody>
-          <a:bodyPr wrap="square" rtlCol="0">
-            <a:spAutoFit/>
-          </a:bodyPr>
-          <a:lstStyle/>
-          <a:p>
-            <a:r>
-              <a:rPr lang="en-US" sz="1200" dirty="0">
-                <a:latin typeface="Lucida Sans Typewriter" pitchFamily="49" charset="0"/>
-              </a:rPr>
-              <a:t>&gt; </a:t>
-            </a:r>
-            <a:r>
-              <a:rPr lang="en-US" sz="1200" dirty="0" err="1">
-                <a:latin typeface="Lucida Sans Typewriter" pitchFamily="49" charset="0"/>
-              </a:rPr>
-              <a:t>Anova</a:t>
-            </a:r>
-            <a:r>
-              <a:rPr lang="en-US" sz="1200" dirty="0">
-                <a:latin typeface="Lucida Sans Typewriter" pitchFamily="49" charset="0"/>
-              </a:rPr>
-              <a:t>(lm(WP ~ group, data=</a:t>
-            </a:r>
-            <a:r>
-              <a:rPr lang="en-US" sz="1200" dirty="0" err="1">
-                <a:latin typeface="Lucida Sans Typewriter" pitchFamily="49" charset="0"/>
-              </a:rPr>
-              <a:t>mathscore</a:t>
-            </a:r>
-            <a:r>
-              <a:rPr lang="en-US" sz="1200" dirty="0">
-                <a:latin typeface="Lucida Sans Typewriter" pitchFamily="49" charset="0"/>
-              </a:rPr>
-              <a:t>))</a:t>
-            </a:r>
-          </a:p>
-          <a:p>
-            <a:r>
-              <a:rPr lang="en-US" sz="1200" dirty="0" err="1">
-                <a:latin typeface="Lucida Sans Typewriter" pitchFamily="49" charset="0"/>
-              </a:rPr>
-              <a:t>Anova</a:t>
-            </a:r>
-            <a:r>
-              <a:rPr lang="en-US" sz="1200" dirty="0">
-                <a:latin typeface="Lucida Sans Typewriter" pitchFamily="49" charset="0"/>
-              </a:rPr>
-              <a:t> Table (Type II tests)</a:t>
-            </a:r>
-          </a:p>
-          <a:p>
-            <a:endParaRPr lang="en-US" sz="1200" dirty="0">
-              <a:latin typeface="Lucida Sans Typewriter" pitchFamily="49" charset="0"/>
-            </a:endParaRPr>
-          </a:p>
-          <a:p>
-            <a:r>
-              <a:rPr lang="en-US" sz="1200" dirty="0">
-                <a:latin typeface="Lucida Sans Typewriter" pitchFamily="49" charset="0"/>
-              </a:rPr>
-              <a:t>Response: WP</a:t>
-            </a:r>
-          </a:p>
-          <a:p>
-            <a:r>
-              <a:rPr lang="en-US" sz="1200" dirty="0">
-                <a:latin typeface="Lucida Sans Typewriter" pitchFamily="49" charset="0"/>
-              </a:rPr>
-              <a:t>          Sum </a:t>
-            </a:r>
-            <a:r>
-              <a:rPr lang="en-US" sz="1200" dirty="0" err="1">
-                <a:latin typeface="Lucida Sans Typewriter" pitchFamily="49" charset="0"/>
-              </a:rPr>
-              <a:t>Sq</a:t>
-            </a:r>
-            <a:r>
-              <a:rPr lang="en-US" sz="1200" dirty="0">
-                <a:latin typeface="Lucida Sans Typewriter" pitchFamily="49" charset="0"/>
-              </a:rPr>
-              <a:t> </a:t>
-            </a:r>
-            <a:r>
-              <a:rPr lang="en-US" sz="1200" dirty="0" err="1">
-                <a:latin typeface="Lucida Sans Typewriter" pitchFamily="49" charset="0"/>
-              </a:rPr>
-              <a:t>Df</a:t>
-            </a:r>
-            <a:r>
-              <a:rPr lang="en-US" sz="1200" dirty="0">
-                <a:latin typeface="Lucida Sans Typewriter" pitchFamily="49" charset="0"/>
-              </a:rPr>
-              <a:t> F value </a:t>
-            </a:r>
-            <a:r>
-              <a:rPr lang="en-US" sz="1200" dirty="0" err="1">
-                <a:latin typeface="Lucida Sans Typewriter" pitchFamily="49" charset="0"/>
-              </a:rPr>
-              <a:t>Pr</a:t>
-            </a:r>
-            <a:r>
-              <a:rPr lang="en-US" sz="1200" dirty="0">
-                <a:latin typeface="Lucida Sans Typewriter" pitchFamily="49" charset="0"/>
-              </a:rPr>
-              <a:t>(&gt;F)   </a:t>
-            </a:r>
-          </a:p>
-          <a:p>
-            <a:r>
-              <a:rPr lang="en-US" sz="1200" dirty="0">
-                <a:latin typeface="Lucida Sans Typewriter" pitchFamily="49" charset="0"/>
-              </a:rPr>
-              <a:t>group       4408  1    10.4  0.009 **</a:t>
-            </a:r>
-          </a:p>
-          <a:p>
-            <a:r>
-              <a:rPr lang="en-US" sz="1200" dirty="0">
-                <a:latin typeface="Lucida Sans Typewriter" pitchFamily="49" charset="0"/>
-              </a:rPr>
-              <a:t>Residuals   4217 10 </a:t>
-            </a:r>
-          </a:p>
-        </p:txBody>
-      </p:sp>
-      <p:sp>
-        <p:nvSpPr>
           <p:cNvPr id="7" name="TextBox 6"/>
           <p:cNvSpPr txBox="1"/>
           <p:nvPr/>
@@ -6395,7 +6174,7 @@
         </p:nvSpPr>
         <p:spPr>
           <a:xfrm>
-            <a:off x="533400" y="4876800"/>
+            <a:off x="533400" y="4770925"/>
             <a:ext cx="8153400" cy="1754326"/>
           </a:xfrm>
           <a:prstGeom prst="rect">
@@ -6479,82 +6258,416 @@
           </a:p>
         </p:txBody>
       </p:sp>
-      <p:sp>
-        <p:nvSpPr>
-          <p:cNvPr id="11" name="TextBox 10"/>
-          <p:cNvSpPr txBox="1"/>
+      <p:grpSp>
+        <p:nvGrpSpPr>
+          <p:cNvPr id="9" name="Group 8">
+            <a:extLst>
+              <a:ext uri="{FF2B5EF4-FFF2-40B4-BE49-F238E27FC236}">
+                <a16:creationId xmlns:a16="http://schemas.microsoft.com/office/drawing/2014/main" id="{615178CA-2CA5-4053-9F35-CBBE42D0EA2C}"/>
+              </a:ext>
+            </a:extLst>
+          </p:cNvPr>
+          <p:cNvGrpSpPr/>
           <p:nvPr/>
-        </p:nvSpPr>
-        <p:spPr>
+        </p:nvGrpSpPr>
+        <p:grpSpPr>
           <a:xfrm>
-            <a:off x="3973644" y="2544881"/>
-            <a:ext cx="445956" cy="584775"/>
+            <a:off x="533400" y="1828800"/>
+            <a:ext cx="3886200" cy="1384995"/>
+            <a:chOff x="533400" y="1828800"/>
+            <a:chExt cx="3886200" cy="1384995"/>
           </a:xfrm>
-          <a:prstGeom prst="rect">
-            <a:avLst/>
-          </a:prstGeom>
-          <a:noFill/>
-        </p:spPr>
-        <p:txBody>
-          <a:bodyPr wrap="none" rtlCol="0">
-            <a:spAutoFit/>
-          </a:bodyPr>
-          <a:lstStyle/>
-          <a:p>
-            <a:pPr algn="ctr"/>
-            <a:r>
-              <a:rPr lang="en-US" sz="3200" dirty="0">
+        </p:grpSpPr>
+        <p:sp>
+          <p:nvSpPr>
+            <p:cNvPr id="5" name="TextBox 4"/>
+            <p:cNvSpPr txBox="1"/>
+            <p:nvPr/>
+          </p:nvSpPr>
+          <p:spPr>
+            <a:xfrm>
+              <a:off x="533400" y="1828800"/>
+              <a:ext cx="3886200" cy="1384995"/>
+            </a:xfrm>
+            <a:prstGeom prst="rect">
+              <a:avLst/>
+            </a:prstGeom>
+            <a:solidFill>
+              <a:srgbClr val="FFFF00">
+                <a:alpha val="10000"/>
+              </a:srgbClr>
+            </a:solidFill>
+          </p:spPr>
+          <p:txBody>
+            <a:bodyPr wrap="square" rtlCol="0">
+              <a:spAutoFit/>
+            </a:bodyPr>
+            <a:lstStyle/>
+            <a:p>
+              <a:r>
+                <a:rPr lang="en-US" sz="1200" dirty="0">
+                  <a:latin typeface="Lucida Sans Typewriter" pitchFamily="49" charset="0"/>
+                </a:rPr>
+                <a:t>&gt; </a:t>
+              </a:r>
+              <a:r>
+                <a:rPr lang="en-US" sz="1200" dirty="0" err="1">
+                  <a:latin typeface="Lucida Sans Typewriter" pitchFamily="49" charset="0"/>
+                </a:rPr>
+                <a:t>Anova</a:t>
+              </a:r>
+              <a:r>
+                <a:rPr lang="en-US" sz="1200" dirty="0">
+                  <a:latin typeface="Lucida Sans Typewriter" pitchFamily="49" charset="0"/>
+                </a:rPr>
+                <a:t>(lm(BM ~ group, data=</a:t>
+              </a:r>
+              <a:r>
+                <a:rPr lang="en-US" sz="1200" dirty="0" err="1">
+                  <a:latin typeface="Lucida Sans Typewriter" pitchFamily="49" charset="0"/>
+                </a:rPr>
+                <a:t>mathscore</a:t>
+              </a:r>
+              <a:r>
+                <a:rPr lang="en-US" sz="1200" dirty="0">
+                  <a:latin typeface="Lucida Sans Typewriter" pitchFamily="49" charset="0"/>
+                </a:rPr>
+                <a:t>))</a:t>
+              </a:r>
+            </a:p>
+            <a:p>
+              <a:r>
+                <a:rPr lang="en-US" sz="1200" dirty="0" err="1">
+                  <a:latin typeface="Lucida Sans Typewriter" pitchFamily="49" charset="0"/>
+                </a:rPr>
+                <a:t>Anova</a:t>
+              </a:r>
+              <a:r>
+                <a:rPr lang="en-US" sz="1200" dirty="0">
+                  <a:latin typeface="Lucida Sans Typewriter" pitchFamily="49" charset="0"/>
+                </a:rPr>
+                <a:t> Table (Type II tests)</a:t>
+              </a:r>
+            </a:p>
+            <a:p>
+              <a:endParaRPr lang="en-US" sz="1200" dirty="0">
+                <a:latin typeface="Lucida Sans Typewriter" pitchFamily="49" charset="0"/>
+              </a:endParaRPr>
+            </a:p>
+            <a:p>
+              <a:r>
+                <a:rPr lang="en-US" sz="1200" dirty="0">
+                  <a:latin typeface="Lucida Sans Typewriter" pitchFamily="49" charset="0"/>
+                </a:rPr>
+                <a:t>Response: BM</a:t>
+              </a:r>
+            </a:p>
+            <a:p>
+              <a:r>
+                <a:rPr lang="en-US" sz="1200" dirty="0">
+                  <a:latin typeface="Lucida Sans Typewriter" pitchFamily="49" charset="0"/>
+                </a:rPr>
+                <a:t>          Sum </a:t>
+              </a:r>
+              <a:r>
+                <a:rPr lang="en-US" sz="1200" dirty="0" err="1">
+                  <a:latin typeface="Lucida Sans Typewriter" pitchFamily="49" charset="0"/>
+                </a:rPr>
+                <a:t>Sq</a:t>
+              </a:r>
+              <a:r>
+                <a:rPr lang="en-US" sz="1200" dirty="0">
+                  <a:latin typeface="Lucida Sans Typewriter" pitchFamily="49" charset="0"/>
+                </a:rPr>
+                <a:t> </a:t>
+              </a:r>
+              <a:r>
+                <a:rPr lang="en-US" sz="1200" dirty="0" err="1">
+                  <a:latin typeface="Lucida Sans Typewriter" pitchFamily="49" charset="0"/>
+                </a:rPr>
+                <a:t>Df</a:t>
+              </a:r>
+              <a:r>
+                <a:rPr lang="en-US" sz="1200" dirty="0">
+                  <a:latin typeface="Lucida Sans Typewriter" pitchFamily="49" charset="0"/>
+                </a:rPr>
+                <a:t> F value </a:t>
+              </a:r>
+              <a:r>
+                <a:rPr lang="en-US" sz="1200" dirty="0" err="1">
+                  <a:latin typeface="Lucida Sans Typewriter" pitchFamily="49" charset="0"/>
+                </a:rPr>
+                <a:t>Pr</a:t>
+              </a:r>
+              <a:r>
+                <a:rPr lang="en-US" sz="1200" dirty="0">
+                  <a:latin typeface="Lucida Sans Typewriter" pitchFamily="49" charset="0"/>
+                </a:rPr>
+                <a:t>(&gt;F)  </a:t>
+              </a:r>
+            </a:p>
+            <a:p>
+              <a:r>
+                <a:rPr lang="en-US" sz="1200" dirty="0">
+                  <a:latin typeface="Lucida Sans Typewriter" pitchFamily="49" charset="0"/>
+                </a:rPr>
+                <a:t>group       1302  1    4.24  0.066 .</a:t>
+              </a:r>
+            </a:p>
+            <a:p>
+              <a:r>
+                <a:rPr lang="en-US" sz="1200" dirty="0">
+                  <a:latin typeface="Lucida Sans Typewriter" pitchFamily="49" charset="0"/>
+                </a:rPr>
+                <a:t>Residuals   3071 10 </a:t>
+              </a:r>
+            </a:p>
+          </p:txBody>
+        </p:sp>
+        <p:sp>
+          <p:nvSpPr>
+            <p:cNvPr id="11" name="TextBox 10"/>
+            <p:cNvSpPr txBox="1"/>
+            <p:nvPr/>
+          </p:nvSpPr>
+          <p:spPr>
+            <a:xfrm>
+              <a:off x="3973644" y="2544881"/>
+              <a:ext cx="445956" cy="584775"/>
+            </a:xfrm>
+            <a:prstGeom prst="rect">
+              <a:avLst/>
+            </a:prstGeom>
+            <a:noFill/>
+          </p:spPr>
+          <p:txBody>
+            <a:bodyPr wrap="none" rtlCol="0">
+              <a:spAutoFit/>
+            </a:bodyPr>
+            <a:lstStyle/>
+            <a:p>
+              <a:pPr algn="ctr"/>
+              <a:r>
+                <a:rPr lang="en-US" sz="3200" dirty="0">
+                  <a:solidFill>
+                    <a:srgbClr val="FF0000"/>
+                  </a:solidFill>
+                  <a:sym typeface="Wingdings"/>
+                </a:rPr>
+                <a:t></a:t>
+              </a:r>
+              <a:endParaRPr lang="en-US" sz="3200" dirty="0">
                 <a:solidFill>
                   <a:srgbClr val="FF0000"/>
                 </a:solidFill>
-                <a:sym typeface="Wingdings"/>
-              </a:rPr>
-              <a:t></a:t>
-            </a:r>
-            <a:endParaRPr lang="en-US" sz="3200" dirty="0">
-              <a:solidFill>
-                <a:srgbClr val="FF0000"/>
-              </a:solidFill>
-            </a:endParaRPr>
-          </a:p>
-        </p:txBody>
-      </p:sp>
-      <p:sp>
-        <p:nvSpPr>
-          <p:cNvPr id="12" name="TextBox 11"/>
-          <p:cNvSpPr txBox="1"/>
+              </a:endParaRPr>
+            </a:p>
+          </p:txBody>
+        </p:sp>
+      </p:grpSp>
+      <p:grpSp>
+        <p:nvGrpSpPr>
+          <p:cNvPr id="10" name="Group 9">
+            <a:extLst>
+              <a:ext uri="{FF2B5EF4-FFF2-40B4-BE49-F238E27FC236}">
+                <a16:creationId xmlns:a16="http://schemas.microsoft.com/office/drawing/2014/main" id="{81BF7494-A954-414E-9DBB-08931A666896}"/>
+              </a:ext>
+            </a:extLst>
+          </p:cNvPr>
+          <p:cNvGrpSpPr/>
           <p:nvPr/>
-        </p:nvSpPr>
-        <p:spPr>
+        </p:nvGrpSpPr>
+        <p:grpSpPr>
           <a:xfrm>
-            <a:off x="8357165" y="2544880"/>
-            <a:ext cx="506870" cy="584775"/>
+            <a:off x="4724400" y="1828800"/>
+            <a:ext cx="4139635" cy="1384995"/>
+            <a:chOff x="4724400" y="1828800"/>
+            <a:chExt cx="4139635" cy="1384995"/>
           </a:xfrm>
-          <a:prstGeom prst="rect">
-            <a:avLst/>
-          </a:prstGeom>
-          <a:noFill/>
-        </p:spPr>
-        <p:txBody>
-          <a:bodyPr wrap="none" rtlCol="0">
-            <a:spAutoFit/>
-          </a:bodyPr>
-          <a:lstStyle/>
-          <a:p>
-            <a:pPr algn="ctr"/>
-            <a:r>
-              <a:rPr lang="en-US" sz="3200" dirty="0">
-                <a:solidFill>
-                  <a:srgbClr val="00B050"/>
-                </a:solidFill>
-                <a:sym typeface="Wingdings"/>
-              </a:rPr>
-              <a:t></a:t>
-            </a:r>
-            <a:endParaRPr lang="en-US" sz="3200" dirty="0"/>
-          </a:p>
-        </p:txBody>
-      </p:sp>
+        </p:grpSpPr>
+        <p:sp>
+          <p:nvSpPr>
+            <p:cNvPr id="6" name="TextBox 5"/>
+            <p:cNvSpPr txBox="1"/>
+            <p:nvPr/>
+          </p:nvSpPr>
+          <p:spPr>
+            <a:xfrm>
+              <a:off x="4724400" y="1828800"/>
+              <a:ext cx="3886200" cy="1384995"/>
+            </a:xfrm>
+            <a:prstGeom prst="rect">
+              <a:avLst/>
+            </a:prstGeom>
+            <a:solidFill>
+              <a:srgbClr val="FFFF00">
+                <a:alpha val="10000"/>
+              </a:srgbClr>
+            </a:solidFill>
+          </p:spPr>
+          <p:txBody>
+            <a:bodyPr wrap="square" rtlCol="0">
+              <a:spAutoFit/>
+            </a:bodyPr>
+            <a:lstStyle/>
+            <a:p>
+              <a:r>
+                <a:rPr lang="en-US" sz="1200" dirty="0">
+                  <a:latin typeface="Lucida Sans Typewriter" pitchFamily="49" charset="0"/>
+                </a:rPr>
+                <a:t>&gt; </a:t>
+              </a:r>
+              <a:r>
+                <a:rPr lang="en-US" sz="1200" dirty="0" err="1">
+                  <a:latin typeface="Lucida Sans Typewriter" pitchFamily="49" charset="0"/>
+                </a:rPr>
+                <a:t>Anova</a:t>
+              </a:r>
+              <a:r>
+                <a:rPr lang="en-US" sz="1200" dirty="0">
+                  <a:latin typeface="Lucida Sans Typewriter" pitchFamily="49" charset="0"/>
+                </a:rPr>
+                <a:t>(lm(WP ~ group, data=</a:t>
+              </a:r>
+              <a:r>
+                <a:rPr lang="en-US" sz="1200" dirty="0" err="1">
+                  <a:latin typeface="Lucida Sans Typewriter" pitchFamily="49" charset="0"/>
+                </a:rPr>
+                <a:t>mathscore</a:t>
+              </a:r>
+              <a:r>
+                <a:rPr lang="en-US" sz="1200" dirty="0">
+                  <a:latin typeface="Lucida Sans Typewriter" pitchFamily="49" charset="0"/>
+                </a:rPr>
+                <a:t>))</a:t>
+              </a:r>
+            </a:p>
+            <a:p>
+              <a:r>
+                <a:rPr lang="en-US" sz="1200" dirty="0" err="1">
+                  <a:latin typeface="Lucida Sans Typewriter" pitchFamily="49" charset="0"/>
+                </a:rPr>
+                <a:t>Anova</a:t>
+              </a:r>
+              <a:r>
+                <a:rPr lang="en-US" sz="1200" dirty="0">
+                  <a:latin typeface="Lucida Sans Typewriter" pitchFamily="49" charset="0"/>
+                </a:rPr>
+                <a:t> Table (Type II tests)</a:t>
+              </a:r>
+            </a:p>
+            <a:p>
+              <a:endParaRPr lang="en-US" sz="1200" dirty="0">
+                <a:latin typeface="Lucida Sans Typewriter" pitchFamily="49" charset="0"/>
+              </a:endParaRPr>
+            </a:p>
+            <a:p>
+              <a:r>
+                <a:rPr lang="en-US" sz="1200" dirty="0">
+                  <a:latin typeface="Lucida Sans Typewriter" pitchFamily="49" charset="0"/>
+                </a:rPr>
+                <a:t>Response: WP</a:t>
+              </a:r>
+            </a:p>
+            <a:p>
+              <a:r>
+                <a:rPr lang="en-US" sz="1200" dirty="0">
+                  <a:latin typeface="Lucida Sans Typewriter" pitchFamily="49" charset="0"/>
+                </a:rPr>
+                <a:t>          Sum </a:t>
+              </a:r>
+              <a:r>
+                <a:rPr lang="en-US" sz="1200" dirty="0" err="1">
+                  <a:latin typeface="Lucida Sans Typewriter" pitchFamily="49" charset="0"/>
+                </a:rPr>
+                <a:t>Sq</a:t>
+              </a:r>
+              <a:r>
+                <a:rPr lang="en-US" sz="1200" dirty="0">
+                  <a:latin typeface="Lucida Sans Typewriter" pitchFamily="49" charset="0"/>
+                </a:rPr>
+                <a:t> </a:t>
+              </a:r>
+              <a:r>
+                <a:rPr lang="en-US" sz="1200" dirty="0" err="1">
+                  <a:latin typeface="Lucida Sans Typewriter" pitchFamily="49" charset="0"/>
+                </a:rPr>
+                <a:t>Df</a:t>
+              </a:r>
+              <a:r>
+                <a:rPr lang="en-US" sz="1200" dirty="0">
+                  <a:latin typeface="Lucida Sans Typewriter" pitchFamily="49" charset="0"/>
+                </a:rPr>
+                <a:t> F value </a:t>
+              </a:r>
+              <a:r>
+                <a:rPr lang="en-US" sz="1200" dirty="0" err="1">
+                  <a:latin typeface="Lucida Sans Typewriter" pitchFamily="49" charset="0"/>
+                </a:rPr>
+                <a:t>Pr</a:t>
+              </a:r>
+              <a:r>
+                <a:rPr lang="en-US" sz="1200" dirty="0">
+                  <a:latin typeface="Lucida Sans Typewriter" pitchFamily="49" charset="0"/>
+                </a:rPr>
+                <a:t>(&gt;F)   </a:t>
+              </a:r>
+            </a:p>
+            <a:p>
+              <a:r>
+                <a:rPr lang="en-US" sz="1200" dirty="0">
+                  <a:latin typeface="Lucida Sans Typewriter" pitchFamily="49" charset="0"/>
+                </a:rPr>
+                <a:t>group       4408  1    10.4  0.009 **</a:t>
+              </a:r>
+            </a:p>
+            <a:p>
+              <a:r>
+                <a:rPr lang="en-US" sz="1200" dirty="0">
+                  <a:latin typeface="Lucida Sans Typewriter" pitchFamily="49" charset="0"/>
+                </a:rPr>
+                <a:t>Residuals   4217 10 </a:t>
+              </a:r>
+            </a:p>
+          </p:txBody>
+        </p:sp>
+        <p:sp>
+          <p:nvSpPr>
+            <p:cNvPr id="12" name="TextBox 11"/>
+            <p:cNvSpPr txBox="1"/>
+            <p:nvPr/>
+          </p:nvSpPr>
+          <p:spPr>
+            <a:xfrm>
+              <a:off x="8357165" y="2544880"/>
+              <a:ext cx="506870" cy="584775"/>
+            </a:xfrm>
+            <a:prstGeom prst="rect">
+              <a:avLst/>
+            </a:prstGeom>
+            <a:noFill/>
+          </p:spPr>
+          <p:txBody>
+            <a:bodyPr wrap="none" rtlCol="0">
+              <a:spAutoFit/>
+            </a:bodyPr>
+            <a:lstStyle/>
+            <a:p>
+              <a:pPr algn="ctr"/>
+              <a:r>
+                <a:rPr lang="en-US" sz="3200" dirty="0">
+                  <a:solidFill>
+                    <a:srgbClr val="00B050"/>
+                  </a:solidFill>
+                  <a:sym typeface="Wingdings"/>
+                </a:rPr>
+                <a:t></a:t>
+              </a:r>
+              <a:endParaRPr lang="en-US" sz="3200" dirty="0"/>
+            </a:p>
+          </p:txBody>
+        </p:sp>
+      </p:grpSp>
     </p:spTree>
     <p:extLst>
       <p:ext uri="{BB962C8B-B14F-4D97-AF65-F5344CB8AC3E}">
@@ -6565,6 +6678,257 @@
   <p:clrMapOvr>
     <a:masterClrMapping/>
   </p:clrMapOvr>
+  <p:timing>
+    <p:tnLst>
+      <p:par>
+        <p:cTn id="1" dur="indefinite" restart="never" nodeType="tmRoot">
+          <p:childTnLst>
+            <p:seq concurrent="1" nextAc="seek">
+              <p:cTn id="2" dur="indefinite" nodeType="mainSeq">
+                <p:childTnLst>
+                  <p:par>
+                    <p:cTn id="3" fill="hold">
+                      <p:stCondLst>
+                        <p:cond delay="indefinite"/>
+                      </p:stCondLst>
+                      <p:childTnLst>
+                        <p:par>
+                          <p:cTn id="4" fill="hold">
+                            <p:stCondLst>
+                              <p:cond delay="0"/>
+                            </p:stCondLst>
+                            <p:childTnLst>
+                              <p:par>
+                                <p:cTn id="5" presetID="1" presetClass="entr" presetSubtype="0" fill="hold" grpId="0" nodeType="clickEffect">
+                                  <p:stCondLst>
+                                    <p:cond delay="0"/>
+                                  </p:stCondLst>
+                                  <p:childTnLst>
+                                    <p:set>
+                                      <p:cBhvr>
+                                        <p:cTn id="6" dur="1" fill="hold">
+                                          <p:stCondLst>
+                                            <p:cond delay="0"/>
+                                          </p:stCondLst>
+                                        </p:cTn>
+                                        <p:tgtEl>
+                                          <p:spTgt spid="7"/>
+                                        </p:tgtEl>
+                                        <p:attrNameLst>
+                                          <p:attrName>style.visibility</p:attrName>
+                                        </p:attrNameLst>
+                                      </p:cBhvr>
+                                      <p:to>
+                                        <p:strVal val="visible"/>
+                                      </p:to>
+                                    </p:set>
+                                  </p:childTnLst>
+                                </p:cTn>
+                              </p:par>
+                            </p:childTnLst>
+                          </p:cTn>
+                        </p:par>
+                      </p:childTnLst>
+                    </p:cTn>
+                  </p:par>
+                  <p:par>
+                    <p:cTn id="7" fill="hold">
+                      <p:stCondLst>
+                        <p:cond delay="indefinite"/>
+                      </p:stCondLst>
+                      <p:childTnLst>
+                        <p:par>
+                          <p:cTn id="8" fill="hold">
+                            <p:stCondLst>
+                              <p:cond delay="0"/>
+                            </p:stCondLst>
+                            <p:childTnLst>
+                              <p:par>
+                                <p:cTn id="9" presetID="1" presetClass="entr" presetSubtype="0" fill="hold" nodeType="clickEffect">
+                                  <p:stCondLst>
+                                    <p:cond delay="0"/>
+                                  </p:stCondLst>
+                                  <p:childTnLst>
+                                    <p:set>
+                                      <p:cBhvr>
+                                        <p:cTn id="10" dur="1" fill="hold">
+                                          <p:stCondLst>
+                                            <p:cond delay="0"/>
+                                          </p:stCondLst>
+                                        </p:cTn>
+                                        <p:tgtEl>
+                                          <p:spTgt spid="8">
+                                            <p:txEl>
+                                              <p:pRg st="0" end="0"/>
+                                            </p:txEl>
+                                          </p:spTgt>
+                                        </p:tgtEl>
+                                        <p:attrNameLst>
+                                          <p:attrName>style.visibility</p:attrName>
+                                        </p:attrNameLst>
+                                      </p:cBhvr>
+                                      <p:to>
+                                        <p:strVal val="visible"/>
+                                      </p:to>
+                                    </p:set>
+                                  </p:childTnLst>
+                                </p:cTn>
+                              </p:par>
+                              <p:par>
+                                <p:cTn id="11" presetID="1" presetClass="entr" presetSubtype="0" fill="hold" nodeType="withEffect">
+                                  <p:stCondLst>
+                                    <p:cond delay="0"/>
+                                  </p:stCondLst>
+                                  <p:childTnLst>
+                                    <p:set>
+                                      <p:cBhvr>
+                                        <p:cTn id="12" dur="1" fill="hold">
+                                          <p:stCondLst>
+                                            <p:cond delay="0"/>
+                                          </p:stCondLst>
+                                        </p:cTn>
+                                        <p:tgtEl>
+                                          <p:spTgt spid="8">
+                                            <p:txEl>
+                                              <p:pRg st="1" end="1"/>
+                                            </p:txEl>
+                                          </p:spTgt>
+                                        </p:tgtEl>
+                                        <p:attrNameLst>
+                                          <p:attrName>style.visibility</p:attrName>
+                                        </p:attrNameLst>
+                                      </p:cBhvr>
+                                      <p:to>
+                                        <p:strVal val="visible"/>
+                                      </p:to>
+                                    </p:set>
+                                  </p:childTnLst>
+                                </p:cTn>
+                              </p:par>
+                              <p:par>
+                                <p:cTn id="13" presetID="1" presetClass="entr" presetSubtype="0" fill="hold" nodeType="withEffect">
+                                  <p:stCondLst>
+                                    <p:cond delay="0"/>
+                                  </p:stCondLst>
+                                  <p:childTnLst>
+                                    <p:set>
+                                      <p:cBhvr>
+                                        <p:cTn id="14" dur="1" fill="hold">
+                                          <p:stCondLst>
+                                            <p:cond delay="0"/>
+                                          </p:stCondLst>
+                                        </p:cTn>
+                                        <p:tgtEl>
+                                          <p:spTgt spid="8">
+                                            <p:txEl>
+                                              <p:pRg st="2" end="2"/>
+                                            </p:txEl>
+                                          </p:spTgt>
+                                        </p:tgtEl>
+                                        <p:attrNameLst>
+                                          <p:attrName>style.visibility</p:attrName>
+                                        </p:attrNameLst>
+                                      </p:cBhvr>
+                                      <p:to>
+                                        <p:strVal val="visible"/>
+                                      </p:to>
+                                    </p:set>
+                                  </p:childTnLst>
+                                </p:cTn>
+                              </p:par>
+                              <p:par>
+                                <p:cTn id="15" presetID="1" presetClass="entr" presetSubtype="0" fill="hold" nodeType="withEffect">
+                                  <p:stCondLst>
+                                    <p:cond delay="0"/>
+                                  </p:stCondLst>
+                                  <p:childTnLst>
+                                    <p:set>
+                                      <p:cBhvr>
+                                        <p:cTn id="16" dur="1" fill="hold">
+                                          <p:stCondLst>
+                                            <p:cond delay="0"/>
+                                          </p:stCondLst>
+                                        </p:cTn>
+                                        <p:tgtEl>
+                                          <p:spTgt spid="8">
+                                            <p:txEl>
+                                              <p:pRg st="3" end="3"/>
+                                            </p:txEl>
+                                          </p:spTgt>
+                                        </p:tgtEl>
+                                        <p:attrNameLst>
+                                          <p:attrName>style.visibility</p:attrName>
+                                        </p:attrNameLst>
+                                      </p:cBhvr>
+                                      <p:to>
+                                        <p:strVal val="visible"/>
+                                      </p:to>
+                                    </p:set>
+                                  </p:childTnLst>
+                                </p:cTn>
+                              </p:par>
+                              <p:par>
+                                <p:cTn id="17" presetID="1" presetClass="entr" presetSubtype="0" fill="hold" nodeType="withEffect">
+                                  <p:stCondLst>
+                                    <p:cond delay="0"/>
+                                  </p:stCondLst>
+                                  <p:childTnLst>
+                                    <p:set>
+                                      <p:cBhvr>
+                                        <p:cTn id="18" dur="1" fill="hold">
+                                          <p:stCondLst>
+                                            <p:cond delay="0"/>
+                                          </p:stCondLst>
+                                        </p:cTn>
+                                        <p:tgtEl>
+                                          <p:spTgt spid="8">
+                                            <p:txEl>
+                                              <p:pRg st="4" end="4"/>
+                                            </p:txEl>
+                                          </p:spTgt>
+                                        </p:tgtEl>
+                                        <p:attrNameLst>
+                                          <p:attrName>style.visibility</p:attrName>
+                                        </p:attrNameLst>
+                                      </p:cBhvr>
+                                      <p:to>
+                                        <p:strVal val="visible"/>
+                                      </p:to>
+                                    </p:set>
+                                  </p:childTnLst>
+                                </p:cTn>
+                              </p:par>
+                            </p:childTnLst>
+                          </p:cTn>
+                        </p:par>
+                      </p:childTnLst>
+                    </p:cTn>
+                  </p:par>
+                </p:childTnLst>
+              </p:cTn>
+              <p:prevCondLst>
+                <p:cond evt="onPrev" delay="0">
+                  <p:tgtEl>
+                    <p:sldTgt/>
+                  </p:tgtEl>
+                </p:cond>
+              </p:prevCondLst>
+              <p:nextCondLst>
+                <p:cond evt="onNext" delay="0">
+                  <p:tgtEl>
+                    <p:sldTgt/>
+                  </p:tgtEl>
+                </p:cond>
+              </p:nextCondLst>
+            </p:seq>
+          </p:childTnLst>
+        </p:cTn>
+      </p:par>
+    </p:tnLst>
+    <p:bldLst>
+      <p:bldP spid="7" grpId="0"/>
+    </p:bldLst>
+  </p:timing>
 </p:sld>
 </file>
 
@@ -7290,7 +7654,7 @@
           <a:graphicData uri="http://schemas.openxmlformats.org/presentationml/2006/ole">
             <mc:AlternateContent xmlns:mc="http://schemas.openxmlformats.org/markup-compatibility/2006">
               <mc:Choice xmlns:v="urn:schemas-microsoft-com:vml" Requires="v">
-                <p:oleObj spid="_x0000_s4232" name="Equation" r:id="rId5" imgW="393480" imgH="203040" progId="Equation.DSMT4">
+                <p:oleObj spid="_x0000_s4240" name="Equation" r:id="rId5" imgW="393480" imgH="203040" progId="Equation.DSMT4">
                   <p:embed/>
                 </p:oleObj>
               </mc:Choice>
@@ -7347,7 +7711,7 @@
           <a:graphicData uri="http://schemas.openxmlformats.org/presentationml/2006/ole">
             <mc:AlternateContent xmlns:mc="http://schemas.openxmlformats.org/markup-compatibility/2006">
               <mc:Choice xmlns:v="urn:schemas-microsoft-com:vml" Requires="v">
-                <p:oleObj spid="_x0000_s4233" name="Equation" r:id="rId7" imgW="355320" imgH="203040" progId="Equation.DSMT4">
+                <p:oleObj spid="_x0000_s4241" name="Equation" r:id="rId7" imgW="355320" imgH="203040" progId="Equation.DSMT4">
                   <p:embed/>
                 </p:oleObj>
               </mc:Choice>
@@ -8972,7 +9336,7 @@
           <a:graphicData uri="http://schemas.openxmlformats.org/presentationml/2006/ole">
             <mc:AlternateContent xmlns:mc="http://schemas.openxmlformats.org/markup-compatibility/2006">
               <mc:Choice xmlns:v="urn:schemas-microsoft-com:vml" Requires="v">
-                <p:oleObj spid="_x0000_s5177" name="Equation" r:id="rId5" imgW="1104840" imgH="304560" progId="Equation.DSMT4">
+                <p:oleObj spid="_x0000_s5181" name="Equation" r:id="rId5" imgW="1104840" imgH="304560" progId="Equation.DSMT4">
                   <p:embed/>
                 </p:oleObj>
               </mc:Choice>
@@ -9474,7 +9838,7 @@
           <a:graphicData uri="http://schemas.openxmlformats.org/presentationml/2006/ole">
             <mc:AlternateContent xmlns:mc="http://schemas.openxmlformats.org/markup-compatibility/2006">
               <mc:Choice xmlns:v="urn:schemas-microsoft-com:vml" Requires="v">
-                <p:oleObj spid="_x0000_s11303" name="Equation" r:id="rId9" imgW="1231560" imgH="291960" progId="Equation.DSMT4">
+                <p:oleObj spid="_x0000_s11308" name="Equation" r:id="rId9" imgW="1231560" imgH="291960" progId="Equation.DSMT4">
                   <p:embed/>
                 </p:oleObj>
               </mc:Choice>
@@ -10115,33 +10479,15 @@
                                   </p:childTnLst>
                                 </p:cTn>
                               </p:par>
-                            </p:childTnLst>
-                          </p:cTn>
-                        </p:par>
-                      </p:childTnLst>
-                    </p:cTn>
-                  </p:par>
-                  <p:par>
-                    <p:cTn id="41" fill="hold">
-                      <p:stCondLst>
-                        <p:cond delay="indefinite"/>
-                      </p:stCondLst>
-                      <p:childTnLst>
-                        <p:par>
-                          <p:cTn id="42" fill="hold">
-                            <p:stCondLst>
-                              <p:cond delay="0"/>
-                            </p:stCondLst>
-                            <p:childTnLst>
                               <p:par>
-                                <p:cTn id="43" presetID="2" presetClass="entr" presetSubtype="8" fill="hold" nodeType="clickEffect">
+                                <p:cTn id="41" presetID="2" presetClass="entr" presetSubtype="8" fill="hold" nodeType="withEffect">
                                   <p:stCondLst>
                                     <p:cond delay="0"/>
                                   </p:stCondLst>
                                   <p:childTnLst>
                                     <p:set>
                                       <p:cBhvr>
-                                        <p:cTn id="44" dur="1" fill="hold">
+                                        <p:cTn id="42" dur="1" fill="hold">
                                           <p:stCondLst>
                                             <p:cond delay="0"/>
                                           </p:stCondLst>
@@ -10159,7 +10505,7 @@
                                     </p:set>
                                     <p:anim calcmode="lin" valueType="num">
                                       <p:cBhvr additive="base">
-                                        <p:cTn id="45" dur="500" fill="hold"/>
+                                        <p:cTn id="43" dur="500" fill="hold"/>
                                         <p:tgtEl>
                                           <p:spTgt spid="23"/>
                                         </p:tgtEl>
@@ -10182,7 +10528,7 @@
                                     </p:anim>
                                     <p:anim calcmode="lin" valueType="num">
                                       <p:cBhvr additive="base">
-                                        <p:cTn id="46" dur="500" fill="hold"/>
+                                        <p:cTn id="44" dur="500" fill="hold"/>
                                         <p:tgtEl>
                                           <p:spTgt spid="23"/>
                                         </p:tgtEl>
@@ -10207,14 +10553,14 @@
                                 </p:cTn>
                               </p:par>
                               <p:par>
-                                <p:cTn id="47" presetID="2" presetClass="entr" presetSubtype="2" fill="hold" nodeType="withEffect">
+                                <p:cTn id="45" presetID="2" presetClass="entr" presetSubtype="2" fill="hold" nodeType="withEffect">
                                   <p:stCondLst>
                                     <p:cond delay="0"/>
                                   </p:stCondLst>
                                   <p:childTnLst>
                                     <p:set>
                                       <p:cBhvr>
-                                        <p:cTn id="48" dur="1" fill="hold">
+                                        <p:cTn id="46" dur="1" fill="hold">
                                           <p:stCondLst>
                                             <p:cond delay="0"/>
                                           </p:stCondLst>
@@ -10232,7 +10578,7 @@
                                     </p:set>
                                     <p:anim calcmode="lin" valueType="num">
                                       <p:cBhvr additive="base">
-                                        <p:cTn id="49" dur="500" fill="hold"/>
+                                        <p:cTn id="47" dur="500" fill="hold"/>
                                         <p:tgtEl>
                                           <p:spTgt spid="21"/>
                                         </p:tgtEl>
@@ -10255,7 +10601,7 @@
                                     </p:anim>
                                     <p:anim calcmode="lin" valueType="num">
                                       <p:cBhvr additive="base">
-                                        <p:cTn id="50" dur="500" fill="hold"/>
+                                        <p:cTn id="48" dur="500" fill="hold"/>
                                         <p:tgtEl>
                                           <p:spTgt spid="21"/>
                                         </p:tgtEl>
@@ -10280,14 +10626,14 @@
                                 </p:cTn>
                               </p:par>
                               <p:par>
-                                <p:cTn id="51" presetID="2" presetClass="entr" presetSubtype="2" fill="hold" nodeType="withEffect">
+                                <p:cTn id="49" presetID="2" presetClass="entr" presetSubtype="2" fill="hold" nodeType="withEffect">
                                   <p:stCondLst>
                                     <p:cond delay="0"/>
                                   </p:stCondLst>
                                   <p:childTnLst>
                                     <p:set>
                                       <p:cBhvr>
-                                        <p:cTn id="52" dur="1" fill="hold">
+                                        <p:cTn id="50" dur="1" fill="hold">
                                           <p:stCondLst>
                                             <p:cond delay="0"/>
                                           </p:stCondLst>
@@ -10305,7 +10651,7 @@
                                     </p:set>
                                     <p:anim calcmode="lin" valueType="num">
                                       <p:cBhvr additive="base">
-                                        <p:cTn id="53" dur="500" fill="hold"/>
+                                        <p:cTn id="51" dur="500" fill="hold"/>
                                         <p:tgtEl>
                                           <p:spTgt spid="22"/>
                                         </p:tgtEl>
@@ -10328,7 +10674,7 @@
                                     </p:anim>
                                     <p:anim calcmode="lin" valueType="num">
                                       <p:cBhvr additive="base">
-                                        <p:cTn id="54" dur="500" fill="hold"/>
+                                        <p:cTn id="52" dur="500" fill="hold"/>
                                         <p:tgtEl>
                                           <p:spTgt spid="22"/>
                                         </p:tgtEl>
@@ -10692,7 +11038,7 @@
           <a:graphicData uri="http://schemas.openxmlformats.org/presentationml/2006/ole">
             <mc:AlternateContent xmlns:mc="http://schemas.openxmlformats.org/markup-compatibility/2006">
               <mc:Choice xmlns:v="urn:schemas-microsoft-com:vml" Requires="v">
-                <p:oleObj spid="_x0000_s7224" name="Equation" r:id="rId6" imgW="1676160" imgH="304560" progId="Equation.DSMT4">
+                <p:oleObj spid="_x0000_s7228" name="Equation" r:id="rId6" imgW="1676160" imgH="304560" progId="Equation.DSMT4">
                   <p:embed/>
                 </p:oleObj>
               </mc:Choice>
@@ -11271,7 +11617,7 @@
           <a:graphicData uri="http://schemas.openxmlformats.org/presentationml/2006/ole">
             <mc:AlternateContent xmlns:mc="http://schemas.openxmlformats.org/markup-compatibility/2006">
               <mc:Choice xmlns:v="urn:schemas-microsoft-com:vml" Requires="v">
-                <p:oleObj spid="_x0000_s6203" name="Equation" r:id="rId3" imgW="1104840" imgH="304560" progId="Equation.DSMT4">
+                <p:oleObj spid="_x0000_s6207" name="Equation" r:id="rId3" imgW="1104840" imgH="304560" progId="Equation.DSMT4">
                   <p:embed/>
                 </p:oleObj>
               </mc:Choice>
@@ -11951,7 +12297,7 @@
           <a:graphicData uri="http://schemas.openxmlformats.org/presentationml/2006/ole">
             <mc:AlternateContent xmlns:mc="http://schemas.openxmlformats.org/markup-compatibility/2006">
               <mc:Choice xmlns:v="urn:schemas-microsoft-com:vml" Requires="v">
-                <p:oleObj spid="_x0000_s12324" name="Equation" r:id="rId3" imgW="1676160" imgH="304560" progId="Equation.DSMT4">
+                <p:oleObj spid="_x0000_s12328" name="Equation" r:id="rId3" imgW="1676160" imgH="304560" progId="Equation.DSMT4">
                   <p:embed/>
                 </p:oleObj>
               </mc:Choice>
@@ -14455,7 +14801,7 @@
         </p:blipFill>
         <p:spPr bwMode="auto">
           <a:xfrm>
-            <a:off x="381000" y="2057400"/>
+            <a:off x="415925" y="2057400"/>
             <a:ext cx="6594475" cy="4117978"/>
           </a:xfrm>
           <a:prstGeom prst="rect">
@@ -14507,7 +14853,7 @@
                   <a:srgbClr val="FF0000"/>
                 </a:solidFill>
               </a:rPr>
-              <a:t>How do means differ?</a:t>
+              <a:t>Do means differ?</a:t>
             </a:r>
           </a:p>
           <a:p>
@@ -14625,6 +14971,75 @@
           </a:fontRef>
         </p:style>
       </p:cxnSp>
+      <p:sp>
+        <p:nvSpPr>
+          <p:cNvPr id="6" name="TextBox 5">
+            <a:extLst>
+              <a:ext uri="{FF2B5EF4-FFF2-40B4-BE49-F238E27FC236}">
+                <a16:creationId xmlns:a16="http://schemas.microsoft.com/office/drawing/2014/main" id="{4343E5EF-D9DD-4A75-99CB-B2C14A929B9E}"/>
+              </a:ext>
+            </a:extLst>
+          </p:cNvPr>
+          <p:cNvSpPr txBox="1"/>
+          <p:nvPr/>
+        </p:nvSpPr>
+        <p:spPr>
+          <a:xfrm>
+            <a:off x="378595" y="1524000"/>
+            <a:ext cx="1295400" cy="338554"/>
+          </a:xfrm>
+          <a:prstGeom prst="rect">
+            <a:avLst/>
+          </a:prstGeom>
+          <a:noFill/>
+        </p:spPr>
+        <p:txBody>
+          <a:bodyPr wrap="square" rtlCol="0">
+            <a:spAutoFit/>
+          </a:bodyPr>
+          <a:lstStyle/>
+          <a:p>
+            <a:r>
+              <a:rPr lang="en-US" sz="1600" dirty="0"/>
+              <a:t>ANOVA</a:t>
+            </a:r>
+          </a:p>
+        </p:txBody>
+      </p:sp>
+      <p:sp>
+        <p:nvSpPr>
+          <p:cNvPr id="8" name="Rectangle 7">
+            <a:extLst>
+              <a:ext uri="{FF2B5EF4-FFF2-40B4-BE49-F238E27FC236}">
+                <a16:creationId xmlns:a16="http://schemas.microsoft.com/office/drawing/2014/main" id="{2C043C1E-E11A-4713-AB18-4F26AA502DE9}"/>
+              </a:ext>
+            </a:extLst>
+          </p:cNvPr>
+          <p:cNvSpPr/>
+          <p:nvPr/>
+        </p:nvSpPr>
+        <p:spPr>
+          <a:xfrm>
+            <a:off x="378595" y="3810000"/>
+            <a:ext cx="1069205" cy="338554"/>
+          </a:xfrm>
+          <a:prstGeom prst="rect">
+            <a:avLst/>
+          </a:prstGeom>
+        </p:spPr>
+        <p:txBody>
+          <a:bodyPr wrap="square">
+            <a:spAutoFit/>
+          </a:bodyPr>
+          <a:lstStyle/>
+          <a:p>
+            <a:r>
+              <a:rPr lang="en-US" sz="1600" dirty="0"/>
+              <a:t>MANOVA</a:t>
+            </a:r>
+          </a:p>
+        </p:txBody>
+      </p:sp>
     </p:spTree>
     <p:extLst>
       <p:ext uri="{BB962C8B-B14F-4D97-AF65-F5344CB8AC3E}">
@@ -22126,7 +22541,7 @@
             <a:graphicData uri="http://schemas.openxmlformats.org/presentationml/2006/ole">
               <mc:AlternateContent xmlns:mc="http://schemas.openxmlformats.org/markup-compatibility/2006">
                 <mc:Choice xmlns:v="urn:schemas-microsoft-com:vml" Requires="v">
-                  <p:oleObj spid="_x0000_s14507" name="Equation" r:id="rId3" imgW="203040" imgH="253800" progId="Equation.DSMT4">
+                  <p:oleObj spid="_x0000_s14555" name="Equation" r:id="rId3" imgW="203040" imgH="253800" progId="Equation.DSMT4">
                     <p:embed/>
                   </p:oleObj>
                 </mc:Choice>
@@ -22500,7 +22915,7 @@
               <a:graphicData uri="http://schemas.openxmlformats.org/presentationml/2006/ole">
                 <mc:AlternateContent xmlns:mc="http://schemas.openxmlformats.org/markup-compatibility/2006">
                   <mc:Choice xmlns:v="urn:schemas-microsoft-com:vml" Requires="v">
-                    <p:oleObj spid="_x0000_s14508" name="Equation" r:id="rId5" imgW="190440" imgH="228600" progId="Equation.DSMT4">
+                    <p:oleObj spid="_x0000_s14556" name="Equation" r:id="rId5" imgW="190440" imgH="228600" progId="Equation.DSMT4">
                       <p:embed/>
                     </p:oleObj>
                   </mc:Choice>
@@ -22563,7 +22978,7 @@
               <a:graphicData uri="http://schemas.openxmlformats.org/presentationml/2006/ole">
                 <mc:AlternateContent xmlns:mc="http://schemas.openxmlformats.org/markup-compatibility/2006">
                   <mc:Choice xmlns:v="urn:schemas-microsoft-com:vml" Requires="v">
-                    <p:oleObj spid="_x0000_s14509" name="Equation" r:id="rId7" imgW="241200" imgH="253800" progId="Equation.DSMT4">
+                    <p:oleObj spid="_x0000_s14557" name="Equation" r:id="rId7" imgW="241200" imgH="253800" progId="Equation.DSMT4">
                       <p:embed/>
                     </p:oleObj>
                   </mc:Choice>
@@ -22646,7 +23061,7 @@
                 <a:graphicData uri="http://schemas.openxmlformats.org/presentationml/2006/ole">
                   <mc:AlternateContent xmlns:mc="http://schemas.openxmlformats.org/markup-compatibility/2006">
                     <mc:Choice xmlns:v="urn:schemas-microsoft-com:vml" Requires="v">
-                      <p:oleObj spid="_x0000_s14510" name="Equation" r:id="rId9" imgW="596880" imgH="241200" progId="Equation.DSMT4">
+                      <p:oleObj spid="_x0000_s14558" name="Equation" r:id="rId9" imgW="596880" imgH="241200" progId="Equation.DSMT4">
                         <p:embed/>
                       </p:oleObj>
                     </mc:Choice>
@@ -22772,7 +23187,7 @@
                 <a:graphicData uri="http://schemas.openxmlformats.org/presentationml/2006/ole">
                   <mc:AlternateContent xmlns:mc="http://schemas.openxmlformats.org/markup-compatibility/2006">
                     <mc:Choice xmlns:v="urn:schemas-microsoft-com:vml" Requires="v">
-                      <p:oleObj spid="_x0000_s14511" name="Equation" r:id="rId11" imgW="622080" imgH="241200" progId="Equation.DSMT4">
+                      <p:oleObj spid="_x0000_s14559" name="Equation" r:id="rId11" imgW="622080" imgH="241200" progId="Equation.DSMT4">
                         <p:embed/>
                       </p:oleObj>
                     </mc:Choice>
@@ -22898,7 +23313,7 @@
                 <a:graphicData uri="http://schemas.openxmlformats.org/presentationml/2006/ole">
                   <mc:AlternateContent xmlns:mc="http://schemas.openxmlformats.org/markup-compatibility/2006">
                     <mc:Choice xmlns:v="urn:schemas-microsoft-com:vml" Requires="v">
-                      <p:oleObj spid="_x0000_s14512" name="Equation" r:id="rId13" imgW="609480" imgH="241200" progId="Equation.DSMT4">
+                      <p:oleObj spid="_x0000_s14560" name="Equation" r:id="rId13" imgW="609480" imgH="241200" progId="Equation.DSMT4">
                         <p:embed/>
                       </p:oleObj>
                     </mc:Choice>
@@ -23026,7 +23441,7 @@
             <a:graphicData uri="http://schemas.openxmlformats.org/presentationml/2006/ole">
               <mc:AlternateContent xmlns:mc="http://schemas.openxmlformats.org/markup-compatibility/2006">
                 <mc:Choice xmlns:v="urn:schemas-microsoft-com:vml" Requires="v">
-                  <p:oleObj spid="_x0000_s14513" name="Equation" r:id="rId15" imgW="203040" imgH="253800" progId="Equation.DSMT4">
+                  <p:oleObj spid="_x0000_s14561" name="Equation" r:id="rId15" imgW="203040" imgH="253800" progId="Equation.DSMT4">
                     <p:embed/>
                   </p:oleObj>
                 </mc:Choice>
@@ -23386,7 +23801,7 @@
             <a:graphicData uri="http://schemas.openxmlformats.org/presentationml/2006/ole">
               <mc:AlternateContent xmlns:mc="http://schemas.openxmlformats.org/markup-compatibility/2006">
                 <mc:Choice xmlns:v="urn:schemas-microsoft-com:vml" Requires="v">
-                  <p:oleObj spid="_x0000_s14514" name="Equation" r:id="rId16" imgW="190440" imgH="228600" progId="Equation.DSMT4">
+                  <p:oleObj spid="_x0000_s14562" name="Equation" r:id="rId16" imgW="190440" imgH="228600" progId="Equation.DSMT4">
                     <p:embed/>
                   </p:oleObj>
                 </mc:Choice>
@@ -23455,7 +23870,7 @@
             <a:graphicData uri="http://schemas.openxmlformats.org/presentationml/2006/ole">
               <mc:AlternateContent xmlns:mc="http://schemas.openxmlformats.org/markup-compatibility/2006">
                 <mc:Choice xmlns:v="urn:schemas-microsoft-com:vml" Requires="v">
-                  <p:oleObj spid="_x0000_s14515" name="Equation" r:id="rId17" imgW="241200" imgH="253800" progId="Equation.DSMT4">
+                  <p:oleObj spid="_x0000_s14563" name="Equation" r:id="rId17" imgW="241200" imgH="253800" progId="Equation.DSMT4">
                     <p:embed/>
                   </p:oleObj>
                 </mc:Choice>
@@ -23544,7 +23959,7 @@
               <a:graphicData uri="http://schemas.openxmlformats.org/presentationml/2006/ole">
                 <mc:AlternateContent xmlns:mc="http://schemas.openxmlformats.org/markup-compatibility/2006">
                   <mc:Choice xmlns:v="urn:schemas-microsoft-com:vml" Requires="v">
-                    <p:oleObj spid="_x0000_s14516" name="Equation" r:id="rId18" imgW="596880" imgH="241200" progId="Equation.DSMT4">
+                    <p:oleObj spid="_x0000_s14564" name="Equation" r:id="rId18" imgW="596880" imgH="241200" progId="Equation.DSMT4">
                       <p:embed/>
                     </p:oleObj>
                   </mc:Choice>
@@ -23670,7 +24085,7 @@
               <a:graphicData uri="http://schemas.openxmlformats.org/presentationml/2006/ole">
                 <mc:AlternateContent xmlns:mc="http://schemas.openxmlformats.org/markup-compatibility/2006">
                   <mc:Choice xmlns:v="urn:schemas-microsoft-com:vml" Requires="v">
-                    <p:oleObj spid="_x0000_s14517" name="Equation" r:id="rId19" imgW="622080" imgH="241200" progId="Equation.DSMT4">
+                    <p:oleObj spid="_x0000_s14565" name="Equation" r:id="rId19" imgW="622080" imgH="241200" progId="Equation.DSMT4">
                       <p:embed/>
                     </p:oleObj>
                   </mc:Choice>
@@ -23796,7 +24211,7 @@
               <a:graphicData uri="http://schemas.openxmlformats.org/presentationml/2006/ole">
                 <mc:AlternateContent xmlns:mc="http://schemas.openxmlformats.org/markup-compatibility/2006">
                   <mc:Choice xmlns:v="urn:schemas-microsoft-com:vml" Requires="v">
-                    <p:oleObj spid="_x0000_s14518" name="Equation" r:id="rId20" imgW="609480" imgH="241200" progId="Equation.DSMT4">
+                    <p:oleObj spid="_x0000_s14566" name="Equation" r:id="rId20" imgW="609480" imgH="241200" progId="Equation.DSMT4">
                       <p:embed/>
                     </p:oleObj>
                   </mc:Choice>
@@ -24024,7 +24439,7 @@
           <a:graphicData uri="http://schemas.openxmlformats.org/presentationml/2006/ole">
             <mc:AlternateContent xmlns:mc="http://schemas.openxmlformats.org/markup-compatibility/2006">
               <mc:Choice xmlns:v="urn:schemas-microsoft-com:vml" Requires="v">
-                <p:oleObj spid="_x0000_s1307" name="Equation" r:id="rId3" imgW="1143000" imgH="330120" progId="Equation.DSMT4">
+                <p:oleObj spid="_x0000_s1330" name="Equation" r:id="rId3" imgW="1143000" imgH="330120" progId="Equation.DSMT4">
                   <p:embed/>
                 </p:oleObj>
               </mc:Choice>
@@ -24081,7 +24496,7 @@
           <a:graphicData uri="http://schemas.openxmlformats.org/presentationml/2006/ole">
             <mc:AlternateContent xmlns:mc="http://schemas.openxmlformats.org/markup-compatibility/2006">
               <mc:Choice xmlns:v="urn:schemas-microsoft-com:vml" Requires="v">
-                <p:oleObj spid="_x0000_s1308" name="Equation" r:id="rId5" imgW="1244520" imgH="291960" progId="Equation.DSMT4">
+                <p:oleObj spid="_x0000_s1331" name="Equation" r:id="rId5" imgW="1244520" imgH="291960" progId="Equation.DSMT4">
                   <p:embed/>
                 </p:oleObj>
               </mc:Choice>
@@ -24168,7 +24583,7 @@
           <a:graphicData uri="http://schemas.openxmlformats.org/presentationml/2006/ole">
             <mc:AlternateContent xmlns:mc="http://schemas.openxmlformats.org/markup-compatibility/2006">
               <mc:Choice xmlns:v="urn:schemas-microsoft-com:vml" Requires="v">
-                <p:oleObj spid="_x0000_s1309" name="Equation" r:id="rId7" imgW="2286000" imgH="685800" progId="Equation.DSMT4">
+                <p:oleObj spid="_x0000_s1332" name="Equation" r:id="rId7" imgW="2286000" imgH="685800" progId="Equation.DSMT4">
                   <p:embed/>
                 </p:oleObj>
               </mc:Choice>
@@ -24238,7 +24653,7 @@
           <a:graphicData uri="http://schemas.openxmlformats.org/presentationml/2006/ole">
             <mc:AlternateContent xmlns:mc="http://schemas.openxmlformats.org/markup-compatibility/2006">
               <mc:Choice xmlns:v="urn:schemas-microsoft-com:vml" Requires="v">
-                <p:oleObj spid="_x0000_s1310" name="Equation" r:id="rId9" imgW="1396800" imgH="431640" progId="Equation.DSMT4">
+                <p:oleObj spid="_x0000_s1333" name="Equation" r:id="rId9" imgW="1396800" imgH="431640" progId="Equation.DSMT4">
                   <p:embed/>
                 </p:oleObj>
               </mc:Choice>
@@ -24421,6 +24836,69 @@
           </a:p>
         </p:txBody>
       </p:sp>
+      <p:graphicFrame>
+        <p:nvGraphicFramePr>
+          <p:cNvPr id="12" name="Object 11">
+            <a:extLst>
+              <a:ext uri="{FF2B5EF4-FFF2-40B4-BE49-F238E27FC236}">
+                <a16:creationId xmlns:a16="http://schemas.microsoft.com/office/drawing/2014/main" id="{F11881DA-25BE-4E24-A2AA-E940F1CAC8E4}"/>
+              </a:ext>
+            </a:extLst>
+          </p:cNvPr>
+          <p:cNvGraphicFramePr>
+            <a:graphicFrameLocks noChangeAspect="1"/>
+          </p:cNvGraphicFramePr>
+          <p:nvPr>
+            <p:extLst>
+              <p:ext uri="{D42A27DB-BD31-4B8C-83A1-F6EECF244321}">
+                <p14:modId xmlns:p14="http://schemas.microsoft.com/office/powerpoint/2010/main" val="197925437"/>
+              </p:ext>
+            </p:extLst>
+          </p:nvPr>
+        </p:nvGraphicFramePr>
+        <p:xfrm>
+          <a:off x="2476821" y="1890408"/>
+          <a:ext cx="3832574" cy="381096"/>
+        </p:xfrm>
+        <a:graphic>
+          <a:graphicData uri="http://schemas.openxmlformats.org/presentationml/2006/ole">
+            <mc:AlternateContent xmlns:mc="http://schemas.openxmlformats.org/markup-compatibility/2006">
+              <mc:Choice xmlns:v="urn:schemas-microsoft-com:vml" Requires="v">
+                <p:oleObj spid="_x0000_s1334" name="Equation" r:id="rId11" imgW="2425680" imgH="241200" progId="Equation.DSMT4">
+                  <p:embed/>
+                </p:oleObj>
+              </mc:Choice>
+              <mc:Fallback>
+                <p:oleObj name="Equation" r:id="rId11" imgW="2425680" imgH="241200" progId="Equation.DSMT4">
+                  <p:embed/>
+                  <p:pic>
+                    <p:nvPicPr>
+                      <p:cNvPr id="0" name=""/>
+                      <p:cNvPicPr/>
+                      <p:nvPr/>
+                    </p:nvPicPr>
+                    <p:blipFill>
+                      <a:blip r:embed="rId12"/>
+                      <a:stretch>
+                        <a:fillRect/>
+                      </a:stretch>
+                    </p:blipFill>
+                    <p:spPr>
+                      <a:xfrm>
+                        <a:off x="2476821" y="1890408"/>
+                        <a:ext cx="3832574" cy="381096"/>
+                      </a:xfrm>
+                      <a:prstGeom prst="rect">
+                        <a:avLst/>
+                      </a:prstGeom>
+                    </p:spPr>
+                  </p:pic>
+                </p:oleObj>
+              </mc:Fallback>
+            </mc:AlternateContent>
+          </a:graphicData>
+        </a:graphic>
+      </p:graphicFrame>
     </p:spTree>
     <p:extLst>
       <p:ext uri="{BB962C8B-B14F-4D97-AF65-F5344CB8AC3E}">
@@ -24628,7 +25106,7 @@
           <a:graphicData uri="http://schemas.openxmlformats.org/presentationml/2006/ole">
             <mc:AlternateContent xmlns:mc="http://schemas.openxmlformats.org/markup-compatibility/2006">
               <mc:Choice xmlns:v="urn:schemas-microsoft-com:vml" Requires="v">
-                <p:oleObj spid="_x0000_s13395" name="Equation" r:id="rId4" imgW="812520" imgH="253800" progId="Equation.DSMT4">
+                <p:oleObj spid="_x0000_s13407" name="Equation" r:id="rId4" imgW="812520" imgH="253800" progId="Equation.DSMT4">
                   <p:embed/>
                 </p:oleObj>
               </mc:Choice>
@@ -24691,7 +25169,7 @@
           <a:graphicData uri="http://schemas.openxmlformats.org/presentationml/2006/ole">
             <mc:AlternateContent xmlns:mc="http://schemas.openxmlformats.org/markup-compatibility/2006">
               <mc:Choice xmlns:v="urn:schemas-microsoft-com:vml" Requires="v">
-                <p:oleObj spid="_x0000_s13396" name="Equation" r:id="rId6" imgW="838080" imgH="253800" progId="Equation.DSMT4">
+                <p:oleObj spid="_x0000_s13408" name="Equation" r:id="rId6" imgW="838080" imgH="253800" progId="Equation.DSMT4">
                   <p:embed/>
                 </p:oleObj>
               </mc:Choice>
@@ -24754,7 +25232,7 @@
           <a:graphicData uri="http://schemas.openxmlformats.org/presentationml/2006/ole">
             <mc:AlternateContent xmlns:mc="http://schemas.openxmlformats.org/markup-compatibility/2006">
               <mc:Choice xmlns:v="urn:schemas-microsoft-com:vml" Requires="v">
-                <p:oleObj spid="_x0000_s13397" name="Equation" r:id="rId8" imgW="825480" imgH="253800" progId="Equation.DSMT4">
+                <p:oleObj spid="_x0000_s13409" name="Equation" r:id="rId8" imgW="825480" imgH="253800" progId="Equation.DSMT4">
                   <p:embed/>
                 </p:oleObj>
               </mc:Choice>
@@ -25293,7 +25771,7 @@
           <a:graphicData uri="http://schemas.openxmlformats.org/presentationml/2006/ole">
             <mc:AlternateContent xmlns:mc="http://schemas.openxmlformats.org/markup-compatibility/2006">
               <mc:Choice xmlns:v="urn:schemas-microsoft-com:vml" Requires="v">
-                <p:oleObj spid="_x0000_s2310" name="Equation" r:id="rId3" imgW="1231560" imgH="291960" progId="Equation.DSMT4">
+                <p:oleObj spid="_x0000_s2322" name="Equation" r:id="rId3" imgW="1231560" imgH="291960" progId="Equation.DSMT4">
                   <p:embed/>
                 </p:oleObj>
               </mc:Choice>
@@ -25350,7 +25828,7 @@
           <a:graphicData uri="http://schemas.openxmlformats.org/presentationml/2006/ole">
             <mc:AlternateContent xmlns:mc="http://schemas.openxmlformats.org/markup-compatibility/2006">
               <mc:Choice xmlns:v="urn:schemas-microsoft-com:vml" Requires="v">
-                <p:oleObj spid="_x0000_s2311" name="Equation" r:id="rId5" imgW="1282680" imgH="291960" progId="Equation.DSMT4">
+                <p:oleObj spid="_x0000_s2323" name="Equation" r:id="rId5" imgW="1282680" imgH="291960" progId="Equation.DSMT4">
                   <p:embed/>
                 </p:oleObj>
               </mc:Choice>
@@ -25444,7 +25922,7 @@
           <a:graphicData uri="http://schemas.openxmlformats.org/presentationml/2006/ole">
             <mc:AlternateContent xmlns:mc="http://schemas.openxmlformats.org/markup-compatibility/2006">
               <mc:Choice xmlns:v="urn:schemas-microsoft-com:vml" Requires="v">
-                <p:oleObj spid="_x0000_s2312" name="Equation" r:id="rId7" imgW="1854000" imgH="609480" progId="Equation.DSMT4">
+                <p:oleObj spid="_x0000_s2324" name="Equation" r:id="rId7" imgW="1854000" imgH="609480" progId="Equation.DSMT4">
                   <p:embed/>
                 </p:oleObj>
               </mc:Choice>
@@ -26232,7 +26710,7 @@
             <a:graphicData uri="http://schemas.openxmlformats.org/presentationml/2006/ole">
               <mc:AlternateContent xmlns:mc="http://schemas.openxmlformats.org/markup-compatibility/2006">
                 <mc:Choice xmlns:v="urn:schemas-microsoft-com:vml" Requires="v">
-                  <p:oleObj spid="_x0000_s15440" name="Equation" r:id="rId8" imgW="203040" imgH="253800" progId="Equation.DSMT4">
+                  <p:oleObj spid="_x0000_s15464" name="Equation" r:id="rId8" imgW="203040" imgH="253800" progId="Equation.DSMT4">
                     <p:embed/>
                   </p:oleObj>
                 </mc:Choice>
@@ -26592,7 +27070,7 @@
             <a:graphicData uri="http://schemas.openxmlformats.org/presentationml/2006/ole">
               <mc:AlternateContent xmlns:mc="http://schemas.openxmlformats.org/markup-compatibility/2006">
                 <mc:Choice xmlns:v="urn:schemas-microsoft-com:vml" Requires="v">
-                  <p:oleObj spid="_x0000_s15441" name="Equation" r:id="rId10" imgW="190440" imgH="228600" progId="Equation.DSMT4">
+                  <p:oleObj spid="_x0000_s15465" name="Equation" r:id="rId10" imgW="190440" imgH="228600" progId="Equation.DSMT4">
                     <p:embed/>
                   </p:oleObj>
                 </mc:Choice>
@@ -26661,7 +27139,7 @@
             <a:graphicData uri="http://schemas.openxmlformats.org/presentationml/2006/ole">
               <mc:AlternateContent xmlns:mc="http://schemas.openxmlformats.org/markup-compatibility/2006">
                 <mc:Choice xmlns:v="urn:schemas-microsoft-com:vml" Requires="v">
-                  <p:oleObj spid="_x0000_s15442" name="Equation" r:id="rId12" imgW="241200" imgH="253800" progId="Equation.DSMT4">
+                  <p:oleObj spid="_x0000_s15466" name="Equation" r:id="rId12" imgW="241200" imgH="253800" progId="Equation.DSMT4">
                     <p:embed/>
                   </p:oleObj>
                 </mc:Choice>
@@ -26750,7 +27228,7 @@
               <a:graphicData uri="http://schemas.openxmlformats.org/presentationml/2006/ole">
                 <mc:AlternateContent xmlns:mc="http://schemas.openxmlformats.org/markup-compatibility/2006">
                   <mc:Choice xmlns:v="urn:schemas-microsoft-com:vml" Requires="v">
-                    <p:oleObj spid="_x0000_s15443" name="Equation" r:id="rId14" imgW="596880" imgH="241200" progId="Equation.DSMT4">
+                    <p:oleObj spid="_x0000_s15467" name="Equation" r:id="rId14" imgW="596880" imgH="241200" progId="Equation.DSMT4">
                       <p:embed/>
                     </p:oleObj>
                   </mc:Choice>
@@ -26876,7 +27354,7 @@
               <a:graphicData uri="http://schemas.openxmlformats.org/presentationml/2006/ole">
                 <mc:AlternateContent xmlns:mc="http://schemas.openxmlformats.org/markup-compatibility/2006">
                   <mc:Choice xmlns:v="urn:schemas-microsoft-com:vml" Requires="v">
-                    <p:oleObj spid="_x0000_s15444" name="Equation" r:id="rId16" imgW="622080" imgH="241200" progId="Equation.DSMT4">
+                    <p:oleObj spid="_x0000_s15468" name="Equation" r:id="rId16" imgW="622080" imgH="241200" progId="Equation.DSMT4">
                       <p:embed/>
                     </p:oleObj>
                   </mc:Choice>
@@ -27002,7 +27480,7 @@
               <a:graphicData uri="http://schemas.openxmlformats.org/presentationml/2006/ole">
                 <mc:AlternateContent xmlns:mc="http://schemas.openxmlformats.org/markup-compatibility/2006">
                   <mc:Choice xmlns:v="urn:schemas-microsoft-com:vml" Requires="v">
-                    <p:oleObj spid="_x0000_s15445" name="Equation" r:id="rId18" imgW="609480" imgH="241200" progId="Equation.DSMT4">
+                    <p:oleObj spid="_x0000_s15469" name="Equation" r:id="rId18" imgW="609480" imgH="241200" progId="Equation.DSMT4">
                       <p:embed/>
                     </p:oleObj>
                   </mc:Choice>
@@ -27849,7 +28327,7 @@
           <a:graphicData uri="http://schemas.openxmlformats.org/presentationml/2006/ole">
             <mc:AlternateContent xmlns:mc="http://schemas.openxmlformats.org/markup-compatibility/2006">
               <mc:Choice xmlns:v="urn:schemas-microsoft-com:vml" Requires="v">
-                <p:oleObj spid="_x0000_s16408" name="Equation" r:id="rId5" imgW="393480" imgH="203040" progId="Equation.DSMT4">
+                <p:oleObj spid="_x0000_s16416" name="Equation" r:id="rId5" imgW="393480" imgH="203040" progId="Equation.DSMT4">
                   <p:embed/>
                 </p:oleObj>
               </mc:Choice>
@@ -27900,7 +28378,7 @@
           <a:graphicData uri="http://schemas.openxmlformats.org/presentationml/2006/ole">
             <mc:AlternateContent xmlns:mc="http://schemas.openxmlformats.org/markup-compatibility/2006">
               <mc:Choice xmlns:v="urn:schemas-microsoft-com:vml" Requires="v">
-                <p:oleObj spid="_x0000_s16409" name="Equation" r:id="rId7" imgW="355320" imgH="203040" progId="Equation.DSMT4">
+                <p:oleObj spid="_x0000_s16417" name="Equation" r:id="rId7" imgW="355320" imgH="203040" progId="Equation.DSMT4">
                   <p:embed/>
                 </p:oleObj>
               </mc:Choice>

--- a/lectures/lecture2.pptx
+++ b/lectures/lecture2.pptx
@@ -319,7 +319,7 @@
           <a:p>
             <a:fld id="{88225CEC-B4DB-421E-BD7D-F5D0F79EA658}" type="datetimeFigureOut">
               <a:rPr lang="en-US" smtClean="0"/>
-              <a:t>3/8/2021</a:t>
+              <a:t>10/16/2021</a:t>
             </a:fld>
             <a:endParaRPr lang="en-US"/>
           </a:p>
@@ -849,7 +849,7 @@
           <a:p>
             <a:fld id="{2F895662-E2E6-47BC-B493-3EA4FCF734B6}" type="datetime1">
               <a:rPr lang="en-US" smtClean="0"/>
-              <a:t>3/8/2021</a:t>
+              <a:t>10/16/2021</a:t>
             </a:fld>
             <a:endParaRPr lang="en-US"/>
           </a:p>
@@ -1017,7 +1017,7 @@
           <a:p>
             <a:fld id="{0F4BFD65-5602-4172-B54C-6A65165A1845}" type="datetime1">
               <a:rPr lang="en-US" smtClean="0"/>
-              <a:t>3/8/2021</a:t>
+              <a:t>10/16/2021</a:t>
             </a:fld>
             <a:endParaRPr lang="en-US"/>
           </a:p>
@@ -1195,7 +1195,7 @@
           <a:p>
             <a:fld id="{6CA290DE-8138-4626-BC3F-DF68A3BD09D8}" type="datetime1">
               <a:rPr lang="en-US" smtClean="0"/>
-              <a:t>3/8/2021</a:t>
+              <a:t>10/16/2021</a:t>
             </a:fld>
             <a:endParaRPr lang="en-US"/>
           </a:p>
@@ -1363,7 +1363,7 @@
           <a:p>
             <a:fld id="{E1BE8E3F-75DF-45E8-9F6B-4F2E22494A32}" type="datetime1">
               <a:rPr lang="en-US" smtClean="0"/>
-              <a:t>3/8/2021</a:t>
+              <a:t>10/16/2021</a:t>
             </a:fld>
             <a:endParaRPr lang="en-US"/>
           </a:p>
@@ -1608,7 +1608,7 @@
           <a:p>
             <a:fld id="{82F4DA82-3E7C-4CFB-A30B-53D3893EF32E}" type="datetime1">
               <a:rPr lang="en-US" smtClean="0"/>
-              <a:t>3/8/2021</a:t>
+              <a:t>10/16/2021</a:t>
             </a:fld>
             <a:endParaRPr lang="en-US"/>
           </a:p>
@@ -1893,7 +1893,7 @@
           <a:p>
             <a:fld id="{36B3D8AD-4C83-4D73-AEE7-5E801ED5356C}" type="datetime1">
               <a:rPr lang="en-US" smtClean="0"/>
-              <a:t>3/8/2021</a:t>
+              <a:t>10/16/2021</a:t>
             </a:fld>
             <a:endParaRPr lang="en-US"/>
           </a:p>
@@ -2312,7 +2312,7 @@
           <a:p>
             <a:fld id="{7E6893DB-DD64-49D6-A5C2-F6ACE2B1530B}" type="datetime1">
               <a:rPr lang="en-US" smtClean="0"/>
-              <a:t>3/8/2021</a:t>
+              <a:t>10/16/2021</a:t>
             </a:fld>
             <a:endParaRPr lang="en-US"/>
           </a:p>
@@ -2429,7 +2429,7 @@
           <a:p>
             <a:fld id="{FC0A94C3-7A0F-4E28-9A06-985C13FFBB01}" type="datetime1">
               <a:rPr lang="en-US" smtClean="0"/>
-              <a:t>3/8/2021</a:t>
+              <a:t>10/16/2021</a:t>
             </a:fld>
             <a:endParaRPr lang="en-US"/>
           </a:p>
@@ -2524,7 +2524,7 @@
           <a:p>
             <a:fld id="{8587B2D3-0011-41C0-B2C5-6B713844DB1C}" type="datetime1">
               <a:rPr lang="en-US" smtClean="0"/>
-              <a:t>3/8/2021</a:t>
+              <a:t>10/16/2021</a:t>
             </a:fld>
             <a:endParaRPr lang="en-US"/>
           </a:p>
@@ -2799,7 +2799,7 @@
           <a:p>
             <a:fld id="{B53EE19A-9EFD-417C-93CE-FC2F485F3533}" type="datetime1">
               <a:rPr lang="en-US" smtClean="0"/>
-              <a:t>3/8/2021</a:t>
+              <a:t>10/16/2021</a:t>
             </a:fld>
             <a:endParaRPr lang="en-US"/>
           </a:p>
@@ -3054,7 +3054,7 @@
           <a:p>
             <a:fld id="{87D9954C-8CD1-4968-8DFE-C7948C62F830}" type="datetime1">
               <a:rPr lang="en-US" smtClean="0"/>
-              <a:t>3/8/2021</a:t>
+              <a:t>10/16/2021</a:t>
             </a:fld>
             <a:endParaRPr lang="en-US"/>
           </a:p>
@@ -3270,7 +3270,7 @@
           <a:p>
             <a:fld id="{B4BF092D-FE75-4F27-B0C3-A897761F708C}" type="datetime1">
               <a:rPr lang="en-US" smtClean="0"/>
-              <a:t>3/8/2021</a:t>
+              <a:t>10/16/2021</a:t>
             </a:fld>
             <a:endParaRPr lang="en-US"/>
           </a:p>
@@ -3736,7 +3736,7 @@
           <a:p>
             <a:r>
               <a:rPr lang="en-US" dirty="0"/>
-              <a:t>March, 2021</a:t>
+              <a:t>Oct-Nov 2021</a:t>
             </a:r>
           </a:p>
           <a:p>
@@ -4183,7 +4183,7 @@
           <a:graphicData uri="http://schemas.openxmlformats.org/presentationml/2006/ole">
             <mc:AlternateContent xmlns:mc="http://schemas.openxmlformats.org/markup-compatibility/2006">
               <mc:Choice xmlns:v="urn:schemas-microsoft-com:vml" Requires="v">
-                <p:oleObj spid="_x0000_s3296" name="Equation" r:id="rId3" imgW="139680" imgH="203040" progId="Equation.DSMT4">
+                <p:oleObj spid="_x0000_s3308" name="Equation" r:id="rId3" imgW="139680" imgH="203040" progId="Equation.DSMT4">
                   <p:embed/>
                 </p:oleObj>
               </mc:Choice>
@@ -4240,7 +4240,7 @@
           <a:graphicData uri="http://schemas.openxmlformats.org/presentationml/2006/ole">
             <mc:AlternateContent xmlns:mc="http://schemas.openxmlformats.org/markup-compatibility/2006">
               <mc:Choice xmlns:v="urn:schemas-microsoft-com:vml" Requires="v">
-                <p:oleObj spid="_x0000_s3297" name="Equation" r:id="rId5" imgW="2450880" imgH="253800" progId="Equation.DSMT4">
+                <p:oleObj spid="_x0000_s3309" name="Equation" r:id="rId5" imgW="2450880" imgH="253800" progId="Equation.DSMT4">
                   <p:embed/>
                 </p:oleObj>
               </mc:Choice>
@@ -4297,7 +4297,7 @@
           <a:graphicData uri="http://schemas.openxmlformats.org/presentationml/2006/ole">
             <mc:AlternateContent xmlns:mc="http://schemas.openxmlformats.org/markup-compatibility/2006">
               <mc:Choice xmlns:v="urn:schemas-microsoft-com:vml" Requires="v">
-                <p:oleObj spid="_x0000_s3298" name="Equation" r:id="rId7" imgW="164880" imgH="228600" progId="Equation.DSMT4">
+                <p:oleObj spid="_x0000_s3310" name="Equation" r:id="rId7" imgW="164880" imgH="228600" progId="Equation.DSMT4">
                   <p:embed/>
                 </p:oleObj>
               </mc:Choice>
@@ -4434,7 +4434,7 @@
           <a:graphicData uri="http://schemas.openxmlformats.org/presentationml/2006/ole">
             <mc:AlternateContent xmlns:mc="http://schemas.openxmlformats.org/markup-compatibility/2006">
               <mc:Choice xmlns:v="urn:schemas-microsoft-com:vml" Requires="v">
-                <p:oleObj spid="_x0000_s3299" name="Equation" r:id="rId3" imgW="139680" imgH="203040" progId="Equation.DSMT4">
+                <p:oleObj spid="_x0000_s3311" name="Equation" r:id="rId3" imgW="139680" imgH="203040" progId="Equation.DSMT4">
                   <p:embed/>
                 </p:oleObj>
               </mc:Choice>
@@ -5934,7 +5934,7 @@
               <a:rPr lang="en-US" smtClean="0"/>
               <a:t>13</a:t>
             </a:fld>
-            <a:endParaRPr lang="en-US"/>
+            <a:endParaRPr lang="en-US" dirty="0"/>
           </a:p>
         </p:txBody>
       </p:sp>
@@ -7367,6 +7367,96 @@
           </a:p>
         </p:txBody>
       </p:sp>
+      <p:sp>
+        <p:nvSpPr>
+          <p:cNvPr id="5" name="Rectangle 4">
+            <a:extLst>
+              <a:ext uri="{FF2B5EF4-FFF2-40B4-BE49-F238E27FC236}">
+                <a16:creationId xmlns:a16="http://schemas.microsoft.com/office/drawing/2014/main" id="{499428D8-2B9C-4934-A3C7-12534C4C4797}"/>
+              </a:ext>
+            </a:extLst>
+          </p:cNvPr>
+          <p:cNvSpPr/>
+          <p:nvPr/>
+        </p:nvSpPr>
+        <p:spPr>
+          <a:xfrm>
+            <a:off x="4389097" y="1423644"/>
+            <a:ext cx="365805" cy="369332"/>
+          </a:xfrm>
+          <a:prstGeom prst="rect">
+            <a:avLst/>
+          </a:prstGeom>
+        </p:spPr>
+        <p:txBody>
+          <a:bodyPr wrap="square">
+            <a:spAutoFit/>
+          </a:bodyPr>
+          <a:lstStyle/>
+          <a:p>
+            <a:pPr lvl="0" algn="ctr"/>
+            <a:r>
+              <a:rPr lang="en-US" dirty="0">
+                <a:solidFill>
+                  <a:srgbClr val="00B050"/>
+                </a:solidFill>
+                <a:sym typeface="Wingdings"/>
+              </a:rPr>
+              <a:t></a:t>
+            </a:r>
+            <a:endParaRPr lang="en-US" dirty="0">
+              <a:solidFill>
+                <a:prstClr val="black"/>
+              </a:solidFill>
+            </a:endParaRPr>
+          </a:p>
+        </p:txBody>
+      </p:sp>
+      <p:sp>
+        <p:nvSpPr>
+          <p:cNvPr id="9" name="Rectangle 8">
+            <a:extLst>
+              <a:ext uri="{FF2B5EF4-FFF2-40B4-BE49-F238E27FC236}">
+                <a16:creationId xmlns:a16="http://schemas.microsoft.com/office/drawing/2014/main" id="{3DDD48AC-E425-4CA4-A0F5-E2BA34952015}"/>
+              </a:ext>
+            </a:extLst>
+          </p:cNvPr>
+          <p:cNvSpPr/>
+          <p:nvPr/>
+        </p:nvSpPr>
+        <p:spPr>
+          <a:xfrm>
+            <a:off x="4396873" y="1642182"/>
+            <a:ext cx="365805" cy="369332"/>
+          </a:xfrm>
+          <a:prstGeom prst="rect">
+            <a:avLst/>
+          </a:prstGeom>
+        </p:spPr>
+        <p:txBody>
+          <a:bodyPr wrap="none">
+            <a:spAutoFit/>
+          </a:bodyPr>
+          <a:lstStyle/>
+          <a:p>
+            <a:pPr lvl="0" algn="ctr"/>
+            <a:r>
+              <a:rPr lang="en-US" dirty="0">
+                <a:solidFill>
+                  <a:srgbClr val="00B050"/>
+                </a:solidFill>
+                <a:sym typeface="Wingdings"/>
+              </a:rPr>
+              <a:t></a:t>
+            </a:r>
+            <a:endParaRPr lang="en-US" dirty="0">
+              <a:solidFill>
+                <a:prstClr val="black"/>
+              </a:solidFill>
+            </a:endParaRPr>
+          </a:p>
+        </p:txBody>
+      </p:sp>
     </p:spTree>
     <p:extLst>
       <p:ext uri="{BB962C8B-B14F-4D97-AF65-F5344CB8AC3E}">
@@ -7654,7 +7744,7 @@
           <a:graphicData uri="http://schemas.openxmlformats.org/presentationml/2006/ole">
             <mc:AlternateContent xmlns:mc="http://schemas.openxmlformats.org/markup-compatibility/2006">
               <mc:Choice xmlns:v="urn:schemas-microsoft-com:vml" Requires="v">
-                <p:oleObj spid="_x0000_s4240" name="Equation" r:id="rId5" imgW="393480" imgH="203040" progId="Equation.DSMT4">
+                <p:oleObj spid="_x0000_s4246" name="Equation" r:id="rId5" imgW="393480" imgH="203040" progId="Equation.DSMT4">
                   <p:embed/>
                 </p:oleObj>
               </mc:Choice>
@@ -7711,7 +7801,7 @@
           <a:graphicData uri="http://schemas.openxmlformats.org/presentationml/2006/ole">
             <mc:AlternateContent xmlns:mc="http://schemas.openxmlformats.org/markup-compatibility/2006">
               <mc:Choice xmlns:v="urn:schemas-microsoft-com:vml" Requires="v">
-                <p:oleObj spid="_x0000_s4241" name="Equation" r:id="rId7" imgW="355320" imgH="203040" progId="Equation.DSMT4">
+                <p:oleObj spid="_x0000_s4247" name="Equation" r:id="rId7" imgW="355320" imgH="203040" progId="Equation.DSMT4">
                   <p:embed/>
                 </p:oleObj>
               </mc:Choice>
@@ -9336,7 +9426,7 @@
           <a:graphicData uri="http://schemas.openxmlformats.org/presentationml/2006/ole">
             <mc:AlternateContent xmlns:mc="http://schemas.openxmlformats.org/markup-compatibility/2006">
               <mc:Choice xmlns:v="urn:schemas-microsoft-com:vml" Requires="v">
-                <p:oleObj spid="_x0000_s5181" name="Equation" r:id="rId5" imgW="1104840" imgH="304560" progId="Equation.DSMT4">
+                <p:oleObj spid="_x0000_s5184" name="Equation" r:id="rId5" imgW="1104840" imgH="304560" progId="Equation.DSMT4">
                   <p:embed/>
                 </p:oleObj>
               </mc:Choice>
@@ -9838,7 +9928,7 @@
           <a:graphicData uri="http://schemas.openxmlformats.org/presentationml/2006/ole">
             <mc:AlternateContent xmlns:mc="http://schemas.openxmlformats.org/markup-compatibility/2006">
               <mc:Choice xmlns:v="urn:schemas-microsoft-com:vml" Requires="v">
-                <p:oleObj spid="_x0000_s11308" name="Equation" r:id="rId9" imgW="1231560" imgH="291960" progId="Equation.DSMT4">
+                <p:oleObj spid="_x0000_s11311" name="Equation" r:id="rId9" imgW="1231560" imgH="291960" progId="Equation.DSMT4">
                   <p:embed/>
                 </p:oleObj>
               </mc:Choice>
@@ -11038,7 +11128,7 @@
           <a:graphicData uri="http://schemas.openxmlformats.org/presentationml/2006/ole">
             <mc:AlternateContent xmlns:mc="http://schemas.openxmlformats.org/markup-compatibility/2006">
               <mc:Choice xmlns:v="urn:schemas-microsoft-com:vml" Requires="v">
-                <p:oleObj spid="_x0000_s7228" name="Equation" r:id="rId6" imgW="1676160" imgH="304560" progId="Equation.DSMT4">
+                <p:oleObj spid="_x0000_s7231" name="Equation" r:id="rId6" imgW="1676160" imgH="304560" progId="Equation.DSMT4">
                   <p:embed/>
                 </p:oleObj>
               </mc:Choice>
@@ -11617,7 +11707,7 @@
           <a:graphicData uri="http://schemas.openxmlformats.org/presentationml/2006/ole">
             <mc:AlternateContent xmlns:mc="http://schemas.openxmlformats.org/markup-compatibility/2006">
               <mc:Choice xmlns:v="urn:schemas-microsoft-com:vml" Requires="v">
-                <p:oleObj spid="_x0000_s6207" name="Equation" r:id="rId3" imgW="1104840" imgH="304560" progId="Equation.DSMT4">
+                <p:oleObj spid="_x0000_s6210" name="Equation" r:id="rId3" imgW="1104840" imgH="304560" progId="Equation.DSMT4">
                   <p:embed/>
                 </p:oleObj>
               </mc:Choice>
@@ -12297,7 +12387,7 @@
           <a:graphicData uri="http://schemas.openxmlformats.org/presentationml/2006/ole">
             <mc:AlternateContent xmlns:mc="http://schemas.openxmlformats.org/markup-compatibility/2006">
               <mc:Choice xmlns:v="urn:schemas-microsoft-com:vml" Requires="v">
-                <p:oleObj spid="_x0000_s12328" name="Equation" r:id="rId3" imgW="1676160" imgH="304560" progId="Equation.DSMT4">
+                <p:oleObj spid="_x0000_s12331" name="Equation" r:id="rId3" imgW="1676160" imgH="304560" progId="Equation.DSMT4">
                   <p:embed/>
                 </p:oleObj>
               </mc:Choice>
@@ -12915,6 +13005,58 @@
               <a:rPr lang="en-US" sz="1600" dirty="0"/>
               <a:t>The canonical dimension is Can1 = 0.075 WP - 0.083 BM, a contrast between the two tests</a:t>
             </a:r>
+          </a:p>
+        </p:txBody>
+      </p:sp>
+      <p:sp>
+        <p:nvSpPr>
+          <p:cNvPr id="6" name="Oval 5">
+            <a:extLst>
+              <a:ext uri="{FF2B5EF4-FFF2-40B4-BE49-F238E27FC236}">
+                <a16:creationId xmlns:a16="http://schemas.microsoft.com/office/drawing/2014/main" id="{B6BE69F0-B4F3-4D6B-AD8E-0C1628AC2F4D}"/>
+              </a:ext>
+            </a:extLst>
+          </p:cNvPr>
+          <p:cNvSpPr/>
+          <p:nvPr/>
+        </p:nvSpPr>
+        <p:spPr>
+          <a:xfrm>
+            <a:off x="914400" y="5085556"/>
+            <a:ext cx="1219200" cy="629444"/>
+          </a:xfrm>
+          <a:prstGeom prst="ellipse">
+            <a:avLst/>
+          </a:prstGeom>
+          <a:noFill/>
+          <a:ln>
+            <a:solidFill>
+              <a:srgbClr val="FF0000"/>
+            </a:solidFill>
+          </a:ln>
+        </p:spPr>
+        <p:style>
+          <a:lnRef idx="2">
+            <a:schemeClr val="accent1">
+              <a:shade val="50000"/>
+            </a:schemeClr>
+          </a:lnRef>
+          <a:fillRef idx="1">
+            <a:schemeClr val="accent1"/>
+          </a:fillRef>
+          <a:effectRef idx="0">
+            <a:schemeClr val="accent1"/>
+          </a:effectRef>
+          <a:fontRef idx="minor">
+            <a:schemeClr val="lt1"/>
+          </a:fontRef>
+        </p:style>
+        <p:txBody>
+          <a:bodyPr rtlCol="0" anchor="ctr"/>
+          <a:lstStyle/>
+          <a:p>
+            <a:pPr algn="ctr"/>
+            <a:endParaRPr lang="en-US"/>
           </a:p>
         </p:txBody>
       </p:sp>
@@ -14938,13 +15080,15 @@
               </a:ext>
             </a:extLst>
           </p:cNvPr>
-          <p:cNvCxnSpPr/>
+          <p:cNvCxnSpPr>
+            <a:cxnSpLocks/>
+          </p:cNvCxnSpPr>
           <p:nvPr/>
         </p:nvCxnSpPr>
         <p:spPr>
           <a:xfrm flipV="1">
-            <a:off x="2168525" y="4114800"/>
-            <a:ext cx="2098675" cy="1524000"/>
+            <a:off x="2133600" y="4153676"/>
+            <a:ext cx="2209800" cy="1295400"/>
           </a:xfrm>
           <a:prstGeom prst="straightConnector1">
             <a:avLst/>
@@ -22541,7 +22685,7 @@
             <a:graphicData uri="http://schemas.openxmlformats.org/presentationml/2006/ole">
               <mc:AlternateContent xmlns:mc="http://schemas.openxmlformats.org/markup-compatibility/2006">
                 <mc:Choice xmlns:v="urn:schemas-microsoft-com:vml" Requires="v">
-                  <p:oleObj spid="_x0000_s14555" name="Equation" r:id="rId3" imgW="203040" imgH="253800" progId="Equation.DSMT4">
+                  <p:oleObj spid="_x0000_s14591" name="Equation" r:id="rId3" imgW="203040" imgH="253800" progId="Equation.DSMT4">
                     <p:embed/>
                   </p:oleObj>
                 </mc:Choice>
@@ -22915,7 +23059,7 @@
               <a:graphicData uri="http://schemas.openxmlformats.org/presentationml/2006/ole">
                 <mc:AlternateContent xmlns:mc="http://schemas.openxmlformats.org/markup-compatibility/2006">
                   <mc:Choice xmlns:v="urn:schemas-microsoft-com:vml" Requires="v">
-                    <p:oleObj spid="_x0000_s14556" name="Equation" r:id="rId5" imgW="190440" imgH="228600" progId="Equation.DSMT4">
+                    <p:oleObj spid="_x0000_s14592" name="Equation" r:id="rId5" imgW="190440" imgH="228600" progId="Equation.DSMT4">
                       <p:embed/>
                     </p:oleObj>
                   </mc:Choice>
@@ -22978,7 +23122,7 @@
               <a:graphicData uri="http://schemas.openxmlformats.org/presentationml/2006/ole">
                 <mc:AlternateContent xmlns:mc="http://schemas.openxmlformats.org/markup-compatibility/2006">
                   <mc:Choice xmlns:v="urn:schemas-microsoft-com:vml" Requires="v">
-                    <p:oleObj spid="_x0000_s14557" name="Equation" r:id="rId7" imgW="241200" imgH="253800" progId="Equation.DSMT4">
+                    <p:oleObj spid="_x0000_s14593" name="Equation" r:id="rId7" imgW="241200" imgH="253800" progId="Equation.DSMT4">
                       <p:embed/>
                     </p:oleObj>
                   </mc:Choice>
@@ -23061,7 +23205,7 @@
                 <a:graphicData uri="http://schemas.openxmlformats.org/presentationml/2006/ole">
                   <mc:AlternateContent xmlns:mc="http://schemas.openxmlformats.org/markup-compatibility/2006">
                     <mc:Choice xmlns:v="urn:schemas-microsoft-com:vml" Requires="v">
-                      <p:oleObj spid="_x0000_s14558" name="Equation" r:id="rId9" imgW="596880" imgH="241200" progId="Equation.DSMT4">
+                      <p:oleObj spid="_x0000_s14594" name="Equation" r:id="rId9" imgW="596880" imgH="241200" progId="Equation.DSMT4">
                         <p:embed/>
                       </p:oleObj>
                     </mc:Choice>
@@ -23187,7 +23331,7 @@
                 <a:graphicData uri="http://schemas.openxmlformats.org/presentationml/2006/ole">
                   <mc:AlternateContent xmlns:mc="http://schemas.openxmlformats.org/markup-compatibility/2006">
                     <mc:Choice xmlns:v="urn:schemas-microsoft-com:vml" Requires="v">
-                      <p:oleObj spid="_x0000_s14559" name="Equation" r:id="rId11" imgW="622080" imgH="241200" progId="Equation.DSMT4">
+                      <p:oleObj spid="_x0000_s14595" name="Equation" r:id="rId11" imgW="622080" imgH="241200" progId="Equation.DSMT4">
                         <p:embed/>
                       </p:oleObj>
                     </mc:Choice>
@@ -23313,7 +23457,7 @@
                 <a:graphicData uri="http://schemas.openxmlformats.org/presentationml/2006/ole">
                   <mc:AlternateContent xmlns:mc="http://schemas.openxmlformats.org/markup-compatibility/2006">
                     <mc:Choice xmlns:v="urn:schemas-microsoft-com:vml" Requires="v">
-                      <p:oleObj spid="_x0000_s14560" name="Equation" r:id="rId13" imgW="609480" imgH="241200" progId="Equation.DSMT4">
+                      <p:oleObj spid="_x0000_s14596" name="Equation" r:id="rId13" imgW="609480" imgH="241200" progId="Equation.DSMT4">
                         <p:embed/>
                       </p:oleObj>
                     </mc:Choice>
@@ -23441,7 +23585,7 @@
             <a:graphicData uri="http://schemas.openxmlformats.org/presentationml/2006/ole">
               <mc:AlternateContent xmlns:mc="http://schemas.openxmlformats.org/markup-compatibility/2006">
                 <mc:Choice xmlns:v="urn:schemas-microsoft-com:vml" Requires="v">
-                  <p:oleObj spid="_x0000_s14561" name="Equation" r:id="rId15" imgW="203040" imgH="253800" progId="Equation.DSMT4">
+                  <p:oleObj spid="_x0000_s14597" name="Equation" r:id="rId15" imgW="203040" imgH="253800" progId="Equation.DSMT4">
                     <p:embed/>
                   </p:oleObj>
                 </mc:Choice>
@@ -23801,7 +23945,7 @@
             <a:graphicData uri="http://schemas.openxmlformats.org/presentationml/2006/ole">
               <mc:AlternateContent xmlns:mc="http://schemas.openxmlformats.org/markup-compatibility/2006">
                 <mc:Choice xmlns:v="urn:schemas-microsoft-com:vml" Requires="v">
-                  <p:oleObj spid="_x0000_s14562" name="Equation" r:id="rId16" imgW="190440" imgH="228600" progId="Equation.DSMT4">
+                  <p:oleObj spid="_x0000_s14598" name="Equation" r:id="rId16" imgW="190440" imgH="228600" progId="Equation.DSMT4">
                     <p:embed/>
                   </p:oleObj>
                 </mc:Choice>
@@ -23870,7 +24014,7 @@
             <a:graphicData uri="http://schemas.openxmlformats.org/presentationml/2006/ole">
               <mc:AlternateContent xmlns:mc="http://schemas.openxmlformats.org/markup-compatibility/2006">
                 <mc:Choice xmlns:v="urn:schemas-microsoft-com:vml" Requires="v">
-                  <p:oleObj spid="_x0000_s14563" name="Equation" r:id="rId17" imgW="241200" imgH="253800" progId="Equation.DSMT4">
+                  <p:oleObj spid="_x0000_s14599" name="Equation" r:id="rId17" imgW="241200" imgH="253800" progId="Equation.DSMT4">
                     <p:embed/>
                   </p:oleObj>
                 </mc:Choice>
@@ -23959,7 +24103,7 @@
               <a:graphicData uri="http://schemas.openxmlformats.org/presentationml/2006/ole">
                 <mc:AlternateContent xmlns:mc="http://schemas.openxmlformats.org/markup-compatibility/2006">
                   <mc:Choice xmlns:v="urn:schemas-microsoft-com:vml" Requires="v">
-                    <p:oleObj spid="_x0000_s14564" name="Equation" r:id="rId18" imgW="596880" imgH="241200" progId="Equation.DSMT4">
+                    <p:oleObj spid="_x0000_s14600" name="Equation" r:id="rId18" imgW="596880" imgH="241200" progId="Equation.DSMT4">
                       <p:embed/>
                     </p:oleObj>
                   </mc:Choice>
@@ -24085,7 +24229,7 @@
               <a:graphicData uri="http://schemas.openxmlformats.org/presentationml/2006/ole">
                 <mc:AlternateContent xmlns:mc="http://schemas.openxmlformats.org/markup-compatibility/2006">
                   <mc:Choice xmlns:v="urn:schemas-microsoft-com:vml" Requires="v">
-                    <p:oleObj spid="_x0000_s14565" name="Equation" r:id="rId19" imgW="622080" imgH="241200" progId="Equation.DSMT4">
+                    <p:oleObj spid="_x0000_s14601" name="Equation" r:id="rId19" imgW="622080" imgH="241200" progId="Equation.DSMT4">
                       <p:embed/>
                     </p:oleObj>
                   </mc:Choice>
@@ -24211,7 +24355,7 @@
               <a:graphicData uri="http://schemas.openxmlformats.org/presentationml/2006/ole">
                 <mc:AlternateContent xmlns:mc="http://schemas.openxmlformats.org/markup-compatibility/2006">
                   <mc:Choice xmlns:v="urn:schemas-microsoft-com:vml" Requires="v">
-                    <p:oleObj spid="_x0000_s14566" name="Equation" r:id="rId20" imgW="609480" imgH="241200" progId="Equation.DSMT4">
+                    <p:oleObj spid="_x0000_s14602" name="Equation" r:id="rId20" imgW="609480" imgH="241200" progId="Equation.DSMT4">
                       <p:embed/>
                     </p:oleObj>
                   </mc:Choice>
@@ -24439,7 +24583,7 @@
           <a:graphicData uri="http://schemas.openxmlformats.org/presentationml/2006/ole">
             <mc:AlternateContent xmlns:mc="http://schemas.openxmlformats.org/markup-compatibility/2006">
               <mc:Choice xmlns:v="urn:schemas-microsoft-com:vml" Requires="v">
-                <p:oleObj spid="_x0000_s1330" name="Equation" r:id="rId3" imgW="1143000" imgH="330120" progId="Equation.DSMT4">
+                <p:oleObj spid="_x0000_s1345" name="Equation" r:id="rId3" imgW="1143000" imgH="330120" progId="Equation.DSMT4">
                   <p:embed/>
                 </p:oleObj>
               </mc:Choice>
@@ -24496,7 +24640,7 @@
           <a:graphicData uri="http://schemas.openxmlformats.org/presentationml/2006/ole">
             <mc:AlternateContent xmlns:mc="http://schemas.openxmlformats.org/markup-compatibility/2006">
               <mc:Choice xmlns:v="urn:schemas-microsoft-com:vml" Requires="v">
-                <p:oleObj spid="_x0000_s1331" name="Equation" r:id="rId5" imgW="1244520" imgH="291960" progId="Equation.DSMT4">
+                <p:oleObj spid="_x0000_s1346" name="Equation" r:id="rId5" imgW="1244520" imgH="291960" progId="Equation.DSMT4">
                   <p:embed/>
                 </p:oleObj>
               </mc:Choice>
@@ -24583,7 +24727,7 @@
           <a:graphicData uri="http://schemas.openxmlformats.org/presentationml/2006/ole">
             <mc:AlternateContent xmlns:mc="http://schemas.openxmlformats.org/markup-compatibility/2006">
               <mc:Choice xmlns:v="urn:schemas-microsoft-com:vml" Requires="v">
-                <p:oleObj spid="_x0000_s1332" name="Equation" r:id="rId7" imgW="2286000" imgH="685800" progId="Equation.DSMT4">
+                <p:oleObj spid="_x0000_s1347" name="Equation" r:id="rId7" imgW="2286000" imgH="685800" progId="Equation.DSMT4">
                   <p:embed/>
                 </p:oleObj>
               </mc:Choice>
@@ -24653,7 +24797,7 @@
           <a:graphicData uri="http://schemas.openxmlformats.org/presentationml/2006/ole">
             <mc:AlternateContent xmlns:mc="http://schemas.openxmlformats.org/markup-compatibility/2006">
               <mc:Choice xmlns:v="urn:schemas-microsoft-com:vml" Requires="v">
-                <p:oleObj spid="_x0000_s1333" name="Equation" r:id="rId9" imgW="1396800" imgH="431640" progId="Equation.DSMT4">
+                <p:oleObj spid="_x0000_s1348" name="Equation" r:id="rId9" imgW="1396800" imgH="431640" progId="Equation.DSMT4">
                   <p:embed/>
                 </p:oleObj>
               </mc:Choice>
@@ -24864,7 +25008,7 @@
           <a:graphicData uri="http://schemas.openxmlformats.org/presentationml/2006/ole">
             <mc:AlternateContent xmlns:mc="http://schemas.openxmlformats.org/markup-compatibility/2006">
               <mc:Choice xmlns:v="urn:schemas-microsoft-com:vml" Requires="v">
-                <p:oleObj spid="_x0000_s1334" name="Equation" r:id="rId11" imgW="2425680" imgH="241200" progId="Equation.DSMT4">
+                <p:oleObj spid="_x0000_s1349" name="Equation" r:id="rId11" imgW="2425680" imgH="241200" progId="Equation.DSMT4">
                   <p:embed/>
                 </p:oleObj>
               </mc:Choice>
@@ -25106,7 +25250,7 @@
           <a:graphicData uri="http://schemas.openxmlformats.org/presentationml/2006/ole">
             <mc:AlternateContent xmlns:mc="http://schemas.openxmlformats.org/markup-compatibility/2006">
               <mc:Choice xmlns:v="urn:schemas-microsoft-com:vml" Requires="v">
-                <p:oleObj spid="_x0000_s13407" name="Equation" r:id="rId4" imgW="812520" imgH="253800" progId="Equation.DSMT4">
+                <p:oleObj spid="_x0000_s13416" name="Equation" r:id="rId4" imgW="812520" imgH="253800" progId="Equation.DSMT4">
                   <p:embed/>
                 </p:oleObj>
               </mc:Choice>
@@ -25169,7 +25313,7 @@
           <a:graphicData uri="http://schemas.openxmlformats.org/presentationml/2006/ole">
             <mc:AlternateContent xmlns:mc="http://schemas.openxmlformats.org/markup-compatibility/2006">
               <mc:Choice xmlns:v="urn:schemas-microsoft-com:vml" Requires="v">
-                <p:oleObj spid="_x0000_s13408" name="Equation" r:id="rId6" imgW="838080" imgH="253800" progId="Equation.DSMT4">
+                <p:oleObj spid="_x0000_s13417" name="Equation" r:id="rId6" imgW="838080" imgH="253800" progId="Equation.DSMT4">
                   <p:embed/>
                 </p:oleObj>
               </mc:Choice>
@@ -25232,7 +25376,7 @@
           <a:graphicData uri="http://schemas.openxmlformats.org/presentationml/2006/ole">
             <mc:AlternateContent xmlns:mc="http://schemas.openxmlformats.org/markup-compatibility/2006">
               <mc:Choice xmlns:v="urn:schemas-microsoft-com:vml" Requires="v">
-                <p:oleObj spid="_x0000_s13409" name="Equation" r:id="rId8" imgW="825480" imgH="253800" progId="Equation.DSMT4">
+                <p:oleObj spid="_x0000_s13418" name="Equation" r:id="rId8" imgW="825480" imgH="253800" progId="Equation.DSMT4">
                   <p:embed/>
                 </p:oleObj>
               </mc:Choice>
@@ -25771,7 +25915,7 @@
           <a:graphicData uri="http://schemas.openxmlformats.org/presentationml/2006/ole">
             <mc:AlternateContent xmlns:mc="http://schemas.openxmlformats.org/markup-compatibility/2006">
               <mc:Choice xmlns:v="urn:schemas-microsoft-com:vml" Requires="v">
-                <p:oleObj spid="_x0000_s2322" name="Equation" r:id="rId3" imgW="1231560" imgH="291960" progId="Equation.DSMT4">
+                <p:oleObj spid="_x0000_s2331" name="Equation" r:id="rId3" imgW="1231560" imgH="291960" progId="Equation.DSMT4">
                   <p:embed/>
                 </p:oleObj>
               </mc:Choice>
@@ -25828,7 +25972,7 @@
           <a:graphicData uri="http://schemas.openxmlformats.org/presentationml/2006/ole">
             <mc:AlternateContent xmlns:mc="http://schemas.openxmlformats.org/markup-compatibility/2006">
               <mc:Choice xmlns:v="urn:schemas-microsoft-com:vml" Requires="v">
-                <p:oleObj spid="_x0000_s2323" name="Equation" r:id="rId5" imgW="1282680" imgH="291960" progId="Equation.DSMT4">
+                <p:oleObj spid="_x0000_s2332" name="Equation" r:id="rId5" imgW="1282680" imgH="291960" progId="Equation.DSMT4">
                   <p:embed/>
                 </p:oleObj>
               </mc:Choice>
@@ -25922,7 +26066,7 @@
           <a:graphicData uri="http://schemas.openxmlformats.org/presentationml/2006/ole">
             <mc:AlternateContent xmlns:mc="http://schemas.openxmlformats.org/markup-compatibility/2006">
               <mc:Choice xmlns:v="urn:schemas-microsoft-com:vml" Requires="v">
-                <p:oleObj spid="_x0000_s2324" name="Equation" r:id="rId7" imgW="1854000" imgH="609480" progId="Equation.DSMT4">
+                <p:oleObj spid="_x0000_s2333" name="Equation" r:id="rId7" imgW="1854000" imgH="609480" progId="Equation.DSMT4">
                   <p:embed/>
                 </p:oleObj>
               </mc:Choice>
@@ -26710,7 +26854,7 @@
             <a:graphicData uri="http://schemas.openxmlformats.org/presentationml/2006/ole">
               <mc:AlternateContent xmlns:mc="http://schemas.openxmlformats.org/markup-compatibility/2006">
                 <mc:Choice xmlns:v="urn:schemas-microsoft-com:vml" Requires="v">
-                  <p:oleObj spid="_x0000_s15464" name="Equation" r:id="rId8" imgW="203040" imgH="253800" progId="Equation.DSMT4">
+                  <p:oleObj spid="_x0000_s15482" name="Equation" r:id="rId8" imgW="203040" imgH="253800" progId="Equation.DSMT4">
                     <p:embed/>
                   </p:oleObj>
                 </mc:Choice>
@@ -27070,7 +27214,7 @@
             <a:graphicData uri="http://schemas.openxmlformats.org/presentationml/2006/ole">
               <mc:AlternateContent xmlns:mc="http://schemas.openxmlformats.org/markup-compatibility/2006">
                 <mc:Choice xmlns:v="urn:schemas-microsoft-com:vml" Requires="v">
-                  <p:oleObj spid="_x0000_s15465" name="Equation" r:id="rId10" imgW="190440" imgH="228600" progId="Equation.DSMT4">
+                  <p:oleObj spid="_x0000_s15483" name="Equation" r:id="rId10" imgW="190440" imgH="228600" progId="Equation.DSMT4">
                     <p:embed/>
                   </p:oleObj>
                 </mc:Choice>
@@ -27139,7 +27283,7 @@
             <a:graphicData uri="http://schemas.openxmlformats.org/presentationml/2006/ole">
               <mc:AlternateContent xmlns:mc="http://schemas.openxmlformats.org/markup-compatibility/2006">
                 <mc:Choice xmlns:v="urn:schemas-microsoft-com:vml" Requires="v">
-                  <p:oleObj spid="_x0000_s15466" name="Equation" r:id="rId12" imgW="241200" imgH="253800" progId="Equation.DSMT4">
+                  <p:oleObj spid="_x0000_s15484" name="Equation" r:id="rId12" imgW="241200" imgH="253800" progId="Equation.DSMT4">
                     <p:embed/>
                   </p:oleObj>
                 </mc:Choice>
@@ -27228,7 +27372,7 @@
               <a:graphicData uri="http://schemas.openxmlformats.org/presentationml/2006/ole">
                 <mc:AlternateContent xmlns:mc="http://schemas.openxmlformats.org/markup-compatibility/2006">
                   <mc:Choice xmlns:v="urn:schemas-microsoft-com:vml" Requires="v">
-                    <p:oleObj spid="_x0000_s15467" name="Equation" r:id="rId14" imgW="596880" imgH="241200" progId="Equation.DSMT4">
+                    <p:oleObj spid="_x0000_s15485" name="Equation" r:id="rId14" imgW="596880" imgH="241200" progId="Equation.DSMT4">
                       <p:embed/>
                     </p:oleObj>
                   </mc:Choice>
@@ -27354,7 +27498,7 @@
               <a:graphicData uri="http://schemas.openxmlformats.org/presentationml/2006/ole">
                 <mc:AlternateContent xmlns:mc="http://schemas.openxmlformats.org/markup-compatibility/2006">
                   <mc:Choice xmlns:v="urn:schemas-microsoft-com:vml" Requires="v">
-                    <p:oleObj spid="_x0000_s15468" name="Equation" r:id="rId16" imgW="622080" imgH="241200" progId="Equation.DSMT4">
+                    <p:oleObj spid="_x0000_s15486" name="Equation" r:id="rId16" imgW="622080" imgH="241200" progId="Equation.DSMT4">
                       <p:embed/>
                     </p:oleObj>
                   </mc:Choice>
@@ -27480,7 +27624,7 @@
               <a:graphicData uri="http://schemas.openxmlformats.org/presentationml/2006/ole">
                 <mc:AlternateContent xmlns:mc="http://schemas.openxmlformats.org/markup-compatibility/2006">
                   <mc:Choice xmlns:v="urn:schemas-microsoft-com:vml" Requires="v">
-                    <p:oleObj spid="_x0000_s15469" name="Equation" r:id="rId18" imgW="609480" imgH="241200" progId="Equation.DSMT4">
+                    <p:oleObj spid="_x0000_s15487" name="Equation" r:id="rId18" imgW="609480" imgH="241200" progId="Equation.DSMT4">
                       <p:embed/>
                     </p:oleObj>
                   </mc:Choice>
@@ -28327,7 +28471,7 @@
           <a:graphicData uri="http://schemas.openxmlformats.org/presentationml/2006/ole">
             <mc:AlternateContent xmlns:mc="http://schemas.openxmlformats.org/markup-compatibility/2006">
               <mc:Choice xmlns:v="urn:schemas-microsoft-com:vml" Requires="v">
-                <p:oleObj spid="_x0000_s16416" name="Equation" r:id="rId5" imgW="393480" imgH="203040" progId="Equation.DSMT4">
+                <p:oleObj spid="_x0000_s16422" name="Equation" r:id="rId5" imgW="393480" imgH="203040" progId="Equation.DSMT4">
                   <p:embed/>
                 </p:oleObj>
               </mc:Choice>
@@ -28378,7 +28522,7 @@
           <a:graphicData uri="http://schemas.openxmlformats.org/presentationml/2006/ole">
             <mc:AlternateContent xmlns:mc="http://schemas.openxmlformats.org/markup-compatibility/2006">
               <mc:Choice xmlns:v="urn:schemas-microsoft-com:vml" Requires="v">
-                <p:oleObj spid="_x0000_s16417" name="Equation" r:id="rId7" imgW="355320" imgH="203040" progId="Equation.DSMT4">
+                <p:oleObj spid="_x0000_s16423" name="Equation" r:id="rId7" imgW="355320" imgH="203040" progId="Equation.DSMT4">
                   <p:embed/>
                 </p:oleObj>
               </mc:Choice>

--- a/lectures/lecture2.pptx
+++ b/lectures/lecture2.pptx
@@ -5,7 +5,7 @@
     <p:sldMasterId id="2147483660" r:id="rId1"/>
   </p:sldMasterIdLst>
   <p:notesMasterIdLst>
-    <p:notesMasterId r:id="rId48"/>
+    <p:notesMasterId r:id="rId49"/>
   </p:notesMasterIdLst>
   <p:sldIdLst>
     <p:sldId id="256" r:id="rId2"/>
@@ -21,39 +21,40 @@
     <p:sldId id="292" r:id="rId12"/>
     <p:sldId id="294" r:id="rId13"/>
     <p:sldId id="295" r:id="rId14"/>
-    <p:sldId id="300" r:id="rId15"/>
-    <p:sldId id="301" r:id="rId16"/>
-    <p:sldId id="296" r:id="rId17"/>
-    <p:sldId id="297" r:id="rId18"/>
-    <p:sldId id="298" r:id="rId19"/>
-    <p:sldId id="302" r:id="rId20"/>
-    <p:sldId id="299" r:id="rId21"/>
-    <p:sldId id="303" r:id="rId22"/>
-    <p:sldId id="304" r:id="rId23"/>
-    <p:sldId id="305" r:id="rId24"/>
-    <p:sldId id="306" r:id="rId25"/>
-    <p:sldId id="307" r:id="rId26"/>
-    <p:sldId id="309" r:id="rId27"/>
-    <p:sldId id="310" r:id="rId28"/>
-    <p:sldId id="311" r:id="rId29"/>
-    <p:sldId id="308" r:id="rId30"/>
-    <p:sldId id="312" r:id="rId31"/>
-    <p:sldId id="313" r:id="rId32"/>
-    <p:sldId id="314" r:id="rId33"/>
-    <p:sldId id="315" r:id="rId34"/>
-    <p:sldId id="317" r:id="rId35"/>
-    <p:sldId id="316" r:id="rId36"/>
-    <p:sldId id="318" r:id="rId37"/>
-    <p:sldId id="319" r:id="rId38"/>
-    <p:sldId id="320" r:id="rId39"/>
-    <p:sldId id="321" r:id="rId40"/>
-    <p:sldId id="325" r:id="rId41"/>
-    <p:sldId id="322" r:id="rId42"/>
-    <p:sldId id="324" r:id="rId43"/>
-    <p:sldId id="323" r:id="rId44"/>
-    <p:sldId id="287" r:id="rId45"/>
-    <p:sldId id="327" r:id="rId46"/>
-    <p:sldId id="330" r:id="rId47"/>
+    <p:sldId id="332" r:id="rId15"/>
+    <p:sldId id="300" r:id="rId16"/>
+    <p:sldId id="301" r:id="rId17"/>
+    <p:sldId id="296" r:id="rId18"/>
+    <p:sldId id="297" r:id="rId19"/>
+    <p:sldId id="298" r:id="rId20"/>
+    <p:sldId id="302" r:id="rId21"/>
+    <p:sldId id="299" r:id="rId22"/>
+    <p:sldId id="303" r:id="rId23"/>
+    <p:sldId id="304" r:id="rId24"/>
+    <p:sldId id="305" r:id="rId25"/>
+    <p:sldId id="306" r:id="rId26"/>
+    <p:sldId id="307" r:id="rId27"/>
+    <p:sldId id="309" r:id="rId28"/>
+    <p:sldId id="310" r:id="rId29"/>
+    <p:sldId id="311" r:id="rId30"/>
+    <p:sldId id="308" r:id="rId31"/>
+    <p:sldId id="312" r:id="rId32"/>
+    <p:sldId id="313" r:id="rId33"/>
+    <p:sldId id="314" r:id="rId34"/>
+    <p:sldId id="315" r:id="rId35"/>
+    <p:sldId id="317" r:id="rId36"/>
+    <p:sldId id="316" r:id="rId37"/>
+    <p:sldId id="318" r:id="rId38"/>
+    <p:sldId id="319" r:id="rId39"/>
+    <p:sldId id="320" r:id="rId40"/>
+    <p:sldId id="321" r:id="rId41"/>
+    <p:sldId id="325" r:id="rId42"/>
+    <p:sldId id="322" r:id="rId43"/>
+    <p:sldId id="324" r:id="rId44"/>
+    <p:sldId id="323" r:id="rId45"/>
+    <p:sldId id="287" r:id="rId46"/>
+    <p:sldId id="327" r:id="rId47"/>
+    <p:sldId id="330" r:id="rId48"/>
   </p:sldIdLst>
   <p:sldSz cx="9144000" cy="6858000" type="screen4x3"/>
   <p:notesSz cx="6858000" cy="9144000"/>
@@ -178,6 +179,7 @@
             <p14:sldId id="292"/>
             <p14:sldId id="294"/>
             <p14:sldId id="295"/>
+            <p14:sldId id="332"/>
             <p14:sldId id="300"/>
             <p14:sldId id="301"/>
             <p14:sldId id="296"/>
@@ -319,7 +321,7 @@
           <a:p>
             <a:fld id="{88225CEC-B4DB-421E-BD7D-F5D0F79EA658}" type="datetimeFigureOut">
               <a:rPr lang="en-US" smtClean="0"/>
-              <a:t>10/16/2021</a:t>
+              <a:t>10/20/2021</a:t>
             </a:fld>
             <a:endParaRPr lang="en-US"/>
           </a:p>
@@ -849,7 +851,7 @@
           <a:p>
             <a:fld id="{2F895662-E2E6-47BC-B493-3EA4FCF734B6}" type="datetime1">
               <a:rPr lang="en-US" smtClean="0"/>
-              <a:t>10/16/2021</a:t>
+              <a:t>10/20/2021</a:t>
             </a:fld>
             <a:endParaRPr lang="en-US"/>
           </a:p>
@@ -1017,7 +1019,7 @@
           <a:p>
             <a:fld id="{0F4BFD65-5602-4172-B54C-6A65165A1845}" type="datetime1">
               <a:rPr lang="en-US" smtClean="0"/>
-              <a:t>10/16/2021</a:t>
+              <a:t>10/20/2021</a:t>
             </a:fld>
             <a:endParaRPr lang="en-US"/>
           </a:p>
@@ -1195,7 +1197,7 @@
           <a:p>
             <a:fld id="{6CA290DE-8138-4626-BC3F-DF68A3BD09D8}" type="datetime1">
               <a:rPr lang="en-US" smtClean="0"/>
-              <a:t>10/16/2021</a:t>
+              <a:t>10/20/2021</a:t>
             </a:fld>
             <a:endParaRPr lang="en-US"/>
           </a:p>
@@ -1363,7 +1365,7 @@
           <a:p>
             <a:fld id="{E1BE8E3F-75DF-45E8-9F6B-4F2E22494A32}" type="datetime1">
               <a:rPr lang="en-US" smtClean="0"/>
-              <a:t>10/16/2021</a:t>
+              <a:t>10/20/2021</a:t>
             </a:fld>
             <a:endParaRPr lang="en-US"/>
           </a:p>
@@ -1608,7 +1610,7 @@
           <a:p>
             <a:fld id="{82F4DA82-3E7C-4CFB-A30B-53D3893EF32E}" type="datetime1">
               <a:rPr lang="en-US" smtClean="0"/>
-              <a:t>10/16/2021</a:t>
+              <a:t>10/20/2021</a:t>
             </a:fld>
             <a:endParaRPr lang="en-US"/>
           </a:p>
@@ -1893,7 +1895,7 @@
           <a:p>
             <a:fld id="{36B3D8AD-4C83-4D73-AEE7-5E801ED5356C}" type="datetime1">
               <a:rPr lang="en-US" smtClean="0"/>
-              <a:t>10/16/2021</a:t>
+              <a:t>10/20/2021</a:t>
             </a:fld>
             <a:endParaRPr lang="en-US"/>
           </a:p>
@@ -2312,7 +2314,7 @@
           <a:p>
             <a:fld id="{7E6893DB-DD64-49D6-A5C2-F6ACE2B1530B}" type="datetime1">
               <a:rPr lang="en-US" smtClean="0"/>
-              <a:t>10/16/2021</a:t>
+              <a:t>10/20/2021</a:t>
             </a:fld>
             <a:endParaRPr lang="en-US"/>
           </a:p>
@@ -2429,7 +2431,7 @@
           <a:p>
             <a:fld id="{FC0A94C3-7A0F-4E28-9A06-985C13FFBB01}" type="datetime1">
               <a:rPr lang="en-US" smtClean="0"/>
-              <a:t>10/16/2021</a:t>
+              <a:t>10/20/2021</a:t>
             </a:fld>
             <a:endParaRPr lang="en-US"/>
           </a:p>
@@ -2524,7 +2526,7 @@
           <a:p>
             <a:fld id="{8587B2D3-0011-41C0-B2C5-6B713844DB1C}" type="datetime1">
               <a:rPr lang="en-US" smtClean="0"/>
-              <a:t>10/16/2021</a:t>
+              <a:t>10/20/2021</a:t>
             </a:fld>
             <a:endParaRPr lang="en-US"/>
           </a:p>
@@ -2799,7 +2801,7 @@
           <a:p>
             <a:fld id="{B53EE19A-9EFD-417C-93CE-FC2F485F3533}" type="datetime1">
               <a:rPr lang="en-US" smtClean="0"/>
-              <a:t>10/16/2021</a:t>
+              <a:t>10/20/2021</a:t>
             </a:fld>
             <a:endParaRPr lang="en-US"/>
           </a:p>
@@ -3054,7 +3056,7 @@
           <a:p>
             <a:fld id="{87D9954C-8CD1-4968-8DFE-C7948C62F830}" type="datetime1">
               <a:rPr lang="en-US" smtClean="0"/>
-              <a:t>10/16/2021</a:t>
+              <a:t>10/20/2021</a:t>
             </a:fld>
             <a:endParaRPr lang="en-US"/>
           </a:p>
@@ -3270,7 +3272,7 @@
           <a:p>
             <a:fld id="{B4BF092D-FE75-4F27-B0C3-A897761F708C}" type="datetime1">
               <a:rPr lang="en-US" smtClean="0"/>
-              <a:t>10/16/2021</a:t>
+              <a:t>10/20/2021</a:t>
             </a:fld>
             <a:endParaRPr lang="en-US"/>
           </a:p>
@@ -4104,13 +4106,8 @@
             </a:r>
             <a:r>
               <a:rPr lang="en-US" sz="2400" dirty="0"/>
-              <a:t> an ellipsoid centered at the means whose size &amp; shape reflects variances &amp; </a:t>
-            </a:r>
-            <a:r>
-              <a:rPr lang="en-US" sz="2400" dirty="0" err="1"/>
-              <a:t>covariances</a:t>
-            </a:r>
-            <a:endParaRPr lang="en-US" sz="2400" dirty="0"/>
+              <a:t> an ellipsoid centered at the means whose size &amp; shape reflects variances &amp; covariances</a:t>
+            </a:r>
           </a:p>
           <a:p>
             <a:r>
@@ -4183,7 +4180,7 @@
           <a:graphicData uri="http://schemas.openxmlformats.org/presentationml/2006/ole">
             <mc:AlternateContent xmlns:mc="http://schemas.openxmlformats.org/markup-compatibility/2006">
               <mc:Choice xmlns:v="urn:schemas-microsoft-com:vml" Requires="v">
-                <p:oleObj spid="_x0000_s3308" name="Equation" r:id="rId3" imgW="139680" imgH="203040" progId="Equation.DSMT4">
+                <p:oleObj spid="_x0000_s3328" name="Equation" r:id="rId3" imgW="139680" imgH="203040" progId="Equation.DSMT4">
                   <p:embed/>
                 </p:oleObj>
               </mc:Choice>
@@ -4240,7 +4237,7 @@
           <a:graphicData uri="http://schemas.openxmlformats.org/presentationml/2006/ole">
             <mc:AlternateContent xmlns:mc="http://schemas.openxmlformats.org/markup-compatibility/2006">
               <mc:Choice xmlns:v="urn:schemas-microsoft-com:vml" Requires="v">
-                <p:oleObj spid="_x0000_s3309" name="Equation" r:id="rId5" imgW="2450880" imgH="253800" progId="Equation.DSMT4">
+                <p:oleObj spid="_x0000_s3329" name="Equation" r:id="rId5" imgW="2450880" imgH="253800" progId="Equation.DSMT4">
                   <p:embed/>
                 </p:oleObj>
               </mc:Choice>
@@ -4297,7 +4294,7 @@
           <a:graphicData uri="http://schemas.openxmlformats.org/presentationml/2006/ole">
             <mc:AlternateContent xmlns:mc="http://schemas.openxmlformats.org/markup-compatibility/2006">
               <mc:Choice xmlns:v="urn:schemas-microsoft-com:vml" Requires="v">
-                <p:oleObj spid="_x0000_s3310" name="Equation" r:id="rId7" imgW="164880" imgH="228600" progId="Equation.DSMT4">
+                <p:oleObj spid="_x0000_s3330" name="Equation" r:id="rId7" imgW="164880" imgH="228600" progId="Equation.DSMT4">
                   <p:embed/>
                 </p:oleObj>
               </mc:Choice>
@@ -4434,7 +4431,7 @@
           <a:graphicData uri="http://schemas.openxmlformats.org/presentationml/2006/ole">
             <mc:AlternateContent xmlns:mc="http://schemas.openxmlformats.org/markup-compatibility/2006">
               <mc:Choice xmlns:v="urn:schemas-microsoft-com:vml" Requires="v">
-                <p:oleObj spid="_x0000_s3311" name="Equation" r:id="rId3" imgW="139680" imgH="203040" progId="Equation.DSMT4">
+                <p:oleObj spid="_x0000_s3331" name="Equation" r:id="rId3" imgW="139680" imgH="203040" progId="Equation.DSMT4">
                   <p:embed/>
                 </p:oleObj>
               </mc:Choice>
@@ -6013,6 +6010,538 @@
           <a:chExt cx="0" cy="0"/>
         </a:xfrm>
       </p:grpSpPr>
+      <p:pic>
+        <p:nvPicPr>
+          <p:cNvPr id="12" name="Picture 11">
+            <a:extLst>
+              <a:ext uri="{FF2B5EF4-FFF2-40B4-BE49-F238E27FC236}">
+                <a16:creationId xmlns:a16="http://schemas.microsoft.com/office/drawing/2014/main" id="{4BD98207-6770-4273-8A28-AA5FEF918A9B}"/>
+              </a:ext>
+            </a:extLst>
+          </p:cNvPr>
+          <p:cNvPicPr>
+            <a:picLocks noChangeAspect="1"/>
+          </p:cNvPicPr>
+          <p:nvPr/>
+        </p:nvPicPr>
+        <p:blipFill>
+          <a:blip r:embed="rId2"/>
+          <a:stretch>
+            <a:fillRect/>
+          </a:stretch>
+        </p:blipFill>
+        <p:spPr>
+          <a:xfrm>
+            <a:off x="1223865" y="4821699"/>
+            <a:ext cx="5999867" cy="695403"/>
+          </a:xfrm>
+          <a:prstGeom prst="rect">
+            <a:avLst/>
+          </a:prstGeom>
+        </p:spPr>
+      </p:pic>
+      <p:pic>
+        <p:nvPicPr>
+          <p:cNvPr id="11" name="Picture 10">
+            <a:extLst>
+              <a:ext uri="{FF2B5EF4-FFF2-40B4-BE49-F238E27FC236}">
+                <a16:creationId xmlns:a16="http://schemas.microsoft.com/office/drawing/2014/main" id="{A0152891-7185-42FA-93E1-6CAAE12A6071}"/>
+              </a:ext>
+            </a:extLst>
+          </p:cNvPr>
+          <p:cNvPicPr>
+            <a:picLocks noChangeAspect="1"/>
+          </p:cNvPicPr>
+          <p:nvPr/>
+        </p:nvPicPr>
+        <p:blipFill>
+          <a:blip r:embed="rId3"/>
+          <a:stretch>
+            <a:fillRect/>
+          </a:stretch>
+        </p:blipFill>
+        <p:spPr>
+          <a:xfrm>
+            <a:off x="1219200" y="2216398"/>
+            <a:ext cx="4914286" cy="1066667"/>
+          </a:xfrm>
+          <a:prstGeom prst="rect">
+            <a:avLst/>
+          </a:prstGeom>
+        </p:spPr>
+      </p:pic>
+      <p:sp>
+        <p:nvSpPr>
+          <p:cNvPr id="2" name="Title 1">
+            <a:extLst>
+              <a:ext uri="{FF2B5EF4-FFF2-40B4-BE49-F238E27FC236}">
+                <a16:creationId xmlns:a16="http://schemas.microsoft.com/office/drawing/2014/main" id="{83664894-3DF0-408E-9104-4D6DDC5D2198}"/>
+              </a:ext>
+            </a:extLst>
+          </p:cNvPr>
+          <p:cNvSpPr>
+            <a:spLocks noGrp="1"/>
+          </p:cNvSpPr>
+          <p:nvPr>
+            <p:ph type="title"/>
+          </p:nvPr>
+        </p:nvSpPr>
+        <p:spPr/>
+        <p:txBody>
+          <a:bodyPr/>
+          <a:lstStyle/>
+          <a:p>
+            <a:r>
+              <a:rPr lang="en-US" dirty="0"/>
+              <a:t>Follow along</a:t>
+            </a:r>
+          </a:p>
+        </p:txBody>
+      </p:sp>
+      <p:sp>
+        <p:nvSpPr>
+          <p:cNvPr id="3" name="Slide Number Placeholder 2">
+            <a:extLst>
+              <a:ext uri="{FF2B5EF4-FFF2-40B4-BE49-F238E27FC236}">
+                <a16:creationId xmlns:a16="http://schemas.microsoft.com/office/drawing/2014/main" id="{73763703-B6DA-4C3A-9C37-3F4944B35FC8}"/>
+              </a:ext>
+            </a:extLst>
+          </p:cNvPr>
+          <p:cNvSpPr>
+            <a:spLocks noGrp="1"/>
+          </p:cNvSpPr>
+          <p:nvPr>
+            <p:ph type="sldNum" sz="quarter" idx="12"/>
+          </p:nvPr>
+        </p:nvSpPr>
+        <p:spPr/>
+        <p:txBody>
+          <a:bodyPr/>
+          <a:lstStyle/>
+          <a:p>
+            <a:fld id="{810B7604-93B8-4136-B9BD-D1CE89EE20B0}" type="slidenum">
+              <a:rPr lang="en-US" smtClean="0"/>
+              <a:t>14</a:t>
+            </a:fld>
+            <a:endParaRPr lang="en-US"/>
+          </a:p>
+        </p:txBody>
+      </p:sp>
+      <p:sp>
+        <p:nvSpPr>
+          <p:cNvPr id="4" name="TextBox 3">
+            <a:extLst>
+              <a:ext uri="{FF2B5EF4-FFF2-40B4-BE49-F238E27FC236}">
+                <a16:creationId xmlns:a16="http://schemas.microsoft.com/office/drawing/2014/main" id="{185E9D60-5B9E-46DB-A04B-B10CBA843265}"/>
+              </a:ext>
+            </a:extLst>
+          </p:cNvPr>
+          <p:cNvSpPr txBox="1"/>
+          <p:nvPr/>
+        </p:nvSpPr>
+        <p:spPr>
+          <a:xfrm>
+            <a:off x="457200" y="1371600"/>
+            <a:ext cx="8229600" cy="646331"/>
+          </a:xfrm>
+          <a:prstGeom prst="rect">
+            <a:avLst/>
+          </a:prstGeom>
+          <a:noFill/>
+        </p:spPr>
+        <p:txBody>
+          <a:bodyPr wrap="square" rtlCol="0">
+            <a:spAutoFit/>
+          </a:bodyPr>
+          <a:lstStyle/>
+          <a:p>
+            <a:r>
+              <a:rPr lang="en-US" dirty="0"/>
+              <a:t>The R script (</a:t>
+            </a:r>
+            <a:r>
+              <a:rPr lang="en-US" dirty="0" err="1">
+                <a:solidFill>
+                  <a:srgbClr val="FF0000"/>
+                </a:solidFill>
+              </a:rPr>
+              <a:t>mathscore-ex.R</a:t>
+            </a:r>
+            <a:r>
+              <a:rPr lang="en-US" dirty="0"/>
+              <a:t>) for this example is linked on the course page. Download and open in R Studio to follow along.  </a:t>
+            </a:r>
+          </a:p>
+        </p:txBody>
+      </p:sp>
+      <p:sp>
+        <p:nvSpPr>
+          <p:cNvPr id="6" name="TextBox 5">
+            <a:extLst>
+              <a:ext uri="{FF2B5EF4-FFF2-40B4-BE49-F238E27FC236}">
+                <a16:creationId xmlns:a16="http://schemas.microsoft.com/office/drawing/2014/main" id="{636D2015-E695-4FFE-81E1-59B4CF6A1901}"/>
+              </a:ext>
+            </a:extLst>
+          </p:cNvPr>
+          <p:cNvSpPr txBox="1"/>
+          <p:nvPr/>
+        </p:nvSpPr>
+        <p:spPr>
+          <a:xfrm>
+            <a:off x="457200" y="3446835"/>
+            <a:ext cx="8229600" cy="1200329"/>
+          </a:xfrm>
+          <a:prstGeom prst="rect">
+            <a:avLst/>
+          </a:prstGeom>
+          <a:noFill/>
+        </p:spPr>
+        <p:txBody>
+          <a:bodyPr wrap="square" rtlCol="0">
+            <a:spAutoFit/>
+          </a:bodyPr>
+          <a:lstStyle/>
+          <a:p>
+            <a:r>
+              <a:rPr lang="en-US" dirty="0"/>
+              <a:t>The script was run with `</a:t>
+            </a:r>
+            <a:r>
+              <a:rPr lang="en-US" dirty="0" err="1"/>
+              <a:t>knitr</a:t>
+            </a:r>
+            <a:r>
+              <a:rPr lang="en-US" dirty="0"/>
+              <a:t>` (</a:t>
+            </a:r>
+            <a:r>
+              <a:rPr lang="en-US" dirty="0" err="1"/>
+              <a:t>ctrl+shift+K</a:t>
+            </a:r>
+            <a:r>
+              <a:rPr lang="en-US" dirty="0"/>
+              <a:t>) in R Studio to create the HTML output (</a:t>
+            </a:r>
+            <a:r>
+              <a:rPr lang="en-US" dirty="0">
+                <a:solidFill>
+                  <a:srgbClr val="FF0000"/>
+                </a:solidFill>
+              </a:rPr>
+              <a:t>mathscore-ex.html</a:t>
+            </a:r>
+            <a:r>
+              <a:rPr lang="en-US" dirty="0"/>
+              <a:t>)</a:t>
+            </a:r>
+          </a:p>
+          <a:p>
+            <a:r>
+              <a:rPr lang="en-US" dirty="0"/>
+              <a:t>The </a:t>
+            </a:r>
+            <a:r>
+              <a:rPr lang="en-US" b="1" dirty="0"/>
+              <a:t>Code</a:t>
+            </a:r>
+            <a:r>
+              <a:rPr lang="en-US" dirty="0"/>
+              <a:t> button there allows you do download the R code and comments</a:t>
+            </a:r>
+          </a:p>
+          <a:p>
+            <a:endParaRPr lang="en-US" dirty="0"/>
+          </a:p>
+        </p:txBody>
+      </p:sp>
+      <p:sp>
+        <p:nvSpPr>
+          <p:cNvPr id="8" name="Oval 7">
+            <a:extLst>
+              <a:ext uri="{FF2B5EF4-FFF2-40B4-BE49-F238E27FC236}">
+                <a16:creationId xmlns:a16="http://schemas.microsoft.com/office/drawing/2014/main" id="{D076BA44-7362-4E19-AF62-EDB4DED5B655}"/>
+              </a:ext>
+            </a:extLst>
+          </p:cNvPr>
+          <p:cNvSpPr/>
+          <p:nvPr/>
+        </p:nvSpPr>
+        <p:spPr>
+          <a:xfrm>
+            <a:off x="3505200" y="2521686"/>
+            <a:ext cx="1447800" cy="365125"/>
+          </a:xfrm>
+          <a:prstGeom prst="ellipse">
+            <a:avLst/>
+          </a:prstGeom>
+          <a:noFill/>
+          <a:ln>
+            <a:solidFill>
+              <a:srgbClr val="FF0000"/>
+            </a:solidFill>
+          </a:ln>
+        </p:spPr>
+        <p:style>
+          <a:lnRef idx="2">
+            <a:schemeClr val="accent1">
+              <a:shade val="50000"/>
+            </a:schemeClr>
+          </a:lnRef>
+          <a:fillRef idx="1">
+            <a:schemeClr val="accent1"/>
+          </a:fillRef>
+          <a:effectRef idx="0">
+            <a:schemeClr val="accent1"/>
+          </a:effectRef>
+          <a:fontRef idx="minor">
+            <a:schemeClr val="lt1"/>
+          </a:fontRef>
+        </p:style>
+        <p:txBody>
+          <a:bodyPr rtlCol="0" anchor="ctr"/>
+          <a:lstStyle/>
+          <a:p>
+            <a:pPr algn="ctr"/>
+            <a:endParaRPr lang="en-US"/>
+          </a:p>
+        </p:txBody>
+      </p:sp>
+      <p:sp>
+        <p:nvSpPr>
+          <p:cNvPr id="9" name="Oval 8">
+            <a:extLst>
+              <a:ext uri="{FF2B5EF4-FFF2-40B4-BE49-F238E27FC236}">
+                <a16:creationId xmlns:a16="http://schemas.microsoft.com/office/drawing/2014/main" id="{4977661B-247B-4DD8-814B-7CDE107A066E}"/>
+              </a:ext>
+            </a:extLst>
+          </p:cNvPr>
+          <p:cNvSpPr/>
+          <p:nvPr/>
+        </p:nvSpPr>
+        <p:spPr>
+          <a:xfrm>
+            <a:off x="5851849" y="4882781"/>
+            <a:ext cx="1752600" cy="540839"/>
+          </a:xfrm>
+          <a:prstGeom prst="ellipse">
+            <a:avLst/>
+          </a:prstGeom>
+          <a:noFill/>
+          <a:ln>
+            <a:solidFill>
+              <a:srgbClr val="FF0000"/>
+            </a:solidFill>
+          </a:ln>
+        </p:spPr>
+        <p:style>
+          <a:lnRef idx="2">
+            <a:schemeClr val="accent1">
+              <a:shade val="50000"/>
+            </a:schemeClr>
+          </a:lnRef>
+          <a:fillRef idx="1">
+            <a:schemeClr val="accent1"/>
+          </a:fillRef>
+          <a:effectRef idx="0">
+            <a:schemeClr val="accent1"/>
+          </a:effectRef>
+          <a:fontRef idx="minor">
+            <a:schemeClr val="lt1"/>
+          </a:fontRef>
+        </p:style>
+        <p:txBody>
+          <a:bodyPr rtlCol="0" anchor="ctr"/>
+          <a:lstStyle/>
+          <a:p>
+            <a:pPr algn="ctr"/>
+            <a:endParaRPr lang="en-US"/>
+          </a:p>
+        </p:txBody>
+      </p:sp>
+      <p:sp>
+        <p:nvSpPr>
+          <p:cNvPr id="10" name="TextBox 9">
+            <a:extLst>
+              <a:ext uri="{FF2B5EF4-FFF2-40B4-BE49-F238E27FC236}">
+                <a16:creationId xmlns:a16="http://schemas.microsoft.com/office/drawing/2014/main" id="{B69A55D7-135A-4FF2-8A81-1392AFC553C6}"/>
+              </a:ext>
+            </a:extLst>
+          </p:cNvPr>
+          <p:cNvSpPr txBox="1"/>
+          <p:nvPr/>
+        </p:nvSpPr>
+        <p:spPr>
+          <a:xfrm>
+            <a:off x="609600" y="6019800"/>
+            <a:ext cx="7696200" cy="369332"/>
+          </a:xfrm>
+          <a:prstGeom prst="rect">
+            <a:avLst/>
+          </a:prstGeom>
+          <a:noFill/>
+        </p:spPr>
+        <p:txBody>
+          <a:bodyPr wrap="square" rtlCol="0">
+            <a:spAutoFit/>
+          </a:bodyPr>
+          <a:lstStyle/>
+          <a:p>
+            <a:r>
+              <a:rPr lang="en-US" dirty="0"/>
+              <a:t>(R notebooks are a simple way to turn R scripts into finished documents)</a:t>
+            </a:r>
+          </a:p>
+        </p:txBody>
+      </p:sp>
+      <p:cxnSp>
+        <p:nvCxnSpPr>
+          <p:cNvPr id="14" name="Straight Arrow Connector 13">
+            <a:extLst>
+              <a:ext uri="{FF2B5EF4-FFF2-40B4-BE49-F238E27FC236}">
+                <a16:creationId xmlns:a16="http://schemas.microsoft.com/office/drawing/2014/main" id="{40DED78A-E8DF-4FD5-BF16-BC08118840CB}"/>
+              </a:ext>
+            </a:extLst>
+          </p:cNvPr>
+          <p:cNvCxnSpPr/>
+          <p:nvPr/>
+        </p:nvCxnSpPr>
+        <p:spPr>
+          <a:xfrm>
+            <a:off x="1447800" y="4308267"/>
+            <a:ext cx="4038600" cy="481032"/>
+          </a:xfrm>
+          <a:prstGeom prst="straightConnector1">
+            <a:avLst/>
+          </a:prstGeom>
+          <a:ln w="31750">
+            <a:solidFill>
+              <a:srgbClr val="FF0000"/>
+            </a:solidFill>
+            <a:tailEnd type="triangle"/>
+          </a:ln>
+        </p:spPr>
+        <p:style>
+          <a:lnRef idx="1">
+            <a:schemeClr val="accent1"/>
+          </a:lnRef>
+          <a:fillRef idx="0">
+            <a:schemeClr val="accent1"/>
+          </a:fillRef>
+          <a:effectRef idx="0">
+            <a:schemeClr val="accent1"/>
+          </a:effectRef>
+          <a:fontRef idx="minor">
+            <a:schemeClr val="tx1"/>
+          </a:fontRef>
+        </p:style>
+      </p:cxnSp>
+      <p:sp>
+        <p:nvSpPr>
+          <p:cNvPr id="15" name="TextBox 14">
+            <a:extLst>
+              <a:ext uri="{FF2B5EF4-FFF2-40B4-BE49-F238E27FC236}">
+                <a16:creationId xmlns:a16="http://schemas.microsoft.com/office/drawing/2014/main" id="{F90BD7CE-83C2-4D5B-B00F-5FBFB58EC93D}"/>
+              </a:ext>
+            </a:extLst>
+          </p:cNvPr>
+          <p:cNvSpPr txBox="1"/>
+          <p:nvPr/>
+        </p:nvSpPr>
+        <p:spPr>
+          <a:xfrm>
+            <a:off x="7048500" y="2699786"/>
+            <a:ext cx="1752600" cy="523220"/>
+          </a:xfrm>
+          <a:prstGeom prst="rect">
+            <a:avLst/>
+          </a:prstGeom>
+          <a:noFill/>
+        </p:spPr>
+        <p:txBody>
+          <a:bodyPr wrap="square" rtlCol="0">
+            <a:spAutoFit/>
+          </a:bodyPr>
+          <a:lstStyle/>
+          <a:p>
+            <a:r>
+              <a:rPr lang="en-US" sz="1400" dirty="0"/>
+              <a:t>HW: explore other examples</a:t>
+            </a:r>
+          </a:p>
+        </p:txBody>
+      </p:sp>
+      <p:cxnSp>
+        <p:nvCxnSpPr>
+          <p:cNvPr id="17" name="Straight Arrow Connector 16">
+            <a:extLst>
+              <a:ext uri="{FF2B5EF4-FFF2-40B4-BE49-F238E27FC236}">
+                <a16:creationId xmlns:a16="http://schemas.microsoft.com/office/drawing/2014/main" id="{DC41DA3F-562D-4E6B-9DBC-234AFD18A184}"/>
+              </a:ext>
+            </a:extLst>
+          </p:cNvPr>
+          <p:cNvCxnSpPr/>
+          <p:nvPr/>
+        </p:nvCxnSpPr>
+        <p:spPr>
+          <a:xfrm flipH="1">
+            <a:off x="5715000" y="3067417"/>
+            <a:ext cx="1143000" cy="0"/>
+          </a:xfrm>
+          <a:prstGeom prst="straightConnector1">
+            <a:avLst/>
+          </a:prstGeom>
+          <a:ln w="31750">
+            <a:solidFill>
+              <a:srgbClr val="FF0000"/>
+            </a:solidFill>
+            <a:tailEnd type="triangle"/>
+          </a:ln>
+        </p:spPr>
+        <p:style>
+          <a:lnRef idx="1">
+            <a:schemeClr val="accent1"/>
+          </a:lnRef>
+          <a:fillRef idx="0">
+            <a:schemeClr val="accent1"/>
+          </a:fillRef>
+          <a:effectRef idx="0">
+            <a:schemeClr val="accent1"/>
+          </a:effectRef>
+          <a:fontRef idx="minor">
+            <a:schemeClr val="tx1"/>
+          </a:fontRef>
+        </p:style>
+      </p:cxnSp>
+    </p:spTree>
+    <p:extLst>
+      <p:ext uri="{BB962C8B-B14F-4D97-AF65-F5344CB8AC3E}">
+        <p14:creationId xmlns:p14="http://schemas.microsoft.com/office/powerpoint/2010/main" val="3995635328"/>
+      </p:ext>
+    </p:extLst>
+  </p:cSld>
+  <p:clrMapOvr>
+    <a:masterClrMapping/>
+  </p:clrMapOvr>
+</p:sld>
+</file>
+
+<file path=ppt/slides/slide15.xml><?xml version="1.0" encoding="utf-8"?>
+<p:sld xmlns:a="http://schemas.openxmlformats.org/drawingml/2006/main" xmlns:r="http://schemas.openxmlformats.org/officeDocument/2006/relationships" xmlns:p="http://schemas.openxmlformats.org/presentationml/2006/main">
+  <p:cSld>
+    <p:spTree>
+      <p:nvGrpSpPr>
+        <p:cNvPr id="1" name=""/>
+        <p:cNvGrpSpPr/>
+        <p:nvPr/>
+      </p:nvGrpSpPr>
+      <p:grpSpPr>
+        <a:xfrm>
+          <a:off x="0" y="0"/>
+          <a:ext cx="0" cy="0"/>
+          <a:chOff x="0" y="0"/>
+          <a:chExt cx="0" cy="0"/>
+        </a:xfrm>
+      </p:grpSpPr>
       <p:sp>
         <p:nvSpPr>
           <p:cNvPr id="2" name="Title 1"/>
@@ -6052,7 +6581,7 @@
           <a:p>
             <a:fld id="{810B7604-93B8-4136-B9BD-D1CE89EE20B0}" type="slidenum">
               <a:rPr lang="en-US" smtClean="0"/>
-              <a:t>14</a:t>
+              <a:t>15</a:t>
             </a:fld>
             <a:endParaRPr lang="en-US"/>
           </a:p>
@@ -6203,7 +6732,11 @@
               <a:t>Do not require correcting for multiple tests (e.g., </a:t>
             </a:r>
             <a:r>
-              <a:rPr lang="en-US" dirty="0" err="1"/>
+              <a:rPr lang="en-US" dirty="0" err="1">
+                <a:solidFill>
+                  <a:srgbClr val="FF0000"/>
+                </a:solidFill>
+              </a:rPr>
               <a:t>Bonferroni</a:t>
             </a:r>
             <a:r>
@@ -6250,7 +6783,19 @@
             </a:pPr>
             <a:r>
               <a:rPr lang="en-US" dirty="0"/>
-              <a:t>How many aspects (dimensions?)</a:t>
+              <a:t>How many aspects (</a:t>
+            </a:r>
+            <a:r>
+              <a:rPr lang="en-US" dirty="0">
+                <a:solidFill>
+                  <a:srgbClr val="FF0000"/>
+                </a:solidFill>
+              </a:rPr>
+              <a:t>dimensions</a:t>
+            </a:r>
+            <a:r>
+              <a:rPr lang="en-US" dirty="0"/>
+              <a:t>?)</a:t>
             </a:r>
           </a:p>
           <a:p>
@@ -6932,7 +7477,7 @@
 </p:sld>
 </file>
 
-<file path=ppt/slides/slide15.xml><?xml version="1.0" encoding="utf-8"?>
+<file path=ppt/slides/slide16.xml><?xml version="1.0" encoding="utf-8"?>
 <p:sld xmlns:a="http://schemas.openxmlformats.org/drawingml/2006/main" xmlns:r="http://schemas.openxmlformats.org/officeDocument/2006/relationships" xmlns:p="http://schemas.openxmlformats.org/presentationml/2006/main">
   <p:cSld>
     <p:spTree>
@@ -6988,7 +7533,7 @@
           <a:p>
             <a:fld id="{810B7604-93B8-4136-B9BD-D1CE89EE20B0}" type="slidenum">
               <a:rPr lang="en-US" smtClean="0"/>
-              <a:t>15</a:t>
+              <a:t>16</a:t>
             </a:fld>
             <a:endParaRPr lang="en-US"/>
           </a:p>
@@ -7470,7 +8015,7 @@
 </p:sld>
 </file>
 
-<file path=ppt/slides/slide16.xml><?xml version="1.0" encoding="utf-8"?>
+<file path=ppt/slides/slide17.xml><?xml version="1.0" encoding="utf-8"?>
 <p:sld xmlns:a="http://schemas.openxmlformats.org/drawingml/2006/main" xmlns:r="http://schemas.openxmlformats.org/officeDocument/2006/relationships" xmlns:p="http://schemas.openxmlformats.org/presentationml/2006/main">
   <p:cSld>
     <p:spTree>
@@ -7744,7 +8289,7 @@
           <a:graphicData uri="http://schemas.openxmlformats.org/presentationml/2006/ole">
             <mc:AlternateContent xmlns:mc="http://schemas.openxmlformats.org/markup-compatibility/2006">
               <mc:Choice xmlns:v="urn:schemas-microsoft-com:vml" Requires="v">
-                <p:oleObj spid="_x0000_s4246" name="Equation" r:id="rId5" imgW="393480" imgH="203040" progId="Equation.DSMT4">
+                <p:oleObj spid="_x0000_s4256" name="Equation" r:id="rId5" imgW="393480" imgH="203040" progId="Equation.DSMT4">
                   <p:embed/>
                 </p:oleObj>
               </mc:Choice>
@@ -7801,7 +8346,7 @@
           <a:graphicData uri="http://schemas.openxmlformats.org/presentationml/2006/ole">
             <mc:AlternateContent xmlns:mc="http://schemas.openxmlformats.org/markup-compatibility/2006">
               <mc:Choice xmlns:v="urn:schemas-microsoft-com:vml" Requires="v">
-                <p:oleObj spid="_x0000_s4247" name="Equation" r:id="rId7" imgW="355320" imgH="203040" progId="Equation.DSMT4">
+                <p:oleObj spid="_x0000_s4257" name="Equation" r:id="rId7" imgW="355320" imgH="203040" progId="Equation.DSMT4">
                   <p:embed/>
                 </p:oleObj>
               </mc:Choice>
@@ -7853,7 +8398,7 @@
           <a:p>
             <a:fld id="{621225AB-15B9-4C79-A121-04D1DC7E2307}" type="slidenum">
               <a:rPr lang="en-US" smtClean="0"/>
-              <a:t>16</a:t>
+              <a:t>17</a:t>
             </a:fld>
             <a:endParaRPr lang="en-US"/>
           </a:p>
@@ -7908,7 +8453,7 @@
 </p:sld>
 </file>
 
-<file path=ppt/slides/slide17.xml><?xml version="1.0" encoding="utf-8"?>
+<file path=ppt/slides/slide18.xml><?xml version="1.0" encoding="utf-8"?>
 <p:sld xmlns:a="http://schemas.openxmlformats.org/drawingml/2006/main" xmlns:r="http://schemas.openxmlformats.org/officeDocument/2006/relationships" xmlns:p="http://schemas.openxmlformats.org/presentationml/2006/main">
   <p:cSld>
     <p:spTree>
@@ -8454,7 +8999,7 @@
           <a:p>
             <a:fld id="{621225AB-15B9-4C79-A121-04D1DC7E2307}" type="slidenum">
               <a:rPr lang="en-US" smtClean="0"/>
-              <a:t>17</a:t>
+              <a:t>18</a:t>
             </a:fld>
             <a:endParaRPr lang="en-US"/>
           </a:p>
@@ -8776,7 +9321,7 @@
 </p:sld>
 </file>
 
-<file path=ppt/slides/slide18.xml><?xml version="1.0" encoding="utf-8"?>
+<file path=ppt/slides/slide19.xml><?xml version="1.0" encoding="utf-8"?>
 <p:sld xmlns:a="http://schemas.openxmlformats.org/drawingml/2006/main" xmlns:r="http://schemas.openxmlformats.org/officeDocument/2006/relationships" xmlns:p="http://schemas.openxmlformats.org/presentationml/2006/main">
   <p:cSld>
     <p:spTree>
@@ -8962,7 +9507,7 @@
           <a:p>
             <a:fld id="{810B7604-93B8-4136-B9BD-D1CE89EE20B0}" type="slidenum">
               <a:rPr lang="en-US" smtClean="0"/>
-              <a:t>18</a:t>
+              <a:t>19</a:t>
             </a:fld>
             <a:endParaRPr lang="en-US"/>
           </a:p>
@@ -9134,460 +9679,6 @@
     <p:extLst>
       <p:ext uri="{BB962C8B-B14F-4D97-AF65-F5344CB8AC3E}">
         <p14:creationId xmlns:p14="http://schemas.microsoft.com/office/powerpoint/2010/main" val="1730374409"/>
-      </p:ext>
-    </p:extLst>
-  </p:cSld>
-  <p:clrMapOvr>
-    <a:masterClrMapping/>
-  </p:clrMapOvr>
-</p:sld>
-</file>
-
-<file path=ppt/slides/slide19.xml><?xml version="1.0" encoding="utf-8"?>
-<p:sld xmlns:a="http://schemas.openxmlformats.org/drawingml/2006/main" xmlns:r="http://schemas.openxmlformats.org/officeDocument/2006/relationships" xmlns:p="http://schemas.openxmlformats.org/presentationml/2006/main">
-  <p:cSld>
-    <p:spTree>
-      <p:nvGrpSpPr>
-        <p:cNvPr id="1" name=""/>
-        <p:cNvGrpSpPr/>
-        <p:nvPr/>
-      </p:nvGrpSpPr>
-      <p:grpSpPr>
-        <a:xfrm>
-          <a:off x="0" y="0"/>
-          <a:ext cx="0" cy="0"/>
-          <a:chOff x="0" y="0"/>
-          <a:chExt cx="0" cy="0"/>
-        </a:xfrm>
-      </p:grpSpPr>
-      <p:sp>
-        <p:nvSpPr>
-          <p:cNvPr id="2" name="Title 1"/>
-          <p:cNvSpPr>
-            <a:spLocks noGrp="1"/>
-          </p:cNvSpPr>
-          <p:nvPr>
-            <p:ph type="title"/>
-          </p:nvPr>
-        </p:nvSpPr>
-        <p:spPr/>
-        <p:txBody>
-          <a:bodyPr/>
-          <a:lstStyle/>
-          <a:p>
-            <a:r>
-              <a:rPr lang="en-US" dirty="0"/>
-              <a:t>The H ellipse</a:t>
-            </a:r>
-          </a:p>
-        </p:txBody>
-      </p:sp>
-      <p:sp>
-        <p:nvSpPr>
-          <p:cNvPr id="6" name="Content Placeholder 5"/>
-          <p:cNvSpPr>
-            <a:spLocks noGrp="1"/>
-          </p:cNvSpPr>
-          <p:nvPr>
-            <p:ph idx="1"/>
-          </p:nvPr>
-        </p:nvSpPr>
-        <p:spPr>
-          <a:xfrm>
-            <a:off x="533400" y="4648200"/>
-            <a:ext cx="8229600" cy="1828800"/>
-          </a:xfrm>
-        </p:spPr>
-        <p:txBody>
-          <a:bodyPr>
-            <a:normAutofit/>
-          </a:bodyPr>
-          <a:lstStyle/>
-          <a:p>
-            <a:r>
-              <a:rPr lang="en-US" sz="2400" dirty="0"/>
-              <a:t>The </a:t>
-            </a:r>
-            <a:r>
-              <a:rPr lang="en-US" sz="2400" b="1" dirty="0"/>
-              <a:t>H</a:t>
-            </a:r>
-            <a:r>
-              <a:rPr lang="en-US" sz="2400" dirty="0"/>
-              <a:t> ellipse is the data ellipse of the fitted values (group means, here)</a:t>
-            </a:r>
-          </a:p>
-          <a:p>
-            <a:pPr lvl="1"/>
-            <a:r>
-              <a:rPr lang="en-US" sz="2000" dirty="0"/>
-              <a:t>The </a:t>
-            </a:r>
-            <a:r>
-              <a:rPr lang="en-US" sz="2000" b="1" dirty="0"/>
-              <a:t>H</a:t>
-            </a:r>
-            <a:r>
-              <a:rPr lang="en-US" sz="2000" dirty="0"/>
-              <a:t> matrix is the sum of squares and </a:t>
-            </a:r>
-            <a:r>
-              <a:rPr lang="en-US" sz="2000" dirty="0" err="1"/>
-              <a:t>crossproducts</a:t>
-            </a:r>
-            <a:r>
-              <a:rPr lang="en-US" sz="2000" dirty="0"/>
-              <a:t> of the fitted values, corrected for the grand mean </a:t>
-            </a:r>
-          </a:p>
-        </p:txBody>
-      </p:sp>
-      <p:sp>
-        <p:nvSpPr>
-          <p:cNvPr id="3" name="Slide Number Placeholder 2"/>
-          <p:cNvSpPr>
-            <a:spLocks noGrp="1"/>
-          </p:cNvSpPr>
-          <p:nvPr>
-            <p:ph type="sldNum" sz="quarter" idx="12"/>
-          </p:nvPr>
-        </p:nvSpPr>
-        <p:spPr/>
-        <p:txBody>
-          <a:bodyPr/>
-          <a:lstStyle/>
-          <a:p>
-            <a:fld id="{810B7604-93B8-4136-B9BD-D1CE89EE20B0}" type="slidenum">
-              <a:rPr lang="en-US" smtClean="0"/>
-              <a:t>19</a:t>
-            </a:fld>
-            <a:endParaRPr lang="en-US"/>
-          </a:p>
-        </p:txBody>
-      </p:sp>
-      <p:pic>
-        <p:nvPicPr>
-          <p:cNvPr id="4" name="Picture 3"/>
-          <p:cNvPicPr>
-            <a:picLocks noChangeAspect="1"/>
-          </p:cNvPicPr>
-          <p:nvPr/>
-        </p:nvPicPr>
-        <p:blipFill>
-          <a:blip r:embed="rId3">
-            <a:extLst>
-              <a:ext uri="{28A0092B-C50C-407E-A947-70E740481C1C}">
-                <a14:useLocalDpi xmlns:a14="http://schemas.microsoft.com/office/drawing/2010/main" val="0"/>
-              </a:ext>
-            </a:extLst>
-          </a:blip>
-          <a:stretch>
-            <a:fillRect/>
-          </a:stretch>
-        </p:blipFill>
-        <p:spPr>
-          <a:xfrm>
-            <a:off x="533400" y="1143000"/>
-            <a:ext cx="3200400" cy="3200400"/>
-          </a:xfrm>
-          <a:prstGeom prst="rect">
-            <a:avLst/>
-          </a:prstGeom>
-        </p:spPr>
-      </p:pic>
-      <p:pic>
-        <p:nvPicPr>
-          <p:cNvPr id="5" name="Picture 4"/>
-          <p:cNvPicPr>
-            <a:picLocks noChangeAspect="1"/>
-          </p:cNvPicPr>
-          <p:nvPr/>
-        </p:nvPicPr>
-        <p:blipFill>
-          <a:blip r:embed="rId4">
-            <a:extLst>
-              <a:ext uri="{28A0092B-C50C-407E-A947-70E740481C1C}">
-                <a14:useLocalDpi xmlns:a14="http://schemas.microsoft.com/office/drawing/2010/main" val="0"/>
-              </a:ext>
-            </a:extLst>
-          </a:blip>
-          <a:stretch>
-            <a:fillRect/>
-          </a:stretch>
-        </p:blipFill>
-        <p:spPr>
-          <a:xfrm>
-            <a:off x="4724400" y="1143000"/>
-            <a:ext cx="3200400" cy="3200400"/>
-          </a:xfrm>
-          <a:prstGeom prst="rect">
-            <a:avLst/>
-          </a:prstGeom>
-        </p:spPr>
-      </p:pic>
-      <p:cxnSp>
-        <p:nvCxnSpPr>
-          <p:cNvPr id="7" name="Straight Arrow Connector 6"/>
-          <p:cNvCxnSpPr/>
-          <p:nvPr/>
-        </p:nvCxnSpPr>
-        <p:spPr>
-          <a:xfrm>
-            <a:off x="3581400" y="1981200"/>
-            <a:ext cx="1295400" cy="0"/>
-          </a:xfrm>
-          <a:prstGeom prst="straightConnector1">
-            <a:avLst/>
-          </a:prstGeom>
-          <a:ln w="31750">
-            <a:solidFill>
-              <a:srgbClr val="FF0000"/>
-            </a:solidFill>
-            <a:tailEnd type="arrow"/>
-          </a:ln>
-        </p:spPr>
-        <p:style>
-          <a:lnRef idx="1">
-            <a:schemeClr val="accent1"/>
-          </a:lnRef>
-          <a:fillRef idx="0">
-            <a:schemeClr val="accent1"/>
-          </a:fillRef>
-          <a:effectRef idx="0">
-            <a:schemeClr val="accent1"/>
-          </a:effectRef>
-          <a:fontRef idx="minor">
-            <a:schemeClr val="tx1"/>
-          </a:fontRef>
-        </p:style>
-      </p:cxnSp>
-      <p:sp>
-        <p:nvSpPr>
-          <p:cNvPr id="8" name="TextBox 7"/>
-          <p:cNvSpPr txBox="1"/>
-          <p:nvPr/>
-        </p:nvSpPr>
-        <p:spPr>
-          <a:xfrm>
-            <a:off x="7848600" y="1447800"/>
-            <a:ext cx="1066800" cy="646331"/>
-          </a:xfrm>
-          <a:prstGeom prst="rect">
-            <a:avLst/>
-          </a:prstGeom>
-          <a:noFill/>
-        </p:spPr>
-        <p:txBody>
-          <a:bodyPr wrap="square" rtlCol="0">
-            <a:spAutoFit/>
-          </a:bodyPr>
-          <a:lstStyle/>
-          <a:p>
-            <a:r>
-              <a:rPr lang="en-US" sz="1200" dirty="0"/>
-              <a:t>Jittered fitted values</a:t>
-            </a:r>
-          </a:p>
-          <a:p>
-            <a:r>
-              <a:rPr lang="en-US" sz="1200" dirty="0"/>
-              <a:t>(</a:t>
-            </a:r>
-            <a:r>
-              <a:rPr lang="en-US" sz="1200" dirty="0" err="1"/>
-              <a:t>gp</a:t>
-            </a:r>
-            <a:r>
-              <a:rPr lang="en-US" sz="1200" dirty="0"/>
-              <a:t> means)</a:t>
-            </a:r>
-          </a:p>
-        </p:txBody>
-      </p:sp>
-      <p:graphicFrame>
-        <p:nvGraphicFramePr>
-          <p:cNvPr id="9" name="Object 8"/>
-          <p:cNvGraphicFramePr>
-            <a:graphicFrameLocks noChangeAspect="1"/>
-          </p:cNvGraphicFramePr>
-          <p:nvPr>
-            <p:extLst>
-              <p:ext uri="{D42A27DB-BD31-4B8C-83A1-F6EECF244321}">
-                <p14:modId xmlns:p14="http://schemas.microsoft.com/office/powerpoint/2010/main" val="1246420836"/>
-              </p:ext>
-            </p:extLst>
-          </p:nvPr>
-        </p:nvGraphicFramePr>
-        <p:xfrm>
-          <a:off x="3219450" y="6096000"/>
-          <a:ext cx="1657350" cy="457200"/>
-        </p:xfrm>
-        <a:graphic>
-          <a:graphicData uri="http://schemas.openxmlformats.org/presentationml/2006/ole">
-            <mc:AlternateContent xmlns:mc="http://schemas.openxmlformats.org/markup-compatibility/2006">
-              <mc:Choice xmlns:v="urn:schemas-microsoft-com:vml" Requires="v">
-                <p:oleObj spid="_x0000_s5184" name="Equation" r:id="rId5" imgW="1104840" imgH="304560" progId="Equation.DSMT4">
-                  <p:embed/>
-                </p:oleObj>
-              </mc:Choice>
-              <mc:Fallback>
-                <p:oleObj name="Equation" r:id="rId5" imgW="1104840" imgH="304560" progId="Equation.DSMT4">
-                  <p:embed/>
-                  <p:pic>
-                    <p:nvPicPr>
-                      <p:cNvPr id="0" name=""/>
-                      <p:cNvPicPr/>
-                      <p:nvPr/>
-                    </p:nvPicPr>
-                    <p:blipFill>
-                      <a:blip r:embed="rId6"/>
-                      <a:stretch>
-                        <a:fillRect/>
-                      </a:stretch>
-                    </p:blipFill>
-                    <p:spPr>
-                      <a:xfrm>
-                        <a:off x="3219450" y="6096000"/>
-                        <a:ext cx="1657350" cy="457200"/>
-                      </a:xfrm>
-                      <a:prstGeom prst="rect">
-                        <a:avLst/>
-                      </a:prstGeom>
-                    </p:spPr>
-                  </p:pic>
-                </p:oleObj>
-              </mc:Fallback>
-            </mc:AlternateContent>
-          </a:graphicData>
-        </a:graphic>
-      </p:graphicFrame>
-      <p:sp>
-        <p:nvSpPr>
-          <p:cNvPr id="10" name="Flowchart: Connector 9">
-            <a:extLst>
-              <a:ext uri="{FF2B5EF4-FFF2-40B4-BE49-F238E27FC236}">
-                <a16:creationId xmlns:a16="http://schemas.microsoft.com/office/drawing/2014/main" id="{7784F65C-FE98-460D-BC76-73AC6D915D96}"/>
-              </a:ext>
-            </a:extLst>
-          </p:cNvPr>
-          <p:cNvSpPr>
-            <a:spLocks noChangeAspect="1"/>
-          </p:cNvSpPr>
-          <p:nvPr/>
-        </p:nvSpPr>
-        <p:spPr>
-          <a:xfrm>
-            <a:off x="5886374" y="1645999"/>
-            <a:ext cx="590702" cy="594201"/>
-          </a:xfrm>
-          <a:prstGeom prst="flowChartConnector">
-            <a:avLst/>
-          </a:prstGeom>
-          <a:solidFill>
-            <a:schemeClr val="tx2">
-              <a:lumMod val="20000"/>
-              <a:lumOff val="80000"/>
-              <a:alpha val="20000"/>
-            </a:schemeClr>
-          </a:solidFill>
-          <a:ln>
-            <a:solidFill>
-              <a:schemeClr val="accent1">
-                <a:shade val="50000"/>
-                <a:alpha val="90000"/>
-              </a:schemeClr>
-            </a:solidFill>
-          </a:ln>
-        </p:spPr>
-        <p:style>
-          <a:lnRef idx="2">
-            <a:schemeClr val="accent1">
-              <a:shade val="50000"/>
-            </a:schemeClr>
-          </a:lnRef>
-          <a:fillRef idx="1">
-            <a:schemeClr val="accent1"/>
-          </a:fillRef>
-          <a:effectRef idx="0">
-            <a:schemeClr val="accent1"/>
-          </a:effectRef>
-          <a:fontRef idx="minor">
-            <a:schemeClr val="lt1"/>
-          </a:fontRef>
-        </p:style>
-        <p:txBody>
-          <a:bodyPr rtlCol="0" anchor="ctr"/>
-          <a:lstStyle/>
-          <a:p>
-            <a:pPr algn="ctr"/>
-            <a:endParaRPr lang="en-US"/>
-          </a:p>
-        </p:txBody>
-      </p:sp>
-      <p:sp>
-        <p:nvSpPr>
-          <p:cNvPr id="11" name="Flowchart: Connector 10">
-            <a:extLst>
-              <a:ext uri="{FF2B5EF4-FFF2-40B4-BE49-F238E27FC236}">
-                <a16:creationId xmlns:a16="http://schemas.microsoft.com/office/drawing/2014/main" id="{27054BEF-17C4-42CD-BD3C-F07E37ED3804}"/>
-              </a:ext>
-            </a:extLst>
-          </p:cNvPr>
-          <p:cNvSpPr>
-            <a:spLocks noChangeAspect="1"/>
-          </p:cNvSpPr>
-          <p:nvPr/>
-        </p:nvSpPr>
-        <p:spPr>
-          <a:xfrm>
-            <a:off x="6553200" y="2982199"/>
-            <a:ext cx="590702" cy="594201"/>
-          </a:xfrm>
-          <a:prstGeom prst="flowChartConnector">
-            <a:avLst/>
-          </a:prstGeom>
-          <a:solidFill>
-            <a:srgbClr val="00B050">
-              <a:alpha val="20000"/>
-            </a:srgbClr>
-          </a:solidFill>
-          <a:ln>
-            <a:solidFill>
-              <a:srgbClr val="00B050">
-                <a:alpha val="90000"/>
-              </a:srgbClr>
-            </a:solidFill>
-          </a:ln>
-        </p:spPr>
-        <p:style>
-          <a:lnRef idx="2">
-            <a:schemeClr val="accent1">
-              <a:shade val="50000"/>
-            </a:schemeClr>
-          </a:lnRef>
-          <a:fillRef idx="1">
-            <a:schemeClr val="accent1"/>
-          </a:fillRef>
-          <a:effectRef idx="0">
-            <a:schemeClr val="accent1"/>
-          </a:effectRef>
-          <a:fontRef idx="minor">
-            <a:schemeClr val="lt1"/>
-          </a:fontRef>
-        </p:style>
-        <p:txBody>
-          <a:bodyPr rtlCol="0" anchor="ctr"/>
-          <a:lstStyle/>
-          <a:p>
-            <a:pPr algn="ctr"/>
-            <a:endParaRPr lang="en-US"/>
-          </a:p>
-        </p:txBody>
-      </p:sp>
-    </p:spTree>
-    <p:extLst>
-      <p:ext uri="{BB962C8B-B14F-4D97-AF65-F5344CB8AC3E}">
-        <p14:creationId xmlns:p14="http://schemas.microsoft.com/office/powerpoint/2010/main" val="2285166219"/>
       </p:ext>
     </p:extLst>
   </p:cSld>
@@ -9928,7 +10019,7 @@
           <a:graphicData uri="http://schemas.openxmlformats.org/presentationml/2006/ole">
             <mc:AlternateContent xmlns:mc="http://schemas.openxmlformats.org/markup-compatibility/2006">
               <mc:Choice xmlns:v="urn:schemas-microsoft-com:vml" Requires="v">
-                <p:oleObj spid="_x0000_s11311" name="Equation" r:id="rId9" imgW="1231560" imgH="291960" progId="Equation.DSMT4">
+                <p:oleObj spid="_x0000_s11316" name="Equation" r:id="rId9" imgW="1231560" imgH="291960" progId="Equation.DSMT4">
                   <p:embed/>
                 </p:oleObj>
               </mc:Choice>
@@ -10853,6 +10944,460 @@
           <a:p>
             <a:r>
               <a:rPr lang="en-US" dirty="0"/>
+              <a:t>The H ellipse</a:t>
+            </a:r>
+          </a:p>
+        </p:txBody>
+      </p:sp>
+      <p:sp>
+        <p:nvSpPr>
+          <p:cNvPr id="6" name="Content Placeholder 5"/>
+          <p:cNvSpPr>
+            <a:spLocks noGrp="1"/>
+          </p:cNvSpPr>
+          <p:nvPr>
+            <p:ph idx="1"/>
+          </p:nvPr>
+        </p:nvSpPr>
+        <p:spPr>
+          <a:xfrm>
+            <a:off x="533400" y="4648200"/>
+            <a:ext cx="8229600" cy="1828800"/>
+          </a:xfrm>
+        </p:spPr>
+        <p:txBody>
+          <a:bodyPr>
+            <a:normAutofit/>
+          </a:bodyPr>
+          <a:lstStyle/>
+          <a:p>
+            <a:r>
+              <a:rPr lang="en-US" sz="2400" dirty="0"/>
+              <a:t>The </a:t>
+            </a:r>
+            <a:r>
+              <a:rPr lang="en-US" sz="2400" b="1" dirty="0"/>
+              <a:t>H</a:t>
+            </a:r>
+            <a:r>
+              <a:rPr lang="en-US" sz="2400" dirty="0"/>
+              <a:t> ellipse is the data ellipse of the fitted values (group means, here)</a:t>
+            </a:r>
+          </a:p>
+          <a:p>
+            <a:pPr lvl="1"/>
+            <a:r>
+              <a:rPr lang="en-US" sz="2000" dirty="0"/>
+              <a:t>The </a:t>
+            </a:r>
+            <a:r>
+              <a:rPr lang="en-US" sz="2000" b="1" dirty="0"/>
+              <a:t>H</a:t>
+            </a:r>
+            <a:r>
+              <a:rPr lang="en-US" sz="2000" dirty="0"/>
+              <a:t> matrix is the sum of squares and </a:t>
+            </a:r>
+            <a:r>
+              <a:rPr lang="en-US" sz="2000" dirty="0" err="1"/>
+              <a:t>crossproducts</a:t>
+            </a:r>
+            <a:r>
+              <a:rPr lang="en-US" sz="2000" dirty="0"/>
+              <a:t> of the fitted values, corrected for the grand mean </a:t>
+            </a:r>
+          </a:p>
+        </p:txBody>
+      </p:sp>
+      <p:sp>
+        <p:nvSpPr>
+          <p:cNvPr id="3" name="Slide Number Placeholder 2"/>
+          <p:cNvSpPr>
+            <a:spLocks noGrp="1"/>
+          </p:cNvSpPr>
+          <p:nvPr>
+            <p:ph type="sldNum" sz="quarter" idx="12"/>
+          </p:nvPr>
+        </p:nvSpPr>
+        <p:spPr/>
+        <p:txBody>
+          <a:bodyPr/>
+          <a:lstStyle/>
+          <a:p>
+            <a:fld id="{810B7604-93B8-4136-B9BD-D1CE89EE20B0}" type="slidenum">
+              <a:rPr lang="en-US" smtClean="0"/>
+              <a:t>20</a:t>
+            </a:fld>
+            <a:endParaRPr lang="en-US"/>
+          </a:p>
+        </p:txBody>
+      </p:sp>
+      <p:pic>
+        <p:nvPicPr>
+          <p:cNvPr id="4" name="Picture 3"/>
+          <p:cNvPicPr>
+            <a:picLocks noChangeAspect="1"/>
+          </p:cNvPicPr>
+          <p:nvPr/>
+        </p:nvPicPr>
+        <p:blipFill>
+          <a:blip r:embed="rId3">
+            <a:extLst>
+              <a:ext uri="{28A0092B-C50C-407E-A947-70E740481C1C}">
+                <a14:useLocalDpi xmlns:a14="http://schemas.microsoft.com/office/drawing/2010/main" val="0"/>
+              </a:ext>
+            </a:extLst>
+          </a:blip>
+          <a:stretch>
+            <a:fillRect/>
+          </a:stretch>
+        </p:blipFill>
+        <p:spPr>
+          <a:xfrm>
+            <a:off x="533400" y="1143000"/>
+            <a:ext cx="3200400" cy="3200400"/>
+          </a:xfrm>
+          <a:prstGeom prst="rect">
+            <a:avLst/>
+          </a:prstGeom>
+        </p:spPr>
+      </p:pic>
+      <p:pic>
+        <p:nvPicPr>
+          <p:cNvPr id="5" name="Picture 4"/>
+          <p:cNvPicPr>
+            <a:picLocks noChangeAspect="1"/>
+          </p:cNvPicPr>
+          <p:nvPr/>
+        </p:nvPicPr>
+        <p:blipFill>
+          <a:blip r:embed="rId4">
+            <a:extLst>
+              <a:ext uri="{28A0092B-C50C-407E-A947-70E740481C1C}">
+                <a14:useLocalDpi xmlns:a14="http://schemas.microsoft.com/office/drawing/2010/main" val="0"/>
+              </a:ext>
+            </a:extLst>
+          </a:blip>
+          <a:stretch>
+            <a:fillRect/>
+          </a:stretch>
+        </p:blipFill>
+        <p:spPr>
+          <a:xfrm>
+            <a:off x="4724400" y="1143000"/>
+            <a:ext cx="3200400" cy="3200400"/>
+          </a:xfrm>
+          <a:prstGeom prst="rect">
+            <a:avLst/>
+          </a:prstGeom>
+        </p:spPr>
+      </p:pic>
+      <p:cxnSp>
+        <p:nvCxnSpPr>
+          <p:cNvPr id="7" name="Straight Arrow Connector 6"/>
+          <p:cNvCxnSpPr/>
+          <p:nvPr/>
+        </p:nvCxnSpPr>
+        <p:spPr>
+          <a:xfrm>
+            <a:off x="3581400" y="1981200"/>
+            <a:ext cx="1295400" cy="0"/>
+          </a:xfrm>
+          <a:prstGeom prst="straightConnector1">
+            <a:avLst/>
+          </a:prstGeom>
+          <a:ln w="31750">
+            <a:solidFill>
+              <a:srgbClr val="FF0000"/>
+            </a:solidFill>
+            <a:tailEnd type="arrow"/>
+          </a:ln>
+        </p:spPr>
+        <p:style>
+          <a:lnRef idx="1">
+            <a:schemeClr val="accent1"/>
+          </a:lnRef>
+          <a:fillRef idx="0">
+            <a:schemeClr val="accent1"/>
+          </a:fillRef>
+          <a:effectRef idx="0">
+            <a:schemeClr val="accent1"/>
+          </a:effectRef>
+          <a:fontRef idx="minor">
+            <a:schemeClr val="tx1"/>
+          </a:fontRef>
+        </p:style>
+      </p:cxnSp>
+      <p:sp>
+        <p:nvSpPr>
+          <p:cNvPr id="8" name="TextBox 7"/>
+          <p:cNvSpPr txBox="1"/>
+          <p:nvPr/>
+        </p:nvSpPr>
+        <p:spPr>
+          <a:xfrm>
+            <a:off x="7848600" y="1447800"/>
+            <a:ext cx="1066800" cy="646331"/>
+          </a:xfrm>
+          <a:prstGeom prst="rect">
+            <a:avLst/>
+          </a:prstGeom>
+          <a:noFill/>
+        </p:spPr>
+        <p:txBody>
+          <a:bodyPr wrap="square" rtlCol="0">
+            <a:spAutoFit/>
+          </a:bodyPr>
+          <a:lstStyle/>
+          <a:p>
+            <a:r>
+              <a:rPr lang="en-US" sz="1200" dirty="0"/>
+              <a:t>Jittered fitted values</a:t>
+            </a:r>
+          </a:p>
+          <a:p>
+            <a:r>
+              <a:rPr lang="en-US" sz="1200" dirty="0"/>
+              <a:t>(</a:t>
+            </a:r>
+            <a:r>
+              <a:rPr lang="en-US" sz="1200" dirty="0" err="1"/>
+              <a:t>gp</a:t>
+            </a:r>
+            <a:r>
+              <a:rPr lang="en-US" sz="1200" dirty="0"/>
+              <a:t> means)</a:t>
+            </a:r>
+          </a:p>
+        </p:txBody>
+      </p:sp>
+      <p:graphicFrame>
+        <p:nvGraphicFramePr>
+          <p:cNvPr id="9" name="Object 8"/>
+          <p:cNvGraphicFramePr>
+            <a:graphicFrameLocks noChangeAspect="1"/>
+          </p:cNvGraphicFramePr>
+          <p:nvPr>
+            <p:extLst>
+              <p:ext uri="{D42A27DB-BD31-4B8C-83A1-F6EECF244321}">
+                <p14:modId xmlns:p14="http://schemas.microsoft.com/office/powerpoint/2010/main" val="1246420836"/>
+              </p:ext>
+            </p:extLst>
+          </p:nvPr>
+        </p:nvGraphicFramePr>
+        <p:xfrm>
+          <a:off x="3219450" y="6096000"/>
+          <a:ext cx="1657350" cy="457200"/>
+        </p:xfrm>
+        <a:graphic>
+          <a:graphicData uri="http://schemas.openxmlformats.org/presentationml/2006/ole">
+            <mc:AlternateContent xmlns:mc="http://schemas.openxmlformats.org/markup-compatibility/2006">
+              <mc:Choice xmlns:v="urn:schemas-microsoft-com:vml" Requires="v">
+                <p:oleObj spid="_x0000_s5189" name="Equation" r:id="rId5" imgW="1104840" imgH="304560" progId="Equation.DSMT4">
+                  <p:embed/>
+                </p:oleObj>
+              </mc:Choice>
+              <mc:Fallback>
+                <p:oleObj name="Equation" r:id="rId5" imgW="1104840" imgH="304560" progId="Equation.DSMT4">
+                  <p:embed/>
+                  <p:pic>
+                    <p:nvPicPr>
+                      <p:cNvPr id="0" name=""/>
+                      <p:cNvPicPr/>
+                      <p:nvPr/>
+                    </p:nvPicPr>
+                    <p:blipFill>
+                      <a:blip r:embed="rId6"/>
+                      <a:stretch>
+                        <a:fillRect/>
+                      </a:stretch>
+                    </p:blipFill>
+                    <p:spPr>
+                      <a:xfrm>
+                        <a:off x="3219450" y="6096000"/>
+                        <a:ext cx="1657350" cy="457200"/>
+                      </a:xfrm>
+                      <a:prstGeom prst="rect">
+                        <a:avLst/>
+                      </a:prstGeom>
+                    </p:spPr>
+                  </p:pic>
+                </p:oleObj>
+              </mc:Fallback>
+            </mc:AlternateContent>
+          </a:graphicData>
+        </a:graphic>
+      </p:graphicFrame>
+      <p:sp>
+        <p:nvSpPr>
+          <p:cNvPr id="10" name="Flowchart: Connector 9">
+            <a:extLst>
+              <a:ext uri="{FF2B5EF4-FFF2-40B4-BE49-F238E27FC236}">
+                <a16:creationId xmlns:a16="http://schemas.microsoft.com/office/drawing/2014/main" id="{7784F65C-FE98-460D-BC76-73AC6D915D96}"/>
+              </a:ext>
+            </a:extLst>
+          </p:cNvPr>
+          <p:cNvSpPr>
+            <a:spLocks noChangeAspect="1"/>
+          </p:cNvSpPr>
+          <p:nvPr/>
+        </p:nvSpPr>
+        <p:spPr>
+          <a:xfrm>
+            <a:off x="5886374" y="1645999"/>
+            <a:ext cx="590702" cy="594201"/>
+          </a:xfrm>
+          <a:prstGeom prst="flowChartConnector">
+            <a:avLst/>
+          </a:prstGeom>
+          <a:solidFill>
+            <a:schemeClr val="tx2">
+              <a:lumMod val="20000"/>
+              <a:lumOff val="80000"/>
+              <a:alpha val="20000"/>
+            </a:schemeClr>
+          </a:solidFill>
+          <a:ln>
+            <a:solidFill>
+              <a:schemeClr val="accent1">
+                <a:shade val="50000"/>
+                <a:alpha val="90000"/>
+              </a:schemeClr>
+            </a:solidFill>
+          </a:ln>
+        </p:spPr>
+        <p:style>
+          <a:lnRef idx="2">
+            <a:schemeClr val="accent1">
+              <a:shade val="50000"/>
+            </a:schemeClr>
+          </a:lnRef>
+          <a:fillRef idx="1">
+            <a:schemeClr val="accent1"/>
+          </a:fillRef>
+          <a:effectRef idx="0">
+            <a:schemeClr val="accent1"/>
+          </a:effectRef>
+          <a:fontRef idx="minor">
+            <a:schemeClr val="lt1"/>
+          </a:fontRef>
+        </p:style>
+        <p:txBody>
+          <a:bodyPr rtlCol="0" anchor="ctr"/>
+          <a:lstStyle/>
+          <a:p>
+            <a:pPr algn="ctr"/>
+            <a:endParaRPr lang="en-US"/>
+          </a:p>
+        </p:txBody>
+      </p:sp>
+      <p:sp>
+        <p:nvSpPr>
+          <p:cNvPr id="11" name="Flowchart: Connector 10">
+            <a:extLst>
+              <a:ext uri="{FF2B5EF4-FFF2-40B4-BE49-F238E27FC236}">
+                <a16:creationId xmlns:a16="http://schemas.microsoft.com/office/drawing/2014/main" id="{27054BEF-17C4-42CD-BD3C-F07E37ED3804}"/>
+              </a:ext>
+            </a:extLst>
+          </p:cNvPr>
+          <p:cNvSpPr>
+            <a:spLocks noChangeAspect="1"/>
+          </p:cNvSpPr>
+          <p:nvPr/>
+        </p:nvSpPr>
+        <p:spPr>
+          <a:xfrm>
+            <a:off x="6553200" y="2982199"/>
+            <a:ext cx="590702" cy="594201"/>
+          </a:xfrm>
+          <a:prstGeom prst="flowChartConnector">
+            <a:avLst/>
+          </a:prstGeom>
+          <a:solidFill>
+            <a:srgbClr val="00B050">
+              <a:alpha val="20000"/>
+            </a:srgbClr>
+          </a:solidFill>
+          <a:ln>
+            <a:solidFill>
+              <a:srgbClr val="00B050">
+                <a:alpha val="90000"/>
+              </a:srgbClr>
+            </a:solidFill>
+          </a:ln>
+        </p:spPr>
+        <p:style>
+          <a:lnRef idx="2">
+            <a:schemeClr val="accent1">
+              <a:shade val="50000"/>
+            </a:schemeClr>
+          </a:lnRef>
+          <a:fillRef idx="1">
+            <a:schemeClr val="accent1"/>
+          </a:fillRef>
+          <a:effectRef idx="0">
+            <a:schemeClr val="accent1"/>
+          </a:effectRef>
+          <a:fontRef idx="minor">
+            <a:schemeClr val="lt1"/>
+          </a:fontRef>
+        </p:style>
+        <p:txBody>
+          <a:bodyPr rtlCol="0" anchor="ctr"/>
+          <a:lstStyle/>
+          <a:p>
+            <a:pPr algn="ctr"/>
+            <a:endParaRPr lang="en-US"/>
+          </a:p>
+        </p:txBody>
+      </p:sp>
+    </p:spTree>
+    <p:extLst>
+      <p:ext uri="{BB962C8B-B14F-4D97-AF65-F5344CB8AC3E}">
+        <p14:creationId xmlns:p14="http://schemas.microsoft.com/office/powerpoint/2010/main" val="2285166219"/>
+      </p:ext>
+    </p:extLst>
+  </p:cSld>
+  <p:clrMapOvr>
+    <a:masterClrMapping/>
+  </p:clrMapOvr>
+</p:sld>
+</file>
+
+<file path=ppt/slides/slide21.xml><?xml version="1.0" encoding="utf-8"?>
+<p:sld xmlns:a="http://schemas.openxmlformats.org/drawingml/2006/main" xmlns:r="http://schemas.openxmlformats.org/officeDocument/2006/relationships" xmlns:p="http://schemas.openxmlformats.org/presentationml/2006/main">
+  <p:cSld>
+    <p:spTree>
+      <p:nvGrpSpPr>
+        <p:cNvPr id="1" name=""/>
+        <p:cNvGrpSpPr/>
+        <p:nvPr/>
+      </p:nvGrpSpPr>
+      <p:grpSpPr>
+        <a:xfrm>
+          <a:off x="0" y="0"/>
+          <a:ext cx="0" cy="0"/>
+          <a:chOff x="0" y="0"/>
+          <a:chExt cx="0" cy="0"/>
+        </a:xfrm>
+      </p:grpSpPr>
+      <p:sp>
+        <p:nvSpPr>
+          <p:cNvPr id="2" name="Title 1"/>
+          <p:cNvSpPr>
+            <a:spLocks noGrp="1"/>
+          </p:cNvSpPr>
+          <p:nvPr>
+            <p:ph type="title"/>
+          </p:nvPr>
+        </p:nvSpPr>
+        <p:spPr/>
+        <p:txBody>
+          <a:bodyPr/>
+          <a:lstStyle/>
+          <a:p>
+            <a:r>
+              <a:rPr lang="en-US" dirty="0"/>
               <a:t>The E ellipse</a:t>
             </a:r>
           </a:p>
@@ -10938,7 +11483,7 @@
           <a:p>
             <a:fld id="{810B7604-93B8-4136-B9BD-D1CE89EE20B0}" type="slidenum">
               <a:rPr lang="en-US" smtClean="0"/>
-              <a:t>20</a:t>
+              <a:t>21</a:t>
             </a:fld>
             <a:endParaRPr lang="en-US"/>
           </a:p>
@@ -11128,7 +11673,7 @@
           <a:graphicData uri="http://schemas.openxmlformats.org/presentationml/2006/ole">
             <mc:AlternateContent xmlns:mc="http://schemas.openxmlformats.org/markup-compatibility/2006">
               <mc:Choice xmlns:v="urn:schemas-microsoft-com:vml" Requires="v">
-                <p:oleObj spid="_x0000_s7231" name="Equation" r:id="rId6" imgW="1676160" imgH="304560" progId="Equation.DSMT4">
+                <p:oleObj spid="_x0000_s7236" name="Equation" r:id="rId6" imgW="1676160" imgH="304560" progId="Equation.DSMT4">
                   <p:embed/>
                 </p:oleObj>
               </mc:Choice>
@@ -11176,7 +11721,7 @@
 </p:sld>
 </file>
 
-<file path=ppt/slides/slide21.xml><?xml version="1.0" encoding="utf-8"?>
+<file path=ppt/slides/slide22.xml><?xml version="1.0" encoding="utf-8"?>
 <p:sld xmlns:a="http://schemas.openxmlformats.org/drawingml/2006/main" xmlns:r="http://schemas.openxmlformats.org/officeDocument/2006/relationships" xmlns:p="http://schemas.openxmlformats.org/presentationml/2006/main">
   <p:cSld>
     <p:spTree>
@@ -11232,7 +11777,7 @@
           <a:p>
             <a:fld id="{810B7604-93B8-4136-B9BD-D1CE89EE20B0}" type="slidenum">
               <a:rPr lang="en-US" smtClean="0"/>
-              <a:t>21</a:t>
+              <a:t>22</a:t>
             </a:fld>
             <a:endParaRPr lang="en-US"/>
           </a:p>
@@ -11707,7 +12252,7 @@
           <a:graphicData uri="http://schemas.openxmlformats.org/presentationml/2006/ole">
             <mc:AlternateContent xmlns:mc="http://schemas.openxmlformats.org/markup-compatibility/2006">
               <mc:Choice xmlns:v="urn:schemas-microsoft-com:vml" Requires="v">
-                <p:oleObj spid="_x0000_s6210" name="Equation" r:id="rId3" imgW="1104840" imgH="304560" progId="Equation.DSMT4">
+                <p:oleObj spid="_x0000_s6215" name="Equation" r:id="rId3" imgW="1104840" imgH="304560" progId="Equation.DSMT4">
                   <p:embed/>
                 </p:oleObj>
               </mc:Choice>
@@ -11869,7 +12414,7 @@
 </p:sld>
 </file>
 
-<file path=ppt/slides/slide22.xml><?xml version="1.0" encoding="utf-8"?>
+<file path=ppt/slides/slide23.xml><?xml version="1.0" encoding="utf-8"?>
 <p:sld xmlns:a="http://schemas.openxmlformats.org/drawingml/2006/main" xmlns:r="http://schemas.openxmlformats.org/officeDocument/2006/relationships" xmlns:p="http://schemas.openxmlformats.org/presentationml/2006/main">
   <p:cSld>
     <p:spTree>
@@ -11925,7 +12470,7 @@
           <a:p>
             <a:fld id="{810B7604-93B8-4136-B9BD-D1CE89EE20B0}" type="slidenum">
               <a:rPr lang="en-US" smtClean="0"/>
-              <a:t>22</a:t>
+              <a:t>23</a:t>
             </a:fld>
             <a:endParaRPr lang="en-US"/>
           </a:p>
@@ -12387,7 +12932,7 @@
           <a:graphicData uri="http://schemas.openxmlformats.org/presentationml/2006/ole">
             <mc:AlternateContent xmlns:mc="http://schemas.openxmlformats.org/markup-compatibility/2006">
               <mc:Choice xmlns:v="urn:schemas-microsoft-com:vml" Requires="v">
-                <p:oleObj spid="_x0000_s12331" name="Equation" r:id="rId3" imgW="1676160" imgH="304560" progId="Equation.DSMT4">
+                <p:oleObj spid="_x0000_s12336" name="Equation" r:id="rId3" imgW="1676160" imgH="304560" progId="Equation.DSMT4">
                   <p:embed/>
                 </p:oleObj>
               </mc:Choice>
@@ -12467,7 +13012,7 @@
 </p:sld>
 </file>
 
-<file path=ppt/slides/slide23.xml><?xml version="1.0" encoding="utf-8"?>
+<file path=ppt/slides/slide24.xml><?xml version="1.0" encoding="utf-8"?>
 <p:sld xmlns:a="http://schemas.openxmlformats.org/drawingml/2006/main" xmlns:r="http://schemas.openxmlformats.org/officeDocument/2006/relationships" xmlns:p="http://schemas.openxmlformats.org/presentationml/2006/main">
   <p:cSld>
     <p:spTree>
@@ -12617,7 +13162,7 @@
           <a:p>
             <a:fld id="{810B7604-93B8-4136-B9BD-D1CE89EE20B0}" type="slidenum">
               <a:rPr lang="en-US" smtClean="0"/>
-              <a:t>23</a:t>
+              <a:t>24</a:t>
             </a:fld>
             <a:endParaRPr lang="en-US"/>
           </a:p>
@@ -12696,7 +13241,7 @@
 </p:sld>
 </file>
 
-<file path=ppt/slides/slide24.xml><?xml version="1.0" encoding="utf-8"?>
+<file path=ppt/slides/slide25.xml><?xml version="1.0" encoding="utf-8"?>
 <p:sld xmlns:a="http://schemas.openxmlformats.org/drawingml/2006/main" xmlns:r="http://schemas.openxmlformats.org/officeDocument/2006/relationships" xmlns:p="http://schemas.openxmlformats.org/presentationml/2006/main">
   <p:cSld>
     <p:spTree>
@@ -12798,7 +13343,7 @@
           <a:p>
             <a:fld id="{810B7604-93B8-4136-B9BD-D1CE89EE20B0}" type="slidenum">
               <a:rPr lang="en-US" smtClean="0"/>
-              <a:t>24</a:t>
+              <a:t>25</a:t>
             </a:fld>
             <a:endParaRPr lang="en-US"/>
           </a:p>
@@ -13073,7 +13618,7 @@
 </p:sld>
 </file>
 
-<file path=ppt/slides/slide25.xml><?xml version="1.0" encoding="utf-8"?>
+<file path=ppt/slides/slide26.xml><?xml version="1.0" encoding="utf-8"?>
 <p:sld xmlns:a="http://schemas.openxmlformats.org/drawingml/2006/main" xmlns:r="http://schemas.openxmlformats.org/officeDocument/2006/relationships" xmlns:p="http://schemas.openxmlformats.org/presentationml/2006/main">
   <p:cSld>
     <p:spTree>
@@ -13204,7 +13749,7 @@
           <a:p>
             <a:fld id="{810B7604-93B8-4136-B9BD-D1CE89EE20B0}" type="slidenum">
               <a:rPr lang="en-US" smtClean="0"/>
-              <a:t>25</a:t>
+              <a:t>26</a:t>
             </a:fld>
             <a:endParaRPr lang="en-US"/>
           </a:p>
@@ -13356,7 +13901,7 @@
 </p:sld>
 </file>
 
-<file path=ppt/slides/slide26.xml><?xml version="1.0" encoding="utf-8"?>
+<file path=ppt/slides/slide27.xml><?xml version="1.0" encoding="utf-8"?>
 <p:sld xmlns:a="http://schemas.openxmlformats.org/drawingml/2006/main" xmlns:r="http://schemas.openxmlformats.org/officeDocument/2006/relationships" xmlns:p="http://schemas.openxmlformats.org/presentationml/2006/main">
   <p:cSld>
     <p:spTree>
@@ -13443,7 +13988,7 @@
           <a:p>
             <a:fld id="{810B7604-93B8-4136-B9BD-D1CE89EE20B0}" type="slidenum">
               <a:rPr lang="en-US" smtClean="0"/>
-              <a:t>26</a:t>
+              <a:t>27</a:t>
             </a:fld>
             <a:endParaRPr lang="en-US"/>
           </a:p>
@@ -13909,7 +14454,7 @@
 </p:sld>
 </file>
 
-<file path=ppt/slides/slide27.xml><?xml version="1.0" encoding="utf-8"?>
+<file path=ppt/slides/slide28.xml><?xml version="1.0" encoding="utf-8"?>
 <p:sld xmlns:a="http://schemas.openxmlformats.org/drawingml/2006/main" xmlns:r="http://schemas.openxmlformats.org/officeDocument/2006/relationships" xmlns:p="http://schemas.openxmlformats.org/presentationml/2006/main">
   <p:cSld>
     <p:spTree>
@@ -13965,7 +14510,7 @@
           <a:p>
             <a:fld id="{810B7604-93B8-4136-B9BD-D1CE89EE20B0}" type="slidenum">
               <a:rPr lang="en-US" smtClean="0"/>
-              <a:t>27</a:t>
+              <a:t>28</a:t>
             </a:fld>
             <a:endParaRPr lang="en-US"/>
           </a:p>
@@ -14074,7 +14619,7 @@
 </p:sld>
 </file>
 
-<file path=ppt/slides/slide28.xml><?xml version="1.0" encoding="utf-8"?>
+<file path=ppt/slides/slide29.xml><?xml version="1.0" encoding="utf-8"?>
 <p:sld xmlns:a="http://schemas.openxmlformats.org/drawingml/2006/main" xmlns:r="http://schemas.openxmlformats.org/officeDocument/2006/relationships" xmlns:p="http://schemas.openxmlformats.org/presentationml/2006/main">
   <p:cSld>
     <p:spTree>
@@ -14130,7 +14675,7 @@
           <a:p>
             <a:fld id="{810B7604-93B8-4136-B9BD-D1CE89EE20B0}" type="slidenum">
               <a:rPr lang="en-US" smtClean="0"/>
-              <a:t>28</a:t>
+              <a:t>29</a:t>
             </a:fld>
             <a:endParaRPr lang="en-US"/>
           </a:p>
@@ -14372,7 +14917,7 @@
 </p:sld>
 </file>
 
-<file path=ppt/slides/slide29.xml><?xml version="1.0" encoding="utf-8"?>
+<file path=ppt/slides/slide3.xml><?xml version="1.0" encoding="utf-8"?>
 <p:sld xmlns:a="http://schemas.openxmlformats.org/drawingml/2006/main" xmlns:r="http://schemas.openxmlformats.org/officeDocument/2006/relationships" xmlns:p="http://schemas.openxmlformats.org/presentationml/2006/main">
   <p:cSld>
     <p:spTree>
@@ -14406,6 +14951,472 @@
           <a:p>
             <a:r>
               <a:rPr lang="en-US" dirty="0"/>
+              <a:t>One-way ANOVA vs. MANOVA</a:t>
+            </a:r>
+          </a:p>
+        </p:txBody>
+      </p:sp>
+      <p:sp>
+        <p:nvSpPr>
+          <p:cNvPr id="3" name="Slide Number Placeholder 2"/>
+          <p:cNvSpPr>
+            <a:spLocks noGrp="1"/>
+          </p:cNvSpPr>
+          <p:nvPr>
+            <p:ph type="sldNum" sz="quarter" idx="12"/>
+          </p:nvPr>
+        </p:nvSpPr>
+        <p:spPr>
+          <a:xfrm>
+            <a:off x="6629400" y="6356350"/>
+            <a:ext cx="2133600" cy="365125"/>
+          </a:xfrm>
+        </p:spPr>
+        <p:txBody>
+          <a:bodyPr/>
+          <a:lstStyle/>
+          <a:p>
+            <a:fld id="{4F91CF3B-0A41-42C0-81BF-9F13E0D4BEB1}" type="slidenum">
+              <a:rPr lang="en-US" altLang="en-US" smtClean="0"/>
+              <a:pPr/>
+              <a:t>3</a:t>
+            </a:fld>
+            <a:endParaRPr lang="en-US" altLang="en-US" dirty="0"/>
+          </a:p>
+        </p:txBody>
+      </p:sp>
+      <p:pic>
+        <p:nvPicPr>
+          <p:cNvPr id="103426" name="Picture 2" descr="C:\Dropbox\Documents\6140\images\manova\manova1.gif"/>
+          <p:cNvPicPr>
+            <a:picLocks noChangeAspect="1" noChangeArrowheads="1"/>
+          </p:cNvPicPr>
+          <p:nvPr/>
+        </p:nvPicPr>
+        <p:blipFill>
+          <a:blip r:embed="rId2">
+            <a:extLst>
+              <a:ext uri="{28A0092B-C50C-407E-A947-70E740481C1C}">
+                <a14:useLocalDpi xmlns:a14="http://schemas.microsoft.com/office/drawing/2010/main" val="0"/>
+              </a:ext>
+            </a:extLst>
+          </a:blip>
+          <a:srcRect/>
+          <a:stretch>
+            <a:fillRect/>
+          </a:stretch>
+        </p:blipFill>
+        <p:spPr bwMode="auto">
+          <a:xfrm>
+            <a:off x="415925" y="2057400"/>
+            <a:ext cx="6594475" cy="4117978"/>
+          </a:xfrm>
+          <a:prstGeom prst="rect">
+            <a:avLst/>
+          </a:prstGeom>
+          <a:noFill/>
+          <a:extLst>
+            <a:ext uri="{909E8E84-426E-40DD-AFC4-6F175D3DCCD1}">
+              <a14:hiddenFill xmlns:a14="http://schemas.microsoft.com/office/drawing/2010/main">
+                <a:solidFill>
+                  <a:srgbClr val="FFFFFF"/>
+                </a:solidFill>
+              </a14:hiddenFill>
+            </a:ext>
+          </a:extLst>
+        </p:spPr>
+      </p:pic>
+      <p:sp>
+        <p:nvSpPr>
+          <p:cNvPr id="4" name="TextBox 3"/>
+          <p:cNvSpPr txBox="1"/>
+          <p:nvPr/>
+        </p:nvSpPr>
+        <p:spPr>
+          <a:xfrm>
+            <a:off x="6562022" y="1759017"/>
+            <a:ext cx="2203383" cy="1077218"/>
+          </a:xfrm>
+          <a:prstGeom prst="rect">
+            <a:avLst/>
+          </a:prstGeom>
+          <a:solidFill>
+            <a:schemeClr val="tx2">
+              <a:lumMod val="20000"/>
+              <a:lumOff val="80000"/>
+              <a:alpha val="30000"/>
+            </a:schemeClr>
+          </a:solidFill>
+        </p:spPr>
+        <p:txBody>
+          <a:bodyPr wrap="square" rtlCol="0">
+            <a:spAutoFit/>
+          </a:bodyPr>
+          <a:lstStyle/>
+          <a:p>
+            <a:r>
+              <a:rPr lang="en-US" sz="1600" b="1" dirty="0">
+                <a:solidFill>
+                  <a:srgbClr val="FF0000"/>
+                </a:solidFill>
+              </a:rPr>
+              <a:t>Do means differ?</a:t>
+            </a:r>
+          </a:p>
+          <a:p>
+            <a:endParaRPr lang="en-US" sz="1600" b="1" dirty="0">
+              <a:solidFill>
+                <a:srgbClr val="FF0000"/>
+              </a:solidFill>
+            </a:endParaRPr>
+          </a:p>
+          <a:p>
+            <a:r>
+              <a:rPr lang="en-US" sz="1600" dirty="0"/>
+              <a:t>(Assume equal within-group variances)</a:t>
+            </a:r>
+          </a:p>
+        </p:txBody>
+      </p:sp>
+      <p:sp>
+        <p:nvSpPr>
+          <p:cNvPr id="5" name="TextBox 4"/>
+          <p:cNvSpPr txBox="1"/>
+          <p:nvPr/>
+        </p:nvSpPr>
+        <p:spPr>
+          <a:xfrm>
+            <a:off x="6559615" y="3810000"/>
+            <a:ext cx="2355785" cy="1569660"/>
+          </a:xfrm>
+          <a:prstGeom prst="rect">
+            <a:avLst/>
+          </a:prstGeom>
+          <a:solidFill>
+            <a:schemeClr val="tx2">
+              <a:lumMod val="20000"/>
+              <a:lumOff val="80000"/>
+              <a:alpha val="30000"/>
+            </a:schemeClr>
+          </a:solidFill>
+        </p:spPr>
+        <p:txBody>
+          <a:bodyPr wrap="square" rtlCol="0">
+            <a:spAutoFit/>
+          </a:bodyPr>
+          <a:lstStyle/>
+          <a:p>
+            <a:r>
+              <a:rPr lang="en-US" sz="1600" b="1" dirty="0">
+                <a:solidFill>
+                  <a:srgbClr val="FF0000"/>
+                </a:solidFill>
+              </a:rPr>
+              <a:t>How do centroids differ?</a:t>
+            </a:r>
+          </a:p>
+          <a:p>
+            <a:r>
+              <a:rPr lang="en-US" sz="1600" dirty="0">
+                <a:solidFill>
+                  <a:srgbClr val="FF0000"/>
+                </a:solidFill>
+              </a:rPr>
+              <a:t>How many dimensions?</a:t>
+            </a:r>
+          </a:p>
+          <a:p>
+            <a:endParaRPr lang="en-US" sz="1600" dirty="0"/>
+          </a:p>
+          <a:p>
+            <a:r>
+              <a:rPr lang="en-US" sz="1600" dirty="0"/>
+              <a:t>(Assume equal within-group variance-covariance matrices)</a:t>
+            </a:r>
+          </a:p>
+        </p:txBody>
+      </p:sp>
+      <p:cxnSp>
+        <p:nvCxnSpPr>
+          <p:cNvPr id="7" name="Straight Arrow Connector 6">
+            <a:extLst>
+              <a:ext uri="{FF2B5EF4-FFF2-40B4-BE49-F238E27FC236}">
+                <a16:creationId xmlns:a16="http://schemas.microsoft.com/office/drawing/2014/main" id="{2EF497D9-A1EE-4B80-88C3-0A03490C8F76}"/>
+              </a:ext>
+            </a:extLst>
+          </p:cNvPr>
+          <p:cNvCxnSpPr>
+            <a:cxnSpLocks/>
+          </p:cNvCxnSpPr>
+          <p:nvPr/>
+        </p:nvCxnSpPr>
+        <p:spPr>
+          <a:xfrm flipV="1">
+            <a:off x="2133600" y="4153676"/>
+            <a:ext cx="2209800" cy="1295400"/>
+          </a:xfrm>
+          <a:prstGeom prst="straightConnector1">
+            <a:avLst/>
+          </a:prstGeom>
+          <a:ln w="31750">
+            <a:solidFill>
+              <a:srgbClr val="FF0000"/>
+            </a:solidFill>
+            <a:tailEnd type="triangle"/>
+          </a:ln>
+        </p:spPr>
+        <p:style>
+          <a:lnRef idx="1">
+            <a:schemeClr val="accent1"/>
+          </a:lnRef>
+          <a:fillRef idx="0">
+            <a:schemeClr val="accent1"/>
+          </a:fillRef>
+          <a:effectRef idx="0">
+            <a:schemeClr val="accent1"/>
+          </a:effectRef>
+          <a:fontRef idx="minor">
+            <a:schemeClr val="tx1"/>
+          </a:fontRef>
+        </p:style>
+      </p:cxnSp>
+      <p:sp>
+        <p:nvSpPr>
+          <p:cNvPr id="6" name="TextBox 5">
+            <a:extLst>
+              <a:ext uri="{FF2B5EF4-FFF2-40B4-BE49-F238E27FC236}">
+                <a16:creationId xmlns:a16="http://schemas.microsoft.com/office/drawing/2014/main" id="{4343E5EF-D9DD-4A75-99CB-B2C14A929B9E}"/>
+              </a:ext>
+            </a:extLst>
+          </p:cNvPr>
+          <p:cNvSpPr txBox="1"/>
+          <p:nvPr/>
+        </p:nvSpPr>
+        <p:spPr>
+          <a:xfrm>
+            <a:off x="378595" y="1524000"/>
+            <a:ext cx="1295400" cy="338554"/>
+          </a:xfrm>
+          <a:prstGeom prst="rect">
+            <a:avLst/>
+          </a:prstGeom>
+          <a:noFill/>
+        </p:spPr>
+        <p:txBody>
+          <a:bodyPr wrap="square" rtlCol="0">
+            <a:spAutoFit/>
+          </a:bodyPr>
+          <a:lstStyle/>
+          <a:p>
+            <a:r>
+              <a:rPr lang="en-US" sz="1600" dirty="0"/>
+              <a:t>ANOVA</a:t>
+            </a:r>
+          </a:p>
+        </p:txBody>
+      </p:sp>
+      <p:sp>
+        <p:nvSpPr>
+          <p:cNvPr id="8" name="Rectangle 7">
+            <a:extLst>
+              <a:ext uri="{FF2B5EF4-FFF2-40B4-BE49-F238E27FC236}">
+                <a16:creationId xmlns:a16="http://schemas.microsoft.com/office/drawing/2014/main" id="{2C043C1E-E11A-4713-AB18-4F26AA502DE9}"/>
+              </a:ext>
+            </a:extLst>
+          </p:cNvPr>
+          <p:cNvSpPr/>
+          <p:nvPr/>
+        </p:nvSpPr>
+        <p:spPr>
+          <a:xfrm>
+            <a:off x="378595" y="3810000"/>
+            <a:ext cx="1069205" cy="338554"/>
+          </a:xfrm>
+          <a:prstGeom prst="rect">
+            <a:avLst/>
+          </a:prstGeom>
+        </p:spPr>
+        <p:txBody>
+          <a:bodyPr wrap="square">
+            <a:spAutoFit/>
+          </a:bodyPr>
+          <a:lstStyle/>
+          <a:p>
+            <a:r>
+              <a:rPr lang="en-US" sz="1600" dirty="0"/>
+              <a:t>MANOVA</a:t>
+            </a:r>
+          </a:p>
+        </p:txBody>
+      </p:sp>
+    </p:spTree>
+    <p:extLst>
+      <p:ext uri="{BB962C8B-B14F-4D97-AF65-F5344CB8AC3E}">
+        <p14:creationId xmlns:p14="http://schemas.microsoft.com/office/powerpoint/2010/main" val="3728001533"/>
+      </p:ext>
+    </p:extLst>
+  </p:cSld>
+  <p:clrMapOvr>
+    <a:masterClrMapping/>
+  </p:clrMapOvr>
+  <p:timing>
+    <p:tnLst>
+      <p:par>
+        <p:cTn id="1" dur="indefinite" restart="never" nodeType="tmRoot">
+          <p:childTnLst>
+            <p:seq concurrent="1" nextAc="seek">
+              <p:cTn id="2" dur="indefinite" nodeType="mainSeq">
+                <p:childTnLst>
+                  <p:par>
+                    <p:cTn id="3" fill="hold">
+                      <p:stCondLst>
+                        <p:cond delay="indefinite"/>
+                      </p:stCondLst>
+                      <p:childTnLst>
+                        <p:par>
+                          <p:cTn id="4" fill="hold">
+                            <p:stCondLst>
+                              <p:cond delay="0"/>
+                            </p:stCondLst>
+                            <p:childTnLst>
+                              <p:par>
+                                <p:cTn id="5" presetID="2" presetClass="entr" presetSubtype="12" fill="hold" nodeType="clickEffect">
+                                  <p:stCondLst>
+                                    <p:cond delay="0"/>
+                                  </p:stCondLst>
+                                  <p:childTnLst>
+                                    <p:set>
+                                      <p:cBhvr>
+                                        <p:cTn id="6" dur="1" fill="hold">
+                                          <p:stCondLst>
+                                            <p:cond delay="0"/>
+                                          </p:stCondLst>
+                                        </p:cTn>
+                                        <p:tgtEl>
+                                          <p:spTgt spid="7"/>
+                                        </p:tgtEl>
+                                        <p:attrNameLst>
+                                          <p:attrName>style.visibility</p:attrName>
+                                        </p:attrNameLst>
+                                      </p:cBhvr>
+                                      <p:to>
+                                        <p:strVal val="visible"/>
+                                      </p:to>
+                                    </p:set>
+                                    <p:anim calcmode="lin" valueType="num">
+                                      <p:cBhvr additive="base">
+                                        <p:cTn id="7" dur="500" fill="hold"/>
+                                        <p:tgtEl>
+                                          <p:spTgt spid="7"/>
+                                        </p:tgtEl>
+                                        <p:attrNameLst>
+                                          <p:attrName>ppt_x</p:attrName>
+                                        </p:attrNameLst>
+                                      </p:cBhvr>
+                                      <p:tavLst>
+                                        <p:tav tm="0">
+                                          <p:val>
+                                            <p:strVal val="0-#ppt_w/2"/>
+                                          </p:val>
+                                        </p:tav>
+                                        <p:tav tm="100000">
+                                          <p:val>
+                                            <p:strVal val="#ppt_x"/>
+                                          </p:val>
+                                        </p:tav>
+                                      </p:tavLst>
+                                    </p:anim>
+                                    <p:anim calcmode="lin" valueType="num">
+                                      <p:cBhvr additive="base">
+                                        <p:cTn id="8" dur="500" fill="hold"/>
+                                        <p:tgtEl>
+                                          <p:spTgt spid="7"/>
+                                        </p:tgtEl>
+                                        <p:attrNameLst>
+                                          <p:attrName>ppt_y</p:attrName>
+                                        </p:attrNameLst>
+                                      </p:cBhvr>
+                                      <p:tavLst>
+                                        <p:tav tm="0">
+                                          <p:val>
+                                            <p:strVal val="1+#ppt_h/2"/>
+                                          </p:val>
+                                        </p:tav>
+                                        <p:tav tm="100000">
+                                          <p:val>
+                                            <p:strVal val="#ppt_y"/>
+                                          </p:val>
+                                        </p:tav>
+                                      </p:tavLst>
+                                    </p:anim>
+                                  </p:childTnLst>
+                                </p:cTn>
+                              </p:par>
+                            </p:childTnLst>
+                          </p:cTn>
+                        </p:par>
+                      </p:childTnLst>
+                    </p:cTn>
+                  </p:par>
+                </p:childTnLst>
+              </p:cTn>
+              <p:prevCondLst>
+                <p:cond evt="onPrev" delay="0">
+                  <p:tgtEl>
+                    <p:sldTgt/>
+                  </p:tgtEl>
+                </p:cond>
+              </p:prevCondLst>
+              <p:nextCondLst>
+                <p:cond evt="onNext" delay="0">
+                  <p:tgtEl>
+                    <p:sldTgt/>
+                  </p:tgtEl>
+                </p:cond>
+              </p:nextCondLst>
+            </p:seq>
+          </p:childTnLst>
+        </p:cTn>
+      </p:par>
+    </p:tnLst>
+  </p:timing>
+</p:sld>
+</file>
+
+<file path=ppt/slides/slide30.xml><?xml version="1.0" encoding="utf-8"?>
+<p:sld xmlns:a="http://schemas.openxmlformats.org/drawingml/2006/main" xmlns:r="http://schemas.openxmlformats.org/officeDocument/2006/relationships" xmlns:p="http://schemas.openxmlformats.org/presentationml/2006/main">
+  <p:cSld>
+    <p:spTree>
+      <p:nvGrpSpPr>
+        <p:cNvPr id="1" name=""/>
+        <p:cNvGrpSpPr/>
+        <p:nvPr/>
+      </p:nvGrpSpPr>
+      <p:grpSpPr>
+        <a:xfrm>
+          <a:off x="0" y="0"/>
+          <a:ext cx="0" cy="0"/>
+          <a:chOff x="0" y="0"/>
+          <a:chExt cx="0" cy="0"/>
+        </a:xfrm>
+      </p:grpSpPr>
+      <p:sp>
+        <p:nvSpPr>
+          <p:cNvPr id="2" name="Title 1"/>
+          <p:cNvSpPr>
+            <a:spLocks noGrp="1"/>
+          </p:cNvSpPr>
+          <p:nvPr>
+            <p:ph type="title"/>
+          </p:nvPr>
+        </p:nvSpPr>
+        <p:spPr/>
+        <p:txBody>
+          <a:bodyPr/>
+          <a:lstStyle/>
+          <a:p>
+            <a:r>
+              <a:rPr lang="en-US" dirty="0"/>
               <a:t>PCA &amp; </a:t>
             </a:r>
             <a:r>
@@ -14435,7 +15446,15 @@
           <a:p>
             <a:r>
               <a:rPr lang="en-US" sz="2800" dirty="0"/>
-              <a:t>For multivariate data, often want to view the data in a low-D space that shows the most total variance</a:t>
+              <a:t>For multivariate data, often want to view the data in a low-D space that shows the most </a:t>
+            </a:r>
+            <a:r>
+              <a:rPr lang="en-US" sz="2800" dirty="0">
+                <a:solidFill>
+                  <a:srgbClr val="FF0000"/>
+                </a:solidFill>
+              </a:rPr>
+              <a:t>total variance</a:t>
             </a:r>
           </a:p>
           <a:p>
@@ -14482,15 +15501,31 @@
           <a:p>
             <a:pPr lvl="1"/>
             <a:r>
+              <a:rPr lang="en-US" sz="2400" dirty="0">
+                <a:solidFill>
+                  <a:srgbClr val="FF0000"/>
+                </a:solidFill>
+              </a:rPr>
+              <a:t>Vectors</a:t>
+            </a:r>
+            <a:r>
               <a:rPr lang="en-US" sz="2400" dirty="0"/>
-              <a:t>Vectors in this plot show the original data variables</a:t>
+              <a:t> in this plot show the original data variables</a:t>
             </a:r>
           </a:p>
           <a:p>
             <a:pPr lvl="1"/>
             <a:r>
+              <a:rPr lang="en-US" sz="2400" dirty="0">
+                <a:solidFill>
+                  <a:srgbClr val="FF0000"/>
+                </a:solidFill>
+              </a:rPr>
+              <a:t>Points</a:t>
+            </a:r>
+            <a:r>
               <a:rPr lang="en-US" sz="2400" dirty="0"/>
-              <a:t>Points in this plot show the observations</a:t>
+              <a:t> in this plot show the observations</a:t>
             </a:r>
           </a:p>
           <a:p>
@@ -14519,7 +15554,7 @@
           <a:p>
             <a:fld id="{810B7604-93B8-4136-B9BD-D1CE89EE20B0}" type="slidenum">
               <a:rPr lang="en-US" smtClean="0"/>
-              <a:t>29</a:t>
+              <a:t>30</a:t>
             </a:fld>
             <a:endParaRPr lang="en-US"/>
           </a:p>
@@ -14852,473 +15887,7 @@
 </p:sld>
 </file>
 
-<file path=ppt/slides/slide3.xml><?xml version="1.0" encoding="utf-8"?>
-<p:sld xmlns:a="http://schemas.openxmlformats.org/drawingml/2006/main" xmlns:r="http://schemas.openxmlformats.org/officeDocument/2006/relationships" xmlns:p="http://schemas.openxmlformats.org/presentationml/2006/main">
-  <p:cSld>
-    <p:spTree>
-      <p:nvGrpSpPr>
-        <p:cNvPr id="1" name=""/>
-        <p:cNvGrpSpPr/>
-        <p:nvPr/>
-      </p:nvGrpSpPr>
-      <p:grpSpPr>
-        <a:xfrm>
-          <a:off x="0" y="0"/>
-          <a:ext cx="0" cy="0"/>
-          <a:chOff x="0" y="0"/>
-          <a:chExt cx="0" cy="0"/>
-        </a:xfrm>
-      </p:grpSpPr>
-      <p:sp>
-        <p:nvSpPr>
-          <p:cNvPr id="2" name="Title 1"/>
-          <p:cNvSpPr>
-            <a:spLocks noGrp="1"/>
-          </p:cNvSpPr>
-          <p:nvPr>
-            <p:ph type="title"/>
-          </p:nvPr>
-        </p:nvSpPr>
-        <p:spPr/>
-        <p:txBody>
-          <a:bodyPr/>
-          <a:lstStyle/>
-          <a:p>
-            <a:r>
-              <a:rPr lang="en-US" dirty="0"/>
-              <a:t>One-way ANOVA vs. MANOVA</a:t>
-            </a:r>
-          </a:p>
-        </p:txBody>
-      </p:sp>
-      <p:sp>
-        <p:nvSpPr>
-          <p:cNvPr id="3" name="Slide Number Placeholder 2"/>
-          <p:cNvSpPr>
-            <a:spLocks noGrp="1"/>
-          </p:cNvSpPr>
-          <p:nvPr>
-            <p:ph type="sldNum" sz="quarter" idx="12"/>
-          </p:nvPr>
-        </p:nvSpPr>
-        <p:spPr>
-          <a:xfrm>
-            <a:off x="6629400" y="6356350"/>
-            <a:ext cx="2133600" cy="365125"/>
-          </a:xfrm>
-        </p:spPr>
-        <p:txBody>
-          <a:bodyPr/>
-          <a:lstStyle/>
-          <a:p>
-            <a:fld id="{4F91CF3B-0A41-42C0-81BF-9F13E0D4BEB1}" type="slidenum">
-              <a:rPr lang="en-US" altLang="en-US" smtClean="0"/>
-              <a:pPr/>
-              <a:t>3</a:t>
-            </a:fld>
-            <a:endParaRPr lang="en-US" altLang="en-US" dirty="0"/>
-          </a:p>
-        </p:txBody>
-      </p:sp>
-      <p:pic>
-        <p:nvPicPr>
-          <p:cNvPr id="103426" name="Picture 2" descr="C:\Dropbox\Documents\6140\images\manova\manova1.gif"/>
-          <p:cNvPicPr>
-            <a:picLocks noChangeAspect="1" noChangeArrowheads="1"/>
-          </p:cNvPicPr>
-          <p:nvPr/>
-        </p:nvPicPr>
-        <p:blipFill>
-          <a:blip r:embed="rId2">
-            <a:extLst>
-              <a:ext uri="{28A0092B-C50C-407E-A947-70E740481C1C}">
-                <a14:useLocalDpi xmlns:a14="http://schemas.microsoft.com/office/drawing/2010/main" val="0"/>
-              </a:ext>
-            </a:extLst>
-          </a:blip>
-          <a:srcRect/>
-          <a:stretch>
-            <a:fillRect/>
-          </a:stretch>
-        </p:blipFill>
-        <p:spPr bwMode="auto">
-          <a:xfrm>
-            <a:off x="415925" y="2057400"/>
-            <a:ext cx="6594475" cy="4117978"/>
-          </a:xfrm>
-          <a:prstGeom prst="rect">
-            <a:avLst/>
-          </a:prstGeom>
-          <a:noFill/>
-          <a:extLst>
-            <a:ext uri="{909E8E84-426E-40DD-AFC4-6F175D3DCCD1}">
-              <a14:hiddenFill xmlns:a14="http://schemas.microsoft.com/office/drawing/2010/main">
-                <a:solidFill>
-                  <a:srgbClr val="FFFFFF"/>
-                </a:solidFill>
-              </a14:hiddenFill>
-            </a:ext>
-          </a:extLst>
-        </p:spPr>
-      </p:pic>
-      <p:sp>
-        <p:nvSpPr>
-          <p:cNvPr id="4" name="TextBox 3"/>
-          <p:cNvSpPr txBox="1"/>
-          <p:nvPr/>
-        </p:nvSpPr>
-        <p:spPr>
-          <a:xfrm>
-            <a:off x="6562022" y="1759017"/>
-            <a:ext cx="2203383" cy="1077218"/>
-          </a:xfrm>
-          <a:prstGeom prst="rect">
-            <a:avLst/>
-          </a:prstGeom>
-          <a:solidFill>
-            <a:schemeClr val="tx2">
-              <a:lumMod val="20000"/>
-              <a:lumOff val="80000"/>
-              <a:alpha val="30000"/>
-            </a:schemeClr>
-          </a:solidFill>
-        </p:spPr>
-        <p:txBody>
-          <a:bodyPr wrap="square" rtlCol="0">
-            <a:spAutoFit/>
-          </a:bodyPr>
-          <a:lstStyle/>
-          <a:p>
-            <a:r>
-              <a:rPr lang="en-US" sz="1600" b="1" dirty="0">
-                <a:solidFill>
-                  <a:srgbClr val="FF0000"/>
-                </a:solidFill>
-              </a:rPr>
-              <a:t>Do means differ?</a:t>
-            </a:r>
-          </a:p>
-          <a:p>
-            <a:endParaRPr lang="en-US" sz="1600" b="1" dirty="0">
-              <a:solidFill>
-                <a:srgbClr val="FF0000"/>
-              </a:solidFill>
-            </a:endParaRPr>
-          </a:p>
-          <a:p>
-            <a:r>
-              <a:rPr lang="en-US" sz="1600" dirty="0"/>
-              <a:t>(Assume equal within-group variances)</a:t>
-            </a:r>
-          </a:p>
-        </p:txBody>
-      </p:sp>
-      <p:sp>
-        <p:nvSpPr>
-          <p:cNvPr id="5" name="TextBox 4"/>
-          <p:cNvSpPr txBox="1"/>
-          <p:nvPr/>
-        </p:nvSpPr>
-        <p:spPr>
-          <a:xfrm>
-            <a:off x="6559615" y="3810000"/>
-            <a:ext cx="2355785" cy="1569660"/>
-          </a:xfrm>
-          <a:prstGeom prst="rect">
-            <a:avLst/>
-          </a:prstGeom>
-          <a:solidFill>
-            <a:schemeClr val="tx2">
-              <a:lumMod val="20000"/>
-              <a:lumOff val="80000"/>
-              <a:alpha val="30000"/>
-            </a:schemeClr>
-          </a:solidFill>
-        </p:spPr>
-        <p:txBody>
-          <a:bodyPr wrap="square" rtlCol="0">
-            <a:spAutoFit/>
-          </a:bodyPr>
-          <a:lstStyle/>
-          <a:p>
-            <a:r>
-              <a:rPr lang="en-US" sz="1600" b="1" dirty="0">
-                <a:solidFill>
-                  <a:srgbClr val="FF0000"/>
-                </a:solidFill>
-              </a:rPr>
-              <a:t>How do centroids differ?</a:t>
-            </a:r>
-          </a:p>
-          <a:p>
-            <a:r>
-              <a:rPr lang="en-US" sz="1600" dirty="0">
-                <a:solidFill>
-                  <a:srgbClr val="FF0000"/>
-                </a:solidFill>
-              </a:rPr>
-              <a:t>How many dimensions?</a:t>
-            </a:r>
-          </a:p>
-          <a:p>
-            <a:endParaRPr lang="en-US" sz="1600" dirty="0"/>
-          </a:p>
-          <a:p>
-            <a:r>
-              <a:rPr lang="en-US" sz="1600" dirty="0"/>
-              <a:t>(Assume equal within-group variance-covariance matrices)</a:t>
-            </a:r>
-          </a:p>
-        </p:txBody>
-      </p:sp>
-      <p:cxnSp>
-        <p:nvCxnSpPr>
-          <p:cNvPr id="7" name="Straight Arrow Connector 6">
-            <a:extLst>
-              <a:ext uri="{FF2B5EF4-FFF2-40B4-BE49-F238E27FC236}">
-                <a16:creationId xmlns:a16="http://schemas.microsoft.com/office/drawing/2014/main" id="{2EF497D9-A1EE-4B80-88C3-0A03490C8F76}"/>
-              </a:ext>
-            </a:extLst>
-          </p:cNvPr>
-          <p:cNvCxnSpPr>
-            <a:cxnSpLocks/>
-          </p:cNvCxnSpPr>
-          <p:nvPr/>
-        </p:nvCxnSpPr>
-        <p:spPr>
-          <a:xfrm flipV="1">
-            <a:off x="2133600" y="4153676"/>
-            <a:ext cx="2209800" cy="1295400"/>
-          </a:xfrm>
-          <a:prstGeom prst="straightConnector1">
-            <a:avLst/>
-          </a:prstGeom>
-          <a:ln w="31750">
-            <a:solidFill>
-              <a:srgbClr val="FF0000"/>
-            </a:solidFill>
-            <a:tailEnd type="triangle"/>
-          </a:ln>
-        </p:spPr>
-        <p:style>
-          <a:lnRef idx="1">
-            <a:schemeClr val="accent1"/>
-          </a:lnRef>
-          <a:fillRef idx="0">
-            <a:schemeClr val="accent1"/>
-          </a:fillRef>
-          <a:effectRef idx="0">
-            <a:schemeClr val="accent1"/>
-          </a:effectRef>
-          <a:fontRef idx="minor">
-            <a:schemeClr val="tx1"/>
-          </a:fontRef>
-        </p:style>
-      </p:cxnSp>
-      <p:sp>
-        <p:nvSpPr>
-          <p:cNvPr id="6" name="TextBox 5">
-            <a:extLst>
-              <a:ext uri="{FF2B5EF4-FFF2-40B4-BE49-F238E27FC236}">
-                <a16:creationId xmlns:a16="http://schemas.microsoft.com/office/drawing/2014/main" id="{4343E5EF-D9DD-4A75-99CB-B2C14A929B9E}"/>
-              </a:ext>
-            </a:extLst>
-          </p:cNvPr>
-          <p:cNvSpPr txBox="1"/>
-          <p:nvPr/>
-        </p:nvSpPr>
-        <p:spPr>
-          <a:xfrm>
-            <a:off x="378595" y="1524000"/>
-            <a:ext cx="1295400" cy="338554"/>
-          </a:xfrm>
-          <a:prstGeom prst="rect">
-            <a:avLst/>
-          </a:prstGeom>
-          <a:noFill/>
-        </p:spPr>
-        <p:txBody>
-          <a:bodyPr wrap="square" rtlCol="0">
-            <a:spAutoFit/>
-          </a:bodyPr>
-          <a:lstStyle/>
-          <a:p>
-            <a:r>
-              <a:rPr lang="en-US" sz="1600" dirty="0"/>
-              <a:t>ANOVA</a:t>
-            </a:r>
-          </a:p>
-        </p:txBody>
-      </p:sp>
-      <p:sp>
-        <p:nvSpPr>
-          <p:cNvPr id="8" name="Rectangle 7">
-            <a:extLst>
-              <a:ext uri="{FF2B5EF4-FFF2-40B4-BE49-F238E27FC236}">
-                <a16:creationId xmlns:a16="http://schemas.microsoft.com/office/drawing/2014/main" id="{2C043C1E-E11A-4713-AB18-4F26AA502DE9}"/>
-              </a:ext>
-            </a:extLst>
-          </p:cNvPr>
-          <p:cNvSpPr/>
-          <p:nvPr/>
-        </p:nvSpPr>
-        <p:spPr>
-          <a:xfrm>
-            <a:off x="378595" y="3810000"/>
-            <a:ext cx="1069205" cy="338554"/>
-          </a:xfrm>
-          <a:prstGeom prst="rect">
-            <a:avLst/>
-          </a:prstGeom>
-        </p:spPr>
-        <p:txBody>
-          <a:bodyPr wrap="square">
-            <a:spAutoFit/>
-          </a:bodyPr>
-          <a:lstStyle/>
-          <a:p>
-            <a:r>
-              <a:rPr lang="en-US" sz="1600" dirty="0"/>
-              <a:t>MANOVA</a:t>
-            </a:r>
-          </a:p>
-        </p:txBody>
-      </p:sp>
-    </p:spTree>
-    <p:extLst>
-      <p:ext uri="{BB962C8B-B14F-4D97-AF65-F5344CB8AC3E}">
-        <p14:creationId xmlns:p14="http://schemas.microsoft.com/office/powerpoint/2010/main" val="3728001533"/>
-      </p:ext>
-    </p:extLst>
-  </p:cSld>
-  <p:clrMapOvr>
-    <a:masterClrMapping/>
-  </p:clrMapOvr>
-  <p:timing>
-    <p:tnLst>
-      <p:par>
-        <p:cTn id="1" dur="indefinite" restart="never" nodeType="tmRoot">
-          <p:childTnLst>
-            <p:seq concurrent="1" nextAc="seek">
-              <p:cTn id="2" dur="indefinite" nodeType="mainSeq">
-                <p:childTnLst>
-                  <p:par>
-                    <p:cTn id="3" fill="hold">
-                      <p:stCondLst>
-                        <p:cond delay="indefinite"/>
-                      </p:stCondLst>
-                      <p:childTnLst>
-                        <p:par>
-                          <p:cTn id="4" fill="hold">
-                            <p:stCondLst>
-                              <p:cond delay="0"/>
-                            </p:stCondLst>
-                            <p:childTnLst>
-                              <p:par>
-                                <p:cTn id="5" presetID="2" presetClass="entr" presetSubtype="12" fill="hold" nodeType="clickEffect">
-                                  <p:stCondLst>
-                                    <p:cond delay="0"/>
-                                  </p:stCondLst>
-                                  <p:childTnLst>
-                                    <p:set>
-                                      <p:cBhvr>
-                                        <p:cTn id="6" dur="1" fill="hold">
-                                          <p:stCondLst>
-                                            <p:cond delay="0"/>
-                                          </p:stCondLst>
-                                        </p:cTn>
-                                        <p:tgtEl>
-                                          <p:spTgt spid="7"/>
-                                        </p:tgtEl>
-                                        <p:attrNameLst>
-                                          <p:attrName>style.visibility</p:attrName>
-                                        </p:attrNameLst>
-                                      </p:cBhvr>
-                                      <p:to>
-                                        <p:strVal val="visible"/>
-                                      </p:to>
-                                    </p:set>
-                                    <p:anim calcmode="lin" valueType="num">
-                                      <p:cBhvr additive="base">
-                                        <p:cTn id="7" dur="500" fill="hold"/>
-                                        <p:tgtEl>
-                                          <p:spTgt spid="7"/>
-                                        </p:tgtEl>
-                                        <p:attrNameLst>
-                                          <p:attrName>ppt_x</p:attrName>
-                                        </p:attrNameLst>
-                                      </p:cBhvr>
-                                      <p:tavLst>
-                                        <p:tav tm="0">
-                                          <p:val>
-                                            <p:strVal val="0-#ppt_w/2"/>
-                                          </p:val>
-                                        </p:tav>
-                                        <p:tav tm="100000">
-                                          <p:val>
-                                            <p:strVal val="#ppt_x"/>
-                                          </p:val>
-                                        </p:tav>
-                                      </p:tavLst>
-                                    </p:anim>
-                                    <p:anim calcmode="lin" valueType="num">
-                                      <p:cBhvr additive="base">
-                                        <p:cTn id="8" dur="500" fill="hold"/>
-                                        <p:tgtEl>
-                                          <p:spTgt spid="7"/>
-                                        </p:tgtEl>
-                                        <p:attrNameLst>
-                                          <p:attrName>ppt_y</p:attrName>
-                                        </p:attrNameLst>
-                                      </p:cBhvr>
-                                      <p:tavLst>
-                                        <p:tav tm="0">
-                                          <p:val>
-                                            <p:strVal val="1+#ppt_h/2"/>
-                                          </p:val>
-                                        </p:tav>
-                                        <p:tav tm="100000">
-                                          <p:val>
-                                            <p:strVal val="#ppt_y"/>
-                                          </p:val>
-                                        </p:tav>
-                                      </p:tavLst>
-                                    </p:anim>
-                                  </p:childTnLst>
-                                </p:cTn>
-                              </p:par>
-                            </p:childTnLst>
-                          </p:cTn>
-                        </p:par>
-                      </p:childTnLst>
-                    </p:cTn>
-                  </p:par>
-                </p:childTnLst>
-              </p:cTn>
-              <p:prevCondLst>
-                <p:cond evt="onPrev" delay="0">
-                  <p:tgtEl>
-                    <p:sldTgt/>
-                  </p:tgtEl>
-                </p:cond>
-              </p:prevCondLst>
-              <p:nextCondLst>
-                <p:cond evt="onNext" delay="0">
-                  <p:tgtEl>
-                    <p:sldTgt/>
-                  </p:tgtEl>
-                </p:cond>
-              </p:nextCondLst>
-            </p:seq>
-          </p:childTnLst>
-        </p:cTn>
-      </p:par>
-    </p:tnLst>
-  </p:timing>
-</p:sld>
-</file>
-
-<file path=ppt/slides/slide30.xml><?xml version="1.0" encoding="utf-8"?>
+<file path=ppt/slides/slide31.xml><?xml version="1.0" encoding="utf-8"?>
 <p:sld xmlns:a="http://schemas.openxmlformats.org/drawingml/2006/main" xmlns:r="http://schemas.openxmlformats.org/officeDocument/2006/relationships" xmlns:p="http://schemas.openxmlformats.org/presentationml/2006/main">
   <p:cSld>
     <p:spTree>
@@ -15415,7 +15984,7 @@
           <a:p>
             <a:fld id="{810B7604-93B8-4136-B9BD-D1CE89EE20B0}" type="slidenum">
               <a:rPr lang="en-US" smtClean="0"/>
-              <a:t>30</a:t>
+              <a:t>31</a:t>
             </a:fld>
             <a:endParaRPr lang="en-US"/>
           </a:p>
@@ -15666,6 +16235,9 @@
             </a:r>
             <a:r>
               <a:rPr lang="en-US" sz="1050" b="1" dirty="0">
+                <a:solidFill>
+                  <a:srgbClr val="FF0000"/>
+                </a:solidFill>
                 <a:latin typeface="Lucida Sans Typewriter" pitchFamily="49" charset="0"/>
               </a:rPr>
               <a:t>0.686 0.881 0.9730 1.000</a:t>
@@ -15760,7 +16332,7 @@
 </p:sld>
 </file>
 
-<file path=ppt/slides/slide31.xml><?xml version="1.0" encoding="utf-8"?>
+<file path=ppt/slides/slide32.xml><?xml version="1.0" encoding="utf-8"?>
 <p:sld xmlns:a="http://schemas.openxmlformats.org/drawingml/2006/main" xmlns:r="http://schemas.openxmlformats.org/officeDocument/2006/relationships" xmlns:p="http://schemas.openxmlformats.org/presentationml/2006/main">
   <p:cSld>
     <p:spTree>
@@ -15847,7 +16419,7 @@
           <a:p>
             <a:fld id="{810B7604-93B8-4136-B9BD-D1CE89EE20B0}" type="slidenum">
               <a:rPr lang="en-US" smtClean="0"/>
-              <a:t>31</a:t>
+              <a:t>32</a:t>
             </a:fld>
             <a:endParaRPr lang="en-US"/>
           </a:p>
@@ -16172,507 +16744,6 @@
     <p:extLst>
       <p:ext uri="{BB962C8B-B14F-4D97-AF65-F5344CB8AC3E}">
         <p14:creationId xmlns:p14="http://schemas.microsoft.com/office/powerpoint/2010/main" val="1329538184"/>
-      </p:ext>
-    </p:extLst>
-  </p:cSld>
-  <p:clrMapOvr>
-    <a:masterClrMapping/>
-  </p:clrMapOvr>
-</p:sld>
-</file>
-
-<file path=ppt/slides/slide32.xml><?xml version="1.0" encoding="utf-8"?>
-<p:sld xmlns:a="http://schemas.openxmlformats.org/drawingml/2006/main" xmlns:r="http://schemas.openxmlformats.org/officeDocument/2006/relationships" xmlns:p="http://schemas.openxmlformats.org/presentationml/2006/main">
-  <p:cSld>
-    <p:spTree>
-      <p:nvGrpSpPr>
-        <p:cNvPr id="1" name=""/>
-        <p:cNvGrpSpPr/>
-        <p:nvPr/>
-      </p:nvGrpSpPr>
-      <p:grpSpPr>
-        <a:xfrm>
-          <a:off x="0" y="0"/>
-          <a:ext cx="0" cy="0"/>
-          <a:chOff x="0" y="0"/>
-          <a:chExt cx="0" cy="0"/>
-        </a:xfrm>
-      </p:grpSpPr>
-      <p:sp>
-        <p:nvSpPr>
-          <p:cNvPr id="2" name="Title 1"/>
-          <p:cNvSpPr>
-            <a:spLocks noGrp="1"/>
-          </p:cNvSpPr>
-          <p:nvPr>
-            <p:ph type="title"/>
-          </p:nvPr>
-        </p:nvSpPr>
-        <p:spPr/>
-        <p:txBody>
-          <a:bodyPr/>
-          <a:lstStyle/>
-          <a:p>
-            <a:r>
-              <a:rPr lang="en-US" dirty="0"/>
-              <a:t>Penguins: MANOVA</a:t>
-            </a:r>
-          </a:p>
-        </p:txBody>
-      </p:sp>
-      <p:sp>
-        <p:nvSpPr>
-          <p:cNvPr id="3" name="Slide Number Placeholder 2"/>
-          <p:cNvSpPr>
-            <a:spLocks noGrp="1"/>
-          </p:cNvSpPr>
-          <p:nvPr>
-            <p:ph type="sldNum" sz="quarter" idx="12"/>
-          </p:nvPr>
-        </p:nvSpPr>
-        <p:spPr/>
-        <p:txBody>
-          <a:bodyPr/>
-          <a:lstStyle/>
-          <a:p>
-            <a:fld id="{810B7604-93B8-4136-B9BD-D1CE89EE20B0}" type="slidenum">
-              <a:rPr lang="en-US" smtClean="0"/>
-              <a:t>32</a:t>
-            </a:fld>
-            <a:endParaRPr lang="en-US"/>
-          </a:p>
-        </p:txBody>
-      </p:sp>
-      <p:sp>
-        <p:nvSpPr>
-          <p:cNvPr id="4" name="TextBox 3"/>
-          <p:cNvSpPr txBox="1"/>
-          <p:nvPr/>
-        </p:nvSpPr>
-        <p:spPr>
-          <a:xfrm>
-            <a:off x="457200" y="2409072"/>
-            <a:ext cx="8229600" cy="1615827"/>
-          </a:xfrm>
-          <a:prstGeom prst="rect">
-            <a:avLst/>
-          </a:prstGeom>
-          <a:solidFill>
-            <a:srgbClr val="FFFF00">
-              <a:alpha val="10000"/>
-            </a:srgbClr>
-          </a:solidFill>
-        </p:spPr>
-        <p:txBody>
-          <a:bodyPr wrap="square" rtlCol="0">
-            <a:spAutoFit/>
-          </a:bodyPr>
-          <a:lstStyle/>
-          <a:p>
-            <a:r>
-              <a:rPr lang="en-US" sz="1100" dirty="0">
-                <a:latin typeface="Lucida Sans Typewriter" pitchFamily="49" charset="0"/>
-              </a:rPr>
-              <a:t>&gt; peng.mod0 &lt;-lm(</a:t>
-            </a:r>
-            <a:r>
-              <a:rPr lang="en-US" sz="1100" dirty="0" err="1">
-                <a:latin typeface="Lucida Sans Typewriter" pitchFamily="49" charset="0"/>
-              </a:rPr>
-              <a:t>cbind</a:t>
-            </a:r>
-            <a:r>
-              <a:rPr lang="en-US" sz="1100" dirty="0">
-                <a:latin typeface="Lucida Sans Typewriter" pitchFamily="49" charset="0"/>
-              </a:rPr>
-              <a:t>(</a:t>
-            </a:r>
-            <a:r>
-              <a:rPr lang="en-US" sz="1100" dirty="0" err="1">
-                <a:latin typeface="Lucida Sans Typewriter" pitchFamily="49" charset="0"/>
-              </a:rPr>
-              <a:t>bill_length</a:t>
-            </a:r>
-            <a:r>
-              <a:rPr lang="en-US" sz="1100" dirty="0">
-                <a:latin typeface="Lucida Sans Typewriter" pitchFamily="49" charset="0"/>
-              </a:rPr>
-              <a:t>, </a:t>
-            </a:r>
-            <a:r>
-              <a:rPr lang="en-US" sz="1100" dirty="0" err="1">
-                <a:latin typeface="Lucida Sans Typewriter" pitchFamily="49" charset="0"/>
-              </a:rPr>
-              <a:t>bill_depth</a:t>
-            </a:r>
-            <a:r>
-              <a:rPr lang="en-US" sz="1100" dirty="0">
-                <a:latin typeface="Lucida Sans Typewriter" pitchFamily="49" charset="0"/>
-              </a:rPr>
-              <a:t>, </a:t>
-            </a:r>
-            <a:r>
-              <a:rPr lang="en-US" sz="1100" dirty="0" err="1">
-                <a:latin typeface="Lucida Sans Typewriter" pitchFamily="49" charset="0"/>
-              </a:rPr>
-              <a:t>flipper_length</a:t>
-            </a:r>
-            <a:r>
-              <a:rPr lang="en-US" sz="1100" dirty="0">
-                <a:latin typeface="Lucida Sans Typewriter" pitchFamily="49" charset="0"/>
-              </a:rPr>
-              <a:t>, </a:t>
-            </a:r>
-            <a:r>
-              <a:rPr lang="en-US" sz="1100" dirty="0" err="1">
-                <a:latin typeface="Lucida Sans Typewriter" pitchFamily="49" charset="0"/>
-              </a:rPr>
-              <a:t>body_mass</a:t>
-            </a:r>
-            <a:r>
-              <a:rPr lang="en-US" sz="1100" dirty="0">
-                <a:latin typeface="Lucida Sans Typewriter" pitchFamily="49" charset="0"/>
-              </a:rPr>
-              <a:t>) </a:t>
-            </a:r>
-            <a:r>
-              <a:rPr lang="en-US" sz="1100" dirty="0">
-                <a:solidFill>
-                  <a:srgbClr val="FF0000"/>
-                </a:solidFill>
-                <a:latin typeface="Lucida Sans Typewriter" pitchFamily="49" charset="0"/>
-              </a:rPr>
-              <a:t>~ species</a:t>
-            </a:r>
-            <a:r>
-              <a:rPr lang="en-US" sz="1100" dirty="0">
-                <a:latin typeface="Lucida Sans Typewriter" pitchFamily="49" charset="0"/>
-              </a:rPr>
-              <a:t>,         </a:t>
-            </a:r>
-          </a:p>
-          <a:p>
-            <a:r>
-              <a:rPr lang="en-US" sz="1100" dirty="0">
-                <a:latin typeface="Lucida Sans Typewriter" pitchFamily="49" charset="0"/>
-              </a:rPr>
-              <a:t>                 data=</a:t>
-            </a:r>
-            <a:r>
-              <a:rPr lang="en-US" sz="1100" dirty="0" err="1">
-                <a:latin typeface="Lucida Sans Typewriter" pitchFamily="49" charset="0"/>
-              </a:rPr>
-              <a:t>peng</a:t>
-            </a:r>
-            <a:r>
-              <a:rPr lang="en-US" sz="1100" dirty="0">
-                <a:latin typeface="Lucida Sans Typewriter" pitchFamily="49" charset="0"/>
-              </a:rPr>
-              <a:t>)</a:t>
-            </a:r>
-          </a:p>
-          <a:p>
-            <a:r>
-              <a:rPr lang="en-US" sz="1100" dirty="0">
-                <a:latin typeface="Lucida Sans Typewriter" pitchFamily="49" charset="0"/>
-              </a:rPr>
-              <a:t>&gt; </a:t>
-            </a:r>
-            <a:r>
-              <a:rPr lang="en-US" sz="1100" dirty="0" err="1">
-                <a:latin typeface="Lucida Sans Typewriter" pitchFamily="49" charset="0"/>
-              </a:rPr>
-              <a:t>Anova</a:t>
-            </a:r>
-            <a:r>
-              <a:rPr lang="en-US" sz="1100" dirty="0">
-                <a:latin typeface="Lucida Sans Typewriter" pitchFamily="49" charset="0"/>
-              </a:rPr>
-              <a:t>(peng.mod0)</a:t>
-            </a:r>
-          </a:p>
-          <a:p>
-            <a:endParaRPr lang="en-US" sz="1100" dirty="0">
-              <a:latin typeface="Lucida Sans Typewriter" pitchFamily="49" charset="0"/>
-            </a:endParaRPr>
-          </a:p>
-          <a:p>
-            <a:r>
-              <a:rPr lang="en-US" sz="1100" dirty="0">
-                <a:latin typeface="Lucida Sans Typewriter" pitchFamily="49" charset="0"/>
-              </a:rPr>
-              <a:t>Type II MANOVA Tests: </a:t>
-            </a:r>
-            <a:r>
-              <a:rPr lang="en-US" sz="1100" dirty="0" err="1">
-                <a:latin typeface="Lucida Sans Typewriter" pitchFamily="49" charset="0"/>
-              </a:rPr>
-              <a:t>Pillai</a:t>
-            </a:r>
-            <a:r>
-              <a:rPr lang="en-US" sz="1100" dirty="0">
-                <a:latin typeface="Lucida Sans Typewriter" pitchFamily="49" charset="0"/>
-              </a:rPr>
-              <a:t> test statistic</a:t>
-            </a:r>
-          </a:p>
-          <a:p>
-            <a:r>
-              <a:rPr lang="en-US" sz="1100" dirty="0">
-                <a:latin typeface="Lucida Sans Typewriter" pitchFamily="49" charset="0"/>
-              </a:rPr>
-              <a:t>        </a:t>
-            </a:r>
-            <a:r>
-              <a:rPr lang="en-US" sz="1100" dirty="0" err="1">
-                <a:latin typeface="Lucida Sans Typewriter" pitchFamily="49" charset="0"/>
-              </a:rPr>
-              <a:t>Df</a:t>
-            </a:r>
-            <a:r>
-              <a:rPr lang="en-US" sz="1100" dirty="0">
-                <a:latin typeface="Lucida Sans Typewriter" pitchFamily="49" charset="0"/>
-              </a:rPr>
-              <a:t> test stat </a:t>
-            </a:r>
-            <a:r>
-              <a:rPr lang="en-US" sz="1100" dirty="0" err="1">
-                <a:latin typeface="Lucida Sans Typewriter" pitchFamily="49" charset="0"/>
-              </a:rPr>
-              <a:t>approx</a:t>
-            </a:r>
-            <a:r>
-              <a:rPr lang="en-US" sz="1100" dirty="0">
-                <a:latin typeface="Lucida Sans Typewriter" pitchFamily="49" charset="0"/>
-              </a:rPr>
-              <a:t> F </a:t>
-            </a:r>
-            <a:r>
-              <a:rPr lang="en-US" sz="1100" dirty="0" err="1">
-                <a:latin typeface="Lucida Sans Typewriter" pitchFamily="49" charset="0"/>
-              </a:rPr>
-              <a:t>num</a:t>
-            </a:r>
-            <a:r>
-              <a:rPr lang="en-US" sz="1100" dirty="0">
-                <a:latin typeface="Lucida Sans Typewriter" pitchFamily="49" charset="0"/>
-              </a:rPr>
-              <a:t> </a:t>
-            </a:r>
-            <a:r>
-              <a:rPr lang="en-US" sz="1100" dirty="0" err="1">
-                <a:latin typeface="Lucida Sans Typewriter" pitchFamily="49" charset="0"/>
-              </a:rPr>
-              <a:t>Df</a:t>
-            </a:r>
-            <a:r>
-              <a:rPr lang="en-US" sz="1100" dirty="0">
-                <a:latin typeface="Lucida Sans Typewriter" pitchFamily="49" charset="0"/>
-              </a:rPr>
-              <a:t> den </a:t>
-            </a:r>
-            <a:r>
-              <a:rPr lang="en-US" sz="1100" dirty="0" err="1">
-                <a:latin typeface="Lucida Sans Typewriter" pitchFamily="49" charset="0"/>
-              </a:rPr>
-              <a:t>Df</a:t>
-            </a:r>
-            <a:r>
-              <a:rPr lang="en-US" sz="1100" dirty="0">
-                <a:latin typeface="Lucida Sans Typewriter" pitchFamily="49" charset="0"/>
-              </a:rPr>
-              <a:t> </a:t>
-            </a:r>
-            <a:r>
-              <a:rPr lang="en-US" sz="1100" dirty="0" err="1">
-                <a:latin typeface="Lucida Sans Typewriter" pitchFamily="49" charset="0"/>
-              </a:rPr>
-              <a:t>Pr</a:t>
-            </a:r>
-            <a:r>
-              <a:rPr lang="en-US" sz="1100" dirty="0">
-                <a:latin typeface="Lucida Sans Typewriter" pitchFamily="49" charset="0"/>
-              </a:rPr>
-              <a:t>(&gt;F)    </a:t>
-            </a:r>
-          </a:p>
-          <a:p>
-            <a:r>
-              <a:rPr lang="en-US" sz="1100" dirty="0">
-                <a:latin typeface="Lucida Sans Typewriter" pitchFamily="49" charset="0"/>
-              </a:rPr>
-              <a:t>species  2      1.64      371      8    656 &lt;2e-16 ***</a:t>
-            </a:r>
-          </a:p>
-          <a:p>
-            <a:r>
-              <a:rPr lang="en-US" sz="1100" dirty="0">
-                <a:latin typeface="Lucida Sans Typewriter" pitchFamily="49" charset="0"/>
-              </a:rPr>
-              <a:t>---</a:t>
-            </a:r>
-          </a:p>
-          <a:p>
-            <a:r>
-              <a:rPr lang="en-US" sz="1100" dirty="0" err="1">
-                <a:latin typeface="Lucida Sans Typewriter" pitchFamily="49" charset="0"/>
-              </a:rPr>
-              <a:t>Signif</a:t>
-            </a:r>
-            <a:r>
-              <a:rPr lang="en-US" sz="1100" dirty="0">
-                <a:latin typeface="Lucida Sans Typewriter" pitchFamily="49" charset="0"/>
-              </a:rPr>
-              <a:t>. codes:  0 ‘***’ 0.001 ‘**’ 0.01 ‘*’ 0.05 ‘.’ 0.1 ‘ ’ 1</a:t>
-            </a:r>
-          </a:p>
-        </p:txBody>
-      </p:sp>
-      <p:sp>
-        <p:nvSpPr>
-          <p:cNvPr id="5" name="TextBox 4"/>
-          <p:cNvSpPr txBox="1"/>
-          <p:nvPr/>
-        </p:nvSpPr>
-        <p:spPr>
-          <a:xfrm>
-            <a:off x="457200" y="1143000"/>
-            <a:ext cx="8229600" cy="923330"/>
-          </a:xfrm>
-          <a:prstGeom prst="rect">
-            <a:avLst/>
-          </a:prstGeom>
-          <a:noFill/>
-        </p:spPr>
-        <p:txBody>
-          <a:bodyPr wrap="square" rtlCol="0">
-            <a:spAutoFit/>
-          </a:bodyPr>
-          <a:lstStyle/>
-          <a:p>
-            <a:r>
-              <a:rPr lang="en-US" dirty="0"/>
-              <a:t>Assume the goal is to determine whether/how the penguins differ in size by species</a:t>
-            </a:r>
-          </a:p>
-          <a:p>
-            <a:pPr marL="285750" indent="-285750">
-              <a:buFont typeface="Arial" pitchFamily="34" charset="0"/>
-              <a:buChar char="•"/>
-            </a:pPr>
-            <a:r>
-              <a:rPr lang="en-US" dirty="0"/>
-              <a:t>A MLM tests all 4 size variables together:  </a:t>
-            </a:r>
-            <a:r>
-              <a:rPr lang="en-US" dirty="0">
-                <a:solidFill>
-                  <a:srgbClr val="FF0000"/>
-                </a:solidFill>
-              </a:rPr>
-              <a:t>~ species</a:t>
-            </a:r>
-          </a:p>
-          <a:p>
-            <a:pPr marL="285750" indent="-285750">
-              <a:buFont typeface="Arial" pitchFamily="34" charset="0"/>
-              <a:buChar char="•"/>
-            </a:pPr>
-            <a:r>
-              <a:rPr lang="en-US" dirty="0"/>
-              <a:t>Could also use other factors:  </a:t>
-            </a:r>
-            <a:r>
-              <a:rPr lang="en-US" dirty="0">
-                <a:solidFill>
-                  <a:srgbClr val="FF0000"/>
-                </a:solidFill>
-              </a:rPr>
-              <a:t>~ species + island + sex </a:t>
-            </a:r>
-          </a:p>
-        </p:txBody>
-      </p:sp>
-      <p:sp>
-        <p:nvSpPr>
-          <p:cNvPr id="6" name="TextBox 5"/>
-          <p:cNvSpPr txBox="1"/>
-          <p:nvPr/>
-        </p:nvSpPr>
-        <p:spPr>
-          <a:xfrm>
-            <a:off x="533400" y="4343400"/>
-            <a:ext cx="8229600" cy="369332"/>
-          </a:xfrm>
-          <a:prstGeom prst="rect">
-            <a:avLst/>
-          </a:prstGeom>
-          <a:noFill/>
-        </p:spPr>
-        <p:txBody>
-          <a:bodyPr wrap="square" rtlCol="0">
-            <a:spAutoFit/>
-          </a:bodyPr>
-          <a:lstStyle/>
-          <a:p>
-            <a:r>
-              <a:rPr lang="en-US" dirty="0"/>
-              <a:t>Yet, we are left to understand the nature of this effect </a:t>
-            </a:r>
-            <a:r>
-              <a:rPr lang="en-US" dirty="0" err="1"/>
-              <a:t>wrt</a:t>
-            </a:r>
-            <a:r>
-              <a:rPr lang="en-US" dirty="0"/>
-              <a:t>. the size variables. </a:t>
-            </a:r>
-          </a:p>
-        </p:txBody>
-      </p:sp>
-      <p:sp>
-        <p:nvSpPr>
-          <p:cNvPr id="7" name="TextBox 6"/>
-          <p:cNvSpPr txBox="1"/>
-          <p:nvPr/>
-        </p:nvSpPr>
-        <p:spPr>
-          <a:xfrm>
-            <a:off x="609600" y="6019800"/>
-            <a:ext cx="7010400" cy="307777"/>
-          </a:xfrm>
-          <a:prstGeom prst="rect">
-            <a:avLst/>
-          </a:prstGeom>
-          <a:noFill/>
-        </p:spPr>
-        <p:txBody>
-          <a:bodyPr wrap="square" rtlCol="0">
-            <a:spAutoFit/>
-          </a:bodyPr>
-          <a:lstStyle/>
-          <a:p>
-            <a:r>
-              <a:rPr lang="en-US" sz="1400" dirty="0"/>
-              <a:t>See: </a:t>
-            </a:r>
-            <a:r>
-              <a:rPr lang="en-US" sz="1400" dirty="0">
-                <a:hlinkClick r:id="rId2"/>
-              </a:rPr>
-              <a:t>https://rpubs.com/friendly/penguin-manova</a:t>
-            </a:r>
-            <a:r>
-              <a:rPr lang="en-US" sz="1400" dirty="0"/>
-              <a:t> for details</a:t>
-            </a:r>
-          </a:p>
-        </p:txBody>
-      </p:sp>
-    </p:spTree>
-    <p:extLst>
-      <p:ext uri="{BB962C8B-B14F-4D97-AF65-F5344CB8AC3E}">
-        <p14:creationId xmlns:p14="http://schemas.microsoft.com/office/powerpoint/2010/main" val="460349984"/>
       </p:ext>
     </p:extLst>
   </p:cSld>
@@ -16716,7 +16787,7 @@
           <a:p>
             <a:r>
               <a:rPr lang="en-US" dirty="0"/>
-              <a:t>Penguins: view data ellipses</a:t>
+              <a:t>Penguins: MANOVA</a:t>
             </a:r>
           </a:p>
         </p:txBody>
@@ -16739,6 +16810,507 @@
             <a:fld id="{810B7604-93B8-4136-B9BD-D1CE89EE20B0}" type="slidenum">
               <a:rPr lang="en-US" smtClean="0"/>
               <a:t>33</a:t>
+            </a:fld>
+            <a:endParaRPr lang="en-US"/>
+          </a:p>
+        </p:txBody>
+      </p:sp>
+      <p:sp>
+        <p:nvSpPr>
+          <p:cNvPr id="4" name="TextBox 3"/>
+          <p:cNvSpPr txBox="1"/>
+          <p:nvPr/>
+        </p:nvSpPr>
+        <p:spPr>
+          <a:xfrm>
+            <a:off x="457200" y="2409072"/>
+            <a:ext cx="8229600" cy="1615827"/>
+          </a:xfrm>
+          <a:prstGeom prst="rect">
+            <a:avLst/>
+          </a:prstGeom>
+          <a:solidFill>
+            <a:srgbClr val="FFFF00">
+              <a:alpha val="10000"/>
+            </a:srgbClr>
+          </a:solidFill>
+        </p:spPr>
+        <p:txBody>
+          <a:bodyPr wrap="square" rtlCol="0">
+            <a:spAutoFit/>
+          </a:bodyPr>
+          <a:lstStyle/>
+          <a:p>
+            <a:r>
+              <a:rPr lang="en-US" sz="1100" dirty="0">
+                <a:latin typeface="Lucida Sans Typewriter" pitchFamily="49" charset="0"/>
+              </a:rPr>
+              <a:t>&gt; peng.mod0 &lt;-lm(</a:t>
+            </a:r>
+            <a:r>
+              <a:rPr lang="en-US" sz="1100" dirty="0" err="1">
+                <a:latin typeface="Lucida Sans Typewriter" pitchFamily="49" charset="0"/>
+              </a:rPr>
+              <a:t>cbind</a:t>
+            </a:r>
+            <a:r>
+              <a:rPr lang="en-US" sz="1100" dirty="0">
+                <a:latin typeface="Lucida Sans Typewriter" pitchFamily="49" charset="0"/>
+              </a:rPr>
+              <a:t>(</a:t>
+            </a:r>
+            <a:r>
+              <a:rPr lang="en-US" sz="1100" dirty="0" err="1">
+                <a:latin typeface="Lucida Sans Typewriter" pitchFamily="49" charset="0"/>
+              </a:rPr>
+              <a:t>bill_length</a:t>
+            </a:r>
+            <a:r>
+              <a:rPr lang="en-US" sz="1100" dirty="0">
+                <a:latin typeface="Lucida Sans Typewriter" pitchFamily="49" charset="0"/>
+              </a:rPr>
+              <a:t>, </a:t>
+            </a:r>
+            <a:r>
+              <a:rPr lang="en-US" sz="1100" dirty="0" err="1">
+                <a:latin typeface="Lucida Sans Typewriter" pitchFamily="49" charset="0"/>
+              </a:rPr>
+              <a:t>bill_depth</a:t>
+            </a:r>
+            <a:r>
+              <a:rPr lang="en-US" sz="1100" dirty="0">
+                <a:latin typeface="Lucida Sans Typewriter" pitchFamily="49" charset="0"/>
+              </a:rPr>
+              <a:t>, </a:t>
+            </a:r>
+            <a:r>
+              <a:rPr lang="en-US" sz="1100" dirty="0" err="1">
+                <a:latin typeface="Lucida Sans Typewriter" pitchFamily="49" charset="0"/>
+              </a:rPr>
+              <a:t>flipper_length</a:t>
+            </a:r>
+            <a:r>
+              <a:rPr lang="en-US" sz="1100" dirty="0">
+                <a:latin typeface="Lucida Sans Typewriter" pitchFamily="49" charset="0"/>
+              </a:rPr>
+              <a:t>, </a:t>
+            </a:r>
+            <a:r>
+              <a:rPr lang="en-US" sz="1100" dirty="0" err="1">
+                <a:latin typeface="Lucida Sans Typewriter" pitchFamily="49" charset="0"/>
+              </a:rPr>
+              <a:t>body_mass</a:t>
+            </a:r>
+            <a:r>
+              <a:rPr lang="en-US" sz="1100" dirty="0">
+                <a:latin typeface="Lucida Sans Typewriter" pitchFamily="49" charset="0"/>
+              </a:rPr>
+              <a:t>) </a:t>
+            </a:r>
+            <a:r>
+              <a:rPr lang="en-US" sz="1100" dirty="0">
+                <a:solidFill>
+                  <a:srgbClr val="FF0000"/>
+                </a:solidFill>
+                <a:latin typeface="Lucida Sans Typewriter" pitchFamily="49" charset="0"/>
+              </a:rPr>
+              <a:t>~ species</a:t>
+            </a:r>
+            <a:r>
+              <a:rPr lang="en-US" sz="1100" dirty="0">
+                <a:latin typeface="Lucida Sans Typewriter" pitchFamily="49" charset="0"/>
+              </a:rPr>
+              <a:t>,         </a:t>
+            </a:r>
+          </a:p>
+          <a:p>
+            <a:r>
+              <a:rPr lang="en-US" sz="1100" dirty="0">
+                <a:latin typeface="Lucida Sans Typewriter" pitchFamily="49" charset="0"/>
+              </a:rPr>
+              <a:t>                 data=</a:t>
+            </a:r>
+            <a:r>
+              <a:rPr lang="en-US" sz="1100" dirty="0" err="1">
+                <a:latin typeface="Lucida Sans Typewriter" pitchFamily="49" charset="0"/>
+              </a:rPr>
+              <a:t>peng</a:t>
+            </a:r>
+            <a:r>
+              <a:rPr lang="en-US" sz="1100" dirty="0">
+                <a:latin typeface="Lucida Sans Typewriter" pitchFamily="49" charset="0"/>
+              </a:rPr>
+              <a:t>)</a:t>
+            </a:r>
+          </a:p>
+          <a:p>
+            <a:r>
+              <a:rPr lang="en-US" sz="1100" dirty="0">
+                <a:latin typeface="Lucida Sans Typewriter" pitchFamily="49" charset="0"/>
+              </a:rPr>
+              <a:t>&gt; </a:t>
+            </a:r>
+            <a:r>
+              <a:rPr lang="en-US" sz="1100" dirty="0" err="1">
+                <a:latin typeface="Lucida Sans Typewriter" pitchFamily="49" charset="0"/>
+              </a:rPr>
+              <a:t>Anova</a:t>
+            </a:r>
+            <a:r>
+              <a:rPr lang="en-US" sz="1100" dirty="0">
+                <a:latin typeface="Lucida Sans Typewriter" pitchFamily="49" charset="0"/>
+              </a:rPr>
+              <a:t>(peng.mod0)</a:t>
+            </a:r>
+          </a:p>
+          <a:p>
+            <a:endParaRPr lang="en-US" sz="1100" dirty="0">
+              <a:latin typeface="Lucida Sans Typewriter" pitchFamily="49" charset="0"/>
+            </a:endParaRPr>
+          </a:p>
+          <a:p>
+            <a:r>
+              <a:rPr lang="en-US" sz="1100" dirty="0">
+                <a:latin typeface="Lucida Sans Typewriter" pitchFamily="49" charset="0"/>
+              </a:rPr>
+              <a:t>Type II MANOVA Tests: </a:t>
+            </a:r>
+            <a:r>
+              <a:rPr lang="en-US" sz="1100" dirty="0" err="1">
+                <a:latin typeface="Lucida Sans Typewriter" pitchFamily="49" charset="0"/>
+              </a:rPr>
+              <a:t>Pillai</a:t>
+            </a:r>
+            <a:r>
+              <a:rPr lang="en-US" sz="1100" dirty="0">
+                <a:latin typeface="Lucida Sans Typewriter" pitchFamily="49" charset="0"/>
+              </a:rPr>
+              <a:t> test statistic</a:t>
+            </a:r>
+          </a:p>
+          <a:p>
+            <a:r>
+              <a:rPr lang="en-US" sz="1100" dirty="0">
+                <a:latin typeface="Lucida Sans Typewriter" pitchFamily="49" charset="0"/>
+              </a:rPr>
+              <a:t>        </a:t>
+            </a:r>
+            <a:r>
+              <a:rPr lang="en-US" sz="1100" dirty="0" err="1">
+                <a:latin typeface="Lucida Sans Typewriter" pitchFamily="49" charset="0"/>
+              </a:rPr>
+              <a:t>Df</a:t>
+            </a:r>
+            <a:r>
+              <a:rPr lang="en-US" sz="1100" dirty="0">
+                <a:latin typeface="Lucida Sans Typewriter" pitchFamily="49" charset="0"/>
+              </a:rPr>
+              <a:t> test stat </a:t>
+            </a:r>
+            <a:r>
+              <a:rPr lang="en-US" sz="1100" dirty="0" err="1">
+                <a:latin typeface="Lucida Sans Typewriter" pitchFamily="49" charset="0"/>
+              </a:rPr>
+              <a:t>approx</a:t>
+            </a:r>
+            <a:r>
+              <a:rPr lang="en-US" sz="1100" dirty="0">
+                <a:latin typeface="Lucida Sans Typewriter" pitchFamily="49" charset="0"/>
+              </a:rPr>
+              <a:t> F </a:t>
+            </a:r>
+            <a:r>
+              <a:rPr lang="en-US" sz="1100" dirty="0" err="1">
+                <a:latin typeface="Lucida Sans Typewriter" pitchFamily="49" charset="0"/>
+              </a:rPr>
+              <a:t>num</a:t>
+            </a:r>
+            <a:r>
+              <a:rPr lang="en-US" sz="1100" dirty="0">
+                <a:latin typeface="Lucida Sans Typewriter" pitchFamily="49" charset="0"/>
+              </a:rPr>
+              <a:t> </a:t>
+            </a:r>
+            <a:r>
+              <a:rPr lang="en-US" sz="1100" dirty="0" err="1">
+                <a:latin typeface="Lucida Sans Typewriter" pitchFamily="49" charset="0"/>
+              </a:rPr>
+              <a:t>Df</a:t>
+            </a:r>
+            <a:r>
+              <a:rPr lang="en-US" sz="1100" dirty="0">
+                <a:latin typeface="Lucida Sans Typewriter" pitchFamily="49" charset="0"/>
+              </a:rPr>
+              <a:t> den </a:t>
+            </a:r>
+            <a:r>
+              <a:rPr lang="en-US" sz="1100" dirty="0" err="1">
+                <a:latin typeface="Lucida Sans Typewriter" pitchFamily="49" charset="0"/>
+              </a:rPr>
+              <a:t>Df</a:t>
+            </a:r>
+            <a:r>
+              <a:rPr lang="en-US" sz="1100" dirty="0">
+                <a:latin typeface="Lucida Sans Typewriter" pitchFamily="49" charset="0"/>
+              </a:rPr>
+              <a:t> </a:t>
+            </a:r>
+            <a:r>
+              <a:rPr lang="en-US" sz="1100" dirty="0" err="1">
+                <a:latin typeface="Lucida Sans Typewriter" pitchFamily="49" charset="0"/>
+              </a:rPr>
+              <a:t>Pr</a:t>
+            </a:r>
+            <a:r>
+              <a:rPr lang="en-US" sz="1100" dirty="0">
+                <a:latin typeface="Lucida Sans Typewriter" pitchFamily="49" charset="0"/>
+              </a:rPr>
+              <a:t>(&gt;F)    </a:t>
+            </a:r>
+          </a:p>
+          <a:p>
+            <a:r>
+              <a:rPr lang="en-US" sz="1100" dirty="0">
+                <a:latin typeface="Lucida Sans Typewriter" pitchFamily="49" charset="0"/>
+              </a:rPr>
+              <a:t>species  2      1.64      371      8    656 &lt;2e-16 ***</a:t>
+            </a:r>
+          </a:p>
+          <a:p>
+            <a:r>
+              <a:rPr lang="en-US" sz="1100" dirty="0">
+                <a:latin typeface="Lucida Sans Typewriter" pitchFamily="49" charset="0"/>
+              </a:rPr>
+              <a:t>---</a:t>
+            </a:r>
+          </a:p>
+          <a:p>
+            <a:r>
+              <a:rPr lang="en-US" sz="1100" dirty="0" err="1">
+                <a:latin typeface="Lucida Sans Typewriter" pitchFamily="49" charset="0"/>
+              </a:rPr>
+              <a:t>Signif</a:t>
+            </a:r>
+            <a:r>
+              <a:rPr lang="en-US" sz="1100" dirty="0">
+                <a:latin typeface="Lucida Sans Typewriter" pitchFamily="49" charset="0"/>
+              </a:rPr>
+              <a:t>. codes:  0 ‘***’ 0.001 ‘**’ 0.01 ‘*’ 0.05 ‘.’ 0.1 ‘ ’ 1</a:t>
+            </a:r>
+          </a:p>
+        </p:txBody>
+      </p:sp>
+      <p:sp>
+        <p:nvSpPr>
+          <p:cNvPr id="5" name="TextBox 4"/>
+          <p:cNvSpPr txBox="1"/>
+          <p:nvPr/>
+        </p:nvSpPr>
+        <p:spPr>
+          <a:xfrm>
+            <a:off x="457200" y="1143000"/>
+            <a:ext cx="8229600" cy="923330"/>
+          </a:xfrm>
+          <a:prstGeom prst="rect">
+            <a:avLst/>
+          </a:prstGeom>
+          <a:noFill/>
+        </p:spPr>
+        <p:txBody>
+          <a:bodyPr wrap="square" rtlCol="0">
+            <a:spAutoFit/>
+          </a:bodyPr>
+          <a:lstStyle/>
+          <a:p>
+            <a:r>
+              <a:rPr lang="en-US" dirty="0"/>
+              <a:t>Assume the goal is to determine whether/how the penguins differ in size by species</a:t>
+            </a:r>
+          </a:p>
+          <a:p>
+            <a:pPr marL="285750" indent="-285750">
+              <a:buFont typeface="Arial" pitchFamily="34" charset="0"/>
+              <a:buChar char="•"/>
+            </a:pPr>
+            <a:r>
+              <a:rPr lang="en-US" dirty="0"/>
+              <a:t>A MLM tests all 4 size variables together:  </a:t>
+            </a:r>
+            <a:r>
+              <a:rPr lang="en-US" dirty="0">
+                <a:solidFill>
+                  <a:srgbClr val="FF0000"/>
+                </a:solidFill>
+              </a:rPr>
+              <a:t>~ species</a:t>
+            </a:r>
+          </a:p>
+          <a:p>
+            <a:pPr marL="285750" indent="-285750">
+              <a:buFont typeface="Arial" pitchFamily="34" charset="0"/>
+              <a:buChar char="•"/>
+            </a:pPr>
+            <a:r>
+              <a:rPr lang="en-US" dirty="0"/>
+              <a:t>Could also use other factors:  </a:t>
+            </a:r>
+            <a:r>
+              <a:rPr lang="en-US" dirty="0">
+                <a:solidFill>
+                  <a:srgbClr val="FF0000"/>
+                </a:solidFill>
+              </a:rPr>
+              <a:t>~ species + island + sex </a:t>
+            </a:r>
+          </a:p>
+        </p:txBody>
+      </p:sp>
+      <p:sp>
+        <p:nvSpPr>
+          <p:cNvPr id="6" name="TextBox 5"/>
+          <p:cNvSpPr txBox="1"/>
+          <p:nvPr/>
+        </p:nvSpPr>
+        <p:spPr>
+          <a:xfrm>
+            <a:off x="533400" y="4343400"/>
+            <a:ext cx="8229600" cy="369332"/>
+          </a:xfrm>
+          <a:prstGeom prst="rect">
+            <a:avLst/>
+          </a:prstGeom>
+          <a:noFill/>
+        </p:spPr>
+        <p:txBody>
+          <a:bodyPr wrap="square" rtlCol="0">
+            <a:spAutoFit/>
+          </a:bodyPr>
+          <a:lstStyle/>
+          <a:p>
+            <a:r>
+              <a:rPr lang="en-US" dirty="0"/>
+              <a:t>Yet, we are left to understand the nature of this effect </a:t>
+            </a:r>
+            <a:r>
+              <a:rPr lang="en-US" dirty="0" err="1"/>
+              <a:t>wrt</a:t>
+            </a:r>
+            <a:r>
+              <a:rPr lang="en-US" dirty="0"/>
+              <a:t>. the size variables. </a:t>
+            </a:r>
+          </a:p>
+        </p:txBody>
+      </p:sp>
+      <p:sp>
+        <p:nvSpPr>
+          <p:cNvPr id="7" name="TextBox 6"/>
+          <p:cNvSpPr txBox="1"/>
+          <p:nvPr/>
+        </p:nvSpPr>
+        <p:spPr>
+          <a:xfrm>
+            <a:off x="609600" y="6019800"/>
+            <a:ext cx="7010400" cy="307777"/>
+          </a:xfrm>
+          <a:prstGeom prst="rect">
+            <a:avLst/>
+          </a:prstGeom>
+          <a:noFill/>
+        </p:spPr>
+        <p:txBody>
+          <a:bodyPr wrap="square" rtlCol="0">
+            <a:spAutoFit/>
+          </a:bodyPr>
+          <a:lstStyle/>
+          <a:p>
+            <a:r>
+              <a:rPr lang="en-US" sz="1400" dirty="0"/>
+              <a:t>See: </a:t>
+            </a:r>
+            <a:r>
+              <a:rPr lang="en-US" sz="1400" dirty="0">
+                <a:hlinkClick r:id="rId2"/>
+              </a:rPr>
+              <a:t>https://rpubs.com/friendly/penguin-manova</a:t>
+            </a:r>
+            <a:r>
+              <a:rPr lang="en-US" sz="1400" dirty="0"/>
+              <a:t> for details</a:t>
+            </a:r>
+          </a:p>
+        </p:txBody>
+      </p:sp>
+    </p:spTree>
+    <p:extLst>
+      <p:ext uri="{BB962C8B-B14F-4D97-AF65-F5344CB8AC3E}">
+        <p14:creationId xmlns:p14="http://schemas.microsoft.com/office/powerpoint/2010/main" val="460349984"/>
+      </p:ext>
+    </p:extLst>
+  </p:cSld>
+  <p:clrMapOvr>
+    <a:masterClrMapping/>
+  </p:clrMapOvr>
+</p:sld>
+</file>
+
+<file path=ppt/slides/slide34.xml><?xml version="1.0" encoding="utf-8"?>
+<p:sld xmlns:a="http://schemas.openxmlformats.org/drawingml/2006/main" xmlns:r="http://schemas.openxmlformats.org/officeDocument/2006/relationships" xmlns:p="http://schemas.openxmlformats.org/presentationml/2006/main">
+  <p:cSld>
+    <p:spTree>
+      <p:nvGrpSpPr>
+        <p:cNvPr id="1" name=""/>
+        <p:cNvGrpSpPr/>
+        <p:nvPr/>
+      </p:nvGrpSpPr>
+      <p:grpSpPr>
+        <a:xfrm>
+          <a:off x="0" y="0"/>
+          <a:ext cx="0" cy="0"/>
+          <a:chOff x="0" y="0"/>
+          <a:chExt cx="0" cy="0"/>
+        </a:xfrm>
+      </p:grpSpPr>
+      <p:sp>
+        <p:nvSpPr>
+          <p:cNvPr id="2" name="Title 1"/>
+          <p:cNvSpPr>
+            <a:spLocks noGrp="1"/>
+          </p:cNvSpPr>
+          <p:nvPr>
+            <p:ph type="title"/>
+          </p:nvPr>
+        </p:nvSpPr>
+        <p:spPr/>
+        <p:txBody>
+          <a:bodyPr/>
+          <a:lstStyle/>
+          <a:p>
+            <a:r>
+              <a:rPr lang="en-US" dirty="0"/>
+              <a:t>Penguins: view data ellipses</a:t>
+            </a:r>
+          </a:p>
+        </p:txBody>
+      </p:sp>
+      <p:sp>
+        <p:nvSpPr>
+          <p:cNvPr id="3" name="Slide Number Placeholder 2"/>
+          <p:cNvSpPr>
+            <a:spLocks noGrp="1"/>
+          </p:cNvSpPr>
+          <p:nvPr>
+            <p:ph type="sldNum" sz="quarter" idx="12"/>
+          </p:nvPr>
+        </p:nvSpPr>
+        <p:spPr/>
+        <p:txBody>
+          <a:bodyPr/>
+          <a:lstStyle/>
+          <a:p>
+            <a:fld id="{810B7604-93B8-4136-B9BD-D1CE89EE20B0}" type="slidenum">
+              <a:rPr lang="en-US" smtClean="0"/>
+              <a:t>34</a:t>
             </a:fld>
             <a:endParaRPr lang="en-US"/>
           </a:p>
@@ -17022,7 +17594,7 @@
 </p:sld>
 </file>
 
-<file path=ppt/slides/slide34.xml><?xml version="1.0" encoding="utf-8"?>
+<file path=ppt/slides/slide35.xml><?xml version="1.0" encoding="utf-8"?>
 <p:sld xmlns:a="http://schemas.openxmlformats.org/drawingml/2006/main" xmlns:r="http://schemas.openxmlformats.org/officeDocument/2006/relationships" xmlns:p="http://schemas.openxmlformats.org/presentationml/2006/main">
   <p:cSld>
     <p:spTree>
@@ -17300,7 +17872,7 @@
           <a:p>
             <a:fld id="{810B7604-93B8-4136-B9BD-D1CE89EE20B0}" type="slidenum">
               <a:rPr lang="en-US" smtClean="0"/>
-              <a:t>34</a:t>
+              <a:t>35</a:t>
             </a:fld>
             <a:endParaRPr lang="en-US"/>
           </a:p>
@@ -17592,7 +18164,7 @@
 </p:sld>
 </file>
 
-<file path=ppt/slides/slide35.xml><?xml version="1.0" encoding="utf-8"?>
+<file path=ppt/slides/slide36.xml><?xml version="1.0" encoding="utf-8"?>
 <p:sld xmlns:a="http://schemas.openxmlformats.org/drawingml/2006/main" xmlns:r="http://schemas.openxmlformats.org/officeDocument/2006/relationships" xmlns:p="http://schemas.openxmlformats.org/presentationml/2006/main">
   <p:cSld>
     <p:spTree>
@@ -17648,7 +18220,7 @@
           <a:p>
             <a:fld id="{810B7604-93B8-4136-B9BD-D1CE89EE20B0}" type="slidenum">
               <a:rPr lang="en-US" smtClean="0"/>
-              <a:t>35</a:t>
+              <a:t>36</a:t>
             </a:fld>
             <a:endParaRPr lang="en-US"/>
           </a:p>
@@ -17867,7 +18439,7 @@
 </p:sld>
 </file>
 
-<file path=ppt/slides/slide36.xml><?xml version="1.0" encoding="utf-8"?>
+<file path=ppt/slides/slide37.xml><?xml version="1.0" encoding="utf-8"?>
 <p:sld xmlns:a="http://schemas.openxmlformats.org/drawingml/2006/main" xmlns:r="http://schemas.openxmlformats.org/officeDocument/2006/relationships" xmlns:p="http://schemas.openxmlformats.org/presentationml/2006/main">
   <p:cSld>
     <p:spTree>
@@ -18123,7 +18695,7 @@
           <a:p>
             <a:fld id="{810B7604-93B8-4136-B9BD-D1CE89EE20B0}" type="slidenum">
               <a:rPr lang="en-US" smtClean="0"/>
-              <a:t>36</a:t>
+              <a:t>37</a:t>
             </a:fld>
             <a:endParaRPr lang="en-US"/>
           </a:p>
@@ -18247,7 +18819,7 @@
 </p:sld>
 </file>
 
-<file path=ppt/slides/slide37.xml><?xml version="1.0" encoding="utf-8"?>
+<file path=ppt/slides/slide38.xml><?xml version="1.0" encoding="utf-8"?>
 <p:sld xmlns:a="http://schemas.openxmlformats.org/drawingml/2006/main" xmlns:r="http://schemas.openxmlformats.org/officeDocument/2006/relationships" xmlns:p="http://schemas.openxmlformats.org/presentationml/2006/main">
   <p:cSld>
     <p:spTree>
@@ -18303,7 +18875,7 @@
           <a:p>
             <a:fld id="{810B7604-93B8-4136-B9BD-D1CE89EE20B0}" type="slidenum">
               <a:rPr lang="en-US" smtClean="0"/>
-              <a:t>37</a:t>
+              <a:t>38</a:t>
             </a:fld>
             <a:endParaRPr lang="en-US"/>
           </a:p>
@@ -18523,7 +19095,7 @@
 </p:sld>
 </file>
 
-<file path=ppt/slides/slide38.xml><?xml version="1.0" encoding="utf-8"?>
+<file path=ppt/slides/slide39.xml><?xml version="1.0" encoding="utf-8"?>
 <p:sld xmlns:a="http://schemas.openxmlformats.org/drawingml/2006/main" xmlns:r="http://schemas.openxmlformats.org/officeDocument/2006/relationships" xmlns:p="http://schemas.openxmlformats.org/presentationml/2006/main">
   <p:cSld>
     <p:spTree>
@@ -18624,7 +19196,7 @@
           <a:p>
             <a:fld id="{810B7604-93B8-4136-B9BD-D1CE89EE20B0}" type="slidenum">
               <a:rPr lang="en-US" smtClean="0"/>
-              <a:t>38</a:t>
+              <a:t>39</a:t>
             </a:fld>
             <a:endParaRPr lang="en-US"/>
           </a:p>
@@ -18793,7 +19365,338 @@
 </p:sld>
 </file>
 
-<file path=ppt/slides/slide39.xml><?xml version="1.0" encoding="utf-8"?>
+<file path=ppt/slides/slide4.xml><?xml version="1.0" encoding="utf-8"?>
+<p:sld xmlns:a="http://schemas.openxmlformats.org/drawingml/2006/main" xmlns:r="http://schemas.openxmlformats.org/officeDocument/2006/relationships" xmlns:p="http://schemas.openxmlformats.org/presentationml/2006/main">
+  <p:cSld>
+    <p:spTree>
+      <p:nvGrpSpPr>
+        <p:cNvPr id="1" name=""/>
+        <p:cNvGrpSpPr/>
+        <p:nvPr/>
+      </p:nvGrpSpPr>
+      <p:grpSpPr>
+        <a:xfrm>
+          <a:off x="0" y="0"/>
+          <a:ext cx="0" cy="0"/>
+          <a:chOff x="0" y="0"/>
+          <a:chExt cx="0" cy="0"/>
+        </a:xfrm>
+      </p:grpSpPr>
+      <p:sp>
+        <p:nvSpPr>
+          <p:cNvPr id="5" name="Slide Number Placeholder 5"/>
+          <p:cNvSpPr>
+            <a:spLocks noGrp="1"/>
+          </p:cNvSpPr>
+          <p:nvPr>
+            <p:ph type="sldNum" sz="quarter" idx="12"/>
+          </p:nvPr>
+        </p:nvSpPr>
+        <p:spPr/>
+        <p:txBody>
+          <a:bodyPr/>
+          <a:lstStyle/>
+          <a:p>
+            <a:fld id="{D26D398C-7661-4816-9159-D95E201DE718}" type="slidenum">
+              <a:rPr lang="en-US" altLang="en-US"/>
+              <a:pPr/>
+              <a:t>4</a:t>
+            </a:fld>
+            <a:endParaRPr lang="en-US" altLang="en-US"/>
+          </a:p>
+        </p:txBody>
+      </p:sp>
+      <p:sp>
+        <p:nvSpPr>
+          <p:cNvPr id="8194" name="Rectangle 2"/>
+          <p:cNvSpPr>
+            <a:spLocks noGrp="1" noChangeArrowheads="1"/>
+          </p:cNvSpPr>
+          <p:nvPr>
+            <p:ph type="title"/>
+          </p:nvPr>
+        </p:nvSpPr>
+        <p:spPr/>
+        <p:txBody>
+          <a:bodyPr/>
+          <a:lstStyle/>
+          <a:p>
+            <a:r>
+              <a:rPr lang="en-US" altLang="en-US"/>
+              <a:t>GLM: the design matrix (X)</a:t>
+            </a:r>
+          </a:p>
+        </p:txBody>
+      </p:sp>
+      <p:sp>
+        <p:nvSpPr>
+          <p:cNvPr id="8195" name="Rectangle 3"/>
+          <p:cNvSpPr>
+            <a:spLocks noGrp="1" noChangeArrowheads="1"/>
+          </p:cNvSpPr>
+          <p:nvPr>
+            <p:ph type="body" idx="1"/>
+          </p:nvPr>
+        </p:nvSpPr>
+        <p:spPr>
+          <a:xfrm>
+            <a:off x="457200" y="1143000"/>
+            <a:ext cx="8229600" cy="3581400"/>
+          </a:xfrm>
+        </p:spPr>
+        <p:txBody>
+          <a:bodyPr/>
+          <a:lstStyle/>
+          <a:p>
+            <a:r>
+              <a:rPr lang="en-US" altLang="en-US" sz="2800" dirty="0"/>
+              <a:t>In the full GLM, the design matrix (</a:t>
+            </a:r>
+            <a:r>
+              <a:rPr lang="en-US" altLang="en-US" sz="2800" b="1" dirty="0"/>
+              <a:t>X</a:t>
+            </a:r>
+            <a:r>
+              <a:rPr lang="en-US" altLang="en-US" sz="2800" dirty="0"/>
+              <a:t>) may consist of:</a:t>
+            </a:r>
+          </a:p>
+          <a:p>
+            <a:pPr lvl="1"/>
+            <a:r>
+              <a:rPr lang="en-US" altLang="en-US" sz="1800" dirty="0"/>
+              <a:t>A constant, </a:t>
+            </a:r>
+            <a:r>
+              <a:rPr lang="en-US" altLang="en-US" sz="1800" b="1" dirty="0"/>
+              <a:t>1</a:t>
+            </a:r>
+            <a:r>
+              <a:rPr lang="en-US" altLang="en-US" sz="1800" dirty="0"/>
+              <a:t>, for the intercept (usually implicit)</a:t>
+            </a:r>
+          </a:p>
+          <a:p>
+            <a:pPr lvl="1"/>
+            <a:r>
+              <a:rPr lang="en-US" altLang="en-US" sz="1800" dirty="0"/>
+              <a:t>Quantitative regressors: age, income, education</a:t>
+            </a:r>
+          </a:p>
+          <a:p>
+            <a:pPr lvl="1"/>
+            <a:r>
+              <a:rPr lang="en-US" altLang="en-US" sz="1800" dirty="0"/>
+              <a:t>Transformed regressors: </a:t>
+            </a:r>
+            <a:r>
+              <a:rPr lang="en-US" altLang="en-US" sz="1800" dirty="0">
+                <a:cs typeface="Arial" charset="0"/>
+              </a:rPr>
+              <a:t>√age, log(income)</a:t>
+            </a:r>
+          </a:p>
+          <a:p>
+            <a:pPr lvl="1"/>
+            <a:r>
+              <a:rPr lang="en-US" altLang="en-US" sz="1800" dirty="0">
+                <a:cs typeface="Arial" charset="0"/>
+              </a:rPr>
+              <a:t>Polynomial terms: age</a:t>
+            </a:r>
+            <a:r>
+              <a:rPr lang="en-US" altLang="en-US" sz="1800" baseline="30000" dirty="0">
+                <a:cs typeface="Arial" charset="0"/>
+              </a:rPr>
+              <a:t>2</a:t>
+            </a:r>
+            <a:r>
+              <a:rPr lang="en-US" altLang="en-US" sz="1800" dirty="0">
+                <a:cs typeface="Arial" charset="0"/>
+              </a:rPr>
+              <a:t>, age</a:t>
+            </a:r>
+            <a:r>
+              <a:rPr lang="en-US" altLang="en-US" sz="1800" baseline="30000" dirty="0">
+                <a:cs typeface="Arial" charset="0"/>
+              </a:rPr>
+              <a:t>3</a:t>
+            </a:r>
+            <a:r>
+              <a:rPr lang="en-US" altLang="en-US" sz="1800" dirty="0">
+                <a:cs typeface="Arial" charset="0"/>
+              </a:rPr>
+              <a:t>, …</a:t>
+            </a:r>
+          </a:p>
+          <a:p>
+            <a:pPr lvl="1"/>
+            <a:r>
+              <a:rPr lang="en-US" altLang="en-US" sz="1800" dirty="0">
+                <a:cs typeface="Arial" charset="0"/>
+              </a:rPr>
+              <a:t>Categorical predictors (“factors”, class variables): treatment (control, drug A, drug B), sex</a:t>
+            </a:r>
+          </a:p>
+          <a:p>
+            <a:pPr lvl="1"/>
+            <a:r>
+              <a:rPr lang="en-US" altLang="en-US" sz="1800" dirty="0">
+                <a:cs typeface="Arial" charset="0"/>
+              </a:rPr>
+              <a:t>Interactions: treatment * sex, age * sex</a:t>
+            </a:r>
+          </a:p>
+        </p:txBody>
+      </p:sp>
+      <p:sp>
+        <p:nvSpPr>
+          <p:cNvPr id="3" name="TextBox 2"/>
+          <p:cNvSpPr txBox="1"/>
+          <p:nvPr/>
+        </p:nvSpPr>
+        <p:spPr>
+          <a:xfrm>
+            <a:off x="838200" y="4909048"/>
+            <a:ext cx="7848600" cy="1077218"/>
+          </a:xfrm>
+          <a:prstGeom prst="rect">
+            <a:avLst/>
+          </a:prstGeom>
+          <a:solidFill>
+            <a:srgbClr val="FFFF00">
+              <a:alpha val="10000"/>
+            </a:srgbClr>
+          </a:solidFill>
+        </p:spPr>
+        <p:txBody>
+          <a:bodyPr wrap="square" rtlCol="0">
+            <a:spAutoFit/>
+          </a:bodyPr>
+          <a:lstStyle/>
+          <a:p>
+            <a:r>
+              <a:rPr lang="en-US" sz="1600" dirty="0">
+                <a:solidFill>
+                  <a:srgbClr val="FF0000"/>
+                </a:solidFill>
+                <a:latin typeface="Lucida Console" pitchFamily="49" charset="0"/>
+              </a:rPr>
+              <a:t>prestige ~ income + education                 </a:t>
+            </a:r>
+            <a:r>
+              <a:rPr lang="en-US" sz="1600" dirty="0">
+                <a:solidFill>
+                  <a:srgbClr val="00B050"/>
+                </a:solidFill>
+                <a:latin typeface="Lucida Console" pitchFamily="49" charset="0"/>
+              </a:rPr>
+              <a:t># 2 main effects</a:t>
+            </a:r>
+          </a:p>
+          <a:p>
+            <a:r>
+              <a:rPr lang="en-US" sz="1600" dirty="0">
+                <a:solidFill>
+                  <a:srgbClr val="FF0000"/>
+                </a:solidFill>
+                <a:latin typeface="Lucida Console" pitchFamily="49" charset="0"/>
+              </a:rPr>
+              <a:t>prestige ~ income * education                 </a:t>
+            </a:r>
+            <a:r>
+              <a:rPr lang="en-US" sz="1600" dirty="0">
+                <a:solidFill>
+                  <a:srgbClr val="00B050"/>
+                </a:solidFill>
+                <a:latin typeface="Lucida Console" pitchFamily="49" charset="0"/>
+              </a:rPr>
+              <a:t>#  + interaction</a:t>
+            </a:r>
+          </a:p>
+          <a:p>
+            <a:r>
+              <a:rPr lang="en-US" sz="1600" dirty="0">
+                <a:solidFill>
+                  <a:srgbClr val="FF0000"/>
+                </a:solidFill>
+                <a:latin typeface="Lucida Console" pitchFamily="49" charset="0"/>
+              </a:rPr>
+              <a:t>prestige ~ income + education + women + type  </a:t>
+            </a:r>
+            <a:r>
+              <a:rPr lang="en-US" sz="1600" dirty="0">
+                <a:solidFill>
+                  <a:srgbClr val="00B050"/>
+                </a:solidFill>
+                <a:latin typeface="Lucida Console" pitchFamily="49" charset="0"/>
+              </a:rPr>
+              <a:t># 4 main effects</a:t>
+            </a:r>
+            <a:endParaRPr lang="en-US" sz="1600" b="1" dirty="0">
+              <a:solidFill>
+                <a:srgbClr val="00B050"/>
+              </a:solidFill>
+              <a:latin typeface="Lucida Console" pitchFamily="49" charset="0"/>
+            </a:endParaRPr>
+          </a:p>
+          <a:p>
+            <a:r>
+              <a:rPr lang="en-US" sz="1600" dirty="0">
+                <a:solidFill>
+                  <a:srgbClr val="FF0000"/>
+                </a:solidFill>
+                <a:latin typeface="Lucida Console" pitchFamily="49" charset="0"/>
+              </a:rPr>
+              <a:t>prestige ~ education + poly(women, 2) + log(income)*type</a:t>
+            </a:r>
+            <a:endParaRPr lang="en-US" sz="1600" dirty="0"/>
+          </a:p>
+        </p:txBody>
+      </p:sp>
+      <p:sp>
+        <p:nvSpPr>
+          <p:cNvPr id="4" name="TextBox 3"/>
+          <p:cNvSpPr txBox="1"/>
+          <p:nvPr/>
+        </p:nvSpPr>
+        <p:spPr>
+          <a:xfrm>
+            <a:off x="811822" y="4158750"/>
+            <a:ext cx="4293577" cy="369332"/>
+          </a:xfrm>
+          <a:prstGeom prst="rect">
+            <a:avLst/>
+          </a:prstGeom>
+          <a:noFill/>
+        </p:spPr>
+        <p:txBody>
+          <a:bodyPr wrap="square" rtlCol="0">
+            <a:spAutoFit/>
+          </a:bodyPr>
+          <a:lstStyle/>
+          <a:p>
+            <a:r>
+              <a:rPr lang="en-US" dirty="0"/>
+              <a:t>Model formulae in R define y ~ X:</a:t>
+            </a:r>
+          </a:p>
+        </p:txBody>
+      </p:sp>
+    </p:spTree>
+    <p:extLst>
+      <p:ext uri="{BB962C8B-B14F-4D97-AF65-F5344CB8AC3E}">
+        <p14:creationId xmlns:p14="http://schemas.microsoft.com/office/powerpoint/2010/main" val="3074923929"/>
+      </p:ext>
+    </p:extLst>
+  </p:cSld>
+  <p:clrMapOvr>
+    <a:masterClrMapping/>
+  </p:clrMapOvr>
+</p:sld>
+</file>
+
+<file path=ppt/slides/slide40.xml><?xml version="1.0" encoding="utf-8"?>
 <p:sld xmlns:a="http://schemas.openxmlformats.org/drawingml/2006/main" xmlns:r="http://schemas.openxmlformats.org/officeDocument/2006/relationships" xmlns:p="http://schemas.openxmlformats.org/presentationml/2006/main">
   <p:cSld>
     <p:spTree>
@@ -18849,7 +19752,7 @@
           <a:p>
             <a:fld id="{810B7604-93B8-4136-B9BD-D1CE89EE20B0}" type="slidenum">
               <a:rPr lang="en-US" smtClean="0"/>
-              <a:t>39</a:t>
+              <a:t>40</a:t>
             </a:fld>
             <a:endParaRPr lang="en-US"/>
           </a:p>
@@ -19026,338 +19929,7 @@
 </p:sld>
 </file>
 
-<file path=ppt/slides/slide4.xml><?xml version="1.0" encoding="utf-8"?>
-<p:sld xmlns:a="http://schemas.openxmlformats.org/drawingml/2006/main" xmlns:r="http://schemas.openxmlformats.org/officeDocument/2006/relationships" xmlns:p="http://schemas.openxmlformats.org/presentationml/2006/main">
-  <p:cSld>
-    <p:spTree>
-      <p:nvGrpSpPr>
-        <p:cNvPr id="1" name=""/>
-        <p:cNvGrpSpPr/>
-        <p:nvPr/>
-      </p:nvGrpSpPr>
-      <p:grpSpPr>
-        <a:xfrm>
-          <a:off x="0" y="0"/>
-          <a:ext cx="0" cy="0"/>
-          <a:chOff x="0" y="0"/>
-          <a:chExt cx="0" cy="0"/>
-        </a:xfrm>
-      </p:grpSpPr>
-      <p:sp>
-        <p:nvSpPr>
-          <p:cNvPr id="5" name="Slide Number Placeholder 5"/>
-          <p:cNvSpPr>
-            <a:spLocks noGrp="1"/>
-          </p:cNvSpPr>
-          <p:nvPr>
-            <p:ph type="sldNum" sz="quarter" idx="12"/>
-          </p:nvPr>
-        </p:nvSpPr>
-        <p:spPr/>
-        <p:txBody>
-          <a:bodyPr/>
-          <a:lstStyle/>
-          <a:p>
-            <a:fld id="{D26D398C-7661-4816-9159-D95E201DE718}" type="slidenum">
-              <a:rPr lang="en-US" altLang="en-US"/>
-              <a:pPr/>
-              <a:t>4</a:t>
-            </a:fld>
-            <a:endParaRPr lang="en-US" altLang="en-US"/>
-          </a:p>
-        </p:txBody>
-      </p:sp>
-      <p:sp>
-        <p:nvSpPr>
-          <p:cNvPr id="8194" name="Rectangle 2"/>
-          <p:cNvSpPr>
-            <a:spLocks noGrp="1" noChangeArrowheads="1"/>
-          </p:cNvSpPr>
-          <p:nvPr>
-            <p:ph type="title"/>
-          </p:nvPr>
-        </p:nvSpPr>
-        <p:spPr/>
-        <p:txBody>
-          <a:bodyPr/>
-          <a:lstStyle/>
-          <a:p>
-            <a:r>
-              <a:rPr lang="en-US" altLang="en-US"/>
-              <a:t>GLM: the design matrix (X)</a:t>
-            </a:r>
-          </a:p>
-        </p:txBody>
-      </p:sp>
-      <p:sp>
-        <p:nvSpPr>
-          <p:cNvPr id="8195" name="Rectangle 3"/>
-          <p:cNvSpPr>
-            <a:spLocks noGrp="1" noChangeArrowheads="1"/>
-          </p:cNvSpPr>
-          <p:nvPr>
-            <p:ph type="body" idx="1"/>
-          </p:nvPr>
-        </p:nvSpPr>
-        <p:spPr>
-          <a:xfrm>
-            <a:off x="457200" y="1143000"/>
-            <a:ext cx="8229600" cy="3581400"/>
-          </a:xfrm>
-        </p:spPr>
-        <p:txBody>
-          <a:bodyPr/>
-          <a:lstStyle/>
-          <a:p>
-            <a:r>
-              <a:rPr lang="en-US" altLang="en-US" sz="2800" dirty="0"/>
-              <a:t>In the full GLM, the design matrix (</a:t>
-            </a:r>
-            <a:r>
-              <a:rPr lang="en-US" altLang="en-US" sz="2800" b="1" dirty="0"/>
-              <a:t>X</a:t>
-            </a:r>
-            <a:r>
-              <a:rPr lang="en-US" altLang="en-US" sz="2800" dirty="0"/>
-              <a:t>) may consist of:</a:t>
-            </a:r>
-          </a:p>
-          <a:p>
-            <a:pPr lvl="1"/>
-            <a:r>
-              <a:rPr lang="en-US" altLang="en-US" sz="1800" dirty="0"/>
-              <a:t>A constant, </a:t>
-            </a:r>
-            <a:r>
-              <a:rPr lang="en-US" altLang="en-US" sz="1800" b="1" dirty="0"/>
-              <a:t>1</a:t>
-            </a:r>
-            <a:r>
-              <a:rPr lang="en-US" altLang="en-US" sz="1800" dirty="0"/>
-              <a:t>, for the intercept (usually implicit)</a:t>
-            </a:r>
-          </a:p>
-          <a:p>
-            <a:pPr lvl="1"/>
-            <a:r>
-              <a:rPr lang="en-US" altLang="en-US" sz="1800" dirty="0"/>
-              <a:t>Quantitative regressors: age, income, education</a:t>
-            </a:r>
-          </a:p>
-          <a:p>
-            <a:pPr lvl="1"/>
-            <a:r>
-              <a:rPr lang="en-US" altLang="en-US" sz="1800" dirty="0"/>
-              <a:t>Transformed regressors: </a:t>
-            </a:r>
-            <a:r>
-              <a:rPr lang="en-US" altLang="en-US" sz="1800" dirty="0">
-                <a:cs typeface="Arial" charset="0"/>
-              </a:rPr>
-              <a:t>√age, log(income)</a:t>
-            </a:r>
-          </a:p>
-          <a:p>
-            <a:pPr lvl="1"/>
-            <a:r>
-              <a:rPr lang="en-US" altLang="en-US" sz="1800" dirty="0">
-                <a:cs typeface="Arial" charset="0"/>
-              </a:rPr>
-              <a:t>Polynomial terms: age</a:t>
-            </a:r>
-            <a:r>
-              <a:rPr lang="en-US" altLang="en-US" sz="1800" baseline="30000" dirty="0">
-                <a:cs typeface="Arial" charset="0"/>
-              </a:rPr>
-              <a:t>2</a:t>
-            </a:r>
-            <a:r>
-              <a:rPr lang="en-US" altLang="en-US" sz="1800" dirty="0">
-                <a:cs typeface="Arial" charset="0"/>
-              </a:rPr>
-              <a:t>, age</a:t>
-            </a:r>
-            <a:r>
-              <a:rPr lang="en-US" altLang="en-US" sz="1800" baseline="30000" dirty="0">
-                <a:cs typeface="Arial" charset="0"/>
-              </a:rPr>
-              <a:t>3</a:t>
-            </a:r>
-            <a:r>
-              <a:rPr lang="en-US" altLang="en-US" sz="1800" dirty="0">
-                <a:cs typeface="Arial" charset="0"/>
-              </a:rPr>
-              <a:t>, …</a:t>
-            </a:r>
-          </a:p>
-          <a:p>
-            <a:pPr lvl="1"/>
-            <a:r>
-              <a:rPr lang="en-US" altLang="en-US" sz="1800" dirty="0">
-                <a:cs typeface="Arial" charset="0"/>
-              </a:rPr>
-              <a:t>Categorical predictors (“factors”, class variables): treatment (control, drug A, drug B), sex</a:t>
-            </a:r>
-          </a:p>
-          <a:p>
-            <a:pPr lvl="1"/>
-            <a:r>
-              <a:rPr lang="en-US" altLang="en-US" sz="1800" dirty="0">
-                <a:cs typeface="Arial" charset="0"/>
-              </a:rPr>
-              <a:t>Interactions: treatment * sex, age * sex</a:t>
-            </a:r>
-          </a:p>
-        </p:txBody>
-      </p:sp>
-      <p:sp>
-        <p:nvSpPr>
-          <p:cNvPr id="3" name="TextBox 2"/>
-          <p:cNvSpPr txBox="1"/>
-          <p:nvPr/>
-        </p:nvSpPr>
-        <p:spPr>
-          <a:xfrm>
-            <a:off x="838200" y="4909048"/>
-            <a:ext cx="7848600" cy="1077218"/>
-          </a:xfrm>
-          <a:prstGeom prst="rect">
-            <a:avLst/>
-          </a:prstGeom>
-          <a:solidFill>
-            <a:srgbClr val="FFFF00">
-              <a:alpha val="10000"/>
-            </a:srgbClr>
-          </a:solidFill>
-        </p:spPr>
-        <p:txBody>
-          <a:bodyPr wrap="square" rtlCol="0">
-            <a:spAutoFit/>
-          </a:bodyPr>
-          <a:lstStyle/>
-          <a:p>
-            <a:r>
-              <a:rPr lang="en-US" sz="1600" dirty="0">
-                <a:solidFill>
-                  <a:srgbClr val="FF0000"/>
-                </a:solidFill>
-                <a:latin typeface="Lucida Console" pitchFamily="49" charset="0"/>
-              </a:rPr>
-              <a:t>prestige ~ income + education                 </a:t>
-            </a:r>
-            <a:r>
-              <a:rPr lang="en-US" sz="1600" dirty="0">
-                <a:solidFill>
-                  <a:srgbClr val="00B050"/>
-                </a:solidFill>
-                <a:latin typeface="Lucida Console" pitchFamily="49" charset="0"/>
-              </a:rPr>
-              <a:t># 2 main effects</a:t>
-            </a:r>
-          </a:p>
-          <a:p>
-            <a:r>
-              <a:rPr lang="en-US" sz="1600" dirty="0">
-                <a:solidFill>
-                  <a:srgbClr val="FF0000"/>
-                </a:solidFill>
-                <a:latin typeface="Lucida Console" pitchFamily="49" charset="0"/>
-              </a:rPr>
-              <a:t>prestige ~ income * education                 </a:t>
-            </a:r>
-            <a:r>
-              <a:rPr lang="en-US" sz="1600" dirty="0">
-                <a:solidFill>
-                  <a:srgbClr val="00B050"/>
-                </a:solidFill>
-                <a:latin typeface="Lucida Console" pitchFamily="49" charset="0"/>
-              </a:rPr>
-              <a:t>#  + interaction</a:t>
-            </a:r>
-          </a:p>
-          <a:p>
-            <a:r>
-              <a:rPr lang="en-US" sz="1600" dirty="0">
-                <a:solidFill>
-                  <a:srgbClr val="FF0000"/>
-                </a:solidFill>
-                <a:latin typeface="Lucida Console" pitchFamily="49" charset="0"/>
-              </a:rPr>
-              <a:t>prestige ~ income + education + women + type  </a:t>
-            </a:r>
-            <a:r>
-              <a:rPr lang="en-US" sz="1600" dirty="0">
-                <a:solidFill>
-                  <a:srgbClr val="00B050"/>
-                </a:solidFill>
-                <a:latin typeface="Lucida Console" pitchFamily="49" charset="0"/>
-              </a:rPr>
-              <a:t># 4 main effects</a:t>
-            </a:r>
-            <a:endParaRPr lang="en-US" sz="1600" b="1" dirty="0">
-              <a:solidFill>
-                <a:srgbClr val="00B050"/>
-              </a:solidFill>
-              <a:latin typeface="Lucida Console" pitchFamily="49" charset="0"/>
-            </a:endParaRPr>
-          </a:p>
-          <a:p>
-            <a:r>
-              <a:rPr lang="en-US" sz="1600" dirty="0">
-                <a:solidFill>
-                  <a:srgbClr val="FF0000"/>
-                </a:solidFill>
-                <a:latin typeface="Lucida Console" pitchFamily="49" charset="0"/>
-              </a:rPr>
-              <a:t>prestige ~ education + poly(women, 2) + log(income)*type</a:t>
-            </a:r>
-            <a:endParaRPr lang="en-US" sz="1600" dirty="0"/>
-          </a:p>
-        </p:txBody>
-      </p:sp>
-      <p:sp>
-        <p:nvSpPr>
-          <p:cNvPr id="4" name="TextBox 3"/>
-          <p:cNvSpPr txBox="1"/>
-          <p:nvPr/>
-        </p:nvSpPr>
-        <p:spPr>
-          <a:xfrm>
-            <a:off x="811822" y="4158750"/>
-            <a:ext cx="4293577" cy="369332"/>
-          </a:xfrm>
-          <a:prstGeom prst="rect">
-            <a:avLst/>
-          </a:prstGeom>
-          <a:noFill/>
-        </p:spPr>
-        <p:txBody>
-          <a:bodyPr wrap="square" rtlCol="0">
-            <a:spAutoFit/>
-          </a:bodyPr>
-          <a:lstStyle/>
-          <a:p>
-            <a:r>
-              <a:rPr lang="en-US" dirty="0"/>
-              <a:t>Model formulae in R define y ~ X:</a:t>
-            </a:r>
-          </a:p>
-        </p:txBody>
-      </p:sp>
-    </p:spTree>
-    <p:extLst>
-      <p:ext uri="{BB962C8B-B14F-4D97-AF65-F5344CB8AC3E}">
-        <p14:creationId xmlns:p14="http://schemas.microsoft.com/office/powerpoint/2010/main" val="3074923929"/>
-      </p:ext>
-    </p:extLst>
-  </p:cSld>
-  <p:clrMapOvr>
-    <a:masterClrMapping/>
-  </p:clrMapOvr>
-</p:sld>
-</file>
-
-<file path=ppt/slides/slide40.xml><?xml version="1.0" encoding="utf-8"?>
+<file path=ppt/slides/slide41.xml><?xml version="1.0" encoding="utf-8"?>
 <p:sld xmlns:a="http://schemas.openxmlformats.org/drawingml/2006/main" xmlns:r="http://schemas.openxmlformats.org/officeDocument/2006/relationships" xmlns:p="http://schemas.openxmlformats.org/presentationml/2006/main">
   <p:cSld>
     <p:spTree>
@@ -19443,7 +20015,7 @@
           <a:p>
             <a:fld id="{810B7604-93B8-4136-B9BD-D1CE89EE20B0}" type="slidenum">
               <a:rPr lang="en-US" smtClean="0"/>
-              <a:t>40</a:t>
+              <a:t>41</a:t>
             </a:fld>
             <a:endParaRPr lang="en-US"/>
           </a:p>
@@ -19563,476 +20135,6 @@
     <p:extLst>
       <p:ext uri="{BB962C8B-B14F-4D97-AF65-F5344CB8AC3E}">
         <p14:creationId xmlns:p14="http://schemas.microsoft.com/office/powerpoint/2010/main" val="1778541011"/>
-      </p:ext>
-    </p:extLst>
-  </p:cSld>
-  <p:clrMapOvr>
-    <a:masterClrMapping/>
-  </p:clrMapOvr>
-</p:sld>
-</file>
-
-<file path=ppt/slides/slide41.xml><?xml version="1.0" encoding="utf-8"?>
-<p:sld xmlns:a="http://schemas.openxmlformats.org/drawingml/2006/main" xmlns:r="http://schemas.openxmlformats.org/officeDocument/2006/relationships" xmlns:p="http://schemas.openxmlformats.org/presentationml/2006/main">
-  <p:cSld>
-    <p:spTree>
-      <p:nvGrpSpPr>
-        <p:cNvPr id="1" name=""/>
-        <p:cNvGrpSpPr/>
-        <p:nvPr/>
-      </p:nvGrpSpPr>
-      <p:grpSpPr>
-        <a:xfrm>
-          <a:off x="0" y="0"/>
-          <a:ext cx="0" cy="0"/>
-          <a:chOff x="0" y="0"/>
-          <a:chExt cx="0" cy="0"/>
-        </a:xfrm>
-      </p:grpSpPr>
-      <p:sp>
-        <p:nvSpPr>
-          <p:cNvPr id="2" name="Title 1"/>
-          <p:cNvSpPr>
-            <a:spLocks noGrp="1"/>
-          </p:cNvSpPr>
-          <p:nvPr>
-            <p:ph type="title"/>
-          </p:nvPr>
-        </p:nvSpPr>
-        <p:spPr/>
-        <p:txBody>
-          <a:bodyPr/>
-          <a:lstStyle/>
-          <a:p>
-            <a:r>
-              <a:rPr lang="en-US" dirty="0"/>
-              <a:t>Canonical view</a:t>
-            </a:r>
-          </a:p>
-        </p:txBody>
-      </p:sp>
-      <p:sp>
-        <p:nvSpPr>
-          <p:cNvPr id="4" name="Content Placeholder 3"/>
-          <p:cNvSpPr>
-            <a:spLocks noGrp="1"/>
-          </p:cNvSpPr>
-          <p:nvPr>
-            <p:ph idx="1"/>
-          </p:nvPr>
-        </p:nvSpPr>
-        <p:spPr>
-          <a:xfrm>
-            <a:off x="457200" y="1151792"/>
-            <a:ext cx="8229600" cy="1676400"/>
-          </a:xfrm>
-        </p:spPr>
-        <p:txBody>
-          <a:bodyPr>
-            <a:normAutofit/>
-          </a:bodyPr>
-          <a:lstStyle/>
-          <a:p>
-            <a:r>
-              <a:rPr lang="en-US" sz="2400" dirty="0"/>
-              <a:t>4 response variables, but only s=min(q, </a:t>
-            </a:r>
-            <a:r>
-              <a:rPr lang="en-US" sz="2400" dirty="0" err="1"/>
-              <a:t>dfh</a:t>
-            </a:r>
-            <a:r>
-              <a:rPr lang="en-US" sz="2400" dirty="0"/>
-              <a:t>)=2 dimensions.</a:t>
-            </a:r>
-          </a:p>
-          <a:p>
-            <a:pPr lvl="1"/>
-            <a:r>
-              <a:rPr lang="en-US" sz="2000" dirty="0"/>
-              <a:t>Here, both dimensions are significant</a:t>
-            </a:r>
-          </a:p>
-          <a:p>
-            <a:pPr lvl="1"/>
-            <a:r>
-              <a:rPr lang="en-US" sz="2000" dirty="0"/>
-              <a:t>Can1 accounts for 86.5% of between-species variance</a:t>
-            </a:r>
-          </a:p>
-          <a:p>
-            <a:pPr lvl="1"/>
-            <a:r>
-              <a:rPr lang="en-US" sz="2000" dirty="0"/>
-              <a:t>Can 2 accounts for the rest:  13.5%</a:t>
-            </a:r>
-          </a:p>
-          <a:p>
-            <a:pPr lvl="1"/>
-            <a:endParaRPr lang="en-US" sz="2000" dirty="0"/>
-          </a:p>
-        </p:txBody>
-      </p:sp>
-      <p:sp>
-        <p:nvSpPr>
-          <p:cNvPr id="3" name="Slide Number Placeholder 2"/>
-          <p:cNvSpPr>
-            <a:spLocks noGrp="1"/>
-          </p:cNvSpPr>
-          <p:nvPr>
-            <p:ph type="sldNum" sz="quarter" idx="12"/>
-          </p:nvPr>
-        </p:nvSpPr>
-        <p:spPr/>
-        <p:txBody>
-          <a:bodyPr/>
-          <a:lstStyle/>
-          <a:p>
-            <a:fld id="{810B7604-93B8-4136-B9BD-D1CE89EE20B0}" type="slidenum">
-              <a:rPr lang="en-US" smtClean="0"/>
-              <a:t>41</a:t>
-            </a:fld>
-            <a:endParaRPr lang="en-US"/>
-          </a:p>
-        </p:txBody>
-      </p:sp>
-      <p:sp>
-        <p:nvSpPr>
-          <p:cNvPr id="5" name="TextBox 4"/>
-          <p:cNvSpPr txBox="1"/>
-          <p:nvPr/>
-        </p:nvSpPr>
-        <p:spPr>
-          <a:xfrm>
-            <a:off x="457200" y="3209176"/>
-            <a:ext cx="6172200" cy="3231654"/>
-          </a:xfrm>
-          <a:prstGeom prst="rect">
-            <a:avLst/>
-          </a:prstGeom>
-          <a:solidFill>
-            <a:srgbClr val="FFFF00">
-              <a:alpha val="10000"/>
-            </a:srgbClr>
-          </a:solidFill>
-        </p:spPr>
-        <p:txBody>
-          <a:bodyPr wrap="square" rtlCol="0">
-            <a:spAutoFit/>
-          </a:bodyPr>
-          <a:lstStyle/>
-          <a:p>
-            <a:r>
-              <a:rPr lang="en-US" sz="1200" dirty="0">
-                <a:latin typeface="Lucida Sans Typewriter" pitchFamily="49" charset="0"/>
-              </a:rPr>
-              <a:t>&gt; library(</a:t>
-            </a:r>
-            <a:r>
-              <a:rPr lang="en-US" sz="1200" dirty="0" err="1">
-                <a:latin typeface="Lucida Sans Typewriter" pitchFamily="49" charset="0"/>
-              </a:rPr>
-              <a:t>candisc</a:t>
-            </a:r>
-            <a:r>
-              <a:rPr lang="en-US" sz="1200" dirty="0">
-                <a:latin typeface="Lucida Sans Typewriter" pitchFamily="49" charset="0"/>
-              </a:rPr>
-              <a:t>)</a:t>
-            </a:r>
-          </a:p>
-          <a:p>
-            <a:r>
-              <a:rPr lang="en-US" sz="1200" dirty="0">
-                <a:latin typeface="Lucida Sans Typewriter" pitchFamily="49" charset="0"/>
-              </a:rPr>
-              <a:t>&gt; (</a:t>
-            </a:r>
-            <a:r>
-              <a:rPr lang="en-US" sz="1200" dirty="0" err="1">
-                <a:latin typeface="Lucida Sans Typewriter" pitchFamily="49" charset="0"/>
-              </a:rPr>
-              <a:t>peng.can</a:t>
-            </a:r>
-            <a:r>
-              <a:rPr lang="en-US" sz="1200" dirty="0">
-                <a:latin typeface="Lucida Sans Typewriter" pitchFamily="49" charset="0"/>
-              </a:rPr>
-              <a:t> &lt;- </a:t>
-            </a:r>
-            <a:r>
-              <a:rPr lang="en-US" sz="1200" dirty="0" err="1">
-                <a:latin typeface="Lucida Sans Typewriter" pitchFamily="49" charset="0"/>
-              </a:rPr>
-              <a:t>candisc</a:t>
-            </a:r>
-            <a:r>
-              <a:rPr lang="en-US" sz="1200" dirty="0">
-                <a:latin typeface="Lucida Sans Typewriter" pitchFamily="49" charset="0"/>
-              </a:rPr>
-              <a:t>(peng.mod0))</a:t>
-            </a:r>
-          </a:p>
-          <a:p>
-            <a:endParaRPr lang="en-US" sz="1200" dirty="0">
-              <a:latin typeface="Lucida Sans Typewriter" pitchFamily="49" charset="0"/>
-            </a:endParaRPr>
-          </a:p>
-          <a:p>
-            <a:r>
-              <a:rPr lang="en-US" sz="1200" dirty="0">
-                <a:latin typeface="Lucida Sans Typewriter" pitchFamily="49" charset="0"/>
-              </a:rPr>
-              <a:t>Canonical Discriminant Analysis for species:</a:t>
-            </a:r>
-          </a:p>
-          <a:p>
-            <a:endParaRPr lang="en-US" sz="1200" dirty="0">
-              <a:latin typeface="Lucida Sans Typewriter" pitchFamily="49" charset="0"/>
-            </a:endParaRPr>
-          </a:p>
-          <a:p>
-            <a:r>
-              <a:rPr lang="en-US" sz="1200" dirty="0">
-                <a:latin typeface="Lucida Sans Typewriter" pitchFamily="49" charset="0"/>
-              </a:rPr>
-              <a:t>  </a:t>
-            </a:r>
-            <a:r>
-              <a:rPr lang="en-US" sz="1200" dirty="0" err="1">
-                <a:latin typeface="Lucida Sans Typewriter" pitchFamily="49" charset="0"/>
-              </a:rPr>
-              <a:t>CanRsq</a:t>
-            </a:r>
-            <a:r>
-              <a:rPr lang="en-US" sz="1200" dirty="0">
-                <a:latin typeface="Lucida Sans Typewriter" pitchFamily="49" charset="0"/>
-              </a:rPr>
-              <a:t> Eigenvalue Difference Percent Cumulative</a:t>
-            </a:r>
-          </a:p>
-          <a:p>
-            <a:r>
-              <a:rPr lang="en-US" sz="1200" dirty="0">
-                <a:latin typeface="Lucida Sans Typewriter" pitchFamily="49" charset="0"/>
-              </a:rPr>
-              <a:t>1  0.938      15.03       12.7    86.5       86.5</a:t>
-            </a:r>
-          </a:p>
-          <a:p>
-            <a:r>
-              <a:rPr lang="en-US" sz="1200" dirty="0">
-                <a:latin typeface="Lucida Sans Typewriter" pitchFamily="49" charset="0"/>
-              </a:rPr>
-              <a:t>2  0.700       2.34       12.7    13.5      100.0</a:t>
-            </a:r>
-          </a:p>
-          <a:p>
-            <a:endParaRPr lang="en-US" sz="1200" dirty="0">
-              <a:latin typeface="Lucida Sans Typewriter" pitchFamily="49" charset="0"/>
-            </a:endParaRPr>
-          </a:p>
-          <a:p>
-            <a:r>
-              <a:rPr lang="en-US" sz="1200" dirty="0">
-                <a:latin typeface="Lucida Sans Typewriter" pitchFamily="49" charset="0"/>
-              </a:rPr>
-              <a:t>Test of H0: The canonical correlations in the </a:t>
-            </a:r>
-          </a:p>
-          <a:p>
-            <a:r>
-              <a:rPr lang="en-US" sz="1200" dirty="0">
-                <a:latin typeface="Lucida Sans Typewriter" pitchFamily="49" charset="0"/>
-              </a:rPr>
-              <a:t>current row and all that follow are zero</a:t>
-            </a:r>
-          </a:p>
-          <a:p>
-            <a:endParaRPr lang="en-US" sz="1200" dirty="0">
-              <a:latin typeface="Lucida Sans Typewriter" pitchFamily="49" charset="0"/>
-            </a:endParaRPr>
-          </a:p>
-          <a:p>
-            <a:r>
-              <a:rPr lang="en-US" sz="1200" dirty="0">
-                <a:latin typeface="Lucida Sans Typewriter" pitchFamily="49" charset="0"/>
-              </a:rPr>
-              <a:t>  LR test stat </a:t>
-            </a:r>
-            <a:r>
-              <a:rPr lang="en-US" sz="1200" dirty="0" err="1">
-                <a:latin typeface="Lucida Sans Typewriter" pitchFamily="49" charset="0"/>
-              </a:rPr>
-              <a:t>approx</a:t>
-            </a:r>
-            <a:r>
-              <a:rPr lang="en-US" sz="1200" dirty="0">
-                <a:latin typeface="Lucida Sans Typewriter" pitchFamily="49" charset="0"/>
-              </a:rPr>
-              <a:t> F </a:t>
-            </a:r>
-            <a:r>
-              <a:rPr lang="en-US" sz="1200" dirty="0" err="1">
-                <a:latin typeface="Lucida Sans Typewriter" pitchFamily="49" charset="0"/>
-              </a:rPr>
-              <a:t>numDF</a:t>
-            </a:r>
-            <a:r>
-              <a:rPr lang="en-US" sz="1200" dirty="0">
-                <a:latin typeface="Lucida Sans Typewriter" pitchFamily="49" charset="0"/>
-              </a:rPr>
-              <a:t> </a:t>
-            </a:r>
-            <a:r>
-              <a:rPr lang="en-US" sz="1200" dirty="0" err="1">
-                <a:latin typeface="Lucida Sans Typewriter" pitchFamily="49" charset="0"/>
-              </a:rPr>
-              <a:t>denDF</a:t>
-            </a:r>
-            <a:r>
-              <a:rPr lang="en-US" sz="1200" dirty="0">
-                <a:latin typeface="Lucida Sans Typewriter" pitchFamily="49" charset="0"/>
-              </a:rPr>
-              <a:t> </a:t>
-            </a:r>
-            <a:r>
-              <a:rPr lang="en-US" sz="1200" dirty="0" err="1">
-                <a:latin typeface="Lucida Sans Typewriter" pitchFamily="49" charset="0"/>
-              </a:rPr>
-              <a:t>Pr</a:t>
-            </a:r>
-            <a:r>
-              <a:rPr lang="en-US" sz="1200" dirty="0">
-                <a:latin typeface="Lucida Sans Typewriter" pitchFamily="49" charset="0"/>
-              </a:rPr>
-              <a:t>(&gt; F)    </a:t>
-            </a:r>
-          </a:p>
-          <a:p>
-            <a:r>
-              <a:rPr lang="en-US" sz="1200" dirty="0">
-                <a:latin typeface="Lucida Sans Typewriter" pitchFamily="49" charset="0"/>
-              </a:rPr>
-              <a:t>1       0.0187      516     8   654  &lt;2e-16 ***</a:t>
-            </a:r>
-          </a:p>
-          <a:p>
-            <a:r>
-              <a:rPr lang="en-US" sz="1200" dirty="0">
-                <a:latin typeface="Lucida Sans Typewriter" pitchFamily="49" charset="0"/>
-              </a:rPr>
-              <a:t>2       0.2997      255     3   328  &lt;2e-16 ***</a:t>
-            </a:r>
-          </a:p>
-          <a:p>
-            <a:r>
-              <a:rPr lang="en-US" sz="1200" dirty="0">
-                <a:latin typeface="Lucida Sans Typewriter" pitchFamily="49" charset="0"/>
-              </a:rPr>
-              <a:t>---</a:t>
-            </a:r>
-          </a:p>
-          <a:p>
-            <a:r>
-              <a:rPr lang="en-US" sz="1200" dirty="0" err="1">
-                <a:latin typeface="Lucida Sans Typewriter" pitchFamily="49" charset="0"/>
-              </a:rPr>
-              <a:t>Signif</a:t>
-            </a:r>
-            <a:r>
-              <a:rPr lang="en-US" sz="1200" dirty="0">
-                <a:latin typeface="Lucida Sans Typewriter" pitchFamily="49" charset="0"/>
-              </a:rPr>
-              <a:t>. codes:  0 ‘***’ 0.001 ‘**’ 0.01 ‘*’ 0.05 ‘.’ 0.1 ‘ ’ 1</a:t>
-            </a:r>
-          </a:p>
-        </p:txBody>
-      </p:sp>
-      <p:sp>
-        <p:nvSpPr>
-          <p:cNvPr id="6" name="TextBox 5"/>
-          <p:cNvSpPr txBox="1"/>
-          <p:nvPr/>
-        </p:nvSpPr>
-        <p:spPr>
-          <a:xfrm>
-            <a:off x="5105400" y="5486400"/>
-            <a:ext cx="533400" cy="338554"/>
-          </a:xfrm>
-          <a:prstGeom prst="rect">
-            <a:avLst/>
-          </a:prstGeom>
-          <a:noFill/>
-        </p:spPr>
-        <p:txBody>
-          <a:bodyPr wrap="square" rtlCol="0">
-            <a:spAutoFit/>
-          </a:bodyPr>
-          <a:lstStyle/>
-          <a:p>
-            <a:pPr algn="ctr"/>
-            <a:r>
-              <a:rPr lang="en-US" sz="1600" dirty="0">
-                <a:solidFill>
-                  <a:srgbClr val="00B050"/>
-                </a:solidFill>
-                <a:sym typeface="Wingdings"/>
-              </a:rPr>
-              <a:t></a:t>
-            </a:r>
-            <a:endParaRPr lang="en-US" sz="1600" dirty="0">
-              <a:solidFill>
-                <a:srgbClr val="00B050"/>
-              </a:solidFill>
-            </a:endParaRPr>
-          </a:p>
-        </p:txBody>
-      </p:sp>
-      <p:sp>
-        <p:nvSpPr>
-          <p:cNvPr id="7" name="TextBox 6"/>
-          <p:cNvSpPr txBox="1"/>
-          <p:nvPr/>
-        </p:nvSpPr>
-        <p:spPr>
-          <a:xfrm>
-            <a:off x="5105400" y="5748754"/>
-            <a:ext cx="533400" cy="338554"/>
-          </a:xfrm>
-          <a:prstGeom prst="rect">
-            <a:avLst/>
-          </a:prstGeom>
-          <a:noFill/>
-        </p:spPr>
-        <p:txBody>
-          <a:bodyPr wrap="square" rtlCol="0">
-            <a:spAutoFit/>
-          </a:bodyPr>
-          <a:lstStyle/>
-          <a:p>
-            <a:pPr algn="ctr"/>
-            <a:r>
-              <a:rPr lang="en-US" sz="1600" dirty="0">
-                <a:solidFill>
-                  <a:srgbClr val="00B050"/>
-                </a:solidFill>
-                <a:sym typeface="Wingdings"/>
-              </a:rPr>
-              <a:t></a:t>
-            </a:r>
-            <a:endParaRPr lang="en-US" sz="1600" dirty="0">
-              <a:solidFill>
-                <a:srgbClr val="00B050"/>
-              </a:solidFill>
-            </a:endParaRPr>
-          </a:p>
-        </p:txBody>
-      </p:sp>
-    </p:spTree>
-    <p:extLst>
-      <p:ext uri="{BB962C8B-B14F-4D97-AF65-F5344CB8AC3E}">
-        <p14:creationId xmlns:p14="http://schemas.microsoft.com/office/powerpoint/2010/main" val="3568333382"/>
       </p:ext>
     </p:extLst>
   </p:cSld>
@@ -20083,6 +20185,68 @@
       </p:sp>
       <p:sp>
         <p:nvSpPr>
+          <p:cNvPr id="4" name="Content Placeholder 3"/>
+          <p:cNvSpPr>
+            <a:spLocks noGrp="1"/>
+          </p:cNvSpPr>
+          <p:nvPr>
+            <p:ph idx="1"/>
+          </p:nvPr>
+        </p:nvSpPr>
+        <p:spPr>
+          <a:xfrm>
+            <a:off x="457200" y="1151792"/>
+            <a:ext cx="8229600" cy="1676400"/>
+          </a:xfrm>
+        </p:spPr>
+        <p:txBody>
+          <a:bodyPr>
+            <a:normAutofit/>
+          </a:bodyPr>
+          <a:lstStyle/>
+          <a:p>
+            <a:r>
+              <a:rPr lang="en-US" sz="2400" dirty="0"/>
+              <a:t>4 response variables, but only s=min(q, </a:t>
+            </a:r>
+            <a:r>
+              <a:rPr lang="en-US" sz="2400" dirty="0" err="1"/>
+              <a:t>dfh</a:t>
+            </a:r>
+            <a:r>
+              <a:rPr lang="en-US" sz="2400" dirty="0"/>
+              <a:t>)=2 dimensions.</a:t>
+            </a:r>
+          </a:p>
+          <a:p>
+            <a:pPr lvl="1"/>
+            <a:r>
+              <a:rPr lang="en-US" sz="2000" dirty="0"/>
+              <a:t>Here, both dimensions are significant</a:t>
+            </a:r>
+          </a:p>
+          <a:p>
+            <a:pPr lvl="1"/>
+            <a:r>
+              <a:rPr lang="en-US" sz="2000" dirty="0"/>
+              <a:t>Can1 accounts for 86.5% of between-species variance</a:t>
+            </a:r>
+          </a:p>
+          <a:p>
+            <a:pPr lvl="1"/>
+            <a:r>
+              <a:rPr lang="en-US" sz="2000" dirty="0"/>
+              <a:t>Can 2 accounts for the rest:  13.5%</a:t>
+            </a:r>
+          </a:p>
+          <a:p>
+            <a:pPr lvl="1"/>
+            <a:endParaRPr lang="en-US" sz="2000" dirty="0"/>
+          </a:p>
+        </p:txBody>
+      </p:sp>
+      <p:sp>
+        <p:nvSpPr>
           <p:cNvPr id="3" name="Slide Number Placeholder 2"/>
           <p:cNvSpPr>
             <a:spLocks noGrp="1"/>
@@ -20099,6 +20263,414 @@
             <a:fld id="{810B7604-93B8-4136-B9BD-D1CE89EE20B0}" type="slidenum">
               <a:rPr lang="en-US" smtClean="0"/>
               <a:t>42</a:t>
+            </a:fld>
+            <a:endParaRPr lang="en-US"/>
+          </a:p>
+        </p:txBody>
+      </p:sp>
+      <p:sp>
+        <p:nvSpPr>
+          <p:cNvPr id="5" name="TextBox 4"/>
+          <p:cNvSpPr txBox="1"/>
+          <p:nvPr/>
+        </p:nvSpPr>
+        <p:spPr>
+          <a:xfrm>
+            <a:off x="457200" y="3209176"/>
+            <a:ext cx="6172200" cy="3231654"/>
+          </a:xfrm>
+          <a:prstGeom prst="rect">
+            <a:avLst/>
+          </a:prstGeom>
+          <a:solidFill>
+            <a:srgbClr val="FFFF00">
+              <a:alpha val="10000"/>
+            </a:srgbClr>
+          </a:solidFill>
+        </p:spPr>
+        <p:txBody>
+          <a:bodyPr wrap="square" rtlCol="0">
+            <a:spAutoFit/>
+          </a:bodyPr>
+          <a:lstStyle/>
+          <a:p>
+            <a:r>
+              <a:rPr lang="en-US" sz="1200" dirty="0">
+                <a:latin typeface="Lucida Sans Typewriter" pitchFamily="49" charset="0"/>
+              </a:rPr>
+              <a:t>&gt; library(</a:t>
+            </a:r>
+            <a:r>
+              <a:rPr lang="en-US" sz="1200" dirty="0" err="1">
+                <a:latin typeface="Lucida Sans Typewriter" pitchFamily="49" charset="0"/>
+              </a:rPr>
+              <a:t>candisc</a:t>
+            </a:r>
+            <a:r>
+              <a:rPr lang="en-US" sz="1200" dirty="0">
+                <a:latin typeface="Lucida Sans Typewriter" pitchFamily="49" charset="0"/>
+              </a:rPr>
+              <a:t>)</a:t>
+            </a:r>
+          </a:p>
+          <a:p>
+            <a:r>
+              <a:rPr lang="en-US" sz="1200" dirty="0">
+                <a:latin typeface="Lucida Sans Typewriter" pitchFamily="49" charset="0"/>
+              </a:rPr>
+              <a:t>&gt; (</a:t>
+            </a:r>
+            <a:r>
+              <a:rPr lang="en-US" sz="1200" dirty="0" err="1">
+                <a:latin typeface="Lucida Sans Typewriter" pitchFamily="49" charset="0"/>
+              </a:rPr>
+              <a:t>peng.can</a:t>
+            </a:r>
+            <a:r>
+              <a:rPr lang="en-US" sz="1200" dirty="0">
+                <a:latin typeface="Lucida Sans Typewriter" pitchFamily="49" charset="0"/>
+              </a:rPr>
+              <a:t> &lt;- </a:t>
+            </a:r>
+            <a:r>
+              <a:rPr lang="en-US" sz="1200" dirty="0" err="1">
+                <a:latin typeface="Lucida Sans Typewriter" pitchFamily="49" charset="0"/>
+              </a:rPr>
+              <a:t>candisc</a:t>
+            </a:r>
+            <a:r>
+              <a:rPr lang="en-US" sz="1200" dirty="0">
+                <a:latin typeface="Lucida Sans Typewriter" pitchFamily="49" charset="0"/>
+              </a:rPr>
+              <a:t>(peng.mod0))</a:t>
+            </a:r>
+          </a:p>
+          <a:p>
+            <a:endParaRPr lang="en-US" sz="1200" dirty="0">
+              <a:latin typeface="Lucida Sans Typewriter" pitchFamily="49" charset="0"/>
+            </a:endParaRPr>
+          </a:p>
+          <a:p>
+            <a:r>
+              <a:rPr lang="en-US" sz="1200" dirty="0">
+                <a:latin typeface="Lucida Sans Typewriter" pitchFamily="49" charset="0"/>
+              </a:rPr>
+              <a:t>Canonical Discriminant Analysis for species:</a:t>
+            </a:r>
+          </a:p>
+          <a:p>
+            <a:endParaRPr lang="en-US" sz="1200" dirty="0">
+              <a:latin typeface="Lucida Sans Typewriter" pitchFamily="49" charset="0"/>
+            </a:endParaRPr>
+          </a:p>
+          <a:p>
+            <a:r>
+              <a:rPr lang="en-US" sz="1200" dirty="0">
+                <a:latin typeface="Lucida Sans Typewriter" pitchFamily="49" charset="0"/>
+              </a:rPr>
+              <a:t>  </a:t>
+            </a:r>
+            <a:r>
+              <a:rPr lang="en-US" sz="1200" dirty="0" err="1">
+                <a:latin typeface="Lucida Sans Typewriter" pitchFamily="49" charset="0"/>
+              </a:rPr>
+              <a:t>CanRsq</a:t>
+            </a:r>
+            <a:r>
+              <a:rPr lang="en-US" sz="1200" dirty="0">
+                <a:latin typeface="Lucida Sans Typewriter" pitchFamily="49" charset="0"/>
+              </a:rPr>
+              <a:t> Eigenvalue Difference Percent Cumulative</a:t>
+            </a:r>
+          </a:p>
+          <a:p>
+            <a:r>
+              <a:rPr lang="en-US" sz="1200" dirty="0">
+                <a:latin typeface="Lucida Sans Typewriter" pitchFamily="49" charset="0"/>
+              </a:rPr>
+              <a:t>1  0.938      15.03       12.7    86.5       86.5</a:t>
+            </a:r>
+          </a:p>
+          <a:p>
+            <a:r>
+              <a:rPr lang="en-US" sz="1200" dirty="0">
+                <a:latin typeface="Lucida Sans Typewriter" pitchFamily="49" charset="0"/>
+              </a:rPr>
+              <a:t>2  0.700       2.34       12.7    13.5      100.0</a:t>
+            </a:r>
+          </a:p>
+          <a:p>
+            <a:endParaRPr lang="en-US" sz="1200" dirty="0">
+              <a:latin typeface="Lucida Sans Typewriter" pitchFamily="49" charset="0"/>
+            </a:endParaRPr>
+          </a:p>
+          <a:p>
+            <a:r>
+              <a:rPr lang="en-US" sz="1200" dirty="0">
+                <a:latin typeface="Lucida Sans Typewriter" pitchFamily="49" charset="0"/>
+              </a:rPr>
+              <a:t>Test of H0: The canonical correlations in the </a:t>
+            </a:r>
+          </a:p>
+          <a:p>
+            <a:r>
+              <a:rPr lang="en-US" sz="1200" dirty="0">
+                <a:latin typeface="Lucida Sans Typewriter" pitchFamily="49" charset="0"/>
+              </a:rPr>
+              <a:t>current row and all that follow are zero</a:t>
+            </a:r>
+          </a:p>
+          <a:p>
+            <a:endParaRPr lang="en-US" sz="1200" dirty="0">
+              <a:latin typeface="Lucida Sans Typewriter" pitchFamily="49" charset="0"/>
+            </a:endParaRPr>
+          </a:p>
+          <a:p>
+            <a:r>
+              <a:rPr lang="en-US" sz="1200" dirty="0">
+                <a:latin typeface="Lucida Sans Typewriter" pitchFamily="49" charset="0"/>
+              </a:rPr>
+              <a:t>  LR test stat </a:t>
+            </a:r>
+            <a:r>
+              <a:rPr lang="en-US" sz="1200" dirty="0" err="1">
+                <a:latin typeface="Lucida Sans Typewriter" pitchFamily="49" charset="0"/>
+              </a:rPr>
+              <a:t>approx</a:t>
+            </a:r>
+            <a:r>
+              <a:rPr lang="en-US" sz="1200" dirty="0">
+                <a:latin typeface="Lucida Sans Typewriter" pitchFamily="49" charset="0"/>
+              </a:rPr>
+              <a:t> F </a:t>
+            </a:r>
+            <a:r>
+              <a:rPr lang="en-US" sz="1200" dirty="0" err="1">
+                <a:latin typeface="Lucida Sans Typewriter" pitchFamily="49" charset="0"/>
+              </a:rPr>
+              <a:t>numDF</a:t>
+            </a:r>
+            <a:r>
+              <a:rPr lang="en-US" sz="1200" dirty="0">
+                <a:latin typeface="Lucida Sans Typewriter" pitchFamily="49" charset="0"/>
+              </a:rPr>
+              <a:t> </a:t>
+            </a:r>
+            <a:r>
+              <a:rPr lang="en-US" sz="1200" dirty="0" err="1">
+                <a:latin typeface="Lucida Sans Typewriter" pitchFamily="49" charset="0"/>
+              </a:rPr>
+              <a:t>denDF</a:t>
+            </a:r>
+            <a:r>
+              <a:rPr lang="en-US" sz="1200" dirty="0">
+                <a:latin typeface="Lucida Sans Typewriter" pitchFamily="49" charset="0"/>
+              </a:rPr>
+              <a:t> </a:t>
+            </a:r>
+            <a:r>
+              <a:rPr lang="en-US" sz="1200" dirty="0" err="1">
+                <a:latin typeface="Lucida Sans Typewriter" pitchFamily="49" charset="0"/>
+              </a:rPr>
+              <a:t>Pr</a:t>
+            </a:r>
+            <a:r>
+              <a:rPr lang="en-US" sz="1200" dirty="0">
+                <a:latin typeface="Lucida Sans Typewriter" pitchFamily="49" charset="0"/>
+              </a:rPr>
+              <a:t>(&gt; F)    </a:t>
+            </a:r>
+          </a:p>
+          <a:p>
+            <a:r>
+              <a:rPr lang="en-US" sz="1200" dirty="0">
+                <a:latin typeface="Lucida Sans Typewriter" pitchFamily="49" charset="0"/>
+              </a:rPr>
+              <a:t>1       0.0187      516     8   654  &lt;2e-16 ***</a:t>
+            </a:r>
+          </a:p>
+          <a:p>
+            <a:r>
+              <a:rPr lang="en-US" sz="1200" dirty="0">
+                <a:latin typeface="Lucida Sans Typewriter" pitchFamily="49" charset="0"/>
+              </a:rPr>
+              <a:t>2       0.2997      255     3   328  &lt;2e-16 ***</a:t>
+            </a:r>
+          </a:p>
+          <a:p>
+            <a:r>
+              <a:rPr lang="en-US" sz="1200" dirty="0">
+                <a:latin typeface="Lucida Sans Typewriter" pitchFamily="49" charset="0"/>
+              </a:rPr>
+              <a:t>---</a:t>
+            </a:r>
+          </a:p>
+          <a:p>
+            <a:r>
+              <a:rPr lang="en-US" sz="1200" dirty="0" err="1">
+                <a:latin typeface="Lucida Sans Typewriter" pitchFamily="49" charset="0"/>
+              </a:rPr>
+              <a:t>Signif</a:t>
+            </a:r>
+            <a:r>
+              <a:rPr lang="en-US" sz="1200" dirty="0">
+                <a:latin typeface="Lucida Sans Typewriter" pitchFamily="49" charset="0"/>
+              </a:rPr>
+              <a:t>. codes:  0 ‘***’ 0.001 ‘**’ 0.01 ‘*’ 0.05 ‘.’ 0.1 ‘ ’ 1</a:t>
+            </a:r>
+          </a:p>
+        </p:txBody>
+      </p:sp>
+      <p:sp>
+        <p:nvSpPr>
+          <p:cNvPr id="6" name="TextBox 5"/>
+          <p:cNvSpPr txBox="1"/>
+          <p:nvPr/>
+        </p:nvSpPr>
+        <p:spPr>
+          <a:xfrm>
+            <a:off x="5105400" y="5486400"/>
+            <a:ext cx="533400" cy="338554"/>
+          </a:xfrm>
+          <a:prstGeom prst="rect">
+            <a:avLst/>
+          </a:prstGeom>
+          <a:noFill/>
+        </p:spPr>
+        <p:txBody>
+          <a:bodyPr wrap="square" rtlCol="0">
+            <a:spAutoFit/>
+          </a:bodyPr>
+          <a:lstStyle/>
+          <a:p>
+            <a:pPr algn="ctr"/>
+            <a:r>
+              <a:rPr lang="en-US" sz="1600" dirty="0">
+                <a:solidFill>
+                  <a:srgbClr val="00B050"/>
+                </a:solidFill>
+                <a:sym typeface="Wingdings"/>
+              </a:rPr>
+              <a:t></a:t>
+            </a:r>
+            <a:endParaRPr lang="en-US" sz="1600" dirty="0">
+              <a:solidFill>
+                <a:srgbClr val="00B050"/>
+              </a:solidFill>
+            </a:endParaRPr>
+          </a:p>
+        </p:txBody>
+      </p:sp>
+      <p:sp>
+        <p:nvSpPr>
+          <p:cNvPr id="7" name="TextBox 6"/>
+          <p:cNvSpPr txBox="1"/>
+          <p:nvPr/>
+        </p:nvSpPr>
+        <p:spPr>
+          <a:xfrm>
+            <a:off x="5105400" y="5748754"/>
+            <a:ext cx="533400" cy="338554"/>
+          </a:xfrm>
+          <a:prstGeom prst="rect">
+            <a:avLst/>
+          </a:prstGeom>
+          <a:noFill/>
+        </p:spPr>
+        <p:txBody>
+          <a:bodyPr wrap="square" rtlCol="0">
+            <a:spAutoFit/>
+          </a:bodyPr>
+          <a:lstStyle/>
+          <a:p>
+            <a:pPr algn="ctr"/>
+            <a:r>
+              <a:rPr lang="en-US" sz="1600" dirty="0">
+                <a:solidFill>
+                  <a:srgbClr val="00B050"/>
+                </a:solidFill>
+                <a:sym typeface="Wingdings"/>
+              </a:rPr>
+              <a:t></a:t>
+            </a:r>
+            <a:endParaRPr lang="en-US" sz="1600" dirty="0">
+              <a:solidFill>
+                <a:srgbClr val="00B050"/>
+              </a:solidFill>
+            </a:endParaRPr>
+          </a:p>
+        </p:txBody>
+      </p:sp>
+    </p:spTree>
+    <p:extLst>
+      <p:ext uri="{BB962C8B-B14F-4D97-AF65-F5344CB8AC3E}">
+        <p14:creationId xmlns:p14="http://schemas.microsoft.com/office/powerpoint/2010/main" val="3568333382"/>
+      </p:ext>
+    </p:extLst>
+  </p:cSld>
+  <p:clrMapOvr>
+    <a:masterClrMapping/>
+  </p:clrMapOvr>
+</p:sld>
+</file>
+
+<file path=ppt/slides/slide43.xml><?xml version="1.0" encoding="utf-8"?>
+<p:sld xmlns:a="http://schemas.openxmlformats.org/drawingml/2006/main" xmlns:r="http://schemas.openxmlformats.org/officeDocument/2006/relationships" xmlns:p="http://schemas.openxmlformats.org/presentationml/2006/main">
+  <p:cSld>
+    <p:spTree>
+      <p:nvGrpSpPr>
+        <p:cNvPr id="1" name=""/>
+        <p:cNvGrpSpPr/>
+        <p:nvPr/>
+      </p:nvGrpSpPr>
+      <p:grpSpPr>
+        <a:xfrm>
+          <a:off x="0" y="0"/>
+          <a:ext cx="0" cy="0"/>
+          <a:chOff x="0" y="0"/>
+          <a:chExt cx="0" cy="0"/>
+        </a:xfrm>
+      </p:grpSpPr>
+      <p:sp>
+        <p:nvSpPr>
+          <p:cNvPr id="2" name="Title 1"/>
+          <p:cNvSpPr>
+            <a:spLocks noGrp="1"/>
+          </p:cNvSpPr>
+          <p:nvPr>
+            <p:ph type="title"/>
+          </p:nvPr>
+        </p:nvSpPr>
+        <p:spPr/>
+        <p:txBody>
+          <a:bodyPr/>
+          <a:lstStyle/>
+          <a:p>
+            <a:r>
+              <a:rPr lang="en-US" dirty="0"/>
+              <a:t>Canonical view</a:t>
+            </a:r>
+          </a:p>
+        </p:txBody>
+      </p:sp>
+      <p:sp>
+        <p:nvSpPr>
+          <p:cNvPr id="3" name="Slide Number Placeholder 2"/>
+          <p:cNvSpPr>
+            <a:spLocks noGrp="1"/>
+          </p:cNvSpPr>
+          <p:nvPr>
+            <p:ph type="sldNum" sz="quarter" idx="12"/>
+          </p:nvPr>
+        </p:nvSpPr>
+        <p:spPr/>
+        <p:txBody>
+          <a:bodyPr/>
+          <a:lstStyle/>
+          <a:p>
+            <a:fld id="{810B7604-93B8-4136-B9BD-D1CE89EE20B0}" type="slidenum">
+              <a:rPr lang="en-US" smtClean="0"/>
+              <a:t>43</a:t>
             </a:fld>
             <a:endParaRPr lang="en-US"/>
           </a:p>
@@ -20286,7 +20858,7 @@
 </p:sld>
 </file>
 
-<file path=ppt/slides/slide43.xml><?xml version="1.0" encoding="utf-8"?>
+<file path=ppt/slides/slide44.xml><?xml version="1.0" encoding="utf-8"?>
 <p:sld xmlns:a="http://schemas.openxmlformats.org/drawingml/2006/main" xmlns:r="http://schemas.openxmlformats.org/officeDocument/2006/relationships" xmlns:p="http://schemas.openxmlformats.org/presentationml/2006/main">
   <p:cSld>
     <p:spTree>
@@ -20342,7 +20914,7 @@
           <a:p>
             <a:fld id="{810B7604-93B8-4136-B9BD-D1CE89EE20B0}" type="slidenum">
               <a:rPr lang="en-US" smtClean="0"/>
-              <a:t>43</a:t>
+              <a:t>44</a:t>
             </a:fld>
             <a:endParaRPr lang="en-US"/>
           </a:p>
@@ -20520,7 +21092,7 @@
 </p:sld>
 </file>
 
-<file path=ppt/slides/slide44.xml><?xml version="1.0" encoding="utf-8"?>
+<file path=ppt/slides/slide45.xml><?xml version="1.0" encoding="utf-8"?>
 <p:sld xmlns:a="http://schemas.openxmlformats.org/drawingml/2006/main" xmlns:r="http://schemas.openxmlformats.org/officeDocument/2006/relationships" xmlns:p="http://schemas.openxmlformats.org/presentationml/2006/main">
   <p:cSld>
     <p:spTree>
@@ -20594,6 +21166,25 @@
             </a:r>
           </a:p>
           <a:p>
+            <a:pPr lvl="1"/>
+            <a:r>
+              <a:rPr lang="en-US" sz="2000" dirty="0"/>
+              <a:t>Indicates </a:t>
+            </a:r>
+            <a:r>
+              <a:rPr lang="en-US" sz="2000" dirty="0">
+                <a:solidFill>
+                  <a:srgbClr val="FF0000"/>
+                </a:solidFill>
+              </a:rPr>
+              <a:t># of dimensions </a:t>
+            </a:r>
+            <a:r>
+              <a:rPr lang="en-US" sz="2000" dirty="0"/>
+              <a:t>of responses</a:t>
+            </a:r>
+          </a:p>
+          <a:p>
             <a:r>
               <a:rPr lang="en-US" sz="2400" dirty="0"/>
               <a:t>Data ellipses</a:t>
@@ -20607,6 +21198,13 @@
             </a:r>
           </a:p>
           <a:p>
+            <a:pPr lvl="1"/>
+            <a:r>
+              <a:rPr lang="en-US" sz="2000" dirty="0"/>
+              <a:t>MANOVA: shows how groups differ in these</a:t>
+            </a:r>
+          </a:p>
+          <a:p>
             <a:r>
               <a:rPr lang="en-US" sz="2400" dirty="0"/>
               <a:t>HE framework</a:t>
@@ -20623,7 +21221,19 @@
             <a:pPr lvl="1"/>
             <a:r>
               <a:rPr lang="en-US" sz="2000" dirty="0"/>
-              <a:t>Canonical displays show these results in the 2D (or 3D) space that accounts for largest between-group variance.</a:t>
+              <a:t>Canonical displays show these results in the 2D (or 3D) space that accounts for largest </a:t>
+            </a:r>
+            <a:r>
+              <a:rPr lang="en-US" sz="2000" dirty="0">
+                <a:solidFill>
+                  <a:srgbClr val="FF0000"/>
+                </a:solidFill>
+              </a:rPr>
+              <a:t>between-group variance</a:t>
+            </a:r>
+            <a:r>
+              <a:rPr lang="en-US" sz="2000" dirty="0"/>
+              <a:t>.</a:t>
             </a:r>
           </a:p>
           <a:p>
@@ -20658,7 +21268,7 @@
           <a:p>
             <a:fld id="{810B7604-93B8-4136-B9BD-D1CE89EE20B0}" type="slidenum">
               <a:rPr lang="en-US" smtClean="0"/>
-              <a:t>44</a:t>
+              <a:t>45</a:t>
             </a:fld>
             <a:endParaRPr lang="en-US"/>
           </a:p>
@@ -20790,33 +21400,15 @@
                                   </p:childTnLst>
                                 </p:cTn>
                               </p:par>
-                            </p:childTnLst>
-                          </p:cTn>
-                        </p:par>
-                      </p:childTnLst>
-                    </p:cTn>
-                  </p:par>
-                  <p:par>
-                    <p:cTn id="11" fill="hold">
-                      <p:stCondLst>
-                        <p:cond delay="indefinite"/>
-                      </p:stCondLst>
-                      <p:childTnLst>
-                        <p:par>
-                          <p:cTn id="12" fill="hold">
-                            <p:stCondLst>
-                              <p:cond delay="0"/>
-                            </p:stCondLst>
-                            <p:childTnLst>
                               <p:par>
-                                <p:cTn id="13" presetID="1" presetClass="entr" presetSubtype="0" fill="hold" nodeType="clickEffect">
+                                <p:cTn id="11" presetID="1" presetClass="entr" presetSubtype="0" fill="hold" nodeType="withEffect">
                                   <p:stCondLst>
                                     <p:cond delay="0"/>
                                   </p:stCondLst>
                                   <p:childTnLst>
                                     <p:set>
                                       <p:cBhvr>
-                                        <p:cTn id="14" dur="1" fill="hold">
+                                        <p:cTn id="12" dur="1" fill="hold">
                                           <p:stCondLst>
                                             <p:cond delay="0"/>
                                           </p:stCondLst>
@@ -20839,8 +21431,26 @@
                                   </p:childTnLst>
                                 </p:cTn>
                               </p:par>
+                            </p:childTnLst>
+                          </p:cTn>
+                        </p:par>
+                      </p:childTnLst>
+                    </p:cTn>
+                  </p:par>
+                  <p:par>
+                    <p:cTn id="13" fill="hold">
+                      <p:stCondLst>
+                        <p:cond delay="indefinite"/>
+                      </p:stCondLst>
+                      <p:childTnLst>
+                        <p:par>
+                          <p:cTn id="14" fill="hold">
+                            <p:stCondLst>
+                              <p:cond delay="0"/>
+                            </p:stCondLst>
+                            <p:childTnLst>
                               <p:par>
-                                <p:cTn id="15" presetID="1" presetClass="entr" presetSubtype="0" fill="hold" nodeType="withEffect">
+                                <p:cTn id="15" presetID="1" presetClass="entr" presetSubtype="0" fill="hold" nodeType="clickEffect">
                                   <p:stCondLst>
                                     <p:cond delay="0"/>
                                   </p:stCondLst>
@@ -20870,33 +21480,15 @@
                                   </p:childTnLst>
                                 </p:cTn>
                               </p:par>
-                            </p:childTnLst>
-                          </p:cTn>
-                        </p:par>
-                      </p:childTnLst>
-                    </p:cTn>
-                  </p:par>
-                  <p:par>
-                    <p:cTn id="17" fill="hold">
-                      <p:stCondLst>
-                        <p:cond delay="indefinite"/>
-                      </p:stCondLst>
-                      <p:childTnLst>
-                        <p:par>
-                          <p:cTn id="18" fill="hold">
-                            <p:stCondLst>
-                              <p:cond delay="0"/>
-                            </p:stCondLst>
-                            <p:childTnLst>
                               <p:par>
-                                <p:cTn id="19" presetID="1" presetClass="entr" presetSubtype="0" fill="hold" nodeType="clickEffect">
+                                <p:cTn id="17" presetID="1" presetClass="entr" presetSubtype="0" fill="hold" nodeType="withEffect">
                                   <p:stCondLst>
                                     <p:cond delay="0"/>
                                   </p:stCondLst>
                                   <p:childTnLst>
                                     <p:set>
                                       <p:cBhvr>
-                                        <p:cTn id="20" dur="1" fill="hold">
+                                        <p:cTn id="18" dur="1" fill="hold">
                                           <p:stCondLst>
                                             <p:cond delay="0"/>
                                           </p:stCondLst>
@@ -20920,14 +21512,14 @@
                                 </p:cTn>
                               </p:par>
                               <p:par>
-                                <p:cTn id="21" presetID="1" presetClass="entr" presetSubtype="0" fill="hold" nodeType="withEffect">
+                                <p:cTn id="19" presetID="1" presetClass="entr" presetSubtype="0" fill="hold" nodeType="withEffect">
                                   <p:stCondLst>
                                     <p:cond delay="0"/>
                                   </p:stCondLst>
                                   <p:childTnLst>
                                     <p:set>
                                       <p:cBhvr>
-                                        <p:cTn id="22" dur="1" fill="hold">
+                                        <p:cTn id="20" dur="1" fill="hold">
                                           <p:stCondLst>
                                             <p:cond delay="0"/>
                                           </p:stCondLst>
@@ -20950,8 +21542,26 @@
                                   </p:childTnLst>
                                 </p:cTn>
                               </p:par>
+                            </p:childTnLst>
+                          </p:cTn>
+                        </p:par>
+                      </p:childTnLst>
+                    </p:cTn>
+                  </p:par>
+                  <p:par>
+                    <p:cTn id="21" fill="hold">
+                      <p:stCondLst>
+                        <p:cond delay="indefinite"/>
+                      </p:stCondLst>
+                      <p:childTnLst>
+                        <p:par>
+                          <p:cTn id="22" fill="hold">
+                            <p:stCondLst>
+                              <p:cond delay="0"/>
+                            </p:stCondLst>
+                            <p:childTnLst>
                               <p:par>
-                                <p:cTn id="23" presetID="1" presetClass="entr" presetSubtype="0" fill="hold" nodeType="withEffect">
+                                <p:cTn id="23" presetID="1" presetClass="entr" presetSubtype="0" fill="hold" nodeType="clickEffect">
                                   <p:stCondLst>
                                     <p:cond delay="0"/>
                                   </p:stCondLst>
@@ -20967,6 +21577,68 @@
                                           <p:spTgt spid="3">
                                             <p:txEl>
                                               <p:pRg st="7" end="7"/>
+                                            </p:txEl>
+                                          </p:spTgt>
+                                        </p:tgtEl>
+                                        <p:attrNameLst>
+                                          <p:attrName>style.visibility</p:attrName>
+                                        </p:attrNameLst>
+                                      </p:cBhvr>
+                                      <p:to>
+                                        <p:strVal val="visible"/>
+                                      </p:to>
+                                    </p:set>
+                                  </p:childTnLst>
+                                </p:cTn>
+                              </p:par>
+                              <p:par>
+                                <p:cTn id="25" presetID="1" presetClass="entr" presetSubtype="0" fill="hold" nodeType="withEffect">
+                                  <p:stCondLst>
+                                    <p:cond delay="0"/>
+                                  </p:stCondLst>
+                                  <p:childTnLst>
+                                    <p:set>
+                                      <p:cBhvr>
+                                        <p:cTn id="26" dur="1" fill="hold">
+                                          <p:stCondLst>
+                                            <p:cond delay="0"/>
+                                          </p:stCondLst>
+                                        </p:cTn>
+                                        <p:tgtEl>
+                                          <p:spTgt spid="3">
+                                            <p:txEl>
+                                              <p:pRg st="8" end="8"/>
+                                            </p:txEl>
+                                          </p:spTgt>
+                                        </p:tgtEl>
+                                        <p:attrNameLst>
+                                          <p:attrName>style.visibility</p:attrName>
+                                        </p:attrNameLst>
+                                      </p:cBhvr>
+                                      <p:to>
+                                        <p:strVal val="visible"/>
+                                      </p:to>
+                                    </p:set>
+                                  </p:childTnLst>
+                                </p:cTn>
+                              </p:par>
+                              <p:par>
+                                <p:cTn id="27" presetID="1" presetClass="entr" presetSubtype="0" fill="hold" nodeType="withEffect">
+                                  <p:stCondLst>
+                                    <p:cond delay="0"/>
+                                  </p:stCondLst>
+                                  <p:childTnLst>
+                                    <p:set>
+                                      <p:cBhvr>
+                                        <p:cTn id="28" dur="1" fill="hold">
+                                          <p:stCondLst>
+                                            <p:cond delay="0"/>
+                                          </p:stCondLst>
+                                        </p:cTn>
+                                        <p:tgtEl>
+                                          <p:spTgt spid="3">
+                                            <p:txEl>
+                                              <p:pRg st="9" end="9"/>
                                             </p:txEl>
                                           </p:spTgt>
                                         </p:tgtEl>
@@ -21012,7 +21684,7 @@
 </p:sld>
 </file>
 
-<file path=ppt/slides/slide45.xml><?xml version="1.0" encoding="utf-8"?>
+<file path=ppt/slides/slide46.xml><?xml version="1.0" encoding="utf-8"?>
 <p:sld xmlns:a="http://schemas.openxmlformats.org/drawingml/2006/main" xmlns:r="http://schemas.openxmlformats.org/officeDocument/2006/relationships" xmlns:p="http://schemas.openxmlformats.org/presentationml/2006/main" show="0">
   <p:cSld>
     <p:spTree>
@@ -21080,7 +21752,7 @@
           <a:p>
             <a:fld id="{810B7604-93B8-4136-B9BD-D1CE89EE20B0}" type="slidenum">
               <a:rPr lang="en-US" smtClean="0"/>
-              <a:t>45</a:t>
+              <a:t>46</a:t>
             </a:fld>
             <a:endParaRPr lang="en-US"/>
           </a:p>
@@ -22591,7 +23263,7 @@
 </p:sld>
 </file>
 
-<file path=ppt/slides/slide46.xml><?xml version="1.0" encoding="utf-8"?>
+<file path=ppt/slides/slide47.xml><?xml version="1.0" encoding="utf-8"?>
 <p:sld xmlns:a="http://schemas.openxmlformats.org/drawingml/2006/main" xmlns:r="http://schemas.openxmlformats.org/officeDocument/2006/relationships" xmlns:p="http://schemas.openxmlformats.org/presentationml/2006/main" show="0">
   <p:cSld>
     <p:spTree>
@@ -22631,7 +23303,7 @@
           <a:p>
             <a:fld id="{810B7604-93B8-4136-B9BD-D1CE89EE20B0}" type="slidenum">
               <a:rPr lang="en-US" smtClean="0"/>
-              <a:t>46</a:t>
+              <a:t>47</a:t>
             </a:fld>
             <a:endParaRPr lang="en-US"/>
           </a:p>
@@ -22685,7 +23357,7 @@
             <a:graphicData uri="http://schemas.openxmlformats.org/presentationml/2006/ole">
               <mc:AlternateContent xmlns:mc="http://schemas.openxmlformats.org/markup-compatibility/2006">
                 <mc:Choice xmlns:v="urn:schemas-microsoft-com:vml" Requires="v">
-                  <p:oleObj spid="_x0000_s14591" name="Equation" r:id="rId3" imgW="203040" imgH="253800" progId="Equation.DSMT4">
+                  <p:oleObj spid="_x0000_s14651" name="Equation" r:id="rId3" imgW="203040" imgH="253800" progId="Equation.DSMT4">
                     <p:embed/>
                   </p:oleObj>
                 </mc:Choice>
@@ -23059,7 +23731,7 @@
               <a:graphicData uri="http://schemas.openxmlformats.org/presentationml/2006/ole">
                 <mc:AlternateContent xmlns:mc="http://schemas.openxmlformats.org/markup-compatibility/2006">
                   <mc:Choice xmlns:v="urn:schemas-microsoft-com:vml" Requires="v">
-                    <p:oleObj spid="_x0000_s14592" name="Equation" r:id="rId5" imgW="190440" imgH="228600" progId="Equation.DSMT4">
+                    <p:oleObj spid="_x0000_s14652" name="Equation" r:id="rId5" imgW="190440" imgH="228600" progId="Equation.DSMT4">
                       <p:embed/>
                     </p:oleObj>
                   </mc:Choice>
@@ -23122,7 +23794,7 @@
               <a:graphicData uri="http://schemas.openxmlformats.org/presentationml/2006/ole">
                 <mc:AlternateContent xmlns:mc="http://schemas.openxmlformats.org/markup-compatibility/2006">
                   <mc:Choice xmlns:v="urn:schemas-microsoft-com:vml" Requires="v">
-                    <p:oleObj spid="_x0000_s14593" name="Equation" r:id="rId7" imgW="241200" imgH="253800" progId="Equation.DSMT4">
+                    <p:oleObj spid="_x0000_s14653" name="Equation" r:id="rId7" imgW="241200" imgH="253800" progId="Equation.DSMT4">
                       <p:embed/>
                     </p:oleObj>
                   </mc:Choice>
@@ -23205,7 +23877,7 @@
                 <a:graphicData uri="http://schemas.openxmlformats.org/presentationml/2006/ole">
                   <mc:AlternateContent xmlns:mc="http://schemas.openxmlformats.org/markup-compatibility/2006">
                     <mc:Choice xmlns:v="urn:schemas-microsoft-com:vml" Requires="v">
-                      <p:oleObj spid="_x0000_s14594" name="Equation" r:id="rId9" imgW="596880" imgH="241200" progId="Equation.DSMT4">
+                      <p:oleObj spid="_x0000_s14654" name="Equation" r:id="rId9" imgW="596880" imgH="241200" progId="Equation.DSMT4">
                         <p:embed/>
                       </p:oleObj>
                     </mc:Choice>
@@ -23331,7 +24003,7 @@
                 <a:graphicData uri="http://schemas.openxmlformats.org/presentationml/2006/ole">
                   <mc:AlternateContent xmlns:mc="http://schemas.openxmlformats.org/markup-compatibility/2006">
                     <mc:Choice xmlns:v="urn:schemas-microsoft-com:vml" Requires="v">
-                      <p:oleObj spid="_x0000_s14595" name="Equation" r:id="rId11" imgW="622080" imgH="241200" progId="Equation.DSMT4">
+                      <p:oleObj spid="_x0000_s14655" name="Equation" r:id="rId11" imgW="622080" imgH="241200" progId="Equation.DSMT4">
                         <p:embed/>
                       </p:oleObj>
                     </mc:Choice>
@@ -23457,7 +24129,7 @@
                 <a:graphicData uri="http://schemas.openxmlformats.org/presentationml/2006/ole">
                   <mc:AlternateContent xmlns:mc="http://schemas.openxmlformats.org/markup-compatibility/2006">
                     <mc:Choice xmlns:v="urn:schemas-microsoft-com:vml" Requires="v">
-                      <p:oleObj spid="_x0000_s14596" name="Equation" r:id="rId13" imgW="609480" imgH="241200" progId="Equation.DSMT4">
+                      <p:oleObj spid="_x0000_s14656" name="Equation" r:id="rId13" imgW="609480" imgH="241200" progId="Equation.DSMT4">
                         <p:embed/>
                       </p:oleObj>
                     </mc:Choice>
@@ -23585,7 +24257,7 @@
             <a:graphicData uri="http://schemas.openxmlformats.org/presentationml/2006/ole">
               <mc:AlternateContent xmlns:mc="http://schemas.openxmlformats.org/markup-compatibility/2006">
                 <mc:Choice xmlns:v="urn:schemas-microsoft-com:vml" Requires="v">
-                  <p:oleObj spid="_x0000_s14597" name="Equation" r:id="rId15" imgW="203040" imgH="253800" progId="Equation.DSMT4">
+                  <p:oleObj spid="_x0000_s14657" name="Equation" r:id="rId15" imgW="203040" imgH="253800" progId="Equation.DSMT4">
                     <p:embed/>
                   </p:oleObj>
                 </mc:Choice>
@@ -23945,7 +24617,7 @@
             <a:graphicData uri="http://schemas.openxmlformats.org/presentationml/2006/ole">
               <mc:AlternateContent xmlns:mc="http://schemas.openxmlformats.org/markup-compatibility/2006">
                 <mc:Choice xmlns:v="urn:schemas-microsoft-com:vml" Requires="v">
-                  <p:oleObj spid="_x0000_s14598" name="Equation" r:id="rId16" imgW="190440" imgH="228600" progId="Equation.DSMT4">
+                  <p:oleObj spid="_x0000_s14658" name="Equation" r:id="rId16" imgW="190440" imgH="228600" progId="Equation.DSMT4">
                     <p:embed/>
                   </p:oleObj>
                 </mc:Choice>
@@ -24014,7 +24686,7 @@
             <a:graphicData uri="http://schemas.openxmlformats.org/presentationml/2006/ole">
               <mc:AlternateContent xmlns:mc="http://schemas.openxmlformats.org/markup-compatibility/2006">
                 <mc:Choice xmlns:v="urn:schemas-microsoft-com:vml" Requires="v">
-                  <p:oleObj spid="_x0000_s14599" name="Equation" r:id="rId17" imgW="241200" imgH="253800" progId="Equation.DSMT4">
+                  <p:oleObj spid="_x0000_s14659" name="Equation" r:id="rId17" imgW="241200" imgH="253800" progId="Equation.DSMT4">
                     <p:embed/>
                   </p:oleObj>
                 </mc:Choice>
@@ -24103,7 +24775,7 @@
               <a:graphicData uri="http://schemas.openxmlformats.org/presentationml/2006/ole">
                 <mc:AlternateContent xmlns:mc="http://schemas.openxmlformats.org/markup-compatibility/2006">
                   <mc:Choice xmlns:v="urn:schemas-microsoft-com:vml" Requires="v">
-                    <p:oleObj spid="_x0000_s14600" name="Equation" r:id="rId18" imgW="596880" imgH="241200" progId="Equation.DSMT4">
+                    <p:oleObj spid="_x0000_s14660" name="Equation" r:id="rId18" imgW="596880" imgH="241200" progId="Equation.DSMT4">
                       <p:embed/>
                     </p:oleObj>
                   </mc:Choice>
@@ -24229,7 +24901,7 @@
               <a:graphicData uri="http://schemas.openxmlformats.org/presentationml/2006/ole">
                 <mc:AlternateContent xmlns:mc="http://schemas.openxmlformats.org/markup-compatibility/2006">
                   <mc:Choice xmlns:v="urn:schemas-microsoft-com:vml" Requires="v">
-                    <p:oleObj spid="_x0000_s14601" name="Equation" r:id="rId19" imgW="622080" imgH="241200" progId="Equation.DSMT4">
+                    <p:oleObj spid="_x0000_s14661" name="Equation" r:id="rId19" imgW="622080" imgH="241200" progId="Equation.DSMT4">
                       <p:embed/>
                     </p:oleObj>
                   </mc:Choice>
@@ -24355,7 +25027,7 @@
               <a:graphicData uri="http://schemas.openxmlformats.org/presentationml/2006/ole">
                 <mc:AlternateContent xmlns:mc="http://schemas.openxmlformats.org/markup-compatibility/2006">
                   <mc:Choice xmlns:v="urn:schemas-microsoft-com:vml" Requires="v">
-                    <p:oleObj spid="_x0000_s14602" name="Equation" r:id="rId20" imgW="609480" imgH="241200" progId="Equation.DSMT4">
+                    <p:oleObj spid="_x0000_s14662" name="Equation" r:id="rId20" imgW="609480" imgH="241200" progId="Equation.DSMT4">
                       <p:embed/>
                     </p:oleObj>
                   </mc:Choice>
@@ -24583,7 +25255,7 @@
           <a:graphicData uri="http://schemas.openxmlformats.org/presentationml/2006/ole">
             <mc:AlternateContent xmlns:mc="http://schemas.openxmlformats.org/markup-compatibility/2006">
               <mc:Choice xmlns:v="urn:schemas-microsoft-com:vml" Requires="v">
-                <p:oleObj spid="_x0000_s1345" name="Equation" r:id="rId3" imgW="1143000" imgH="330120" progId="Equation.DSMT4">
+                <p:oleObj spid="_x0000_s1370" name="Equation" r:id="rId3" imgW="1143000" imgH="330120" progId="Equation.DSMT4">
                   <p:embed/>
                 </p:oleObj>
               </mc:Choice>
@@ -24640,7 +25312,7 @@
           <a:graphicData uri="http://schemas.openxmlformats.org/presentationml/2006/ole">
             <mc:AlternateContent xmlns:mc="http://schemas.openxmlformats.org/markup-compatibility/2006">
               <mc:Choice xmlns:v="urn:schemas-microsoft-com:vml" Requires="v">
-                <p:oleObj spid="_x0000_s1346" name="Equation" r:id="rId5" imgW="1244520" imgH="291960" progId="Equation.DSMT4">
+                <p:oleObj spid="_x0000_s1371" name="Equation" r:id="rId5" imgW="1244520" imgH="291960" progId="Equation.DSMT4">
                   <p:embed/>
                 </p:oleObj>
               </mc:Choice>
@@ -24727,7 +25399,7 @@
           <a:graphicData uri="http://schemas.openxmlformats.org/presentationml/2006/ole">
             <mc:AlternateContent xmlns:mc="http://schemas.openxmlformats.org/markup-compatibility/2006">
               <mc:Choice xmlns:v="urn:schemas-microsoft-com:vml" Requires="v">
-                <p:oleObj spid="_x0000_s1347" name="Equation" r:id="rId7" imgW="2286000" imgH="685800" progId="Equation.DSMT4">
+                <p:oleObj spid="_x0000_s1372" name="Equation" r:id="rId7" imgW="2286000" imgH="685800" progId="Equation.DSMT4">
                   <p:embed/>
                 </p:oleObj>
               </mc:Choice>
@@ -24797,7 +25469,7 @@
           <a:graphicData uri="http://schemas.openxmlformats.org/presentationml/2006/ole">
             <mc:AlternateContent xmlns:mc="http://schemas.openxmlformats.org/markup-compatibility/2006">
               <mc:Choice xmlns:v="urn:schemas-microsoft-com:vml" Requires="v">
-                <p:oleObj spid="_x0000_s1348" name="Equation" r:id="rId9" imgW="1396800" imgH="431640" progId="Equation.DSMT4">
+                <p:oleObj spid="_x0000_s1373" name="Equation" r:id="rId9" imgW="1396800" imgH="431640" progId="Equation.DSMT4">
                   <p:embed/>
                 </p:oleObj>
               </mc:Choice>
@@ -25008,7 +25680,7 @@
           <a:graphicData uri="http://schemas.openxmlformats.org/presentationml/2006/ole">
             <mc:AlternateContent xmlns:mc="http://schemas.openxmlformats.org/markup-compatibility/2006">
               <mc:Choice xmlns:v="urn:schemas-microsoft-com:vml" Requires="v">
-                <p:oleObj spid="_x0000_s1349" name="Equation" r:id="rId11" imgW="2425680" imgH="241200" progId="Equation.DSMT4">
+                <p:oleObj spid="_x0000_s1374" name="Equation" r:id="rId11" imgW="2425680" imgH="241200" progId="Equation.DSMT4">
                   <p:embed/>
                 </p:oleObj>
               </mc:Choice>
@@ -25250,7 +25922,7 @@
           <a:graphicData uri="http://schemas.openxmlformats.org/presentationml/2006/ole">
             <mc:AlternateContent xmlns:mc="http://schemas.openxmlformats.org/markup-compatibility/2006">
               <mc:Choice xmlns:v="urn:schemas-microsoft-com:vml" Requires="v">
-                <p:oleObj spid="_x0000_s13416" name="Equation" r:id="rId4" imgW="812520" imgH="253800" progId="Equation.DSMT4">
+                <p:oleObj spid="_x0000_s13431" name="Equation" r:id="rId4" imgW="812520" imgH="253800" progId="Equation.DSMT4">
                   <p:embed/>
                 </p:oleObj>
               </mc:Choice>
@@ -25313,7 +25985,7 @@
           <a:graphicData uri="http://schemas.openxmlformats.org/presentationml/2006/ole">
             <mc:AlternateContent xmlns:mc="http://schemas.openxmlformats.org/markup-compatibility/2006">
               <mc:Choice xmlns:v="urn:schemas-microsoft-com:vml" Requires="v">
-                <p:oleObj spid="_x0000_s13417" name="Equation" r:id="rId6" imgW="838080" imgH="253800" progId="Equation.DSMT4">
+                <p:oleObj spid="_x0000_s13432" name="Equation" r:id="rId6" imgW="838080" imgH="253800" progId="Equation.DSMT4">
                   <p:embed/>
                 </p:oleObj>
               </mc:Choice>
@@ -25376,7 +26048,7 @@
           <a:graphicData uri="http://schemas.openxmlformats.org/presentationml/2006/ole">
             <mc:AlternateContent xmlns:mc="http://schemas.openxmlformats.org/markup-compatibility/2006">
               <mc:Choice xmlns:v="urn:schemas-microsoft-com:vml" Requires="v">
-                <p:oleObj spid="_x0000_s13418" name="Equation" r:id="rId8" imgW="825480" imgH="253800" progId="Equation.DSMT4">
+                <p:oleObj spid="_x0000_s13433" name="Equation" r:id="rId8" imgW="825480" imgH="253800" progId="Equation.DSMT4">
                   <p:embed/>
                 </p:oleObj>
               </mc:Choice>
@@ -25915,7 +26587,7 @@
           <a:graphicData uri="http://schemas.openxmlformats.org/presentationml/2006/ole">
             <mc:AlternateContent xmlns:mc="http://schemas.openxmlformats.org/markup-compatibility/2006">
               <mc:Choice xmlns:v="urn:schemas-microsoft-com:vml" Requires="v">
-                <p:oleObj spid="_x0000_s2331" name="Equation" r:id="rId3" imgW="1231560" imgH="291960" progId="Equation.DSMT4">
+                <p:oleObj spid="_x0000_s2346" name="Equation" r:id="rId3" imgW="1231560" imgH="291960" progId="Equation.DSMT4">
                   <p:embed/>
                 </p:oleObj>
               </mc:Choice>
@@ -25972,7 +26644,7 @@
           <a:graphicData uri="http://schemas.openxmlformats.org/presentationml/2006/ole">
             <mc:AlternateContent xmlns:mc="http://schemas.openxmlformats.org/markup-compatibility/2006">
               <mc:Choice xmlns:v="urn:schemas-microsoft-com:vml" Requires="v">
-                <p:oleObj spid="_x0000_s2332" name="Equation" r:id="rId5" imgW="1282680" imgH="291960" progId="Equation.DSMT4">
+                <p:oleObj spid="_x0000_s2347" name="Equation" r:id="rId5" imgW="1282680" imgH="291960" progId="Equation.DSMT4">
                   <p:embed/>
                 </p:oleObj>
               </mc:Choice>
@@ -26066,7 +26738,7 @@
           <a:graphicData uri="http://schemas.openxmlformats.org/presentationml/2006/ole">
             <mc:AlternateContent xmlns:mc="http://schemas.openxmlformats.org/markup-compatibility/2006">
               <mc:Choice xmlns:v="urn:schemas-microsoft-com:vml" Requires="v">
-                <p:oleObj spid="_x0000_s2333" name="Equation" r:id="rId7" imgW="1854000" imgH="609480" progId="Equation.DSMT4">
+                <p:oleObj spid="_x0000_s2348" name="Equation" r:id="rId7" imgW="1854000" imgH="609480" progId="Equation.DSMT4">
                   <p:embed/>
                 </p:oleObj>
               </mc:Choice>
@@ -26854,7 +27526,7 @@
             <a:graphicData uri="http://schemas.openxmlformats.org/presentationml/2006/ole">
               <mc:AlternateContent xmlns:mc="http://schemas.openxmlformats.org/markup-compatibility/2006">
                 <mc:Choice xmlns:v="urn:schemas-microsoft-com:vml" Requires="v">
-                  <p:oleObj spid="_x0000_s15482" name="Equation" r:id="rId8" imgW="203040" imgH="253800" progId="Equation.DSMT4">
+                  <p:oleObj spid="_x0000_s15512" name="Equation" r:id="rId8" imgW="203040" imgH="253800" progId="Equation.DSMT4">
                     <p:embed/>
                   </p:oleObj>
                 </mc:Choice>
@@ -27214,7 +27886,7 @@
             <a:graphicData uri="http://schemas.openxmlformats.org/presentationml/2006/ole">
               <mc:AlternateContent xmlns:mc="http://schemas.openxmlformats.org/markup-compatibility/2006">
                 <mc:Choice xmlns:v="urn:schemas-microsoft-com:vml" Requires="v">
-                  <p:oleObj spid="_x0000_s15483" name="Equation" r:id="rId10" imgW="190440" imgH="228600" progId="Equation.DSMT4">
+                  <p:oleObj spid="_x0000_s15513" name="Equation" r:id="rId10" imgW="190440" imgH="228600" progId="Equation.DSMT4">
                     <p:embed/>
                   </p:oleObj>
                 </mc:Choice>
@@ -27283,7 +27955,7 @@
             <a:graphicData uri="http://schemas.openxmlformats.org/presentationml/2006/ole">
               <mc:AlternateContent xmlns:mc="http://schemas.openxmlformats.org/markup-compatibility/2006">
                 <mc:Choice xmlns:v="urn:schemas-microsoft-com:vml" Requires="v">
-                  <p:oleObj spid="_x0000_s15484" name="Equation" r:id="rId12" imgW="241200" imgH="253800" progId="Equation.DSMT4">
+                  <p:oleObj spid="_x0000_s15514" name="Equation" r:id="rId12" imgW="241200" imgH="253800" progId="Equation.DSMT4">
                     <p:embed/>
                   </p:oleObj>
                 </mc:Choice>
@@ -27372,7 +28044,7 @@
               <a:graphicData uri="http://schemas.openxmlformats.org/presentationml/2006/ole">
                 <mc:AlternateContent xmlns:mc="http://schemas.openxmlformats.org/markup-compatibility/2006">
                   <mc:Choice xmlns:v="urn:schemas-microsoft-com:vml" Requires="v">
-                    <p:oleObj spid="_x0000_s15485" name="Equation" r:id="rId14" imgW="596880" imgH="241200" progId="Equation.DSMT4">
+                    <p:oleObj spid="_x0000_s15515" name="Equation" r:id="rId14" imgW="596880" imgH="241200" progId="Equation.DSMT4">
                       <p:embed/>
                     </p:oleObj>
                   </mc:Choice>
@@ -27498,7 +28170,7 @@
               <a:graphicData uri="http://schemas.openxmlformats.org/presentationml/2006/ole">
                 <mc:AlternateContent xmlns:mc="http://schemas.openxmlformats.org/markup-compatibility/2006">
                   <mc:Choice xmlns:v="urn:schemas-microsoft-com:vml" Requires="v">
-                    <p:oleObj spid="_x0000_s15486" name="Equation" r:id="rId16" imgW="622080" imgH="241200" progId="Equation.DSMT4">
+                    <p:oleObj spid="_x0000_s15516" name="Equation" r:id="rId16" imgW="622080" imgH="241200" progId="Equation.DSMT4">
                       <p:embed/>
                     </p:oleObj>
                   </mc:Choice>
@@ -27624,7 +28296,7 @@
               <a:graphicData uri="http://schemas.openxmlformats.org/presentationml/2006/ole">
                 <mc:AlternateContent xmlns:mc="http://schemas.openxmlformats.org/markup-compatibility/2006">
                   <mc:Choice xmlns:v="urn:schemas-microsoft-com:vml" Requires="v">
-                    <p:oleObj spid="_x0000_s15487" name="Equation" r:id="rId18" imgW="609480" imgH="241200" progId="Equation.DSMT4">
+                    <p:oleObj spid="_x0000_s15517" name="Equation" r:id="rId18" imgW="609480" imgH="241200" progId="Equation.DSMT4">
                       <p:embed/>
                     </p:oleObj>
                   </mc:Choice>
@@ -28471,7 +29143,7 @@
           <a:graphicData uri="http://schemas.openxmlformats.org/presentationml/2006/ole">
             <mc:AlternateContent xmlns:mc="http://schemas.openxmlformats.org/markup-compatibility/2006">
               <mc:Choice xmlns:v="urn:schemas-microsoft-com:vml" Requires="v">
-                <p:oleObj spid="_x0000_s16422" name="Equation" r:id="rId5" imgW="393480" imgH="203040" progId="Equation.DSMT4">
+                <p:oleObj spid="_x0000_s16432" name="Equation" r:id="rId5" imgW="393480" imgH="203040" progId="Equation.DSMT4">
                   <p:embed/>
                 </p:oleObj>
               </mc:Choice>
@@ -28522,7 +29194,7 @@
           <a:graphicData uri="http://schemas.openxmlformats.org/presentationml/2006/ole">
             <mc:AlternateContent xmlns:mc="http://schemas.openxmlformats.org/markup-compatibility/2006">
               <mc:Choice xmlns:v="urn:schemas-microsoft-com:vml" Requires="v">
-                <p:oleObj spid="_x0000_s16423" name="Equation" r:id="rId7" imgW="355320" imgH="203040" progId="Equation.DSMT4">
+                <p:oleObj spid="_x0000_s16433" name="Equation" r:id="rId7" imgW="355320" imgH="203040" progId="Equation.DSMT4">
                   <p:embed/>
                 </p:oleObj>
               </mc:Choice>

--- a/lectures/lecture2.pptx
+++ b/lectures/lecture2.pptx
@@ -1,20 +1,20 @@
 
 <file path=ppt/presentation.xml><?xml version="1.0" encoding="utf-8"?>
-<p:presentation xmlns:a="http://schemas.openxmlformats.org/drawingml/2006/main" xmlns:r="http://schemas.openxmlformats.org/officeDocument/2006/relationships" xmlns:p="http://schemas.openxmlformats.org/presentationml/2006/main" saveSubsetFonts="1">
+<p:presentation xmlns:a="http://schemas.openxmlformats.org/drawingml/2006/main" xmlns:r="http://schemas.openxmlformats.org/officeDocument/2006/relationships" xmlns:p="http://schemas.openxmlformats.org/presentationml/2006/main" embedTrueTypeFonts="1" saveSubsetFonts="1">
   <p:sldMasterIdLst>
     <p:sldMasterId id="2147483660" r:id="rId1"/>
   </p:sldMasterIdLst>
   <p:notesMasterIdLst>
-    <p:notesMasterId r:id="rId51"/>
+    <p:notesMasterId r:id="rId52"/>
   </p:notesMasterIdLst>
   <p:sldIdLst>
     <p:sldId id="256" r:id="rId2"/>
     <p:sldId id="257" r:id="rId3"/>
     <p:sldId id="288" r:id="rId4"/>
-    <p:sldId id="293" r:id="rId5"/>
-    <p:sldId id="289" r:id="rId6"/>
-    <p:sldId id="334" r:id="rId7"/>
-    <p:sldId id="326" r:id="rId8"/>
+    <p:sldId id="335" r:id="rId5"/>
+    <p:sldId id="293" r:id="rId6"/>
+    <p:sldId id="289" r:id="rId7"/>
+    <p:sldId id="334" r:id="rId8"/>
     <p:sldId id="333" r:id="rId9"/>
     <p:sldId id="290" r:id="rId10"/>
     <p:sldId id="328" r:id="rId11"/>
@@ -40,26 +40,59 @@
     <p:sldId id="310" r:id="rId31"/>
     <p:sldId id="311" r:id="rId32"/>
     <p:sldId id="308" r:id="rId33"/>
-    <p:sldId id="312" r:id="rId34"/>
-    <p:sldId id="313" r:id="rId35"/>
-    <p:sldId id="314" r:id="rId36"/>
-    <p:sldId id="315" r:id="rId37"/>
-    <p:sldId id="317" r:id="rId38"/>
-    <p:sldId id="316" r:id="rId39"/>
-    <p:sldId id="318" r:id="rId40"/>
-    <p:sldId id="319" r:id="rId41"/>
-    <p:sldId id="320" r:id="rId42"/>
-    <p:sldId id="321" r:id="rId43"/>
-    <p:sldId id="325" r:id="rId44"/>
-    <p:sldId id="322" r:id="rId45"/>
-    <p:sldId id="324" r:id="rId46"/>
-    <p:sldId id="323" r:id="rId47"/>
-    <p:sldId id="287" r:id="rId48"/>
-    <p:sldId id="327" r:id="rId49"/>
-    <p:sldId id="330" r:id="rId50"/>
+    <p:sldId id="267" r:id="rId34"/>
+    <p:sldId id="312" r:id="rId35"/>
+    <p:sldId id="313" r:id="rId36"/>
+    <p:sldId id="314" r:id="rId37"/>
+    <p:sldId id="315" r:id="rId38"/>
+    <p:sldId id="317" r:id="rId39"/>
+    <p:sldId id="316" r:id="rId40"/>
+    <p:sldId id="318" r:id="rId41"/>
+    <p:sldId id="319" r:id="rId42"/>
+    <p:sldId id="320" r:id="rId43"/>
+    <p:sldId id="321" r:id="rId44"/>
+    <p:sldId id="325" r:id="rId45"/>
+    <p:sldId id="322" r:id="rId46"/>
+    <p:sldId id="324" r:id="rId47"/>
+    <p:sldId id="323" r:id="rId48"/>
+    <p:sldId id="287" r:id="rId49"/>
+    <p:sldId id="327" r:id="rId50"/>
+    <p:sldId id="330" r:id="rId51"/>
   </p:sldIdLst>
   <p:sldSz cx="9144000" cy="6858000" type="screen4x3"/>
   <p:notesSz cx="6858000" cy="9144000"/>
+  <p:embeddedFontLst>
+    <p:embeddedFont>
+      <p:font typeface="Arial Unicode MS" panose="020B0604020202020204" pitchFamily="34" charset="-128"/>
+      <p:regular r:id="rId53"/>
+    </p:embeddedFont>
+    <p:embeddedFont>
+      <p:font typeface="Calibri" panose="020F0502020204030204" pitchFamily="34" charset="0"/>
+      <p:regular r:id="rId54"/>
+      <p:bold r:id="rId55"/>
+      <p:italic r:id="rId56"/>
+      <p:boldItalic r:id="rId57"/>
+    </p:embeddedFont>
+    <p:embeddedFont>
+      <p:font typeface="Cambria Math" panose="02040503050406030204" pitchFamily="18" charset="0"/>
+      <p:regular r:id="rId58"/>
+    </p:embeddedFont>
+    <p:embeddedFont>
+      <p:font typeface="Lucida Console" panose="020B0609040504020204" pitchFamily="49" charset="0"/>
+      <p:regular r:id="rId59"/>
+    </p:embeddedFont>
+    <p:embeddedFont>
+      <p:font typeface="Lucida Sans Typewriter" panose="020B0509030504030204" pitchFamily="49" charset="0"/>
+      <p:regular r:id="rId60"/>
+      <p:bold r:id="rId61"/>
+      <p:italic r:id="rId62"/>
+      <p:boldItalic r:id="rId63"/>
+    </p:embeddedFont>
+    <p:embeddedFont>
+      <p:font typeface="SAS Monospace" panose="020B0609020202020204" pitchFamily="49" charset="0"/>
+      <p:regular r:id="rId64"/>
+    </p:embeddedFont>
+  </p:embeddedFontLst>
   <p:defaultTextStyle>
     <a:defPPr>
       <a:defRPr lang="en-US"/>
@@ -167,10 +200,10 @@
         <p14:section name="Intro" id="{4876BA57-46C2-4F8B-BE68-1F402F145CD4}">
           <p14:sldIdLst>
             <p14:sldId id="288"/>
+            <p14:sldId id="335"/>
             <p14:sldId id="293"/>
             <p14:sldId id="289"/>
             <p14:sldId id="334"/>
-            <p14:sldId id="326"/>
             <p14:sldId id="333"/>
             <p14:sldId id="290"/>
             <p14:sldId id="328"/>
@@ -204,6 +237,7 @@
             <p14:sldId id="310"/>
             <p14:sldId id="311"/>
             <p14:sldId id="308"/>
+            <p14:sldId id="267"/>
             <p14:sldId id="312"/>
             <p14:sldId id="313"/>
             <p14:sldId id="314"/>
@@ -325,7 +359,7 @@
           <a:p>
             <a:fld id="{88225CEC-B4DB-421E-BD7D-F5D0F79EA658}" type="datetimeFigureOut">
               <a:rPr lang="en-US" smtClean="0"/>
-              <a:t>11/1/2021</a:t>
+              <a:t>11/3/2021</a:t>
             </a:fld>
             <a:endParaRPr lang="en-US"/>
           </a:p>
@@ -629,7 +663,7 @@
             <a:fld id="{55BAD0BE-CBCD-4851-99BE-1C3305940450}" type="slidenum">
               <a:rPr lang="en-US" altLang="en-US"/>
               <a:pPr/>
-              <a:t>4</a:t>
+              <a:t>5</a:t>
             </a:fld>
             <a:endParaRPr lang="en-US" altLang="en-US"/>
           </a:p>
@@ -855,7 +889,7 @@
           <a:p>
             <a:fld id="{2F895662-E2E6-47BC-B493-3EA4FCF734B6}" type="datetime1">
               <a:rPr lang="en-US" smtClean="0"/>
-              <a:t>11/1/2021</a:t>
+              <a:t>11/3/2021</a:t>
             </a:fld>
             <a:endParaRPr lang="en-US"/>
           </a:p>
@@ -1023,7 +1057,7 @@
           <a:p>
             <a:fld id="{0F4BFD65-5602-4172-B54C-6A65165A1845}" type="datetime1">
               <a:rPr lang="en-US" smtClean="0"/>
-              <a:t>11/1/2021</a:t>
+              <a:t>11/3/2021</a:t>
             </a:fld>
             <a:endParaRPr lang="en-US"/>
           </a:p>
@@ -1201,7 +1235,7 @@
           <a:p>
             <a:fld id="{6CA290DE-8138-4626-BC3F-DF68A3BD09D8}" type="datetime1">
               <a:rPr lang="en-US" smtClean="0"/>
-              <a:t>11/1/2021</a:t>
+              <a:t>11/3/2021</a:t>
             </a:fld>
             <a:endParaRPr lang="en-US"/>
           </a:p>
@@ -1369,7 +1403,7 @@
           <a:p>
             <a:fld id="{E1BE8E3F-75DF-45E8-9F6B-4F2E22494A32}" type="datetime1">
               <a:rPr lang="en-US" smtClean="0"/>
-              <a:t>11/1/2021</a:t>
+              <a:t>11/3/2021</a:t>
             </a:fld>
             <a:endParaRPr lang="en-US"/>
           </a:p>
@@ -1614,7 +1648,7 @@
           <a:p>
             <a:fld id="{82F4DA82-3E7C-4CFB-A30B-53D3893EF32E}" type="datetime1">
               <a:rPr lang="en-US" smtClean="0"/>
-              <a:t>11/1/2021</a:t>
+              <a:t>11/3/2021</a:t>
             </a:fld>
             <a:endParaRPr lang="en-US"/>
           </a:p>
@@ -1899,7 +1933,7 @@
           <a:p>
             <a:fld id="{36B3D8AD-4C83-4D73-AEE7-5E801ED5356C}" type="datetime1">
               <a:rPr lang="en-US" smtClean="0"/>
-              <a:t>11/1/2021</a:t>
+              <a:t>11/3/2021</a:t>
             </a:fld>
             <a:endParaRPr lang="en-US"/>
           </a:p>
@@ -2318,7 +2352,7 @@
           <a:p>
             <a:fld id="{7E6893DB-DD64-49D6-A5C2-F6ACE2B1530B}" type="datetime1">
               <a:rPr lang="en-US" smtClean="0"/>
-              <a:t>11/1/2021</a:t>
+              <a:t>11/3/2021</a:t>
             </a:fld>
             <a:endParaRPr lang="en-US"/>
           </a:p>
@@ -2435,7 +2469,7 @@
           <a:p>
             <a:fld id="{FC0A94C3-7A0F-4E28-9A06-985C13FFBB01}" type="datetime1">
               <a:rPr lang="en-US" smtClean="0"/>
-              <a:t>11/1/2021</a:t>
+              <a:t>11/3/2021</a:t>
             </a:fld>
             <a:endParaRPr lang="en-US"/>
           </a:p>
@@ -2530,7 +2564,7 @@
           <a:p>
             <a:fld id="{8587B2D3-0011-41C0-B2C5-6B713844DB1C}" type="datetime1">
               <a:rPr lang="en-US" smtClean="0"/>
-              <a:t>11/1/2021</a:t>
+              <a:t>11/3/2021</a:t>
             </a:fld>
             <a:endParaRPr lang="en-US"/>
           </a:p>
@@ -2805,7 +2839,7 @@
           <a:p>
             <a:fld id="{B53EE19A-9EFD-417C-93CE-FC2F485F3533}" type="datetime1">
               <a:rPr lang="en-US" smtClean="0"/>
-              <a:t>11/1/2021</a:t>
+              <a:t>11/3/2021</a:t>
             </a:fld>
             <a:endParaRPr lang="en-US"/>
           </a:p>
@@ -3060,7 +3094,7 @@
           <a:p>
             <a:fld id="{87D9954C-8CD1-4968-8DFE-C7948C62F830}" type="datetime1">
               <a:rPr lang="en-US" smtClean="0"/>
-              <a:t>11/1/2021</a:t>
+              <a:t>11/3/2021</a:t>
             </a:fld>
             <a:endParaRPr lang="en-US"/>
           </a:p>
@@ -3276,7 +3310,7 @@
           <a:p>
             <a:fld id="{B4BF092D-FE75-4F27-B0C3-A897761F708C}" type="datetime1">
               <a:rPr lang="en-US" smtClean="0"/>
-              <a:t>11/1/2021</a:t>
+              <a:t>11/3/2021</a:t>
             </a:fld>
             <a:endParaRPr lang="en-US"/>
           </a:p>
@@ -4598,7 +4632,7 @@
             <a:graphicData uri="http://schemas.openxmlformats.org/presentationml/2006/ole">
               <mc:AlternateContent xmlns:mc="http://schemas.openxmlformats.org/markup-compatibility/2006">
                 <mc:Choice xmlns:v="urn:schemas-microsoft-com:vml" Requires="v">
-                  <p:oleObj spid="_x0000_s15530" name="Equation" r:id="rId8" imgW="203040" imgH="253800" progId="Equation.DSMT4">
+                  <p:oleObj spid="_x0000_s15566" name="Equation" r:id="rId8" imgW="203040" imgH="253800" progId="Equation.DSMT4">
                     <p:embed/>
                   </p:oleObj>
                 </mc:Choice>
@@ -4958,7 +4992,7 @@
             <a:graphicData uri="http://schemas.openxmlformats.org/presentationml/2006/ole">
               <mc:AlternateContent xmlns:mc="http://schemas.openxmlformats.org/markup-compatibility/2006">
                 <mc:Choice xmlns:v="urn:schemas-microsoft-com:vml" Requires="v">
-                  <p:oleObj spid="_x0000_s15531" name="Equation" r:id="rId10" imgW="190440" imgH="228600" progId="Equation.DSMT4">
+                  <p:oleObj spid="_x0000_s15567" name="Equation" r:id="rId10" imgW="190440" imgH="228600" progId="Equation.DSMT4">
                     <p:embed/>
                   </p:oleObj>
                 </mc:Choice>
@@ -5027,7 +5061,7 @@
             <a:graphicData uri="http://schemas.openxmlformats.org/presentationml/2006/ole">
               <mc:AlternateContent xmlns:mc="http://schemas.openxmlformats.org/markup-compatibility/2006">
                 <mc:Choice xmlns:v="urn:schemas-microsoft-com:vml" Requires="v">
-                  <p:oleObj spid="_x0000_s15532" name="Equation" r:id="rId12" imgW="241200" imgH="253800" progId="Equation.DSMT4">
+                  <p:oleObj spid="_x0000_s15568" name="Equation" r:id="rId12" imgW="241200" imgH="253800" progId="Equation.DSMT4">
                     <p:embed/>
                   </p:oleObj>
                 </mc:Choice>
@@ -5116,7 +5150,7 @@
               <a:graphicData uri="http://schemas.openxmlformats.org/presentationml/2006/ole">
                 <mc:AlternateContent xmlns:mc="http://schemas.openxmlformats.org/markup-compatibility/2006">
                   <mc:Choice xmlns:v="urn:schemas-microsoft-com:vml" Requires="v">
-                    <p:oleObj spid="_x0000_s15533" name="Equation" r:id="rId14" imgW="596880" imgH="241200" progId="Equation.DSMT4">
+                    <p:oleObj spid="_x0000_s15569" name="Equation" r:id="rId14" imgW="596880" imgH="241200" progId="Equation.DSMT4">
                       <p:embed/>
                     </p:oleObj>
                   </mc:Choice>
@@ -5242,7 +5276,7 @@
               <a:graphicData uri="http://schemas.openxmlformats.org/presentationml/2006/ole">
                 <mc:AlternateContent xmlns:mc="http://schemas.openxmlformats.org/markup-compatibility/2006">
                   <mc:Choice xmlns:v="urn:schemas-microsoft-com:vml" Requires="v">
-                    <p:oleObj spid="_x0000_s15534" name="Equation" r:id="rId16" imgW="622080" imgH="241200" progId="Equation.DSMT4">
+                    <p:oleObj spid="_x0000_s15570" name="Equation" r:id="rId16" imgW="622080" imgH="241200" progId="Equation.DSMT4">
                       <p:embed/>
                     </p:oleObj>
                   </mc:Choice>
@@ -5368,7 +5402,7 @@
               <a:graphicData uri="http://schemas.openxmlformats.org/presentationml/2006/ole">
                 <mc:AlternateContent xmlns:mc="http://schemas.openxmlformats.org/markup-compatibility/2006">
                   <mc:Choice xmlns:v="urn:schemas-microsoft-com:vml" Requires="v">
-                    <p:oleObj spid="_x0000_s15535" name="Equation" r:id="rId18" imgW="609480" imgH="241200" progId="Equation.DSMT4">
+                    <p:oleObj spid="_x0000_s15571" name="Equation" r:id="rId18" imgW="609480" imgH="241200" progId="Equation.DSMT4">
                       <p:embed/>
                     </p:oleObj>
                   </mc:Choice>
@@ -6215,7 +6249,7 @@
           <a:graphicData uri="http://schemas.openxmlformats.org/presentationml/2006/ole">
             <mc:AlternateContent xmlns:mc="http://schemas.openxmlformats.org/markup-compatibility/2006">
               <mc:Choice xmlns:v="urn:schemas-microsoft-com:vml" Requires="v">
-                <p:oleObj spid="_x0000_s16438" name="Equation" r:id="rId5" imgW="393480" imgH="203040" progId="Equation.DSMT4">
+                <p:oleObj spid="_x0000_s16450" name="Equation" r:id="rId5" imgW="393480" imgH="203040" progId="Equation.DSMT4">
                   <p:embed/>
                 </p:oleObj>
               </mc:Choice>
@@ -6266,7 +6300,7 @@
           <a:graphicData uri="http://schemas.openxmlformats.org/presentationml/2006/ole">
             <mc:AlternateContent xmlns:mc="http://schemas.openxmlformats.org/markup-compatibility/2006">
               <mc:Choice xmlns:v="urn:schemas-microsoft-com:vml" Requires="v">
-                <p:oleObj spid="_x0000_s16439" name="Equation" r:id="rId7" imgW="355320" imgH="203040" progId="Equation.DSMT4">
+                <p:oleObj spid="_x0000_s16451" name="Equation" r:id="rId7" imgW="355320" imgH="203040" progId="Equation.DSMT4">
                   <p:embed/>
                 </p:oleObj>
               </mc:Choice>
@@ -6607,7 +6641,7 @@
           <a:graphicData uri="http://schemas.openxmlformats.org/presentationml/2006/ole">
             <mc:AlternateContent xmlns:mc="http://schemas.openxmlformats.org/markup-compatibility/2006">
               <mc:Choice xmlns:v="urn:schemas-microsoft-com:vml" Requires="v">
-                <p:oleObj spid="_x0000_s3340" name="Equation" r:id="rId3" imgW="139680" imgH="203040" progId="Equation.DSMT4">
+                <p:oleObj spid="_x0000_s3364" name="Equation" r:id="rId3" imgW="139680" imgH="203040" progId="Equation.DSMT4">
                   <p:embed/>
                 </p:oleObj>
               </mc:Choice>
@@ -6664,7 +6698,7 @@
           <a:graphicData uri="http://schemas.openxmlformats.org/presentationml/2006/ole">
             <mc:AlternateContent xmlns:mc="http://schemas.openxmlformats.org/markup-compatibility/2006">
               <mc:Choice xmlns:v="urn:schemas-microsoft-com:vml" Requires="v">
-                <p:oleObj spid="_x0000_s3341" name="Equation" r:id="rId5" imgW="2450880" imgH="253800" progId="Equation.DSMT4">
+                <p:oleObj spid="_x0000_s3365" name="Equation" r:id="rId5" imgW="2450880" imgH="253800" progId="Equation.DSMT4">
                   <p:embed/>
                 </p:oleObj>
               </mc:Choice>
@@ -6721,7 +6755,7 @@
           <a:graphicData uri="http://schemas.openxmlformats.org/presentationml/2006/ole">
             <mc:AlternateContent xmlns:mc="http://schemas.openxmlformats.org/markup-compatibility/2006">
               <mc:Choice xmlns:v="urn:schemas-microsoft-com:vml" Requires="v">
-                <p:oleObj spid="_x0000_s3342" name="Equation" r:id="rId7" imgW="164880" imgH="228600" progId="Equation.DSMT4">
+                <p:oleObj spid="_x0000_s3366" name="Equation" r:id="rId7" imgW="164880" imgH="228600" progId="Equation.DSMT4">
                   <p:embed/>
                 </p:oleObj>
               </mc:Choice>
@@ -6858,7 +6892,7 @@
           <a:graphicData uri="http://schemas.openxmlformats.org/presentationml/2006/ole">
             <mc:AlternateContent xmlns:mc="http://schemas.openxmlformats.org/markup-compatibility/2006">
               <mc:Choice xmlns:v="urn:schemas-microsoft-com:vml" Requires="v">
-                <p:oleObj spid="_x0000_s3343" name="Equation" r:id="rId3" imgW="139680" imgH="203040" progId="Equation.DSMT4">
+                <p:oleObj spid="_x0000_s3367" name="Equation" r:id="rId3" imgW="139680" imgH="203040" progId="Equation.DSMT4">
                   <p:embed/>
                 </p:oleObj>
               </mc:Choice>
@@ -10716,7 +10750,7 @@
           <a:graphicData uri="http://schemas.openxmlformats.org/presentationml/2006/ole">
             <mc:AlternateContent xmlns:mc="http://schemas.openxmlformats.org/markup-compatibility/2006">
               <mc:Choice xmlns:v="urn:schemas-microsoft-com:vml" Requires="v">
-                <p:oleObj spid="_x0000_s4262" name="Equation" r:id="rId5" imgW="393480" imgH="203040" progId="Equation.DSMT4">
+                <p:oleObj spid="_x0000_s4274" name="Equation" r:id="rId5" imgW="393480" imgH="203040" progId="Equation.DSMT4">
                   <p:embed/>
                 </p:oleObj>
               </mc:Choice>
@@ -10773,7 +10807,7 @@
           <a:graphicData uri="http://schemas.openxmlformats.org/presentationml/2006/ole">
             <mc:AlternateContent xmlns:mc="http://schemas.openxmlformats.org/markup-compatibility/2006">
               <mc:Choice xmlns:v="urn:schemas-microsoft-com:vml" Requires="v">
-                <p:oleObj spid="_x0000_s4263" name="Equation" r:id="rId7" imgW="355320" imgH="203040" progId="Equation.DSMT4">
+                <p:oleObj spid="_x0000_s4275" name="Equation" r:id="rId7" imgW="355320" imgH="203040" progId="Equation.DSMT4">
                   <p:embed/>
                 </p:oleObj>
               </mc:Choice>
@@ -11211,7 +11245,7 @@
           <a:graphicData uri="http://schemas.openxmlformats.org/presentationml/2006/ole">
             <mc:AlternateContent xmlns:mc="http://schemas.openxmlformats.org/markup-compatibility/2006">
               <mc:Choice xmlns:v="urn:schemas-microsoft-com:vml" Requires="v">
-                <p:oleObj spid="_x0000_s11319" name="Equation" r:id="rId9" imgW="1231560" imgH="291960" progId="Equation.DSMT4">
+                <p:oleObj spid="_x0000_s11325" name="Equation" r:id="rId9" imgW="1231560" imgH="291960" progId="Equation.DSMT4">
                   <p:embed/>
                 </p:oleObj>
               </mc:Choice>
@@ -13620,7 +13654,7 @@
           <a:graphicData uri="http://schemas.openxmlformats.org/presentationml/2006/ole">
             <mc:AlternateContent xmlns:mc="http://schemas.openxmlformats.org/markup-compatibility/2006">
               <mc:Choice xmlns:v="urn:schemas-microsoft-com:vml" Requires="v">
-                <p:oleObj spid="_x0000_s5192" name="Equation" r:id="rId5" imgW="1104840" imgH="304560" progId="Equation.DSMT4">
+                <p:oleObj spid="_x0000_s5198" name="Equation" r:id="rId5" imgW="1104840" imgH="304560" progId="Equation.DSMT4">
                   <p:embed/>
                 </p:oleObj>
               </mc:Choice>
@@ -14100,7 +14134,7 @@
           <a:graphicData uri="http://schemas.openxmlformats.org/presentationml/2006/ole">
             <mc:AlternateContent xmlns:mc="http://schemas.openxmlformats.org/markup-compatibility/2006">
               <mc:Choice xmlns:v="urn:schemas-microsoft-com:vml" Requires="v">
-                <p:oleObj spid="_x0000_s7239" name="Equation" r:id="rId6" imgW="1676160" imgH="304560" progId="Equation.DSMT4">
+                <p:oleObj spid="_x0000_s7245" name="Equation" r:id="rId6" imgW="1676160" imgH="304560" progId="Equation.DSMT4">
                   <p:embed/>
                 </p:oleObj>
               </mc:Choice>
@@ -14679,7 +14713,7 @@
           <a:graphicData uri="http://schemas.openxmlformats.org/presentationml/2006/ole">
             <mc:AlternateContent xmlns:mc="http://schemas.openxmlformats.org/markup-compatibility/2006">
               <mc:Choice xmlns:v="urn:schemas-microsoft-com:vml" Requires="v">
-                <p:oleObj spid="_x0000_s6218" name="Equation" r:id="rId3" imgW="1104840" imgH="304560" progId="Equation.DSMT4">
+                <p:oleObj spid="_x0000_s6224" name="Equation" r:id="rId3" imgW="1104840" imgH="304560" progId="Equation.DSMT4">
                   <p:embed/>
                 </p:oleObj>
               </mc:Choice>
@@ -15359,7 +15393,7 @@
           <a:graphicData uri="http://schemas.openxmlformats.org/presentationml/2006/ole">
             <mc:AlternateContent xmlns:mc="http://schemas.openxmlformats.org/markup-compatibility/2006">
               <mc:Choice xmlns:v="urn:schemas-microsoft-com:vml" Requires="v">
-                <p:oleObj spid="_x0000_s12339" name="Equation" r:id="rId3" imgW="1676160" imgH="304560" progId="Equation.DSMT4">
+                <p:oleObj spid="_x0000_s12345" name="Equation" r:id="rId3" imgW="1676160" imgH="304560" progId="Equation.DSMT4">
                   <p:embed/>
                 </p:oleObj>
               </mc:Choice>
@@ -17703,12 +17737,24 @@
               <a:t>  </a:t>
             </a:r>
             <a:r>
-              <a:rPr lang="en-US" dirty="0" err="1"/>
+              <a:rPr lang="en-US" dirty="0" err="1">
+                <a:solidFill>
+                  <a:srgbClr val="FF0000"/>
+                </a:solidFill>
+              </a:rPr>
               <a:t>tidyr</a:t>
             </a:r>
             <a:r>
+              <a:rPr lang="en-US" dirty="0">
+                <a:solidFill>
+                  <a:srgbClr val="FF0000"/>
+                </a:solidFill>
+              </a:rPr>
+              <a:t>::gather</a:t>
+            </a:r>
+            <a:r>
               <a:rPr lang="en-US" dirty="0"/>
-              <a:t>::gather(Measure, Size, </a:t>
+              <a:t>(Measure, Size, </a:t>
             </a:r>
             <a:r>
               <a:rPr lang="en-US" dirty="0" err="1"/>
@@ -17771,7 +17817,11 @@
               <a:t>  </a:t>
             </a:r>
             <a:r>
-              <a:rPr lang="en-US" dirty="0" err="1"/>
+              <a:rPr lang="en-US" dirty="0" err="1">
+                <a:solidFill>
+                  <a:srgbClr val="FF0000"/>
+                </a:solidFill>
+              </a:rPr>
               <a:t>facet_wrap</a:t>
             </a:r>
             <a:r>
@@ -18331,6 +18381,250 @@
           <a:chExt cx="0" cy="0"/>
         </a:xfrm>
       </p:grpSpPr>
+      <p:sp>
+        <p:nvSpPr>
+          <p:cNvPr id="2" name="Title 1">
+            <a:extLst>
+              <a:ext uri="{FF2B5EF4-FFF2-40B4-BE49-F238E27FC236}">
+                <a16:creationId xmlns:a16="http://schemas.microsoft.com/office/drawing/2014/main" id="{A52DAE78-6FAE-4E5E-8F17-7327726B80F3}"/>
+              </a:ext>
+            </a:extLst>
+          </p:cNvPr>
+          <p:cNvSpPr>
+            <a:spLocks noGrp="1"/>
+          </p:cNvSpPr>
+          <p:nvPr>
+            <p:ph type="title"/>
+          </p:nvPr>
+        </p:nvSpPr>
+        <p:spPr/>
+        <p:txBody>
+          <a:bodyPr/>
+          <a:lstStyle/>
+          <a:p>
+            <a:r>
+              <a:rPr lang="en-US" dirty="0"/>
+              <a:t>PCA animation</a:t>
+            </a:r>
+          </a:p>
+        </p:txBody>
+      </p:sp>
+      <p:sp>
+        <p:nvSpPr>
+          <p:cNvPr id="7" name="TextBox 6">
+            <a:extLst>
+              <a:ext uri="{FF2B5EF4-FFF2-40B4-BE49-F238E27FC236}">
+                <a16:creationId xmlns:a16="http://schemas.microsoft.com/office/drawing/2014/main" id="{E95DA970-1FD8-4E45-B4FA-654A5A214C50}"/>
+              </a:ext>
+            </a:extLst>
+          </p:cNvPr>
+          <p:cNvSpPr txBox="1"/>
+          <p:nvPr/>
+        </p:nvSpPr>
+        <p:spPr>
+          <a:xfrm>
+            <a:off x="304800" y="1143000"/>
+            <a:ext cx="7620000" cy="1015663"/>
+          </a:xfrm>
+          <a:prstGeom prst="rect">
+            <a:avLst/>
+          </a:prstGeom>
+          <a:noFill/>
+        </p:spPr>
+        <p:txBody>
+          <a:bodyPr wrap="square" rtlCol="0">
+            <a:spAutoFit/>
+          </a:bodyPr>
+          <a:lstStyle/>
+          <a:p>
+            <a:r>
+              <a:rPr lang="en-US" sz="2400" dirty="0"/>
+              <a:t>PCA:</a:t>
+            </a:r>
+          </a:p>
+          <a:p>
+            <a:pPr marL="285750" indent="-285750">
+              <a:buFont typeface="Arial" panose="020B0604020202020204" pitchFamily="34" charset="0"/>
+              <a:buChar char="•"/>
+            </a:pPr>
+            <a:r>
+              <a:rPr lang="en-US" dirty="0"/>
+              <a:t>PC1 is the direction along which points have max. variance</a:t>
+            </a:r>
+          </a:p>
+          <a:p>
+            <a:pPr marL="285750" indent="-285750">
+              <a:buFont typeface="Arial" panose="020B0604020202020204" pitchFamily="34" charset="0"/>
+              <a:buChar char="•"/>
+            </a:pPr>
+            <a:r>
+              <a:rPr lang="en-US" dirty="0"/>
+              <a:t>Equivalently, the perp. deviations from the line have min. residual SS</a:t>
+            </a:r>
+          </a:p>
+        </p:txBody>
+      </p:sp>
+      <p:sp>
+        <p:nvSpPr>
+          <p:cNvPr id="8" name="TextBox 7">
+            <a:extLst>
+              <a:ext uri="{FF2B5EF4-FFF2-40B4-BE49-F238E27FC236}">
+                <a16:creationId xmlns:a16="http://schemas.microsoft.com/office/drawing/2014/main" id="{65512009-E164-4984-B302-A408A1C75D38}"/>
+              </a:ext>
+            </a:extLst>
+          </p:cNvPr>
+          <p:cNvSpPr txBox="1"/>
+          <p:nvPr/>
+        </p:nvSpPr>
+        <p:spPr>
+          <a:xfrm>
+            <a:off x="304800" y="2438400"/>
+            <a:ext cx="3124200" cy="3508653"/>
+          </a:xfrm>
+          <a:prstGeom prst="rect">
+            <a:avLst/>
+          </a:prstGeom>
+          <a:noFill/>
+        </p:spPr>
+        <p:txBody>
+          <a:bodyPr wrap="square" rtlCol="0">
+            <a:spAutoFit/>
+          </a:bodyPr>
+          <a:lstStyle/>
+          <a:p>
+            <a:r>
+              <a:rPr lang="en-US" sz="2400" dirty="0"/>
+              <a:t>PCA by springs</a:t>
+            </a:r>
+          </a:p>
+          <a:p>
+            <a:pPr marL="285750" indent="-285750">
+              <a:buFont typeface="Arial" panose="020B0604020202020204" pitchFamily="34" charset="0"/>
+              <a:buChar char="•"/>
+            </a:pPr>
+            <a:r>
+              <a:rPr lang="en-US" dirty="0"/>
+              <a:t>Imagine each </a:t>
+            </a:r>
+            <a:r>
+              <a:rPr lang="en-US" dirty="0" err="1"/>
+              <a:t>pt</a:t>
+            </a:r>
+            <a:r>
+              <a:rPr lang="en-US" dirty="0"/>
+              <a:t> connected to a possible PC1 line by springs</a:t>
+            </a:r>
+          </a:p>
+          <a:p>
+            <a:pPr marL="285750" indent="-285750">
+              <a:buFont typeface="Arial" panose="020B0604020202020204" pitchFamily="34" charset="0"/>
+              <a:buChar char="•"/>
+            </a:pPr>
+            <a:r>
+              <a:rPr lang="en-US" dirty="0"/>
+              <a:t>Force ~ deviation</a:t>
+            </a:r>
+            <a:r>
+              <a:rPr lang="en-US" baseline="30000" dirty="0"/>
+              <a:t>2</a:t>
+            </a:r>
+          </a:p>
+          <a:p>
+            <a:endParaRPr lang="en-US" dirty="0"/>
+          </a:p>
+          <a:p>
+            <a:r>
+              <a:rPr lang="en-US" dirty="0"/>
+              <a:t>Forces balance, naturally seek the min. residual SS position.</a:t>
+            </a:r>
+          </a:p>
+          <a:p>
+            <a:endParaRPr lang="en-US" dirty="0"/>
+          </a:p>
+          <a:p>
+            <a:r>
+              <a:rPr lang="en-US" dirty="0"/>
+              <a:t>Voila, QED!</a:t>
+            </a:r>
+          </a:p>
+          <a:p>
+            <a:pPr marL="285750" indent="-285750">
+              <a:buFont typeface="Arial" panose="020B0604020202020204" pitchFamily="34" charset="0"/>
+              <a:buChar char="•"/>
+            </a:pPr>
+            <a:r>
+              <a:rPr lang="en-US" dirty="0"/>
+              <a:t>A visual proof</a:t>
+            </a:r>
+          </a:p>
+        </p:txBody>
+      </p:sp>
+      <p:pic>
+        <p:nvPicPr>
+          <p:cNvPr id="4" name="Picture 3" descr="Chart, scatter chart&#10;&#10;Description automatically generated">
+            <a:extLst>
+              <a:ext uri="{FF2B5EF4-FFF2-40B4-BE49-F238E27FC236}">
+                <a16:creationId xmlns:a16="http://schemas.microsoft.com/office/drawing/2014/main" id="{FD1715E8-C30E-4100-A80A-BB4C49CCC6F9}"/>
+              </a:ext>
+            </a:extLst>
+          </p:cNvPr>
+          <p:cNvPicPr>
+            <a:picLocks noChangeAspect="1"/>
+          </p:cNvPicPr>
+          <p:nvPr/>
+        </p:nvPicPr>
+        <p:blipFill>
+          <a:blip r:embed="rId2">
+            <a:extLst>
+              <a:ext uri="{28A0092B-C50C-407E-A947-70E740481C1C}">
+                <a14:useLocalDpi xmlns:a14="http://schemas.microsoft.com/office/drawing/2010/main" val="0"/>
+              </a:ext>
+            </a:extLst>
+          </a:blip>
+          <a:stretch>
+            <a:fillRect/>
+          </a:stretch>
+        </p:blipFill>
+        <p:spPr>
+          <a:xfrm>
+            <a:off x="3881061" y="2438400"/>
+            <a:ext cx="4833358" cy="4270248"/>
+          </a:xfrm>
+          <a:prstGeom prst="rect">
+            <a:avLst/>
+          </a:prstGeom>
+        </p:spPr>
+      </p:pic>
+    </p:spTree>
+    <p:extLst>
+      <p:ext uri="{BB962C8B-B14F-4D97-AF65-F5344CB8AC3E}">
+        <p14:creationId xmlns:p14="http://schemas.microsoft.com/office/powerpoint/2010/main" val="2028931181"/>
+      </p:ext>
+    </p:extLst>
+  </p:cSld>
+  <p:clrMapOvr>
+    <a:masterClrMapping/>
+  </p:clrMapOvr>
+</p:sld>
+</file>
+
+<file path=ppt/slides/slide34.xml><?xml version="1.0" encoding="utf-8"?>
+<p:sld xmlns:a="http://schemas.openxmlformats.org/drawingml/2006/main" xmlns:r="http://schemas.openxmlformats.org/officeDocument/2006/relationships" xmlns:p="http://schemas.openxmlformats.org/presentationml/2006/main">
+  <p:cSld>
+    <p:spTree>
+      <p:nvGrpSpPr>
+        <p:cNvPr id="1" name=""/>
+        <p:cNvGrpSpPr/>
+        <p:nvPr/>
+      </p:nvGrpSpPr>
+      <p:grpSpPr>
+        <a:xfrm>
+          <a:off x="0" y="0"/>
+          <a:ext cx="0" cy="0"/>
+          <a:chOff x="0" y="0"/>
+          <a:chExt cx="0" cy="0"/>
+        </a:xfrm>
+      </p:grpSpPr>
       <p:pic>
         <p:nvPicPr>
           <p:cNvPr id="10242" name="Picture 2" descr="C:\Users\friendly\Dropbox\Documents\SCS\VisMLM-course\fig\penguins\peng-scree.png"/>
@@ -18411,7 +18705,7 @@
           <a:p>
             <a:fld id="{810B7604-93B8-4136-B9BD-D1CE89EE20B0}" type="slidenum">
               <a:rPr lang="en-US" smtClean="0"/>
-              <a:t>33</a:t>
+              <a:t>34</a:t>
             </a:fld>
             <a:endParaRPr lang="en-US"/>
           </a:p>
@@ -18759,7 +19053,7 @@
 </p:sld>
 </file>
 
-<file path=ppt/slides/slide34.xml><?xml version="1.0" encoding="utf-8"?>
+<file path=ppt/slides/slide35.xml><?xml version="1.0" encoding="utf-8"?>
 <p:sld xmlns:a="http://schemas.openxmlformats.org/drawingml/2006/main" xmlns:r="http://schemas.openxmlformats.org/officeDocument/2006/relationships" xmlns:p="http://schemas.openxmlformats.org/presentationml/2006/main">
   <p:cSld>
     <p:spTree>
@@ -18846,7 +19140,7 @@
           <a:p>
             <a:fld id="{810B7604-93B8-4136-B9BD-D1CE89EE20B0}" type="slidenum">
               <a:rPr lang="en-US" smtClean="0"/>
-              <a:t>34</a:t>
+              <a:t>35</a:t>
             </a:fld>
             <a:endParaRPr lang="en-US"/>
           </a:p>
@@ -19171,507 +19465,6 @@
     <p:extLst>
       <p:ext uri="{BB962C8B-B14F-4D97-AF65-F5344CB8AC3E}">
         <p14:creationId xmlns:p14="http://schemas.microsoft.com/office/powerpoint/2010/main" val="1329538184"/>
-      </p:ext>
-    </p:extLst>
-  </p:cSld>
-  <p:clrMapOvr>
-    <a:masterClrMapping/>
-  </p:clrMapOvr>
-</p:sld>
-</file>
-
-<file path=ppt/slides/slide35.xml><?xml version="1.0" encoding="utf-8"?>
-<p:sld xmlns:a="http://schemas.openxmlformats.org/drawingml/2006/main" xmlns:r="http://schemas.openxmlformats.org/officeDocument/2006/relationships" xmlns:p="http://schemas.openxmlformats.org/presentationml/2006/main">
-  <p:cSld>
-    <p:spTree>
-      <p:nvGrpSpPr>
-        <p:cNvPr id="1" name=""/>
-        <p:cNvGrpSpPr/>
-        <p:nvPr/>
-      </p:nvGrpSpPr>
-      <p:grpSpPr>
-        <a:xfrm>
-          <a:off x="0" y="0"/>
-          <a:ext cx="0" cy="0"/>
-          <a:chOff x="0" y="0"/>
-          <a:chExt cx="0" cy="0"/>
-        </a:xfrm>
-      </p:grpSpPr>
-      <p:sp>
-        <p:nvSpPr>
-          <p:cNvPr id="2" name="Title 1"/>
-          <p:cNvSpPr>
-            <a:spLocks noGrp="1"/>
-          </p:cNvSpPr>
-          <p:nvPr>
-            <p:ph type="title"/>
-          </p:nvPr>
-        </p:nvSpPr>
-        <p:spPr/>
-        <p:txBody>
-          <a:bodyPr/>
-          <a:lstStyle/>
-          <a:p>
-            <a:r>
-              <a:rPr lang="en-US" dirty="0"/>
-              <a:t>Penguins: MANOVA</a:t>
-            </a:r>
-          </a:p>
-        </p:txBody>
-      </p:sp>
-      <p:sp>
-        <p:nvSpPr>
-          <p:cNvPr id="3" name="Slide Number Placeholder 2"/>
-          <p:cNvSpPr>
-            <a:spLocks noGrp="1"/>
-          </p:cNvSpPr>
-          <p:nvPr>
-            <p:ph type="sldNum" sz="quarter" idx="12"/>
-          </p:nvPr>
-        </p:nvSpPr>
-        <p:spPr/>
-        <p:txBody>
-          <a:bodyPr/>
-          <a:lstStyle/>
-          <a:p>
-            <a:fld id="{810B7604-93B8-4136-B9BD-D1CE89EE20B0}" type="slidenum">
-              <a:rPr lang="en-US" smtClean="0"/>
-              <a:t>35</a:t>
-            </a:fld>
-            <a:endParaRPr lang="en-US"/>
-          </a:p>
-        </p:txBody>
-      </p:sp>
-      <p:sp>
-        <p:nvSpPr>
-          <p:cNvPr id="4" name="TextBox 3"/>
-          <p:cNvSpPr txBox="1"/>
-          <p:nvPr/>
-        </p:nvSpPr>
-        <p:spPr>
-          <a:xfrm>
-            <a:off x="457200" y="2409072"/>
-            <a:ext cx="8229600" cy="1615827"/>
-          </a:xfrm>
-          <a:prstGeom prst="rect">
-            <a:avLst/>
-          </a:prstGeom>
-          <a:solidFill>
-            <a:srgbClr val="FFFF00">
-              <a:alpha val="10000"/>
-            </a:srgbClr>
-          </a:solidFill>
-        </p:spPr>
-        <p:txBody>
-          <a:bodyPr wrap="square" rtlCol="0">
-            <a:spAutoFit/>
-          </a:bodyPr>
-          <a:lstStyle/>
-          <a:p>
-            <a:r>
-              <a:rPr lang="en-US" sz="1100" dirty="0">
-                <a:latin typeface="Lucida Sans Typewriter" pitchFamily="49" charset="0"/>
-              </a:rPr>
-              <a:t>&gt; peng.mod0 &lt;-lm(</a:t>
-            </a:r>
-            <a:r>
-              <a:rPr lang="en-US" sz="1100" dirty="0" err="1">
-                <a:latin typeface="Lucida Sans Typewriter" pitchFamily="49" charset="0"/>
-              </a:rPr>
-              <a:t>cbind</a:t>
-            </a:r>
-            <a:r>
-              <a:rPr lang="en-US" sz="1100" dirty="0">
-                <a:latin typeface="Lucida Sans Typewriter" pitchFamily="49" charset="0"/>
-              </a:rPr>
-              <a:t>(</a:t>
-            </a:r>
-            <a:r>
-              <a:rPr lang="en-US" sz="1100" dirty="0" err="1">
-                <a:latin typeface="Lucida Sans Typewriter" pitchFamily="49" charset="0"/>
-              </a:rPr>
-              <a:t>bill_length</a:t>
-            </a:r>
-            <a:r>
-              <a:rPr lang="en-US" sz="1100" dirty="0">
-                <a:latin typeface="Lucida Sans Typewriter" pitchFamily="49" charset="0"/>
-              </a:rPr>
-              <a:t>, </a:t>
-            </a:r>
-            <a:r>
-              <a:rPr lang="en-US" sz="1100" dirty="0" err="1">
-                <a:latin typeface="Lucida Sans Typewriter" pitchFamily="49" charset="0"/>
-              </a:rPr>
-              <a:t>bill_depth</a:t>
-            </a:r>
-            <a:r>
-              <a:rPr lang="en-US" sz="1100" dirty="0">
-                <a:latin typeface="Lucida Sans Typewriter" pitchFamily="49" charset="0"/>
-              </a:rPr>
-              <a:t>, </a:t>
-            </a:r>
-            <a:r>
-              <a:rPr lang="en-US" sz="1100" dirty="0" err="1">
-                <a:latin typeface="Lucida Sans Typewriter" pitchFamily="49" charset="0"/>
-              </a:rPr>
-              <a:t>flipper_length</a:t>
-            </a:r>
-            <a:r>
-              <a:rPr lang="en-US" sz="1100" dirty="0">
-                <a:latin typeface="Lucida Sans Typewriter" pitchFamily="49" charset="0"/>
-              </a:rPr>
-              <a:t>, </a:t>
-            </a:r>
-            <a:r>
-              <a:rPr lang="en-US" sz="1100" dirty="0" err="1">
-                <a:latin typeface="Lucida Sans Typewriter" pitchFamily="49" charset="0"/>
-              </a:rPr>
-              <a:t>body_mass</a:t>
-            </a:r>
-            <a:r>
-              <a:rPr lang="en-US" sz="1100" dirty="0">
-                <a:latin typeface="Lucida Sans Typewriter" pitchFamily="49" charset="0"/>
-              </a:rPr>
-              <a:t>) </a:t>
-            </a:r>
-            <a:r>
-              <a:rPr lang="en-US" sz="1100" dirty="0">
-                <a:solidFill>
-                  <a:srgbClr val="FF0000"/>
-                </a:solidFill>
-                <a:latin typeface="Lucida Sans Typewriter" pitchFamily="49" charset="0"/>
-              </a:rPr>
-              <a:t>~ species</a:t>
-            </a:r>
-            <a:r>
-              <a:rPr lang="en-US" sz="1100" dirty="0">
-                <a:latin typeface="Lucida Sans Typewriter" pitchFamily="49" charset="0"/>
-              </a:rPr>
-              <a:t>,         </a:t>
-            </a:r>
-          </a:p>
-          <a:p>
-            <a:r>
-              <a:rPr lang="en-US" sz="1100" dirty="0">
-                <a:latin typeface="Lucida Sans Typewriter" pitchFamily="49" charset="0"/>
-              </a:rPr>
-              <a:t>                 data=</a:t>
-            </a:r>
-            <a:r>
-              <a:rPr lang="en-US" sz="1100" dirty="0" err="1">
-                <a:latin typeface="Lucida Sans Typewriter" pitchFamily="49" charset="0"/>
-              </a:rPr>
-              <a:t>peng</a:t>
-            </a:r>
-            <a:r>
-              <a:rPr lang="en-US" sz="1100" dirty="0">
-                <a:latin typeface="Lucida Sans Typewriter" pitchFamily="49" charset="0"/>
-              </a:rPr>
-              <a:t>)</a:t>
-            </a:r>
-          </a:p>
-          <a:p>
-            <a:r>
-              <a:rPr lang="en-US" sz="1100" dirty="0">
-                <a:latin typeface="Lucida Sans Typewriter" pitchFamily="49" charset="0"/>
-              </a:rPr>
-              <a:t>&gt; </a:t>
-            </a:r>
-            <a:r>
-              <a:rPr lang="en-US" sz="1100" dirty="0" err="1">
-                <a:latin typeface="Lucida Sans Typewriter" pitchFamily="49" charset="0"/>
-              </a:rPr>
-              <a:t>Anova</a:t>
-            </a:r>
-            <a:r>
-              <a:rPr lang="en-US" sz="1100" dirty="0">
-                <a:latin typeface="Lucida Sans Typewriter" pitchFamily="49" charset="0"/>
-              </a:rPr>
-              <a:t>(peng.mod0)</a:t>
-            </a:r>
-          </a:p>
-          <a:p>
-            <a:endParaRPr lang="en-US" sz="1100" dirty="0">
-              <a:latin typeface="Lucida Sans Typewriter" pitchFamily="49" charset="0"/>
-            </a:endParaRPr>
-          </a:p>
-          <a:p>
-            <a:r>
-              <a:rPr lang="en-US" sz="1100" dirty="0">
-                <a:latin typeface="Lucida Sans Typewriter" pitchFamily="49" charset="0"/>
-              </a:rPr>
-              <a:t>Type II MANOVA Tests: </a:t>
-            </a:r>
-            <a:r>
-              <a:rPr lang="en-US" sz="1100" dirty="0" err="1">
-                <a:latin typeface="Lucida Sans Typewriter" pitchFamily="49" charset="0"/>
-              </a:rPr>
-              <a:t>Pillai</a:t>
-            </a:r>
-            <a:r>
-              <a:rPr lang="en-US" sz="1100" dirty="0">
-                <a:latin typeface="Lucida Sans Typewriter" pitchFamily="49" charset="0"/>
-              </a:rPr>
-              <a:t> test statistic</a:t>
-            </a:r>
-          </a:p>
-          <a:p>
-            <a:r>
-              <a:rPr lang="en-US" sz="1100" dirty="0">
-                <a:latin typeface="Lucida Sans Typewriter" pitchFamily="49" charset="0"/>
-              </a:rPr>
-              <a:t>        </a:t>
-            </a:r>
-            <a:r>
-              <a:rPr lang="en-US" sz="1100" dirty="0" err="1">
-                <a:latin typeface="Lucida Sans Typewriter" pitchFamily="49" charset="0"/>
-              </a:rPr>
-              <a:t>Df</a:t>
-            </a:r>
-            <a:r>
-              <a:rPr lang="en-US" sz="1100" dirty="0">
-                <a:latin typeface="Lucida Sans Typewriter" pitchFamily="49" charset="0"/>
-              </a:rPr>
-              <a:t> test stat </a:t>
-            </a:r>
-            <a:r>
-              <a:rPr lang="en-US" sz="1100" dirty="0" err="1">
-                <a:latin typeface="Lucida Sans Typewriter" pitchFamily="49" charset="0"/>
-              </a:rPr>
-              <a:t>approx</a:t>
-            </a:r>
-            <a:r>
-              <a:rPr lang="en-US" sz="1100" dirty="0">
-                <a:latin typeface="Lucida Sans Typewriter" pitchFamily="49" charset="0"/>
-              </a:rPr>
-              <a:t> F </a:t>
-            </a:r>
-            <a:r>
-              <a:rPr lang="en-US" sz="1100" dirty="0" err="1">
-                <a:latin typeface="Lucida Sans Typewriter" pitchFamily="49" charset="0"/>
-              </a:rPr>
-              <a:t>num</a:t>
-            </a:r>
-            <a:r>
-              <a:rPr lang="en-US" sz="1100" dirty="0">
-                <a:latin typeface="Lucida Sans Typewriter" pitchFamily="49" charset="0"/>
-              </a:rPr>
-              <a:t> </a:t>
-            </a:r>
-            <a:r>
-              <a:rPr lang="en-US" sz="1100" dirty="0" err="1">
-                <a:latin typeface="Lucida Sans Typewriter" pitchFamily="49" charset="0"/>
-              </a:rPr>
-              <a:t>Df</a:t>
-            </a:r>
-            <a:r>
-              <a:rPr lang="en-US" sz="1100" dirty="0">
-                <a:latin typeface="Lucida Sans Typewriter" pitchFamily="49" charset="0"/>
-              </a:rPr>
-              <a:t> den </a:t>
-            </a:r>
-            <a:r>
-              <a:rPr lang="en-US" sz="1100" dirty="0" err="1">
-                <a:latin typeface="Lucida Sans Typewriter" pitchFamily="49" charset="0"/>
-              </a:rPr>
-              <a:t>Df</a:t>
-            </a:r>
-            <a:r>
-              <a:rPr lang="en-US" sz="1100" dirty="0">
-                <a:latin typeface="Lucida Sans Typewriter" pitchFamily="49" charset="0"/>
-              </a:rPr>
-              <a:t> </a:t>
-            </a:r>
-            <a:r>
-              <a:rPr lang="en-US" sz="1100" dirty="0" err="1">
-                <a:latin typeface="Lucida Sans Typewriter" pitchFamily="49" charset="0"/>
-              </a:rPr>
-              <a:t>Pr</a:t>
-            </a:r>
-            <a:r>
-              <a:rPr lang="en-US" sz="1100" dirty="0">
-                <a:latin typeface="Lucida Sans Typewriter" pitchFamily="49" charset="0"/>
-              </a:rPr>
-              <a:t>(&gt;F)    </a:t>
-            </a:r>
-          </a:p>
-          <a:p>
-            <a:r>
-              <a:rPr lang="en-US" sz="1100" dirty="0">
-                <a:latin typeface="Lucida Sans Typewriter" pitchFamily="49" charset="0"/>
-              </a:rPr>
-              <a:t>species  2      1.64      371      8    656 &lt;2e-16 ***</a:t>
-            </a:r>
-          </a:p>
-          <a:p>
-            <a:r>
-              <a:rPr lang="en-US" sz="1100" dirty="0">
-                <a:latin typeface="Lucida Sans Typewriter" pitchFamily="49" charset="0"/>
-              </a:rPr>
-              <a:t>---</a:t>
-            </a:r>
-          </a:p>
-          <a:p>
-            <a:r>
-              <a:rPr lang="en-US" sz="1100" dirty="0" err="1">
-                <a:latin typeface="Lucida Sans Typewriter" pitchFamily="49" charset="0"/>
-              </a:rPr>
-              <a:t>Signif</a:t>
-            </a:r>
-            <a:r>
-              <a:rPr lang="en-US" sz="1100" dirty="0">
-                <a:latin typeface="Lucida Sans Typewriter" pitchFamily="49" charset="0"/>
-              </a:rPr>
-              <a:t>. codes:  0 ‘***’ 0.001 ‘**’ 0.01 ‘*’ 0.05 ‘.’ 0.1 ‘ ’ 1</a:t>
-            </a:r>
-          </a:p>
-        </p:txBody>
-      </p:sp>
-      <p:sp>
-        <p:nvSpPr>
-          <p:cNvPr id="5" name="TextBox 4"/>
-          <p:cNvSpPr txBox="1"/>
-          <p:nvPr/>
-        </p:nvSpPr>
-        <p:spPr>
-          <a:xfrm>
-            <a:off x="457200" y="1143000"/>
-            <a:ext cx="8229600" cy="923330"/>
-          </a:xfrm>
-          <a:prstGeom prst="rect">
-            <a:avLst/>
-          </a:prstGeom>
-          <a:noFill/>
-        </p:spPr>
-        <p:txBody>
-          <a:bodyPr wrap="square" rtlCol="0">
-            <a:spAutoFit/>
-          </a:bodyPr>
-          <a:lstStyle/>
-          <a:p>
-            <a:r>
-              <a:rPr lang="en-US" dirty="0"/>
-              <a:t>Assume the goal is to determine whether/how the penguins differ in size by species</a:t>
-            </a:r>
-          </a:p>
-          <a:p>
-            <a:pPr marL="285750" indent="-285750">
-              <a:buFont typeface="Arial" pitchFamily="34" charset="0"/>
-              <a:buChar char="•"/>
-            </a:pPr>
-            <a:r>
-              <a:rPr lang="en-US" dirty="0"/>
-              <a:t>A MLM tests all 4 size variables together:  </a:t>
-            </a:r>
-            <a:r>
-              <a:rPr lang="en-US" dirty="0">
-                <a:solidFill>
-                  <a:srgbClr val="FF0000"/>
-                </a:solidFill>
-              </a:rPr>
-              <a:t>~ species</a:t>
-            </a:r>
-          </a:p>
-          <a:p>
-            <a:pPr marL="285750" indent="-285750">
-              <a:buFont typeface="Arial" pitchFamily="34" charset="0"/>
-              <a:buChar char="•"/>
-            </a:pPr>
-            <a:r>
-              <a:rPr lang="en-US" dirty="0"/>
-              <a:t>Could also use other factors:  </a:t>
-            </a:r>
-            <a:r>
-              <a:rPr lang="en-US" dirty="0">
-                <a:solidFill>
-                  <a:srgbClr val="FF0000"/>
-                </a:solidFill>
-              </a:rPr>
-              <a:t>~ species + island + sex </a:t>
-            </a:r>
-          </a:p>
-        </p:txBody>
-      </p:sp>
-      <p:sp>
-        <p:nvSpPr>
-          <p:cNvPr id="6" name="TextBox 5"/>
-          <p:cNvSpPr txBox="1"/>
-          <p:nvPr/>
-        </p:nvSpPr>
-        <p:spPr>
-          <a:xfrm>
-            <a:off x="533400" y="4343400"/>
-            <a:ext cx="8229600" cy="369332"/>
-          </a:xfrm>
-          <a:prstGeom prst="rect">
-            <a:avLst/>
-          </a:prstGeom>
-          <a:noFill/>
-        </p:spPr>
-        <p:txBody>
-          <a:bodyPr wrap="square" rtlCol="0">
-            <a:spAutoFit/>
-          </a:bodyPr>
-          <a:lstStyle/>
-          <a:p>
-            <a:r>
-              <a:rPr lang="en-US" dirty="0"/>
-              <a:t>Yet, we are left to understand the nature of this effect </a:t>
-            </a:r>
-            <a:r>
-              <a:rPr lang="en-US" dirty="0" err="1"/>
-              <a:t>wrt</a:t>
-            </a:r>
-            <a:r>
-              <a:rPr lang="en-US" dirty="0"/>
-              <a:t>. the size variables. </a:t>
-            </a:r>
-          </a:p>
-        </p:txBody>
-      </p:sp>
-      <p:sp>
-        <p:nvSpPr>
-          <p:cNvPr id="7" name="TextBox 6"/>
-          <p:cNvSpPr txBox="1"/>
-          <p:nvPr/>
-        </p:nvSpPr>
-        <p:spPr>
-          <a:xfrm>
-            <a:off x="609600" y="6019800"/>
-            <a:ext cx="7010400" cy="307777"/>
-          </a:xfrm>
-          <a:prstGeom prst="rect">
-            <a:avLst/>
-          </a:prstGeom>
-          <a:noFill/>
-        </p:spPr>
-        <p:txBody>
-          <a:bodyPr wrap="square" rtlCol="0">
-            <a:spAutoFit/>
-          </a:bodyPr>
-          <a:lstStyle/>
-          <a:p>
-            <a:r>
-              <a:rPr lang="en-US" sz="1400" dirty="0"/>
-              <a:t>See: </a:t>
-            </a:r>
-            <a:r>
-              <a:rPr lang="en-US" sz="1400" dirty="0">
-                <a:hlinkClick r:id="rId2"/>
-              </a:rPr>
-              <a:t>https://rpubs.com/friendly/penguin-manova</a:t>
-            </a:r>
-            <a:r>
-              <a:rPr lang="en-US" sz="1400" dirty="0"/>
-              <a:t> for details</a:t>
-            </a:r>
-          </a:p>
-        </p:txBody>
-      </p:sp>
-    </p:spTree>
-    <p:extLst>
-      <p:ext uri="{BB962C8B-B14F-4D97-AF65-F5344CB8AC3E}">
-        <p14:creationId xmlns:p14="http://schemas.microsoft.com/office/powerpoint/2010/main" val="460349984"/>
       </p:ext>
     </p:extLst>
   </p:cSld>
@@ -19715,7 +19508,7 @@
           <a:p>
             <a:r>
               <a:rPr lang="en-US" dirty="0"/>
-              <a:t>Penguins: view data ellipses</a:t>
+              <a:t>Penguins: MANOVA</a:t>
             </a:r>
           </a:p>
         </p:txBody>
@@ -19740,6 +19533,507 @@
               <a:t>36</a:t>
             </a:fld>
             <a:endParaRPr lang="en-US"/>
+          </a:p>
+        </p:txBody>
+      </p:sp>
+      <p:sp>
+        <p:nvSpPr>
+          <p:cNvPr id="4" name="TextBox 3"/>
+          <p:cNvSpPr txBox="1"/>
+          <p:nvPr/>
+        </p:nvSpPr>
+        <p:spPr>
+          <a:xfrm>
+            <a:off x="457200" y="2409072"/>
+            <a:ext cx="8229600" cy="1615827"/>
+          </a:xfrm>
+          <a:prstGeom prst="rect">
+            <a:avLst/>
+          </a:prstGeom>
+          <a:solidFill>
+            <a:srgbClr val="FFFF00">
+              <a:alpha val="10000"/>
+            </a:srgbClr>
+          </a:solidFill>
+        </p:spPr>
+        <p:txBody>
+          <a:bodyPr wrap="square" rtlCol="0">
+            <a:spAutoFit/>
+          </a:bodyPr>
+          <a:lstStyle/>
+          <a:p>
+            <a:r>
+              <a:rPr lang="en-US" sz="1100" dirty="0">
+                <a:latin typeface="Lucida Sans Typewriter" pitchFamily="49" charset="0"/>
+              </a:rPr>
+              <a:t>&gt; peng.mod0 &lt;-lm(</a:t>
+            </a:r>
+            <a:r>
+              <a:rPr lang="en-US" sz="1100" dirty="0" err="1">
+                <a:latin typeface="Lucida Sans Typewriter" pitchFamily="49" charset="0"/>
+              </a:rPr>
+              <a:t>cbind</a:t>
+            </a:r>
+            <a:r>
+              <a:rPr lang="en-US" sz="1100" dirty="0">
+                <a:latin typeface="Lucida Sans Typewriter" pitchFamily="49" charset="0"/>
+              </a:rPr>
+              <a:t>(</a:t>
+            </a:r>
+            <a:r>
+              <a:rPr lang="en-US" sz="1100" dirty="0" err="1">
+                <a:latin typeface="Lucida Sans Typewriter" pitchFamily="49" charset="0"/>
+              </a:rPr>
+              <a:t>bill_length</a:t>
+            </a:r>
+            <a:r>
+              <a:rPr lang="en-US" sz="1100" dirty="0">
+                <a:latin typeface="Lucida Sans Typewriter" pitchFamily="49" charset="0"/>
+              </a:rPr>
+              <a:t>, </a:t>
+            </a:r>
+            <a:r>
+              <a:rPr lang="en-US" sz="1100" dirty="0" err="1">
+                <a:latin typeface="Lucida Sans Typewriter" pitchFamily="49" charset="0"/>
+              </a:rPr>
+              <a:t>bill_depth</a:t>
+            </a:r>
+            <a:r>
+              <a:rPr lang="en-US" sz="1100" dirty="0">
+                <a:latin typeface="Lucida Sans Typewriter" pitchFamily="49" charset="0"/>
+              </a:rPr>
+              <a:t>, </a:t>
+            </a:r>
+            <a:r>
+              <a:rPr lang="en-US" sz="1100" dirty="0" err="1">
+                <a:latin typeface="Lucida Sans Typewriter" pitchFamily="49" charset="0"/>
+              </a:rPr>
+              <a:t>flipper_length</a:t>
+            </a:r>
+            <a:r>
+              <a:rPr lang="en-US" sz="1100" dirty="0">
+                <a:latin typeface="Lucida Sans Typewriter" pitchFamily="49" charset="0"/>
+              </a:rPr>
+              <a:t>, </a:t>
+            </a:r>
+            <a:r>
+              <a:rPr lang="en-US" sz="1100" dirty="0" err="1">
+                <a:latin typeface="Lucida Sans Typewriter" pitchFamily="49" charset="0"/>
+              </a:rPr>
+              <a:t>body_mass</a:t>
+            </a:r>
+            <a:r>
+              <a:rPr lang="en-US" sz="1100" dirty="0">
+                <a:latin typeface="Lucida Sans Typewriter" pitchFamily="49" charset="0"/>
+              </a:rPr>
+              <a:t>) </a:t>
+            </a:r>
+            <a:r>
+              <a:rPr lang="en-US" sz="1100" dirty="0">
+                <a:solidFill>
+                  <a:srgbClr val="FF0000"/>
+                </a:solidFill>
+                <a:latin typeface="Lucida Sans Typewriter" pitchFamily="49" charset="0"/>
+              </a:rPr>
+              <a:t>~ species</a:t>
+            </a:r>
+            <a:r>
+              <a:rPr lang="en-US" sz="1100" dirty="0">
+                <a:latin typeface="Lucida Sans Typewriter" pitchFamily="49" charset="0"/>
+              </a:rPr>
+              <a:t>,         </a:t>
+            </a:r>
+          </a:p>
+          <a:p>
+            <a:r>
+              <a:rPr lang="en-US" sz="1100" dirty="0">
+                <a:latin typeface="Lucida Sans Typewriter" pitchFamily="49" charset="0"/>
+              </a:rPr>
+              <a:t>                 data=</a:t>
+            </a:r>
+            <a:r>
+              <a:rPr lang="en-US" sz="1100" dirty="0" err="1">
+                <a:latin typeface="Lucida Sans Typewriter" pitchFamily="49" charset="0"/>
+              </a:rPr>
+              <a:t>peng</a:t>
+            </a:r>
+            <a:r>
+              <a:rPr lang="en-US" sz="1100" dirty="0">
+                <a:latin typeface="Lucida Sans Typewriter" pitchFamily="49" charset="0"/>
+              </a:rPr>
+              <a:t>)</a:t>
+            </a:r>
+          </a:p>
+          <a:p>
+            <a:r>
+              <a:rPr lang="en-US" sz="1100" dirty="0">
+                <a:latin typeface="Lucida Sans Typewriter" pitchFamily="49" charset="0"/>
+              </a:rPr>
+              <a:t>&gt; </a:t>
+            </a:r>
+            <a:r>
+              <a:rPr lang="en-US" sz="1100" dirty="0" err="1">
+                <a:latin typeface="Lucida Sans Typewriter" pitchFamily="49" charset="0"/>
+              </a:rPr>
+              <a:t>Anova</a:t>
+            </a:r>
+            <a:r>
+              <a:rPr lang="en-US" sz="1100" dirty="0">
+                <a:latin typeface="Lucida Sans Typewriter" pitchFamily="49" charset="0"/>
+              </a:rPr>
+              <a:t>(peng.mod0)</a:t>
+            </a:r>
+          </a:p>
+          <a:p>
+            <a:endParaRPr lang="en-US" sz="1100" dirty="0">
+              <a:latin typeface="Lucida Sans Typewriter" pitchFamily="49" charset="0"/>
+            </a:endParaRPr>
+          </a:p>
+          <a:p>
+            <a:r>
+              <a:rPr lang="en-US" sz="1100" dirty="0">
+                <a:latin typeface="Lucida Sans Typewriter" pitchFamily="49" charset="0"/>
+              </a:rPr>
+              <a:t>Type II MANOVA Tests: </a:t>
+            </a:r>
+            <a:r>
+              <a:rPr lang="en-US" sz="1100" dirty="0" err="1">
+                <a:latin typeface="Lucida Sans Typewriter" pitchFamily="49" charset="0"/>
+              </a:rPr>
+              <a:t>Pillai</a:t>
+            </a:r>
+            <a:r>
+              <a:rPr lang="en-US" sz="1100" dirty="0">
+                <a:latin typeface="Lucida Sans Typewriter" pitchFamily="49" charset="0"/>
+              </a:rPr>
+              <a:t> test statistic</a:t>
+            </a:r>
+          </a:p>
+          <a:p>
+            <a:r>
+              <a:rPr lang="en-US" sz="1100" dirty="0">
+                <a:latin typeface="Lucida Sans Typewriter" pitchFamily="49" charset="0"/>
+              </a:rPr>
+              <a:t>        </a:t>
+            </a:r>
+            <a:r>
+              <a:rPr lang="en-US" sz="1100" dirty="0" err="1">
+                <a:latin typeface="Lucida Sans Typewriter" pitchFamily="49" charset="0"/>
+              </a:rPr>
+              <a:t>Df</a:t>
+            </a:r>
+            <a:r>
+              <a:rPr lang="en-US" sz="1100" dirty="0">
+                <a:latin typeface="Lucida Sans Typewriter" pitchFamily="49" charset="0"/>
+              </a:rPr>
+              <a:t> test stat </a:t>
+            </a:r>
+            <a:r>
+              <a:rPr lang="en-US" sz="1100" dirty="0" err="1">
+                <a:latin typeface="Lucida Sans Typewriter" pitchFamily="49" charset="0"/>
+              </a:rPr>
+              <a:t>approx</a:t>
+            </a:r>
+            <a:r>
+              <a:rPr lang="en-US" sz="1100" dirty="0">
+                <a:latin typeface="Lucida Sans Typewriter" pitchFamily="49" charset="0"/>
+              </a:rPr>
+              <a:t> F </a:t>
+            </a:r>
+            <a:r>
+              <a:rPr lang="en-US" sz="1100" dirty="0" err="1">
+                <a:latin typeface="Lucida Sans Typewriter" pitchFamily="49" charset="0"/>
+              </a:rPr>
+              <a:t>num</a:t>
+            </a:r>
+            <a:r>
+              <a:rPr lang="en-US" sz="1100" dirty="0">
+                <a:latin typeface="Lucida Sans Typewriter" pitchFamily="49" charset="0"/>
+              </a:rPr>
+              <a:t> </a:t>
+            </a:r>
+            <a:r>
+              <a:rPr lang="en-US" sz="1100" dirty="0" err="1">
+                <a:latin typeface="Lucida Sans Typewriter" pitchFamily="49" charset="0"/>
+              </a:rPr>
+              <a:t>Df</a:t>
+            </a:r>
+            <a:r>
+              <a:rPr lang="en-US" sz="1100" dirty="0">
+                <a:latin typeface="Lucida Sans Typewriter" pitchFamily="49" charset="0"/>
+              </a:rPr>
+              <a:t> den </a:t>
+            </a:r>
+            <a:r>
+              <a:rPr lang="en-US" sz="1100" dirty="0" err="1">
+                <a:latin typeface="Lucida Sans Typewriter" pitchFamily="49" charset="0"/>
+              </a:rPr>
+              <a:t>Df</a:t>
+            </a:r>
+            <a:r>
+              <a:rPr lang="en-US" sz="1100" dirty="0">
+                <a:latin typeface="Lucida Sans Typewriter" pitchFamily="49" charset="0"/>
+              </a:rPr>
+              <a:t> </a:t>
+            </a:r>
+            <a:r>
+              <a:rPr lang="en-US" sz="1100" dirty="0" err="1">
+                <a:latin typeface="Lucida Sans Typewriter" pitchFamily="49" charset="0"/>
+              </a:rPr>
+              <a:t>Pr</a:t>
+            </a:r>
+            <a:r>
+              <a:rPr lang="en-US" sz="1100" dirty="0">
+                <a:latin typeface="Lucida Sans Typewriter" pitchFamily="49" charset="0"/>
+              </a:rPr>
+              <a:t>(&gt;F)    </a:t>
+            </a:r>
+          </a:p>
+          <a:p>
+            <a:r>
+              <a:rPr lang="en-US" sz="1100" dirty="0">
+                <a:latin typeface="Lucida Sans Typewriter" pitchFamily="49" charset="0"/>
+              </a:rPr>
+              <a:t>species  2      1.64      371      8    656 &lt;2e-16 ***</a:t>
+            </a:r>
+          </a:p>
+          <a:p>
+            <a:r>
+              <a:rPr lang="en-US" sz="1100" dirty="0">
+                <a:latin typeface="Lucida Sans Typewriter" pitchFamily="49" charset="0"/>
+              </a:rPr>
+              <a:t>---</a:t>
+            </a:r>
+          </a:p>
+          <a:p>
+            <a:r>
+              <a:rPr lang="en-US" sz="1100" dirty="0" err="1">
+                <a:latin typeface="Lucida Sans Typewriter" pitchFamily="49" charset="0"/>
+              </a:rPr>
+              <a:t>Signif</a:t>
+            </a:r>
+            <a:r>
+              <a:rPr lang="en-US" sz="1100" dirty="0">
+                <a:latin typeface="Lucida Sans Typewriter" pitchFamily="49" charset="0"/>
+              </a:rPr>
+              <a:t>. codes:  0 ‘***’ 0.001 ‘**’ 0.01 ‘*’ 0.05 ‘.’ 0.1 ‘ ’ 1</a:t>
+            </a:r>
+          </a:p>
+        </p:txBody>
+      </p:sp>
+      <p:sp>
+        <p:nvSpPr>
+          <p:cNvPr id="5" name="TextBox 4"/>
+          <p:cNvSpPr txBox="1"/>
+          <p:nvPr/>
+        </p:nvSpPr>
+        <p:spPr>
+          <a:xfrm>
+            <a:off x="457200" y="1143000"/>
+            <a:ext cx="8229600" cy="923330"/>
+          </a:xfrm>
+          <a:prstGeom prst="rect">
+            <a:avLst/>
+          </a:prstGeom>
+          <a:noFill/>
+        </p:spPr>
+        <p:txBody>
+          <a:bodyPr wrap="square" rtlCol="0">
+            <a:spAutoFit/>
+          </a:bodyPr>
+          <a:lstStyle/>
+          <a:p>
+            <a:r>
+              <a:rPr lang="en-US" dirty="0"/>
+              <a:t>Assume the goal is to determine whether/how the penguins differ in size by species</a:t>
+            </a:r>
+          </a:p>
+          <a:p>
+            <a:pPr marL="285750" indent="-285750">
+              <a:buFont typeface="Arial" pitchFamily="34" charset="0"/>
+              <a:buChar char="•"/>
+            </a:pPr>
+            <a:r>
+              <a:rPr lang="en-US" dirty="0"/>
+              <a:t>A MLM tests all 4 size variables together:  </a:t>
+            </a:r>
+            <a:r>
+              <a:rPr lang="en-US" dirty="0">
+                <a:solidFill>
+                  <a:srgbClr val="FF0000"/>
+                </a:solidFill>
+              </a:rPr>
+              <a:t>~ species</a:t>
+            </a:r>
+          </a:p>
+          <a:p>
+            <a:pPr marL="285750" indent="-285750">
+              <a:buFont typeface="Arial" pitchFamily="34" charset="0"/>
+              <a:buChar char="•"/>
+            </a:pPr>
+            <a:r>
+              <a:rPr lang="en-US" dirty="0"/>
+              <a:t>Could also use other factors:  </a:t>
+            </a:r>
+            <a:r>
+              <a:rPr lang="en-US" dirty="0">
+                <a:solidFill>
+                  <a:srgbClr val="FF0000"/>
+                </a:solidFill>
+              </a:rPr>
+              <a:t>~ species + island + sex </a:t>
+            </a:r>
+          </a:p>
+        </p:txBody>
+      </p:sp>
+      <p:sp>
+        <p:nvSpPr>
+          <p:cNvPr id="6" name="TextBox 5"/>
+          <p:cNvSpPr txBox="1"/>
+          <p:nvPr/>
+        </p:nvSpPr>
+        <p:spPr>
+          <a:xfrm>
+            <a:off x="533400" y="4343400"/>
+            <a:ext cx="8229600" cy="369332"/>
+          </a:xfrm>
+          <a:prstGeom prst="rect">
+            <a:avLst/>
+          </a:prstGeom>
+          <a:noFill/>
+        </p:spPr>
+        <p:txBody>
+          <a:bodyPr wrap="square" rtlCol="0">
+            <a:spAutoFit/>
+          </a:bodyPr>
+          <a:lstStyle/>
+          <a:p>
+            <a:r>
+              <a:rPr lang="en-US" dirty="0"/>
+              <a:t>Yet, we are left to understand the nature of this effect </a:t>
+            </a:r>
+            <a:r>
+              <a:rPr lang="en-US" dirty="0" err="1"/>
+              <a:t>wrt</a:t>
+            </a:r>
+            <a:r>
+              <a:rPr lang="en-US" dirty="0"/>
+              <a:t>. the size variables. </a:t>
+            </a:r>
+          </a:p>
+        </p:txBody>
+      </p:sp>
+      <p:sp>
+        <p:nvSpPr>
+          <p:cNvPr id="7" name="TextBox 6"/>
+          <p:cNvSpPr txBox="1"/>
+          <p:nvPr/>
+        </p:nvSpPr>
+        <p:spPr>
+          <a:xfrm>
+            <a:off x="609600" y="6019800"/>
+            <a:ext cx="7010400" cy="307777"/>
+          </a:xfrm>
+          <a:prstGeom prst="rect">
+            <a:avLst/>
+          </a:prstGeom>
+          <a:noFill/>
+        </p:spPr>
+        <p:txBody>
+          <a:bodyPr wrap="square" rtlCol="0">
+            <a:spAutoFit/>
+          </a:bodyPr>
+          <a:lstStyle/>
+          <a:p>
+            <a:r>
+              <a:rPr lang="en-US" sz="1400" dirty="0"/>
+              <a:t>See: </a:t>
+            </a:r>
+            <a:r>
+              <a:rPr lang="en-US" sz="1400" dirty="0">
+                <a:hlinkClick r:id="rId2"/>
+              </a:rPr>
+              <a:t>https://rpubs.com/friendly/penguin-manova</a:t>
+            </a:r>
+            <a:r>
+              <a:rPr lang="en-US" sz="1400" dirty="0"/>
+              <a:t> for details</a:t>
+            </a:r>
+          </a:p>
+        </p:txBody>
+      </p:sp>
+    </p:spTree>
+    <p:extLst>
+      <p:ext uri="{BB962C8B-B14F-4D97-AF65-F5344CB8AC3E}">
+        <p14:creationId xmlns:p14="http://schemas.microsoft.com/office/powerpoint/2010/main" val="460349984"/>
+      </p:ext>
+    </p:extLst>
+  </p:cSld>
+  <p:clrMapOvr>
+    <a:masterClrMapping/>
+  </p:clrMapOvr>
+</p:sld>
+</file>
+
+<file path=ppt/slides/slide37.xml><?xml version="1.0" encoding="utf-8"?>
+<p:sld xmlns:a="http://schemas.openxmlformats.org/drawingml/2006/main" xmlns:r="http://schemas.openxmlformats.org/officeDocument/2006/relationships" xmlns:p="http://schemas.openxmlformats.org/presentationml/2006/main">
+  <p:cSld>
+    <p:spTree>
+      <p:nvGrpSpPr>
+        <p:cNvPr id="1" name=""/>
+        <p:cNvGrpSpPr/>
+        <p:nvPr/>
+      </p:nvGrpSpPr>
+      <p:grpSpPr>
+        <a:xfrm>
+          <a:off x="0" y="0"/>
+          <a:ext cx="0" cy="0"/>
+          <a:chOff x="0" y="0"/>
+          <a:chExt cx="0" cy="0"/>
+        </a:xfrm>
+      </p:grpSpPr>
+      <p:sp>
+        <p:nvSpPr>
+          <p:cNvPr id="2" name="Title 1"/>
+          <p:cNvSpPr>
+            <a:spLocks noGrp="1"/>
+          </p:cNvSpPr>
+          <p:nvPr>
+            <p:ph type="title"/>
+          </p:nvPr>
+        </p:nvSpPr>
+        <p:spPr/>
+        <p:txBody>
+          <a:bodyPr/>
+          <a:lstStyle/>
+          <a:p>
+            <a:r>
+              <a:rPr lang="en-US" dirty="0"/>
+              <a:t>Penguins: view data ellipses</a:t>
+            </a:r>
+          </a:p>
+        </p:txBody>
+      </p:sp>
+      <p:sp>
+        <p:nvSpPr>
+          <p:cNvPr id="3" name="Slide Number Placeholder 2"/>
+          <p:cNvSpPr>
+            <a:spLocks noGrp="1"/>
+          </p:cNvSpPr>
+          <p:nvPr>
+            <p:ph type="sldNum" sz="quarter" idx="12"/>
+          </p:nvPr>
+        </p:nvSpPr>
+        <p:spPr/>
+        <p:txBody>
+          <a:bodyPr/>
+          <a:lstStyle/>
+          <a:p>
+            <a:fld id="{810B7604-93B8-4136-B9BD-D1CE89EE20B0}" type="slidenum">
+              <a:rPr lang="en-US" smtClean="0"/>
+              <a:t>37</a:t>
+            </a:fld>
+            <a:endParaRPr lang="en-US" dirty="0"/>
           </a:p>
         </p:txBody>
       </p:sp>
@@ -19771,7 +20065,19 @@
             </a:pPr>
             <a:r>
               <a:rPr lang="en-US" sz="1600" dirty="0"/>
-              <a:t>group means negatively correlated</a:t>
+              <a:t>group means </a:t>
+            </a:r>
+            <a:r>
+              <a:rPr lang="en-US" sz="1600" dirty="0">
+                <a:solidFill>
+                  <a:srgbClr val="FF0000"/>
+                </a:solidFill>
+              </a:rPr>
+              <a:t>negatively</a:t>
+            </a:r>
+            <a:r>
+              <a:rPr lang="en-US" sz="1600" dirty="0"/>
+              <a:t> correlated</a:t>
             </a:r>
           </a:p>
           <a:p>
@@ -19814,7 +20120,19 @@
             </a:pPr>
             <a:r>
               <a:rPr lang="en-US" sz="1600" dirty="0"/>
-              <a:t>group means positively correlated</a:t>
+              <a:t>group means </a:t>
+            </a:r>
+            <a:r>
+              <a:rPr lang="en-US" sz="1600" dirty="0">
+                <a:solidFill>
+                  <a:srgbClr val="FF0000"/>
+                </a:solidFill>
+              </a:rPr>
+              <a:t>positively</a:t>
+            </a:r>
+            <a:r>
+              <a:rPr lang="en-US" sz="1600" dirty="0"/>
+              <a:t> correlated</a:t>
             </a:r>
           </a:p>
           <a:p>
@@ -20021,7 +20339,7 @@
 </p:sld>
 </file>
 
-<file path=ppt/slides/slide37.xml><?xml version="1.0" encoding="utf-8"?>
+<file path=ppt/slides/slide38.xml><?xml version="1.0" encoding="utf-8"?>
 <p:sld xmlns:a="http://schemas.openxmlformats.org/drawingml/2006/main" xmlns:r="http://schemas.openxmlformats.org/officeDocument/2006/relationships" xmlns:p="http://schemas.openxmlformats.org/presentationml/2006/main">
   <p:cSld>
     <p:spTree>
@@ -20299,7 +20617,7 @@
           <a:p>
             <a:fld id="{810B7604-93B8-4136-B9BD-D1CE89EE20B0}" type="slidenum">
               <a:rPr lang="en-US" smtClean="0"/>
-              <a:t>37</a:t>
+              <a:t>38</a:t>
             </a:fld>
             <a:endParaRPr lang="en-US"/>
           </a:p>
@@ -20591,7 +20909,7 @@
 </p:sld>
 </file>
 
-<file path=ppt/slides/slide38.xml><?xml version="1.0" encoding="utf-8"?>
+<file path=ppt/slides/slide39.xml><?xml version="1.0" encoding="utf-8"?>
 <p:sld xmlns:a="http://schemas.openxmlformats.org/drawingml/2006/main" xmlns:r="http://schemas.openxmlformats.org/officeDocument/2006/relationships" xmlns:p="http://schemas.openxmlformats.org/presentationml/2006/main">
   <p:cSld>
     <p:spTree>
@@ -20647,7 +20965,7 @@
           <a:p>
             <a:fld id="{810B7604-93B8-4136-B9BD-D1CE89EE20B0}" type="slidenum">
               <a:rPr lang="en-US" smtClean="0"/>
-              <a:t>38</a:t>
+              <a:t>39</a:t>
             </a:fld>
             <a:endParaRPr lang="en-US"/>
           </a:p>
@@ -20866,7 +21184,1328 @@
 </p:sld>
 </file>
 
-<file path=ppt/slides/slide39.xml><?xml version="1.0" encoding="utf-8"?>
+<file path=ppt/slides/slide4.xml><?xml version="1.0" encoding="utf-8"?>
+<p:sld xmlns:a="http://schemas.openxmlformats.org/drawingml/2006/main" xmlns:r="http://schemas.openxmlformats.org/officeDocument/2006/relationships" xmlns:p="http://schemas.openxmlformats.org/presentationml/2006/main">
+  <p:cSld>
+    <p:spTree>
+      <p:nvGrpSpPr>
+        <p:cNvPr id="1" name=""/>
+        <p:cNvGrpSpPr/>
+        <p:nvPr/>
+      </p:nvGrpSpPr>
+      <p:grpSpPr>
+        <a:xfrm>
+          <a:off x="0" y="0"/>
+          <a:ext cx="0" cy="0"/>
+          <a:chOff x="0" y="0"/>
+          <a:chExt cx="0" cy="0"/>
+        </a:xfrm>
+      </p:grpSpPr>
+      <p:sp>
+        <p:nvSpPr>
+          <p:cNvPr id="2" name="Title 1">
+            <a:extLst>
+              <a:ext uri="{FF2B5EF4-FFF2-40B4-BE49-F238E27FC236}">
+                <a16:creationId xmlns:a16="http://schemas.microsoft.com/office/drawing/2014/main" id="{B90BE79B-C55E-4929-BA53-124BE672587B}"/>
+              </a:ext>
+            </a:extLst>
+          </p:cNvPr>
+          <p:cNvSpPr>
+            <a:spLocks noGrp="1"/>
+          </p:cNvSpPr>
+          <p:nvPr>
+            <p:ph type="title"/>
+          </p:nvPr>
+        </p:nvSpPr>
+        <p:spPr/>
+        <p:txBody>
+          <a:bodyPr/>
+          <a:lstStyle/>
+          <a:p>
+            <a:r>
+              <a:rPr lang="en-US" dirty="0"/>
+              <a:t>Response dimensions</a:t>
+            </a:r>
+          </a:p>
+        </p:txBody>
+      </p:sp>
+      <p:sp>
+        <p:nvSpPr>
+          <p:cNvPr id="3" name="Slide Number Placeholder 2">
+            <a:extLst>
+              <a:ext uri="{FF2B5EF4-FFF2-40B4-BE49-F238E27FC236}">
+                <a16:creationId xmlns:a16="http://schemas.microsoft.com/office/drawing/2014/main" id="{B704F820-9DAA-47F8-A2E1-96D17F6C3776}"/>
+              </a:ext>
+            </a:extLst>
+          </p:cNvPr>
+          <p:cNvSpPr>
+            <a:spLocks noGrp="1"/>
+          </p:cNvSpPr>
+          <p:nvPr>
+            <p:ph type="sldNum" sz="quarter" idx="12"/>
+          </p:nvPr>
+        </p:nvSpPr>
+        <p:spPr/>
+        <p:txBody>
+          <a:bodyPr/>
+          <a:lstStyle/>
+          <a:p>
+            <a:fld id="{810B7604-93B8-4136-B9BD-D1CE89EE20B0}" type="slidenum">
+              <a:rPr lang="en-US" smtClean="0"/>
+              <a:t>4</a:t>
+            </a:fld>
+            <a:endParaRPr lang="en-US"/>
+          </a:p>
+        </p:txBody>
+      </p:sp>
+      <p:grpSp>
+        <p:nvGrpSpPr>
+          <p:cNvPr id="40" name="Group 39">
+            <a:extLst>
+              <a:ext uri="{FF2B5EF4-FFF2-40B4-BE49-F238E27FC236}">
+                <a16:creationId xmlns:a16="http://schemas.microsoft.com/office/drawing/2014/main" id="{7B3D15EE-57FF-4E0C-A8CD-F4EC60F956ED}"/>
+              </a:ext>
+            </a:extLst>
+          </p:cNvPr>
+          <p:cNvGrpSpPr/>
+          <p:nvPr/>
+        </p:nvGrpSpPr>
+        <p:grpSpPr>
+          <a:xfrm>
+            <a:off x="504326" y="2147048"/>
+            <a:ext cx="4067674" cy="3556284"/>
+            <a:chOff x="504326" y="2147048"/>
+            <a:chExt cx="4067674" cy="3556284"/>
+          </a:xfrm>
+        </p:grpSpPr>
+        <p:cxnSp>
+          <p:nvCxnSpPr>
+            <p:cNvPr id="5" name="Straight Connector 4">
+              <a:extLst>
+                <a:ext uri="{FF2B5EF4-FFF2-40B4-BE49-F238E27FC236}">
+                  <a16:creationId xmlns:a16="http://schemas.microsoft.com/office/drawing/2014/main" id="{8FE3EBB4-327A-4F28-ADDB-B6B91F95A646}"/>
+                </a:ext>
+              </a:extLst>
+            </p:cNvPr>
+            <p:cNvCxnSpPr>
+              <a:cxnSpLocks/>
+            </p:cNvCxnSpPr>
+            <p:nvPr/>
+          </p:nvCxnSpPr>
+          <p:spPr>
+            <a:xfrm flipV="1">
+              <a:off x="990600" y="2286000"/>
+              <a:ext cx="0" cy="2971800"/>
+            </a:xfrm>
+            <a:prstGeom prst="line">
+              <a:avLst/>
+            </a:prstGeom>
+            <a:ln w="31750">
+              <a:solidFill>
+                <a:schemeClr val="tx1"/>
+              </a:solidFill>
+              <a:tailEnd type="stealth" w="lg" len="lg"/>
+            </a:ln>
+          </p:spPr>
+          <p:style>
+            <a:lnRef idx="1">
+              <a:schemeClr val="accent1"/>
+            </a:lnRef>
+            <a:fillRef idx="0">
+              <a:schemeClr val="accent1"/>
+            </a:fillRef>
+            <a:effectRef idx="0">
+              <a:schemeClr val="accent1"/>
+            </a:effectRef>
+            <a:fontRef idx="minor">
+              <a:schemeClr val="tx1"/>
+            </a:fontRef>
+          </p:style>
+        </p:cxnSp>
+        <p:cxnSp>
+          <p:nvCxnSpPr>
+            <p:cNvPr id="8" name="Straight Connector 7">
+              <a:extLst>
+                <a:ext uri="{FF2B5EF4-FFF2-40B4-BE49-F238E27FC236}">
+                  <a16:creationId xmlns:a16="http://schemas.microsoft.com/office/drawing/2014/main" id="{2931B82A-FDEE-48C3-81C6-4B6CCC95012B}"/>
+                </a:ext>
+              </a:extLst>
+            </p:cNvPr>
+            <p:cNvCxnSpPr/>
+            <p:nvPr/>
+          </p:nvCxnSpPr>
+          <p:spPr>
+            <a:xfrm>
+              <a:off x="990600" y="5257800"/>
+              <a:ext cx="3352800" cy="0"/>
+            </a:xfrm>
+            <a:prstGeom prst="line">
+              <a:avLst/>
+            </a:prstGeom>
+            <a:ln w="31750">
+              <a:solidFill>
+                <a:schemeClr val="tx1"/>
+              </a:solidFill>
+              <a:tailEnd type="stealth" w="lg" len="lg"/>
+            </a:ln>
+          </p:spPr>
+          <p:style>
+            <a:lnRef idx="1">
+              <a:schemeClr val="accent1"/>
+            </a:lnRef>
+            <a:fillRef idx="0">
+              <a:schemeClr val="accent1"/>
+            </a:fillRef>
+            <a:effectRef idx="0">
+              <a:schemeClr val="accent1"/>
+            </a:effectRef>
+            <a:fontRef idx="minor">
+              <a:schemeClr val="tx1"/>
+            </a:fontRef>
+          </p:style>
+        </p:cxnSp>
+        <p:sp>
+          <p:nvSpPr>
+            <p:cNvPr id="9" name="Oval 8">
+              <a:extLst>
+                <a:ext uri="{FF2B5EF4-FFF2-40B4-BE49-F238E27FC236}">
+                  <a16:creationId xmlns:a16="http://schemas.microsoft.com/office/drawing/2014/main" id="{EB06F0E5-4EEB-473B-AEA2-F7A1362311B8}"/>
+                </a:ext>
+              </a:extLst>
+            </p:cNvPr>
+            <p:cNvSpPr/>
+            <p:nvPr/>
+          </p:nvSpPr>
+          <p:spPr>
+            <a:xfrm rot="18793596">
+              <a:off x="1121123" y="4383169"/>
+              <a:ext cx="1166770" cy="533624"/>
+            </a:xfrm>
+            <a:prstGeom prst="ellipse">
+              <a:avLst/>
+            </a:prstGeom>
+            <a:noFill/>
+          </p:spPr>
+          <p:style>
+            <a:lnRef idx="2">
+              <a:schemeClr val="accent1">
+                <a:shade val="50000"/>
+              </a:schemeClr>
+            </a:lnRef>
+            <a:fillRef idx="1">
+              <a:schemeClr val="accent1"/>
+            </a:fillRef>
+            <a:effectRef idx="0">
+              <a:schemeClr val="accent1"/>
+            </a:effectRef>
+            <a:fontRef idx="minor">
+              <a:schemeClr val="lt1"/>
+            </a:fontRef>
+          </p:style>
+          <p:txBody>
+            <a:bodyPr rtlCol="0" anchor="ctr"/>
+            <a:lstStyle/>
+            <a:p>
+              <a:pPr algn="ctr"/>
+              <a:endParaRPr lang="en-US"/>
+            </a:p>
+          </p:txBody>
+        </p:sp>
+        <p:sp>
+          <p:nvSpPr>
+            <p:cNvPr id="10" name="Oval 9">
+              <a:extLst>
+                <a:ext uri="{FF2B5EF4-FFF2-40B4-BE49-F238E27FC236}">
+                  <a16:creationId xmlns:a16="http://schemas.microsoft.com/office/drawing/2014/main" id="{BB9AB030-1990-4FDE-A08C-47975220EAE3}"/>
+                </a:ext>
+              </a:extLst>
+            </p:cNvPr>
+            <p:cNvSpPr/>
+            <p:nvPr/>
+          </p:nvSpPr>
+          <p:spPr>
+            <a:xfrm rot="18899384">
+              <a:off x="2083616" y="3695586"/>
+              <a:ext cx="1166770" cy="533624"/>
+            </a:xfrm>
+            <a:prstGeom prst="ellipse">
+              <a:avLst/>
+            </a:prstGeom>
+            <a:noFill/>
+          </p:spPr>
+          <p:style>
+            <a:lnRef idx="2">
+              <a:schemeClr val="accent1">
+                <a:shade val="50000"/>
+              </a:schemeClr>
+            </a:lnRef>
+            <a:fillRef idx="1">
+              <a:schemeClr val="accent1"/>
+            </a:fillRef>
+            <a:effectRef idx="0">
+              <a:schemeClr val="accent1"/>
+            </a:effectRef>
+            <a:fontRef idx="minor">
+              <a:schemeClr val="lt1"/>
+            </a:fontRef>
+          </p:style>
+          <p:txBody>
+            <a:bodyPr rtlCol="0" anchor="ctr"/>
+            <a:lstStyle/>
+            <a:p>
+              <a:pPr algn="ctr"/>
+              <a:endParaRPr lang="en-US"/>
+            </a:p>
+          </p:txBody>
+        </p:sp>
+        <p:sp>
+          <p:nvSpPr>
+            <p:cNvPr id="11" name="Oval 10">
+              <a:extLst>
+                <a:ext uri="{FF2B5EF4-FFF2-40B4-BE49-F238E27FC236}">
+                  <a16:creationId xmlns:a16="http://schemas.microsoft.com/office/drawing/2014/main" id="{F518FD67-04C6-496E-91CD-EE95497C0BB4}"/>
+                </a:ext>
+              </a:extLst>
+            </p:cNvPr>
+            <p:cNvSpPr/>
+            <p:nvPr/>
+          </p:nvSpPr>
+          <p:spPr>
+            <a:xfrm rot="18793596">
+              <a:off x="2753778" y="2747275"/>
+              <a:ext cx="1166770" cy="533624"/>
+            </a:xfrm>
+            <a:prstGeom prst="ellipse">
+              <a:avLst/>
+            </a:prstGeom>
+            <a:noFill/>
+          </p:spPr>
+          <p:style>
+            <a:lnRef idx="2">
+              <a:schemeClr val="accent1">
+                <a:shade val="50000"/>
+              </a:schemeClr>
+            </a:lnRef>
+            <a:fillRef idx="1">
+              <a:schemeClr val="accent1"/>
+            </a:fillRef>
+            <a:effectRef idx="0">
+              <a:schemeClr val="accent1"/>
+            </a:effectRef>
+            <a:fontRef idx="minor">
+              <a:schemeClr val="lt1"/>
+            </a:fontRef>
+          </p:style>
+          <p:txBody>
+            <a:bodyPr rtlCol="0" anchor="ctr"/>
+            <a:lstStyle/>
+            <a:p>
+              <a:pPr algn="ctr"/>
+              <a:endParaRPr lang="en-US"/>
+            </a:p>
+          </p:txBody>
+        </p:sp>
+        <p:sp>
+          <p:nvSpPr>
+            <p:cNvPr id="12" name="TextBox 11">
+              <a:extLst>
+                <a:ext uri="{FF2B5EF4-FFF2-40B4-BE49-F238E27FC236}">
+                  <a16:creationId xmlns:a16="http://schemas.microsoft.com/office/drawing/2014/main" id="{666E1EEA-44CF-4AF0-ADE2-6EA387FAAE1F}"/>
+                </a:ext>
+              </a:extLst>
+            </p:cNvPr>
+            <p:cNvSpPr txBox="1"/>
+            <p:nvPr/>
+          </p:nvSpPr>
+          <p:spPr>
+            <a:xfrm>
+              <a:off x="4038600" y="5334000"/>
+              <a:ext cx="533400" cy="369332"/>
+            </a:xfrm>
+            <a:prstGeom prst="rect">
+              <a:avLst/>
+            </a:prstGeom>
+            <a:noFill/>
+          </p:spPr>
+          <p:txBody>
+            <a:bodyPr wrap="square" rtlCol="0">
+              <a:spAutoFit/>
+            </a:bodyPr>
+            <a:lstStyle/>
+            <a:p>
+              <a:pPr algn="ctr"/>
+              <a:r>
+                <a:rPr lang="en-US" dirty="0"/>
+                <a:t>Y</a:t>
+              </a:r>
+              <a:r>
+                <a:rPr lang="en-US" baseline="-25000" dirty="0"/>
+                <a:t>1</a:t>
+              </a:r>
+            </a:p>
+          </p:txBody>
+        </p:sp>
+        <p:sp>
+          <p:nvSpPr>
+            <p:cNvPr id="13" name="Rectangle 12">
+              <a:extLst>
+                <a:ext uri="{FF2B5EF4-FFF2-40B4-BE49-F238E27FC236}">
+                  <a16:creationId xmlns:a16="http://schemas.microsoft.com/office/drawing/2014/main" id="{D84CB732-39BB-4DB8-A30E-7F203EE0B167}"/>
+                </a:ext>
+              </a:extLst>
+            </p:cNvPr>
+            <p:cNvSpPr/>
+            <p:nvPr/>
+          </p:nvSpPr>
+          <p:spPr>
+            <a:xfrm>
+              <a:off x="504326" y="2147048"/>
+              <a:ext cx="383438" cy="369332"/>
+            </a:xfrm>
+            <a:prstGeom prst="rect">
+              <a:avLst/>
+            </a:prstGeom>
+          </p:spPr>
+          <p:txBody>
+            <a:bodyPr wrap="none">
+              <a:spAutoFit/>
+            </a:bodyPr>
+            <a:lstStyle/>
+            <a:p>
+              <a:pPr algn="ctr"/>
+              <a:r>
+                <a:rPr lang="en-US" dirty="0"/>
+                <a:t>Y</a:t>
+              </a:r>
+              <a:r>
+                <a:rPr lang="en-US" baseline="-25000" dirty="0"/>
+                <a:t>2</a:t>
+              </a:r>
+            </a:p>
+          </p:txBody>
+        </p:sp>
+        <p:cxnSp>
+          <p:nvCxnSpPr>
+            <p:cNvPr id="23" name="Straight Arrow Connector 22">
+              <a:extLst>
+                <a:ext uri="{FF2B5EF4-FFF2-40B4-BE49-F238E27FC236}">
+                  <a16:creationId xmlns:a16="http://schemas.microsoft.com/office/drawing/2014/main" id="{802DC268-B094-4230-9E7C-6B7C05DBD305}"/>
+                </a:ext>
+              </a:extLst>
+            </p:cNvPr>
+            <p:cNvCxnSpPr>
+              <a:cxnSpLocks/>
+            </p:cNvCxnSpPr>
+            <p:nvPr/>
+          </p:nvCxnSpPr>
+          <p:spPr>
+            <a:xfrm flipV="1">
+              <a:off x="1788776" y="2954073"/>
+              <a:ext cx="1668428" cy="1762366"/>
+            </a:xfrm>
+            <a:prstGeom prst="straightConnector1">
+              <a:avLst/>
+            </a:prstGeom>
+            <a:ln w="31750">
+              <a:solidFill>
+                <a:srgbClr val="FF0000"/>
+              </a:solidFill>
+              <a:tailEnd type="triangle"/>
+            </a:ln>
+          </p:spPr>
+          <p:style>
+            <a:lnRef idx="1">
+              <a:schemeClr val="accent1"/>
+            </a:lnRef>
+            <a:fillRef idx="0">
+              <a:schemeClr val="accent1"/>
+            </a:fillRef>
+            <a:effectRef idx="0">
+              <a:schemeClr val="accent1"/>
+            </a:effectRef>
+            <a:fontRef idx="minor">
+              <a:schemeClr val="tx1"/>
+            </a:fontRef>
+          </p:style>
+        </p:cxnSp>
+        <p:cxnSp>
+          <p:nvCxnSpPr>
+            <p:cNvPr id="28" name="Straight Arrow Connector 27">
+              <a:extLst>
+                <a:ext uri="{FF2B5EF4-FFF2-40B4-BE49-F238E27FC236}">
+                  <a16:creationId xmlns:a16="http://schemas.microsoft.com/office/drawing/2014/main" id="{79A18A12-1F7E-4AE8-B360-18902A828844}"/>
+                </a:ext>
+              </a:extLst>
+            </p:cNvPr>
+            <p:cNvCxnSpPr/>
+            <p:nvPr/>
+          </p:nvCxnSpPr>
+          <p:spPr>
+            <a:xfrm flipH="1" flipV="1">
+              <a:off x="2362200" y="3706584"/>
+              <a:ext cx="304800" cy="228600"/>
+            </a:xfrm>
+            <a:prstGeom prst="straightConnector1">
+              <a:avLst/>
+            </a:prstGeom>
+            <a:ln w="31750">
+              <a:solidFill>
+                <a:srgbClr val="FF0000"/>
+              </a:solidFill>
+              <a:tailEnd type="triangle"/>
+            </a:ln>
+          </p:spPr>
+          <p:style>
+            <a:lnRef idx="1">
+              <a:schemeClr val="accent1"/>
+            </a:lnRef>
+            <a:fillRef idx="0">
+              <a:schemeClr val="accent1"/>
+            </a:fillRef>
+            <a:effectRef idx="0">
+              <a:schemeClr val="accent1"/>
+            </a:effectRef>
+            <a:fontRef idx="minor">
+              <a:schemeClr val="tx1"/>
+            </a:fontRef>
+          </p:style>
+        </p:cxnSp>
+      </p:grpSp>
+      <p:grpSp>
+        <p:nvGrpSpPr>
+          <p:cNvPr id="41" name="Group 40">
+            <a:extLst>
+              <a:ext uri="{FF2B5EF4-FFF2-40B4-BE49-F238E27FC236}">
+                <a16:creationId xmlns:a16="http://schemas.microsoft.com/office/drawing/2014/main" id="{2C9DE9B5-B093-439C-9B8D-2FB3598D651E}"/>
+              </a:ext>
+            </a:extLst>
+          </p:cNvPr>
+          <p:cNvGrpSpPr/>
+          <p:nvPr/>
+        </p:nvGrpSpPr>
+        <p:grpSpPr>
+          <a:xfrm>
+            <a:off x="4426020" y="2147048"/>
+            <a:ext cx="4067674" cy="3556284"/>
+            <a:chOff x="4426020" y="2147048"/>
+            <a:chExt cx="4067674" cy="3556284"/>
+          </a:xfrm>
+        </p:grpSpPr>
+        <p:cxnSp>
+          <p:nvCxnSpPr>
+            <p:cNvPr id="16" name="Straight Connector 15">
+              <a:extLst>
+                <a:ext uri="{FF2B5EF4-FFF2-40B4-BE49-F238E27FC236}">
+                  <a16:creationId xmlns:a16="http://schemas.microsoft.com/office/drawing/2014/main" id="{58AFDBC9-8AB0-4567-A70E-6E9A78A475A0}"/>
+                </a:ext>
+              </a:extLst>
+            </p:cNvPr>
+            <p:cNvCxnSpPr>
+              <a:cxnSpLocks/>
+            </p:cNvCxnSpPr>
+            <p:nvPr/>
+          </p:nvCxnSpPr>
+          <p:spPr>
+            <a:xfrm flipV="1">
+              <a:off x="4912294" y="2286000"/>
+              <a:ext cx="0" cy="2971800"/>
+            </a:xfrm>
+            <a:prstGeom prst="line">
+              <a:avLst/>
+            </a:prstGeom>
+            <a:ln w="31750">
+              <a:solidFill>
+                <a:schemeClr val="tx1"/>
+              </a:solidFill>
+              <a:tailEnd type="stealth" w="lg" len="lg"/>
+            </a:ln>
+          </p:spPr>
+          <p:style>
+            <a:lnRef idx="1">
+              <a:schemeClr val="accent1"/>
+            </a:lnRef>
+            <a:fillRef idx="0">
+              <a:schemeClr val="accent1"/>
+            </a:fillRef>
+            <a:effectRef idx="0">
+              <a:schemeClr val="accent1"/>
+            </a:effectRef>
+            <a:fontRef idx="minor">
+              <a:schemeClr val="tx1"/>
+            </a:fontRef>
+          </p:style>
+        </p:cxnSp>
+        <p:cxnSp>
+          <p:nvCxnSpPr>
+            <p:cNvPr id="17" name="Straight Connector 16">
+              <a:extLst>
+                <a:ext uri="{FF2B5EF4-FFF2-40B4-BE49-F238E27FC236}">
+                  <a16:creationId xmlns:a16="http://schemas.microsoft.com/office/drawing/2014/main" id="{65F6D0A5-1076-4A55-AB59-D52DA622147C}"/>
+                </a:ext>
+              </a:extLst>
+            </p:cNvPr>
+            <p:cNvCxnSpPr/>
+            <p:nvPr/>
+          </p:nvCxnSpPr>
+          <p:spPr>
+            <a:xfrm>
+              <a:off x="4912294" y="5257800"/>
+              <a:ext cx="3352800" cy="0"/>
+            </a:xfrm>
+            <a:prstGeom prst="line">
+              <a:avLst/>
+            </a:prstGeom>
+            <a:ln w="31750">
+              <a:solidFill>
+                <a:schemeClr val="tx1"/>
+              </a:solidFill>
+              <a:tailEnd type="stealth" w="lg" len="lg"/>
+            </a:ln>
+          </p:spPr>
+          <p:style>
+            <a:lnRef idx="1">
+              <a:schemeClr val="accent1"/>
+            </a:lnRef>
+            <a:fillRef idx="0">
+              <a:schemeClr val="accent1"/>
+            </a:fillRef>
+            <a:effectRef idx="0">
+              <a:schemeClr val="accent1"/>
+            </a:effectRef>
+            <a:fontRef idx="minor">
+              <a:schemeClr val="tx1"/>
+            </a:fontRef>
+          </p:style>
+        </p:cxnSp>
+        <p:sp>
+          <p:nvSpPr>
+            <p:cNvPr id="18" name="Oval 17">
+              <a:extLst>
+                <a:ext uri="{FF2B5EF4-FFF2-40B4-BE49-F238E27FC236}">
+                  <a16:creationId xmlns:a16="http://schemas.microsoft.com/office/drawing/2014/main" id="{2B04D89D-E5D2-43AB-A79A-7E729225A003}"/>
+                </a:ext>
+              </a:extLst>
+            </p:cNvPr>
+            <p:cNvSpPr/>
+            <p:nvPr/>
+          </p:nvSpPr>
+          <p:spPr>
+            <a:xfrm rot="18793596">
+              <a:off x="5042817" y="4383169"/>
+              <a:ext cx="1166770" cy="533624"/>
+            </a:xfrm>
+            <a:prstGeom prst="ellipse">
+              <a:avLst/>
+            </a:prstGeom>
+            <a:noFill/>
+          </p:spPr>
+          <p:style>
+            <a:lnRef idx="2">
+              <a:schemeClr val="accent1">
+                <a:shade val="50000"/>
+              </a:schemeClr>
+            </a:lnRef>
+            <a:fillRef idx="1">
+              <a:schemeClr val="accent1"/>
+            </a:fillRef>
+            <a:effectRef idx="0">
+              <a:schemeClr val="accent1"/>
+            </a:effectRef>
+            <a:fontRef idx="minor">
+              <a:schemeClr val="lt1"/>
+            </a:fontRef>
+          </p:style>
+          <p:txBody>
+            <a:bodyPr rtlCol="0" anchor="ctr"/>
+            <a:lstStyle/>
+            <a:p>
+              <a:pPr algn="ctr"/>
+              <a:endParaRPr lang="en-US"/>
+            </a:p>
+          </p:txBody>
+        </p:sp>
+        <p:sp>
+          <p:nvSpPr>
+            <p:cNvPr id="19" name="Oval 18">
+              <a:extLst>
+                <a:ext uri="{FF2B5EF4-FFF2-40B4-BE49-F238E27FC236}">
+                  <a16:creationId xmlns:a16="http://schemas.microsoft.com/office/drawing/2014/main" id="{48A9599B-9E1D-436D-9680-E4449F15BC4D}"/>
+                </a:ext>
+              </a:extLst>
+            </p:cNvPr>
+            <p:cNvSpPr/>
+            <p:nvPr/>
+          </p:nvSpPr>
+          <p:spPr>
+            <a:xfrm rot="18899384">
+              <a:off x="6848932" y="3502547"/>
+              <a:ext cx="1166770" cy="533624"/>
+            </a:xfrm>
+            <a:prstGeom prst="ellipse">
+              <a:avLst/>
+            </a:prstGeom>
+            <a:noFill/>
+          </p:spPr>
+          <p:style>
+            <a:lnRef idx="2">
+              <a:schemeClr val="accent1">
+                <a:shade val="50000"/>
+              </a:schemeClr>
+            </a:lnRef>
+            <a:fillRef idx="1">
+              <a:schemeClr val="accent1"/>
+            </a:fillRef>
+            <a:effectRef idx="0">
+              <a:schemeClr val="accent1"/>
+            </a:effectRef>
+            <a:fontRef idx="minor">
+              <a:schemeClr val="lt1"/>
+            </a:fontRef>
+          </p:style>
+          <p:txBody>
+            <a:bodyPr rtlCol="0" anchor="ctr"/>
+            <a:lstStyle/>
+            <a:p>
+              <a:pPr algn="ctr"/>
+              <a:endParaRPr lang="en-US"/>
+            </a:p>
+          </p:txBody>
+        </p:sp>
+        <p:sp>
+          <p:nvSpPr>
+            <p:cNvPr id="20" name="Oval 19">
+              <a:extLst>
+                <a:ext uri="{FF2B5EF4-FFF2-40B4-BE49-F238E27FC236}">
+                  <a16:creationId xmlns:a16="http://schemas.microsoft.com/office/drawing/2014/main" id="{4FFF20D7-4E5E-48C3-9172-49E3DA4FEA63}"/>
+                </a:ext>
+              </a:extLst>
+            </p:cNvPr>
+            <p:cNvSpPr/>
+            <p:nvPr/>
+          </p:nvSpPr>
+          <p:spPr>
+            <a:xfrm rot="18793596">
+              <a:off x="5181390" y="2703825"/>
+              <a:ext cx="1166770" cy="533624"/>
+            </a:xfrm>
+            <a:prstGeom prst="ellipse">
+              <a:avLst/>
+            </a:prstGeom>
+            <a:noFill/>
+          </p:spPr>
+          <p:style>
+            <a:lnRef idx="2">
+              <a:schemeClr val="accent1">
+                <a:shade val="50000"/>
+              </a:schemeClr>
+            </a:lnRef>
+            <a:fillRef idx="1">
+              <a:schemeClr val="accent1"/>
+            </a:fillRef>
+            <a:effectRef idx="0">
+              <a:schemeClr val="accent1"/>
+            </a:effectRef>
+            <a:fontRef idx="minor">
+              <a:schemeClr val="lt1"/>
+            </a:fontRef>
+          </p:style>
+          <p:txBody>
+            <a:bodyPr rtlCol="0" anchor="ctr"/>
+            <a:lstStyle/>
+            <a:p>
+              <a:pPr algn="ctr"/>
+              <a:endParaRPr lang="en-US"/>
+            </a:p>
+          </p:txBody>
+        </p:sp>
+        <p:sp>
+          <p:nvSpPr>
+            <p:cNvPr id="21" name="TextBox 20">
+              <a:extLst>
+                <a:ext uri="{FF2B5EF4-FFF2-40B4-BE49-F238E27FC236}">
+                  <a16:creationId xmlns:a16="http://schemas.microsoft.com/office/drawing/2014/main" id="{0E78E3CA-9DE2-44E0-A41E-FB71059FBE3C}"/>
+                </a:ext>
+              </a:extLst>
+            </p:cNvPr>
+            <p:cNvSpPr txBox="1"/>
+            <p:nvPr/>
+          </p:nvSpPr>
+          <p:spPr>
+            <a:xfrm>
+              <a:off x="7960294" y="5334000"/>
+              <a:ext cx="533400" cy="369332"/>
+            </a:xfrm>
+            <a:prstGeom prst="rect">
+              <a:avLst/>
+            </a:prstGeom>
+            <a:noFill/>
+          </p:spPr>
+          <p:txBody>
+            <a:bodyPr wrap="square" rtlCol="0">
+              <a:spAutoFit/>
+            </a:bodyPr>
+            <a:lstStyle/>
+            <a:p>
+              <a:pPr algn="ctr"/>
+              <a:r>
+                <a:rPr lang="en-US" dirty="0"/>
+                <a:t>Y</a:t>
+              </a:r>
+              <a:r>
+                <a:rPr lang="en-US" baseline="-25000" dirty="0"/>
+                <a:t>1</a:t>
+              </a:r>
+            </a:p>
+          </p:txBody>
+        </p:sp>
+        <p:sp>
+          <p:nvSpPr>
+            <p:cNvPr id="22" name="Rectangle 21">
+              <a:extLst>
+                <a:ext uri="{FF2B5EF4-FFF2-40B4-BE49-F238E27FC236}">
+                  <a16:creationId xmlns:a16="http://schemas.microsoft.com/office/drawing/2014/main" id="{EE1630A0-C2E9-44D9-9FE4-08491AE8C3FE}"/>
+                </a:ext>
+              </a:extLst>
+            </p:cNvPr>
+            <p:cNvSpPr/>
+            <p:nvPr/>
+          </p:nvSpPr>
+          <p:spPr>
+            <a:xfrm>
+              <a:off x="4426020" y="2147048"/>
+              <a:ext cx="383438" cy="369332"/>
+            </a:xfrm>
+            <a:prstGeom prst="rect">
+              <a:avLst/>
+            </a:prstGeom>
+          </p:spPr>
+          <p:txBody>
+            <a:bodyPr wrap="none">
+              <a:spAutoFit/>
+            </a:bodyPr>
+            <a:lstStyle/>
+            <a:p>
+              <a:pPr algn="ctr"/>
+              <a:r>
+                <a:rPr lang="en-US" dirty="0"/>
+                <a:t>Y</a:t>
+              </a:r>
+              <a:r>
+                <a:rPr lang="en-US" baseline="-25000" dirty="0"/>
+                <a:t>2</a:t>
+              </a:r>
+            </a:p>
+          </p:txBody>
+        </p:sp>
+        <p:cxnSp>
+          <p:nvCxnSpPr>
+            <p:cNvPr id="29" name="Straight Arrow Connector 28">
+              <a:extLst>
+                <a:ext uri="{FF2B5EF4-FFF2-40B4-BE49-F238E27FC236}">
+                  <a16:creationId xmlns:a16="http://schemas.microsoft.com/office/drawing/2014/main" id="{EC6575DC-B818-4BE1-A39E-7322E560064B}"/>
+                </a:ext>
+              </a:extLst>
+            </p:cNvPr>
+            <p:cNvCxnSpPr>
+              <a:cxnSpLocks/>
+            </p:cNvCxnSpPr>
+            <p:nvPr/>
+          </p:nvCxnSpPr>
+          <p:spPr>
+            <a:xfrm flipV="1">
+              <a:off x="5513608" y="2929213"/>
+              <a:ext cx="1729022" cy="1554741"/>
+            </a:xfrm>
+            <a:prstGeom prst="straightConnector1">
+              <a:avLst/>
+            </a:prstGeom>
+            <a:ln w="31750">
+              <a:solidFill>
+                <a:srgbClr val="FF0000"/>
+              </a:solidFill>
+              <a:tailEnd type="triangle"/>
+            </a:ln>
+          </p:spPr>
+          <p:style>
+            <a:lnRef idx="1">
+              <a:schemeClr val="accent1"/>
+            </a:lnRef>
+            <a:fillRef idx="0">
+              <a:schemeClr val="accent1"/>
+            </a:fillRef>
+            <a:effectRef idx="0">
+              <a:schemeClr val="accent1"/>
+            </a:effectRef>
+            <a:fontRef idx="minor">
+              <a:schemeClr val="tx1"/>
+            </a:fontRef>
+          </p:style>
+        </p:cxnSp>
+        <p:cxnSp>
+          <p:nvCxnSpPr>
+            <p:cNvPr id="34" name="Straight Arrow Connector 33">
+              <a:extLst>
+                <a:ext uri="{FF2B5EF4-FFF2-40B4-BE49-F238E27FC236}">
+                  <a16:creationId xmlns:a16="http://schemas.microsoft.com/office/drawing/2014/main" id="{00CA5522-8F17-4CDC-9AA5-4F8BC5D09D38}"/>
+                </a:ext>
+              </a:extLst>
+            </p:cNvPr>
+            <p:cNvCxnSpPr>
+              <a:cxnSpLocks/>
+            </p:cNvCxnSpPr>
+            <p:nvPr/>
+          </p:nvCxnSpPr>
+          <p:spPr>
+            <a:xfrm flipH="1" flipV="1">
+              <a:off x="5912716" y="3183690"/>
+              <a:ext cx="927395" cy="858471"/>
+            </a:xfrm>
+            <a:prstGeom prst="straightConnector1">
+              <a:avLst/>
+            </a:prstGeom>
+            <a:ln w="31750">
+              <a:solidFill>
+                <a:srgbClr val="FF0000"/>
+              </a:solidFill>
+              <a:tailEnd type="triangle"/>
+            </a:ln>
+          </p:spPr>
+          <p:style>
+            <a:lnRef idx="1">
+              <a:schemeClr val="accent1"/>
+            </a:lnRef>
+            <a:fillRef idx="0">
+              <a:schemeClr val="accent1"/>
+            </a:fillRef>
+            <a:effectRef idx="0">
+              <a:schemeClr val="accent1"/>
+            </a:effectRef>
+            <a:fontRef idx="minor">
+              <a:schemeClr val="tx1"/>
+            </a:fontRef>
+          </p:style>
+        </p:cxnSp>
+      </p:grpSp>
+      <p:sp>
+        <p:nvSpPr>
+          <p:cNvPr id="36" name="TextBox 35">
+            <a:extLst>
+              <a:ext uri="{FF2B5EF4-FFF2-40B4-BE49-F238E27FC236}">
+                <a16:creationId xmlns:a16="http://schemas.microsoft.com/office/drawing/2014/main" id="{43DCDFF7-C31D-4C6D-B683-8002CD0BDD84}"/>
+              </a:ext>
+            </a:extLst>
+          </p:cNvPr>
+          <p:cNvSpPr txBox="1"/>
+          <p:nvPr/>
+        </p:nvSpPr>
+        <p:spPr>
+          <a:xfrm>
+            <a:off x="887764" y="1295400"/>
+            <a:ext cx="3455636" cy="646331"/>
+          </a:xfrm>
+          <a:prstGeom prst="rect">
+            <a:avLst/>
+          </a:prstGeom>
+          <a:noFill/>
+        </p:spPr>
+        <p:txBody>
+          <a:bodyPr wrap="square" rtlCol="0">
+            <a:spAutoFit/>
+          </a:bodyPr>
+          <a:lstStyle/>
+          <a:p>
+            <a:r>
+              <a:rPr lang="en-US" dirty="0"/>
+              <a:t>Means on Y</a:t>
+            </a:r>
+            <a:r>
+              <a:rPr lang="en-US" baseline="-25000" dirty="0"/>
+              <a:t>1</a:t>
+            </a:r>
+            <a:r>
+              <a:rPr lang="en-US" dirty="0"/>
+              <a:t> and Y</a:t>
+            </a:r>
+            <a:r>
+              <a:rPr lang="en-US" baseline="-25000" dirty="0"/>
+              <a:t>2</a:t>
+            </a:r>
+            <a:r>
+              <a:rPr lang="en-US" dirty="0"/>
+              <a:t> are nearly perfectly correlated</a:t>
+            </a:r>
+          </a:p>
+        </p:txBody>
+      </p:sp>
+      <p:sp>
+        <p:nvSpPr>
+          <p:cNvPr id="37" name="TextBox 36">
+            <a:extLst>
+              <a:ext uri="{FF2B5EF4-FFF2-40B4-BE49-F238E27FC236}">
+                <a16:creationId xmlns:a16="http://schemas.microsoft.com/office/drawing/2014/main" id="{87C56F74-8207-4F53-B876-3E0504406669}"/>
+              </a:ext>
+            </a:extLst>
+          </p:cNvPr>
+          <p:cNvSpPr txBox="1"/>
+          <p:nvPr/>
+        </p:nvSpPr>
+        <p:spPr>
+          <a:xfrm>
+            <a:off x="4913849" y="1295400"/>
+            <a:ext cx="3455636" cy="646331"/>
+          </a:xfrm>
+          <a:prstGeom prst="rect">
+            <a:avLst/>
+          </a:prstGeom>
+          <a:noFill/>
+        </p:spPr>
+        <p:txBody>
+          <a:bodyPr wrap="square" rtlCol="0">
+            <a:spAutoFit/>
+          </a:bodyPr>
+          <a:lstStyle/>
+          <a:p>
+            <a:r>
+              <a:rPr lang="en-US" dirty="0"/>
+              <a:t>Means on Y</a:t>
+            </a:r>
+            <a:r>
+              <a:rPr lang="en-US" baseline="-25000" dirty="0"/>
+              <a:t>1</a:t>
+            </a:r>
+            <a:r>
+              <a:rPr lang="en-US" dirty="0"/>
+              <a:t> and Y</a:t>
+            </a:r>
+            <a:r>
+              <a:rPr lang="en-US" baseline="-25000" dirty="0"/>
+              <a:t>2</a:t>
+            </a:r>
+            <a:r>
+              <a:rPr lang="en-US" dirty="0"/>
+              <a:t> have a low correlation</a:t>
+            </a:r>
+          </a:p>
+        </p:txBody>
+      </p:sp>
+      <p:sp>
+        <p:nvSpPr>
+          <p:cNvPr id="38" name="TextBox 37">
+            <a:extLst>
+              <a:ext uri="{FF2B5EF4-FFF2-40B4-BE49-F238E27FC236}">
+                <a16:creationId xmlns:a16="http://schemas.microsoft.com/office/drawing/2014/main" id="{BEEC2EE8-3A6C-47B4-8DE0-B6F8E0B0E825}"/>
+              </a:ext>
+            </a:extLst>
+          </p:cNvPr>
+          <p:cNvSpPr txBox="1"/>
+          <p:nvPr/>
+        </p:nvSpPr>
+        <p:spPr>
+          <a:xfrm>
+            <a:off x="887764" y="5867400"/>
+            <a:ext cx="3608036" cy="646331"/>
+          </a:xfrm>
+          <a:prstGeom prst="rect">
+            <a:avLst/>
+          </a:prstGeom>
+          <a:noFill/>
+        </p:spPr>
+        <p:txBody>
+          <a:bodyPr wrap="square" rtlCol="0">
+            <a:spAutoFit/>
+          </a:bodyPr>
+          <a:lstStyle/>
+          <a:p>
+            <a:r>
+              <a:rPr lang="en-US" dirty="0"/>
+              <a:t>Only 1 dimension required to understand the group effect</a:t>
+            </a:r>
+          </a:p>
+        </p:txBody>
+      </p:sp>
+      <p:sp>
+        <p:nvSpPr>
+          <p:cNvPr id="39" name="TextBox 38">
+            <a:extLst>
+              <a:ext uri="{FF2B5EF4-FFF2-40B4-BE49-F238E27FC236}">
+                <a16:creationId xmlns:a16="http://schemas.microsoft.com/office/drawing/2014/main" id="{A97EEA95-AA93-4D3B-B555-D7FA325CC668}"/>
+              </a:ext>
+            </a:extLst>
+          </p:cNvPr>
+          <p:cNvSpPr txBox="1"/>
+          <p:nvPr/>
+        </p:nvSpPr>
+        <p:spPr>
+          <a:xfrm>
+            <a:off x="5032237" y="5867400"/>
+            <a:ext cx="3461457" cy="646331"/>
+          </a:xfrm>
+          <a:prstGeom prst="rect">
+            <a:avLst/>
+          </a:prstGeom>
+          <a:noFill/>
+        </p:spPr>
+        <p:txBody>
+          <a:bodyPr wrap="square" rtlCol="0">
+            <a:spAutoFit/>
+          </a:bodyPr>
+          <a:lstStyle/>
+          <a:p>
+            <a:r>
+              <a:rPr lang="en-US" dirty="0"/>
+              <a:t>Two different aspects are reflected in group means</a:t>
+            </a:r>
+          </a:p>
+        </p:txBody>
+      </p:sp>
+    </p:spTree>
+    <p:extLst>
+      <p:ext uri="{BB962C8B-B14F-4D97-AF65-F5344CB8AC3E}">
+        <p14:creationId xmlns:p14="http://schemas.microsoft.com/office/powerpoint/2010/main" val="3693958579"/>
+      </p:ext>
+    </p:extLst>
+  </p:cSld>
+  <p:clrMapOvr>
+    <a:masterClrMapping/>
+  </p:clrMapOvr>
+  <p:timing>
+    <p:tnLst>
+      <p:par>
+        <p:cTn id="1" dur="indefinite" restart="never" nodeType="tmRoot">
+          <p:childTnLst>
+            <p:seq concurrent="1" nextAc="seek">
+              <p:cTn id="2" dur="indefinite" nodeType="mainSeq">
+                <p:childTnLst>
+                  <p:par>
+                    <p:cTn id="3" fill="hold">
+                      <p:stCondLst>
+                        <p:cond delay="indefinite"/>
+                      </p:stCondLst>
+                      <p:childTnLst>
+                        <p:par>
+                          <p:cTn id="4" fill="hold">
+                            <p:stCondLst>
+                              <p:cond delay="0"/>
+                            </p:stCondLst>
+                            <p:childTnLst>
+                              <p:par>
+                                <p:cTn id="5" presetID="1" presetClass="entr" presetSubtype="0" fill="hold" grpId="0" nodeType="clickEffect">
+                                  <p:stCondLst>
+                                    <p:cond delay="0"/>
+                                  </p:stCondLst>
+                                  <p:childTnLst>
+                                    <p:set>
+                                      <p:cBhvr>
+                                        <p:cTn id="6" dur="1" fill="hold">
+                                          <p:stCondLst>
+                                            <p:cond delay="0"/>
+                                          </p:stCondLst>
+                                        </p:cTn>
+                                        <p:tgtEl>
+                                          <p:spTgt spid="36"/>
+                                        </p:tgtEl>
+                                        <p:attrNameLst>
+                                          <p:attrName>style.visibility</p:attrName>
+                                        </p:attrNameLst>
+                                      </p:cBhvr>
+                                      <p:to>
+                                        <p:strVal val="visible"/>
+                                      </p:to>
+                                    </p:set>
+                                  </p:childTnLst>
+                                </p:cTn>
+                              </p:par>
+                              <p:par>
+                                <p:cTn id="7" presetID="1" presetClass="entr" presetSubtype="0" fill="hold" nodeType="withEffect">
+                                  <p:stCondLst>
+                                    <p:cond delay="0"/>
+                                  </p:stCondLst>
+                                  <p:childTnLst>
+                                    <p:set>
+                                      <p:cBhvr>
+                                        <p:cTn id="8" dur="1" fill="hold">
+                                          <p:stCondLst>
+                                            <p:cond delay="0"/>
+                                          </p:stCondLst>
+                                        </p:cTn>
+                                        <p:tgtEl>
+                                          <p:spTgt spid="40"/>
+                                        </p:tgtEl>
+                                        <p:attrNameLst>
+                                          <p:attrName>style.visibility</p:attrName>
+                                        </p:attrNameLst>
+                                      </p:cBhvr>
+                                      <p:to>
+                                        <p:strVal val="visible"/>
+                                      </p:to>
+                                    </p:set>
+                                  </p:childTnLst>
+                                </p:cTn>
+                              </p:par>
+                              <p:par>
+                                <p:cTn id="9" presetID="1" presetClass="entr" presetSubtype="0" fill="hold" grpId="0" nodeType="withEffect">
+                                  <p:stCondLst>
+                                    <p:cond delay="0"/>
+                                  </p:stCondLst>
+                                  <p:childTnLst>
+                                    <p:set>
+                                      <p:cBhvr>
+                                        <p:cTn id="10" dur="1" fill="hold">
+                                          <p:stCondLst>
+                                            <p:cond delay="0"/>
+                                          </p:stCondLst>
+                                        </p:cTn>
+                                        <p:tgtEl>
+                                          <p:spTgt spid="38"/>
+                                        </p:tgtEl>
+                                        <p:attrNameLst>
+                                          <p:attrName>style.visibility</p:attrName>
+                                        </p:attrNameLst>
+                                      </p:cBhvr>
+                                      <p:to>
+                                        <p:strVal val="visible"/>
+                                      </p:to>
+                                    </p:set>
+                                  </p:childTnLst>
+                                </p:cTn>
+                              </p:par>
+                            </p:childTnLst>
+                          </p:cTn>
+                        </p:par>
+                      </p:childTnLst>
+                    </p:cTn>
+                  </p:par>
+                  <p:par>
+                    <p:cTn id="11" fill="hold">
+                      <p:stCondLst>
+                        <p:cond delay="indefinite"/>
+                      </p:stCondLst>
+                      <p:childTnLst>
+                        <p:par>
+                          <p:cTn id="12" fill="hold">
+                            <p:stCondLst>
+                              <p:cond delay="0"/>
+                            </p:stCondLst>
+                            <p:childTnLst>
+                              <p:par>
+                                <p:cTn id="13" presetID="1" presetClass="entr" presetSubtype="0" fill="hold" grpId="0" nodeType="clickEffect">
+                                  <p:stCondLst>
+                                    <p:cond delay="0"/>
+                                  </p:stCondLst>
+                                  <p:childTnLst>
+                                    <p:set>
+                                      <p:cBhvr>
+                                        <p:cTn id="14" dur="1" fill="hold">
+                                          <p:stCondLst>
+                                            <p:cond delay="0"/>
+                                          </p:stCondLst>
+                                        </p:cTn>
+                                        <p:tgtEl>
+                                          <p:spTgt spid="37"/>
+                                        </p:tgtEl>
+                                        <p:attrNameLst>
+                                          <p:attrName>style.visibility</p:attrName>
+                                        </p:attrNameLst>
+                                      </p:cBhvr>
+                                      <p:to>
+                                        <p:strVal val="visible"/>
+                                      </p:to>
+                                    </p:set>
+                                  </p:childTnLst>
+                                </p:cTn>
+                              </p:par>
+                              <p:par>
+                                <p:cTn id="15" presetID="1" presetClass="entr" presetSubtype="0" fill="hold" nodeType="withEffect">
+                                  <p:stCondLst>
+                                    <p:cond delay="0"/>
+                                  </p:stCondLst>
+                                  <p:childTnLst>
+                                    <p:set>
+                                      <p:cBhvr>
+                                        <p:cTn id="16" dur="1" fill="hold">
+                                          <p:stCondLst>
+                                            <p:cond delay="0"/>
+                                          </p:stCondLst>
+                                        </p:cTn>
+                                        <p:tgtEl>
+                                          <p:spTgt spid="41"/>
+                                        </p:tgtEl>
+                                        <p:attrNameLst>
+                                          <p:attrName>style.visibility</p:attrName>
+                                        </p:attrNameLst>
+                                      </p:cBhvr>
+                                      <p:to>
+                                        <p:strVal val="visible"/>
+                                      </p:to>
+                                    </p:set>
+                                  </p:childTnLst>
+                                </p:cTn>
+                              </p:par>
+                              <p:par>
+                                <p:cTn id="17" presetID="1" presetClass="entr" presetSubtype="0" fill="hold" grpId="0" nodeType="withEffect">
+                                  <p:stCondLst>
+                                    <p:cond delay="0"/>
+                                  </p:stCondLst>
+                                  <p:childTnLst>
+                                    <p:set>
+                                      <p:cBhvr>
+                                        <p:cTn id="18" dur="1" fill="hold">
+                                          <p:stCondLst>
+                                            <p:cond delay="0"/>
+                                          </p:stCondLst>
+                                        </p:cTn>
+                                        <p:tgtEl>
+                                          <p:spTgt spid="39"/>
+                                        </p:tgtEl>
+                                        <p:attrNameLst>
+                                          <p:attrName>style.visibility</p:attrName>
+                                        </p:attrNameLst>
+                                      </p:cBhvr>
+                                      <p:to>
+                                        <p:strVal val="visible"/>
+                                      </p:to>
+                                    </p:set>
+                                  </p:childTnLst>
+                                </p:cTn>
+                              </p:par>
+                            </p:childTnLst>
+                          </p:cTn>
+                        </p:par>
+                      </p:childTnLst>
+                    </p:cTn>
+                  </p:par>
+                </p:childTnLst>
+              </p:cTn>
+              <p:prevCondLst>
+                <p:cond evt="onPrev" delay="0">
+                  <p:tgtEl>
+                    <p:sldTgt/>
+                  </p:tgtEl>
+                </p:cond>
+              </p:prevCondLst>
+              <p:nextCondLst>
+                <p:cond evt="onNext" delay="0">
+                  <p:tgtEl>
+                    <p:sldTgt/>
+                  </p:tgtEl>
+                </p:cond>
+              </p:nextCondLst>
+            </p:seq>
+          </p:childTnLst>
+        </p:cTn>
+      </p:par>
+    </p:tnLst>
+    <p:bldLst>
+      <p:bldP spid="36" grpId="0"/>
+      <p:bldP spid="37" grpId="0"/>
+      <p:bldP spid="38" grpId="0"/>
+      <p:bldP spid="39" grpId="0"/>
+    </p:bldLst>
+  </p:timing>
+</p:sld>
+</file>
+
+<file path=ppt/slides/slide40.xml><?xml version="1.0" encoding="utf-8"?>
 <p:sld xmlns:a="http://schemas.openxmlformats.org/drawingml/2006/main" xmlns:r="http://schemas.openxmlformats.org/officeDocument/2006/relationships" xmlns:p="http://schemas.openxmlformats.org/presentationml/2006/main">
   <p:cSld>
     <p:spTree>
@@ -21122,7 +22761,7 @@
           <a:p>
             <a:fld id="{810B7604-93B8-4136-B9BD-D1CE89EE20B0}" type="slidenum">
               <a:rPr lang="en-US" smtClean="0"/>
-              <a:t>39</a:t>
+              <a:t>40</a:t>
             </a:fld>
             <a:endParaRPr lang="en-US"/>
           </a:p>
@@ -21246,338 +22885,7 @@
 </p:sld>
 </file>
 
-<file path=ppt/slides/slide4.xml><?xml version="1.0" encoding="utf-8"?>
-<p:sld xmlns:a="http://schemas.openxmlformats.org/drawingml/2006/main" xmlns:r="http://schemas.openxmlformats.org/officeDocument/2006/relationships" xmlns:p="http://schemas.openxmlformats.org/presentationml/2006/main">
-  <p:cSld>
-    <p:spTree>
-      <p:nvGrpSpPr>
-        <p:cNvPr id="1" name=""/>
-        <p:cNvGrpSpPr/>
-        <p:nvPr/>
-      </p:nvGrpSpPr>
-      <p:grpSpPr>
-        <a:xfrm>
-          <a:off x="0" y="0"/>
-          <a:ext cx="0" cy="0"/>
-          <a:chOff x="0" y="0"/>
-          <a:chExt cx="0" cy="0"/>
-        </a:xfrm>
-      </p:grpSpPr>
-      <p:sp>
-        <p:nvSpPr>
-          <p:cNvPr id="5" name="Slide Number Placeholder 5"/>
-          <p:cNvSpPr>
-            <a:spLocks noGrp="1"/>
-          </p:cNvSpPr>
-          <p:nvPr>
-            <p:ph type="sldNum" sz="quarter" idx="12"/>
-          </p:nvPr>
-        </p:nvSpPr>
-        <p:spPr/>
-        <p:txBody>
-          <a:bodyPr/>
-          <a:lstStyle/>
-          <a:p>
-            <a:fld id="{D26D398C-7661-4816-9159-D95E201DE718}" type="slidenum">
-              <a:rPr lang="en-US" altLang="en-US"/>
-              <a:pPr/>
-              <a:t>4</a:t>
-            </a:fld>
-            <a:endParaRPr lang="en-US" altLang="en-US"/>
-          </a:p>
-        </p:txBody>
-      </p:sp>
-      <p:sp>
-        <p:nvSpPr>
-          <p:cNvPr id="8194" name="Rectangle 2"/>
-          <p:cNvSpPr>
-            <a:spLocks noGrp="1" noChangeArrowheads="1"/>
-          </p:cNvSpPr>
-          <p:nvPr>
-            <p:ph type="title"/>
-          </p:nvPr>
-        </p:nvSpPr>
-        <p:spPr/>
-        <p:txBody>
-          <a:bodyPr/>
-          <a:lstStyle/>
-          <a:p>
-            <a:r>
-              <a:rPr lang="en-US" altLang="en-US"/>
-              <a:t>GLM: the design matrix (X)</a:t>
-            </a:r>
-          </a:p>
-        </p:txBody>
-      </p:sp>
-      <p:sp>
-        <p:nvSpPr>
-          <p:cNvPr id="8195" name="Rectangle 3"/>
-          <p:cNvSpPr>
-            <a:spLocks noGrp="1" noChangeArrowheads="1"/>
-          </p:cNvSpPr>
-          <p:nvPr>
-            <p:ph type="body" idx="1"/>
-          </p:nvPr>
-        </p:nvSpPr>
-        <p:spPr>
-          <a:xfrm>
-            <a:off x="457200" y="1143000"/>
-            <a:ext cx="8229600" cy="3581400"/>
-          </a:xfrm>
-        </p:spPr>
-        <p:txBody>
-          <a:bodyPr/>
-          <a:lstStyle/>
-          <a:p>
-            <a:r>
-              <a:rPr lang="en-US" altLang="en-US" sz="2800" dirty="0"/>
-              <a:t>In the full GLM, the design matrix (</a:t>
-            </a:r>
-            <a:r>
-              <a:rPr lang="en-US" altLang="en-US" sz="2800" b="1" dirty="0"/>
-              <a:t>X</a:t>
-            </a:r>
-            <a:r>
-              <a:rPr lang="en-US" altLang="en-US" sz="2800" dirty="0"/>
-              <a:t>) may consist of:</a:t>
-            </a:r>
-          </a:p>
-          <a:p>
-            <a:pPr lvl="1"/>
-            <a:r>
-              <a:rPr lang="en-US" altLang="en-US" sz="1800" dirty="0"/>
-              <a:t>A constant, </a:t>
-            </a:r>
-            <a:r>
-              <a:rPr lang="en-US" altLang="en-US" sz="1800" b="1" dirty="0"/>
-              <a:t>1</a:t>
-            </a:r>
-            <a:r>
-              <a:rPr lang="en-US" altLang="en-US" sz="1800" dirty="0"/>
-              <a:t>, for the intercept (usually implicit)</a:t>
-            </a:r>
-          </a:p>
-          <a:p>
-            <a:pPr lvl="1"/>
-            <a:r>
-              <a:rPr lang="en-US" altLang="en-US" sz="1800" dirty="0"/>
-              <a:t>Quantitative regressors: age, income, education</a:t>
-            </a:r>
-          </a:p>
-          <a:p>
-            <a:pPr lvl="1"/>
-            <a:r>
-              <a:rPr lang="en-US" altLang="en-US" sz="1800" dirty="0"/>
-              <a:t>Transformed regressors: </a:t>
-            </a:r>
-            <a:r>
-              <a:rPr lang="en-US" altLang="en-US" sz="1800" dirty="0">
-                <a:cs typeface="Arial" charset="0"/>
-              </a:rPr>
-              <a:t>√age, log(income)</a:t>
-            </a:r>
-          </a:p>
-          <a:p>
-            <a:pPr lvl="1"/>
-            <a:r>
-              <a:rPr lang="en-US" altLang="en-US" sz="1800" dirty="0">
-                <a:cs typeface="Arial" charset="0"/>
-              </a:rPr>
-              <a:t>Polynomial terms: age</a:t>
-            </a:r>
-            <a:r>
-              <a:rPr lang="en-US" altLang="en-US" sz="1800" baseline="30000" dirty="0">
-                <a:cs typeface="Arial" charset="0"/>
-              </a:rPr>
-              <a:t>2</a:t>
-            </a:r>
-            <a:r>
-              <a:rPr lang="en-US" altLang="en-US" sz="1800" dirty="0">
-                <a:cs typeface="Arial" charset="0"/>
-              </a:rPr>
-              <a:t>, age</a:t>
-            </a:r>
-            <a:r>
-              <a:rPr lang="en-US" altLang="en-US" sz="1800" baseline="30000" dirty="0">
-                <a:cs typeface="Arial" charset="0"/>
-              </a:rPr>
-              <a:t>3</a:t>
-            </a:r>
-            <a:r>
-              <a:rPr lang="en-US" altLang="en-US" sz="1800" dirty="0">
-                <a:cs typeface="Arial" charset="0"/>
-              </a:rPr>
-              <a:t>, …</a:t>
-            </a:r>
-          </a:p>
-          <a:p>
-            <a:pPr lvl="1"/>
-            <a:r>
-              <a:rPr lang="en-US" altLang="en-US" sz="1800" dirty="0">
-                <a:cs typeface="Arial" charset="0"/>
-              </a:rPr>
-              <a:t>Categorical predictors (“factors”, class variables): treatment (control, drug A, drug B), sex</a:t>
-            </a:r>
-          </a:p>
-          <a:p>
-            <a:pPr lvl="1"/>
-            <a:r>
-              <a:rPr lang="en-US" altLang="en-US" sz="1800" dirty="0">
-                <a:cs typeface="Arial" charset="0"/>
-              </a:rPr>
-              <a:t>Interactions: treatment * sex, age * sex</a:t>
-            </a:r>
-          </a:p>
-        </p:txBody>
-      </p:sp>
-      <p:sp>
-        <p:nvSpPr>
-          <p:cNvPr id="3" name="TextBox 2"/>
-          <p:cNvSpPr txBox="1"/>
-          <p:nvPr/>
-        </p:nvSpPr>
-        <p:spPr>
-          <a:xfrm>
-            <a:off x="838200" y="4909048"/>
-            <a:ext cx="7848600" cy="1077218"/>
-          </a:xfrm>
-          <a:prstGeom prst="rect">
-            <a:avLst/>
-          </a:prstGeom>
-          <a:solidFill>
-            <a:srgbClr val="FFFF00">
-              <a:alpha val="10000"/>
-            </a:srgbClr>
-          </a:solidFill>
-        </p:spPr>
-        <p:txBody>
-          <a:bodyPr wrap="square" rtlCol="0">
-            <a:spAutoFit/>
-          </a:bodyPr>
-          <a:lstStyle/>
-          <a:p>
-            <a:r>
-              <a:rPr lang="en-US" sz="1600" dirty="0">
-                <a:solidFill>
-                  <a:srgbClr val="FF0000"/>
-                </a:solidFill>
-                <a:latin typeface="Lucida Console" pitchFamily="49" charset="0"/>
-              </a:rPr>
-              <a:t>prestige ~ income + education                 </a:t>
-            </a:r>
-            <a:r>
-              <a:rPr lang="en-US" sz="1600" dirty="0">
-                <a:solidFill>
-                  <a:srgbClr val="00B050"/>
-                </a:solidFill>
-                <a:latin typeface="Lucida Console" pitchFamily="49" charset="0"/>
-              </a:rPr>
-              <a:t># 2 main effects</a:t>
-            </a:r>
-          </a:p>
-          <a:p>
-            <a:r>
-              <a:rPr lang="en-US" sz="1600" dirty="0">
-                <a:solidFill>
-                  <a:srgbClr val="FF0000"/>
-                </a:solidFill>
-                <a:latin typeface="Lucida Console" pitchFamily="49" charset="0"/>
-              </a:rPr>
-              <a:t>prestige ~ income * education                 </a:t>
-            </a:r>
-            <a:r>
-              <a:rPr lang="en-US" sz="1600" dirty="0">
-                <a:solidFill>
-                  <a:srgbClr val="00B050"/>
-                </a:solidFill>
-                <a:latin typeface="Lucida Console" pitchFamily="49" charset="0"/>
-              </a:rPr>
-              <a:t>#  + interaction</a:t>
-            </a:r>
-          </a:p>
-          <a:p>
-            <a:r>
-              <a:rPr lang="en-US" sz="1600" dirty="0">
-                <a:solidFill>
-                  <a:srgbClr val="FF0000"/>
-                </a:solidFill>
-                <a:latin typeface="Lucida Console" pitchFamily="49" charset="0"/>
-              </a:rPr>
-              <a:t>prestige ~ income + education + women + type  </a:t>
-            </a:r>
-            <a:r>
-              <a:rPr lang="en-US" sz="1600" dirty="0">
-                <a:solidFill>
-                  <a:srgbClr val="00B050"/>
-                </a:solidFill>
-                <a:latin typeface="Lucida Console" pitchFamily="49" charset="0"/>
-              </a:rPr>
-              <a:t># 4 main effects</a:t>
-            </a:r>
-            <a:endParaRPr lang="en-US" sz="1600" b="1" dirty="0">
-              <a:solidFill>
-                <a:srgbClr val="00B050"/>
-              </a:solidFill>
-              <a:latin typeface="Lucida Console" pitchFamily="49" charset="0"/>
-            </a:endParaRPr>
-          </a:p>
-          <a:p>
-            <a:r>
-              <a:rPr lang="en-US" sz="1600" dirty="0">
-                <a:solidFill>
-                  <a:srgbClr val="FF0000"/>
-                </a:solidFill>
-                <a:latin typeface="Lucida Console" pitchFamily="49" charset="0"/>
-              </a:rPr>
-              <a:t>prestige ~ education + poly(women, 2) + log(income)*type</a:t>
-            </a:r>
-            <a:endParaRPr lang="en-US" sz="1600" dirty="0"/>
-          </a:p>
-        </p:txBody>
-      </p:sp>
-      <p:sp>
-        <p:nvSpPr>
-          <p:cNvPr id="4" name="TextBox 3"/>
-          <p:cNvSpPr txBox="1"/>
-          <p:nvPr/>
-        </p:nvSpPr>
-        <p:spPr>
-          <a:xfrm>
-            <a:off x="811822" y="4158750"/>
-            <a:ext cx="4293577" cy="369332"/>
-          </a:xfrm>
-          <a:prstGeom prst="rect">
-            <a:avLst/>
-          </a:prstGeom>
-          <a:noFill/>
-        </p:spPr>
-        <p:txBody>
-          <a:bodyPr wrap="square" rtlCol="0">
-            <a:spAutoFit/>
-          </a:bodyPr>
-          <a:lstStyle/>
-          <a:p>
-            <a:r>
-              <a:rPr lang="en-US" dirty="0"/>
-              <a:t>Model formulae in R define y ~ X:</a:t>
-            </a:r>
-          </a:p>
-        </p:txBody>
-      </p:sp>
-    </p:spTree>
-    <p:extLst>
-      <p:ext uri="{BB962C8B-B14F-4D97-AF65-F5344CB8AC3E}">
-        <p14:creationId xmlns:p14="http://schemas.microsoft.com/office/powerpoint/2010/main" val="3074923929"/>
-      </p:ext>
-    </p:extLst>
-  </p:cSld>
-  <p:clrMapOvr>
-    <a:masterClrMapping/>
-  </p:clrMapOvr>
-</p:sld>
-</file>
-
-<file path=ppt/slides/slide40.xml><?xml version="1.0" encoding="utf-8"?>
+<file path=ppt/slides/slide41.xml><?xml version="1.0" encoding="utf-8"?>
 <p:sld xmlns:a="http://schemas.openxmlformats.org/drawingml/2006/main" xmlns:r="http://schemas.openxmlformats.org/officeDocument/2006/relationships" xmlns:p="http://schemas.openxmlformats.org/presentationml/2006/main">
   <p:cSld>
     <p:spTree>
@@ -21633,7 +22941,7 @@
           <a:p>
             <a:fld id="{810B7604-93B8-4136-B9BD-D1CE89EE20B0}" type="slidenum">
               <a:rPr lang="en-US" smtClean="0"/>
-              <a:t>40</a:t>
+              <a:t>41</a:t>
             </a:fld>
             <a:endParaRPr lang="en-US"/>
           </a:p>
@@ -21853,7 +23161,7 @@
 </p:sld>
 </file>
 
-<file path=ppt/slides/slide41.xml><?xml version="1.0" encoding="utf-8"?>
+<file path=ppt/slides/slide42.xml><?xml version="1.0" encoding="utf-8"?>
 <p:sld xmlns:a="http://schemas.openxmlformats.org/drawingml/2006/main" xmlns:r="http://schemas.openxmlformats.org/officeDocument/2006/relationships" xmlns:p="http://schemas.openxmlformats.org/presentationml/2006/main">
   <p:cSld>
     <p:spTree>
@@ -21954,7 +23262,7 @@
           <a:p>
             <a:fld id="{810B7604-93B8-4136-B9BD-D1CE89EE20B0}" type="slidenum">
               <a:rPr lang="en-US" smtClean="0"/>
-              <a:t>41</a:t>
+              <a:t>42</a:t>
             </a:fld>
             <a:endParaRPr lang="en-US"/>
           </a:p>
@@ -22123,7 +23431,7 @@
 </p:sld>
 </file>
 
-<file path=ppt/slides/slide42.xml><?xml version="1.0" encoding="utf-8"?>
+<file path=ppt/slides/slide43.xml><?xml version="1.0" encoding="utf-8"?>
 <p:sld xmlns:a="http://schemas.openxmlformats.org/drawingml/2006/main" xmlns:r="http://schemas.openxmlformats.org/officeDocument/2006/relationships" xmlns:p="http://schemas.openxmlformats.org/presentationml/2006/main">
   <p:cSld>
     <p:spTree>
@@ -22179,7 +23487,7 @@
           <a:p>
             <a:fld id="{810B7604-93B8-4136-B9BD-D1CE89EE20B0}" type="slidenum">
               <a:rPr lang="en-US" smtClean="0"/>
-              <a:t>42</a:t>
+              <a:t>43</a:t>
             </a:fld>
             <a:endParaRPr lang="en-US"/>
           </a:p>
@@ -22217,7 +23525,7 @@
             </a:r>
             <a:r>
               <a:rPr lang="en-US" dirty="0"/>
-              <a:t> objects gives a all pairwise HE plots in a scatterplot matrix format.</a:t>
+              <a:t> objects gives all pairwise HE plots in a scatterplot matrix format.</a:t>
             </a:r>
           </a:p>
         </p:txBody>
@@ -22356,7 +23664,7 @@
 </p:sld>
 </file>
 
-<file path=ppt/slides/slide43.xml><?xml version="1.0" encoding="utf-8"?>
+<file path=ppt/slides/slide44.xml><?xml version="1.0" encoding="utf-8"?>
 <p:sld xmlns:a="http://schemas.openxmlformats.org/drawingml/2006/main" xmlns:r="http://schemas.openxmlformats.org/officeDocument/2006/relationships" xmlns:p="http://schemas.openxmlformats.org/presentationml/2006/main">
   <p:cSld>
     <p:spTree>
@@ -22442,7 +23750,7 @@
           <a:p>
             <a:fld id="{810B7604-93B8-4136-B9BD-D1CE89EE20B0}" type="slidenum">
               <a:rPr lang="en-US" smtClean="0"/>
-              <a:t>43</a:t>
+              <a:t>44</a:t>
             </a:fld>
             <a:endParaRPr lang="en-US"/>
           </a:p>
@@ -22562,476 +23870,6 @@
     <p:extLst>
       <p:ext uri="{BB962C8B-B14F-4D97-AF65-F5344CB8AC3E}">
         <p14:creationId xmlns:p14="http://schemas.microsoft.com/office/powerpoint/2010/main" val="1778541011"/>
-      </p:ext>
-    </p:extLst>
-  </p:cSld>
-  <p:clrMapOvr>
-    <a:masterClrMapping/>
-  </p:clrMapOvr>
-</p:sld>
-</file>
-
-<file path=ppt/slides/slide44.xml><?xml version="1.0" encoding="utf-8"?>
-<p:sld xmlns:a="http://schemas.openxmlformats.org/drawingml/2006/main" xmlns:r="http://schemas.openxmlformats.org/officeDocument/2006/relationships" xmlns:p="http://schemas.openxmlformats.org/presentationml/2006/main">
-  <p:cSld>
-    <p:spTree>
-      <p:nvGrpSpPr>
-        <p:cNvPr id="1" name=""/>
-        <p:cNvGrpSpPr/>
-        <p:nvPr/>
-      </p:nvGrpSpPr>
-      <p:grpSpPr>
-        <a:xfrm>
-          <a:off x="0" y="0"/>
-          <a:ext cx="0" cy="0"/>
-          <a:chOff x="0" y="0"/>
-          <a:chExt cx="0" cy="0"/>
-        </a:xfrm>
-      </p:grpSpPr>
-      <p:sp>
-        <p:nvSpPr>
-          <p:cNvPr id="2" name="Title 1"/>
-          <p:cNvSpPr>
-            <a:spLocks noGrp="1"/>
-          </p:cNvSpPr>
-          <p:nvPr>
-            <p:ph type="title"/>
-          </p:nvPr>
-        </p:nvSpPr>
-        <p:spPr/>
-        <p:txBody>
-          <a:bodyPr/>
-          <a:lstStyle/>
-          <a:p>
-            <a:r>
-              <a:rPr lang="en-US" dirty="0"/>
-              <a:t>Canonical view</a:t>
-            </a:r>
-          </a:p>
-        </p:txBody>
-      </p:sp>
-      <p:sp>
-        <p:nvSpPr>
-          <p:cNvPr id="4" name="Content Placeholder 3"/>
-          <p:cNvSpPr>
-            <a:spLocks noGrp="1"/>
-          </p:cNvSpPr>
-          <p:nvPr>
-            <p:ph idx="1"/>
-          </p:nvPr>
-        </p:nvSpPr>
-        <p:spPr>
-          <a:xfrm>
-            <a:off x="457200" y="1151792"/>
-            <a:ext cx="8229600" cy="1676400"/>
-          </a:xfrm>
-        </p:spPr>
-        <p:txBody>
-          <a:bodyPr>
-            <a:normAutofit/>
-          </a:bodyPr>
-          <a:lstStyle/>
-          <a:p>
-            <a:r>
-              <a:rPr lang="en-US" sz="2400" dirty="0"/>
-              <a:t>4 response variables, but only s=min(q, </a:t>
-            </a:r>
-            <a:r>
-              <a:rPr lang="en-US" sz="2400" dirty="0" err="1"/>
-              <a:t>dfh</a:t>
-            </a:r>
-            <a:r>
-              <a:rPr lang="en-US" sz="2400" dirty="0"/>
-              <a:t>)=2 dimensions.</a:t>
-            </a:r>
-          </a:p>
-          <a:p>
-            <a:pPr lvl="1"/>
-            <a:r>
-              <a:rPr lang="en-US" sz="2000" dirty="0"/>
-              <a:t>Here, both dimensions are significant</a:t>
-            </a:r>
-          </a:p>
-          <a:p>
-            <a:pPr lvl="1"/>
-            <a:r>
-              <a:rPr lang="en-US" sz="2000" dirty="0"/>
-              <a:t>Can1 accounts for 86.5% of between-species variance</a:t>
-            </a:r>
-          </a:p>
-          <a:p>
-            <a:pPr lvl="1"/>
-            <a:r>
-              <a:rPr lang="en-US" sz="2000" dirty="0"/>
-              <a:t>Can 2 accounts for the rest:  13.5%</a:t>
-            </a:r>
-          </a:p>
-          <a:p>
-            <a:pPr lvl="1"/>
-            <a:endParaRPr lang="en-US" sz="2000" dirty="0"/>
-          </a:p>
-        </p:txBody>
-      </p:sp>
-      <p:sp>
-        <p:nvSpPr>
-          <p:cNvPr id="3" name="Slide Number Placeholder 2"/>
-          <p:cNvSpPr>
-            <a:spLocks noGrp="1"/>
-          </p:cNvSpPr>
-          <p:nvPr>
-            <p:ph type="sldNum" sz="quarter" idx="12"/>
-          </p:nvPr>
-        </p:nvSpPr>
-        <p:spPr/>
-        <p:txBody>
-          <a:bodyPr/>
-          <a:lstStyle/>
-          <a:p>
-            <a:fld id="{810B7604-93B8-4136-B9BD-D1CE89EE20B0}" type="slidenum">
-              <a:rPr lang="en-US" smtClean="0"/>
-              <a:t>44</a:t>
-            </a:fld>
-            <a:endParaRPr lang="en-US"/>
-          </a:p>
-        </p:txBody>
-      </p:sp>
-      <p:sp>
-        <p:nvSpPr>
-          <p:cNvPr id="5" name="TextBox 4"/>
-          <p:cNvSpPr txBox="1"/>
-          <p:nvPr/>
-        </p:nvSpPr>
-        <p:spPr>
-          <a:xfrm>
-            <a:off x="457200" y="3209176"/>
-            <a:ext cx="6172200" cy="3231654"/>
-          </a:xfrm>
-          <a:prstGeom prst="rect">
-            <a:avLst/>
-          </a:prstGeom>
-          <a:solidFill>
-            <a:srgbClr val="FFFF00">
-              <a:alpha val="10000"/>
-            </a:srgbClr>
-          </a:solidFill>
-        </p:spPr>
-        <p:txBody>
-          <a:bodyPr wrap="square" rtlCol="0">
-            <a:spAutoFit/>
-          </a:bodyPr>
-          <a:lstStyle/>
-          <a:p>
-            <a:r>
-              <a:rPr lang="en-US" sz="1200" dirty="0">
-                <a:latin typeface="Lucida Sans Typewriter" pitchFamily="49" charset="0"/>
-              </a:rPr>
-              <a:t>&gt; library(</a:t>
-            </a:r>
-            <a:r>
-              <a:rPr lang="en-US" sz="1200" dirty="0" err="1">
-                <a:latin typeface="Lucida Sans Typewriter" pitchFamily="49" charset="0"/>
-              </a:rPr>
-              <a:t>candisc</a:t>
-            </a:r>
-            <a:r>
-              <a:rPr lang="en-US" sz="1200" dirty="0">
-                <a:latin typeface="Lucida Sans Typewriter" pitchFamily="49" charset="0"/>
-              </a:rPr>
-              <a:t>)</a:t>
-            </a:r>
-          </a:p>
-          <a:p>
-            <a:r>
-              <a:rPr lang="en-US" sz="1200" dirty="0">
-                <a:latin typeface="Lucida Sans Typewriter" pitchFamily="49" charset="0"/>
-              </a:rPr>
-              <a:t>&gt; (</a:t>
-            </a:r>
-            <a:r>
-              <a:rPr lang="en-US" sz="1200" dirty="0" err="1">
-                <a:latin typeface="Lucida Sans Typewriter" pitchFamily="49" charset="0"/>
-              </a:rPr>
-              <a:t>peng.can</a:t>
-            </a:r>
-            <a:r>
-              <a:rPr lang="en-US" sz="1200" dirty="0">
-                <a:latin typeface="Lucida Sans Typewriter" pitchFamily="49" charset="0"/>
-              </a:rPr>
-              <a:t> &lt;- </a:t>
-            </a:r>
-            <a:r>
-              <a:rPr lang="en-US" sz="1200" dirty="0" err="1">
-                <a:latin typeface="Lucida Sans Typewriter" pitchFamily="49" charset="0"/>
-              </a:rPr>
-              <a:t>candisc</a:t>
-            </a:r>
-            <a:r>
-              <a:rPr lang="en-US" sz="1200" dirty="0">
-                <a:latin typeface="Lucida Sans Typewriter" pitchFamily="49" charset="0"/>
-              </a:rPr>
-              <a:t>(peng.mod0))</a:t>
-            </a:r>
-          </a:p>
-          <a:p>
-            <a:endParaRPr lang="en-US" sz="1200" dirty="0">
-              <a:latin typeface="Lucida Sans Typewriter" pitchFamily="49" charset="0"/>
-            </a:endParaRPr>
-          </a:p>
-          <a:p>
-            <a:r>
-              <a:rPr lang="en-US" sz="1200" dirty="0">
-                <a:latin typeface="Lucida Sans Typewriter" pitchFamily="49" charset="0"/>
-              </a:rPr>
-              <a:t>Canonical Discriminant Analysis for species:</a:t>
-            </a:r>
-          </a:p>
-          <a:p>
-            <a:endParaRPr lang="en-US" sz="1200" dirty="0">
-              <a:latin typeface="Lucida Sans Typewriter" pitchFamily="49" charset="0"/>
-            </a:endParaRPr>
-          </a:p>
-          <a:p>
-            <a:r>
-              <a:rPr lang="en-US" sz="1200" dirty="0">
-                <a:latin typeface="Lucida Sans Typewriter" pitchFamily="49" charset="0"/>
-              </a:rPr>
-              <a:t>  </a:t>
-            </a:r>
-            <a:r>
-              <a:rPr lang="en-US" sz="1200" dirty="0" err="1">
-                <a:latin typeface="Lucida Sans Typewriter" pitchFamily="49" charset="0"/>
-              </a:rPr>
-              <a:t>CanRsq</a:t>
-            </a:r>
-            <a:r>
-              <a:rPr lang="en-US" sz="1200" dirty="0">
-                <a:latin typeface="Lucida Sans Typewriter" pitchFamily="49" charset="0"/>
-              </a:rPr>
-              <a:t> Eigenvalue Difference Percent Cumulative</a:t>
-            </a:r>
-          </a:p>
-          <a:p>
-            <a:r>
-              <a:rPr lang="en-US" sz="1200" dirty="0">
-                <a:latin typeface="Lucida Sans Typewriter" pitchFamily="49" charset="0"/>
-              </a:rPr>
-              <a:t>1  0.938      15.03       12.7    86.5       86.5</a:t>
-            </a:r>
-          </a:p>
-          <a:p>
-            <a:r>
-              <a:rPr lang="en-US" sz="1200" dirty="0">
-                <a:latin typeface="Lucida Sans Typewriter" pitchFamily="49" charset="0"/>
-              </a:rPr>
-              <a:t>2  0.700       2.34       12.7    13.5      100.0</a:t>
-            </a:r>
-          </a:p>
-          <a:p>
-            <a:endParaRPr lang="en-US" sz="1200" dirty="0">
-              <a:latin typeface="Lucida Sans Typewriter" pitchFamily="49" charset="0"/>
-            </a:endParaRPr>
-          </a:p>
-          <a:p>
-            <a:r>
-              <a:rPr lang="en-US" sz="1200" dirty="0">
-                <a:latin typeface="Lucida Sans Typewriter" pitchFamily="49" charset="0"/>
-              </a:rPr>
-              <a:t>Test of H0: The canonical correlations in the </a:t>
-            </a:r>
-          </a:p>
-          <a:p>
-            <a:r>
-              <a:rPr lang="en-US" sz="1200" dirty="0">
-                <a:latin typeface="Lucida Sans Typewriter" pitchFamily="49" charset="0"/>
-              </a:rPr>
-              <a:t>current row and all that follow are zero</a:t>
-            </a:r>
-          </a:p>
-          <a:p>
-            <a:endParaRPr lang="en-US" sz="1200" dirty="0">
-              <a:latin typeface="Lucida Sans Typewriter" pitchFamily="49" charset="0"/>
-            </a:endParaRPr>
-          </a:p>
-          <a:p>
-            <a:r>
-              <a:rPr lang="en-US" sz="1200" dirty="0">
-                <a:latin typeface="Lucida Sans Typewriter" pitchFamily="49" charset="0"/>
-              </a:rPr>
-              <a:t>  LR test stat </a:t>
-            </a:r>
-            <a:r>
-              <a:rPr lang="en-US" sz="1200" dirty="0" err="1">
-                <a:latin typeface="Lucida Sans Typewriter" pitchFamily="49" charset="0"/>
-              </a:rPr>
-              <a:t>approx</a:t>
-            </a:r>
-            <a:r>
-              <a:rPr lang="en-US" sz="1200" dirty="0">
-                <a:latin typeface="Lucida Sans Typewriter" pitchFamily="49" charset="0"/>
-              </a:rPr>
-              <a:t> F </a:t>
-            </a:r>
-            <a:r>
-              <a:rPr lang="en-US" sz="1200" dirty="0" err="1">
-                <a:latin typeface="Lucida Sans Typewriter" pitchFamily="49" charset="0"/>
-              </a:rPr>
-              <a:t>numDF</a:t>
-            </a:r>
-            <a:r>
-              <a:rPr lang="en-US" sz="1200" dirty="0">
-                <a:latin typeface="Lucida Sans Typewriter" pitchFamily="49" charset="0"/>
-              </a:rPr>
-              <a:t> </a:t>
-            </a:r>
-            <a:r>
-              <a:rPr lang="en-US" sz="1200" dirty="0" err="1">
-                <a:latin typeface="Lucida Sans Typewriter" pitchFamily="49" charset="0"/>
-              </a:rPr>
-              <a:t>denDF</a:t>
-            </a:r>
-            <a:r>
-              <a:rPr lang="en-US" sz="1200" dirty="0">
-                <a:latin typeface="Lucida Sans Typewriter" pitchFamily="49" charset="0"/>
-              </a:rPr>
-              <a:t> </a:t>
-            </a:r>
-            <a:r>
-              <a:rPr lang="en-US" sz="1200" dirty="0" err="1">
-                <a:latin typeface="Lucida Sans Typewriter" pitchFamily="49" charset="0"/>
-              </a:rPr>
-              <a:t>Pr</a:t>
-            </a:r>
-            <a:r>
-              <a:rPr lang="en-US" sz="1200" dirty="0">
-                <a:latin typeface="Lucida Sans Typewriter" pitchFamily="49" charset="0"/>
-              </a:rPr>
-              <a:t>(&gt; F)    </a:t>
-            </a:r>
-          </a:p>
-          <a:p>
-            <a:r>
-              <a:rPr lang="en-US" sz="1200" dirty="0">
-                <a:latin typeface="Lucida Sans Typewriter" pitchFamily="49" charset="0"/>
-              </a:rPr>
-              <a:t>1       0.0187      516     8   654  &lt;2e-16 ***</a:t>
-            </a:r>
-          </a:p>
-          <a:p>
-            <a:r>
-              <a:rPr lang="en-US" sz="1200" dirty="0">
-                <a:latin typeface="Lucida Sans Typewriter" pitchFamily="49" charset="0"/>
-              </a:rPr>
-              <a:t>2       0.2997      255     3   328  &lt;2e-16 ***</a:t>
-            </a:r>
-          </a:p>
-          <a:p>
-            <a:r>
-              <a:rPr lang="en-US" sz="1200" dirty="0">
-                <a:latin typeface="Lucida Sans Typewriter" pitchFamily="49" charset="0"/>
-              </a:rPr>
-              <a:t>---</a:t>
-            </a:r>
-          </a:p>
-          <a:p>
-            <a:r>
-              <a:rPr lang="en-US" sz="1200" dirty="0" err="1">
-                <a:latin typeface="Lucida Sans Typewriter" pitchFamily="49" charset="0"/>
-              </a:rPr>
-              <a:t>Signif</a:t>
-            </a:r>
-            <a:r>
-              <a:rPr lang="en-US" sz="1200" dirty="0">
-                <a:latin typeface="Lucida Sans Typewriter" pitchFamily="49" charset="0"/>
-              </a:rPr>
-              <a:t>. codes:  0 ‘***’ 0.001 ‘**’ 0.01 ‘*’ 0.05 ‘.’ 0.1 ‘ ’ 1</a:t>
-            </a:r>
-          </a:p>
-        </p:txBody>
-      </p:sp>
-      <p:sp>
-        <p:nvSpPr>
-          <p:cNvPr id="6" name="TextBox 5"/>
-          <p:cNvSpPr txBox="1"/>
-          <p:nvPr/>
-        </p:nvSpPr>
-        <p:spPr>
-          <a:xfrm>
-            <a:off x="5105400" y="5486400"/>
-            <a:ext cx="533400" cy="338554"/>
-          </a:xfrm>
-          <a:prstGeom prst="rect">
-            <a:avLst/>
-          </a:prstGeom>
-          <a:noFill/>
-        </p:spPr>
-        <p:txBody>
-          <a:bodyPr wrap="square" rtlCol="0">
-            <a:spAutoFit/>
-          </a:bodyPr>
-          <a:lstStyle/>
-          <a:p>
-            <a:pPr algn="ctr"/>
-            <a:r>
-              <a:rPr lang="en-US" sz="1600" dirty="0">
-                <a:solidFill>
-                  <a:srgbClr val="00B050"/>
-                </a:solidFill>
-                <a:sym typeface="Wingdings"/>
-              </a:rPr>
-              <a:t></a:t>
-            </a:r>
-            <a:endParaRPr lang="en-US" sz="1600" dirty="0">
-              <a:solidFill>
-                <a:srgbClr val="00B050"/>
-              </a:solidFill>
-            </a:endParaRPr>
-          </a:p>
-        </p:txBody>
-      </p:sp>
-      <p:sp>
-        <p:nvSpPr>
-          <p:cNvPr id="7" name="TextBox 6"/>
-          <p:cNvSpPr txBox="1"/>
-          <p:nvPr/>
-        </p:nvSpPr>
-        <p:spPr>
-          <a:xfrm>
-            <a:off x="5105400" y="5748754"/>
-            <a:ext cx="533400" cy="338554"/>
-          </a:xfrm>
-          <a:prstGeom prst="rect">
-            <a:avLst/>
-          </a:prstGeom>
-          <a:noFill/>
-        </p:spPr>
-        <p:txBody>
-          <a:bodyPr wrap="square" rtlCol="0">
-            <a:spAutoFit/>
-          </a:bodyPr>
-          <a:lstStyle/>
-          <a:p>
-            <a:pPr algn="ctr"/>
-            <a:r>
-              <a:rPr lang="en-US" sz="1600" dirty="0">
-                <a:solidFill>
-                  <a:srgbClr val="00B050"/>
-                </a:solidFill>
-                <a:sym typeface="Wingdings"/>
-              </a:rPr>
-              <a:t></a:t>
-            </a:r>
-            <a:endParaRPr lang="en-US" sz="1600" dirty="0">
-              <a:solidFill>
-                <a:srgbClr val="00B050"/>
-              </a:solidFill>
-            </a:endParaRPr>
-          </a:p>
-        </p:txBody>
-      </p:sp>
-    </p:spTree>
-    <p:extLst>
-      <p:ext uri="{BB962C8B-B14F-4D97-AF65-F5344CB8AC3E}">
-        <p14:creationId xmlns:p14="http://schemas.microsoft.com/office/powerpoint/2010/main" val="3568333382"/>
       </p:ext>
     </p:extLst>
   </p:cSld>
@@ -23082,6 +23920,68 @@
       </p:sp>
       <p:sp>
         <p:nvSpPr>
+          <p:cNvPr id="4" name="Content Placeholder 3"/>
+          <p:cNvSpPr>
+            <a:spLocks noGrp="1"/>
+          </p:cNvSpPr>
+          <p:nvPr>
+            <p:ph idx="1"/>
+          </p:nvPr>
+        </p:nvSpPr>
+        <p:spPr>
+          <a:xfrm>
+            <a:off x="457200" y="1151792"/>
+            <a:ext cx="8229600" cy="1676400"/>
+          </a:xfrm>
+        </p:spPr>
+        <p:txBody>
+          <a:bodyPr>
+            <a:normAutofit/>
+          </a:bodyPr>
+          <a:lstStyle/>
+          <a:p>
+            <a:r>
+              <a:rPr lang="en-US" sz="2400" dirty="0"/>
+              <a:t>4 response variables, but only s=min(q, </a:t>
+            </a:r>
+            <a:r>
+              <a:rPr lang="en-US" sz="2400" dirty="0" err="1"/>
+              <a:t>dfh</a:t>
+            </a:r>
+            <a:r>
+              <a:rPr lang="en-US" sz="2400" dirty="0"/>
+              <a:t>)=2 dimensions.</a:t>
+            </a:r>
+          </a:p>
+          <a:p>
+            <a:pPr lvl="1"/>
+            <a:r>
+              <a:rPr lang="en-US" sz="2000" dirty="0"/>
+              <a:t>Here, both dimensions are significant</a:t>
+            </a:r>
+          </a:p>
+          <a:p>
+            <a:pPr lvl="1"/>
+            <a:r>
+              <a:rPr lang="en-US" sz="2000" dirty="0"/>
+              <a:t>Can1 accounts for 86.5% of between-species variance</a:t>
+            </a:r>
+          </a:p>
+          <a:p>
+            <a:pPr lvl="1"/>
+            <a:r>
+              <a:rPr lang="en-US" sz="2000" dirty="0"/>
+              <a:t>Can 2 accounts for the rest:  13.5%</a:t>
+            </a:r>
+          </a:p>
+          <a:p>
+            <a:pPr lvl="1"/>
+            <a:endParaRPr lang="en-US" sz="2000" dirty="0"/>
+          </a:p>
+        </p:txBody>
+      </p:sp>
+      <p:sp>
+        <p:nvSpPr>
           <p:cNvPr id="3" name="Slide Number Placeholder 2"/>
           <p:cNvSpPr>
             <a:spLocks noGrp="1"/>
@@ -23098,6 +23998,414 @@
             <a:fld id="{810B7604-93B8-4136-B9BD-D1CE89EE20B0}" type="slidenum">
               <a:rPr lang="en-US" smtClean="0"/>
               <a:t>45</a:t>
+            </a:fld>
+            <a:endParaRPr lang="en-US"/>
+          </a:p>
+        </p:txBody>
+      </p:sp>
+      <p:sp>
+        <p:nvSpPr>
+          <p:cNvPr id="5" name="TextBox 4"/>
+          <p:cNvSpPr txBox="1"/>
+          <p:nvPr/>
+        </p:nvSpPr>
+        <p:spPr>
+          <a:xfrm>
+            <a:off x="457200" y="3209176"/>
+            <a:ext cx="6172200" cy="3231654"/>
+          </a:xfrm>
+          <a:prstGeom prst="rect">
+            <a:avLst/>
+          </a:prstGeom>
+          <a:solidFill>
+            <a:srgbClr val="FFFF00">
+              <a:alpha val="10000"/>
+            </a:srgbClr>
+          </a:solidFill>
+        </p:spPr>
+        <p:txBody>
+          <a:bodyPr wrap="square" rtlCol="0">
+            <a:spAutoFit/>
+          </a:bodyPr>
+          <a:lstStyle/>
+          <a:p>
+            <a:r>
+              <a:rPr lang="en-US" sz="1200" dirty="0">
+                <a:latin typeface="Lucida Sans Typewriter" pitchFamily="49" charset="0"/>
+              </a:rPr>
+              <a:t>&gt; library(</a:t>
+            </a:r>
+            <a:r>
+              <a:rPr lang="en-US" sz="1200" dirty="0" err="1">
+                <a:latin typeface="Lucida Sans Typewriter" pitchFamily="49" charset="0"/>
+              </a:rPr>
+              <a:t>candisc</a:t>
+            </a:r>
+            <a:r>
+              <a:rPr lang="en-US" sz="1200" dirty="0">
+                <a:latin typeface="Lucida Sans Typewriter" pitchFamily="49" charset="0"/>
+              </a:rPr>
+              <a:t>)</a:t>
+            </a:r>
+          </a:p>
+          <a:p>
+            <a:r>
+              <a:rPr lang="en-US" sz="1200" dirty="0">
+                <a:latin typeface="Lucida Sans Typewriter" pitchFamily="49" charset="0"/>
+              </a:rPr>
+              <a:t>&gt; (</a:t>
+            </a:r>
+            <a:r>
+              <a:rPr lang="en-US" sz="1200" dirty="0" err="1">
+                <a:latin typeface="Lucida Sans Typewriter" pitchFamily="49" charset="0"/>
+              </a:rPr>
+              <a:t>peng.can</a:t>
+            </a:r>
+            <a:r>
+              <a:rPr lang="en-US" sz="1200" dirty="0">
+                <a:latin typeface="Lucida Sans Typewriter" pitchFamily="49" charset="0"/>
+              </a:rPr>
+              <a:t> &lt;- </a:t>
+            </a:r>
+            <a:r>
+              <a:rPr lang="en-US" sz="1200" dirty="0" err="1">
+                <a:latin typeface="Lucida Sans Typewriter" pitchFamily="49" charset="0"/>
+              </a:rPr>
+              <a:t>candisc</a:t>
+            </a:r>
+            <a:r>
+              <a:rPr lang="en-US" sz="1200" dirty="0">
+                <a:latin typeface="Lucida Sans Typewriter" pitchFamily="49" charset="0"/>
+              </a:rPr>
+              <a:t>(peng.mod0))</a:t>
+            </a:r>
+          </a:p>
+          <a:p>
+            <a:endParaRPr lang="en-US" sz="1200" dirty="0">
+              <a:latin typeface="Lucida Sans Typewriter" pitchFamily="49" charset="0"/>
+            </a:endParaRPr>
+          </a:p>
+          <a:p>
+            <a:r>
+              <a:rPr lang="en-US" sz="1200" dirty="0">
+                <a:latin typeface="Lucida Sans Typewriter" pitchFamily="49" charset="0"/>
+              </a:rPr>
+              <a:t>Canonical Discriminant Analysis for species:</a:t>
+            </a:r>
+          </a:p>
+          <a:p>
+            <a:endParaRPr lang="en-US" sz="1200" dirty="0">
+              <a:latin typeface="Lucida Sans Typewriter" pitchFamily="49" charset="0"/>
+            </a:endParaRPr>
+          </a:p>
+          <a:p>
+            <a:r>
+              <a:rPr lang="en-US" sz="1200" dirty="0">
+                <a:latin typeface="Lucida Sans Typewriter" pitchFamily="49" charset="0"/>
+              </a:rPr>
+              <a:t>  </a:t>
+            </a:r>
+            <a:r>
+              <a:rPr lang="en-US" sz="1200" dirty="0" err="1">
+                <a:latin typeface="Lucida Sans Typewriter" pitchFamily="49" charset="0"/>
+              </a:rPr>
+              <a:t>CanRsq</a:t>
+            </a:r>
+            <a:r>
+              <a:rPr lang="en-US" sz="1200" dirty="0">
+                <a:latin typeface="Lucida Sans Typewriter" pitchFamily="49" charset="0"/>
+              </a:rPr>
+              <a:t> Eigenvalue Difference Percent Cumulative</a:t>
+            </a:r>
+          </a:p>
+          <a:p>
+            <a:r>
+              <a:rPr lang="en-US" sz="1200" dirty="0">
+                <a:latin typeface="Lucida Sans Typewriter" pitchFamily="49" charset="0"/>
+              </a:rPr>
+              <a:t>1  0.938      15.03       12.7    86.5       86.5</a:t>
+            </a:r>
+          </a:p>
+          <a:p>
+            <a:r>
+              <a:rPr lang="en-US" sz="1200" dirty="0">
+                <a:latin typeface="Lucida Sans Typewriter" pitchFamily="49" charset="0"/>
+              </a:rPr>
+              <a:t>2  0.700       2.34       12.7    13.5      100.0</a:t>
+            </a:r>
+          </a:p>
+          <a:p>
+            <a:endParaRPr lang="en-US" sz="1200" dirty="0">
+              <a:latin typeface="Lucida Sans Typewriter" pitchFamily="49" charset="0"/>
+            </a:endParaRPr>
+          </a:p>
+          <a:p>
+            <a:r>
+              <a:rPr lang="en-US" sz="1200" dirty="0">
+                <a:latin typeface="Lucida Sans Typewriter" pitchFamily="49" charset="0"/>
+              </a:rPr>
+              <a:t>Test of H0: The canonical correlations in the </a:t>
+            </a:r>
+          </a:p>
+          <a:p>
+            <a:r>
+              <a:rPr lang="en-US" sz="1200" dirty="0">
+                <a:latin typeface="Lucida Sans Typewriter" pitchFamily="49" charset="0"/>
+              </a:rPr>
+              <a:t>current row and all that follow are zero</a:t>
+            </a:r>
+          </a:p>
+          <a:p>
+            <a:endParaRPr lang="en-US" sz="1200" dirty="0">
+              <a:latin typeface="Lucida Sans Typewriter" pitchFamily="49" charset="0"/>
+            </a:endParaRPr>
+          </a:p>
+          <a:p>
+            <a:r>
+              <a:rPr lang="en-US" sz="1200" dirty="0">
+                <a:latin typeface="Lucida Sans Typewriter" pitchFamily="49" charset="0"/>
+              </a:rPr>
+              <a:t>  LR test stat </a:t>
+            </a:r>
+            <a:r>
+              <a:rPr lang="en-US" sz="1200" dirty="0" err="1">
+                <a:latin typeface="Lucida Sans Typewriter" pitchFamily="49" charset="0"/>
+              </a:rPr>
+              <a:t>approx</a:t>
+            </a:r>
+            <a:r>
+              <a:rPr lang="en-US" sz="1200" dirty="0">
+                <a:latin typeface="Lucida Sans Typewriter" pitchFamily="49" charset="0"/>
+              </a:rPr>
+              <a:t> F </a:t>
+            </a:r>
+            <a:r>
+              <a:rPr lang="en-US" sz="1200" dirty="0" err="1">
+                <a:latin typeface="Lucida Sans Typewriter" pitchFamily="49" charset="0"/>
+              </a:rPr>
+              <a:t>numDF</a:t>
+            </a:r>
+            <a:r>
+              <a:rPr lang="en-US" sz="1200" dirty="0">
+                <a:latin typeface="Lucida Sans Typewriter" pitchFamily="49" charset="0"/>
+              </a:rPr>
+              <a:t> </a:t>
+            </a:r>
+            <a:r>
+              <a:rPr lang="en-US" sz="1200" dirty="0" err="1">
+                <a:latin typeface="Lucida Sans Typewriter" pitchFamily="49" charset="0"/>
+              </a:rPr>
+              <a:t>denDF</a:t>
+            </a:r>
+            <a:r>
+              <a:rPr lang="en-US" sz="1200" dirty="0">
+                <a:latin typeface="Lucida Sans Typewriter" pitchFamily="49" charset="0"/>
+              </a:rPr>
+              <a:t> </a:t>
+            </a:r>
+            <a:r>
+              <a:rPr lang="en-US" sz="1200" dirty="0" err="1">
+                <a:latin typeface="Lucida Sans Typewriter" pitchFamily="49" charset="0"/>
+              </a:rPr>
+              <a:t>Pr</a:t>
+            </a:r>
+            <a:r>
+              <a:rPr lang="en-US" sz="1200" dirty="0">
+                <a:latin typeface="Lucida Sans Typewriter" pitchFamily="49" charset="0"/>
+              </a:rPr>
+              <a:t>(&gt; F)    </a:t>
+            </a:r>
+          </a:p>
+          <a:p>
+            <a:r>
+              <a:rPr lang="en-US" sz="1200" dirty="0">
+                <a:latin typeface="Lucida Sans Typewriter" pitchFamily="49" charset="0"/>
+              </a:rPr>
+              <a:t>1       0.0187      516     8   654  &lt;2e-16 ***</a:t>
+            </a:r>
+          </a:p>
+          <a:p>
+            <a:r>
+              <a:rPr lang="en-US" sz="1200" dirty="0">
+                <a:latin typeface="Lucida Sans Typewriter" pitchFamily="49" charset="0"/>
+              </a:rPr>
+              <a:t>2       0.2997      255     3   328  &lt;2e-16 ***</a:t>
+            </a:r>
+          </a:p>
+          <a:p>
+            <a:r>
+              <a:rPr lang="en-US" sz="1200" dirty="0">
+                <a:latin typeface="Lucida Sans Typewriter" pitchFamily="49" charset="0"/>
+              </a:rPr>
+              <a:t>---</a:t>
+            </a:r>
+          </a:p>
+          <a:p>
+            <a:r>
+              <a:rPr lang="en-US" sz="1200" dirty="0" err="1">
+                <a:latin typeface="Lucida Sans Typewriter" pitchFamily="49" charset="0"/>
+              </a:rPr>
+              <a:t>Signif</a:t>
+            </a:r>
+            <a:r>
+              <a:rPr lang="en-US" sz="1200" dirty="0">
+                <a:latin typeface="Lucida Sans Typewriter" pitchFamily="49" charset="0"/>
+              </a:rPr>
+              <a:t>. codes:  0 ‘***’ 0.001 ‘**’ 0.01 ‘*’ 0.05 ‘.’ 0.1 ‘ ’ 1</a:t>
+            </a:r>
+          </a:p>
+        </p:txBody>
+      </p:sp>
+      <p:sp>
+        <p:nvSpPr>
+          <p:cNvPr id="6" name="TextBox 5"/>
+          <p:cNvSpPr txBox="1"/>
+          <p:nvPr/>
+        </p:nvSpPr>
+        <p:spPr>
+          <a:xfrm>
+            <a:off x="5105400" y="5486400"/>
+            <a:ext cx="533400" cy="338554"/>
+          </a:xfrm>
+          <a:prstGeom prst="rect">
+            <a:avLst/>
+          </a:prstGeom>
+          <a:noFill/>
+        </p:spPr>
+        <p:txBody>
+          <a:bodyPr wrap="square" rtlCol="0">
+            <a:spAutoFit/>
+          </a:bodyPr>
+          <a:lstStyle/>
+          <a:p>
+            <a:pPr algn="ctr"/>
+            <a:r>
+              <a:rPr lang="en-US" sz="1600" dirty="0">
+                <a:solidFill>
+                  <a:srgbClr val="00B050"/>
+                </a:solidFill>
+                <a:sym typeface="Wingdings"/>
+              </a:rPr>
+              <a:t></a:t>
+            </a:r>
+            <a:endParaRPr lang="en-US" sz="1600" dirty="0">
+              <a:solidFill>
+                <a:srgbClr val="00B050"/>
+              </a:solidFill>
+            </a:endParaRPr>
+          </a:p>
+        </p:txBody>
+      </p:sp>
+      <p:sp>
+        <p:nvSpPr>
+          <p:cNvPr id="7" name="TextBox 6"/>
+          <p:cNvSpPr txBox="1"/>
+          <p:nvPr/>
+        </p:nvSpPr>
+        <p:spPr>
+          <a:xfrm>
+            <a:off x="5105400" y="5748754"/>
+            <a:ext cx="533400" cy="338554"/>
+          </a:xfrm>
+          <a:prstGeom prst="rect">
+            <a:avLst/>
+          </a:prstGeom>
+          <a:noFill/>
+        </p:spPr>
+        <p:txBody>
+          <a:bodyPr wrap="square" rtlCol="0">
+            <a:spAutoFit/>
+          </a:bodyPr>
+          <a:lstStyle/>
+          <a:p>
+            <a:pPr algn="ctr"/>
+            <a:r>
+              <a:rPr lang="en-US" sz="1600" dirty="0">
+                <a:solidFill>
+                  <a:srgbClr val="00B050"/>
+                </a:solidFill>
+                <a:sym typeface="Wingdings"/>
+              </a:rPr>
+              <a:t></a:t>
+            </a:r>
+            <a:endParaRPr lang="en-US" sz="1600" dirty="0">
+              <a:solidFill>
+                <a:srgbClr val="00B050"/>
+              </a:solidFill>
+            </a:endParaRPr>
+          </a:p>
+        </p:txBody>
+      </p:sp>
+    </p:spTree>
+    <p:extLst>
+      <p:ext uri="{BB962C8B-B14F-4D97-AF65-F5344CB8AC3E}">
+        <p14:creationId xmlns:p14="http://schemas.microsoft.com/office/powerpoint/2010/main" val="3568333382"/>
+      </p:ext>
+    </p:extLst>
+  </p:cSld>
+  <p:clrMapOvr>
+    <a:masterClrMapping/>
+  </p:clrMapOvr>
+</p:sld>
+</file>
+
+<file path=ppt/slides/slide46.xml><?xml version="1.0" encoding="utf-8"?>
+<p:sld xmlns:a="http://schemas.openxmlformats.org/drawingml/2006/main" xmlns:r="http://schemas.openxmlformats.org/officeDocument/2006/relationships" xmlns:p="http://schemas.openxmlformats.org/presentationml/2006/main">
+  <p:cSld>
+    <p:spTree>
+      <p:nvGrpSpPr>
+        <p:cNvPr id="1" name=""/>
+        <p:cNvGrpSpPr/>
+        <p:nvPr/>
+      </p:nvGrpSpPr>
+      <p:grpSpPr>
+        <a:xfrm>
+          <a:off x="0" y="0"/>
+          <a:ext cx="0" cy="0"/>
+          <a:chOff x="0" y="0"/>
+          <a:chExt cx="0" cy="0"/>
+        </a:xfrm>
+      </p:grpSpPr>
+      <p:sp>
+        <p:nvSpPr>
+          <p:cNvPr id="2" name="Title 1"/>
+          <p:cNvSpPr>
+            <a:spLocks noGrp="1"/>
+          </p:cNvSpPr>
+          <p:nvPr>
+            <p:ph type="title"/>
+          </p:nvPr>
+        </p:nvSpPr>
+        <p:spPr/>
+        <p:txBody>
+          <a:bodyPr/>
+          <a:lstStyle/>
+          <a:p>
+            <a:r>
+              <a:rPr lang="en-US" dirty="0"/>
+              <a:t>Canonical view</a:t>
+            </a:r>
+          </a:p>
+        </p:txBody>
+      </p:sp>
+      <p:sp>
+        <p:nvSpPr>
+          <p:cNvPr id="3" name="Slide Number Placeholder 2"/>
+          <p:cNvSpPr>
+            <a:spLocks noGrp="1"/>
+          </p:cNvSpPr>
+          <p:nvPr>
+            <p:ph type="sldNum" sz="quarter" idx="12"/>
+          </p:nvPr>
+        </p:nvSpPr>
+        <p:spPr/>
+        <p:txBody>
+          <a:bodyPr/>
+          <a:lstStyle/>
+          <a:p>
+            <a:fld id="{810B7604-93B8-4136-B9BD-D1CE89EE20B0}" type="slidenum">
+              <a:rPr lang="en-US" smtClean="0"/>
+              <a:t>46</a:t>
             </a:fld>
             <a:endParaRPr lang="en-US"/>
           </a:p>
@@ -23285,7 +24593,7 @@
 </p:sld>
 </file>
 
-<file path=ppt/slides/slide46.xml><?xml version="1.0" encoding="utf-8"?>
+<file path=ppt/slides/slide47.xml><?xml version="1.0" encoding="utf-8"?>
 <p:sld xmlns:a="http://schemas.openxmlformats.org/drawingml/2006/main" xmlns:r="http://schemas.openxmlformats.org/officeDocument/2006/relationships" xmlns:p="http://schemas.openxmlformats.org/presentationml/2006/main">
   <p:cSld>
     <p:spTree>
@@ -23341,7 +24649,7 @@
           <a:p>
             <a:fld id="{810B7604-93B8-4136-B9BD-D1CE89EE20B0}" type="slidenum">
               <a:rPr lang="en-US" smtClean="0"/>
-              <a:t>46</a:t>
+              <a:t>47</a:t>
             </a:fld>
             <a:endParaRPr lang="en-US"/>
           </a:p>
@@ -23519,7 +24827,7 @@
 </p:sld>
 </file>
 
-<file path=ppt/slides/slide47.xml><?xml version="1.0" encoding="utf-8"?>
+<file path=ppt/slides/slide48.xml><?xml version="1.0" encoding="utf-8"?>
 <p:sld xmlns:a="http://schemas.openxmlformats.org/drawingml/2006/main" xmlns:r="http://schemas.openxmlformats.org/officeDocument/2006/relationships" xmlns:p="http://schemas.openxmlformats.org/presentationml/2006/main">
   <p:cSld>
     <p:spTree>
@@ -23695,7 +25003,7 @@
           <a:p>
             <a:fld id="{810B7604-93B8-4136-B9BD-D1CE89EE20B0}" type="slidenum">
               <a:rPr lang="en-US" smtClean="0"/>
-              <a:t>47</a:t>
+              <a:t>48</a:t>
             </a:fld>
             <a:endParaRPr lang="en-US"/>
           </a:p>
@@ -24111,7 +25419,7 @@
 </p:sld>
 </file>
 
-<file path=ppt/slides/slide48.xml><?xml version="1.0" encoding="utf-8"?>
+<file path=ppt/slides/slide49.xml><?xml version="1.0" encoding="utf-8"?>
 <p:sld xmlns:a="http://schemas.openxmlformats.org/drawingml/2006/main" xmlns:r="http://schemas.openxmlformats.org/officeDocument/2006/relationships" xmlns:p="http://schemas.openxmlformats.org/presentationml/2006/main" show="0">
   <p:cSld>
     <p:spTree>
@@ -24179,7 +25487,7 @@
           <a:p>
             <a:fld id="{810B7604-93B8-4136-B9BD-D1CE89EE20B0}" type="slidenum">
               <a:rPr lang="en-US" smtClean="0"/>
-              <a:t>48</a:t>
+              <a:t>49</a:t>
             </a:fld>
             <a:endParaRPr lang="en-US"/>
           </a:p>
@@ -25690,7 +26998,338 @@
 </p:sld>
 </file>
 
-<file path=ppt/slides/slide49.xml><?xml version="1.0" encoding="utf-8"?>
+<file path=ppt/slides/slide5.xml><?xml version="1.0" encoding="utf-8"?>
+<p:sld xmlns:a="http://schemas.openxmlformats.org/drawingml/2006/main" xmlns:r="http://schemas.openxmlformats.org/officeDocument/2006/relationships" xmlns:p="http://schemas.openxmlformats.org/presentationml/2006/main">
+  <p:cSld>
+    <p:spTree>
+      <p:nvGrpSpPr>
+        <p:cNvPr id="1" name=""/>
+        <p:cNvGrpSpPr/>
+        <p:nvPr/>
+      </p:nvGrpSpPr>
+      <p:grpSpPr>
+        <a:xfrm>
+          <a:off x="0" y="0"/>
+          <a:ext cx="0" cy="0"/>
+          <a:chOff x="0" y="0"/>
+          <a:chExt cx="0" cy="0"/>
+        </a:xfrm>
+      </p:grpSpPr>
+      <p:sp>
+        <p:nvSpPr>
+          <p:cNvPr id="5" name="Slide Number Placeholder 5"/>
+          <p:cNvSpPr>
+            <a:spLocks noGrp="1"/>
+          </p:cNvSpPr>
+          <p:nvPr>
+            <p:ph type="sldNum" sz="quarter" idx="12"/>
+          </p:nvPr>
+        </p:nvSpPr>
+        <p:spPr/>
+        <p:txBody>
+          <a:bodyPr/>
+          <a:lstStyle/>
+          <a:p>
+            <a:fld id="{D26D398C-7661-4816-9159-D95E201DE718}" type="slidenum">
+              <a:rPr lang="en-US" altLang="en-US"/>
+              <a:pPr/>
+              <a:t>5</a:t>
+            </a:fld>
+            <a:endParaRPr lang="en-US" altLang="en-US"/>
+          </a:p>
+        </p:txBody>
+      </p:sp>
+      <p:sp>
+        <p:nvSpPr>
+          <p:cNvPr id="8194" name="Rectangle 2"/>
+          <p:cNvSpPr>
+            <a:spLocks noGrp="1" noChangeArrowheads="1"/>
+          </p:cNvSpPr>
+          <p:nvPr>
+            <p:ph type="title"/>
+          </p:nvPr>
+        </p:nvSpPr>
+        <p:spPr/>
+        <p:txBody>
+          <a:bodyPr/>
+          <a:lstStyle/>
+          <a:p>
+            <a:r>
+              <a:rPr lang="en-US" altLang="en-US"/>
+              <a:t>GLM: the design matrix (X)</a:t>
+            </a:r>
+          </a:p>
+        </p:txBody>
+      </p:sp>
+      <p:sp>
+        <p:nvSpPr>
+          <p:cNvPr id="8195" name="Rectangle 3"/>
+          <p:cNvSpPr>
+            <a:spLocks noGrp="1" noChangeArrowheads="1"/>
+          </p:cNvSpPr>
+          <p:nvPr>
+            <p:ph type="body" idx="1"/>
+          </p:nvPr>
+        </p:nvSpPr>
+        <p:spPr>
+          <a:xfrm>
+            <a:off x="457200" y="1143000"/>
+            <a:ext cx="8229600" cy="3581400"/>
+          </a:xfrm>
+        </p:spPr>
+        <p:txBody>
+          <a:bodyPr/>
+          <a:lstStyle/>
+          <a:p>
+            <a:r>
+              <a:rPr lang="en-US" altLang="en-US" sz="2800" dirty="0"/>
+              <a:t>In the full GLM, the design matrix (</a:t>
+            </a:r>
+            <a:r>
+              <a:rPr lang="en-US" altLang="en-US" sz="2800" b="1" dirty="0"/>
+              <a:t>X</a:t>
+            </a:r>
+            <a:r>
+              <a:rPr lang="en-US" altLang="en-US" sz="2800" dirty="0"/>
+              <a:t>) may consist of:</a:t>
+            </a:r>
+          </a:p>
+          <a:p>
+            <a:pPr lvl="1"/>
+            <a:r>
+              <a:rPr lang="en-US" altLang="en-US" sz="1800" dirty="0"/>
+              <a:t>A constant, </a:t>
+            </a:r>
+            <a:r>
+              <a:rPr lang="en-US" altLang="en-US" sz="1800" b="1" dirty="0"/>
+              <a:t>1</a:t>
+            </a:r>
+            <a:r>
+              <a:rPr lang="en-US" altLang="en-US" sz="1800" dirty="0"/>
+              <a:t>, for the intercept (usually implicit)</a:t>
+            </a:r>
+          </a:p>
+          <a:p>
+            <a:pPr lvl="1"/>
+            <a:r>
+              <a:rPr lang="en-US" altLang="en-US" sz="1800" dirty="0"/>
+              <a:t>Quantitative regressors: age, income, education</a:t>
+            </a:r>
+          </a:p>
+          <a:p>
+            <a:pPr lvl="1"/>
+            <a:r>
+              <a:rPr lang="en-US" altLang="en-US" sz="1800" dirty="0"/>
+              <a:t>Transformed regressors: </a:t>
+            </a:r>
+            <a:r>
+              <a:rPr lang="en-US" altLang="en-US" sz="1800" dirty="0">
+                <a:cs typeface="Arial" charset="0"/>
+              </a:rPr>
+              <a:t>√age, log(income)</a:t>
+            </a:r>
+          </a:p>
+          <a:p>
+            <a:pPr lvl="1"/>
+            <a:r>
+              <a:rPr lang="en-US" altLang="en-US" sz="1800" dirty="0">
+                <a:cs typeface="Arial" charset="0"/>
+              </a:rPr>
+              <a:t>Polynomial terms: age</a:t>
+            </a:r>
+            <a:r>
+              <a:rPr lang="en-US" altLang="en-US" sz="1800" baseline="30000" dirty="0">
+                <a:cs typeface="Arial" charset="0"/>
+              </a:rPr>
+              <a:t>2</a:t>
+            </a:r>
+            <a:r>
+              <a:rPr lang="en-US" altLang="en-US" sz="1800" dirty="0">
+                <a:cs typeface="Arial" charset="0"/>
+              </a:rPr>
+              <a:t>, age</a:t>
+            </a:r>
+            <a:r>
+              <a:rPr lang="en-US" altLang="en-US" sz="1800" baseline="30000" dirty="0">
+                <a:cs typeface="Arial" charset="0"/>
+              </a:rPr>
+              <a:t>3</a:t>
+            </a:r>
+            <a:r>
+              <a:rPr lang="en-US" altLang="en-US" sz="1800" dirty="0">
+                <a:cs typeface="Arial" charset="0"/>
+              </a:rPr>
+              <a:t>, …</a:t>
+            </a:r>
+          </a:p>
+          <a:p>
+            <a:pPr lvl="1"/>
+            <a:r>
+              <a:rPr lang="en-US" altLang="en-US" sz="1800" dirty="0">
+                <a:cs typeface="Arial" charset="0"/>
+              </a:rPr>
+              <a:t>Categorical predictors (“factors”, class variables): treatment (control, drug A, drug B), sex</a:t>
+            </a:r>
+          </a:p>
+          <a:p>
+            <a:pPr lvl="1"/>
+            <a:r>
+              <a:rPr lang="en-US" altLang="en-US" sz="1800" dirty="0">
+                <a:cs typeface="Arial" charset="0"/>
+              </a:rPr>
+              <a:t>Interactions: treatment * sex, age * sex</a:t>
+            </a:r>
+          </a:p>
+        </p:txBody>
+      </p:sp>
+      <p:sp>
+        <p:nvSpPr>
+          <p:cNvPr id="3" name="TextBox 2"/>
+          <p:cNvSpPr txBox="1"/>
+          <p:nvPr/>
+        </p:nvSpPr>
+        <p:spPr>
+          <a:xfrm>
+            <a:off x="838200" y="4909048"/>
+            <a:ext cx="7848600" cy="1077218"/>
+          </a:xfrm>
+          <a:prstGeom prst="rect">
+            <a:avLst/>
+          </a:prstGeom>
+          <a:solidFill>
+            <a:srgbClr val="FFFF00">
+              <a:alpha val="10000"/>
+            </a:srgbClr>
+          </a:solidFill>
+        </p:spPr>
+        <p:txBody>
+          <a:bodyPr wrap="square" rtlCol="0">
+            <a:spAutoFit/>
+          </a:bodyPr>
+          <a:lstStyle/>
+          <a:p>
+            <a:r>
+              <a:rPr lang="en-US" sz="1600" dirty="0">
+                <a:solidFill>
+                  <a:srgbClr val="FF0000"/>
+                </a:solidFill>
+                <a:latin typeface="Lucida Console" pitchFamily="49" charset="0"/>
+              </a:rPr>
+              <a:t>prestige ~ income + education                 </a:t>
+            </a:r>
+            <a:r>
+              <a:rPr lang="en-US" sz="1600" dirty="0">
+                <a:solidFill>
+                  <a:srgbClr val="00B050"/>
+                </a:solidFill>
+                <a:latin typeface="Lucida Console" pitchFamily="49" charset="0"/>
+              </a:rPr>
+              <a:t># 2 main effects</a:t>
+            </a:r>
+          </a:p>
+          <a:p>
+            <a:r>
+              <a:rPr lang="en-US" sz="1600" dirty="0">
+                <a:solidFill>
+                  <a:srgbClr val="FF0000"/>
+                </a:solidFill>
+                <a:latin typeface="Lucida Console" pitchFamily="49" charset="0"/>
+              </a:rPr>
+              <a:t>prestige ~ income * education                 </a:t>
+            </a:r>
+            <a:r>
+              <a:rPr lang="en-US" sz="1600" dirty="0">
+                <a:solidFill>
+                  <a:srgbClr val="00B050"/>
+                </a:solidFill>
+                <a:latin typeface="Lucida Console" pitchFamily="49" charset="0"/>
+              </a:rPr>
+              <a:t>#  + interaction</a:t>
+            </a:r>
+          </a:p>
+          <a:p>
+            <a:r>
+              <a:rPr lang="en-US" sz="1600" dirty="0">
+                <a:solidFill>
+                  <a:srgbClr val="FF0000"/>
+                </a:solidFill>
+                <a:latin typeface="Lucida Console" pitchFamily="49" charset="0"/>
+              </a:rPr>
+              <a:t>prestige ~ income + education + women + type  </a:t>
+            </a:r>
+            <a:r>
+              <a:rPr lang="en-US" sz="1600" dirty="0">
+                <a:solidFill>
+                  <a:srgbClr val="00B050"/>
+                </a:solidFill>
+                <a:latin typeface="Lucida Console" pitchFamily="49" charset="0"/>
+              </a:rPr>
+              <a:t># 4 main effects</a:t>
+            </a:r>
+            <a:endParaRPr lang="en-US" sz="1600" b="1" dirty="0">
+              <a:solidFill>
+                <a:srgbClr val="00B050"/>
+              </a:solidFill>
+              <a:latin typeface="Lucida Console" pitchFamily="49" charset="0"/>
+            </a:endParaRPr>
+          </a:p>
+          <a:p>
+            <a:r>
+              <a:rPr lang="en-US" sz="1600" dirty="0">
+                <a:solidFill>
+                  <a:srgbClr val="FF0000"/>
+                </a:solidFill>
+                <a:latin typeface="Lucida Console" pitchFamily="49" charset="0"/>
+              </a:rPr>
+              <a:t>prestige ~ education + poly(women, 2) + log(income)*type</a:t>
+            </a:r>
+            <a:endParaRPr lang="en-US" sz="1600" dirty="0"/>
+          </a:p>
+        </p:txBody>
+      </p:sp>
+      <p:sp>
+        <p:nvSpPr>
+          <p:cNvPr id="4" name="TextBox 3"/>
+          <p:cNvSpPr txBox="1"/>
+          <p:nvPr/>
+        </p:nvSpPr>
+        <p:spPr>
+          <a:xfrm>
+            <a:off x="811822" y="4158750"/>
+            <a:ext cx="4293577" cy="369332"/>
+          </a:xfrm>
+          <a:prstGeom prst="rect">
+            <a:avLst/>
+          </a:prstGeom>
+          <a:noFill/>
+        </p:spPr>
+        <p:txBody>
+          <a:bodyPr wrap="square" rtlCol="0">
+            <a:spAutoFit/>
+          </a:bodyPr>
+          <a:lstStyle/>
+          <a:p>
+            <a:r>
+              <a:rPr lang="en-US" dirty="0"/>
+              <a:t>Model formulae in R define y ~ X:</a:t>
+            </a:r>
+          </a:p>
+        </p:txBody>
+      </p:sp>
+    </p:spTree>
+    <p:extLst>
+      <p:ext uri="{BB962C8B-B14F-4D97-AF65-F5344CB8AC3E}">
+        <p14:creationId xmlns:p14="http://schemas.microsoft.com/office/powerpoint/2010/main" val="3074923929"/>
+      </p:ext>
+    </p:extLst>
+  </p:cSld>
+  <p:clrMapOvr>
+    <a:masterClrMapping/>
+  </p:clrMapOvr>
+</p:sld>
+</file>
+
+<file path=ppt/slides/slide50.xml><?xml version="1.0" encoding="utf-8"?>
 <p:sld xmlns:a="http://schemas.openxmlformats.org/drawingml/2006/main" xmlns:r="http://schemas.openxmlformats.org/officeDocument/2006/relationships" xmlns:p="http://schemas.openxmlformats.org/presentationml/2006/main" show="0">
   <p:cSld>
     <p:spTree>
@@ -25730,7 +27369,7 @@
           <a:p>
             <a:fld id="{810B7604-93B8-4136-B9BD-D1CE89EE20B0}" type="slidenum">
               <a:rPr lang="en-US" smtClean="0"/>
-              <a:t>49</a:t>
+              <a:t>50</a:t>
             </a:fld>
             <a:endParaRPr lang="en-US"/>
           </a:p>
@@ -25784,7 +27423,7 @@
             <a:graphicData uri="http://schemas.openxmlformats.org/presentationml/2006/ole">
               <mc:AlternateContent xmlns:mc="http://schemas.openxmlformats.org/markup-compatibility/2006">
                 <mc:Choice xmlns:v="urn:schemas-microsoft-com:vml" Requires="v">
-                  <p:oleObj spid="_x0000_s14687" name="Equation" r:id="rId3" imgW="203040" imgH="253800" progId="Equation.DSMT4">
+                  <p:oleObj spid="_x0000_s14759" name="Equation" r:id="rId3" imgW="203040" imgH="253800" progId="Equation.DSMT4">
                     <p:embed/>
                   </p:oleObj>
                 </mc:Choice>
@@ -26158,7 +27797,7 @@
               <a:graphicData uri="http://schemas.openxmlformats.org/presentationml/2006/ole">
                 <mc:AlternateContent xmlns:mc="http://schemas.openxmlformats.org/markup-compatibility/2006">
                   <mc:Choice xmlns:v="urn:schemas-microsoft-com:vml" Requires="v">
-                    <p:oleObj spid="_x0000_s14688" name="Equation" r:id="rId5" imgW="190440" imgH="228600" progId="Equation.DSMT4">
+                    <p:oleObj spid="_x0000_s14760" name="Equation" r:id="rId5" imgW="190440" imgH="228600" progId="Equation.DSMT4">
                       <p:embed/>
                     </p:oleObj>
                   </mc:Choice>
@@ -26221,7 +27860,7 @@
               <a:graphicData uri="http://schemas.openxmlformats.org/presentationml/2006/ole">
                 <mc:AlternateContent xmlns:mc="http://schemas.openxmlformats.org/markup-compatibility/2006">
                   <mc:Choice xmlns:v="urn:schemas-microsoft-com:vml" Requires="v">
-                    <p:oleObj spid="_x0000_s14689" name="Equation" r:id="rId7" imgW="241200" imgH="253800" progId="Equation.DSMT4">
+                    <p:oleObj spid="_x0000_s14761" name="Equation" r:id="rId7" imgW="241200" imgH="253800" progId="Equation.DSMT4">
                       <p:embed/>
                     </p:oleObj>
                   </mc:Choice>
@@ -26304,7 +27943,7 @@
                 <a:graphicData uri="http://schemas.openxmlformats.org/presentationml/2006/ole">
                   <mc:AlternateContent xmlns:mc="http://schemas.openxmlformats.org/markup-compatibility/2006">
                     <mc:Choice xmlns:v="urn:schemas-microsoft-com:vml" Requires="v">
-                      <p:oleObj spid="_x0000_s14690" name="Equation" r:id="rId9" imgW="596880" imgH="241200" progId="Equation.DSMT4">
+                      <p:oleObj spid="_x0000_s14762" name="Equation" r:id="rId9" imgW="596880" imgH="241200" progId="Equation.DSMT4">
                         <p:embed/>
                       </p:oleObj>
                     </mc:Choice>
@@ -26430,7 +28069,7 @@
                 <a:graphicData uri="http://schemas.openxmlformats.org/presentationml/2006/ole">
                   <mc:AlternateContent xmlns:mc="http://schemas.openxmlformats.org/markup-compatibility/2006">
                     <mc:Choice xmlns:v="urn:schemas-microsoft-com:vml" Requires="v">
-                      <p:oleObj spid="_x0000_s14691" name="Equation" r:id="rId11" imgW="622080" imgH="241200" progId="Equation.DSMT4">
+                      <p:oleObj spid="_x0000_s14763" name="Equation" r:id="rId11" imgW="622080" imgH="241200" progId="Equation.DSMT4">
                         <p:embed/>
                       </p:oleObj>
                     </mc:Choice>
@@ -26556,7 +28195,7 @@
                 <a:graphicData uri="http://schemas.openxmlformats.org/presentationml/2006/ole">
                   <mc:AlternateContent xmlns:mc="http://schemas.openxmlformats.org/markup-compatibility/2006">
                     <mc:Choice xmlns:v="urn:schemas-microsoft-com:vml" Requires="v">
-                      <p:oleObj spid="_x0000_s14692" name="Equation" r:id="rId13" imgW="609480" imgH="241200" progId="Equation.DSMT4">
+                      <p:oleObj spid="_x0000_s14764" name="Equation" r:id="rId13" imgW="609480" imgH="241200" progId="Equation.DSMT4">
                         <p:embed/>
                       </p:oleObj>
                     </mc:Choice>
@@ -26684,7 +28323,7 @@
             <a:graphicData uri="http://schemas.openxmlformats.org/presentationml/2006/ole">
               <mc:AlternateContent xmlns:mc="http://schemas.openxmlformats.org/markup-compatibility/2006">
                 <mc:Choice xmlns:v="urn:schemas-microsoft-com:vml" Requires="v">
-                  <p:oleObj spid="_x0000_s14693" name="Equation" r:id="rId15" imgW="203040" imgH="253800" progId="Equation.DSMT4">
+                  <p:oleObj spid="_x0000_s14765" name="Equation" r:id="rId15" imgW="203040" imgH="253800" progId="Equation.DSMT4">
                     <p:embed/>
                   </p:oleObj>
                 </mc:Choice>
@@ -27044,7 +28683,7 @@
             <a:graphicData uri="http://schemas.openxmlformats.org/presentationml/2006/ole">
               <mc:AlternateContent xmlns:mc="http://schemas.openxmlformats.org/markup-compatibility/2006">
                 <mc:Choice xmlns:v="urn:schemas-microsoft-com:vml" Requires="v">
-                  <p:oleObj spid="_x0000_s14694" name="Equation" r:id="rId16" imgW="190440" imgH="228600" progId="Equation.DSMT4">
+                  <p:oleObj spid="_x0000_s14766" name="Equation" r:id="rId16" imgW="190440" imgH="228600" progId="Equation.DSMT4">
                     <p:embed/>
                   </p:oleObj>
                 </mc:Choice>
@@ -27113,7 +28752,7 @@
             <a:graphicData uri="http://schemas.openxmlformats.org/presentationml/2006/ole">
               <mc:AlternateContent xmlns:mc="http://schemas.openxmlformats.org/markup-compatibility/2006">
                 <mc:Choice xmlns:v="urn:schemas-microsoft-com:vml" Requires="v">
-                  <p:oleObj spid="_x0000_s14695" name="Equation" r:id="rId17" imgW="241200" imgH="253800" progId="Equation.DSMT4">
+                  <p:oleObj spid="_x0000_s14767" name="Equation" r:id="rId17" imgW="241200" imgH="253800" progId="Equation.DSMT4">
                     <p:embed/>
                   </p:oleObj>
                 </mc:Choice>
@@ -27202,7 +28841,7 @@
               <a:graphicData uri="http://schemas.openxmlformats.org/presentationml/2006/ole">
                 <mc:AlternateContent xmlns:mc="http://schemas.openxmlformats.org/markup-compatibility/2006">
                   <mc:Choice xmlns:v="urn:schemas-microsoft-com:vml" Requires="v">
-                    <p:oleObj spid="_x0000_s14696" name="Equation" r:id="rId18" imgW="596880" imgH="241200" progId="Equation.DSMT4">
+                    <p:oleObj spid="_x0000_s14768" name="Equation" r:id="rId18" imgW="596880" imgH="241200" progId="Equation.DSMT4">
                       <p:embed/>
                     </p:oleObj>
                   </mc:Choice>
@@ -27328,7 +28967,7 @@
               <a:graphicData uri="http://schemas.openxmlformats.org/presentationml/2006/ole">
                 <mc:AlternateContent xmlns:mc="http://schemas.openxmlformats.org/markup-compatibility/2006">
                   <mc:Choice xmlns:v="urn:schemas-microsoft-com:vml" Requires="v">
-                    <p:oleObj spid="_x0000_s14697" name="Equation" r:id="rId19" imgW="622080" imgH="241200" progId="Equation.DSMT4">
+                    <p:oleObj spid="_x0000_s14769" name="Equation" r:id="rId19" imgW="622080" imgH="241200" progId="Equation.DSMT4">
                       <p:embed/>
                     </p:oleObj>
                   </mc:Choice>
@@ -27454,7 +29093,7 @@
               <a:graphicData uri="http://schemas.openxmlformats.org/presentationml/2006/ole">
                 <mc:AlternateContent xmlns:mc="http://schemas.openxmlformats.org/markup-compatibility/2006">
                   <mc:Choice xmlns:v="urn:schemas-microsoft-com:vml" Requires="v">
-                    <p:oleObj spid="_x0000_s14698" name="Equation" r:id="rId20" imgW="609480" imgH="241200" progId="Equation.DSMT4">
+                    <p:oleObj spid="_x0000_s14770" name="Equation" r:id="rId20" imgW="609480" imgH="241200" progId="Equation.DSMT4">
                       <p:embed/>
                     </p:oleObj>
                   </mc:Choice>
@@ -27546,7 +29185,7 @@
 </p:sld>
 </file>
 
-<file path=ppt/slides/slide5.xml><?xml version="1.0" encoding="utf-8"?>
+<file path=ppt/slides/slide6.xml><?xml version="1.0" encoding="utf-8"?>
 <p:sld xmlns:a="http://schemas.openxmlformats.org/drawingml/2006/main" xmlns:r="http://schemas.openxmlformats.org/officeDocument/2006/relationships" xmlns:p="http://schemas.openxmlformats.org/presentationml/2006/main">
   <p:cSld>
     <p:spTree>
@@ -27654,7 +29293,7 @@
           <a:p>
             <a:fld id="{810B7604-93B8-4136-B9BD-D1CE89EE20B0}" type="slidenum">
               <a:rPr lang="en-US" smtClean="0"/>
-              <a:t>5</a:t>
+              <a:t>6</a:t>
             </a:fld>
             <a:endParaRPr lang="en-US"/>
           </a:p>
@@ -27682,7 +29321,7 @@
           <a:graphicData uri="http://schemas.openxmlformats.org/presentationml/2006/ole">
             <mc:AlternateContent xmlns:mc="http://schemas.openxmlformats.org/markup-compatibility/2006">
               <mc:Choice xmlns:v="urn:schemas-microsoft-com:vml" Requires="v">
-                <p:oleObj spid="_x0000_s1390" name="Equation" r:id="rId3" imgW="1143000" imgH="330120" progId="Equation.DSMT4">
+                <p:oleObj spid="_x0000_s1420" name="Equation" r:id="rId3" imgW="1143000" imgH="330120" progId="Equation.DSMT4">
                   <p:embed/>
                 </p:oleObj>
               </mc:Choice>
@@ -27739,7 +29378,7 @@
           <a:graphicData uri="http://schemas.openxmlformats.org/presentationml/2006/ole">
             <mc:AlternateContent xmlns:mc="http://schemas.openxmlformats.org/markup-compatibility/2006">
               <mc:Choice xmlns:v="urn:schemas-microsoft-com:vml" Requires="v">
-                <p:oleObj spid="_x0000_s1391" name="Equation" r:id="rId5" imgW="1244520" imgH="291960" progId="Equation.DSMT4">
+                <p:oleObj spid="_x0000_s1421" name="Equation" r:id="rId5" imgW="1244520" imgH="291960" progId="Equation.DSMT4">
                   <p:embed/>
                 </p:oleObj>
               </mc:Choice>
@@ -27826,7 +29465,7 @@
           <a:graphicData uri="http://schemas.openxmlformats.org/presentationml/2006/ole">
             <mc:AlternateContent xmlns:mc="http://schemas.openxmlformats.org/markup-compatibility/2006">
               <mc:Choice xmlns:v="urn:schemas-microsoft-com:vml" Requires="v">
-                <p:oleObj spid="_x0000_s1392" name="Equation" r:id="rId7" imgW="2286000" imgH="685800" progId="Equation.DSMT4">
+                <p:oleObj spid="_x0000_s1422" name="Equation" r:id="rId7" imgW="2286000" imgH="685800" progId="Equation.DSMT4">
                   <p:embed/>
                 </p:oleObj>
               </mc:Choice>
@@ -27896,7 +29535,7 @@
           <a:graphicData uri="http://schemas.openxmlformats.org/presentationml/2006/ole">
             <mc:AlternateContent xmlns:mc="http://schemas.openxmlformats.org/markup-compatibility/2006">
               <mc:Choice xmlns:v="urn:schemas-microsoft-com:vml" Requires="v">
-                <p:oleObj spid="_x0000_s1393" name="Equation" r:id="rId9" imgW="1396800" imgH="431640" progId="Equation.DSMT4">
+                <p:oleObj spid="_x0000_s1423" name="Equation" r:id="rId9" imgW="1396800" imgH="431640" progId="Equation.DSMT4">
                   <p:embed/>
                 </p:oleObj>
               </mc:Choice>
@@ -28131,7 +29770,7 @@
           <a:graphicData uri="http://schemas.openxmlformats.org/presentationml/2006/ole">
             <mc:AlternateContent xmlns:mc="http://schemas.openxmlformats.org/markup-compatibility/2006">
               <mc:Choice xmlns:v="urn:schemas-microsoft-com:vml" Requires="v">
-                <p:oleObj spid="_x0000_s1394" name="Equation" r:id="rId11" imgW="2425680" imgH="241200" progId="Equation.DSMT4">
+                <p:oleObj spid="_x0000_s1424" name="Equation" r:id="rId11" imgW="2425680" imgH="241200" progId="Equation.DSMT4">
                   <p:embed/>
                 </p:oleObj>
               </mc:Choice>
@@ -28166,6 +29805,91 @@
           </a:graphicData>
         </a:graphic>
       </p:graphicFrame>
+      <p:sp>
+        <p:nvSpPr>
+          <p:cNvPr id="13" name="TextBox 12">
+            <a:extLst>
+              <a:ext uri="{FF2B5EF4-FFF2-40B4-BE49-F238E27FC236}">
+                <a16:creationId xmlns:a16="http://schemas.microsoft.com/office/drawing/2014/main" id="{4B9B35AC-768F-453C-B273-C3AF494D47D0}"/>
+              </a:ext>
+            </a:extLst>
+          </p:cNvPr>
+          <p:cNvSpPr txBox="1"/>
+          <p:nvPr/>
+        </p:nvSpPr>
+        <p:spPr>
+          <a:xfrm>
+            <a:off x="4038600" y="5638800"/>
+            <a:ext cx="1664676" cy="584775"/>
+          </a:xfrm>
+          <a:prstGeom prst="rect">
+            <a:avLst/>
+          </a:prstGeom>
+          <a:noFill/>
+        </p:spPr>
+        <p:txBody>
+          <a:bodyPr wrap="square" rtlCol="0">
+            <a:spAutoFit/>
+          </a:bodyPr>
+          <a:lstStyle/>
+          <a:p>
+            <a:r>
+              <a:rPr lang="en-US" sz="1600" dirty="0">
+                <a:solidFill>
+                  <a:srgbClr val="FF0000"/>
+                </a:solidFill>
+              </a:rPr>
+              <a:t>mean square </a:t>
+            </a:r>
+            <a:r>
+              <a:rPr lang="en-US" sz="1600" dirty="0"/>
+              <a:t>is a variance estimate</a:t>
+            </a:r>
+          </a:p>
+        </p:txBody>
+      </p:sp>
+      <p:cxnSp>
+        <p:nvCxnSpPr>
+          <p:cNvPr id="17" name="Straight Arrow Connector 16">
+            <a:extLst>
+              <a:ext uri="{FF2B5EF4-FFF2-40B4-BE49-F238E27FC236}">
+                <a16:creationId xmlns:a16="http://schemas.microsoft.com/office/drawing/2014/main" id="{E86B5452-B4B9-476E-A010-9DC6B479AF07}"/>
+              </a:ext>
+            </a:extLst>
+          </p:cNvPr>
+          <p:cNvCxnSpPr/>
+          <p:nvPr/>
+        </p:nvCxnSpPr>
+        <p:spPr>
+          <a:xfrm flipV="1">
+            <a:off x="4191000" y="5368925"/>
+            <a:ext cx="0" cy="269875"/>
+          </a:xfrm>
+          <a:prstGeom prst="straightConnector1">
+            <a:avLst/>
+          </a:prstGeom>
+          <a:ln w="31750">
+            <a:solidFill>
+              <a:srgbClr val="FF0000"/>
+            </a:solidFill>
+            <a:tailEnd type="triangle"/>
+          </a:ln>
+        </p:spPr>
+        <p:style>
+          <a:lnRef idx="1">
+            <a:schemeClr val="accent1"/>
+          </a:lnRef>
+          <a:fillRef idx="0">
+            <a:schemeClr val="accent1"/>
+          </a:fillRef>
+          <a:effectRef idx="0">
+            <a:schemeClr val="accent1"/>
+          </a:effectRef>
+          <a:fontRef idx="minor">
+            <a:schemeClr val="tx1"/>
+          </a:fontRef>
+        </p:style>
+      </p:cxnSp>
     </p:spTree>
     <p:extLst>
       <p:ext uri="{BB962C8B-B14F-4D97-AF65-F5344CB8AC3E}">
@@ -28179,7 +29903,7 @@
 </p:sld>
 </file>
 
-<file path=ppt/slides/slide6.xml><?xml version="1.0" encoding="utf-8"?>
+<file path=ppt/slides/slide7.xml><?xml version="1.0" encoding="utf-8"?>
 <p:sld xmlns:a="http://schemas.openxmlformats.org/drawingml/2006/main" xmlns:r="http://schemas.openxmlformats.org/officeDocument/2006/relationships" xmlns:p="http://schemas.openxmlformats.org/presentationml/2006/main">
   <p:cSld>
     <p:spTree>
@@ -28268,7 +29992,7 @@
           <a:p>
             <a:fld id="{810B7604-93B8-4136-B9BD-D1CE89EE20B0}" type="slidenum">
               <a:rPr lang="en-US" smtClean="0"/>
-              <a:t>6</a:t>
+              <a:t>7</a:t>
             </a:fld>
             <a:endParaRPr lang="en-US"/>
           </a:p>
@@ -28374,7 +30098,7 @@
           <a:graphicData uri="http://schemas.openxmlformats.org/presentationml/2006/ole">
             <mc:AlternateContent xmlns:mc="http://schemas.openxmlformats.org/markup-compatibility/2006">
               <mc:Choice xmlns:v="urn:schemas-microsoft-com:vml" Requires="v">
-                <p:oleObj spid="_x0000_s18443" name="Equation" r:id="rId4" imgW="698400" imgH="241200" progId="Equation.DSMT4">
+                <p:oleObj spid="_x0000_s18476" name="Equation" r:id="rId4" imgW="698400" imgH="241200" progId="Equation.DSMT4">
                   <p:embed/>
                 </p:oleObj>
               </mc:Choice>
@@ -28443,7 +30167,7 @@
           <a:graphicData uri="http://schemas.openxmlformats.org/presentationml/2006/ole">
             <mc:AlternateContent xmlns:mc="http://schemas.openxmlformats.org/markup-compatibility/2006">
               <mc:Choice xmlns:v="urn:schemas-microsoft-com:vml" Requires="v">
-                <p:oleObj spid="_x0000_s18444" name="Equation" r:id="rId6" imgW="698400" imgH="241200" progId="Equation.DSMT4">
+                <p:oleObj spid="_x0000_s18477" name="Equation" r:id="rId6" imgW="698400" imgH="241200" progId="Equation.DSMT4">
                   <p:embed/>
                 </p:oleObj>
               </mc:Choice>
@@ -28512,7 +30236,7 @@
           <a:graphicData uri="http://schemas.openxmlformats.org/presentationml/2006/ole">
             <mc:AlternateContent xmlns:mc="http://schemas.openxmlformats.org/markup-compatibility/2006">
               <mc:Choice xmlns:v="urn:schemas-microsoft-com:vml" Requires="v">
-                <p:oleObj spid="_x0000_s18445" name="Equation" r:id="rId8" imgW="723600" imgH="241200" progId="Equation.DSMT4">
+                <p:oleObj spid="_x0000_s18478" name="Equation" r:id="rId8" imgW="723600" imgH="241200" progId="Equation.DSMT4">
                   <p:embed/>
                 </p:oleObj>
               </mc:Choice>
@@ -28632,6 +30356,286 @@
           </a:p>
         </p:txBody>
       </p:sp>
+      <mc:AlternateContent xmlns:mc="http://schemas.openxmlformats.org/markup-compatibility/2006" xmlns:a14="http://schemas.microsoft.com/office/drawing/2010/main">
+        <mc:Choice Requires="a14">
+          <p:sp>
+            <p:nvSpPr>
+              <p:cNvPr id="12" name="TextBox 11">
+                <a:extLst>
+                  <a:ext uri="{FF2B5EF4-FFF2-40B4-BE49-F238E27FC236}">
+                    <a16:creationId xmlns:a16="http://schemas.microsoft.com/office/drawing/2014/main" id="{C418FFBF-3DEC-4250-8EAC-37A08301C99B}"/>
+                  </a:ext>
+                </a:extLst>
+              </p:cNvPr>
+              <p:cNvSpPr txBox="1"/>
+              <p:nvPr/>
+            </p:nvSpPr>
+            <p:spPr>
+              <a:xfrm>
+                <a:off x="-51305" y="3840275"/>
+                <a:ext cx="524056" cy="430887"/>
+              </a:xfrm>
+              <a:prstGeom prst="rect">
+                <a:avLst/>
+              </a:prstGeom>
+              <a:solidFill>
+                <a:schemeClr val="bg1"/>
+              </a:solidFill>
+            </p:spPr>
+            <p:txBody>
+              <a:bodyPr wrap="square" lIns="0" tIns="0" rIns="0" bIns="0" rtlCol="0">
+                <a:spAutoFit/>
+              </a:bodyPr>
+              <a:lstStyle/>
+              <a:p>
+                <a:pPr/>
+                <a14:m>
+                  <m:oMathPara xmlns:m="http://schemas.openxmlformats.org/officeDocument/2006/math">
+                    <m:oMathParaPr>
+                      <m:jc m:val="centerGroup"/>
+                    </m:oMathParaPr>
+                    <m:oMath xmlns:m="http://schemas.openxmlformats.org/officeDocument/2006/math">
+                      <m:acc>
+                        <m:accPr>
+                          <m:chr m:val="̅"/>
+                          <m:ctrlPr>
+                            <a:rPr lang="en-US" sz="2800" i="1" smtClean="0">
+                              <a:latin typeface="Cambria Math" panose="02040503050406030204" pitchFamily="18" charset="0"/>
+                            </a:rPr>
+                          </m:ctrlPr>
+                        </m:accPr>
+                        <m:e>
+                          <m:r>
+                            <a:rPr lang="en-US" sz="2800" b="0" i="1" smtClean="0">
+                              <a:latin typeface="Cambria Math" panose="02040503050406030204" pitchFamily="18" charset="0"/>
+                            </a:rPr>
+                            <m:t>𝑦</m:t>
+                          </m:r>
+                        </m:e>
+                      </m:acc>
+                    </m:oMath>
+                  </m:oMathPara>
+                </a14:m>
+                <a:endParaRPr lang="en-US" sz="2800" dirty="0"/>
+              </a:p>
+            </p:txBody>
+          </p:sp>
+        </mc:Choice>
+        <mc:Fallback xmlns="">
+          <p:sp>
+            <p:nvSpPr>
+              <p:cNvPr id="12" name="TextBox 11">
+                <a:extLst>
+                  <a:ext uri="{FF2B5EF4-FFF2-40B4-BE49-F238E27FC236}">
+                    <a16:creationId xmlns:a16="http://schemas.microsoft.com/office/drawing/2014/main" id="{C418FFBF-3DEC-4250-8EAC-37A08301C99B}"/>
+                  </a:ext>
+                </a:extLst>
+              </p:cNvPr>
+              <p:cNvSpPr txBox="1">
+                <a:spLocks noRot="1" noChangeAspect="1" noMove="1" noResize="1" noEditPoints="1" noAdjustHandles="1" noChangeArrowheads="1" noChangeShapeType="1" noTextEdit="1"/>
+              </p:cNvSpPr>
+              <p:nvPr/>
+            </p:nvSpPr>
+            <p:spPr>
+              <a:xfrm>
+                <a:off x="-51305" y="3840275"/>
+                <a:ext cx="524056" cy="430887"/>
+              </a:xfrm>
+              <a:prstGeom prst="rect">
+                <a:avLst/>
+              </a:prstGeom>
+              <a:blipFill>
+                <a:blip r:embed="rId10"/>
+                <a:stretch>
+                  <a:fillRect/>
+                </a:stretch>
+              </a:blipFill>
+            </p:spPr>
+            <p:txBody>
+              <a:bodyPr/>
+              <a:lstStyle/>
+              <a:p>
+                <a:r>
+                  <a:rPr lang="en-US">
+                    <a:noFill/>
+                  </a:rPr>
+                  <a:t> </a:t>
+                </a:r>
+              </a:p>
+            </p:txBody>
+          </p:sp>
+        </mc:Fallback>
+      </mc:AlternateContent>
+      <p:graphicFrame>
+        <p:nvGraphicFramePr>
+          <p:cNvPr id="3" name="Object 2">
+            <a:extLst>
+              <a:ext uri="{FF2B5EF4-FFF2-40B4-BE49-F238E27FC236}">
+                <a16:creationId xmlns:a16="http://schemas.microsoft.com/office/drawing/2014/main" id="{2BE535E4-5DE9-46A7-A888-7199D870165A}"/>
+              </a:ext>
+            </a:extLst>
+          </p:cNvPr>
+          <p:cNvGraphicFramePr>
+            <a:graphicFrameLocks noChangeAspect="1"/>
+          </p:cNvGraphicFramePr>
+          <p:nvPr>
+            <p:extLst>
+              <p:ext uri="{D42A27DB-BD31-4B8C-83A1-F6EECF244321}">
+                <p14:modId xmlns:p14="http://schemas.microsoft.com/office/powerpoint/2010/main" val="263362473"/>
+              </p:ext>
+            </p:extLst>
+          </p:nvPr>
+        </p:nvGraphicFramePr>
+        <p:xfrm>
+          <a:off x="524056" y="3699251"/>
+          <a:ext cx="692498" cy="369332"/>
+        </p:xfrm>
+        <a:graphic>
+          <a:graphicData uri="http://schemas.openxmlformats.org/presentationml/2006/ole">
+            <mc:AlternateContent xmlns:mc="http://schemas.openxmlformats.org/markup-compatibility/2006">
+              <mc:Choice xmlns:v="urn:schemas-microsoft-com:vml" Requires="v">
+                <p:oleObj spid="_x0000_s18479" name="Equation" r:id="rId11" imgW="380880" imgH="203040" progId="Equation.DSMT4">
+                  <p:embed/>
+                </p:oleObj>
+              </mc:Choice>
+              <mc:Fallback>
+                <p:oleObj name="Equation" r:id="rId11" imgW="380880" imgH="203040" progId="Equation.DSMT4">
+                  <p:embed/>
+                  <p:pic>
+                    <p:nvPicPr>
+                      <p:cNvPr id="0" name=""/>
+                      <p:cNvPicPr/>
+                      <p:nvPr/>
+                    </p:nvPicPr>
+                    <p:blipFill>
+                      <a:blip r:embed="rId12"/>
+                      <a:stretch>
+                        <a:fillRect/>
+                      </a:stretch>
+                    </p:blipFill>
+                    <p:spPr>
+                      <a:xfrm>
+                        <a:off x="524056" y="3699251"/>
+                        <a:ext cx="692498" cy="369332"/>
+                      </a:xfrm>
+                      <a:prstGeom prst="rect">
+                        <a:avLst/>
+                      </a:prstGeom>
+                    </p:spPr>
+                  </p:pic>
+                </p:oleObj>
+              </mc:Fallback>
+            </mc:AlternateContent>
+          </a:graphicData>
+        </a:graphic>
+      </p:graphicFrame>
+      <p:graphicFrame>
+        <p:nvGraphicFramePr>
+          <p:cNvPr id="5" name="Object 4">
+            <a:extLst>
+              <a:ext uri="{FF2B5EF4-FFF2-40B4-BE49-F238E27FC236}">
+                <a16:creationId xmlns:a16="http://schemas.microsoft.com/office/drawing/2014/main" id="{BDC0CDD2-73BF-4647-93F0-77B2F37DF858}"/>
+              </a:ext>
+            </a:extLst>
+          </p:cNvPr>
+          <p:cNvGraphicFramePr>
+            <a:graphicFrameLocks noChangeAspect="1"/>
+          </p:cNvGraphicFramePr>
+          <p:nvPr>
+            <p:extLst>
+              <p:ext uri="{D42A27DB-BD31-4B8C-83A1-F6EECF244321}">
+                <p14:modId xmlns:p14="http://schemas.microsoft.com/office/powerpoint/2010/main" val="2022195044"/>
+              </p:ext>
+            </p:extLst>
+          </p:nvPr>
+        </p:nvGraphicFramePr>
+        <p:xfrm>
+          <a:off x="3505200" y="3664626"/>
+          <a:ext cx="692498" cy="438582"/>
+        </p:xfrm>
+        <a:graphic>
+          <a:graphicData uri="http://schemas.openxmlformats.org/presentationml/2006/ole">
+            <mc:AlternateContent xmlns:mc="http://schemas.openxmlformats.org/markup-compatibility/2006">
+              <mc:Choice xmlns:v="urn:schemas-microsoft-com:vml" Requires="v">
+                <p:oleObj spid="_x0000_s18480" name="Equation" r:id="rId13" imgW="380880" imgH="241200" progId="Equation.DSMT4">
+                  <p:embed/>
+                </p:oleObj>
+              </mc:Choice>
+              <mc:Fallback>
+                <p:oleObj name="Equation" r:id="rId13" imgW="380880" imgH="241200" progId="Equation.DSMT4">
+                  <p:embed/>
+                  <p:pic>
+                    <p:nvPicPr>
+                      <p:cNvPr id="0" name=""/>
+                      <p:cNvPicPr/>
+                      <p:nvPr/>
+                    </p:nvPicPr>
+                    <p:blipFill>
+                      <a:blip r:embed="rId14"/>
+                      <a:stretch>
+                        <a:fillRect/>
+                      </a:stretch>
+                    </p:blipFill>
+                    <p:spPr>
+                      <a:xfrm>
+                        <a:off x="3505200" y="3664626"/>
+                        <a:ext cx="692498" cy="438582"/>
+                      </a:xfrm>
+                      <a:prstGeom prst="rect">
+                        <a:avLst/>
+                      </a:prstGeom>
+                    </p:spPr>
+                  </p:pic>
+                </p:oleObj>
+              </mc:Fallback>
+            </mc:AlternateContent>
+          </a:graphicData>
+        </a:graphic>
+      </p:graphicFrame>
+      <p:cxnSp>
+        <p:nvCxnSpPr>
+          <p:cNvPr id="14" name="Straight Connector 13">
+            <a:extLst>
+              <a:ext uri="{FF2B5EF4-FFF2-40B4-BE49-F238E27FC236}">
+                <a16:creationId xmlns:a16="http://schemas.microsoft.com/office/drawing/2014/main" id="{182A498E-267F-426A-9268-53EDCA728CAC}"/>
+              </a:ext>
+            </a:extLst>
+          </p:cNvPr>
+          <p:cNvCxnSpPr>
+            <a:cxnSpLocks/>
+          </p:cNvCxnSpPr>
+          <p:nvPr/>
+        </p:nvCxnSpPr>
+        <p:spPr>
+          <a:xfrm rot="-2700000">
+            <a:off x="3070319" y="4083710"/>
+            <a:ext cx="3048000" cy="0"/>
+          </a:xfrm>
+          <a:prstGeom prst="line">
+            <a:avLst/>
+          </a:prstGeom>
+          <a:ln w="44450">
+            <a:solidFill>
+              <a:srgbClr val="00B050"/>
+            </a:solidFill>
+            <a:tailEnd type="none" w="lg" len="lg"/>
+          </a:ln>
+        </p:spPr>
+        <p:style>
+          <a:lnRef idx="1">
+            <a:schemeClr val="accent1"/>
+          </a:lnRef>
+          <a:fillRef idx="0">
+            <a:schemeClr val="accent1"/>
+          </a:fillRef>
+          <a:effectRef idx="0">
+            <a:schemeClr val="accent1"/>
+          </a:effectRef>
+          <a:fontRef idx="minor">
+            <a:schemeClr val="tx1"/>
+          </a:fontRef>
+        </p:style>
+      </p:cxnSp>
     </p:spTree>
     <p:extLst>
       <p:ext uri="{BB962C8B-B14F-4D97-AF65-F5344CB8AC3E}">
@@ -28810,614 +30814,6 @@
 </p:sld>
 </file>
 
-<file path=ppt/slides/slide7.xml><?xml version="1.0" encoding="utf-8"?>
-<p:sld xmlns:a="http://schemas.openxmlformats.org/drawingml/2006/main" xmlns:r="http://schemas.openxmlformats.org/officeDocument/2006/relationships" xmlns:p="http://schemas.openxmlformats.org/presentationml/2006/main" show="0">
-  <p:cSld>
-    <p:spTree>
-      <p:nvGrpSpPr>
-        <p:cNvPr id="1" name=""/>
-        <p:cNvGrpSpPr/>
-        <p:nvPr/>
-      </p:nvGrpSpPr>
-      <p:grpSpPr>
-        <a:xfrm>
-          <a:off x="0" y="0"/>
-          <a:ext cx="0" cy="0"/>
-          <a:chOff x="0" y="0"/>
-          <a:chExt cx="0" cy="0"/>
-        </a:xfrm>
-      </p:grpSpPr>
-      <p:sp>
-        <p:nvSpPr>
-          <p:cNvPr id="2" name="Title 1">
-            <a:extLst>
-              <a:ext uri="{FF2B5EF4-FFF2-40B4-BE49-F238E27FC236}">
-                <a16:creationId xmlns:a16="http://schemas.microsoft.com/office/drawing/2014/main" id="{0258D5DC-C059-4B25-B3E7-9E52ACB7385A}"/>
-              </a:ext>
-            </a:extLst>
-          </p:cNvPr>
-          <p:cNvSpPr>
-            <a:spLocks noGrp="1"/>
-          </p:cNvSpPr>
-          <p:nvPr>
-            <p:ph type="title"/>
-          </p:nvPr>
-        </p:nvSpPr>
-        <p:spPr/>
-        <p:txBody>
-          <a:bodyPr/>
-          <a:lstStyle/>
-          <a:p>
-            <a:r>
-              <a:rPr lang="en-US" dirty="0"/>
-              <a:t>Visualizing SS</a:t>
-            </a:r>
-            <a:r>
-              <a:rPr lang="en-US" baseline="-25000" dirty="0"/>
-              <a:t>T</a:t>
-            </a:r>
-            <a:r>
-              <a:rPr lang="en-US" dirty="0"/>
-              <a:t> = SS</a:t>
-            </a:r>
-            <a:r>
-              <a:rPr lang="en-US" baseline="-25000" dirty="0"/>
-              <a:t>H</a:t>
-            </a:r>
-            <a:r>
-              <a:rPr lang="en-US" dirty="0"/>
-              <a:t> + SS</a:t>
-            </a:r>
-            <a:r>
-              <a:rPr lang="en-US" baseline="-25000" dirty="0"/>
-              <a:t>E</a:t>
-            </a:r>
-          </a:p>
-        </p:txBody>
-      </p:sp>
-      <p:sp>
-        <p:nvSpPr>
-          <p:cNvPr id="3" name="Slide Number Placeholder 2">
-            <a:extLst>
-              <a:ext uri="{FF2B5EF4-FFF2-40B4-BE49-F238E27FC236}">
-                <a16:creationId xmlns:a16="http://schemas.microsoft.com/office/drawing/2014/main" id="{649194F2-D43F-448C-9882-887224C66D2C}"/>
-              </a:ext>
-            </a:extLst>
-          </p:cNvPr>
-          <p:cNvSpPr>
-            <a:spLocks noGrp="1"/>
-          </p:cNvSpPr>
-          <p:nvPr>
-            <p:ph type="sldNum" sz="quarter" idx="12"/>
-          </p:nvPr>
-        </p:nvSpPr>
-        <p:spPr/>
-        <p:txBody>
-          <a:bodyPr/>
-          <a:lstStyle/>
-          <a:p>
-            <a:fld id="{810B7604-93B8-4136-B9BD-D1CE89EE20B0}" type="slidenum">
-              <a:rPr lang="en-US" smtClean="0"/>
-              <a:t>7</a:t>
-            </a:fld>
-            <a:endParaRPr lang="en-US"/>
-          </a:p>
-        </p:txBody>
-      </p:sp>
-      <p:pic>
-        <p:nvPicPr>
-          <p:cNvPr id="5" name="Picture 4" descr="Chart, scatter chart&#10;&#10;Description automatically generated">
-            <a:extLst>
-              <a:ext uri="{FF2B5EF4-FFF2-40B4-BE49-F238E27FC236}">
-                <a16:creationId xmlns:a16="http://schemas.microsoft.com/office/drawing/2014/main" id="{9383FC86-D7D6-42B0-95A4-708A3CE2B1DC}"/>
-              </a:ext>
-            </a:extLst>
-          </p:cNvPr>
-          <p:cNvPicPr>
-            <a:picLocks noChangeAspect="1"/>
-          </p:cNvPicPr>
-          <p:nvPr/>
-        </p:nvPicPr>
-        <p:blipFill>
-          <a:blip r:embed="rId3">
-            <a:extLst>
-              <a:ext uri="{28A0092B-C50C-407E-A947-70E740481C1C}">
-                <a14:useLocalDpi xmlns:a14="http://schemas.microsoft.com/office/drawing/2010/main" val="0"/>
-              </a:ext>
-            </a:extLst>
-          </a:blip>
-          <a:stretch>
-            <a:fillRect/>
-          </a:stretch>
-        </p:blipFill>
-        <p:spPr>
-          <a:xfrm>
-            <a:off x="185166" y="2565273"/>
-            <a:ext cx="8773668" cy="2844927"/>
-          </a:xfrm>
-          <a:prstGeom prst="rect">
-            <a:avLst/>
-          </a:prstGeom>
-        </p:spPr>
-      </p:pic>
-      <p:sp>
-        <p:nvSpPr>
-          <p:cNvPr id="6" name="TextBox 5">
-            <a:extLst>
-              <a:ext uri="{FF2B5EF4-FFF2-40B4-BE49-F238E27FC236}">
-                <a16:creationId xmlns:a16="http://schemas.microsoft.com/office/drawing/2014/main" id="{3545D9EC-472C-4CBA-94EB-4C48055A67C5}"/>
-              </a:ext>
-            </a:extLst>
-          </p:cNvPr>
-          <p:cNvSpPr txBox="1"/>
-          <p:nvPr/>
-        </p:nvSpPr>
-        <p:spPr>
-          <a:xfrm>
-            <a:off x="450028" y="1311853"/>
-            <a:ext cx="8229600" cy="369332"/>
-          </a:xfrm>
-          <a:prstGeom prst="rect">
-            <a:avLst/>
-          </a:prstGeom>
-          <a:noFill/>
-        </p:spPr>
-        <p:txBody>
-          <a:bodyPr wrap="square" rtlCol="0">
-            <a:spAutoFit/>
-          </a:bodyPr>
-          <a:lstStyle/>
-          <a:p>
-            <a:r>
-              <a:rPr lang="en-US" dirty="0"/>
-              <a:t>Total variance                        =     Between group variance    +    Within group variance</a:t>
-            </a:r>
-            <a:endParaRPr lang="en-US" b="0" dirty="0"/>
-          </a:p>
-        </p:txBody>
-      </p:sp>
-      <p:graphicFrame>
-        <p:nvGraphicFramePr>
-          <p:cNvPr id="7" name="Object 6">
-            <a:extLst>
-              <a:ext uri="{FF2B5EF4-FFF2-40B4-BE49-F238E27FC236}">
-                <a16:creationId xmlns:a16="http://schemas.microsoft.com/office/drawing/2014/main" id="{F8681750-39B6-42B1-80B8-725FF444A0E1}"/>
-              </a:ext>
-            </a:extLst>
-          </p:cNvPr>
-          <p:cNvGraphicFramePr>
-            <a:graphicFrameLocks noChangeAspect="1"/>
-          </p:cNvGraphicFramePr>
-          <p:nvPr>
-            <p:extLst>
-              <p:ext uri="{D42A27DB-BD31-4B8C-83A1-F6EECF244321}">
-                <p14:modId xmlns:p14="http://schemas.microsoft.com/office/powerpoint/2010/main" val="344218153"/>
-              </p:ext>
-            </p:extLst>
-          </p:nvPr>
-        </p:nvGraphicFramePr>
-        <p:xfrm>
-          <a:off x="1168399" y="1854388"/>
-          <a:ext cx="1498600" cy="468312"/>
-        </p:xfrm>
-        <a:graphic>
-          <a:graphicData uri="http://schemas.openxmlformats.org/presentationml/2006/ole">
-            <mc:AlternateContent xmlns:mc="http://schemas.openxmlformats.org/markup-compatibility/2006">
-              <mc:Choice xmlns:v="urn:schemas-microsoft-com:vml" Requires="v">
-                <p:oleObj spid="_x0000_s13446" name="Equation" r:id="rId4" imgW="812520" imgH="253800" progId="Equation.DSMT4">
-                  <p:embed/>
-                </p:oleObj>
-              </mc:Choice>
-              <mc:Fallback>
-                <p:oleObj name="Equation" r:id="rId4" imgW="812520" imgH="253800" progId="Equation.DSMT4">
-                  <p:embed/>
-                  <p:pic>
-                    <p:nvPicPr>
-                      <p:cNvPr id="0" name=""/>
-                      <p:cNvPicPr/>
-                      <p:nvPr/>
-                    </p:nvPicPr>
-                    <p:blipFill>
-                      <a:blip r:embed="rId5"/>
-                      <a:stretch>
-                        <a:fillRect/>
-                      </a:stretch>
-                    </p:blipFill>
-                    <p:spPr>
-                      <a:xfrm>
-                        <a:off x="1168399" y="1854388"/>
-                        <a:ext cx="1498600" cy="468312"/>
-                      </a:xfrm>
-                      <a:prstGeom prst="rect">
-                        <a:avLst/>
-                      </a:prstGeom>
-                    </p:spPr>
-                  </p:pic>
-                </p:oleObj>
-              </mc:Fallback>
-            </mc:AlternateContent>
-          </a:graphicData>
-        </a:graphic>
-      </p:graphicFrame>
-      <p:graphicFrame>
-        <p:nvGraphicFramePr>
-          <p:cNvPr id="8" name="Object 7">
-            <a:extLst>
-              <a:ext uri="{FF2B5EF4-FFF2-40B4-BE49-F238E27FC236}">
-                <a16:creationId xmlns:a16="http://schemas.microsoft.com/office/drawing/2014/main" id="{EF554BC5-C6F6-4751-8418-73AA380DE452}"/>
-              </a:ext>
-            </a:extLst>
-          </p:cNvPr>
-          <p:cNvGraphicFramePr>
-            <a:graphicFrameLocks noChangeAspect="1"/>
-          </p:cNvGraphicFramePr>
-          <p:nvPr>
-            <p:extLst>
-              <p:ext uri="{D42A27DB-BD31-4B8C-83A1-F6EECF244321}">
-                <p14:modId xmlns:p14="http://schemas.microsoft.com/office/powerpoint/2010/main" val="2885854304"/>
-              </p:ext>
-            </p:extLst>
-          </p:nvPr>
-        </p:nvGraphicFramePr>
-        <p:xfrm>
-          <a:off x="3962400" y="1866534"/>
-          <a:ext cx="1621627" cy="491402"/>
-        </p:xfrm>
-        <a:graphic>
-          <a:graphicData uri="http://schemas.openxmlformats.org/presentationml/2006/ole">
-            <mc:AlternateContent xmlns:mc="http://schemas.openxmlformats.org/markup-compatibility/2006">
-              <mc:Choice xmlns:v="urn:schemas-microsoft-com:vml" Requires="v">
-                <p:oleObj spid="_x0000_s13447" name="Equation" r:id="rId6" imgW="838080" imgH="253800" progId="Equation.DSMT4">
-                  <p:embed/>
-                </p:oleObj>
-              </mc:Choice>
-              <mc:Fallback>
-                <p:oleObj name="Equation" r:id="rId6" imgW="838080" imgH="253800" progId="Equation.DSMT4">
-                  <p:embed/>
-                  <p:pic>
-                    <p:nvPicPr>
-                      <p:cNvPr id="0" name=""/>
-                      <p:cNvPicPr/>
-                      <p:nvPr/>
-                    </p:nvPicPr>
-                    <p:blipFill>
-                      <a:blip r:embed="rId7"/>
-                      <a:stretch>
-                        <a:fillRect/>
-                      </a:stretch>
-                    </p:blipFill>
-                    <p:spPr>
-                      <a:xfrm>
-                        <a:off x="3962400" y="1866534"/>
-                        <a:ext cx="1621627" cy="491402"/>
-                      </a:xfrm>
-                      <a:prstGeom prst="rect">
-                        <a:avLst/>
-                      </a:prstGeom>
-                    </p:spPr>
-                  </p:pic>
-                </p:oleObj>
-              </mc:Fallback>
-            </mc:AlternateContent>
-          </a:graphicData>
-        </a:graphic>
-      </p:graphicFrame>
-      <p:graphicFrame>
-        <p:nvGraphicFramePr>
-          <p:cNvPr id="9" name="Object 8">
-            <a:extLst>
-              <a:ext uri="{FF2B5EF4-FFF2-40B4-BE49-F238E27FC236}">
-                <a16:creationId xmlns:a16="http://schemas.microsoft.com/office/drawing/2014/main" id="{7C8A0FC3-330F-4FA3-B872-CCAD0431720D}"/>
-              </a:ext>
-            </a:extLst>
-          </p:cNvPr>
-          <p:cNvGraphicFramePr>
-            <a:graphicFrameLocks noChangeAspect="1"/>
-          </p:cNvGraphicFramePr>
-          <p:nvPr>
-            <p:extLst>
-              <p:ext uri="{D42A27DB-BD31-4B8C-83A1-F6EECF244321}">
-                <p14:modId xmlns:p14="http://schemas.microsoft.com/office/powerpoint/2010/main" val="3909919508"/>
-              </p:ext>
-            </p:extLst>
-          </p:nvPr>
-        </p:nvGraphicFramePr>
-        <p:xfrm>
-          <a:off x="6746166" y="1854388"/>
-          <a:ext cx="1597056" cy="491402"/>
-        </p:xfrm>
-        <a:graphic>
-          <a:graphicData uri="http://schemas.openxmlformats.org/presentationml/2006/ole">
-            <mc:AlternateContent xmlns:mc="http://schemas.openxmlformats.org/markup-compatibility/2006">
-              <mc:Choice xmlns:v="urn:schemas-microsoft-com:vml" Requires="v">
-                <p:oleObj spid="_x0000_s13448" name="Equation" r:id="rId8" imgW="825480" imgH="253800" progId="Equation.DSMT4">
-                  <p:embed/>
-                </p:oleObj>
-              </mc:Choice>
-              <mc:Fallback>
-                <p:oleObj name="Equation" r:id="rId8" imgW="825480" imgH="253800" progId="Equation.DSMT4">
-                  <p:embed/>
-                  <p:pic>
-                    <p:nvPicPr>
-                      <p:cNvPr id="0" name=""/>
-                      <p:cNvPicPr/>
-                      <p:nvPr/>
-                    </p:nvPicPr>
-                    <p:blipFill>
-                      <a:blip r:embed="rId9"/>
-                      <a:stretch>
-                        <a:fillRect/>
-                      </a:stretch>
-                    </p:blipFill>
-                    <p:spPr>
-                      <a:xfrm>
-                        <a:off x="6746166" y="1854388"/>
-                        <a:ext cx="1597056" cy="491402"/>
-                      </a:xfrm>
-                      <a:prstGeom prst="rect">
-                        <a:avLst/>
-                      </a:prstGeom>
-                    </p:spPr>
-                  </p:pic>
-                </p:oleObj>
-              </mc:Fallback>
-            </mc:AlternateContent>
-          </a:graphicData>
-        </a:graphic>
-      </p:graphicFrame>
-      <p:sp>
-        <p:nvSpPr>
-          <p:cNvPr id="10" name="TextBox 9">
-            <a:extLst>
-              <a:ext uri="{FF2B5EF4-FFF2-40B4-BE49-F238E27FC236}">
-                <a16:creationId xmlns:a16="http://schemas.microsoft.com/office/drawing/2014/main" id="{0375F0DA-2218-4D7E-B504-A469EA791816}"/>
-              </a:ext>
-            </a:extLst>
-          </p:cNvPr>
-          <p:cNvSpPr txBox="1"/>
-          <p:nvPr/>
-        </p:nvSpPr>
-        <p:spPr>
-          <a:xfrm>
-            <a:off x="838200" y="5238370"/>
-            <a:ext cx="8120634" cy="307777"/>
-          </a:xfrm>
-          <a:prstGeom prst="rect">
-            <a:avLst/>
-          </a:prstGeom>
-          <a:solidFill>
-            <a:schemeClr val="bg1"/>
-          </a:solidFill>
-        </p:spPr>
-        <p:txBody>
-          <a:bodyPr wrap="square" rtlCol="0">
-            <a:spAutoFit/>
-          </a:bodyPr>
-          <a:lstStyle/>
-          <a:p>
-            <a:r>
-              <a:rPr lang="en-US" sz="1400" dirty="0"/>
-              <a:t>Control       Group A       Group B           Control       Group A       Group B                Control      Group A       Group B   </a:t>
-            </a:r>
-          </a:p>
-        </p:txBody>
-      </p:sp>
-      <p:sp>
-        <p:nvSpPr>
-          <p:cNvPr id="11" name="TextBox 10">
-            <a:extLst>
-              <a:ext uri="{FF2B5EF4-FFF2-40B4-BE49-F238E27FC236}">
-                <a16:creationId xmlns:a16="http://schemas.microsoft.com/office/drawing/2014/main" id="{D8B3C4B2-1627-4251-8CEA-87CC6EF8998A}"/>
-              </a:ext>
-            </a:extLst>
-          </p:cNvPr>
-          <p:cNvSpPr txBox="1"/>
-          <p:nvPr/>
-        </p:nvSpPr>
-        <p:spPr>
-          <a:xfrm rot="16200000">
-            <a:off x="-489466" y="3833192"/>
-            <a:ext cx="1524000" cy="369332"/>
-          </a:xfrm>
-          <a:prstGeom prst="rect">
-            <a:avLst/>
-          </a:prstGeom>
-          <a:solidFill>
-            <a:schemeClr val="bg1"/>
-          </a:solidFill>
-        </p:spPr>
-        <p:txBody>
-          <a:bodyPr wrap="square" rtlCol="0">
-            <a:spAutoFit/>
-          </a:bodyPr>
-          <a:lstStyle/>
-          <a:p>
-            <a:pPr algn="ctr"/>
-            <a:r>
-              <a:rPr lang="en-US" dirty="0"/>
-              <a:t>Response</a:t>
-            </a:r>
-          </a:p>
-        </p:txBody>
-      </p:sp>
-    </p:spTree>
-    <p:extLst>
-      <p:ext uri="{BB962C8B-B14F-4D97-AF65-F5344CB8AC3E}">
-        <p14:creationId xmlns:p14="http://schemas.microsoft.com/office/powerpoint/2010/main" val="2089193810"/>
-      </p:ext>
-    </p:extLst>
-  </p:cSld>
-  <p:clrMapOvr>
-    <a:masterClrMapping/>
-  </p:clrMapOvr>
-  <p:timing>
-    <p:tnLst>
-      <p:par>
-        <p:cTn id="1" dur="indefinite" restart="never" nodeType="tmRoot">
-          <p:childTnLst>
-            <p:seq concurrent="1" nextAc="seek">
-              <p:cTn id="2" dur="indefinite" nodeType="mainSeq">
-                <p:childTnLst>
-                  <p:par>
-                    <p:cTn id="3" fill="hold">
-                      <p:stCondLst>
-                        <p:cond delay="indefinite"/>
-                      </p:stCondLst>
-                      <p:childTnLst>
-                        <p:par>
-                          <p:cTn id="4" fill="hold">
-                            <p:stCondLst>
-                              <p:cond delay="0"/>
-                            </p:stCondLst>
-                            <p:childTnLst>
-                              <p:par>
-                                <p:cTn id="5" presetID="1" presetClass="entr" presetSubtype="0" fill="hold" nodeType="clickEffect">
-                                  <p:stCondLst>
-                                    <p:cond delay="0"/>
-                                  </p:stCondLst>
-                                  <p:childTnLst>
-                                    <p:set>
-                                      <p:cBhvr>
-                                        <p:cTn id="6" dur="1" fill="hold">
-                                          <p:stCondLst>
-                                            <p:cond delay="0"/>
-                                          </p:stCondLst>
-                                        </p:cTn>
-                                        <p:tgtEl>
-                                          <p:spTgt spid="7"/>
-                                        </p:tgtEl>
-                                        <p:attrNameLst>
-                                          <p:attrName>style.visibility</p:attrName>
-                                        </p:attrNameLst>
-                                      </p:cBhvr>
-                                      <p:to>
-                                        <p:strVal val="visible"/>
-                                      </p:to>
-                                    </p:set>
-                                  </p:childTnLst>
-                                </p:cTn>
-                              </p:par>
-                            </p:childTnLst>
-                          </p:cTn>
-                        </p:par>
-                      </p:childTnLst>
-                    </p:cTn>
-                  </p:par>
-                  <p:par>
-                    <p:cTn id="7" fill="hold">
-                      <p:stCondLst>
-                        <p:cond delay="indefinite"/>
-                      </p:stCondLst>
-                      <p:childTnLst>
-                        <p:par>
-                          <p:cTn id="8" fill="hold">
-                            <p:stCondLst>
-                              <p:cond delay="0"/>
-                            </p:stCondLst>
-                            <p:childTnLst>
-                              <p:par>
-                                <p:cTn id="9" presetID="1" presetClass="entr" presetSubtype="0" fill="hold" nodeType="clickEffect">
-                                  <p:stCondLst>
-                                    <p:cond delay="0"/>
-                                  </p:stCondLst>
-                                  <p:childTnLst>
-                                    <p:set>
-                                      <p:cBhvr>
-                                        <p:cTn id="10" dur="1" fill="hold">
-                                          <p:stCondLst>
-                                            <p:cond delay="0"/>
-                                          </p:stCondLst>
-                                        </p:cTn>
-                                        <p:tgtEl>
-                                          <p:spTgt spid="8"/>
-                                        </p:tgtEl>
-                                        <p:attrNameLst>
-                                          <p:attrName>style.visibility</p:attrName>
-                                        </p:attrNameLst>
-                                      </p:cBhvr>
-                                      <p:to>
-                                        <p:strVal val="visible"/>
-                                      </p:to>
-                                    </p:set>
-                                  </p:childTnLst>
-                                </p:cTn>
-                              </p:par>
-                            </p:childTnLst>
-                          </p:cTn>
-                        </p:par>
-                      </p:childTnLst>
-                    </p:cTn>
-                  </p:par>
-                  <p:par>
-                    <p:cTn id="11" fill="hold">
-                      <p:stCondLst>
-                        <p:cond delay="indefinite"/>
-                      </p:stCondLst>
-                      <p:childTnLst>
-                        <p:par>
-                          <p:cTn id="12" fill="hold">
-                            <p:stCondLst>
-                              <p:cond delay="0"/>
-                            </p:stCondLst>
-                            <p:childTnLst>
-                              <p:par>
-                                <p:cTn id="13" presetID="1" presetClass="entr" presetSubtype="0" fill="hold" nodeType="clickEffect">
-                                  <p:stCondLst>
-                                    <p:cond delay="0"/>
-                                  </p:stCondLst>
-                                  <p:childTnLst>
-                                    <p:set>
-                                      <p:cBhvr>
-                                        <p:cTn id="14" dur="1" fill="hold">
-                                          <p:stCondLst>
-                                            <p:cond delay="0"/>
-                                          </p:stCondLst>
-                                        </p:cTn>
-                                        <p:tgtEl>
-                                          <p:spTgt spid="9"/>
-                                        </p:tgtEl>
-                                        <p:attrNameLst>
-                                          <p:attrName>style.visibility</p:attrName>
-                                        </p:attrNameLst>
-                                      </p:cBhvr>
-                                      <p:to>
-                                        <p:strVal val="visible"/>
-                                      </p:to>
-                                    </p:set>
-                                  </p:childTnLst>
-                                </p:cTn>
-                              </p:par>
-                            </p:childTnLst>
-                          </p:cTn>
-                        </p:par>
-                      </p:childTnLst>
-                    </p:cTn>
-                  </p:par>
-                </p:childTnLst>
-              </p:cTn>
-              <p:prevCondLst>
-                <p:cond evt="onPrev" delay="0">
-                  <p:tgtEl>
-                    <p:sldTgt/>
-                  </p:tgtEl>
-                </p:cond>
-              </p:prevCondLst>
-              <p:nextCondLst>
-                <p:cond evt="onNext" delay="0">
-                  <p:tgtEl>
-                    <p:sldTgt/>
-                  </p:tgtEl>
-                </p:cond>
-              </p:nextCondLst>
-            </p:seq>
-          </p:childTnLst>
-        </p:cTn>
-      </p:par>
-    </p:tnLst>
-  </p:timing>
-</p:sld>
-</file>
-
 <file path=ppt/slides/slide8.xml><?xml version="1.0" encoding="utf-8"?>
 <p:sld xmlns:a="http://schemas.openxmlformats.org/drawingml/2006/main" xmlns:r="http://schemas.openxmlformats.org/officeDocument/2006/relationships" xmlns:p="http://schemas.openxmlformats.org/presentationml/2006/main">
   <p:cSld>
@@ -29570,7 +30966,7 @@
           <a:graphicData uri="http://schemas.openxmlformats.org/presentationml/2006/ole">
             <mc:AlternateContent xmlns:mc="http://schemas.openxmlformats.org/markup-compatibility/2006">
               <mc:Choice xmlns:v="urn:schemas-microsoft-com:vml" Requires="v">
-                <p:oleObj spid="_x0000_s17419" name="Equation" r:id="rId3" imgW="812520" imgH="253800" progId="Equation.DSMT4">
+                <p:oleObj spid="_x0000_s17443" name="Equation" r:id="rId3" imgW="812520" imgH="253800" progId="Equation.DSMT4">
                   <p:embed/>
                 </p:oleObj>
               </mc:Choice>
@@ -29633,7 +31029,7 @@
           <a:graphicData uri="http://schemas.openxmlformats.org/presentationml/2006/ole">
             <mc:AlternateContent xmlns:mc="http://schemas.openxmlformats.org/markup-compatibility/2006">
               <mc:Choice xmlns:v="urn:schemas-microsoft-com:vml" Requires="v">
-                <p:oleObj spid="_x0000_s17420" name="Equation" r:id="rId5" imgW="838080" imgH="253800" progId="Equation.DSMT4">
+                <p:oleObj spid="_x0000_s17444" name="Equation" r:id="rId5" imgW="838080" imgH="253800" progId="Equation.DSMT4">
                   <p:embed/>
                 </p:oleObj>
               </mc:Choice>
@@ -29696,7 +31092,7 @@
           <a:graphicData uri="http://schemas.openxmlformats.org/presentationml/2006/ole">
             <mc:AlternateContent xmlns:mc="http://schemas.openxmlformats.org/markup-compatibility/2006">
               <mc:Choice xmlns:v="urn:schemas-microsoft-com:vml" Requires="v">
-                <p:oleObj spid="_x0000_s17421" name="Equation" r:id="rId7" imgW="825480" imgH="253800" progId="Equation.DSMT4">
+                <p:oleObj spid="_x0000_s17445" name="Equation" r:id="rId7" imgW="825480" imgH="253800" progId="Equation.DSMT4">
                   <p:embed/>
                 </p:oleObj>
               </mc:Choice>
@@ -29959,6 +31355,138 @@
           </a:p>
         </p:txBody>
       </p:sp>
+      <p:cxnSp>
+        <p:nvCxnSpPr>
+          <p:cNvPr id="5" name="Straight Connector 4">
+            <a:extLst>
+              <a:ext uri="{FF2B5EF4-FFF2-40B4-BE49-F238E27FC236}">
+                <a16:creationId xmlns:a16="http://schemas.microsoft.com/office/drawing/2014/main" id="{15051767-7508-4E73-B3F8-6284E2FF6202}"/>
+              </a:ext>
+            </a:extLst>
+          </p:cNvPr>
+          <p:cNvCxnSpPr/>
+          <p:nvPr/>
+        </p:nvCxnSpPr>
+        <p:spPr>
+          <a:xfrm>
+            <a:off x="3581400" y="3505200"/>
+            <a:ext cx="762000" cy="0"/>
+          </a:xfrm>
+          <a:prstGeom prst="line">
+            <a:avLst/>
+          </a:prstGeom>
+          <a:ln w="53975">
+            <a:solidFill>
+              <a:schemeClr val="accent6">
+                <a:lumMod val="75000"/>
+              </a:schemeClr>
+            </a:solidFill>
+            <a:tailEnd type="none" w="lg" len="lg"/>
+          </a:ln>
+        </p:spPr>
+        <p:style>
+          <a:lnRef idx="1">
+            <a:schemeClr val="accent1"/>
+          </a:lnRef>
+          <a:fillRef idx="0">
+            <a:schemeClr val="accent1"/>
+          </a:fillRef>
+          <a:effectRef idx="0">
+            <a:schemeClr val="accent1"/>
+          </a:effectRef>
+          <a:fontRef idx="minor">
+            <a:schemeClr val="tx1"/>
+          </a:fontRef>
+        </p:style>
+      </p:cxnSp>
+      <p:cxnSp>
+        <p:nvCxnSpPr>
+          <p:cNvPr id="18" name="Straight Connector 17">
+            <a:extLst>
+              <a:ext uri="{FF2B5EF4-FFF2-40B4-BE49-F238E27FC236}">
+                <a16:creationId xmlns:a16="http://schemas.microsoft.com/office/drawing/2014/main" id="{68399EA7-7165-4826-B564-EE0312A4F12E}"/>
+              </a:ext>
+            </a:extLst>
+          </p:cNvPr>
+          <p:cNvCxnSpPr/>
+          <p:nvPr/>
+        </p:nvCxnSpPr>
+        <p:spPr>
+          <a:xfrm>
+            <a:off x="4495800" y="3509865"/>
+            <a:ext cx="762000" cy="0"/>
+          </a:xfrm>
+          <a:prstGeom prst="line">
+            <a:avLst/>
+          </a:prstGeom>
+          <a:ln w="53975">
+            <a:solidFill>
+              <a:schemeClr val="accent6">
+                <a:lumMod val="75000"/>
+              </a:schemeClr>
+            </a:solidFill>
+            <a:tailEnd type="none" w="lg" len="lg"/>
+          </a:ln>
+        </p:spPr>
+        <p:style>
+          <a:lnRef idx="1">
+            <a:schemeClr val="accent1"/>
+          </a:lnRef>
+          <a:fillRef idx="0">
+            <a:schemeClr val="accent1"/>
+          </a:fillRef>
+          <a:effectRef idx="0">
+            <a:schemeClr val="accent1"/>
+          </a:effectRef>
+          <a:fontRef idx="minor">
+            <a:schemeClr val="tx1"/>
+          </a:fontRef>
+        </p:style>
+      </p:cxnSp>
+      <p:cxnSp>
+        <p:nvCxnSpPr>
+          <p:cNvPr id="19" name="Straight Connector 18">
+            <a:extLst>
+              <a:ext uri="{FF2B5EF4-FFF2-40B4-BE49-F238E27FC236}">
+                <a16:creationId xmlns:a16="http://schemas.microsoft.com/office/drawing/2014/main" id="{465B0E24-0067-4DA6-8696-AEA14B21DFEA}"/>
+              </a:ext>
+            </a:extLst>
+          </p:cNvPr>
+          <p:cNvCxnSpPr/>
+          <p:nvPr/>
+        </p:nvCxnSpPr>
+        <p:spPr>
+          <a:xfrm>
+            <a:off x="5313564" y="4229876"/>
+            <a:ext cx="762000" cy="0"/>
+          </a:xfrm>
+          <a:prstGeom prst="line">
+            <a:avLst/>
+          </a:prstGeom>
+          <a:ln w="53975">
+            <a:solidFill>
+              <a:schemeClr val="accent6">
+                <a:lumMod val="75000"/>
+              </a:schemeClr>
+            </a:solidFill>
+            <a:tailEnd type="none" w="lg" len="lg"/>
+          </a:ln>
+        </p:spPr>
+        <p:style>
+          <a:lnRef idx="1">
+            <a:schemeClr val="accent1"/>
+          </a:lnRef>
+          <a:fillRef idx="0">
+            <a:schemeClr val="accent1"/>
+          </a:fillRef>
+          <a:effectRef idx="0">
+            <a:schemeClr val="accent1"/>
+          </a:effectRef>
+          <a:fontRef idx="minor">
+            <a:schemeClr val="tx1"/>
+          </a:fontRef>
+        </p:style>
+      </p:cxnSp>
     </p:spTree>
     <p:extLst>
       <p:ext uri="{BB962C8B-B14F-4D97-AF65-F5344CB8AC3E}">
@@ -30607,7 +32135,7 @@
           <a:graphicData uri="http://schemas.openxmlformats.org/presentationml/2006/ole">
             <mc:AlternateContent xmlns:mc="http://schemas.openxmlformats.org/markup-compatibility/2006">
               <mc:Choice xmlns:v="urn:schemas-microsoft-com:vml" Requires="v">
-                <p:oleObj spid="_x0000_s2355" name="Equation" r:id="rId3" imgW="1231560" imgH="291960" progId="Equation.DSMT4">
+                <p:oleObj spid="_x0000_s2376" name="Equation" r:id="rId3" imgW="1231560" imgH="291960" progId="Equation.DSMT4">
                   <p:embed/>
                 </p:oleObj>
               </mc:Choice>
@@ -30664,7 +32192,7 @@
           <a:graphicData uri="http://schemas.openxmlformats.org/presentationml/2006/ole">
             <mc:AlternateContent xmlns:mc="http://schemas.openxmlformats.org/markup-compatibility/2006">
               <mc:Choice xmlns:v="urn:schemas-microsoft-com:vml" Requires="v">
-                <p:oleObj spid="_x0000_s2356" name="Equation" r:id="rId5" imgW="1282680" imgH="291960" progId="Equation.DSMT4">
+                <p:oleObj spid="_x0000_s2377" name="Equation" r:id="rId5" imgW="1282680" imgH="291960" progId="Equation.DSMT4">
                   <p:embed/>
                 </p:oleObj>
               </mc:Choice>
@@ -30758,7 +32286,7 @@
           <a:graphicData uri="http://schemas.openxmlformats.org/presentationml/2006/ole">
             <mc:AlternateContent xmlns:mc="http://schemas.openxmlformats.org/markup-compatibility/2006">
               <mc:Choice xmlns:v="urn:schemas-microsoft-com:vml" Requires="v">
-                <p:oleObj spid="_x0000_s2357" name="Equation" r:id="rId7" imgW="1854000" imgH="609480" progId="Equation.DSMT4">
+                <p:oleObj spid="_x0000_s2378" name="Equation" r:id="rId7" imgW="1854000" imgH="609480" progId="Equation.DSMT4">
                   <p:embed/>
                 </p:oleObj>
               </mc:Choice>

--- a/lectures/lecture2.pptx
+++ b/lectures/lecture2.pptx
@@ -359,7 +359,7 @@
           <a:p>
             <a:fld id="{88225CEC-B4DB-421E-BD7D-F5D0F79EA658}" type="datetimeFigureOut">
               <a:rPr lang="en-US" smtClean="0"/>
-              <a:t>11/3/2021</a:t>
+              <a:t>11/8/2021</a:t>
             </a:fld>
             <a:endParaRPr lang="en-US"/>
           </a:p>
@@ -889,7 +889,7 @@
           <a:p>
             <a:fld id="{2F895662-E2E6-47BC-B493-3EA4FCF734B6}" type="datetime1">
               <a:rPr lang="en-US" smtClean="0"/>
-              <a:t>11/3/2021</a:t>
+              <a:t>11/8/2021</a:t>
             </a:fld>
             <a:endParaRPr lang="en-US"/>
           </a:p>
@@ -1057,7 +1057,7 @@
           <a:p>
             <a:fld id="{0F4BFD65-5602-4172-B54C-6A65165A1845}" type="datetime1">
               <a:rPr lang="en-US" smtClean="0"/>
-              <a:t>11/3/2021</a:t>
+              <a:t>11/8/2021</a:t>
             </a:fld>
             <a:endParaRPr lang="en-US"/>
           </a:p>
@@ -1235,7 +1235,7 @@
           <a:p>
             <a:fld id="{6CA290DE-8138-4626-BC3F-DF68A3BD09D8}" type="datetime1">
               <a:rPr lang="en-US" smtClean="0"/>
-              <a:t>11/3/2021</a:t>
+              <a:t>11/8/2021</a:t>
             </a:fld>
             <a:endParaRPr lang="en-US"/>
           </a:p>
@@ -1403,7 +1403,7 @@
           <a:p>
             <a:fld id="{E1BE8E3F-75DF-45E8-9F6B-4F2E22494A32}" type="datetime1">
               <a:rPr lang="en-US" smtClean="0"/>
-              <a:t>11/3/2021</a:t>
+              <a:t>11/8/2021</a:t>
             </a:fld>
             <a:endParaRPr lang="en-US"/>
           </a:p>
@@ -1648,7 +1648,7 @@
           <a:p>
             <a:fld id="{82F4DA82-3E7C-4CFB-A30B-53D3893EF32E}" type="datetime1">
               <a:rPr lang="en-US" smtClean="0"/>
-              <a:t>11/3/2021</a:t>
+              <a:t>11/8/2021</a:t>
             </a:fld>
             <a:endParaRPr lang="en-US"/>
           </a:p>
@@ -1933,7 +1933,7 @@
           <a:p>
             <a:fld id="{36B3D8AD-4C83-4D73-AEE7-5E801ED5356C}" type="datetime1">
               <a:rPr lang="en-US" smtClean="0"/>
-              <a:t>11/3/2021</a:t>
+              <a:t>11/8/2021</a:t>
             </a:fld>
             <a:endParaRPr lang="en-US"/>
           </a:p>
@@ -2352,7 +2352,7 @@
           <a:p>
             <a:fld id="{7E6893DB-DD64-49D6-A5C2-F6ACE2B1530B}" type="datetime1">
               <a:rPr lang="en-US" smtClean="0"/>
-              <a:t>11/3/2021</a:t>
+              <a:t>11/8/2021</a:t>
             </a:fld>
             <a:endParaRPr lang="en-US"/>
           </a:p>
@@ -2469,7 +2469,7 @@
           <a:p>
             <a:fld id="{FC0A94C3-7A0F-4E28-9A06-985C13FFBB01}" type="datetime1">
               <a:rPr lang="en-US" smtClean="0"/>
-              <a:t>11/3/2021</a:t>
+              <a:t>11/8/2021</a:t>
             </a:fld>
             <a:endParaRPr lang="en-US"/>
           </a:p>
@@ -2564,7 +2564,7 @@
           <a:p>
             <a:fld id="{8587B2D3-0011-41C0-B2C5-6B713844DB1C}" type="datetime1">
               <a:rPr lang="en-US" smtClean="0"/>
-              <a:t>11/3/2021</a:t>
+              <a:t>11/8/2021</a:t>
             </a:fld>
             <a:endParaRPr lang="en-US"/>
           </a:p>
@@ -2839,7 +2839,7 @@
           <a:p>
             <a:fld id="{B53EE19A-9EFD-417C-93CE-FC2F485F3533}" type="datetime1">
               <a:rPr lang="en-US" smtClean="0"/>
-              <a:t>11/3/2021</a:t>
+              <a:t>11/8/2021</a:t>
             </a:fld>
             <a:endParaRPr lang="en-US"/>
           </a:p>
@@ -3094,7 +3094,7 @@
           <a:p>
             <a:fld id="{87D9954C-8CD1-4968-8DFE-C7948C62F830}" type="datetime1">
               <a:rPr lang="en-US" smtClean="0"/>
-              <a:t>11/3/2021</a:t>
+              <a:t>11/8/2021</a:t>
             </a:fld>
             <a:endParaRPr lang="en-US"/>
           </a:p>
@@ -3310,7 +3310,7 @@
           <a:p>
             <a:fld id="{B4BF092D-FE75-4F27-B0C3-A897761F708C}" type="datetime1">
               <a:rPr lang="en-US" smtClean="0"/>
-              <a:t>11/3/2021</a:t>
+              <a:t>11/8/2021</a:t>
             </a:fld>
             <a:endParaRPr lang="en-US"/>
           </a:p>
@@ -4632,7 +4632,7 @@
             <a:graphicData uri="http://schemas.openxmlformats.org/presentationml/2006/ole">
               <mc:AlternateContent xmlns:mc="http://schemas.openxmlformats.org/markup-compatibility/2006">
                 <mc:Choice xmlns:v="urn:schemas-microsoft-com:vml" Requires="v">
-                  <p:oleObj spid="_x0000_s15566" name="Equation" r:id="rId8" imgW="203040" imgH="253800" progId="Equation.DSMT4">
+                  <p:oleObj spid="_x0000_s15572" name="Equation" r:id="rId8" imgW="203040" imgH="253800" progId="Equation.DSMT4">
                     <p:embed/>
                   </p:oleObj>
                 </mc:Choice>
@@ -4992,7 +4992,7 @@
             <a:graphicData uri="http://schemas.openxmlformats.org/presentationml/2006/ole">
               <mc:AlternateContent xmlns:mc="http://schemas.openxmlformats.org/markup-compatibility/2006">
                 <mc:Choice xmlns:v="urn:schemas-microsoft-com:vml" Requires="v">
-                  <p:oleObj spid="_x0000_s15567" name="Equation" r:id="rId10" imgW="190440" imgH="228600" progId="Equation.DSMT4">
+                  <p:oleObj spid="_x0000_s15573" name="Equation" r:id="rId10" imgW="190440" imgH="228600" progId="Equation.DSMT4">
                     <p:embed/>
                   </p:oleObj>
                 </mc:Choice>
@@ -5061,7 +5061,7 @@
             <a:graphicData uri="http://schemas.openxmlformats.org/presentationml/2006/ole">
               <mc:AlternateContent xmlns:mc="http://schemas.openxmlformats.org/markup-compatibility/2006">
                 <mc:Choice xmlns:v="urn:schemas-microsoft-com:vml" Requires="v">
-                  <p:oleObj spid="_x0000_s15568" name="Equation" r:id="rId12" imgW="241200" imgH="253800" progId="Equation.DSMT4">
+                  <p:oleObj spid="_x0000_s15574" name="Equation" r:id="rId12" imgW="241200" imgH="253800" progId="Equation.DSMT4">
                     <p:embed/>
                   </p:oleObj>
                 </mc:Choice>
@@ -5150,7 +5150,7 @@
               <a:graphicData uri="http://schemas.openxmlformats.org/presentationml/2006/ole">
                 <mc:AlternateContent xmlns:mc="http://schemas.openxmlformats.org/markup-compatibility/2006">
                   <mc:Choice xmlns:v="urn:schemas-microsoft-com:vml" Requires="v">
-                    <p:oleObj spid="_x0000_s15569" name="Equation" r:id="rId14" imgW="596880" imgH="241200" progId="Equation.DSMT4">
+                    <p:oleObj spid="_x0000_s15575" name="Equation" r:id="rId14" imgW="596880" imgH="241200" progId="Equation.DSMT4">
                       <p:embed/>
                     </p:oleObj>
                   </mc:Choice>
@@ -5276,7 +5276,7 @@
               <a:graphicData uri="http://schemas.openxmlformats.org/presentationml/2006/ole">
                 <mc:AlternateContent xmlns:mc="http://schemas.openxmlformats.org/markup-compatibility/2006">
                   <mc:Choice xmlns:v="urn:schemas-microsoft-com:vml" Requires="v">
-                    <p:oleObj spid="_x0000_s15570" name="Equation" r:id="rId16" imgW="622080" imgH="241200" progId="Equation.DSMT4">
+                    <p:oleObj spid="_x0000_s15576" name="Equation" r:id="rId16" imgW="622080" imgH="241200" progId="Equation.DSMT4">
                       <p:embed/>
                     </p:oleObj>
                   </mc:Choice>
@@ -5402,7 +5402,7 @@
               <a:graphicData uri="http://schemas.openxmlformats.org/presentationml/2006/ole">
                 <mc:AlternateContent xmlns:mc="http://schemas.openxmlformats.org/markup-compatibility/2006">
                   <mc:Choice xmlns:v="urn:schemas-microsoft-com:vml" Requires="v">
-                    <p:oleObj spid="_x0000_s15571" name="Equation" r:id="rId18" imgW="609480" imgH="241200" progId="Equation.DSMT4">
+                    <p:oleObj spid="_x0000_s15577" name="Equation" r:id="rId18" imgW="609480" imgH="241200" progId="Equation.DSMT4">
                       <p:embed/>
                     </p:oleObj>
                   </mc:Choice>
@@ -6249,7 +6249,7 @@
           <a:graphicData uri="http://schemas.openxmlformats.org/presentationml/2006/ole">
             <mc:AlternateContent xmlns:mc="http://schemas.openxmlformats.org/markup-compatibility/2006">
               <mc:Choice xmlns:v="urn:schemas-microsoft-com:vml" Requires="v">
-                <p:oleObj spid="_x0000_s16450" name="Equation" r:id="rId5" imgW="393480" imgH="203040" progId="Equation.DSMT4">
+                <p:oleObj spid="_x0000_s16452" name="Equation" r:id="rId5" imgW="393480" imgH="203040" progId="Equation.DSMT4">
                   <p:embed/>
                 </p:oleObj>
               </mc:Choice>
@@ -6300,7 +6300,7 @@
           <a:graphicData uri="http://schemas.openxmlformats.org/presentationml/2006/ole">
             <mc:AlternateContent xmlns:mc="http://schemas.openxmlformats.org/markup-compatibility/2006">
               <mc:Choice xmlns:v="urn:schemas-microsoft-com:vml" Requires="v">
-                <p:oleObj spid="_x0000_s16451" name="Equation" r:id="rId7" imgW="355320" imgH="203040" progId="Equation.DSMT4">
+                <p:oleObj spid="_x0000_s16453" name="Equation" r:id="rId7" imgW="355320" imgH="203040" progId="Equation.DSMT4">
                   <p:embed/>
                 </p:oleObj>
               </mc:Choice>
@@ -6641,7 +6641,7 @@
           <a:graphicData uri="http://schemas.openxmlformats.org/presentationml/2006/ole">
             <mc:AlternateContent xmlns:mc="http://schemas.openxmlformats.org/markup-compatibility/2006">
               <mc:Choice xmlns:v="urn:schemas-microsoft-com:vml" Requires="v">
-                <p:oleObj spid="_x0000_s3364" name="Equation" r:id="rId3" imgW="139680" imgH="203040" progId="Equation.DSMT4">
+                <p:oleObj spid="_x0000_s3368" name="Equation" r:id="rId3" imgW="139680" imgH="203040" progId="Equation.DSMT4">
                   <p:embed/>
                 </p:oleObj>
               </mc:Choice>
@@ -6698,7 +6698,7 @@
           <a:graphicData uri="http://schemas.openxmlformats.org/presentationml/2006/ole">
             <mc:AlternateContent xmlns:mc="http://schemas.openxmlformats.org/markup-compatibility/2006">
               <mc:Choice xmlns:v="urn:schemas-microsoft-com:vml" Requires="v">
-                <p:oleObj spid="_x0000_s3365" name="Equation" r:id="rId5" imgW="2450880" imgH="253800" progId="Equation.DSMT4">
+                <p:oleObj spid="_x0000_s3369" name="Equation" r:id="rId5" imgW="2450880" imgH="253800" progId="Equation.DSMT4">
                   <p:embed/>
                 </p:oleObj>
               </mc:Choice>
@@ -6755,7 +6755,7 @@
           <a:graphicData uri="http://schemas.openxmlformats.org/presentationml/2006/ole">
             <mc:AlternateContent xmlns:mc="http://schemas.openxmlformats.org/markup-compatibility/2006">
               <mc:Choice xmlns:v="urn:schemas-microsoft-com:vml" Requires="v">
-                <p:oleObj spid="_x0000_s3366" name="Equation" r:id="rId7" imgW="164880" imgH="228600" progId="Equation.DSMT4">
+                <p:oleObj spid="_x0000_s3370" name="Equation" r:id="rId7" imgW="164880" imgH="228600" progId="Equation.DSMT4">
                   <p:embed/>
                 </p:oleObj>
               </mc:Choice>
@@ -6892,7 +6892,7 @@
           <a:graphicData uri="http://schemas.openxmlformats.org/presentationml/2006/ole">
             <mc:AlternateContent xmlns:mc="http://schemas.openxmlformats.org/markup-compatibility/2006">
               <mc:Choice xmlns:v="urn:schemas-microsoft-com:vml" Requires="v">
-                <p:oleObj spid="_x0000_s3367" name="Equation" r:id="rId3" imgW="139680" imgH="203040" progId="Equation.DSMT4">
+                <p:oleObj spid="_x0000_s3371" name="Equation" r:id="rId3" imgW="139680" imgH="203040" progId="Equation.DSMT4">
                   <p:embed/>
                 </p:oleObj>
               </mc:Choice>
@@ -10750,7 +10750,7 @@
           <a:graphicData uri="http://schemas.openxmlformats.org/presentationml/2006/ole">
             <mc:AlternateContent xmlns:mc="http://schemas.openxmlformats.org/markup-compatibility/2006">
               <mc:Choice xmlns:v="urn:schemas-microsoft-com:vml" Requires="v">
-                <p:oleObj spid="_x0000_s4274" name="Equation" r:id="rId5" imgW="393480" imgH="203040" progId="Equation.DSMT4">
+                <p:oleObj spid="_x0000_s4276" name="Equation" r:id="rId5" imgW="393480" imgH="203040" progId="Equation.DSMT4">
                   <p:embed/>
                 </p:oleObj>
               </mc:Choice>
@@ -10807,7 +10807,7 @@
           <a:graphicData uri="http://schemas.openxmlformats.org/presentationml/2006/ole">
             <mc:AlternateContent xmlns:mc="http://schemas.openxmlformats.org/markup-compatibility/2006">
               <mc:Choice xmlns:v="urn:schemas-microsoft-com:vml" Requires="v">
-                <p:oleObj spid="_x0000_s4275" name="Equation" r:id="rId7" imgW="355320" imgH="203040" progId="Equation.DSMT4">
+                <p:oleObj spid="_x0000_s4277" name="Equation" r:id="rId7" imgW="355320" imgH="203040" progId="Equation.DSMT4">
                   <p:embed/>
                 </p:oleObj>
               </mc:Choice>
@@ -11245,7 +11245,7 @@
           <a:graphicData uri="http://schemas.openxmlformats.org/presentationml/2006/ole">
             <mc:AlternateContent xmlns:mc="http://schemas.openxmlformats.org/markup-compatibility/2006">
               <mc:Choice xmlns:v="urn:schemas-microsoft-com:vml" Requires="v">
-                <p:oleObj spid="_x0000_s11325" name="Equation" r:id="rId9" imgW="1231560" imgH="291960" progId="Equation.DSMT4">
+                <p:oleObj spid="_x0000_s11326" name="Equation" r:id="rId9" imgW="1231560" imgH="291960" progId="Equation.DSMT4">
                   <p:embed/>
                 </p:oleObj>
               </mc:Choice>
@@ -13654,7 +13654,7 @@
           <a:graphicData uri="http://schemas.openxmlformats.org/presentationml/2006/ole">
             <mc:AlternateContent xmlns:mc="http://schemas.openxmlformats.org/markup-compatibility/2006">
               <mc:Choice xmlns:v="urn:schemas-microsoft-com:vml" Requires="v">
-                <p:oleObj spid="_x0000_s5198" name="Equation" r:id="rId5" imgW="1104840" imgH="304560" progId="Equation.DSMT4">
+                <p:oleObj spid="_x0000_s5199" name="Equation" r:id="rId5" imgW="1104840" imgH="304560" progId="Equation.DSMT4">
                   <p:embed/>
                 </p:oleObj>
               </mc:Choice>
@@ -14134,7 +14134,7 @@
           <a:graphicData uri="http://schemas.openxmlformats.org/presentationml/2006/ole">
             <mc:AlternateContent xmlns:mc="http://schemas.openxmlformats.org/markup-compatibility/2006">
               <mc:Choice xmlns:v="urn:schemas-microsoft-com:vml" Requires="v">
-                <p:oleObj spid="_x0000_s7245" name="Equation" r:id="rId6" imgW="1676160" imgH="304560" progId="Equation.DSMT4">
+                <p:oleObj spid="_x0000_s7246" name="Equation" r:id="rId6" imgW="1676160" imgH="304560" progId="Equation.DSMT4">
                   <p:embed/>
                 </p:oleObj>
               </mc:Choice>
@@ -14713,7 +14713,7 @@
           <a:graphicData uri="http://schemas.openxmlformats.org/presentationml/2006/ole">
             <mc:AlternateContent xmlns:mc="http://schemas.openxmlformats.org/markup-compatibility/2006">
               <mc:Choice xmlns:v="urn:schemas-microsoft-com:vml" Requires="v">
-                <p:oleObj spid="_x0000_s6224" name="Equation" r:id="rId3" imgW="1104840" imgH="304560" progId="Equation.DSMT4">
+                <p:oleObj spid="_x0000_s6225" name="Equation" r:id="rId3" imgW="1104840" imgH="304560" progId="Equation.DSMT4">
                   <p:embed/>
                 </p:oleObj>
               </mc:Choice>
@@ -15393,7 +15393,7 @@
           <a:graphicData uri="http://schemas.openxmlformats.org/presentationml/2006/ole">
             <mc:AlternateContent xmlns:mc="http://schemas.openxmlformats.org/markup-compatibility/2006">
               <mc:Choice xmlns:v="urn:schemas-microsoft-com:vml" Requires="v">
-                <p:oleObj spid="_x0000_s12345" name="Equation" r:id="rId3" imgW="1676160" imgH="304560" progId="Equation.DSMT4">
+                <p:oleObj spid="_x0000_s12346" name="Equation" r:id="rId3" imgW="1676160" imgH="304560" progId="Equation.DSMT4">
                   <p:embed/>
                 </p:oleObj>
               </mc:Choice>
@@ -22867,7 +22867,7 @@
               <a:rPr lang="en-US" sz="1400" dirty="0">
                 <a:latin typeface="Lucida Sans Typewriter" pitchFamily="49" charset="0"/>
               </a:rPr>
-              <a:t>Gentoo       0   -2</a:t>
+              <a:t>Gentoo       0    2</a:t>
             </a:r>
           </a:p>
         </p:txBody>
@@ -27423,7 +27423,7 @@
             <a:graphicData uri="http://schemas.openxmlformats.org/presentationml/2006/ole">
               <mc:AlternateContent xmlns:mc="http://schemas.openxmlformats.org/markup-compatibility/2006">
                 <mc:Choice xmlns:v="urn:schemas-microsoft-com:vml" Requires="v">
-                  <p:oleObj spid="_x0000_s14759" name="Equation" r:id="rId3" imgW="203040" imgH="253800" progId="Equation.DSMT4">
+                  <p:oleObj spid="_x0000_s14771" name="Equation" r:id="rId3" imgW="203040" imgH="253800" progId="Equation.DSMT4">
                     <p:embed/>
                   </p:oleObj>
                 </mc:Choice>
@@ -27797,7 +27797,7 @@
               <a:graphicData uri="http://schemas.openxmlformats.org/presentationml/2006/ole">
                 <mc:AlternateContent xmlns:mc="http://schemas.openxmlformats.org/markup-compatibility/2006">
                   <mc:Choice xmlns:v="urn:schemas-microsoft-com:vml" Requires="v">
-                    <p:oleObj spid="_x0000_s14760" name="Equation" r:id="rId5" imgW="190440" imgH="228600" progId="Equation.DSMT4">
+                    <p:oleObj spid="_x0000_s14772" name="Equation" r:id="rId5" imgW="190440" imgH="228600" progId="Equation.DSMT4">
                       <p:embed/>
                     </p:oleObj>
                   </mc:Choice>
@@ -27860,7 +27860,7 @@
               <a:graphicData uri="http://schemas.openxmlformats.org/presentationml/2006/ole">
                 <mc:AlternateContent xmlns:mc="http://schemas.openxmlformats.org/markup-compatibility/2006">
                   <mc:Choice xmlns:v="urn:schemas-microsoft-com:vml" Requires="v">
-                    <p:oleObj spid="_x0000_s14761" name="Equation" r:id="rId7" imgW="241200" imgH="253800" progId="Equation.DSMT4">
+                    <p:oleObj spid="_x0000_s14773" name="Equation" r:id="rId7" imgW="241200" imgH="253800" progId="Equation.DSMT4">
                       <p:embed/>
                     </p:oleObj>
                   </mc:Choice>
@@ -27943,7 +27943,7 @@
                 <a:graphicData uri="http://schemas.openxmlformats.org/presentationml/2006/ole">
                   <mc:AlternateContent xmlns:mc="http://schemas.openxmlformats.org/markup-compatibility/2006">
                     <mc:Choice xmlns:v="urn:schemas-microsoft-com:vml" Requires="v">
-                      <p:oleObj spid="_x0000_s14762" name="Equation" r:id="rId9" imgW="596880" imgH="241200" progId="Equation.DSMT4">
+                      <p:oleObj spid="_x0000_s14774" name="Equation" r:id="rId9" imgW="596880" imgH="241200" progId="Equation.DSMT4">
                         <p:embed/>
                       </p:oleObj>
                     </mc:Choice>
@@ -28069,7 +28069,7 @@
                 <a:graphicData uri="http://schemas.openxmlformats.org/presentationml/2006/ole">
                   <mc:AlternateContent xmlns:mc="http://schemas.openxmlformats.org/markup-compatibility/2006">
                     <mc:Choice xmlns:v="urn:schemas-microsoft-com:vml" Requires="v">
-                      <p:oleObj spid="_x0000_s14763" name="Equation" r:id="rId11" imgW="622080" imgH="241200" progId="Equation.DSMT4">
+                      <p:oleObj spid="_x0000_s14775" name="Equation" r:id="rId11" imgW="622080" imgH="241200" progId="Equation.DSMT4">
                         <p:embed/>
                       </p:oleObj>
                     </mc:Choice>
@@ -28195,7 +28195,7 @@
                 <a:graphicData uri="http://schemas.openxmlformats.org/presentationml/2006/ole">
                   <mc:AlternateContent xmlns:mc="http://schemas.openxmlformats.org/markup-compatibility/2006">
                     <mc:Choice xmlns:v="urn:schemas-microsoft-com:vml" Requires="v">
-                      <p:oleObj spid="_x0000_s14764" name="Equation" r:id="rId13" imgW="609480" imgH="241200" progId="Equation.DSMT4">
+                      <p:oleObj spid="_x0000_s14776" name="Equation" r:id="rId13" imgW="609480" imgH="241200" progId="Equation.DSMT4">
                         <p:embed/>
                       </p:oleObj>
                     </mc:Choice>
@@ -28323,7 +28323,7 @@
             <a:graphicData uri="http://schemas.openxmlformats.org/presentationml/2006/ole">
               <mc:AlternateContent xmlns:mc="http://schemas.openxmlformats.org/markup-compatibility/2006">
                 <mc:Choice xmlns:v="urn:schemas-microsoft-com:vml" Requires="v">
-                  <p:oleObj spid="_x0000_s14765" name="Equation" r:id="rId15" imgW="203040" imgH="253800" progId="Equation.DSMT4">
+                  <p:oleObj spid="_x0000_s14777" name="Equation" r:id="rId15" imgW="203040" imgH="253800" progId="Equation.DSMT4">
                     <p:embed/>
                   </p:oleObj>
                 </mc:Choice>
@@ -28683,7 +28683,7 @@
             <a:graphicData uri="http://schemas.openxmlformats.org/presentationml/2006/ole">
               <mc:AlternateContent xmlns:mc="http://schemas.openxmlformats.org/markup-compatibility/2006">
                 <mc:Choice xmlns:v="urn:schemas-microsoft-com:vml" Requires="v">
-                  <p:oleObj spid="_x0000_s14766" name="Equation" r:id="rId16" imgW="190440" imgH="228600" progId="Equation.DSMT4">
+                  <p:oleObj spid="_x0000_s14778" name="Equation" r:id="rId16" imgW="190440" imgH="228600" progId="Equation.DSMT4">
                     <p:embed/>
                   </p:oleObj>
                 </mc:Choice>
@@ -28752,7 +28752,7 @@
             <a:graphicData uri="http://schemas.openxmlformats.org/presentationml/2006/ole">
               <mc:AlternateContent xmlns:mc="http://schemas.openxmlformats.org/markup-compatibility/2006">
                 <mc:Choice xmlns:v="urn:schemas-microsoft-com:vml" Requires="v">
-                  <p:oleObj spid="_x0000_s14767" name="Equation" r:id="rId17" imgW="241200" imgH="253800" progId="Equation.DSMT4">
+                  <p:oleObj spid="_x0000_s14779" name="Equation" r:id="rId17" imgW="241200" imgH="253800" progId="Equation.DSMT4">
                     <p:embed/>
                   </p:oleObj>
                 </mc:Choice>
@@ -28841,7 +28841,7 @@
               <a:graphicData uri="http://schemas.openxmlformats.org/presentationml/2006/ole">
                 <mc:AlternateContent xmlns:mc="http://schemas.openxmlformats.org/markup-compatibility/2006">
                   <mc:Choice xmlns:v="urn:schemas-microsoft-com:vml" Requires="v">
-                    <p:oleObj spid="_x0000_s14768" name="Equation" r:id="rId18" imgW="596880" imgH="241200" progId="Equation.DSMT4">
+                    <p:oleObj spid="_x0000_s14780" name="Equation" r:id="rId18" imgW="596880" imgH="241200" progId="Equation.DSMT4">
                       <p:embed/>
                     </p:oleObj>
                   </mc:Choice>
@@ -28967,7 +28967,7 @@
               <a:graphicData uri="http://schemas.openxmlformats.org/presentationml/2006/ole">
                 <mc:AlternateContent xmlns:mc="http://schemas.openxmlformats.org/markup-compatibility/2006">
                   <mc:Choice xmlns:v="urn:schemas-microsoft-com:vml" Requires="v">
-                    <p:oleObj spid="_x0000_s14769" name="Equation" r:id="rId19" imgW="622080" imgH="241200" progId="Equation.DSMT4">
+                    <p:oleObj spid="_x0000_s14781" name="Equation" r:id="rId19" imgW="622080" imgH="241200" progId="Equation.DSMT4">
                       <p:embed/>
                     </p:oleObj>
                   </mc:Choice>
@@ -29093,7 +29093,7 @@
               <a:graphicData uri="http://schemas.openxmlformats.org/presentationml/2006/ole">
                 <mc:AlternateContent xmlns:mc="http://schemas.openxmlformats.org/markup-compatibility/2006">
                   <mc:Choice xmlns:v="urn:schemas-microsoft-com:vml" Requires="v">
-                    <p:oleObj spid="_x0000_s14770" name="Equation" r:id="rId20" imgW="609480" imgH="241200" progId="Equation.DSMT4">
+                    <p:oleObj spid="_x0000_s14782" name="Equation" r:id="rId20" imgW="609480" imgH="241200" progId="Equation.DSMT4">
                       <p:embed/>
                     </p:oleObj>
                   </mc:Choice>
@@ -29321,7 +29321,7 @@
           <a:graphicData uri="http://schemas.openxmlformats.org/presentationml/2006/ole">
             <mc:AlternateContent xmlns:mc="http://schemas.openxmlformats.org/markup-compatibility/2006">
               <mc:Choice xmlns:v="urn:schemas-microsoft-com:vml" Requires="v">
-                <p:oleObj spid="_x0000_s1420" name="Equation" r:id="rId3" imgW="1143000" imgH="330120" progId="Equation.DSMT4">
+                <p:oleObj spid="_x0000_s1425" name="Equation" r:id="rId3" imgW="1143000" imgH="330120" progId="Equation.DSMT4">
                   <p:embed/>
                 </p:oleObj>
               </mc:Choice>
@@ -29378,7 +29378,7 @@
           <a:graphicData uri="http://schemas.openxmlformats.org/presentationml/2006/ole">
             <mc:AlternateContent xmlns:mc="http://schemas.openxmlformats.org/markup-compatibility/2006">
               <mc:Choice xmlns:v="urn:schemas-microsoft-com:vml" Requires="v">
-                <p:oleObj spid="_x0000_s1421" name="Equation" r:id="rId5" imgW="1244520" imgH="291960" progId="Equation.DSMT4">
+                <p:oleObj spid="_x0000_s1426" name="Equation" r:id="rId5" imgW="1244520" imgH="291960" progId="Equation.DSMT4">
                   <p:embed/>
                 </p:oleObj>
               </mc:Choice>
@@ -29465,7 +29465,7 @@
           <a:graphicData uri="http://schemas.openxmlformats.org/presentationml/2006/ole">
             <mc:AlternateContent xmlns:mc="http://schemas.openxmlformats.org/markup-compatibility/2006">
               <mc:Choice xmlns:v="urn:schemas-microsoft-com:vml" Requires="v">
-                <p:oleObj spid="_x0000_s1422" name="Equation" r:id="rId7" imgW="2286000" imgH="685800" progId="Equation.DSMT4">
+                <p:oleObj spid="_x0000_s1427" name="Equation" r:id="rId7" imgW="2286000" imgH="685800" progId="Equation.DSMT4">
                   <p:embed/>
                 </p:oleObj>
               </mc:Choice>
@@ -29535,7 +29535,7 @@
           <a:graphicData uri="http://schemas.openxmlformats.org/presentationml/2006/ole">
             <mc:AlternateContent xmlns:mc="http://schemas.openxmlformats.org/markup-compatibility/2006">
               <mc:Choice xmlns:v="urn:schemas-microsoft-com:vml" Requires="v">
-                <p:oleObj spid="_x0000_s1423" name="Equation" r:id="rId9" imgW="1396800" imgH="431640" progId="Equation.DSMT4">
+                <p:oleObj spid="_x0000_s1428" name="Equation" r:id="rId9" imgW="1396800" imgH="431640" progId="Equation.DSMT4">
                   <p:embed/>
                 </p:oleObj>
               </mc:Choice>
@@ -29770,7 +29770,7 @@
           <a:graphicData uri="http://schemas.openxmlformats.org/presentationml/2006/ole">
             <mc:AlternateContent xmlns:mc="http://schemas.openxmlformats.org/markup-compatibility/2006">
               <mc:Choice xmlns:v="urn:schemas-microsoft-com:vml" Requires="v">
-                <p:oleObj spid="_x0000_s1424" name="Equation" r:id="rId11" imgW="2425680" imgH="241200" progId="Equation.DSMT4">
+                <p:oleObj spid="_x0000_s1429" name="Equation" r:id="rId11" imgW="2425680" imgH="241200" progId="Equation.DSMT4">
                   <p:embed/>
                 </p:oleObj>
               </mc:Choice>
@@ -30098,7 +30098,7 @@
           <a:graphicData uri="http://schemas.openxmlformats.org/presentationml/2006/ole">
             <mc:AlternateContent xmlns:mc="http://schemas.openxmlformats.org/markup-compatibility/2006">
               <mc:Choice xmlns:v="urn:schemas-microsoft-com:vml" Requires="v">
-                <p:oleObj spid="_x0000_s18476" name="Equation" r:id="rId4" imgW="698400" imgH="241200" progId="Equation.DSMT4">
+                <p:oleObj spid="_x0000_s18481" name="Equation" r:id="rId4" imgW="698400" imgH="241200" progId="Equation.DSMT4">
                   <p:embed/>
                 </p:oleObj>
               </mc:Choice>
@@ -30167,7 +30167,7 @@
           <a:graphicData uri="http://schemas.openxmlformats.org/presentationml/2006/ole">
             <mc:AlternateContent xmlns:mc="http://schemas.openxmlformats.org/markup-compatibility/2006">
               <mc:Choice xmlns:v="urn:schemas-microsoft-com:vml" Requires="v">
-                <p:oleObj spid="_x0000_s18477" name="Equation" r:id="rId6" imgW="698400" imgH="241200" progId="Equation.DSMT4">
+                <p:oleObj spid="_x0000_s18482" name="Equation" r:id="rId6" imgW="698400" imgH="241200" progId="Equation.DSMT4">
                   <p:embed/>
                 </p:oleObj>
               </mc:Choice>
@@ -30236,7 +30236,7 @@
           <a:graphicData uri="http://schemas.openxmlformats.org/presentationml/2006/ole">
             <mc:AlternateContent xmlns:mc="http://schemas.openxmlformats.org/markup-compatibility/2006">
               <mc:Choice xmlns:v="urn:schemas-microsoft-com:vml" Requires="v">
-                <p:oleObj spid="_x0000_s18478" name="Equation" r:id="rId8" imgW="723600" imgH="241200" progId="Equation.DSMT4">
+                <p:oleObj spid="_x0000_s18483" name="Equation" r:id="rId8" imgW="723600" imgH="241200" progId="Equation.DSMT4">
                   <p:embed/>
                 </p:oleObj>
               </mc:Choice>
@@ -30494,7 +30494,7 @@
           <a:graphicData uri="http://schemas.openxmlformats.org/presentationml/2006/ole">
             <mc:AlternateContent xmlns:mc="http://schemas.openxmlformats.org/markup-compatibility/2006">
               <mc:Choice xmlns:v="urn:schemas-microsoft-com:vml" Requires="v">
-                <p:oleObj spid="_x0000_s18479" name="Equation" r:id="rId11" imgW="380880" imgH="203040" progId="Equation.DSMT4">
+                <p:oleObj spid="_x0000_s18484" name="Equation" r:id="rId11" imgW="380880" imgH="203040" progId="Equation.DSMT4">
                   <p:embed/>
                 </p:oleObj>
               </mc:Choice>
@@ -30557,7 +30557,7 @@
           <a:graphicData uri="http://schemas.openxmlformats.org/presentationml/2006/ole">
             <mc:AlternateContent xmlns:mc="http://schemas.openxmlformats.org/markup-compatibility/2006">
               <mc:Choice xmlns:v="urn:schemas-microsoft-com:vml" Requires="v">
-                <p:oleObj spid="_x0000_s18480" name="Equation" r:id="rId13" imgW="380880" imgH="241200" progId="Equation.DSMT4">
+                <p:oleObj spid="_x0000_s18485" name="Equation" r:id="rId13" imgW="380880" imgH="241200" progId="Equation.DSMT4">
                   <p:embed/>
                 </p:oleObj>
               </mc:Choice>
@@ -30966,7 +30966,7 @@
           <a:graphicData uri="http://schemas.openxmlformats.org/presentationml/2006/ole">
             <mc:AlternateContent xmlns:mc="http://schemas.openxmlformats.org/markup-compatibility/2006">
               <mc:Choice xmlns:v="urn:schemas-microsoft-com:vml" Requires="v">
-                <p:oleObj spid="_x0000_s17443" name="Equation" r:id="rId3" imgW="812520" imgH="253800" progId="Equation.DSMT4">
+                <p:oleObj spid="_x0000_s17446" name="Equation" r:id="rId3" imgW="812520" imgH="253800" progId="Equation.DSMT4">
                   <p:embed/>
                 </p:oleObj>
               </mc:Choice>
@@ -31029,7 +31029,7 @@
           <a:graphicData uri="http://schemas.openxmlformats.org/presentationml/2006/ole">
             <mc:AlternateContent xmlns:mc="http://schemas.openxmlformats.org/markup-compatibility/2006">
               <mc:Choice xmlns:v="urn:schemas-microsoft-com:vml" Requires="v">
-                <p:oleObj spid="_x0000_s17444" name="Equation" r:id="rId5" imgW="838080" imgH="253800" progId="Equation.DSMT4">
+                <p:oleObj spid="_x0000_s17447" name="Equation" r:id="rId5" imgW="838080" imgH="253800" progId="Equation.DSMT4">
                   <p:embed/>
                 </p:oleObj>
               </mc:Choice>
@@ -31092,7 +31092,7 @@
           <a:graphicData uri="http://schemas.openxmlformats.org/presentationml/2006/ole">
             <mc:AlternateContent xmlns:mc="http://schemas.openxmlformats.org/markup-compatibility/2006">
               <mc:Choice xmlns:v="urn:schemas-microsoft-com:vml" Requires="v">
-                <p:oleObj spid="_x0000_s17445" name="Equation" r:id="rId7" imgW="825480" imgH="253800" progId="Equation.DSMT4">
+                <p:oleObj spid="_x0000_s17448" name="Equation" r:id="rId7" imgW="825480" imgH="253800" progId="Equation.DSMT4">
                   <p:embed/>
                 </p:oleObj>
               </mc:Choice>
@@ -32135,7 +32135,7 @@
           <a:graphicData uri="http://schemas.openxmlformats.org/presentationml/2006/ole">
             <mc:AlternateContent xmlns:mc="http://schemas.openxmlformats.org/markup-compatibility/2006">
               <mc:Choice xmlns:v="urn:schemas-microsoft-com:vml" Requires="v">
-                <p:oleObj spid="_x0000_s2376" name="Equation" r:id="rId3" imgW="1231560" imgH="291960" progId="Equation.DSMT4">
+                <p:oleObj spid="_x0000_s2379" name="Equation" r:id="rId3" imgW="1231560" imgH="291960" progId="Equation.DSMT4">
                   <p:embed/>
                 </p:oleObj>
               </mc:Choice>
@@ -32192,7 +32192,7 @@
           <a:graphicData uri="http://schemas.openxmlformats.org/presentationml/2006/ole">
             <mc:AlternateContent xmlns:mc="http://schemas.openxmlformats.org/markup-compatibility/2006">
               <mc:Choice xmlns:v="urn:schemas-microsoft-com:vml" Requires="v">
-                <p:oleObj spid="_x0000_s2377" name="Equation" r:id="rId5" imgW="1282680" imgH="291960" progId="Equation.DSMT4">
+                <p:oleObj spid="_x0000_s2380" name="Equation" r:id="rId5" imgW="1282680" imgH="291960" progId="Equation.DSMT4">
                   <p:embed/>
                 </p:oleObj>
               </mc:Choice>
@@ -32286,7 +32286,7 @@
           <a:graphicData uri="http://schemas.openxmlformats.org/presentationml/2006/ole">
             <mc:AlternateContent xmlns:mc="http://schemas.openxmlformats.org/markup-compatibility/2006">
               <mc:Choice xmlns:v="urn:schemas-microsoft-com:vml" Requires="v">
-                <p:oleObj spid="_x0000_s2378" name="Equation" r:id="rId7" imgW="1854000" imgH="609480" progId="Equation.DSMT4">
+                <p:oleObj spid="_x0000_s2381" name="Equation" r:id="rId7" imgW="1854000" imgH="609480" progId="Equation.DSMT4">
                   <p:embed/>
                 </p:oleObj>
               </mc:Choice>
